--- a/GitIntro.pptx
+++ b/GitIntro.pptx
@@ -5,16 +5,18 @@
     <p:sldMasterId id="2147483660" r:id="rId4"/>
   </p:sldMasterIdLst>
   <p:notesMasterIdLst>
-    <p:notesMasterId r:id="rId9"/>
+    <p:notesMasterId r:id="rId11"/>
   </p:notesMasterIdLst>
   <p:handoutMasterIdLst>
-    <p:handoutMasterId r:id="rId10"/>
+    <p:handoutMasterId r:id="rId12"/>
   </p:handoutMasterIdLst>
   <p:sldIdLst>
     <p:sldId id="263" r:id="rId5"/>
     <p:sldId id="316" r:id="rId6"/>
     <p:sldId id="317" r:id="rId7"/>
-    <p:sldId id="318" r:id="rId8"/>
+    <p:sldId id="319" r:id="rId8"/>
+    <p:sldId id="320" r:id="rId9"/>
+    <p:sldId id="318" r:id="rId10"/>
   </p:sldIdLst>
   <p:sldSz cx="9144000" cy="6858000" type="screen4x3"/>
   <p:notesSz cx="6858000" cy="9144000"/>
@@ -151,7 +153,7 @@
   <pc:docChgLst>
     <pc:chgData name="Will Brooks" userId="d4c2b272-852e-451d-80ba-d2f905b38211" providerId="ADAL" clId="{37A0AFB6-F6CA-4F11-9C33-0D7619B1449C}"/>
     <pc:docChg chg="undo custSel addSld delSld modSld">
-      <pc:chgData name="Will Brooks" userId="d4c2b272-852e-451d-80ba-d2f905b38211" providerId="ADAL" clId="{37A0AFB6-F6CA-4F11-9C33-0D7619B1449C}" dt="2022-09-20T15:42:30.421" v="897" actId="20577"/>
+      <pc:chgData name="Will Brooks" userId="d4c2b272-852e-451d-80ba-d2f905b38211" providerId="ADAL" clId="{37A0AFB6-F6CA-4F11-9C33-0D7619B1449C}" dt="2022-09-21T08:48:31.834" v="3650" actId="20577"/>
       <pc:docMkLst>
         <pc:docMk/>
       </pc:docMkLst>
@@ -487,13 +489,13 @@
         </pc:sldMkLst>
       </pc:sldChg>
       <pc:sldChg chg="modSp add del mod">
-        <pc:chgData name="Will Brooks" userId="d4c2b272-852e-451d-80ba-d2f905b38211" providerId="ADAL" clId="{37A0AFB6-F6CA-4F11-9C33-0D7619B1449C}" dt="2022-09-20T15:40:14.155" v="823" actId="20577"/>
+        <pc:chgData name="Will Brooks" userId="d4c2b272-852e-451d-80ba-d2f905b38211" providerId="ADAL" clId="{37A0AFB6-F6CA-4F11-9C33-0D7619B1449C}" dt="2022-09-21T08:21:43.033" v="1000" actId="20577"/>
         <pc:sldMkLst>
           <pc:docMk/>
           <pc:sldMk cId="3770664684" sldId="316"/>
         </pc:sldMkLst>
         <pc:spChg chg="mod">
-          <ac:chgData name="Will Brooks" userId="d4c2b272-852e-451d-80ba-d2f905b38211" providerId="ADAL" clId="{37A0AFB6-F6CA-4F11-9C33-0D7619B1449C}" dt="2022-09-20T15:40:14.155" v="823" actId="20577"/>
+          <ac:chgData name="Will Brooks" userId="d4c2b272-852e-451d-80ba-d2f905b38211" providerId="ADAL" clId="{37A0AFB6-F6CA-4F11-9C33-0D7619B1449C}" dt="2022-09-21T08:21:43.033" v="1000" actId="20577"/>
           <ac:spMkLst>
             <pc:docMk/>
             <pc:sldMk cId="3770664684" sldId="316"/>
@@ -510,13 +512,13 @@
         </pc:spChg>
       </pc:sldChg>
       <pc:sldChg chg="modSp add mod">
-        <pc:chgData name="Will Brooks" userId="d4c2b272-852e-451d-80ba-d2f905b38211" providerId="ADAL" clId="{37A0AFB6-F6CA-4F11-9C33-0D7619B1449C}" dt="2022-09-20T15:41:51.407" v="851" actId="20577"/>
+        <pc:chgData name="Will Brooks" userId="d4c2b272-852e-451d-80ba-d2f905b38211" providerId="ADAL" clId="{37A0AFB6-F6CA-4F11-9C33-0D7619B1449C}" dt="2022-09-21T08:48:10.067" v="3634" actId="20577"/>
         <pc:sldMkLst>
           <pc:docMk/>
           <pc:sldMk cId="1180572286" sldId="317"/>
         </pc:sldMkLst>
         <pc:spChg chg="mod">
-          <ac:chgData name="Will Brooks" userId="d4c2b272-852e-451d-80ba-d2f905b38211" providerId="ADAL" clId="{37A0AFB6-F6CA-4F11-9C33-0D7619B1449C}" dt="2022-09-20T15:41:51.407" v="851" actId="20577"/>
+          <ac:chgData name="Will Brooks" userId="d4c2b272-852e-451d-80ba-d2f905b38211" providerId="ADAL" clId="{37A0AFB6-F6CA-4F11-9C33-0D7619B1449C}" dt="2022-09-21T08:35:45.266" v="2503" actId="5793"/>
           <ac:spMkLst>
             <pc:docMk/>
             <pc:sldMk cId="1180572286" sldId="317"/>
@@ -524,7 +526,7 @@
           </ac:spMkLst>
         </pc:spChg>
         <pc:spChg chg="mod">
-          <ac:chgData name="Will Brooks" userId="d4c2b272-852e-451d-80ba-d2f905b38211" providerId="ADAL" clId="{37A0AFB6-F6CA-4F11-9C33-0D7619B1449C}" dt="2022-09-20T15:40:52.677" v="850" actId="20577"/>
+          <ac:chgData name="Will Brooks" userId="d4c2b272-852e-451d-80ba-d2f905b38211" providerId="ADAL" clId="{37A0AFB6-F6CA-4F11-9C33-0D7619B1449C}" dt="2022-09-21T08:48:10.067" v="3634" actId="20577"/>
           <ac:spMkLst>
             <pc:docMk/>
             <pc:sldMk cId="1180572286" sldId="317"/>
@@ -543,6 +545,52 @@
           <ac:spMkLst>
             <pc:docMk/>
             <pc:sldMk cId="2310298358" sldId="318"/>
+            <ac:spMk id="4" creationId="{42A5EA90-17C9-4BD5-BD0D-74A5419E18C7}"/>
+          </ac:spMkLst>
+        </pc:spChg>
+      </pc:sldChg>
+      <pc:sldChg chg="modSp add mod">
+        <pc:chgData name="Will Brooks" userId="d4c2b272-852e-451d-80ba-d2f905b38211" providerId="ADAL" clId="{37A0AFB6-F6CA-4F11-9C33-0D7619B1449C}" dt="2022-09-21T08:47:59.311" v="3601" actId="20577"/>
+        <pc:sldMkLst>
+          <pc:docMk/>
+          <pc:sldMk cId="4006080756" sldId="319"/>
+        </pc:sldMkLst>
+        <pc:spChg chg="mod">
+          <ac:chgData name="Will Brooks" userId="d4c2b272-852e-451d-80ba-d2f905b38211" providerId="ADAL" clId="{37A0AFB6-F6CA-4F11-9C33-0D7619B1449C}" dt="2022-09-21T08:47:43.749" v="3581" actId="20577"/>
+          <ac:spMkLst>
+            <pc:docMk/>
+            <pc:sldMk cId="4006080756" sldId="319"/>
+            <ac:spMk id="2" creationId="{48869F42-6D93-4C35-8FA5-AE406994C1E3}"/>
+          </ac:spMkLst>
+        </pc:spChg>
+        <pc:spChg chg="mod">
+          <ac:chgData name="Will Brooks" userId="d4c2b272-852e-451d-80ba-d2f905b38211" providerId="ADAL" clId="{37A0AFB6-F6CA-4F11-9C33-0D7619B1449C}" dt="2022-09-21T08:47:59.311" v="3601" actId="20577"/>
+          <ac:spMkLst>
+            <pc:docMk/>
+            <pc:sldMk cId="4006080756" sldId="319"/>
+            <ac:spMk id="4" creationId="{42A5EA90-17C9-4BD5-BD0D-74A5419E18C7}"/>
+          </ac:spMkLst>
+        </pc:spChg>
+      </pc:sldChg>
+      <pc:sldChg chg="modSp add mod">
+        <pc:chgData name="Will Brooks" userId="d4c2b272-852e-451d-80ba-d2f905b38211" providerId="ADAL" clId="{37A0AFB6-F6CA-4F11-9C33-0D7619B1449C}" dt="2022-09-21T08:48:31.834" v="3650" actId="20577"/>
+        <pc:sldMkLst>
+          <pc:docMk/>
+          <pc:sldMk cId="3118825995" sldId="320"/>
+        </pc:sldMkLst>
+        <pc:spChg chg="mod">
+          <ac:chgData name="Will Brooks" userId="d4c2b272-852e-451d-80ba-d2f905b38211" providerId="ADAL" clId="{37A0AFB6-F6CA-4F11-9C33-0D7619B1449C}" dt="2022-09-21T08:48:31.834" v="3650" actId="20577"/>
+          <ac:spMkLst>
+            <pc:docMk/>
+            <pc:sldMk cId="3118825995" sldId="320"/>
+            <ac:spMk id="2" creationId="{48869F42-6D93-4C35-8FA5-AE406994C1E3}"/>
+          </ac:spMkLst>
+        </pc:spChg>
+        <pc:spChg chg="mod">
+          <ac:chgData name="Will Brooks" userId="d4c2b272-852e-451d-80ba-d2f905b38211" providerId="ADAL" clId="{37A0AFB6-F6CA-4F11-9C33-0D7619B1449C}" dt="2022-09-21T08:48:27.651" v="3649" actId="20577"/>
+          <ac:spMkLst>
+            <pc:docMk/>
+            <pc:sldMk cId="3118825995" sldId="320"/>
             <ac:spMk id="4" creationId="{42A5EA90-17C9-4BD5-BD0D-74A5419E18C7}"/>
           </ac:spMkLst>
         </pc:spChg>
@@ -634,7 +682,7 @@
           <a:p>
             <a:fld id="{1790A331-7ADD-4391-8CA5-606C9BFD26F5}" type="datetimeFigureOut">
               <a:rPr lang="en-GB" smtClean="0"/>
-              <a:t>20/09/2022</a:t>
+              <a:t>21/09/2022</a:t>
             </a:fld>
             <a:endParaRPr lang="en-GB" dirty="0"/>
           </a:p>
@@ -803,7 +851,7 @@
           <a:p>
             <a:fld id="{002AE991-F138-4FD8-982E-957F3CA6A0F6}" type="datetimeFigureOut">
               <a:rPr lang="en-GB" smtClean="0"/>
-              <a:t>20/09/2022</a:t>
+              <a:t>21/09/2022</a:t>
             </a:fld>
             <a:endParaRPr lang="en-GB" dirty="0"/>
           </a:p>
@@ -1378,6 +1426,220 @@
             <a:fld id="{7890AB7D-FC04-41BF-88F7-E47891A06283}" type="slidenum">
               <a:rPr lang="en-GB" smtClean="0"/>
               <a:t>4</a:t>
+            </a:fld>
+            <a:endParaRPr lang="en-GB" dirty="0"/>
+          </a:p>
+        </p:txBody>
+      </p:sp>
+    </p:spTree>
+    <p:extLst>
+      <p:ext uri="{BB962C8B-B14F-4D97-AF65-F5344CB8AC3E}">
+        <p14:creationId xmlns:p14="http://schemas.microsoft.com/office/powerpoint/2010/main" val="782249591"/>
+      </p:ext>
+    </p:extLst>
+  </p:cSld>
+  <p:clrMapOvr>
+    <a:masterClrMapping/>
+  </p:clrMapOvr>
+</p:notes>
+</file>
+
+<file path=ppt/notesSlides/notesSlide4.xml><?xml version="1.0" encoding="utf-8"?>
+<p:notes xmlns:a="http://schemas.openxmlformats.org/drawingml/2006/main" xmlns:r="http://schemas.openxmlformats.org/officeDocument/2006/relationships" xmlns:p="http://schemas.openxmlformats.org/presentationml/2006/main">
+  <p:cSld>
+    <p:spTree>
+      <p:nvGrpSpPr>
+        <p:cNvPr id="1" name=""/>
+        <p:cNvGrpSpPr/>
+        <p:nvPr/>
+      </p:nvGrpSpPr>
+      <p:grpSpPr>
+        <a:xfrm>
+          <a:off x="0" y="0"/>
+          <a:ext cx="0" cy="0"/>
+          <a:chOff x="0" y="0"/>
+          <a:chExt cx="0" cy="0"/>
+        </a:xfrm>
+      </p:grpSpPr>
+      <p:sp>
+        <p:nvSpPr>
+          <p:cNvPr id="2" name="Slide Image Placeholder 1"/>
+          <p:cNvSpPr>
+            <a:spLocks noGrp="1" noRot="1" noChangeAspect="1"/>
+          </p:cNvSpPr>
+          <p:nvPr>
+            <p:ph type="sldImg"/>
+          </p:nvPr>
+        </p:nvSpPr>
+        <p:spPr/>
+      </p:sp>
+      <p:sp>
+        <p:nvSpPr>
+          <p:cNvPr id="3" name="Notes Placeholder 2"/>
+          <p:cNvSpPr>
+            <a:spLocks noGrp="1"/>
+          </p:cNvSpPr>
+          <p:nvPr>
+            <p:ph type="body" idx="1"/>
+          </p:nvPr>
+        </p:nvSpPr>
+        <p:spPr/>
+        <p:txBody>
+          <a:bodyPr/>
+          <a:lstStyle/>
+          <a:p>
+            <a:endParaRPr lang="en-GB" dirty="0"/>
+          </a:p>
+        </p:txBody>
+      </p:sp>
+      <p:sp>
+        <p:nvSpPr>
+          <p:cNvPr id="4" name="Footer Placeholder 3"/>
+          <p:cNvSpPr>
+            <a:spLocks noGrp="1"/>
+          </p:cNvSpPr>
+          <p:nvPr>
+            <p:ph type="ftr" sz="quarter" idx="4"/>
+          </p:nvPr>
+        </p:nvSpPr>
+        <p:spPr/>
+        <p:txBody>
+          <a:bodyPr/>
+          <a:lstStyle/>
+          <a:p>
+            <a:r>
+              <a:rPr lang="en-GB"/>
+              <a:t>NHS Improvement</a:t>
+            </a:r>
+            <a:endParaRPr lang="en-GB" dirty="0"/>
+          </a:p>
+        </p:txBody>
+      </p:sp>
+      <p:sp>
+        <p:nvSpPr>
+          <p:cNvPr id="5" name="Slide Number Placeholder 4"/>
+          <p:cNvSpPr>
+            <a:spLocks noGrp="1"/>
+          </p:cNvSpPr>
+          <p:nvPr>
+            <p:ph type="sldNum" sz="quarter" idx="5"/>
+          </p:nvPr>
+        </p:nvSpPr>
+        <p:spPr/>
+        <p:txBody>
+          <a:bodyPr/>
+          <a:lstStyle/>
+          <a:p>
+            <a:fld id="{7890AB7D-FC04-41BF-88F7-E47891A06283}" type="slidenum">
+              <a:rPr lang="en-GB" smtClean="0"/>
+              <a:t>5</a:t>
+            </a:fld>
+            <a:endParaRPr lang="en-GB" dirty="0"/>
+          </a:p>
+        </p:txBody>
+      </p:sp>
+    </p:spTree>
+    <p:extLst>
+      <p:ext uri="{BB962C8B-B14F-4D97-AF65-F5344CB8AC3E}">
+        <p14:creationId xmlns:p14="http://schemas.microsoft.com/office/powerpoint/2010/main" val="1505939935"/>
+      </p:ext>
+    </p:extLst>
+  </p:cSld>
+  <p:clrMapOvr>
+    <a:masterClrMapping/>
+  </p:clrMapOvr>
+</p:notes>
+</file>
+
+<file path=ppt/notesSlides/notesSlide5.xml><?xml version="1.0" encoding="utf-8"?>
+<p:notes xmlns:a="http://schemas.openxmlformats.org/drawingml/2006/main" xmlns:r="http://schemas.openxmlformats.org/officeDocument/2006/relationships" xmlns:p="http://schemas.openxmlformats.org/presentationml/2006/main">
+  <p:cSld>
+    <p:spTree>
+      <p:nvGrpSpPr>
+        <p:cNvPr id="1" name=""/>
+        <p:cNvGrpSpPr/>
+        <p:nvPr/>
+      </p:nvGrpSpPr>
+      <p:grpSpPr>
+        <a:xfrm>
+          <a:off x="0" y="0"/>
+          <a:ext cx="0" cy="0"/>
+          <a:chOff x="0" y="0"/>
+          <a:chExt cx="0" cy="0"/>
+        </a:xfrm>
+      </p:grpSpPr>
+      <p:sp>
+        <p:nvSpPr>
+          <p:cNvPr id="2" name="Slide Image Placeholder 1"/>
+          <p:cNvSpPr>
+            <a:spLocks noGrp="1" noRot="1" noChangeAspect="1"/>
+          </p:cNvSpPr>
+          <p:nvPr>
+            <p:ph type="sldImg"/>
+          </p:nvPr>
+        </p:nvSpPr>
+        <p:spPr/>
+      </p:sp>
+      <p:sp>
+        <p:nvSpPr>
+          <p:cNvPr id="3" name="Notes Placeholder 2"/>
+          <p:cNvSpPr>
+            <a:spLocks noGrp="1"/>
+          </p:cNvSpPr>
+          <p:nvPr>
+            <p:ph type="body" idx="1"/>
+          </p:nvPr>
+        </p:nvSpPr>
+        <p:spPr/>
+        <p:txBody>
+          <a:bodyPr/>
+          <a:lstStyle/>
+          <a:p>
+            <a:endParaRPr lang="en-GB" dirty="0"/>
+          </a:p>
+        </p:txBody>
+      </p:sp>
+      <p:sp>
+        <p:nvSpPr>
+          <p:cNvPr id="4" name="Footer Placeholder 3"/>
+          <p:cNvSpPr>
+            <a:spLocks noGrp="1"/>
+          </p:cNvSpPr>
+          <p:nvPr>
+            <p:ph type="ftr" sz="quarter" idx="4"/>
+          </p:nvPr>
+        </p:nvSpPr>
+        <p:spPr/>
+        <p:txBody>
+          <a:bodyPr/>
+          <a:lstStyle/>
+          <a:p>
+            <a:r>
+              <a:rPr lang="en-GB"/>
+              <a:t>NHS Improvement</a:t>
+            </a:r>
+            <a:endParaRPr lang="en-GB" dirty="0"/>
+          </a:p>
+        </p:txBody>
+      </p:sp>
+      <p:sp>
+        <p:nvSpPr>
+          <p:cNvPr id="5" name="Slide Number Placeholder 4"/>
+          <p:cNvSpPr>
+            <a:spLocks noGrp="1"/>
+          </p:cNvSpPr>
+          <p:nvPr>
+            <p:ph type="sldNum" sz="quarter" idx="5"/>
+          </p:nvPr>
+        </p:nvSpPr>
+        <p:spPr/>
+        <p:txBody>
+          <a:bodyPr/>
+          <a:lstStyle/>
+          <a:p>
+            <a:fld id="{7890AB7D-FC04-41BF-88F7-E47891A06283}" type="slidenum">
+              <a:rPr lang="en-GB" smtClean="0"/>
+              <a:t>6</a:t>
             </a:fld>
             <a:endParaRPr lang="en-GB" dirty="0"/>
           </a:p>
@@ -12378,7 +12640,7 @@
             </a:pPr>
             <a:r>
               <a:rPr lang="en-GB" dirty="0"/>
-              <a:t>Use your system, another system and remotes. Full history on repositories carried</a:t>
+              <a:t>Use your system, another system and remotes (GitHub). Full history on repositories carried</a:t>
             </a:r>
           </a:p>
           <a:p>
@@ -12401,6 +12663,16 @@
             <a:r>
               <a:rPr lang="en-GB" dirty="0"/>
               <a:t>Source code can be inspected by anyone</a:t>
+            </a:r>
+          </a:p>
+          <a:p>
+            <a:pPr lvl="1">
+              <a:buFont typeface="Courier New" panose="02070309020205020404" pitchFamily="49" charset="0"/>
+              <a:buChar char="o"/>
+            </a:pPr>
+            <a:r>
+              <a:rPr lang="en-GB" dirty="0"/>
+              <a:t>Used for scripts, not data</a:t>
             </a:r>
           </a:p>
           <a:p>
@@ -12454,7 +12726,7 @@
             </a:r>
             <a:r>
               <a:rPr lang="en-GB" dirty="0"/>
-              <a:t> from ‘remote’</a:t>
+              <a:t> from ‘remote’. Makes changes accessible to all working in a repository</a:t>
             </a:r>
           </a:p>
           <a:p>
@@ -12577,6 +12849,189 @@
           <a:bodyPr/>
           <a:lstStyle/>
           <a:p>
+            <a:r>
+              <a:rPr lang="en-GB" dirty="0"/>
+              <a:t>Choose a repository -&gt; A local folder in which you are going to work</a:t>
+            </a:r>
+          </a:p>
+          <a:p>
+            <a:pPr lvl="1">
+              <a:buFont typeface="Courier New" panose="02070309020205020404" pitchFamily="49" charset="0"/>
+              <a:buChar char="o"/>
+            </a:pPr>
+            <a:r>
+              <a:rPr lang="en-GB" dirty="0"/>
+              <a:t>Right-click, </a:t>
+            </a:r>
+            <a:r>
+              <a:rPr lang="en-GB" i="1" dirty="0"/>
+              <a:t>Git Bash here</a:t>
+            </a:r>
+            <a:endParaRPr lang="en-GB" dirty="0"/>
+          </a:p>
+          <a:p>
+            <a:pPr lvl="1">
+              <a:buFont typeface="Courier New" panose="02070309020205020404" pitchFamily="49" charset="0"/>
+              <a:buChar char="o"/>
+            </a:pPr>
+            <a:r>
+              <a:rPr lang="en-GB" i="1" dirty="0"/>
+              <a:t>git </a:t>
+            </a:r>
+            <a:r>
+              <a:rPr lang="en-GB" i="1" dirty="0" err="1"/>
+              <a:t>init</a:t>
+            </a:r>
+            <a:r>
+              <a:rPr lang="en-GB" i="1" dirty="0"/>
+              <a:t> </a:t>
+            </a:r>
+            <a:r>
+              <a:rPr lang="en-GB" dirty="0"/>
+              <a:t>-&gt; Initialise this repository as a .Git area</a:t>
+            </a:r>
+          </a:p>
+          <a:p>
+            <a:pPr lvl="1">
+              <a:buFont typeface="Courier New" panose="02070309020205020404" pitchFamily="49" charset="0"/>
+              <a:buChar char="o"/>
+            </a:pPr>
+            <a:r>
+              <a:rPr lang="en-GB" i="1" dirty="0"/>
+              <a:t>git config –global user.name “</a:t>
+            </a:r>
+            <a:r>
+              <a:rPr lang="en-GB" dirty="0"/>
+              <a:t>user name</a:t>
+            </a:r>
+            <a:r>
+              <a:rPr lang="en-GB" i="1" dirty="0"/>
+              <a:t>” </a:t>
+            </a:r>
+            <a:r>
+              <a:rPr lang="en-GB" dirty="0"/>
+              <a:t>-&gt; Set a username for your repository (try to match GitHub username)</a:t>
+            </a:r>
+            <a:endParaRPr lang="en-GB" i="1" dirty="0"/>
+          </a:p>
+          <a:p>
+            <a:pPr lvl="1">
+              <a:buFont typeface="Courier New" panose="02070309020205020404" pitchFamily="49" charset="0"/>
+              <a:buChar char="o"/>
+            </a:pPr>
+            <a:r>
+              <a:rPr lang="en-GB" i="1" dirty="0"/>
+              <a:t>git config –global </a:t>
+            </a:r>
+            <a:r>
+              <a:rPr lang="en-GB" i="1" dirty="0" err="1"/>
+              <a:t>user.email</a:t>
+            </a:r>
+            <a:r>
+              <a:rPr lang="en-GB" i="1" dirty="0"/>
+              <a:t> “</a:t>
+            </a:r>
+            <a:r>
+              <a:rPr lang="en-GB" dirty="0"/>
+              <a:t>username@nhs.net”</a:t>
+            </a:r>
+            <a:r>
+              <a:rPr lang="en-GB" i="1" dirty="0"/>
+              <a:t> </a:t>
+            </a:r>
+            <a:r>
+              <a:rPr lang="en-GB" dirty="0"/>
+              <a:t>-&gt; Set a user email</a:t>
+            </a:r>
+          </a:p>
+          <a:p>
+            <a:pPr lvl="1">
+              <a:buFont typeface="Courier New" panose="02070309020205020404" pitchFamily="49" charset="0"/>
+              <a:buChar char="o"/>
+            </a:pPr>
+            <a:r>
+              <a:rPr lang="en-GB" dirty="0"/>
+              <a:t>Both the username and email mean that when checking the version control log (</a:t>
+            </a:r>
+            <a:r>
+              <a:rPr lang="en-GB" i="1" dirty="0"/>
+              <a:t>git log</a:t>
+            </a:r>
+            <a:r>
+              <a:rPr lang="en-GB" dirty="0"/>
+              <a:t>), users can see who has made the changes and have a means of contacting them</a:t>
+            </a:r>
+          </a:p>
+          <a:p>
+            <a:pPr marL="457200" lvl="1" indent="0">
+              <a:buNone/>
+            </a:pPr>
+            <a:endParaRPr lang="en-GB" dirty="0"/>
+          </a:p>
+          <a:p>
+            <a:r>
+              <a:rPr lang="en-GB" dirty="0"/>
+              <a:t>Add files to your repository </a:t>
+            </a:r>
+          </a:p>
+          <a:p>
+            <a:pPr lvl="1">
+              <a:buFont typeface="Courier New" panose="02070309020205020404" pitchFamily="49" charset="0"/>
+              <a:buChar char="o"/>
+            </a:pPr>
+            <a:r>
+              <a:rPr lang="en-GB" i="1" dirty="0"/>
+              <a:t>git status </a:t>
+            </a:r>
+            <a:r>
+              <a:rPr lang="en-GB" dirty="0"/>
+              <a:t>-&gt; This will tell you what files are untracked, and need to be added to the git repository</a:t>
+            </a:r>
+          </a:p>
+          <a:p>
+            <a:pPr lvl="1">
+              <a:buFont typeface="Courier New" panose="02070309020205020404" pitchFamily="49" charset="0"/>
+              <a:buChar char="o"/>
+            </a:pPr>
+            <a:r>
+              <a:rPr lang="en-GB" i="1" dirty="0"/>
+              <a:t>git add . </a:t>
+            </a:r>
+            <a:r>
+              <a:rPr lang="en-GB" dirty="0"/>
+              <a:t>-&gt; Add these files to be tracked. These are not yet committed to the repository, so no real changes are made</a:t>
+            </a:r>
+          </a:p>
+          <a:p>
+            <a:pPr lvl="1">
+              <a:buFont typeface="Courier New" panose="02070309020205020404" pitchFamily="49" charset="0"/>
+              <a:buChar char="o"/>
+            </a:pPr>
+            <a:r>
+              <a:rPr lang="en-GB" i="1" dirty="0"/>
+              <a:t>git commit –m “First changes made” </a:t>
+            </a:r>
+            <a:r>
+              <a:rPr lang="en-GB" dirty="0"/>
+              <a:t>-&gt; These changes are committed to the repository. It is best to add a message, so that collaborators can see what changes you have made, and for what reason. This is a very good feature. To see these changes, use </a:t>
+            </a:r>
+            <a:r>
+              <a:rPr lang="en-GB" i="1" dirty="0"/>
+              <a:t>git log</a:t>
+            </a:r>
+            <a:endParaRPr lang="en-GB" dirty="0"/>
+          </a:p>
+          <a:p>
+            <a:pPr>
+              <a:buFont typeface="Courier New" panose="02070309020205020404" pitchFamily="49" charset="0"/>
+              <a:buChar char="o"/>
+            </a:pPr>
+            <a:endParaRPr lang="en-GB" i="1" dirty="0"/>
+          </a:p>
+          <a:p>
+            <a:pPr marL="457200" lvl="1" indent="0">
+              <a:buNone/>
+            </a:pPr>
             <a:endParaRPr lang="en-GB" dirty="0"/>
           </a:p>
         </p:txBody>
@@ -12603,7 +13058,7 @@
           <a:lstStyle/>
           <a:p>
             <a:r>
-              <a:rPr lang="en-GB"/>
+              <a:rPr lang="en-GB" dirty="0"/>
               <a:t>PowerPoint Style Guide / Supporting Templates</a:t>
             </a:r>
             <a:endParaRPr lang="en-US" dirty="0"/>
@@ -12633,7 +13088,7 @@
           <a:p>
             <a:r>
               <a:rPr lang="en-GB" dirty="0"/>
-              <a:t>An Introduction to Git</a:t>
+              <a:t>An Introduction to Git </a:t>
             </a:r>
           </a:p>
         </p:txBody>
@@ -12652,6 +13107,376 @@
 </file>
 
 <file path=ppt/slides/slide4.xml><?xml version="1.0" encoding="utf-8"?>
+<p:sld xmlns:a="http://schemas.openxmlformats.org/drawingml/2006/main" xmlns:r="http://schemas.openxmlformats.org/officeDocument/2006/relationships" xmlns:p="http://schemas.openxmlformats.org/presentationml/2006/main">
+  <p:cSld>
+    <p:spTree>
+      <p:nvGrpSpPr>
+        <p:cNvPr id="1" name=""/>
+        <p:cNvGrpSpPr/>
+        <p:nvPr/>
+      </p:nvGrpSpPr>
+      <p:grpSpPr>
+        <a:xfrm>
+          <a:off x="0" y="0"/>
+          <a:ext cx="0" cy="0"/>
+          <a:chOff x="0" y="0"/>
+          <a:chExt cx="0" cy="0"/>
+        </a:xfrm>
+      </p:grpSpPr>
+      <p:sp>
+        <p:nvSpPr>
+          <p:cNvPr id="2" name="Content Placeholder 1">
+            <a:extLst>
+              <a:ext uri="{FF2B5EF4-FFF2-40B4-BE49-F238E27FC236}">
+                <a16:creationId xmlns:a16="http://schemas.microsoft.com/office/drawing/2014/main" id="{48869F42-6D93-4C35-8FA5-AE406994C1E3}"/>
+              </a:ext>
+            </a:extLst>
+          </p:cNvPr>
+          <p:cNvSpPr>
+            <a:spLocks noGrp="1"/>
+          </p:cNvSpPr>
+          <p:nvPr>
+            <p:ph sz="quarter" idx="10"/>
+          </p:nvPr>
+        </p:nvSpPr>
+        <p:spPr/>
+        <p:txBody>
+          <a:bodyPr/>
+          <a:lstStyle/>
+          <a:p>
+            <a:r>
+              <a:rPr lang="en-GB" dirty="0"/>
+              <a:t>Create a ‘remote’ repository</a:t>
+            </a:r>
+          </a:p>
+          <a:p>
+            <a:pPr lvl="1">
+              <a:buFont typeface="Courier New" panose="02070309020205020404" pitchFamily="49" charset="0"/>
+              <a:buChar char="o"/>
+            </a:pPr>
+            <a:r>
+              <a:rPr lang="en-GB" i="1" dirty="0"/>
+              <a:t>Create a GitHub account on </a:t>
+            </a:r>
+            <a:r>
+              <a:rPr lang="en-GB" dirty="0">
+                <a:hlinkClick r:id="rId3"/>
+              </a:rPr>
+              <a:t>GitHub</a:t>
+            </a:r>
+            <a:endParaRPr lang="en-GB" dirty="0"/>
+          </a:p>
+          <a:p>
+            <a:pPr lvl="1">
+              <a:buFont typeface="Courier New" panose="02070309020205020404" pitchFamily="49" charset="0"/>
+              <a:buChar char="o"/>
+            </a:pPr>
+            <a:r>
+              <a:rPr lang="en-GB" dirty="0"/>
+              <a:t>Click ‘create a new repository’</a:t>
+            </a:r>
+          </a:p>
+          <a:p>
+            <a:pPr lvl="1">
+              <a:buFont typeface="Courier New" panose="02070309020205020404" pitchFamily="49" charset="0"/>
+              <a:buChar char="o"/>
+            </a:pPr>
+            <a:r>
+              <a:rPr lang="en-GB" dirty="0"/>
+              <a:t>Name it consistently with your local file</a:t>
+            </a:r>
+          </a:p>
+          <a:p>
+            <a:pPr lvl="1">
+              <a:buFont typeface="Courier New" panose="02070309020205020404" pitchFamily="49" charset="0"/>
+              <a:buChar char="o"/>
+            </a:pPr>
+            <a:r>
+              <a:rPr lang="en-GB" dirty="0"/>
+              <a:t>You can add a README.md which explains to outside users what the project is (usually HTML). Licences can also be added which control what users can/can’t do with code</a:t>
+            </a:r>
+          </a:p>
+          <a:p>
+            <a:pPr marL="457200" lvl="1" indent="0">
+              <a:buNone/>
+            </a:pPr>
+            <a:endParaRPr lang="en-GB" dirty="0"/>
+          </a:p>
+          <a:p>
+            <a:r>
+              <a:rPr lang="en-GB" dirty="0"/>
+              <a:t>Connect ‘remote’ to ‘local’ repository</a:t>
+            </a:r>
+          </a:p>
+          <a:p>
+            <a:pPr lvl="1">
+              <a:buFont typeface="Courier New" panose="02070309020205020404" pitchFamily="49" charset="0"/>
+              <a:buChar char="o"/>
+            </a:pPr>
+            <a:r>
+              <a:rPr lang="en-GB" dirty="0"/>
+              <a:t>Using </a:t>
+            </a:r>
+            <a:r>
+              <a:rPr lang="en-GB" dirty="0" err="1"/>
+              <a:t>GitBash</a:t>
+            </a:r>
+            <a:r>
+              <a:rPr lang="en-GB" dirty="0"/>
+              <a:t> -&gt; </a:t>
+            </a:r>
+            <a:r>
+              <a:rPr lang="en-GB" i="1" dirty="0"/>
+              <a:t>git remote add origin &lt;link to GitHub repo&gt;</a:t>
+            </a:r>
+          </a:p>
+          <a:p>
+            <a:pPr lvl="1">
+              <a:buFont typeface="Courier New" panose="02070309020205020404" pitchFamily="49" charset="0"/>
+              <a:buChar char="o"/>
+            </a:pPr>
+            <a:endParaRPr lang="en-GB" i="1" dirty="0"/>
+          </a:p>
+          <a:p>
+            <a:r>
+              <a:rPr lang="en-GB" dirty="0"/>
+              <a:t>Push your files to the remote repo</a:t>
+            </a:r>
+          </a:p>
+          <a:p>
+            <a:pPr lvl="1">
+              <a:buFont typeface="Courier New" panose="02070309020205020404" pitchFamily="49" charset="0"/>
+              <a:buChar char="o"/>
+            </a:pPr>
+            <a:r>
+              <a:rPr lang="en-GB" i="1" dirty="0"/>
+              <a:t>git push –u origin master </a:t>
+            </a:r>
+            <a:r>
+              <a:rPr lang="en-GB" dirty="0"/>
+              <a:t>-&gt; here, Master is the name of the main branch, and origin is the remote repo. If you were operating on a different branch, you would use that name, e.g. –u origin branch_1</a:t>
+            </a:r>
+          </a:p>
+          <a:p>
+            <a:pPr marL="457200" lvl="1" indent="0">
+              <a:buNone/>
+            </a:pPr>
+            <a:endParaRPr lang="en-GB" i="1" dirty="0"/>
+          </a:p>
+          <a:p>
+            <a:r>
+              <a:rPr lang="en-GB" i="1" dirty="0"/>
+              <a:t>Check GitHub to see if the changes have been made, and are up to date</a:t>
+            </a:r>
+          </a:p>
+          <a:p>
+            <a:pPr lvl="1">
+              <a:buFont typeface="Courier New" panose="02070309020205020404" pitchFamily="49" charset="0"/>
+              <a:buChar char="o"/>
+            </a:pPr>
+            <a:endParaRPr lang="en-GB" dirty="0"/>
+          </a:p>
+          <a:p>
+            <a:pPr marL="457200" lvl="1" indent="0">
+              <a:buNone/>
+            </a:pPr>
+            <a:endParaRPr lang="en-GB" dirty="0"/>
+          </a:p>
+        </p:txBody>
+      </p:sp>
+      <p:sp>
+        <p:nvSpPr>
+          <p:cNvPr id="3" name="Footer Placeholder 2">
+            <a:extLst>
+              <a:ext uri="{FF2B5EF4-FFF2-40B4-BE49-F238E27FC236}">
+                <a16:creationId xmlns:a16="http://schemas.microsoft.com/office/drawing/2014/main" id="{6942939B-7B0C-42A5-8BC5-642B25324167}"/>
+              </a:ext>
+            </a:extLst>
+          </p:cNvPr>
+          <p:cNvSpPr>
+            <a:spLocks noGrp="1"/>
+          </p:cNvSpPr>
+          <p:nvPr>
+            <p:ph type="ftr" sz="quarter" idx="3"/>
+          </p:nvPr>
+        </p:nvSpPr>
+        <p:spPr/>
+        <p:txBody>
+          <a:bodyPr/>
+          <a:lstStyle/>
+          <a:p>
+            <a:r>
+              <a:rPr lang="en-GB" dirty="0"/>
+              <a:t>PowerPoint Style Guide / Supporting Templates</a:t>
+            </a:r>
+            <a:endParaRPr lang="en-US" dirty="0"/>
+          </a:p>
+        </p:txBody>
+      </p:sp>
+      <p:sp>
+        <p:nvSpPr>
+          <p:cNvPr id="4" name="Title 3">
+            <a:extLst>
+              <a:ext uri="{FF2B5EF4-FFF2-40B4-BE49-F238E27FC236}">
+                <a16:creationId xmlns:a16="http://schemas.microsoft.com/office/drawing/2014/main" id="{42A5EA90-17C9-4BD5-BD0D-74A5419E18C7}"/>
+              </a:ext>
+            </a:extLst>
+          </p:cNvPr>
+          <p:cNvSpPr>
+            <a:spLocks noGrp="1"/>
+          </p:cNvSpPr>
+          <p:nvPr>
+            <p:ph type="title"/>
+          </p:nvPr>
+        </p:nvSpPr>
+        <p:spPr/>
+        <p:txBody>
+          <a:bodyPr/>
+          <a:lstStyle/>
+          <a:p>
+            <a:r>
+              <a:rPr lang="en-GB" dirty="0"/>
+              <a:t>Connecting to GitHub</a:t>
+            </a:r>
+          </a:p>
+        </p:txBody>
+      </p:sp>
+    </p:spTree>
+    <p:extLst>
+      <p:ext uri="{BB962C8B-B14F-4D97-AF65-F5344CB8AC3E}">
+        <p14:creationId xmlns:p14="http://schemas.microsoft.com/office/powerpoint/2010/main" val="4006080756"/>
+      </p:ext>
+    </p:extLst>
+  </p:cSld>
+  <p:clrMapOvr>
+    <a:masterClrMapping/>
+  </p:clrMapOvr>
+</p:sld>
+</file>
+
+<file path=ppt/slides/slide5.xml><?xml version="1.0" encoding="utf-8"?>
+<p:sld xmlns:a="http://schemas.openxmlformats.org/drawingml/2006/main" xmlns:r="http://schemas.openxmlformats.org/officeDocument/2006/relationships" xmlns:p="http://schemas.openxmlformats.org/presentationml/2006/main">
+  <p:cSld>
+    <p:spTree>
+      <p:nvGrpSpPr>
+        <p:cNvPr id="1" name=""/>
+        <p:cNvGrpSpPr/>
+        <p:nvPr/>
+      </p:nvGrpSpPr>
+      <p:grpSpPr>
+        <a:xfrm>
+          <a:off x="0" y="0"/>
+          <a:ext cx="0" cy="0"/>
+          <a:chOff x="0" y="0"/>
+          <a:chExt cx="0" cy="0"/>
+        </a:xfrm>
+      </p:grpSpPr>
+      <p:sp>
+        <p:nvSpPr>
+          <p:cNvPr id="2" name="Content Placeholder 1">
+            <a:extLst>
+              <a:ext uri="{FF2B5EF4-FFF2-40B4-BE49-F238E27FC236}">
+                <a16:creationId xmlns:a16="http://schemas.microsoft.com/office/drawing/2014/main" id="{48869F42-6D93-4C35-8FA5-AE406994C1E3}"/>
+              </a:ext>
+            </a:extLst>
+          </p:cNvPr>
+          <p:cNvSpPr>
+            <a:spLocks noGrp="1"/>
+          </p:cNvSpPr>
+          <p:nvPr>
+            <p:ph sz="quarter" idx="10"/>
+          </p:nvPr>
+        </p:nvSpPr>
+        <p:spPr/>
+        <p:txBody>
+          <a:bodyPr/>
+          <a:lstStyle/>
+          <a:p>
+            <a:pPr lvl="1">
+              <a:buFont typeface="Courier New" panose="02070309020205020404" pitchFamily="49" charset="0"/>
+              <a:buChar char="o"/>
+            </a:pPr>
+            <a:endParaRPr lang="en-GB" dirty="0"/>
+          </a:p>
+          <a:p>
+            <a:pPr marL="457200" lvl="1" indent="0">
+              <a:buNone/>
+            </a:pPr>
+            <a:endParaRPr lang="en-GB" dirty="0"/>
+          </a:p>
+        </p:txBody>
+      </p:sp>
+      <p:sp>
+        <p:nvSpPr>
+          <p:cNvPr id="3" name="Footer Placeholder 2">
+            <a:extLst>
+              <a:ext uri="{FF2B5EF4-FFF2-40B4-BE49-F238E27FC236}">
+                <a16:creationId xmlns:a16="http://schemas.microsoft.com/office/drawing/2014/main" id="{6942939B-7B0C-42A5-8BC5-642B25324167}"/>
+              </a:ext>
+            </a:extLst>
+          </p:cNvPr>
+          <p:cNvSpPr>
+            <a:spLocks noGrp="1"/>
+          </p:cNvSpPr>
+          <p:nvPr>
+            <p:ph type="ftr" sz="quarter" idx="3"/>
+          </p:nvPr>
+        </p:nvSpPr>
+        <p:spPr/>
+        <p:txBody>
+          <a:bodyPr/>
+          <a:lstStyle/>
+          <a:p>
+            <a:r>
+              <a:rPr lang="en-GB" dirty="0"/>
+              <a:t>PowerPoint Style Guide / Supporting Templates</a:t>
+            </a:r>
+            <a:endParaRPr lang="en-US" dirty="0"/>
+          </a:p>
+        </p:txBody>
+      </p:sp>
+      <p:sp>
+        <p:nvSpPr>
+          <p:cNvPr id="4" name="Title 3">
+            <a:extLst>
+              <a:ext uri="{FF2B5EF4-FFF2-40B4-BE49-F238E27FC236}">
+                <a16:creationId xmlns:a16="http://schemas.microsoft.com/office/drawing/2014/main" id="{42A5EA90-17C9-4BD5-BD0D-74A5419E18C7}"/>
+              </a:ext>
+            </a:extLst>
+          </p:cNvPr>
+          <p:cNvSpPr>
+            <a:spLocks noGrp="1"/>
+          </p:cNvSpPr>
+          <p:nvPr>
+            <p:ph type="title"/>
+          </p:nvPr>
+        </p:nvSpPr>
+        <p:spPr/>
+        <p:txBody>
+          <a:bodyPr/>
+          <a:lstStyle/>
+          <a:p>
+            <a:r>
+              <a:rPr lang="en-GB" dirty="0"/>
+              <a:t>Using Branches</a:t>
+            </a:r>
+          </a:p>
+        </p:txBody>
+      </p:sp>
+    </p:spTree>
+    <p:extLst>
+      <p:ext uri="{BB962C8B-B14F-4D97-AF65-F5344CB8AC3E}">
+        <p14:creationId xmlns:p14="http://schemas.microsoft.com/office/powerpoint/2010/main" val="3118825995"/>
+      </p:ext>
+    </p:extLst>
+  </p:cSld>
+  <p:clrMapOvr>
+    <a:masterClrMapping/>
+  </p:clrMapOvr>
+</p:sld>
+</file>
+
+<file path=ppt/slides/slide6.xml><?xml version="1.0" encoding="utf-8"?>
 <p:sld xmlns:a="http://schemas.openxmlformats.org/drawingml/2006/main" xmlns:r="http://schemas.openxmlformats.org/officeDocument/2006/relationships" xmlns:p="http://schemas.openxmlformats.org/presentationml/2006/main">
   <p:cSld>
     <p:spTree>
@@ -13595,6 +14420,15 @@
 </file>
 
 <file path=customXml/item1.xml><?xml version="1.0" encoding="utf-8"?>
+<?mso-contentType ?>
+<FormTemplates xmlns="http://schemas.microsoft.com/sharepoint/v3/contenttype/forms">
+  <Display>DocumentLibraryForm</Display>
+  <Edit>DocumentLibraryForm</Edit>
+  <New>DocumentLibraryForm</New>
+</FormTemplates>
+</file>
+
+<file path=customXml/item2.xml><?xml version="1.0" encoding="utf-8"?>
 <ct:contentTypeSchema xmlns:ct="http://schemas.microsoft.com/office/2006/metadata/contentType" xmlns:ma="http://schemas.microsoft.com/office/2006/metadata/properties/metaAttributes" ct:_="" ma:_="" ma:contentTypeName="Document" ma:contentTypeID="0x010100308E40E706C7A346904F58642B7D1969" ma:contentTypeVersion="0" ma:contentTypeDescription="Create a new document." ma:contentTypeScope="" ma:versionID="0ea485b46902d4f7e49967f1b2c25a65">
   <xsd:schema xmlns:xsd="http://www.w3.org/2001/XMLSchema" xmlns:xs="http://www.w3.org/2001/XMLSchema" xmlns:p="http://schemas.microsoft.com/office/2006/metadata/properties" targetNamespace="http://schemas.microsoft.com/office/2006/metadata/properties" ma:root="true" ma:fieldsID="90078a0fe6c183ae62661f67b7399e8a">
     <xsd:element name="properties">
@@ -13708,15 +14542,6 @@
 </ct:contentTypeSchema>
 </file>
 
-<file path=customXml/item2.xml><?xml version="1.0" encoding="utf-8"?>
-<?mso-contentType ?>
-<FormTemplates xmlns="http://schemas.microsoft.com/sharepoint/v3/contenttype/forms">
-  <Display>DocumentLibraryForm</Display>
-  <Edit>DocumentLibraryForm</Edit>
-  <New>DocumentLibraryForm</New>
-</FormTemplates>
-</file>
-
 <file path=customXml/item3.xml><?xml version="1.0" encoding="utf-8"?>
 <p:properties xmlns:p="http://schemas.microsoft.com/office/2006/metadata/properties" xmlns:xsi="http://www.w3.org/2001/XMLSchema-instance" xmlns:pc="http://schemas.microsoft.com/office/infopath/2007/PartnerControls">
   <documentManagement/>
@@ -13724,6 +14549,14 @@
 </file>
 
 <file path=customXml/itemProps1.xml><?xml version="1.0" encoding="utf-8"?>
+<ds:datastoreItem xmlns:ds="http://schemas.openxmlformats.org/officeDocument/2006/customXml" ds:itemID="{A6333066-D95F-4DC9-8F45-8431A5C3C76B}">
+  <ds:schemaRefs>
+    <ds:schemaRef ds:uri="http://schemas.microsoft.com/sharepoint/v3/contenttype/forms"/>
+  </ds:schemaRefs>
+</ds:datastoreItem>
+</file>
+
+<file path=customXml/itemProps2.xml><?xml version="1.0" encoding="utf-8"?>
 <ds:datastoreItem xmlns:ds="http://schemas.openxmlformats.org/officeDocument/2006/customXml" ds:itemID="{08DD32EF-F09C-4573-9C23-B48EA7D5886E}">
   <ds:schemaRefs>
     <ds:schemaRef ds:uri="http://schemas.microsoft.com/office/2006/metadata/contentType"/>
@@ -13735,14 +14568,6 @@
     <ds:schemaRef ds:uri="http://purl.org/dc/terms/"/>
     <ds:schemaRef ds:uri="http://schemas.microsoft.com/internal/obd"/>
     <ds:schemaRef ds:uri="http://schemas.microsoft.com/office/infopath/2007/PartnerControls"/>
-  </ds:schemaRefs>
-</ds:datastoreItem>
-</file>
-
-<file path=customXml/itemProps2.xml><?xml version="1.0" encoding="utf-8"?>
-<ds:datastoreItem xmlns:ds="http://schemas.openxmlformats.org/officeDocument/2006/customXml" ds:itemID="{A6333066-D95F-4DC9-8F45-8431A5C3C76B}">
-  <ds:schemaRefs>
-    <ds:schemaRef ds:uri="http://schemas.microsoft.com/sharepoint/v3/contenttype/forms"/>
   </ds:schemaRefs>
 </ds:datastoreItem>
 </file>

--- a/GitIntro.pptx
+++ b/GitIntro.pptx
@@ -153,12 +153,12 @@
   <pc:docChgLst>
     <pc:chgData name="Will Brooks" userId="d4c2b272-852e-451d-80ba-d2f905b38211" providerId="ADAL" clId="{37A0AFB6-F6CA-4F11-9C33-0D7619B1449C}"/>
     <pc:docChg chg="undo custSel addSld delSld modSld">
-      <pc:chgData name="Will Brooks" userId="d4c2b272-852e-451d-80ba-d2f905b38211" providerId="ADAL" clId="{37A0AFB6-F6CA-4F11-9C33-0D7619B1449C}" dt="2022-09-21T08:48:31.834" v="3650" actId="20577"/>
+      <pc:chgData name="Will Brooks" userId="d4c2b272-852e-451d-80ba-d2f905b38211" providerId="ADAL" clId="{37A0AFB6-F6CA-4F11-9C33-0D7619B1449C}" dt="2022-09-21T13:45:36.674" v="6427"/>
       <pc:docMkLst>
         <pc:docMk/>
       </pc:docMkLst>
-      <pc:sldChg chg="modSp mod">
-        <pc:chgData name="Will Brooks" userId="d4c2b272-852e-451d-80ba-d2f905b38211" providerId="ADAL" clId="{37A0AFB6-F6CA-4F11-9C33-0D7619B1449C}" dt="2022-09-20T15:32:41.302" v="87" actId="20577"/>
+      <pc:sldChg chg="addSp modSp mod">
+        <pc:chgData name="Will Brooks" userId="d4c2b272-852e-451d-80ba-d2f905b38211" providerId="ADAL" clId="{37A0AFB6-F6CA-4F11-9C33-0D7619B1449C}" dt="2022-09-21T13:45:36.674" v="6427"/>
         <pc:sldMkLst>
           <pc:docMk/>
           <pc:sldMk cId="3144119947" sldId="263"/>
@@ -179,6 +179,14 @@
             <ac:spMk id="3" creationId="{00000000-0000-0000-0000-000000000000}"/>
           </ac:spMkLst>
         </pc:spChg>
+        <pc:picChg chg="add mod">
+          <ac:chgData name="Will Brooks" userId="d4c2b272-852e-451d-80ba-d2f905b38211" providerId="ADAL" clId="{37A0AFB6-F6CA-4F11-9C33-0D7619B1449C}" dt="2022-09-21T13:45:36.674" v="6427"/>
+          <ac:picMkLst>
+            <pc:docMk/>
+            <pc:sldMk cId="3144119947" sldId="263"/>
+            <ac:picMk id="4" creationId="{D231037C-42C1-4B27-9A81-C457211D9005}"/>
+          </ac:picMkLst>
+        </pc:picChg>
       </pc:sldChg>
       <pc:sldChg chg="del">
         <pc:chgData name="Will Brooks" userId="d4c2b272-852e-451d-80ba-d2f905b38211" providerId="ADAL" clId="{37A0AFB6-F6CA-4F11-9C33-0D7619B1449C}" dt="2022-09-20T15:33:04.525" v="90" actId="47"/>
@@ -488,14 +496,14 @@
           <pc:sldMk cId="1020804935" sldId="315"/>
         </pc:sldMkLst>
       </pc:sldChg>
-      <pc:sldChg chg="modSp add del mod">
-        <pc:chgData name="Will Brooks" userId="d4c2b272-852e-451d-80ba-d2f905b38211" providerId="ADAL" clId="{37A0AFB6-F6CA-4F11-9C33-0D7619B1449C}" dt="2022-09-21T08:21:43.033" v="1000" actId="20577"/>
+      <pc:sldChg chg="addSp modSp add del mod">
+        <pc:chgData name="Will Brooks" userId="d4c2b272-852e-451d-80ba-d2f905b38211" providerId="ADAL" clId="{37A0AFB6-F6CA-4F11-9C33-0D7619B1449C}" dt="2022-09-21T13:45:28.282" v="6426" actId="20577"/>
         <pc:sldMkLst>
           <pc:docMk/>
           <pc:sldMk cId="3770664684" sldId="316"/>
         </pc:sldMkLst>
         <pc:spChg chg="mod">
-          <ac:chgData name="Will Brooks" userId="d4c2b272-852e-451d-80ba-d2f905b38211" providerId="ADAL" clId="{37A0AFB6-F6CA-4F11-9C33-0D7619B1449C}" dt="2022-09-21T08:21:43.033" v="1000" actId="20577"/>
+          <ac:chgData name="Will Brooks" userId="d4c2b272-852e-451d-80ba-d2f905b38211" providerId="ADAL" clId="{37A0AFB6-F6CA-4F11-9C33-0D7619B1449C}" dt="2022-09-21T13:45:28.282" v="6426" actId="20577"/>
           <ac:spMkLst>
             <pc:docMk/>
             <pc:sldMk cId="3770664684" sldId="316"/>
@@ -510,9 +518,17 @@
             <ac:spMk id="4" creationId="{42A5EA90-17C9-4BD5-BD0D-74A5419E18C7}"/>
           </ac:spMkLst>
         </pc:spChg>
+        <pc:picChg chg="add mod">
+          <ac:chgData name="Will Brooks" userId="d4c2b272-852e-451d-80ba-d2f905b38211" providerId="ADAL" clId="{37A0AFB6-F6CA-4F11-9C33-0D7619B1449C}" dt="2022-09-21T13:44:23.412" v="6337" actId="1076"/>
+          <ac:picMkLst>
+            <pc:docMk/>
+            <pc:sldMk cId="3770664684" sldId="316"/>
+            <ac:picMk id="1026" creationId="{EC21998A-F167-4B76-A1C5-254F27156F67}"/>
+          </ac:picMkLst>
+        </pc:picChg>
       </pc:sldChg>
-      <pc:sldChg chg="modSp add mod">
-        <pc:chgData name="Will Brooks" userId="d4c2b272-852e-451d-80ba-d2f905b38211" providerId="ADAL" clId="{37A0AFB6-F6CA-4F11-9C33-0D7619B1449C}" dt="2022-09-21T08:48:10.067" v="3634" actId="20577"/>
+      <pc:sldChg chg="addSp modSp add mod">
+        <pc:chgData name="Will Brooks" userId="d4c2b272-852e-451d-80ba-d2f905b38211" providerId="ADAL" clId="{37A0AFB6-F6CA-4F11-9C33-0D7619B1449C}" dt="2022-09-21T13:44:42.825" v="6338"/>
         <pc:sldMkLst>
           <pc:docMk/>
           <pc:sldMk cId="1180572286" sldId="317"/>
@@ -533,13 +549,29 @@
             <ac:spMk id="4" creationId="{42A5EA90-17C9-4BD5-BD0D-74A5419E18C7}"/>
           </ac:spMkLst>
         </pc:spChg>
+        <pc:picChg chg="add mod">
+          <ac:chgData name="Will Brooks" userId="d4c2b272-852e-451d-80ba-d2f905b38211" providerId="ADAL" clId="{37A0AFB6-F6CA-4F11-9C33-0D7619B1449C}" dt="2022-09-21T13:44:42.825" v="6338"/>
+          <ac:picMkLst>
+            <pc:docMk/>
+            <pc:sldMk cId="1180572286" sldId="317"/>
+            <ac:picMk id="5" creationId="{829CB498-2C9B-40A0-8968-E56765A79068}"/>
+          </ac:picMkLst>
+        </pc:picChg>
       </pc:sldChg>
-      <pc:sldChg chg="modSp add mod">
-        <pc:chgData name="Will Brooks" userId="d4c2b272-852e-451d-80ba-d2f905b38211" providerId="ADAL" clId="{37A0AFB6-F6CA-4F11-9C33-0D7619B1449C}" dt="2022-09-20T15:42:30.421" v="897" actId="20577"/>
+      <pc:sldChg chg="addSp modSp add mod">
+        <pc:chgData name="Will Brooks" userId="d4c2b272-852e-451d-80ba-d2f905b38211" providerId="ADAL" clId="{37A0AFB6-F6CA-4F11-9C33-0D7619B1449C}" dt="2022-09-21T13:44:53.334" v="6342" actId="167"/>
         <pc:sldMkLst>
           <pc:docMk/>
           <pc:sldMk cId="2310298358" sldId="318"/>
         </pc:sldMkLst>
+        <pc:spChg chg="mod">
+          <ac:chgData name="Will Brooks" userId="d4c2b272-852e-451d-80ba-d2f905b38211" providerId="ADAL" clId="{37A0AFB6-F6CA-4F11-9C33-0D7619B1449C}" dt="2022-09-21T13:43:39.160" v="6334" actId="20577"/>
+          <ac:spMkLst>
+            <pc:docMk/>
+            <pc:sldMk cId="2310298358" sldId="318"/>
+            <ac:spMk id="2" creationId="{48869F42-6D93-4C35-8FA5-AE406994C1E3}"/>
+          </ac:spMkLst>
+        </pc:spChg>
         <pc:spChg chg="mod">
           <ac:chgData name="Will Brooks" userId="d4c2b272-852e-451d-80ba-d2f905b38211" providerId="ADAL" clId="{37A0AFB6-F6CA-4F11-9C33-0D7619B1449C}" dt="2022-09-20T15:42:30.421" v="897" actId="20577"/>
           <ac:spMkLst>
@@ -548,9 +580,17 @@
             <ac:spMk id="4" creationId="{42A5EA90-17C9-4BD5-BD0D-74A5419E18C7}"/>
           </ac:spMkLst>
         </pc:spChg>
+        <pc:picChg chg="add mod">
+          <ac:chgData name="Will Brooks" userId="d4c2b272-852e-451d-80ba-d2f905b38211" providerId="ADAL" clId="{37A0AFB6-F6CA-4F11-9C33-0D7619B1449C}" dt="2022-09-21T13:44:53.334" v="6342" actId="167"/>
+          <ac:picMkLst>
+            <pc:docMk/>
+            <pc:sldMk cId="2310298358" sldId="318"/>
+            <ac:picMk id="5" creationId="{0ED5EA98-2928-4140-96E4-BCECB454AD2D}"/>
+          </ac:picMkLst>
+        </pc:picChg>
       </pc:sldChg>
-      <pc:sldChg chg="modSp add mod">
-        <pc:chgData name="Will Brooks" userId="d4c2b272-852e-451d-80ba-d2f905b38211" providerId="ADAL" clId="{37A0AFB6-F6CA-4F11-9C33-0D7619B1449C}" dt="2022-09-21T08:47:59.311" v="3601" actId="20577"/>
+      <pc:sldChg chg="addSp modSp add mod">
+        <pc:chgData name="Will Brooks" userId="d4c2b272-852e-451d-80ba-d2f905b38211" providerId="ADAL" clId="{37A0AFB6-F6CA-4F11-9C33-0D7619B1449C}" dt="2022-09-21T13:44:44.540" v="6339"/>
         <pc:sldMkLst>
           <pc:docMk/>
           <pc:sldMk cId="4006080756" sldId="319"/>
@@ -571,15 +611,23 @@
             <ac:spMk id="4" creationId="{42A5EA90-17C9-4BD5-BD0D-74A5419E18C7}"/>
           </ac:spMkLst>
         </pc:spChg>
+        <pc:picChg chg="add mod">
+          <ac:chgData name="Will Brooks" userId="d4c2b272-852e-451d-80ba-d2f905b38211" providerId="ADAL" clId="{37A0AFB6-F6CA-4F11-9C33-0D7619B1449C}" dt="2022-09-21T13:44:44.540" v="6339"/>
+          <ac:picMkLst>
+            <pc:docMk/>
+            <pc:sldMk cId="4006080756" sldId="319"/>
+            <ac:picMk id="5" creationId="{62E3031D-4D8D-4299-BC07-A474B9B7732C}"/>
+          </ac:picMkLst>
+        </pc:picChg>
       </pc:sldChg>
-      <pc:sldChg chg="modSp add mod">
-        <pc:chgData name="Will Brooks" userId="d4c2b272-852e-451d-80ba-d2f905b38211" providerId="ADAL" clId="{37A0AFB6-F6CA-4F11-9C33-0D7619B1449C}" dt="2022-09-21T08:48:31.834" v="3650" actId="20577"/>
+      <pc:sldChg chg="addSp modSp add mod">
+        <pc:chgData name="Will Brooks" userId="d4c2b272-852e-451d-80ba-d2f905b38211" providerId="ADAL" clId="{37A0AFB6-F6CA-4F11-9C33-0D7619B1449C}" dt="2022-09-21T13:44:46.383" v="6340"/>
         <pc:sldMkLst>
           <pc:docMk/>
           <pc:sldMk cId="3118825995" sldId="320"/>
         </pc:sldMkLst>
         <pc:spChg chg="mod">
-          <ac:chgData name="Will Brooks" userId="d4c2b272-852e-451d-80ba-d2f905b38211" providerId="ADAL" clId="{37A0AFB6-F6CA-4F11-9C33-0D7619B1449C}" dt="2022-09-21T08:48:31.834" v="3650" actId="20577"/>
+          <ac:chgData name="Will Brooks" userId="d4c2b272-852e-451d-80ba-d2f905b38211" providerId="ADAL" clId="{37A0AFB6-F6CA-4F11-9C33-0D7619B1449C}" dt="2022-09-21T13:36:43.888" v="4746" actId="20577"/>
           <ac:spMkLst>
             <pc:docMk/>
             <pc:sldMk cId="3118825995" sldId="320"/>
@@ -594,6 +642,14 @@
             <ac:spMk id="4" creationId="{42A5EA90-17C9-4BD5-BD0D-74A5419E18C7}"/>
           </ac:spMkLst>
         </pc:spChg>
+        <pc:picChg chg="add mod">
+          <ac:chgData name="Will Brooks" userId="d4c2b272-852e-451d-80ba-d2f905b38211" providerId="ADAL" clId="{37A0AFB6-F6CA-4F11-9C33-0D7619B1449C}" dt="2022-09-21T13:44:46.383" v="6340"/>
+          <ac:picMkLst>
+            <pc:docMk/>
+            <pc:sldMk cId="3118825995" sldId="320"/>
+            <ac:picMk id="5" creationId="{DA37BB83-A404-466E-AF5B-9DECFAADE798}"/>
+          </ac:picMkLst>
+        </pc:picChg>
       </pc:sldChg>
     </pc:docChg>
   </pc:docChgLst>
@@ -12555,6 +12611,53 @@
           </a:p>
         </p:txBody>
       </p:sp>
+      <p:pic>
+        <p:nvPicPr>
+          <p:cNvPr id="4" name="Picture 2" descr="See the source image">
+            <a:extLst>
+              <a:ext uri="{FF2B5EF4-FFF2-40B4-BE49-F238E27FC236}">
+                <a16:creationId xmlns:a16="http://schemas.microsoft.com/office/drawing/2014/main" id="{D231037C-42C1-4B27-9A81-C457211D9005}"/>
+              </a:ext>
+            </a:extLst>
+          </p:cNvPr>
+          <p:cNvPicPr>
+            <a:picLocks noChangeAspect="1" noChangeArrowheads="1"/>
+          </p:cNvPicPr>
+          <p:nvPr/>
+        </p:nvPicPr>
+        <p:blipFill>
+          <a:blip r:embed="rId2">
+            <a:extLst>
+              <a:ext uri="{28A0092B-C50C-407E-A947-70E740481C1C}">
+                <a14:useLocalDpi xmlns:a14="http://schemas.microsoft.com/office/drawing/2010/main" val="0"/>
+              </a:ext>
+            </a:extLst>
+          </a:blip>
+          <a:srcRect/>
+          <a:stretch>
+            <a:fillRect/>
+          </a:stretch>
+        </p:blipFill>
+        <p:spPr bwMode="auto">
+          <a:xfrm>
+            <a:off x="7338694" y="5450056"/>
+            <a:ext cx="1382318" cy="1248508"/>
+          </a:xfrm>
+          <a:prstGeom prst="rect">
+            <a:avLst/>
+          </a:prstGeom>
+          <a:noFill/>
+          <a:extLst>
+            <a:ext uri="{909E8E84-426E-40DD-AFC4-6F175D3DCCD1}">
+              <a14:hiddenFill xmlns:a14="http://schemas.microsoft.com/office/drawing/2010/main">
+                <a:solidFill>
+                  <a:srgbClr val="FFFFFF"/>
+                </a:solidFill>
+              </a14:hiddenFill>
+            </a:ext>
+          </a:extLst>
+        </p:spPr>
+      </p:pic>
     </p:spTree>
     <p:extLst>
       <p:ext uri="{BB962C8B-B14F-4D97-AF65-F5344CB8AC3E}">
@@ -12700,7 +12803,7 @@
             </a:pPr>
             <a:r>
               <a:rPr lang="en-GB" dirty="0"/>
-              <a:t>GitHub is an online repository which acts as your remote. This is accessible across teams</a:t>
+              <a:t>GitHub is an online repository which acts as your remote. This is accessible across teams, and can be duplicated into a ‘local’ folder, which acts as a personal repository</a:t>
             </a:r>
           </a:p>
           <a:p>
@@ -12798,6 +12901,53 @@
           </a:p>
         </p:txBody>
       </p:sp>
+      <p:pic>
+        <p:nvPicPr>
+          <p:cNvPr id="1026" name="Picture 2" descr="See the source image">
+            <a:extLst>
+              <a:ext uri="{FF2B5EF4-FFF2-40B4-BE49-F238E27FC236}">
+                <a16:creationId xmlns:a16="http://schemas.microsoft.com/office/drawing/2014/main" id="{EC21998A-F167-4B76-A1C5-254F27156F67}"/>
+              </a:ext>
+            </a:extLst>
+          </p:cNvPr>
+          <p:cNvPicPr>
+            <a:picLocks noChangeAspect="1" noChangeArrowheads="1"/>
+          </p:cNvPicPr>
+          <p:nvPr/>
+        </p:nvPicPr>
+        <p:blipFill>
+          <a:blip r:embed="rId3">
+            <a:extLst>
+              <a:ext uri="{28A0092B-C50C-407E-A947-70E740481C1C}">
+                <a14:useLocalDpi xmlns:a14="http://schemas.microsoft.com/office/drawing/2010/main" val="0"/>
+              </a:ext>
+            </a:extLst>
+          </a:blip>
+          <a:srcRect/>
+          <a:stretch>
+            <a:fillRect/>
+          </a:stretch>
+        </p:blipFill>
+        <p:spPr bwMode="auto">
+          <a:xfrm>
+            <a:off x="7338694" y="5450056"/>
+            <a:ext cx="1382318" cy="1248508"/>
+          </a:xfrm>
+          <a:prstGeom prst="rect">
+            <a:avLst/>
+          </a:prstGeom>
+          <a:noFill/>
+          <a:extLst>
+            <a:ext uri="{909E8E84-426E-40DD-AFC4-6F175D3DCCD1}">
+              <a14:hiddenFill xmlns:a14="http://schemas.microsoft.com/office/drawing/2010/main">
+                <a:solidFill>
+                  <a:srgbClr val="FFFFFF"/>
+                </a:solidFill>
+              </a14:hiddenFill>
+            </a:ext>
+          </a:extLst>
+        </p:spPr>
+      </p:pic>
     </p:spTree>
     <p:extLst>
       <p:ext uri="{BB962C8B-B14F-4D97-AF65-F5344CB8AC3E}">
@@ -13093,6 +13243,53 @@
           </a:p>
         </p:txBody>
       </p:sp>
+      <p:pic>
+        <p:nvPicPr>
+          <p:cNvPr id="5" name="Picture 2" descr="See the source image">
+            <a:extLst>
+              <a:ext uri="{FF2B5EF4-FFF2-40B4-BE49-F238E27FC236}">
+                <a16:creationId xmlns:a16="http://schemas.microsoft.com/office/drawing/2014/main" id="{829CB498-2C9B-40A0-8968-E56765A79068}"/>
+              </a:ext>
+            </a:extLst>
+          </p:cNvPr>
+          <p:cNvPicPr>
+            <a:picLocks noChangeAspect="1" noChangeArrowheads="1"/>
+          </p:cNvPicPr>
+          <p:nvPr/>
+        </p:nvPicPr>
+        <p:blipFill>
+          <a:blip r:embed="rId3">
+            <a:extLst>
+              <a:ext uri="{28A0092B-C50C-407E-A947-70E740481C1C}">
+                <a14:useLocalDpi xmlns:a14="http://schemas.microsoft.com/office/drawing/2010/main" val="0"/>
+              </a:ext>
+            </a:extLst>
+          </a:blip>
+          <a:srcRect/>
+          <a:stretch>
+            <a:fillRect/>
+          </a:stretch>
+        </p:blipFill>
+        <p:spPr bwMode="auto">
+          <a:xfrm>
+            <a:off x="7338694" y="5450056"/>
+            <a:ext cx="1382318" cy="1248508"/>
+          </a:xfrm>
+          <a:prstGeom prst="rect">
+            <a:avLst/>
+          </a:prstGeom>
+          <a:noFill/>
+          <a:extLst>
+            <a:ext uri="{909E8E84-426E-40DD-AFC4-6F175D3DCCD1}">
+              <a14:hiddenFill xmlns:a14="http://schemas.microsoft.com/office/drawing/2010/main">
+                <a:solidFill>
+                  <a:srgbClr val="FFFFFF"/>
+                </a:solidFill>
+              </a14:hiddenFill>
+            </a:ext>
+          </a:extLst>
+        </p:spPr>
+      </p:pic>
     </p:spTree>
     <p:extLst>
       <p:ext uri="{BB962C8B-B14F-4D97-AF65-F5344CB8AC3E}">
@@ -13341,6 +13538,53 @@
           </a:p>
         </p:txBody>
       </p:sp>
+      <p:pic>
+        <p:nvPicPr>
+          <p:cNvPr id="5" name="Picture 2" descr="See the source image">
+            <a:extLst>
+              <a:ext uri="{FF2B5EF4-FFF2-40B4-BE49-F238E27FC236}">
+                <a16:creationId xmlns:a16="http://schemas.microsoft.com/office/drawing/2014/main" id="{62E3031D-4D8D-4299-BC07-A474B9B7732C}"/>
+              </a:ext>
+            </a:extLst>
+          </p:cNvPr>
+          <p:cNvPicPr>
+            <a:picLocks noChangeAspect="1" noChangeArrowheads="1"/>
+          </p:cNvPicPr>
+          <p:nvPr/>
+        </p:nvPicPr>
+        <p:blipFill>
+          <a:blip r:embed="rId4">
+            <a:extLst>
+              <a:ext uri="{28A0092B-C50C-407E-A947-70E740481C1C}">
+                <a14:useLocalDpi xmlns:a14="http://schemas.microsoft.com/office/drawing/2010/main" val="0"/>
+              </a:ext>
+            </a:extLst>
+          </a:blip>
+          <a:srcRect/>
+          <a:stretch>
+            <a:fillRect/>
+          </a:stretch>
+        </p:blipFill>
+        <p:spPr bwMode="auto">
+          <a:xfrm>
+            <a:off x="7338694" y="5450056"/>
+            <a:ext cx="1382318" cy="1248508"/>
+          </a:xfrm>
+          <a:prstGeom prst="rect">
+            <a:avLst/>
+          </a:prstGeom>
+          <a:noFill/>
+          <a:extLst>
+            <a:ext uri="{909E8E84-426E-40DD-AFC4-6F175D3DCCD1}">
+              <a14:hiddenFill xmlns:a14="http://schemas.microsoft.com/office/drawing/2010/main">
+                <a:solidFill>
+                  <a:srgbClr val="FFFFFF"/>
+                </a:solidFill>
+              </a14:hiddenFill>
+            </a:ext>
+          </a:extLst>
+        </p:spPr>
+      </p:pic>
     </p:spTree>
     <p:extLst>
       <p:ext uri="{BB962C8B-B14F-4D97-AF65-F5344CB8AC3E}">
@@ -13392,6 +13636,32 @@
           <a:bodyPr/>
           <a:lstStyle/>
           <a:p>
+            <a:r>
+              <a:rPr lang="en-GB" dirty="0"/>
+              <a:t>Branches are an independent line of development, away from the main branch</a:t>
+            </a:r>
+          </a:p>
+          <a:p>
+            <a:pPr lvl="1">
+              <a:buFont typeface="Courier New" panose="02070309020205020404" pitchFamily="49" charset="0"/>
+              <a:buChar char="o"/>
+            </a:pPr>
+            <a:r>
+              <a:rPr lang="en-GB" dirty="0"/>
+              <a:t>Files are identical to the main branch, but adding and committing new files, or changes, do not automatically affect the main branch</a:t>
+            </a:r>
+          </a:p>
+          <a:p>
+            <a:pPr lvl="1">
+              <a:buFont typeface="Courier New" panose="02070309020205020404" pitchFamily="49" charset="0"/>
+              <a:buChar char="o"/>
+            </a:pPr>
+            <a:r>
+              <a:rPr lang="en-GB" dirty="0"/>
+              <a:t>You could name branches v1, v1.1 etc. as change are made, which keeps a log of all changes made</a:t>
+            </a:r>
+          </a:p>
+          <a:p>
             <a:pPr lvl="1">
               <a:buFont typeface="Courier New" panose="02070309020205020404" pitchFamily="49" charset="0"/>
               <a:buChar char="o"/>
@@ -13399,10 +13669,77 @@
             <a:endParaRPr lang="en-GB" dirty="0"/>
           </a:p>
           <a:p>
-            <a:pPr marL="457200" lvl="1" indent="0">
-              <a:buNone/>
+            <a:r>
+              <a:rPr lang="en-GB" i="1" dirty="0"/>
+              <a:t>git checkout –b </a:t>
+            </a:r>
+            <a:r>
+              <a:rPr lang="en-GB" i="1" dirty="0" err="1"/>
+              <a:t>edit_branch</a:t>
+            </a:r>
+            <a:r>
+              <a:rPr lang="en-GB" i="1" dirty="0"/>
+              <a:t> </a:t>
+            </a:r>
+            <a:r>
+              <a:rPr lang="en-GB" dirty="0"/>
+              <a:t>-&gt; Creating a new branch ‘</a:t>
+            </a:r>
+            <a:r>
+              <a:rPr lang="en-GB" dirty="0" err="1"/>
+              <a:t>edit_branch</a:t>
+            </a:r>
+            <a:r>
+              <a:rPr lang="en-GB" dirty="0"/>
+              <a:t>’ and moving to that branch</a:t>
+            </a:r>
+          </a:p>
+          <a:p>
+            <a:pPr lvl="1">
+              <a:buFont typeface="Courier New" panose="02070309020205020404" pitchFamily="49" charset="0"/>
+              <a:buChar char="o"/>
+            </a:pPr>
+            <a:r>
+              <a:rPr lang="en-GB" dirty="0"/>
+              <a:t>Here we can make the required changes that can be proposed, but not necessarily merged to the main branch</a:t>
+            </a:r>
+          </a:p>
+          <a:p>
+            <a:pPr lvl="1">
+              <a:buFont typeface="Courier New" panose="02070309020205020404" pitchFamily="49" charset="0"/>
+              <a:buChar char="o"/>
+            </a:pPr>
+            <a:r>
+              <a:rPr lang="en-GB" i="1" dirty="0"/>
+              <a:t>git checkout master </a:t>
+            </a:r>
+            <a:r>
+              <a:rPr lang="en-GB" dirty="0"/>
+              <a:t>would move you back to the main branch</a:t>
+            </a:r>
+          </a:p>
+          <a:p>
+            <a:pPr lvl="1">
+              <a:buFont typeface="Courier New" panose="02070309020205020404" pitchFamily="49" charset="0"/>
+              <a:buChar char="o"/>
             </a:pPr>
             <a:endParaRPr lang="en-GB" dirty="0"/>
+          </a:p>
+          <a:p>
+            <a:r>
+              <a:rPr lang="en-GB" dirty="0"/>
+              <a:t>Switching between branches allows you to compare the versions and assess the changes made. This means that further alterations can be made before the branches are merged, and the master then contains the latest version</a:t>
+            </a:r>
+          </a:p>
+          <a:p>
+            <a:pPr lvl="1">
+              <a:buFont typeface="Courier New" panose="02070309020205020404" pitchFamily="49" charset="0"/>
+              <a:buChar char="o"/>
+            </a:pPr>
+            <a:endParaRPr lang="en-GB" i="1" dirty="0"/>
+          </a:p>
+          <a:p>
+            <a:endParaRPr lang="en-GB" i="1" dirty="0"/>
           </a:p>
         </p:txBody>
       </p:sp>
@@ -13463,6 +13800,53 @@
           </a:p>
         </p:txBody>
       </p:sp>
+      <p:pic>
+        <p:nvPicPr>
+          <p:cNvPr id="5" name="Picture 2" descr="See the source image">
+            <a:extLst>
+              <a:ext uri="{FF2B5EF4-FFF2-40B4-BE49-F238E27FC236}">
+                <a16:creationId xmlns:a16="http://schemas.microsoft.com/office/drawing/2014/main" id="{DA37BB83-A404-466E-AF5B-9DECFAADE798}"/>
+              </a:ext>
+            </a:extLst>
+          </p:cNvPr>
+          <p:cNvPicPr>
+            <a:picLocks noChangeAspect="1" noChangeArrowheads="1"/>
+          </p:cNvPicPr>
+          <p:nvPr/>
+        </p:nvPicPr>
+        <p:blipFill>
+          <a:blip r:embed="rId3">
+            <a:extLst>
+              <a:ext uri="{28A0092B-C50C-407E-A947-70E740481C1C}">
+                <a14:useLocalDpi xmlns:a14="http://schemas.microsoft.com/office/drawing/2010/main" val="0"/>
+              </a:ext>
+            </a:extLst>
+          </a:blip>
+          <a:srcRect/>
+          <a:stretch>
+            <a:fillRect/>
+          </a:stretch>
+        </p:blipFill>
+        <p:spPr bwMode="auto">
+          <a:xfrm>
+            <a:off x="7338694" y="5450056"/>
+            <a:ext cx="1382318" cy="1248508"/>
+          </a:xfrm>
+          <a:prstGeom prst="rect">
+            <a:avLst/>
+          </a:prstGeom>
+          <a:noFill/>
+          <a:extLst>
+            <a:ext uri="{909E8E84-426E-40DD-AFC4-6F175D3DCCD1}">
+              <a14:hiddenFill xmlns:a14="http://schemas.microsoft.com/office/drawing/2010/main">
+                <a:solidFill>
+                  <a:srgbClr val="FFFFFF"/>
+                </a:solidFill>
+              </a14:hiddenFill>
+            </a:ext>
+          </a:extLst>
+        </p:spPr>
+      </p:pic>
     </p:spTree>
     <p:extLst>
       <p:ext uri="{BB962C8B-B14F-4D97-AF65-F5344CB8AC3E}">
@@ -13493,6 +13877,53 @@
           <a:chExt cx="0" cy="0"/>
         </a:xfrm>
       </p:grpSpPr>
+      <p:pic>
+        <p:nvPicPr>
+          <p:cNvPr id="5" name="Picture 2" descr="See the source image">
+            <a:extLst>
+              <a:ext uri="{FF2B5EF4-FFF2-40B4-BE49-F238E27FC236}">
+                <a16:creationId xmlns:a16="http://schemas.microsoft.com/office/drawing/2014/main" id="{0ED5EA98-2928-4140-96E4-BCECB454AD2D}"/>
+              </a:ext>
+            </a:extLst>
+          </p:cNvPr>
+          <p:cNvPicPr>
+            <a:picLocks noChangeAspect="1" noChangeArrowheads="1"/>
+          </p:cNvPicPr>
+          <p:nvPr/>
+        </p:nvPicPr>
+        <p:blipFill>
+          <a:blip r:embed="rId3">
+            <a:extLst>
+              <a:ext uri="{28A0092B-C50C-407E-A947-70E740481C1C}">
+                <a14:useLocalDpi xmlns:a14="http://schemas.microsoft.com/office/drawing/2010/main" val="0"/>
+              </a:ext>
+            </a:extLst>
+          </a:blip>
+          <a:srcRect/>
+          <a:stretch>
+            <a:fillRect/>
+          </a:stretch>
+        </p:blipFill>
+        <p:spPr bwMode="auto">
+          <a:xfrm>
+            <a:off x="7338694" y="5450056"/>
+            <a:ext cx="1382318" cy="1248508"/>
+          </a:xfrm>
+          <a:prstGeom prst="rect">
+            <a:avLst/>
+          </a:prstGeom>
+          <a:noFill/>
+          <a:extLst>
+            <a:ext uri="{909E8E84-426E-40DD-AFC4-6F175D3DCCD1}">
+              <a14:hiddenFill xmlns:a14="http://schemas.microsoft.com/office/drawing/2010/main">
+                <a:solidFill>
+                  <a:srgbClr val="FFFFFF"/>
+                </a:solidFill>
+              </a14:hiddenFill>
+            </a:ext>
+          </a:extLst>
+        </p:spPr>
+      </p:pic>
       <p:sp>
         <p:nvSpPr>
           <p:cNvPr id="2" name="Content Placeholder 1">
@@ -13514,6 +13945,129 @@
           <a:bodyPr/>
           <a:lstStyle/>
           <a:p>
+            <a:r>
+              <a:rPr lang="en-GB" dirty="0"/>
+              <a:t>Version Control -&gt; Version Control can be something that is difficult/time consuming to complete</a:t>
+            </a:r>
+          </a:p>
+          <a:p>
+            <a:pPr lvl="1">
+              <a:buFont typeface="Courier New" panose="02070309020205020404" pitchFamily="49" charset="0"/>
+              <a:buChar char="o"/>
+            </a:pPr>
+            <a:r>
+              <a:rPr lang="en-GB" dirty="0"/>
+              <a:t>There are often small changes that may seem meaningless to record</a:t>
+            </a:r>
+          </a:p>
+          <a:p>
+            <a:pPr lvl="1">
+              <a:buFont typeface="Courier New" panose="02070309020205020404" pitchFamily="49" charset="0"/>
+              <a:buChar char="o"/>
+            </a:pPr>
+            <a:r>
+              <a:rPr lang="en-GB" dirty="0"/>
+              <a:t>There can be large changes that change the landscape of a file</a:t>
+            </a:r>
+          </a:p>
+          <a:p>
+            <a:pPr lvl="1">
+              <a:buFont typeface="Courier New" panose="02070309020205020404" pitchFamily="49" charset="0"/>
+              <a:buChar char="o"/>
+            </a:pPr>
+            <a:r>
+              <a:rPr lang="en-GB" dirty="0"/>
+              <a:t>Branching allows small and large changes to be tracked, and files to be archived without clutter</a:t>
+            </a:r>
+          </a:p>
+          <a:p>
+            <a:pPr lvl="1">
+              <a:buFont typeface="Courier New" panose="02070309020205020404" pitchFamily="49" charset="0"/>
+              <a:buChar char="o"/>
+            </a:pPr>
+            <a:endParaRPr lang="en-GB" dirty="0"/>
+          </a:p>
+          <a:p>
+            <a:r>
+              <a:rPr lang="en-GB" dirty="0"/>
+              <a:t>Collaborative Working -&gt; The team often works on large R scripts / SQL queries that may constantly change over the process of producing a product</a:t>
+            </a:r>
+          </a:p>
+          <a:p>
+            <a:pPr lvl="1">
+              <a:buFont typeface="Courier New" panose="02070309020205020404" pitchFamily="49" charset="0"/>
+              <a:buChar char="o"/>
+            </a:pPr>
+            <a:r>
+              <a:rPr lang="en-GB" dirty="0"/>
+              <a:t>Multiple colleagues can access scripts, make changes, </a:t>
+            </a:r>
+            <a:r>
+              <a:rPr lang="en-GB" i="1" dirty="0"/>
+              <a:t>push</a:t>
+            </a:r>
+            <a:r>
+              <a:rPr lang="en-GB" dirty="0"/>
+              <a:t> them to the remote, and pull the changes that others have made</a:t>
+            </a:r>
+          </a:p>
+          <a:p>
+            <a:pPr lvl="1">
+              <a:buFont typeface="Courier New" panose="02070309020205020404" pitchFamily="49" charset="0"/>
+              <a:buChar char="o"/>
+            </a:pPr>
+            <a:r>
+              <a:rPr lang="en-GB" dirty="0"/>
+              <a:t>These changes can be reviewed centrally, and commits and merges can be made where we are confident that change is necessary</a:t>
+            </a:r>
+          </a:p>
+          <a:p>
+            <a:pPr lvl="1">
+              <a:buFont typeface="Courier New" panose="02070309020205020404" pitchFamily="49" charset="0"/>
+              <a:buChar char="o"/>
+            </a:pPr>
+            <a:r>
+              <a:rPr lang="en-GB" dirty="0"/>
+              <a:t>This would be useful for future iterations of PLICS where the R code will likely become much larger, and more people will work on it</a:t>
+            </a:r>
+          </a:p>
+          <a:p>
+            <a:pPr lvl="1">
+              <a:buFont typeface="Courier New" panose="02070309020205020404" pitchFamily="49" charset="0"/>
+              <a:buChar char="o"/>
+            </a:pPr>
+            <a:endParaRPr lang="en-GB" dirty="0"/>
+          </a:p>
+          <a:p>
+            <a:r>
+              <a:rPr lang="en-GB" dirty="0"/>
+              <a:t>Transparency and Schematics -&gt; Schematics can sometimes be difficult to produce as lots of processes have taken place</a:t>
+            </a:r>
+          </a:p>
+          <a:p>
+            <a:pPr lvl="1">
+              <a:buFont typeface="Courier New" panose="02070309020205020404" pitchFamily="49" charset="0"/>
+              <a:buChar char="o"/>
+            </a:pPr>
+            <a:r>
+              <a:rPr lang="en-GB" dirty="0"/>
+              <a:t>This nature of version control allows the steps of change for production documents to be followed easily, if an appropriate naming system is adopted</a:t>
+            </a:r>
+          </a:p>
+          <a:p>
+            <a:pPr lvl="1">
+              <a:buFont typeface="Courier New" panose="02070309020205020404" pitchFamily="49" charset="0"/>
+              <a:buChar char="o"/>
+            </a:pPr>
+            <a:r>
+              <a:rPr lang="en-GB" dirty="0"/>
+              <a:t>The –m messaging feature allows colleagues to label their changes, e.g. ‘lines added for MFF values’</a:t>
+            </a:r>
+          </a:p>
+          <a:p>
+            <a:pPr marL="457200" lvl="1" indent="0">
+              <a:buNone/>
+            </a:pPr>
             <a:endParaRPr lang="en-GB" dirty="0"/>
           </a:p>
         </p:txBody>
@@ -14420,15 +14974,6 @@
 </file>
 
 <file path=customXml/item1.xml><?xml version="1.0" encoding="utf-8"?>
-<?mso-contentType ?>
-<FormTemplates xmlns="http://schemas.microsoft.com/sharepoint/v3/contenttype/forms">
-  <Display>DocumentLibraryForm</Display>
-  <Edit>DocumentLibraryForm</Edit>
-  <New>DocumentLibraryForm</New>
-</FormTemplates>
-</file>
-
-<file path=customXml/item2.xml><?xml version="1.0" encoding="utf-8"?>
 <ct:contentTypeSchema xmlns:ct="http://schemas.microsoft.com/office/2006/metadata/contentType" xmlns:ma="http://schemas.microsoft.com/office/2006/metadata/properties/metaAttributes" ct:_="" ma:_="" ma:contentTypeName="Document" ma:contentTypeID="0x010100308E40E706C7A346904F58642B7D1969" ma:contentTypeVersion="0" ma:contentTypeDescription="Create a new document." ma:contentTypeScope="" ma:versionID="0ea485b46902d4f7e49967f1b2c25a65">
   <xsd:schema xmlns:xsd="http://www.w3.org/2001/XMLSchema" xmlns:xs="http://www.w3.org/2001/XMLSchema" xmlns:p="http://schemas.microsoft.com/office/2006/metadata/properties" targetNamespace="http://schemas.microsoft.com/office/2006/metadata/properties" ma:root="true" ma:fieldsID="90078a0fe6c183ae62661f67b7399e8a">
     <xsd:element name="properties">
@@ -14542,6 +15087,15 @@
 </ct:contentTypeSchema>
 </file>
 
+<file path=customXml/item2.xml><?xml version="1.0" encoding="utf-8"?>
+<?mso-contentType ?>
+<FormTemplates xmlns="http://schemas.microsoft.com/sharepoint/v3/contenttype/forms">
+  <Display>DocumentLibraryForm</Display>
+  <Edit>DocumentLibraryForm</Edit>
+  <New>DocumentLibraryForm</New>
+</FormTemplates>
+</file>
+
 <file path=customXml/item3.xml><?xml version="1.0" encoding="utf-8"?>
 <p:properties xmlns:p="http://schemas.microsoft.com/office/2006/metadata/properties" xmlns:xsi="http://www.w3.org/2001/XMLSchema-instance" xmlns:pc="http://schemas.microsoft.com/office/infopath/2007/PartnerControls">
   <documentManagement/>
@@ -14549,14 +15103,6 @@
 </file>
 
 <file path=customXml/itemProps1.xml><?xml version="1.0" encoding="utf-8"?>
-<ds:datastoreItem xmlns:ds="http://schemas.openxmlformats.org/officeDocument/2006/customXml" ds:itemID="{A6333066-D95F-4DC9-8F45-8431A5C3C76B}">
-  <ds:schemaRefs>
-    <ds:schemaRef ds:uri="http://schemas.microsoft.com/sharepoint/v3/contenttype/forms"/>
-  </ds:schemaRefs>
-</ds:datastoreItem>
-</file>
-
-<file path=customXml/itemProps2.xml><?xml version="1.0" encoding="utf-8"?>
 <ds:datastoreItem xmlns:ds="http://schemas.openxmlformats.org/officeDocument/2006/customXml" ds:itemID="{08DD32EF-F09C-4573-9C23-B48EA7D5886E}">
   <ds:schemaRefs>
     <ds:schemaRef ds:uri="http://schemas.microsoft.com/office/2006/metadata/contentType"/>
@@ -14568,6 +15114,14 @@
     <ds:schemaRef ds:uri="http://purl.org/dc/terms/"/>
     <ds:schemaRef ds:uri="http://schemas.microsoft.com/internal/obd"/>
     <ds:schemaRef ds:uri="http://schemas.microsoft.com/office/infopath/2007/PartnerControls"/>
+  </ds:schemaRefs>
+</ds:datastoreItem>
+</file>
+
+<file path=customXml/itemProps2.xml><?xml version="1.0" encoding="utf-8"?>
+<ds:datastoreItem xmlns:ds="http://schemas.openxmlformats.org/officeDocument/2006/customXml" ds:itemID="{A6333066-D95F-4DC9-8F45-8431A5C3C76B}">
+  <ds:schemaRefs>
+    <ds:schemaRef ds:uri="http://schemas.microsoft.com/sharepoint/v3/contenttype/forms"/>
   </ds:schemaRefs>
 </ds:datastoreItem>
 </file>

--- a/GitIntro.pptx
+++ b/GitIntro.pptx
@@ -5,10 +5,10 @@
     <p:sldMasterId id="2147483660" r:id="rId4"/>
   </p:sldMasterIdLst>
   <p:notesMasterIdLst>
-    <p:notesMasterId r:id="rId11"/>
+    <p:notesMasterId r:id="rId16"/>
   </p:notesMasterIdLst>
   <p:handoutMasterIdLst>
-    <p:handoutMasterId r:id="rId12"/>
+    <p:handoutMasterId r:id="rId17"/>
   </p:handoutMasterIdLst>
   <p:sldIdLst>
     <p:sldId id="263" r:id="rId5"/>
@@ -17,6 +17,11 @@
     <p:sldId id="319" r:id="rId8"/>
     <p:sldId id="320" r:id="rId9"/>
     <p:sldId id="318" r:id="rId10"/>
+    <p:sldId id="321" r:id="rId11"/>
+    <p:sldId id="322" r:id="rId12"/>
+    <p:sldId id="323" r:id="rId13"/>
+    <p:sldId id="324" r:id="rId14"/>
+    <p:sldId id="325" r:id="rId15"/>
   </p:sldIdLst>
   <p:sldSz cx="9144000" cy="6858000" type="screen4x3"/>
   <p:notesSz cx="6858000" cy="9144000"/>
@@ -153,7 +158,7 @@
   <pc:docChgLst>
     <pc:chgData name="Will Brooks" userId="d4c2b272-852e-451d-80ba-d2f905b38211" providerId="ADAL" clId="{37A0AFB6-F6CA-4F11-9C33-0D7619B1449C}"/>
     <pc:docChg chg="undo custSel addSld delSld modSld">
-      <pc:chgData name="Will Brooks" userId="d4c2b272-852e-451d-80ba-d2f905b38211" providerId="ADAL" clId="{37A0AFB6-F6CA-4F11-9C33-0D7619B1449C}" dt="2022-09-21T13:45:36.674" v="6427"/>
+      <pc:chgData name="Will Brooks" userId="d4c2b272-852e-451d-80ba-d2f905b38211" providerId="ADAL" clId="{37A0AFB6-F6CA-4F11-9C33-0D7619B1449C}" dt="2022-09-21T15:25:15.717" v="6745" actId="20577"/>
       <pc:docMkLst>
         <pc:docMk/>
       </pc:docMkLst>
@@ -559,13 +564,13 @@
         </pc:picChg>
       </pc:sldChg>
       <pc:sldChg chg="addSp modSp add mod">
-        <pc:chgData name="Will Brooks" userId="d4c2b272-852e-451d-80ba-d2f905b38211" providerId="ADAL" clId="{37A0AFB6-F6CA-4F11-9C33-0D7619B1449C}" dt="2022-09-21T13:44:53.334" v="6342" actId="167"/>
+        <pc:chgData name="Will Brooks" userId="d4c2b272-852e-451d-80ba-d2f905b38211" providerId="ADAL" clId="{37A0AFB6-F6CA-4F11-9C33-0D7619B1449C}" dt="2022-09-21T14:55:45.288" v="6518" actId="114"/>
         <pc:sldMkLst>
           <pc:docMk/>
           <pc:sldMk cId="2310298358" sldId="318"/>
         </pc:sldMkLst>
         <pc:spChg chg="mod">
-          <ac:chgData name="Will Brooks" userId="d4c2b272-852e-451d-80ba-d2f905b38211" providerId="ADAL" clId="{37A0AFB6-F6CA-4F11-9C33-0D7619B1449C}" dt="2022-09-21T13:43:39.160" v="6334" actId="20577"/>
+          <ac:chgData name="Will Brooks" userId="d4c2b272-852e-451d-80ba-d2f905b38211" providerId="ADAL" clId="{37A0AFB6-F6CA-4F11-9C33-0D7619B1449C}" dt="2022-09-21T14:55:45.288" v="6518" actId="114"/>
           <ac:spMkLst>
             <pc:docMk/>
             <pc:sldMk cId="2310298358" sldId="318"/>
@@ -590,13 +595,13 @@
         </pc:picChg>
       </pc:sldChg>
       <pc:sldChg chg="addSp modSp add mod">
-        <pc:chgData name="Will Brooks" userId="d4c2b272-852e-451d-80ba-d2f905b38211" providerId="ADAL" clId="{37A0AFB6-F6CA-4F11-9C33-0D7619B1449C}" dt="2022-09-21T13:44:44.540" v="6339"/>
+        <pc:chgData name="Will Brooks" userId="d4c2b272-852e-451d-80ba-d2f905b38211" providerId="ADAL" clId="{37A0AFB6-F6CA-4F11-9C33-0D7619B1449C}" dt="2022-09-21T14:54:20.320" v="6512" actId="20577"/>
         <pc:sldMkLst>
           <pc:docMk/>
           <pc:sldMk cId="4006080756" sldId="319"/>
         </pc:sldMkLst>
         <pc:spChg chg="mod">
-          <ac:chgData name="Will Brooks" userId="d4c2b272-852e-451d-80ba-d2f905b38211" providerId="ADAL" clId="{37A0AFB6-F6CA-4F11-9C33-0D7619B1449C}" dt="2022-09-21T08:47:43.749" v="3581" actId="20577"/>
+          <ac:chgData name="Will Brooks" userId="d4c2b272-852e-451d-80ba-d2f905b38211" providerId="ADAL" clId="{37A0AFB6-F6CA-4F11-9C33-0D7619B1449C}" dt="2022-09-21T14:54:20.320" v="6512" actId="20577"/>
           <ac:spMkLst>
             <pc:docMk/>
             <pc:sldMk cId="4006080756" sldId="319"/>
@@ -648,6 +653,241 @@
             <pc:docMk/>
             <pc:sldMk cId="3118825995" sldId="320"/>
             <ac:picMk id="5" creationId="{DA37BB83-A404-466E-AF5B-9DECFAADE798}"/>
+          </ac:picMkLst>
+        </pc:picChg>
+      </pc:sldChg>
+      <pc:sldChg chg="addSp delSp modSp add mod">
+        <pc:chgData name="Will Brooks" userId="d4c2b272-852e-451d-80ba-d2f905b38211" providerId="ADAL" clId="{37A0AFB6-F6CA-4F11-9C33-0D7619B1449C}" dt="2022-09-21T15:24:14.435" v="6658" actId="20577"/>
+        <pc:sldMkLst>
+          <pc:docMk/>
+          <pc:sldMk cId="1632702149" sldId="321"/>
+        </pc:sldMkLst>
+        <pc:spChg chg="del mod">
+          <ac:chgData name="Will Brooks" userId="d4c2b272-852e-451d-80ba-d2f905b38211" providerId="ADAL" clId="{37A0AFB6-F6CA-4F11-9C33-0D7619B1449C}" dt="2022-09-21T15:02:28.338" v="6545" actId="478"/>
+          <ac:spMkLst>
+            <pc:docMk/>
+            <pc:sldMk cId="1632702149" sldId="321"/>
+            <ac:spMk id="2" creationId="{48869F42-6D93-4C35-8FA5-AE406994C1E3}"/>
+          </ac:spMkLst>
+        </pc:spChg>
+        <pc:spChg chg="mod">
+          <ac:chgData name="Will Brooks" userId="d4c2b272-852e-451d-80ba-d2f905b38211" providerId="ADAL" clId="{37A0AFB6-F6CA-4F11-9C33-0D7619B1449C}" dt="2022-09-21T15:24:14.435" v="6658" actId="20577"/>
+          <ac:spMkLst>
+            <pc:docMk/>
+            <pc:sldMk cId="1632702149" sldId="321"/>
+            <ac:spMk id="4" creationId="{42A5EA90-17C9-4BD5-BD0D-74A5419E18C7}"/>
+          </ac:spMkLst>
+        </pc:spChg>
+        <pc:picChg chg="add mod">
+          <ac:chgData name="Will Brooks" userId="d4c2b272-852e-451d-80ba-d2f905b38211" providerId="ADAL" clId="{37A0AFB6-F6CA-4F11-9C33-0D7619B1449C}" dt="2022-09-21T15:03:44.918" v="6549" actId="14100"/>
+          <ac:picMkLst>
+            <pc:docMk/>
+            <pc:sldMk cId="1632702149" sldId="321"/>
+            <ac:picMk id="7" creationId="{E1D8423B-2659-4FCA-865B-E9DFA4510990}"/>
+          </ac:picMkLst>
+        </pc:picChg>
+        <pc:picChg chg="add mod">
+          <ac:chgData name="Will Brooks" userId="d4c2b272-852e-451d-80ba-d2f905b38211" providerId="ADAL" clId="{37A0AFB6-F6CA-4F11-9C33-0D7619B1449C}" dt="2022-09-21T15:05:07.183" v="6551" actId="1076"/>
+          <ac:picMkLst>
+            <pc:docMk/>
+            <pc:sldMk cId="1632702149" sldId="321"/>
+            <ac:picMk id="9" creationId="{35B18837-73B4-49C2-9D15-47B5A2BCA344}"/>
+          </ac:picMkLst>
+        </pc:picChg>
+      </pc:sldChg>
+      <pc:sldChg chg="addSp delSp modSp add mod">
+        <pc:chgData name="Will Brooks" userId="d4c2b272-852e-451d-80ba-d2f905b38211" providerId="ADAL" clId="{37A0AFB6-F6CA-4F11-9C33-0D7619B1449C}" dt="2022-09-21T15:24:34.658" v="6684" actId="255"/>
+        <pc:sldMkLst>
+          <pc:docMk/>
+          <pc:sldMk cId="3909519556" sldId="322"/>
+        </pc:sldMkLst>
+        <pc:spChg chg="mod">
+          <ac:chgData name="Will Brooks" userId="d4c2b272-852e-451d-80ba-d2f905b38211" providerId="ADAL" clId="{37A0AFB6-F6CA-4F11-9C33-0D7619B1449C}" dt="2022-09-21T15:24:34.658" v="6684" actId="255"/>
+          <ac:spMkLst>
+            <pc:docMk/>
+            <pc:sldMk cId="3909519556" sldId="322"/>
+            <ac:spMk id="4" creationId="{42A5EA90-17C9-4BD5-BD0D-74A5419E18C7}"/>
+          </ac:spMkLst>
+        </pc:spChg>
+        <pc:picChg chg="add mod">
+          <ac:chgData name="Will Brooks" userId="d4c2b272-852e-451d-80ba-d2f905b38211" providerId="ADAL" clId="{37A0AFB6-F6CA-4F11-9C33-0D7619B1449C}" dt="2022-09-21T15:13:19.743" v="6580" actId="14100"/>
+          <ac:picMkLst>
+            <pc:docMk/>
+            <pc:sldMk cId="3909519556" sldId="322"/>
+            <ac:picMk id="6" creationId="{A7280718-E562-4AC0-92E3-E37F575841D1}"/>
+          </ac:picMkLst>
+        </pc:picChg>
+        <pc:picChg chg="del">
+          <ac:chgData name="Will Brooks" userId="d4c2b272-852e-451d-80ba-d2f905b38211" providerId="ADAL" clId="{37A0AFB6-F6CA-4F11-9C33-0D7619B1449C}" dt="2022-09-21T15:08:11.560" v="6553" actId="21"/>
+          <ac:picMkLst>
+            <pc:docMk/>
+            <pc:sldMk cId="3909519556" sldId="322"/>
+            <ac:picMk id="7" creationId="{E1D8423B-2659-4FCA-865B-E9DFA4510990}"/>
+          </ac:picMkLst>
+        </pc:picChg>
+        <pc:picChg chg="del">
+          <ac:chgData name="Will Brooks" userId="d4c2b272-852e-451d-80ba-d2f905b38211" providerId="ADAL" clId="{37A0AFB6-F6CA-4F11-9C33-0D7619B1449C}" dt="2022-09-21T15:08:12.430" v="6554" actId="21"/>
+          <ac:picMkLst>
+            <pc:docMk/>
+            <pc:sldMk cId="3909519556" sldId="322"/>
+            <ac:picMk id="9" creationId="{35B18837-73B4-49C2-9D15-47B5A2BCA344}"/>
+          </ac:picMkLst>
+        </pc:picChg>
+        <pc:picChg chg="add mod">
+          <ac:chgData name="Will Brooks" userId="d4c2b272-852e-451d-80ba-d2f905b38211" providerId="ADAL" clId="{37A0AFB6-F6CA-4F11-9C33-0D7619B1449C}" dt="2022-09-21T15:13:22.880" v="6581" actId="14100"/>
+          <ac:picMkLst>
+            <pc:docMk/>
+            <pc:sldMk cId="3909519556" sldId="322"/>
+            <ac:picMk id="10" creationId="{A209B4DA-B8E5-49DC-BF63-2858946E45DB}"/>
+          </ac:picMkLst>
+        </pc:picChg>
+        <pc:picChg chg="add mod">
+          <ac:chgData name="Will Brooks" userId="d4c2b272-852e-451d-80ba-d2f905b38211" providerId="ADAL" clId="{37A0AFB6-F6CA-4F11-9C33-0D7619B1449C}" dt="2022-09-21T15:13:26.990" v="6582" actId="1076"/>
+          <ac:picMkLst>
+            <pc:docMk/>
+            <pc:sldMk cId="3909519556" sldId="322"/>
+            <ac:picMk id="12" creationId="{D17A6B68-97DC-4D77-A811-CA8F6D8ED9D2}"/>
+          </ac:picMkLst>
+        </pc:picChg>
+        <pc:picChg chg="add mod">
+          <ac:chgData name="Will Brooks" userId="d4c2b272-852e-451d-80ba-d2f905b38211" providerId="ADAL" clId="{37A0AFB6-F6CA-4F11-9C33-0D7619B1449C}" dt="2022-09-21T15:13:30.822" v="6583" actId="1076"/>
+          <ac:picMkLst>
+            <pc:docMk/>
+            <pc:sldMk cId="3909519556" sldId="322"/>
+            <ac:picMk id="14" creationId="{99C37069-AE7F-41BF-AA1F-4BF811FC4FAC}"/>
+          </ac:picMkLst>
+        </pc:picChg>
+        <pc:picChg chg="add mod">
+          <ac:chgData name="Will Brooks" userId="d4c2b272-852e-451d-80ba-d2f905b38211" providerId="ADAL" clId="{37A0AFB6-F6CA-4F11-9C33-0D7619B1449C}" dt="2022-09-21T15:13:34.303" v="6584" actId="1076"/>
+          <ac:picMkLst>
+            <pc:docMk/>
+            <pc:sldMk cId="3909519556" sldId="322"/>
+            <ac:picMk id="16" creationId="{CD3239C5-75E0-471B-9A1E-85843CB60BBF}"/>
+          </ac:picMkLst>
+        </pc:picChg>
+      </pc:sldChg>
+      <pc:sldChg chg="addSp modSp add mod">
+        <pc:chgData name="Will Brooks" userId="d4c2b272-852e-451d-80ba-d2f905b38211" providerId="ADAL" clId="{37A0AFB6-F6CA-4F11-9C33-0D7619B1449C}" dt="2022-09-21T15:24:48.629" v="6709" actId="20577"/>
+        <pc:sldMkLst>
+          <pc:docMk/>
+          <pc:sldMk cId="98407624" sldId="323"/>
+        </pc:sldMkLst>
+        <pc:spChg chg="mod">
+          <ac:chgData name="Will Brooks" userId="d4c2b272-852e-451d-80ba-d2f905b38211" providerId="ADAL" clId="{37A0AFB6-F6CA-4F11-9C33-0D7619B1449C}" dt="2022-09-21T15:24:48.629" v="6709" actId="20577"/>
+          <ac:spMkLst>
+            <pc:docMk/>
+            <pc:sldMk cId="98407624" sldId="323"/>
+            <ac:spMk id="4" creationId="{42A5EA90-17C9-4BD5-BD0D-74A5419E18C7}"/>
+          </ac:spMkLst>
+        </pc:spChg>
+        <pc:picChg chg="add mod">
+          <ac:chgData name="Will Brooks" userId="d4c2b272-852e-451d-80ba-d2f905b38211" providerId="ADAL" clId="{37A0AFB6-F6CA-4F11-9C33-0D7619B1449C}" dt="2022-09-21T15:14:31.720" v="6586" actId="1076"/>
+          <ac:picMkLst>
+            <pc:docMk/>
+            <pc:sldMk cId="98407624" sldId="323"/>
+            <ac:picMk id="6" creationId="{F7EA2DAB-6838-47F9-8C37-D66B5970B4A0}"/>
+          </ac:picMkLst>
+        </pc:picChg>
+        <pc:picChg chg="add mod">
+          <ac:chgData name="Will Brooks" userId="d4c2b272-852e-451d-80ba-d2f905b38211" providerId="ADAL" clId="{37A0AFB6-F6CA-4F11-9C33-0D7619B1449C}" dt="2022-09-21T15:15:58.153" v="6589" actId="1076"/>
+          <ac:picMkLst>
+            <pc:docMk/>
+            <pc:sldMk cId="98407624" sldId="323"/>
+            <ac:picMk id="8" creationId="{2B786FDD-9868-44C0-A890-CA9AFF167533}"/>
+          </ac:picMkLst>
+        </pc:picChg>
+        <pc:picChg chg="add mod">
+          <ac:chgData name="Will Brooks" userId="d4c2b272-852e-451d-80ba-d2f905b38211" providerId="ADAL" clId="{37A0AFB6-F6CA-4F11-9C33-0D7619B1449C}" dt="2022-09-21T15:17:01.714" v="6591" actId="1076"/>
+          <ac:picMkLst>
+            <pc:docMk/>
+            <pc:sldMk cId="98407624" sldId="323"/>
+            <ac:picMk id="10" creationId="{EA2BE417-1870-4DEC-B25E-857EC7903C7D}"/>
+          </ac:picMkLst>
+        </pc:picChg>
+      </pc:sldChg>
+      <pc:sldChg chg="addSp modSp add mod">
+        <pc:chgData name="Will Brooks" userId="d4c2b272-852e-451d-80ba-d2f905b38211" providerId="ADAL" clId="{37A0AFB6-F6CA-4F11-9C33-0D7619B1449C}" dt="2022-09-21T15:25:05.340" v="6718" actId="20577"/>
+        <pc:sldMkLst>
+          <pc:docMk/>
+          <pc:sldMk cId="3536564236" sldId="324"/>
+        </pc:sldMkLst>
+        <pc:spChg chg="mod">
+          <ac:chgData name="Will Brooks" userId="d4c2b272-852e-451d-80ba-d2f905b38211" providerId="ADAL" clId="{37A0AFB6-F6CA-4F11-9C33-0D7619B1449C}" dt="2022-09-21T15:25:05.340" v="6718" actId="20577"/>
+          <ac:spMkLst>
+            <pc:docMk/>
+            <pc:sldMk cId="3536564236" sldId="324"/>
+            <ac:spMk id="4" creationId="{42A5EA90-17C9-4BD5-BD0D-74A5419E18C7}"/>
+          </ac:spMkLst>
+        </pc:spChg>
+        <pc:picChg chg="add mod">
+          <ac:chgData name="Will Brooks" userId="d4c2b272-852e-451d-80ba-d2f905b38211" providerId="ADAL" clId="{37A0AFB6-F6CA-4F11-9C33-0D7619B1449C}" dt="2022-09-21T15:18:23.399" v="6595" actId="14100"/>
+          <ac:picMkLst>
+            <pc:docMk/>
+            <pc:sldMk cId="3536564236" sldId="324"/>
+            <ac:picMk id="6" creationId="{DBE53EF4-840C-4E23-8D94-BF61F379F76F}"/>
+          </ac:picMkLst>
+        </pc:picChg>
+        <pc:picChg chg="add mod">
+          <ac:chgData name="Will Brooks" userId="d4c2b272-852e-451d-80ba-d2f905b38211" providerId="ADAL" clId="{37A0AFB6-F6CA-4F11-9C33-0D7619B1449C}" dt="2022-09-21T15:18:56.197" v="6597" actId="1076"/>
+          <ac:picMkLst>
+            <pc:docMk/>
+            <pc:sldMk cId="3536564236" sldId="324"/>
+            <ac:picMk id="8" creationId="{80FE9F44-3D43-40A0-9AE4-6CB37A5E9D04}"/>
+          </ac:picMkLst>
+        </pc:picChg>
+        <pc:picChg chg="add mod modCrop">
+          <ac:chgData name="Will Brooks" userId="d4c2b272-852e-451d-80ba-d2f905b38211" providerId="ADAL" clId="{37A0AFB6-F6CA-4F11-9C33-0D7619B1449C}" dt="2022-09-21T15:20:03.693" v="6604" actId="1076"/>
+          <ac:picMkLst>
+            <pc:docMk/>
+            <pc:sldMk cId="3536564236" sldId="324"/>
+            <ac:picMk id="10" creationId="{8242E240-15FF-4F22-945B-A5AE1D2C8FCA}"/>
+          </ac:picMkLst>
+        </pc:picChg>
+        <pc:picChg chg="add mod">
+          <ac:chgData name="Will Brooks" userId="d4c2b272-852e-451d-80ba-d2f905b38211" providerId="ADAL" clId="{37A0AFB6-F6CA-4F11-9C33-0D7619B1449C}" dt="2022-09-21T15:21:01.238" v="6606" actId="1076"/>
+          <ac:picMkLst>
+            <pc:docMk/>
+            <pc:sldMk cId="3536564236" sldId="324"/>
+            <ac:picMk id="12" creationId="{8CA1AB38-A54D-45E5-9AD0-89E475317D64}"/>
+          </ac:picMkLst>
+        </pc:picChg>
+        <pc:picChg chg="add mod">
+          <ac:chgData name="Will Brooks" userId="d4c2b272-852e-451d-80ba-d2f905b38211" providerId="ADAL" clId="{37A0AFB6-F6CA-4F11-9C33-0D7619B1449C}" dt="2022-09-21T15:22:13.574" v="6611" actId="1076"/>
+          <ac:picMkLst>
+            <pc:docMk/>
+            <pc:sldMk cId="3536564236" sldId="324"/>
+            <ac:picMk id="14" creationId="{A7BDB5D9-522C-4260-BD5D-777725357662}"/>
+          </ac:picMkLst>
+        </pc:picChg>
+      </pc:sldChg>
+      <pc:sldChg chg="addSp modSp add mod">
+        <pc:chgData name="Will Brooks" userId="d4c2b272-852e-451d-80ba-d2f905b38211" providerId="ADAL" clId="{37A0AFB6-F6CA-4F11-9C33-0D7619B1449C}" dt="2022-09-21T15:25:15.717" v="6745" actId="20577"/>
+        <pc:sldMkLst>
+          <pc:docMk/>
+          <pc:sldMk cId="2406069309" sldId="325"/>
+        </pc:sldMkLst>
+        <pc:spChg chg="mod">
+          <ac:chgData name="Will Brooks" userId="d4c2b272-852e-451d-80ba-d2f905b38211" providerId="ADAL" clId="{37A0AFB6-F6CA-4F11-9C33-0D7619B1449C}" dt="2022-09-21T15:25:15.717" v="6745" actId="20577"/>
+          <ac:spMkLst>
+            <pc:docMk/>
+            <pc:sldMk cId="2406069309" sldId="325"/>
+            <ac:spMk id="4" creationId="{42A5EA90-17C9-4BD5-BD0D-74A5419E18C7}"/>
+          </ac:spMkLst>
+        </pc:spChg>
+        <pc:picChg chg="add mod">
+          <ac:chgData name="Will Brooks" userId="d4c2b272-852e-451d-80ba-d2f905b38211" providerId="ADAL" clId="{37A0AFB6-F6CA-4F11-9C33-0D7619B1449C}" dt="2022-09-21T15:23:11.373" v="6613" actId="1076"/>
+          <ac:picMkLst>
+            <pc:docMk/>
+            <pc:sldMk cId="2406069309" sldId="325"/>
+            <ac:picMk id="6" creationId="{6A391E07-E432-46CB-9E20-1DB59A98AFF0}"/>
+          </ac:picMkLst>
+        </pc:picChg>
+        <pc:picChg chg="add mod">
+          <ac:chgData name="Will Brooks" userId="d4c2b272-852e-451d-80ba-d2f905b38211" providerId="ADAL" clId="{37A0AFB6-F6CA-4F11-9C33-0D7619B1449C}" dt="2022-09-21T15:23:56.732" v="6616" actId="14100"/>
+          <ac:picMkLst>
+            <pc:docMk/>
+            <pc:sldMk cId="2406069309" sldId="325"/>
+            <ac:picMk id="8" creationId="{5B649B2F-0F72-422F-9074-325D5AF7E46E}"/>
           </ac:picMkLst>
         </pc:picChg>
       </pc:sldChg>
@@ -1286,6 +1526,113 @@
 </p:notes>
 </file>
 
+<file path=ppt/notesSlides/notesSlide10.xml><?xml version="1.0" encoding="utf-8"?>
+<p:notes xmlns:a="http://schemas.openxmlformats.org/drawingml/2006/main" xmlns:r="http://schemas.openxmlformats.org/officeDocument/2006/relationships" xmlns:p="http://schemas.openxmlformats.org/presentationml/2006/main">
+  <p:cSld>
+    <p:spTree>
+      <p:nvGrpSpPr>
+        <p:cNvPr id="1" name=""/>
+        <p:cNvGrpSpPr/>
+        <p:nvPr/>
+      </p:nvGrpSpPr>
+      <p:grpSpPr>
+        <a:xfrm>
+          <a:off x="0" y="0"/>
+          <a:ext cx="0" cy="0"/>
+          <a:chOff x="0" y="0"/>
+          <a:chExt cx="0" cy="0"/>
+        </a:xfrm>
+      </p:grpSpPr>
+      <p:sp>
+        <p:nvSpPr>
+          <p:cNvPr id="2" name="Slide Image Placeholder 1"/>
+          <p:cNvSpPr>
+            <a:spLocks noGrp="1" noRot="1" noChangeAspect="1"/>
+          </p:cNvSpPr>
+          <p:nvPr>
+            <p:ph type="sldImg"/>
+          </p:nvPr>
+        </p:nvSpPr>
+        <p:spPr/>
+      </p:sp>
+      <p:sp>
+        <p:nvSpPr>
+          <p:cNvPr id="3" name="Notes Placeholder 2"/>
+          <p:cNvSpPr>
+            <a:spLocks noGrp="1"/>
+          </p:cNvSpPr>
+          <p:nvPr>
+            <p:ph type="body" idx="1"/>
+          </p:nvPr>
+        </p:nvSpPr>
+        <p:spPr/>
+        <p:txBody>
+          <a:bodyPr/>
+          <a:lstStyle/>
+          <a:p>
+            <a:endParaRPr lang="en-GB" dirty="0"/>
+          </a:p>
+        </p:txBody>
+      </p:sp>
+      <p:sp>
+        <p:nvSpPr>
+          <p:cNvPr id="4" name="Footer Placeholder 3"/>
+          <p:cNvSpPr>
+            <a:spLocks noGrp="1"/>
+          </p:cNvSpPr>
+          <p:nvPr>
+            <p:ph type="ftr" sz="quarter" idx="4"/>
+          </p:nvPr>
+        </p:nvSpPr>
+        <p:spPr/>
+        <p:txBody>
+          <a:bodyPr/>
+          <a:lstStyle/>
+          <a:p>
+            <a:r>
+              <a:rPr lang="en-GB"/>
+              <a:t>NHS Improvement</a:t>
+            </a:r>
+            <a:endParaRPr lang="en-GB" dirty="0"/>
+          </a:p>
+        </p:txBody>
+      </p:sp>
+      <p:sp>
+        <p:nvSpPr>
+          <p:cNvPr id="5" name="Slide Number Placeholder 4"/>
+          <p:cNvSpPr>
+            <a:spLocks noGrp="1"/>
+          </p:cNvSpPr>
+          <p:nvPr>
+            <p:ph type="sldNum" sz="quarter" idx="5"/>
+          </p:nvPr>
+        </p:nvSpPr>
+        <p:spPr/>
+        <p:txBody>
+          <a:bodyPr/>
+          <a:lstStyle/>
+          <a:p>
+            <a:fld id="{7890AB7D-FC04-41BF-88F7-E47891A06283}" type="slidenum">
+              <a:rPr lang="en-GB" smtClean="0"/>
+              <a:t>11</a:t>
+            </a:fld>
+            <a:endParaRPr lang="en-GB" dirty="0"/>
+          </a:p>
+        </p:txBody>
+      </p:sp>
+    </p:spTree>
+    <p:extLst>
+      <p:ext uri="{BB962C8B-B14F-4D97-AF65-F5344CB8AC3E}">
+        <p14:creationId xmlns:p14="http://schemas.microsoft.com/office/powerpoint/2010/main" val="3779282675"/>
+      </p:ext>
+    </p:extLst>
+  </p:cSld>
+  <p:clrMapOvr>
+    <a:masterClrMapping/>
+  </p:clrMapOvr>
+</p:notes>
+</file>
+
 <file path=ppt/notesSlides/notesSlide2.xml><?xml version="1.0" encoding="utf-8"?>
 <p:notes xmlns:a="http://schemas.openxmlformats.org/drawingml/2006/main" xmlns:r="http://schemas.openxmlformats.org/officeDocument/2006/relationships" xmlns:p="http://schemas.openxmlformats.org/presentationml/2006/main">
   <p:cSld>
@@ -1705,6 +2052,434 @@
     <p:extLst>
       <p:ext uri="{BB962C8B-B14F-4D97-AF65-F5344CB8AC3E}">
         <p14:creationId xmlns:p14="http://schemas.microsoft.com/office/powerpoint/2010/main" val="1555052481"/>
+      </p:ext>
+    </p:extLst>
+  </p:cSld>
+  <p:clrMapOvr>
+    <a:masterClrMapping/>
+  </p:clrMapOvr>
+</p:notes>
+</file>
+
+<file path=ppt/notesSlides/notesSlide6.xml><?xml version="1.0" encoding="utf-8"?>
+<p:notes xmlns:a="http://schemas.openxmlformats.org/drawingml/2006/main" xmlns:r="http://schemas.openxmlformats.org/officeDocument/2006/relationships" xmlns:p="http://schemas.openxmlformats.org/presentationml/2006/main">
+  <p:cSld>
+    <p:spTree>
+      <p:nvGrpSpPr>
+        <p:cNvPr id="1" name=""/>
+        <p:cNvGrpSpPr/>
+        <p:nvPr/>
+      </p:nvGrpSpPr>
+      <p:grpSpPr>
+        <a:xfrm>
+          <a:off x="0" y="0"/>
+          <a:ext cx="0" cy="0"/>
+          <a:chOff x="0" y="0"/>
+          <a:chExt cx="0" cy="0"/>
+        </a:xfrm>
+      </p:grpSpPr>
+      <p:sp>
+        <p:nvSpPr>
+          <p:cNvPr id="2" name="Slide Image Placeholder 1"/>
+          <p:cNvSpPr>
+            <a:spLocks noGrp="1" noRot="1" noChangeAspect="1"/>
+          </p:cNvSpPr>
+          <p:nvPr>
+            <p:ph type="sldImg"/>
+          </p:nvPr>
+        </p:nvSpPr>
+        <p:spPr/>
+      </p:sp>
+      <p:sp>
+        <p:nvSpPr>
+          <p:cNvPr id="3" name="Notes Placeholder 2"/>
+          <p:cNvSpPr>
+            <a:spLocks noGrp="1"/>
+          </p:cNvSpPr>
+          <p:nvPr>
+            <p:ph type="body" idx="1"/>
+          </p:nvPr>
+        </p:nvSpPr>
+        <p:spPr/>
+        <p:txBody>
+          <a:bodyPr/>
+          <a:lstStyle/>
+          <a:p>
+            <a:endParaRPr lang="en-GB" dirty="0"/>
+          </a:p>
+        </p:txBody>
+      </p:sp>
+      <p:sp>
+        <p:nvSpPr>
+          <p:cNvPr id="4" name="Footer Placeholder 3"/>
+          <p:cNvSpPr>
+            <a:spLocks noGrp="1"/>
+          </p:cNvSpPr>
+          <p:nvPr>
+            <p:ph type="ftr" sz="quarter" idx="4"/>
+          </p:nvPr>
+        </p:nvSpPr>
+        <p:spPr/>
+        <p:txBody>
+          <a:bodyPr/>
+          <a:lstStyle/>
+          <a:p>
+            <a:r>
+              <a:rPr lang="en-GB"/>
+              <a:t>NHS Improvement</a:t>
+            </a:r>
+            <a:endParaRPr lang="en-GB" dirty="0"/>
+          </a:p>
+        </p:txBody>
+      </p:sp>
+      <p:sp>
+        <p:nvSpPr>
+          <p:cNvPr id="5" name="Slide Number Placeholder 4"/>
+          <p:cNvSpPr>
+            <a:spLocks noGrp="1"/>
+          </p:cNvSpPr>
+          <p:nvPr>
+            <p:ph type="sldNum" sz="quarter" idx="5"/>
+          </p:nvPr>
+        </p:nvSpPr>
+        <p:spPr/>
+        <p:txBody>
+          <a:bodyPr/>
+          <a:lstStyle/>
+          <a:p>
+            <a:fld id="{7890AB7D-FC04-41BF-88F7-E47891A06283}" type="slidenum">
+              <a:rPr lang="en-GB" smtClean="0"/>
+              <a:t>7</a:t>
+            </a:fld>
+            <a:endParaRPr lang="en-GB" dirty="0"/>
+          </a:p>
+        </p:txBody>
+      </p:sp>
+    </p:spTree>
+    <p:extLst>
+      <p:ext uri="{BB962C8B-B14F-4D97-AF65-F5344CB8AC3E}">
+        <p14:creationId xmlns:p14="http://schemas.microsoft.com/office/powerpoint/2010/main" val="2332490546"/>
+      </p:ext>
+    </p:extLst>
+  </p:cSld>
+  <p:clrMapOvr>
+    <a:masterClrMapping/>
+  </p:clrMapOvr>
+</p:notes>
+</file>
+
+<file path=ppt/notesSlides/notesSlide7.xml><?xml version="1.0" encoding="utf-8"?>
+<p:notes xmlns:a="http://schemas.openxmlformats.org/drawingml/2006/main" xmlns:r="http://schemas.openxmlformats.org/officeDocument/2006/relationships" xmlns:p="http://schemas.openxmlformats.org/presentationml/2006/main">
+  <p:cSld>
+    <p:spTree>
+      <p:nvGrpSpPr>
+        <p:cNvPr id="1" name=""/>
+        <p:cNvGrpSpPr/>
+        <p:nvPr/>
+      </p:nvGrpSpPr>
+      <p:grpSpPr>
+        <a:xfrm>
+          <a:off x="0" y="0"/>
+          <a:ext cx="0" cy="0"/>
+          <a:chOff x="0" y="0"/>
+          <a:chExt cx="0" cy="0"/>
+        </a:xfrm>
+      </p:grpSpPr>
+      <p:sp>
+        <p:nvSpPr>
+          <p:cNvPr id="2" name="Slide Image Placeholder 1"/>
+          <p:cNvSpPr>
+            <a:spLocks noGrp="1" noRot="1" noChangeAspect="1"/>
+          </p:cNvSpPr>
+          <p:nvPr>
+            <p:ph type="sldImg"/>
+          </p:nvPr>
+        </p:nvSpPr>
+        <p:spPr/>
+      </p:sp>
+      <p:sp>
+        <p:nvSpPr>
+          <p:cNvPr id="3" name="Notes Placeholder 2"/>
+          <p:cNvSpPr>
+            <a:spLocks noGrp="1"/>
+          </p:cNvSpPr>
+          <p:nvPr>
+            <p:ph type="body" idx="1"/>
+          </p:nvPr>
+        </p:nvSpPr>
+        <p:spPr/>
+        <p:txBody>
+          <a:bodyPr/>
+          <a:lstStyle/>
+          <a:p>
+            <a:endParaRPr lang="en-GB" dirty="0"/>
+          </a:p>
+        </p:txBody>
+      </p:sp>
+      <p:sp>
+        <p:nvSpPr>
+          <p:cNvPr id="4" name="Footer Placeholder 3"/>
+          <p:cNvSpPr>
+            <a:spLocks noGrp="1"/>
+          </p:cNvSpPr>
+          <p:nvPr>
+            <p:ph type="ftr" sz="quarter" idx="4"/>
+          </p:nvPr>
+        </p:nvSpPr>
+        <p:spPr/>
+        <p:txBody>
+          <a:bodyPr/>
+          <a:lstStyle/>
+          <a:p>
+            <a:r>
+              <a:rPr lang="en-GB"/>
+              <a:t>NHS Improvement</a:t>
+            </a:r>
+            <a:endParaRPr lang="en-GB" dirty="0"/>
+          </a:p>
+        </p:txBody>
+      </p:sp>
+      <p:sp>
+        <p:nvSpPr>
+          <p:cNvPr id="5" name="Slide Number Placeholder 4"/>
+          <p:cNvSpPr>
+            <a:spLocks noGrp="1"/>
+          </p:cNvSpPr>
+          <p:nvPr>
+            <p:ph type="sldNum" sz="quarter" idx="5"/>
+          </p:nvPr>
+        </p:nvSpPr>
+        <p:spPr/>
+        <p:txBody>
+          <a:bodyPr/>
+          <a:lstStyle/>
+          <a:p>
+            <a:fld id="{7890AB7D-FC04-41BF-88F7-E47891A06283}" type="slidenum">
+              <a:rPr lang="en-GB" smtClean="0"/>
+              <a:t>8</a:t>
+            </a:fld>
+            <a:endParaRPr lang="en-GB" dirty="0"/>
+          </a:p>
+        </p:txBody>
+      </p:sp>
+    </p:spTree>
+    <p:extLst>
+      <p:ext uri="{BB962C8B-B14F-4D97-AF65-F5344CB8AC3E}">
+        <p14:creationId xmlns:p14="http://schemas.microsoft.com/office/powerpoint/2010/main" val="3755131342"/>
+      </p:ext>
+    </p:extLst>
+  </p:cSld>
+  <p:clrMapOvr>
+    <a:masterClrMapping/>
+  </p:clrMapOvr>
+</p:notes>
+</file>
+
+<file path=ppt/notesSlides/notesSlide8.xml><?xml version="1.0" encoding="utf-8"?>
+<p:notes xmlns:a="http://schemas.openxmlformats.org/drawingml/2006/main" xmlns:r="http://schemas.openxmlformats.org/officeDocument/2006/relationships" xmlns:p="http://schemas.openxmlformats.org/presentationml/2006/main">
+  <p:cSld>
+    <p:spTree>
+      <p:nvGrpSpPr>
+        <p:cNvPr id="1" name=""/>
+        <p:cNvGrpSpPr/>
+        <p:nvPr/>
+      </p:nvGrpSpPr>
+      <p:grpSpPr>
+        <a:xfrm>
+          <a:off x="0" y="0"/>
+          <a:ext cx="0" cy="0"/>
+          <a:chOff x="0" y="0"/>
+          <a:chExt cx="0" cy="0"/>
+        </a:xfrm>
+      </p:grpSpPr>
+      <p:sp>
+        <p:nvSpPr>
+          <p:cNvPr id="2" name="Slide Image Placeholder 1"/>
+          <p:cNvSpPr>
+            <a:spLocks noGrp="1" noRot="1" noChangeAspect="1"/>
+          </p:cNvSpPr>
+          <p:nvPr>
+            <p:ph type="sldImg"/>
+          </p:nvPr>
+        </p:nvSpPr>
+        <p:spPr/>
+      </p:sp>
+      <p:sp>
+        <p:nvSpPr>
+          <p:cNvPr id="3" name="Notes Placeholder 2"/>
+          <p:cNvSpPr>
+            <a:spLocks noGrp="1"/>
+          </p:cNvSpPr>
+          <p:nvPr>
+            <p:ph type="body" idx="1"/>
+          </p:nvPr>
+        </p:nvSpPr>
+        <p:spPr/>
+        <p:txBody>
+          <a:bodyPr/>
+          <a:lstStyle/>
+          <a:p>
+            <a:endParaRPr lang="en-GB" dirty="0"/>
+          </a:p>
+        </p:txBody>
+      </p:sp>
+      <p:sp>
+        <p:nvSpPr>
+          <p:cNvPr id="4" name="Footer Placeholder 3"/>
+          <p:cNvSpPr>
+            <a:spLocks noGrp="1"/>
+          </p:cNvSpPr>
+          <p:nvPr>
+            <p:ph type="ftr" sz="quarter" idx="4"/>
+          </p:nvPr>
+        </p:nvSpPr>
+        <p:spPr/>
+        <p:txBody>
+          <a:bodyPr/>
+          <a:lstStyle/>
+          <a:p>
+            <a:r>
+              <a:rPr lang="en-GB"/>
+              <a:t>NHS Improvement</a:t>
+            </a:r>
+            <a:endParaRPr lang="en-GB" dirty="0"/>
+          </a:p>
+        </p:txBody>
+      </p:sp>
+      <p:sp>
+        <p:nvSpPr>
+          <p:cNvPr id="5" name="Slide Number Placeholder 4"/>
+          <p:cNvSpPr>
+            <a:spLocks noGrp="1"/>
+          </p:cNvSpPr>
+          <p:nvPr>
+            <p:ph type="sldNum" sz="quarter" idx="5"/>
+          </p:nvPr>
+        </p:nvSpPr>
+        <p:spPr/>
+        <p:txBody>
+          <a:bodyPr/>
+          <a:lstStyle/>
+          <a:p>
+            <a:fld id="{7890AB7D-FC04-41BF-88F7-E47891A06283}" type="slidenum">
+              <a:rPr lang="en-GB" smtClean="0"/>
+              <a:t>9</a:t>
+            </a:fld>
+            <a:endParaRPr lang="en-GB" dirty="0"/>
+          </a:p>
+        </p:txBody>
+      </p:sp>
+    </p:spTree>
+    <p:extLst>
+      <p:ext uri="{BB962C8B-B14F-4D97-AF65-F5344CB8AC3E}">
+        <p14:creationId xmlns:p14="http://schemas.microsoft.com/office/powerpoint/2010/main" val="3181790075"/>
+      </p:ext>
+    </p:extLst>
+  </p:cSld>
+  <p:clrMapOvr>
+    <a:masterClrMapping/>
+  </p:clrMapOvr>
+</p:notes>
+</file>
+
+<file path=ppt/notesSlides/notesSlide9.xml><?xml version="1.0" encoding="utf-8"?>
+<p:notes xmlns:a="http://schemas.openxmlformats.org/drawingml/2006/main" xmlns:r="http://schemas.openxmlformats.org/officeDocument/2006/relationships" xmlns:p="http://schemas.openxmlformats.org/presentationml/2006/main">
+  <p:cSld>
+    <p:spTree>
+      <p:nvGrpSpPr>
+        <p:cNvPr id="1" name=""/>
+        <p:cNvGrpSpPr/>
+        <p:nvPr/>
+      </p:nvGrpSpPr>
+      <p:grpSpPr>
+        <a:xfrm>
+          <a:off x="0" y="0"/>
+          <a:ext cx="0" cy="0"/>
+          <a:chOff x="0" y="0"/>
+          <a:chExt cx="0" cy="0"/>
+        </a:xfrm>
+      </p:grpSpPr>
+      <p:sp>
+        <p:nvSpPr>
+          <p:cNvPr id="2" name="Slide Image Placeholder 1"/>
+          <p:cNvSpPr>
+            <a:spLocks noGrp="1" noRot="1" noChangeAspect="1"/>
+          </p:cNvSpPr>
+          <p:nvPr>
+            <p:ph type="sldImg"/>
+          </p:nvPr>
+        </p:nvSpPr>
+        <p:spPr/>
+      </p:sp>
+      <p:sp>
+        <p:nvSpPr>
+          <p:cNvPr id="3" name="Notes Placeholder 2"/>
+          <p:cNvSpPr>
+            <a:spLocks noGrp="1"/>
+          </p:cNvSpPr>
+          <p:nvPr>
+            <p:ph type="body" idx="1"/>
+          </p:nvPr>
+        </p:nvSpPr>
+        <p:spPr/>
+        <p:txBody>
+          <a:bodyPr/>
+          <a:lstStyle/>
+          <a:p>
+            <a:endParaRPr lang="en-GB" dirty="0"/>
+          </a:p>
+        </p:txBody>
+      </p:sp>
+      <p:sp>
+        <p:nvSpPr>
+          <p:cNvPr id="4" name="Footer Placeholder 3"/>
+          <p:cNvSpPr>
+            <a:spLocks noGrp="1"/>
+          </p:cNvSpPr>
+          <p:nvPr>
+            <p:ph type="ftr" sz="quarter" idx="4"/>
+          </p:nvPr>
+        </p:nvSpPr>
+        <p:spPr/>
+        <p:txBody>
+          <a:bodyPr/>
+          <a:lstStyle/>
+          <a:p>
+            <a:r>
+              <a:rPr lang="en-GB"/>
+              <a:t>NHS Improvement</a:t>
+            </a:r>
+            <a:endParaRPr lang="en-GB" dirty="0"/>
+          </a:p>
+        </p:txBody>
+      </p:sp>
+      <p:sp>
+        <p:nvSpPr>
+          <p:cNvPr id="5" name="Slide Number Placeholder 4"/>
+          <p:cNvSpPr>
+            <a:spLocks noGrp="1"/>
+          </p:cNvSpPr>
+          <p:nvPr>
+            <p:ph type="sldNum" sz="quarter" idx="5"/>
+          </p:nvPr>
+        </p:nvSpPr>
+        <p:spPr/>
+        <p:txBody>
+          <a:bodyPr/>
+          <a:lstStyle/>
+          <a:p>
+            <a:fld id="{7890AB7D-FC04-41BF-88F7-E47891A06283}" type="slidenum">
+              <a:rPr lang="en-GB" smtClean="0"/>
+              <a:t>10</a:t>
+            </a:fld>
+            <a:endParaRPr lang="en-GB" dirty="0"/>
+          </a:p>
+        </p:txBody>
+      </p:sp>
+    </p:spTree>
+    <p:extLst>
+      <p:ext uri="{BB962C8B-B14F-4D97-AF65-F5344CB8AC3E}">
+        <p14:creationId xmlns:p14="http://schemas.microsoft.com/office/powerpoint/2010/main" val="2135217643"/>
       </p:ext>
     </p:extLst>
   </p:cSld>
@@ -12671,6 +13446,483 @@
 </p:sld>
 </file>
 
+<file path=ppt/slides/slide10.xml><?xml version="1.0" encoding="utf-8"?>
+<p:sld xmlns:a="http://schemas.openxmlformats.org/drawingml/2006/main" xmlns:r="http://schemas.openxmlformats.org/officeDocument/2006/relationships" xmlns:p="http://schemas.openxmlformats.org/presentationml/2006/main">
+  <p:cSld>
+    <p:spTree>
+      <p:nvGrpSpPr>
+        <p:cNvPr id="1" name=""/>
+        <p:cNvGrpSpPr/>
+        <p:nvPr/>
+      </p:nvGrpSpPr>
+      <p:grpSpPr>
+        <a:xfrm>
+          <a:off x="0" y="0"/>
+          <a:ext cx="0" cy="0"/>
+          <a:chOff x="0" y="0"/>
+          <a:chExt cx="0" cy="0"/>
+        </a:xfrm>
+      </p:grpSpPr>
+      <p:pic>
+        <p:nvPicPr>
+          <p:cNvPr id="5" name="Picture 2" descr="See the source image">
+            <a:extLst>
+              <a:ext uri="{FF2B5EF4-FFF2-40B4-BE49-F238E27FC236}">
+                <a16:creationId xmlns:a16="http://schemas.microsoft.com/office/drawing/2014/main" id="{0ED5EA98-2928-4140-96E4-BCECB454AD2D}"/>
+              </a:ext>
+            </a:extLst>
+          </p:cNvPr>
+          <p:cNvPicPr>
+            <a:picLocks noChangeAspect="1" noChangeArrowheads="1"/>
+          </p:cNvPicPr>
+          <p:nvPr/>
+        </p:nvPicPr>
+        <p:blipFill>
+          <a:blip r:embed="rId3">
+            <a:extLst>
+              <a:ext uri="{28A0092B-C50C-407E-A947-70E740481C1C}">
+                <a14:useLocalDpi xmlns:a14="http://schemas.microsoft.com/office/drawing/2010/main" val="0"/>
+              </a:ext>
+            </a:extLst>
+          </a:blip>
+          <a:srcRect/>
+          <a:stretch>
+            <a:fillRect/>
+          </a:stretch>
+        </p:blipFill>
+        <p:spPr bwMode="auto">
+          <a:xfrm>
+            <a:off x="7338694" y="5450056"/>
+            <a:ext cx="1382318" cy="1248508"/>
+          </a:xfrm>
+          <a:prstGeom prst="rect">
+            <a:avLst/>
+          </a:prstGeom>
+          <a:noFill/>
+          <a:extLst>
+            <a:ext uri="{909E8E84-426E-40DD-AFC4-6F175D3DCCD1}">
+              <a14:hiddenFill xmlns:a14="http://schemas.microsoft.com/office/drawing/2010/main">
+                <a:solidFill>
+                  <a:srgbClr val="FFFFFF"/>
+                </a:solidFill>
+              </a14:hiddenFill>
+            </a:ext>
+          </a:extLst>
+        </p:spPr>
+      </p:pic>
+      <p:sp>
+        <p:nvSpPr>
+          <p:cNvPr id="3" name="Footer Placeholder 2">
+            <a:extLst>
+              <a:ext uri="{FF2B5EF4-FFF2-40B4-BE49-F238E27FC236}">
+                <a16:creationId xmlns:a16="http://schemas.microsoft.com/office/drawing/2014/main" id="{6942939B-7B0C-42A5-8BC5-642B25324167}"/>
+              </a:ext>
+            </a:extLst>
+          </p:cNvPr>
+          <p:cNvSpPr>
+            <a:spLocks noGrp="1"/>
+          </p:cNvSpPr>
+          <p:nvPr>
+            <p:ph type="ftr" sz="quarter" idx="3"/>
+          </p:nvPr>
+        </p:nvSpPr>
+        <p:spPr/>
+        <p:txBody>
+          <a:bodyPr/>
+          <a:lstStyle/>
+          <a:p>
+            <a:r>
+              <a:rPr lang="en-GB"/>
+              <a:t>PowerPoint Style Guide / Supporting Templates</a:t>
+            </a:r>
+            <a:endParaRPr lang="en-US" dirty="0"/>
+          </a:p>
+        </p:txBody>
+      </p:sp>
+      <p:sp>
+        <p:nvSpPr>
+          <p:cNvPr id="4" name="Title 3">
+            <a:extLst>
+              <a:ext uri="{FF2B5EF4-FFF2-40B4-BE49-F238E27FC236}">
+                <a16:creationId xmlns:a16="http://schemas.microsoft.com/office/drawing/2014/main" id="{42A5EA90-17C9-4BD5-BD0D-74A5419E18C7}"/>
+              </a:ext>
+            </a:extLst>
+          </p:cNvPr>
+          <p:cNvSpPr>
+            <a:spLocks noGrp="1"/>
+          </p:cNvSpPr>
+          <p:nvPr>
+            <p:ph type="title"/>
+          </p:nvPr>
+        </p:nvSpPr>
+        <p:spPr/>
+        <p:txBody>
+          <a:bodyPr/>
+          <a:lstStyle/>
+          <a:p>
+            <a:r>
+              <a:rPr lang="en-GB" dirty="0"/>
+              <a:t>Visual Run: Merging</a:t>
+            </a:r>
+          </a:p>
+        </p:txBody>
+      </p:sp>
+      <p:pic>
+        <p:nvPicPr>
+          <p:cNvPr id="6" name="Picture 5">
+            <a:extLst>
+              <a:ext uri="{FF2B5EF4-FFF2-40B4-BE49-F238E27FC236}">
+                <a16:creationId xmlns:a16="http://schemas.microsoft.com/office/drawing/2014/main" id="{DBE53EF4-840C-4E23-8D94-BF61F379F76F}"/>
+              </a:ext>
+            </a:extLst>
+          </p:cNvPr>
+          <p:cNvPicPr>
+            <a:picLocks noChangeAspect="1"/>
+          </p:cNvPicPr>
+          <p:nvPr/>
+        </p:nvPicPr>
+        <p:blipFill>
+          <a:blip r:embed="rId4"/>
+          <a:stretch>
+            <a:fillRect/>
+          </a:stretch>
+        </p:blipFill>
+        <p:spPr>
+          <a:xfrm>
+            <a:off x="188976" y="895847"/>
+            <a:ext cx="5367762" cy="1486214"/>
+          </a:xfrm>
+          <a:prstGeom prst="rect">
+            <a:avLst/>
+          </a:prstGeom>
+        </p:spPr>
+      </p:pic>
+      <p:pic>
+        <p:nvPicPr>
+          <p:cNvPr id="8" name="Picture 7">
+            <a:extLst>
+              <a:ext uri="{FF2B5EF4-FFF2-40B4-BE49-F238E27FC236}">
+                <a16:creationId xmlns:a16="http://schemas.microsoft.com/office/drawing/2014/main" id="{80FE9F44-3D43-40A0-9AE4-6CB37A5E9D04}"/>
+              </a:ext>
+            </a:extLst>
+          </p:cNvPr>
+          <p:cNvPicPr>
+            <a:picLocks noChangeAspect="1"/>
+          </p:cNvPicPr>
+          <p:nvPr/>
+        </p:nvPicPr>
+        <p:blipFill>
+          <a:blip r:embed="rId5"/>
+          <a:stretch>
+            <a:fillRect/>
+          </a:stretch>
+        </p:blipFill>
+        <p:spPr>
+          <a:xfrm>
+            <a:off x="188976" y="2473180"/>
+            <a:ext cx="6725589" cy="1057423"/>
+          </a:xfrm>
+          <a:prstGeom prst="rect">
+            <a:avLst/>
+          </a:prstGeom>
+        </p:spPr>
+      </p:pic>
+      <p:pic>
+        <p:nvPicPr>
+          <p:cNvPr id="10" name="Picture 9">
+            <a:extLst>
+              <a:ext uri="{FF2B5EF4-FFF2-40B4-BE49-F238E27FC236}">
+                <a16:creationId xmlns:a16="http://schemas.microsoft.com/office/drawing/2014/main" id="{8242E240-15FF-4F22-945B-A5AE1D2C8FCA}"/>
+              </a:ext>
+            </a:extLst>
+          </p:cNvPr>
+          <p:cNvPicPr>
+            <a:picLocks noChangeAspect="1"/>
+          </p:cNvPicPr>
+          <p:nvPr/>
+        </p:nvPicPr>
+        <p:blipFill rotWithShape="1">
+          <a:blip r:embed="rId6"/>
+          <a:srcRect l="10753"/>
+          <a:stretch/>
+        </p:blipFill>
+        <p:spPr>
+          <a:xfrm>
+            <a:off x="7155720" y="2121167"/>
+            <a:ext cx="1748265" cy="1761448"/>
+          </a:xfrm>
+          <a:prstGeom prst="rect">
+            <a:avLst/>
+          </a:prstGeom>
+        </p:spPr>
+      </p:pic>
+      <p:pic>
+        <p:nvPicPr>
+          <p:cNvPr id="12" name="Picture 11">
+            <a:extLst>
+              <a:ext uri="{FF2B5EF4-FFF2-40B4-BE49-F238E27FC236}">
+                <a16:creationId xmlns:a16="http://schemas.microsoft.com/office/drawing/2014/main" id="{8CA1AB38-A54D-45E5-9AD0-89E475317D64}"/>
+              </a:ext>
+            </a:extLst>
+          </p:cNvPr>
+          <p:cNvPicPr>
+            <a:picLocks noChangeAspect="1"/>
+          </p:cNvPicPr>
+          <p:nvPr/>
+        </p:nvPicPr>
+        <p:blipFill>
+          <a:blip r:embed="rId7"/>
+          <a:stretch>
+            <a:fillRect/>
+          </a:stretch>
+        </p:blipFill>
+        <p:spPr>
+          <a:xfrm>
+            <a:off x="188976" y="4164002"/>
+            <a:ext cx="6287377" cy="1286054"/>
+          </a:xfrm>
+          <a:prstGeom prst="rect">
+            <a:avLst/>
+          </a:prstGeom>
+        </p:spPr>
+      </p:pic>
+      <p:pic>
+        <p:nvPicPr>
+          <p:cNvPr id="14" name="Picture 13">
+            <a:extLst>
+              <a:ext uri="{FF2B5EF4-FFF2-40B4-BE49-F238E27FC236}">
+                <a16:creationId xmlns:a16="http://schemas.microsoft.com/office/drawing/2014/main" id="{A7BDB5D9-522C-4260-BD5D-777725357662}"/>
+              </a:ext>
+            </a:extLst>
+          </p:cNvPr>
+          <p:cNvPicPr>
+            <a:picLocks noChangeAspect="1"/>
+          </p:cNvPicPr>
+          <p:nvPr/>
+        </p:nvPicPr>
+        <p:blipFill>
+          <a:blip r:embed="rId8"/>
+          <a:stretch>
+            <a:fillRect/>
+          </a:stretch>
+        </p:blipFill>
+        <p:spPr>
+          <a:xfrm>
+            <a:off x="6756031" y="4164002"/>
+            <a:ext cx="1807992" cy="1286054"/>
+          </a:xfrm>
+          <a:prstGeom prst="rect">
+            <a:avLst/>
+          </a:prstGeom>
+        </p:spPr>
+      </p:pic>
+    </p:spTree>
+    <p:extLst>
+      <p:ext uri="{BB962C8B-B14F-4D97-AF65-F5344CB8AC3E}">
+        <p14:creationId xmlns:p14="http://schemas.microsoft.com/office/powerpoint/2010/main" val="3536564236"/>
+      </p:ext>
+    </p:extLst>
+  </p:cSld>
+  <p:clrMapOvr>
+    <a:masterClrMapping/>
+  </p:clrMapOvr>
+</p:sld>
+</file>
+
+<file path=ppt/slides/slide11.xml><?xml version="1.0" encoding="utf-8"?>
+<p:sld xmlns:a="http://schemas.openxmlformats.org/drawingml/2006/main" xmlns:r="http://schemas.openxmlformats.org/officeDocument/2006/relationships" xmlns:p="http://schemas.openxmlformats.org/presentationml/2006/main">
+  <p:cSld>
+    <p:spTree>
+      <p:nvGrpSpPr>
+        <p:cNvPr id="1" name=""/>
+        <p:cNvGrpSpPr/>
+        <p:nvPr/>
+      </p:nvGrpSpPr>
+      <p:grpSpPr>
+        <a:xfrm>
+          <a:off x="0" y="0"/>
+          <a:ext cx="0" cy="0"/>
+          <a:chOff x="0" y="0"/>
+          <a:chExt cx="0" cy="0"/>
+        </a:xfrm>
+      </p:grpSpPr>
+      <p:pic>
+        <p:nvPicPr>
+          <p:cNvPr id="5" name="Picture 2" descr="See the source image">
+            <a:extLst>
+              <a:ext uri="{FF2B5EF4-FFF2-40B4-BE49-F238E27FC236}">
+                <a16:creationId xmlns:a16="http://schemas.microsoft.com/office/drawing/2014/main" id="{0ED5EA98-2928-4140-96E4-BCECB454AD2D}"/>
+              </a:ext>
+            </a:extLst>
+          </p:cNvPr>
+          <p:cNvPicPr>
+            <a:picLocks noChangeAspect="1" noChangeArrowheads="1"/>
+          </p:cNvPicPr>
+          <p:nvPr/>
+        </p:nvPicPr>
+        <p:blipFill>
+          <a:blip r:embed="rId3">
+            <a:extLst>
+              <a:ext uri="{28A0092B-C50C-407E-A947-70E740481C1C}">
+                <a14:useLocalDpi xmlns:a14="http://schemas.microsoft.com/office/drawing/2010/main" val="0"/>
+              </a:ext>
+            </a:extLst>
+          </a:blip>
+          <a:srcRect/>
+          <a:stretch>
+            <a:fillRect/>
+          </a:stretch>
+        </p:blipFill>
+        <p:spPr bwMode="auto">
+          <a:xfrm>
+            <a:off x="7338694" y="5450056"/>
+            <a:ext cx="1382318" cy="1248508"/>
+          </a:xfrm>
+          <a:prstGeom prst="rect">
+            <a:avLst/>
+          </a:prstGeom>
+          <a:noFill/>
+          <a:extLst>
+            <a:ext uri="{909E8E84-426E-40DD-AFC4-6F175D3DCCD1}">
+              <a14:hiddenFill xmlns:a14="http://schemas.microsoft.com/office/drawing/2010/main">
+                <a:solidFill>
+                  <a:srgbClr val="FFFFFF"/>
+                </a:solidFill>
+              </a14:hiddenFill>
+            </a:ext>
+          </a:extLst>
+        </p:spPr>
+      </p:pic>
+      <p:sp>
+        <p:nvSpPr>
+          <p:cNvPr id="3" name="Footer Placeholder 2">
+            <a:extLst>
+              <a:ext uri="{FF2B5EF4-FFF2-40B4-BE49-F238E27FC236}">
+                <a16:creationId xmlns:a16="http://schemas.microsoft.com/office/drawing/2014/main" id="{6942939B-7B0C-42A5-8BC5-642B25324167}"/>
+              </a:ext>
+            </a:extLst>
+          </p:cNvPr>
+          <p:cNvSpPr>
+            <a:spLocks noGrp="1"/>
+          </p:cNvSpPr>
+          <p:nvPr>
+            <p:ph type="ftr" sz="quarter" idx="3"/>
+          </p:nvPr>
+        </p:nvSpPr>
+        <p:spPr/>
+        <p:txBody>
+          <a:bodyPr/>
+          <a:lstStyle/>
+          <a:p>
+            <a:r>
+              <a:rPr lang="en-GB"/>
+              <a:t>PowerPoint Style Guide / Supporting Templates</a:t>
+            </a:r>
+            <a:endParaRPr lang="en-US" dirty="0"/>
+          </a:p>
+        </p:txBody>
+      </p:sp>
+      <p:sp>
+        <p:nvSpPr>
+          <p:cNvPr id="4" name="Title 3">
+            <a:extLst>
+              <a:ext uri="{FF2B5EF4-FFF2-40B4-BE49-F238E27FC236}">
+                <a16:creationId xmlns:a16="http://schemas.microsoft.com/office/drawing/2014/main" id="{42A5EA90-17C9-4BD5-BD0D-74A5419E18C7}"/>
+              </a:ext>
+            </a:extLst>
+          </p:cNvPr>
+          <p:cNvSpPr>
+            <a:spLocks noGrp="1"/>
+          </p:cNvSpPr>
+          <p:nvPr>
+            <p:ph type="title"/>
+          </p:nvPr>
+        </p:nvSpPr>
+        <p:spPr/>
+        <p:txBody>
+          <a:bodyPr/>
+          <a:lstStyle/>
+          <a:p>
+            <a:r>
+              <a:rPr lang="en-GB" dirty="0"/>
+              <a:t>Visual Run: Pushing to Remote</a:t>
+            </a:r>
+          </a:p>
+        </p:txBody>
+      </p:sp>
+      <p:pic>
+        <p:nvPicPr>
+          <p:cNvPr id="6" name="Picture 5">
+            <a:extLst>
+              <a:ext uri="{FF2B5EF4-FFF2-40B4-BE49-F238E27FC236}">
+                <a16:creationId xmlns:a16="http://schemas.microsoft.com/office/drawing/2014/main" id="{6A391E07-E432-46CB-9E20-1DB59A98AFF0}"/>
+              </a:ext>
+            </a:extLst>
+          </p:cNvPr>
+          <p:cNvPicPr>
+            <a:picLocks noChangeAspect="1"/>
+          </p:cNvPicPr>
+          <p:nvPr/>
+        </p:nvPicPr>
+        <p:blipFill>
+          <a:blip r:embed="rId4"/>
+          <a:stretch>
+            <a:fillRect/>
+          </a:stretch>
+        </p:blipFill>
+        <p:spPr>
+          <a:xfrm>
+            <a:off x="188976" y="1047171"/>
+            <a:ext cx="6392167" cy="3057952"/>
+          </a:xfrm>
+          <a:prstGeom prst="rect">
+            <a:avLst/>
+          </a:prstGeom>
+        </p:spPr>
+      </p:pic>
+      <p:pic>
+        <p:nvPicPr>
+          <p:cNvPr id="8" name="Picture 7">
+            <a:extLst>
+              <a:ext uri="{FF2B5EF4-FFF2-40B4-BE49-F238E27FC236}">
+                <a16:creationId xmlns:a16="http://schemas.microsoft.com/office/drawing/2014/main" id="{5B649B2F-0F72-422F-9074-325D5AF7E46E}"/>
+              </a:ext>
+            </a:extLst>
+          </p:cNvPr>
+          <p:cNvPicPr>
+            <a:picLocks noChangeAspect="1"/>
+          </p:cNvPicPr>
+          <p:nvPr/>
+        </p:nvPicPr>
+        <p:blipFill>
+          <a:blip r:embed="rId5"/>
+          <a:stretch>
+            <a:fillRect/>
+          </a:stretch>
+        </p:blipFill>
+        <p:spPr>
+          <a:xfrm>
+            <a:off x="86011" y="4296143"/>
+            <a:ext cx="7252683" cy="1514686"/>
+          </a:xfrm>
+          <a:prstGeom prst="rect">
+            <a:avLst/>
+          </a:prstGeom>
+        </p:spPr>
+      </p:pic>
+    </p:spTree>
+    <p:extLst>
+      <p:ext uri="{BB962C8B-B14F-4D97-AF65-F5344CB8AC3E}">
+        <p14:creationId xmlns:p14="http://schemas.microsoft.com/office/powerpoint/2010/main" val="2406069309"/>
+      </p:ext>
+    </p:extLst>
+  </p:cSld>
+  <p:clrMapOvr>
+    <a:masterClrMapping/>
+  </p:clrMapOvr>
+</p:sld>
+</file>
+
 <file path=ppt/slides/slide2.xml><?xml version="1.0" encoding="utf-8"?>
 <p:sld xmlns:a="http://schemas.openxmlformats.org/drawingml/2006/main" xmlns:r="http://schemas.openxmlformats.org/officeDocument/2006/relationships" xmlns:p="http://schemas.openxmlformats.org/presentationml/2006/main">
   <p:cSld>
@@ -13390,7 +14642,7 @@
             </a:pPr>
             <a:r>
               <a:rPr lang="en-GB" dirty="0"/>
-              <a:t>You can add a README.md which explains to outside users what the project is (usually HTML). Licences can also be added which control what users can/can’t do with code</a:t>
+              <a:t>You can add a README.md which explains to outside users what the project is (usually HTML). Licences can also be added which control what users can/can’t do with code. Would be helpful to establish what others use within NHSE</a:t>
             </a:r>
           </a:p>
           <a:p>
@@ -13990,7 +15242,7 @@
           <a:p>
             <a:r>
               <a:rPr lang="en-GB" dirty="0"/>
-              <a:t>Collaborative Working -&gt; The team often works on large R scripts / SQL queries that may constantly change over the process of producing a product</a:t>
+              <a:t>Collaborative Working -&gt; The team often works on large R scripts / SQL queries etc. that may constantly change over the process of producing a product</a:t>
             </a:r>
           </a:p>
           <a:p>
@@ -14008,7 +15260,15 @@
             </a:r>
             <a:r>
               <a:rPr lang="en-GB" dirty="0"/>
-              <a:t> them to the remote, and pull the changes that others have made</a:t>
+              <a:t> them to the remote, and </a:t>
+            </a:r>
+            <a:r>
+              <a:rPr lang="en-GB" i="1" dirty="0"/>
+              <a:t>pull</a:t>
+            </a:r>
+            <a:r>
+              <a:rPr lang="en-GB" dirty="0"/>
+              <a:t> the changes that others have made</a:t>
             </a:r>
           </a:p>
           <a:p>
@@ -14133,6 +15393,708 @@
     <p:extLst>
       <p:ext uri="{BB962C8B-B14F-4D97-AF65-F5344CB8AC3E}">
         <p14:creationId xmlns:p14="http://schemas.microsoft.com/office/powerpoint/2010/main" val="2310298358"/>
+      </p:ext>
+    </p:extLst>
+  </p:cSld>
+  <p:clrMapOvr>
+    <a:masterClrMapping/>
+  </p:clrMapOvr>
+</p:sld>
+</file>
+
+<file path=ppt/slides/slide7.xml><?xml version="1.0" encoding="utf-8"?>
+<p:sld xmlns:a="http://schemas.openxmlformats.org/drawingml/2006/main" xmlns:r="http://schemas.openxmlformats.org/officeDocument/2006/relationships" xmlns:p="http://schemas.openxmlformats.org/presentationml/2006/main">
+  <p:cSld>
+    <p:spTree>
+      <p:nvGrpSpPr>
+        <p:cNvPr id="1" name=""/>
+        <p:cNvGrpSpPr/>
+        <p:nvPr/>
+      </p:nvGrpSpPr>
+      <p:grpSpPr>
+        <a:xfrm>
+          <a:off x="0" y="0"/>
+          <a:ext cx="0" cy="0"/>
+          <a:chOff x="0" y="0"/>
+          <a:chExt cx="0" cy="0"/>
+        </a:xfrm>
+      </p:grpSpPr>
+      <p:pic>
+        <p:nvPicPr>
+          <p:cNvPr id="5" name="Picture 2" descr="See the source image">
+            <a:extLst>
+              <a:ext uri="{FF2B5EF4-FFF2-40B4-BE49-F238E27FC236}">
+                <a16:creationId xmlns:a16="http://schemas.microsoft.com/office/drawing/2014/main" id="{0ED5EA98-2928-4140-96E4-BCECB454AD2D}"/>
+              </a:ext>
+            </a:extLst>
+          </p:cNvPr>
+          <p:cNvPicPr>
+            <a:picLocks noChangeAspect="1" noChangeArrowheads="1"/>
+          </p:cNvPicPr>
+          <p:nvPr/>
+        </p:nvPicPr>
+        <p:blipFill>
+          <a:blip r:embed="rId3">
+            <a:extLst>
+              <a:ext uri="{28A0092B-C50C-407E-A947-70E740481C1C}">
+                <a14:useLocalDpi xmlns:a14="http://schemas.microsoft.com/office/drawing/2010/main" val="0"/>
+              </a:ext>
+            </a:extLst>
+          </a:blip>
+          <a:srcRect/>
+          <a:stretch>
+            <a:fillRect/>
+          </a:stretch>
+        </p:blipFill>
+        <p:spPr bwMode="auto">
+          <a:xfrm>
+            <a:off x="7338694" y="5450056"/>
+            <a:ext cx="1382318" cy="1248508"/>
+          </a:xfrm>
+          <a:prstGeom prst="rect">
+            <a:avLst/>
+          </a:prstGeom>
+          <a:noFill/>
+          <a:extLst>
+            <a:ext uri="{909E8E84-426E-40DD-AFC4-6F175D3DCCD1}">
+              <a14:hiddenFill xmlns:a14="http://schemas.microsoft.com/office/drawing/2010/main">
+                <a:solidFill>
+                  <a:srgbClr val="FFFFFF"/>
+                </a:solidFill>
+              </a14:hiddenFill>
+            </a:ext>
+          </a:extLst>
+        </p:spPr>
+      </p:pic>
+      <p:sp>
+        <p:nvSpPr>
+          <p:cNvPr id="3" name="Footer Placeholder 2">
+            <a:extLst>
+              <a:ext uri="{FF2B5EF4-FFF2-40B4-BE49-F238E27FC236}">
+                <a16:creationId xmlns:a16="http://schemas.microsoft.com/office/drawing/2014/main" id="{6942939B-7B0C-42A5-8BC5-642B25324167}"/>
+              </a:ext>
+            </a:extLst>
+          </p:cNvPr>
+          <p:cNvSpPr>
+            <a:spLocks noGrp="1"/>
+          </p:cNvSpPr>
+          <p:nvPr>
+            <p:ph type="ftr" sz="quarter" idx="3"/>
+          </p:nvPr>
+        </p:nvSpPr>
+        <p:spPr/>
+        <p:txBody>
+          <a:bodyPr/>
+          <a:lstStyle/>
+          <a:p>
+            <a:r>
+              <a:rPr lang="en-GB"/>
+              <a:t>PowerPoint Style Guide / Supporting Templates</a:t>
+            </a:r>
+            <a:endParaRPr lang="en-US" dirty="0"/>
+          </a:p>
+        </p:txBody>
+      </p:sp>
+      <p:sp>
+        <p:nvSpPr>
+          <p:cNvPr id="4" name="Title 3">
+            <a:extLst>
+              <a:ext uri="{FF2B5EF4-FFF2-40B4-BE49-F238E27FC236}">
+                <a16:creationId xmlns:a16="http://schemas.microsoft.com/office/drawing/2014/main" id="{42A5EA90-17C9-4BD5-BD0D-74A5419E18C7}"/>
+              </a:ext>
+            </a:extLst>
+          </p:cNvPr>
+          <p:cNvSpPr>
+            <a:spLocks noGrp="1"/>
+          </p:cNvSpPr>
+          <p:nvPr>
+            <p:ph type="title"/>
+          </p:nvPr>
+        </p:nvSpPr>
+        <p:spPr/>
+        <p:txBody>
+          <a:bodyPr/>
+          <a:lstStyle/>
+          <a:p>
+            <a:r>
+              <a:rPr lang="en-GB" dirty="0"/>
+              <a:t>Visual Run: Initialisation</a:t>
+            </a:r>
+          </a:p>
+        </p:txBody>
+      </p:sp>
+      <p:pic>
+        <p:nvPicPr>
+          <p:cNvPr id="7" name="Picture 6">
+            <a:extLst>
+              <a:ext uri="{FF2B5EF4-FFF2-40B4-BE49-F238E27FC236}">
+                <a16:creationId xmlns:a16="http://schemas.microsoft.com/office/drawing/2014/main" id="{E1D8423B-2659-4FCA-865B-E9DFA4510990}"/>
+              </a:ext>
+            </a:extLst>
+          </p:cNvPr>
+          <p:cNvPicPr>
+            <a:picLocks noChangeAspect="1"/>
+          </p:cNvPicPr>
+          <p:nvPr/>
+        </p:nvPicPr>
+        <p:blipFill>
+          <a:blip r:embed="rId4"/>
+          <a:stretch>
+            <a:fillRect/>
+          </a:stretch>
+        </p:blipFill>
+        <p:spPr>
+          <a:xfrm>
+            <a:off x="533227" y="831105"/>
+            <a:ext cx="4838873" cy="3705228"/>
+          </a:xfrm>
+          <a:prstGeom prst="rect">
+            <a:avLst/>
+          </a:prstGeom>
+        </p:spPr>
+      </p:pic>
+      <p:pic>
+        <p:nvPicPr>
+          <p:cNvPr id="9" name="Picture 8">
+            <a:extLst>
+              <a:ext uri="{FF2B5EF4-FFF2-40B4-BE49-F238E27FC236}">
+                <a16:creationId xmlns:a16="http://schemas.microsoft.com/office/drawing/2014/main" id="{35B18837-73B4-49C2-9D15-47B5A2BCA344}"/>
+              </a:ext>
+            </a:extLst>
+          </p:cNvPr>
+          <p:cNvPicPr>
+            <a:picLocks noChangeAspect="1"/>
+          </p:cNvPicPr>
+          <p:nvPr/>
+        </p:nvPicPr>
+        <p:blipFill>
+          <a:blip r:embed="rId5"/>
+          <a:stretch>
+            <a:fillRect/>
+          </a:stretch>
+        </p:blipFill>
+        <p:spPr>
+          <a:xfrm>
+            <a:off x="3282378" y="3294047"/>
+            <a:ext cx="5563376" cy="1914792"/>
+          </a:xfrm>
+          <a:prstGeom prst="rect">
+            <a:avLst/>
+          </a:prstGeom>
+        </p:spPr>
+      </p:pic>
+    </p:spTree>
+    <p:extLst>
+      <p:ext uri="{BB962C8B-B14F-4D97-AF65-F5344CB8AC3E}">
+        <p14:creationId xmlns:p14="http://schemas.microsoft.com/office/powerpoint/2010/main" val="1632702149"/>
+      </p:ext>
+    </p:extLst>
+  </p:cSld>
+  <p:clrMapOvr>
+    <a:masterClrMapping/>
+  </p:clrMapOvr>
+</p:sld>
+</file>
+
+<file path=ppt/slides/slide8.xml><?xml version="1.0" encoding="utf-8"?>
+<p:sld xmlns:a="http://schemas.openxmlformats.org/drawingml/2006/main" xmlns:r="http://schemas.openxmlformats.org/officeDocument/2006/relationships" xmlns:p="http://schemas.openxmlformats.org/presentationml/2006/main">
+  <p:cSld>
+    <p:spTree>
+      <p:nvGrpSpPr>
+        <p:cNvPr id="1" name=""/>
+        <p:cNvGrpSpPr/>
+        <p:nvPr/>
+      </p:nvGrpSpPr>
+      <p:grpSpPr>
+        <a:xfrm>
+          <a:off x="0" y="0"/>
+          <a:ext cx="0" cy="0"/>
+          <a:chOff x="0" y="0"/>
+          <a:chExt cx="0" cy="0"/>
+        </a:xfrm>
+      </p:grpSpPr>
+      <p:pic>
+        <p:nvPicPr>
+          <p:cNvPr id="5" name="Picture 2" descr="See the source image">
+            <a:extLst>
+              <a:ext uri="{FF2B5EF4-FFF2-40B4-BE49-F238E27FC236}">
+                <a16:creationId xmlns:a16="http://schemas.microsoft.com/office/drawing/2014/main" id="{0ED5EA98-2928-4140-96E4-BCECB454AD2D}"/>
+              </a:ext>
+            </a:extLst>
+          </p:cNvPr>
+          <p:cNvPicPr>
+            <a:picLocks noChangeAspect="1" noChangeArrowheads="1"/>
+          </p:cNvPicPr>
+          <p:nvPr/>
+        </p:nvPicPr>
+        <p:blipFill>
+          <a:blip r:embed="rId3">
+            <a:extLst>
+              <a:ext uri="{28A0092B-C50C-407E-A947-70E740481C1C}">
+                <a14:useLocalDpi xmlns:a14="http://schemas.microsoft.com/office/drawing/2010/main" val="0"/>
+              </a:ext>
+            </a:extLst>
+          </a:blip>
+          <a:srcRect/>
+          <a:stretch>
+            <a:fillRect/>
+          </a:stretch>
+        </p:blipFill>
+        <p:spPr bwMode="auto">
+          <a:xfrm>
+            <a:off x="7338694" y="5450056"/>
+            <a:ext cx="1382318" cy="1248508"/>
+          </a:xfrm>
+          <a:prstGeom prst="rect">
+            <a:avLst/>
+          </a:prstGeom>
+          <a:noFill/>
+          <a:extLst>
+            <a:ext uri="{909E8E84-426E-40DD-AFC4-6F175D3DCCD1}">
+              <a14:hiddenFill xmlns:a14="http://schemas.microsoft.com/office/drawing/2010/main">
+                <a:solidFill>
+                  <a:srgbClr val="FFFFFF"/>
+                </a:solidFill>
+              </a14:hiddenFill>
+            </a:ext>
+          </a:extLst>
+        </p:spPr>
+      </p:pic>
+      <p:sp>
+        <p:nvSpPr>
+          <p:cNvPr id="3" name="Footer Placeholder 2">
+            <a:extLst>
+              <a:ext uri="{FF2B5EF4-FFF2-40B4-BE49-F238E27FC236}">
+                <a16:creationId xmlns:a16="http://schemas.microsoft.com/office/drawing/2014/main" id="{6942939B-7B0C-42A5-8BC5-642B25324167}"/>
+              </a:ext>
+            </a:extLst>
+          </p:cNvPr>
+          <p:cNvSpPr>
+            <a:spLocks noGrp="1"/>
+          </p:cNvSpPr>
+          <p:nvPr>
+            <p:ph type="ftr" sz="quarter" idx="3"/>
+          </p:nvPr>
+        </p:nvSpPr>
+        <p:spPr/>
+        <p:txBody>
+          <a:bodyPr/>
+          <a:lstStyle/>
+          <a:p>
+            <a:r>
+              <a:rPr lang="en-GB"/>
+              <a:t>PowerPoint Style Guide / Supporting Templates</a:t>
+            </a:r>
+            <a:endParaRPr lang="en-US" dirty="0"/>
+          </a:p>
+        </p:txBody>
+      </p:sp>
+      <p:sp>
+        <p:nvSpPr>
+          <p:cNvPr id="4" name="Title 3">
+            <a:extLst>
+              <a:ext uri="{FF2B5EF4-FFF2-40B4-BE49-F238E27FC236}">
+                <a16:creationId xmlns:a16="http://schemas.microsoft.com/office/drawing/2014/main" id="{42A5EA90-17C9-4BD5-BD0D-74A5419E18C7}"/>
+              </a:ext>
+            </a:extLst>
+          </p:cNvPr>
+          <p:cNvSpPr>
+            <a:spLocks noGrp="1"/>
+          </p:cNvSpPr>
+          <p:nvPr>
+            <p:ph type="title"/>
+          </p:nvPr>
+        </p:nvSpPr>
+        <p:spPr/>
+        <p:txBody>
+          <a:bodyPr/>
+          <a:lstStyle/>
+          <a:p>
+            <a:r>
+              <a:rPr lang="en-GB" sz="2800" dirty="0"/>
+              <a:t>Visual Run: Adding Files and Remote</a:t>
+            </a:r>
+          </a:p>
+        </p:txBody>
+      </p:sp>
+      <p:pic>
+        <p:nvPicPr>
+          <p:cNvPr id="6" name="Picture 5">
+            <a:extLst>
+              <a:ext uri="{FF2B5EF4-FFF2-40B4-BE49-F238E27FC236}">
+                <a16:creationId xmlns:a16="http://schemas.microsoft.com/office/drawing/2014/main" id="{A7280718-E562-4AC0-92E3-E37F575841D1}"/>
+              </a:ext>
+            </a:extLst>
+          </p:cNvPr>
+          <p:cNvPicPr>
+            <a:picLocks noChangeAspect="1"/>
+          </p:cNvPicPr>
+          <p:nvPr/>
+        </p:nvPicPr>
+        <p:blipFill>
+          <a:blip r:embed="rId4"/>
+          <a:stretch>
+            <a:fillRect/>
+          </a:stretch>
+        </p:blipFill>
+        <p:spPr>
+          <a:xfrm>
+            <a:off x="188976" y="831106"/>
+            <a:ext cx="2545432" cy="2052772"/>
+          </a:xfrm>
+          <a:prstGeom prst="rect">
+            <a:avLst/>
+          </a:prstGeom>
+        </p:spPr>
+      </p:pic>
+      <p:pic>
+        <p:nvPicPr>
+          <p:cNvPr id="10" name="Picture 9">
+            <a:extLst>
+              <a:ext uri="{FF2B5EF4-FFF2-40B4-BE49-F238E27FC236}">
+                <a16:creationId xmlns:a16="http://schemas.microsoft.com/office/drawing/2014/main" id="{A209B4DA-B8E5-49DC-BF63-2858946E45DB}"/>
+              </a:ext>
+            </a:extLst>
+          </p:cNvPr>
+          <p:cNvPicPr>
+            <a:picLocks noChangeAspect="1"/>
+          </p:cNvPicPr>
+          <p:nvPr/>
+        </p:nvPicPr>
+        <p:blipFill>
+          <a:blip r:embed="rId5"/>
+          <a:stretch>
+            <a:fillRect/>
+          </a:stretch>
+        </p:blipFill>
+        <p:spPr>
+          <a:xfrm>
+            <a:off x="4337870" y="1088279"/>
+            <a:ext cx="4383141" cy="1795599"/>
+          </a:xfrm>
+          <a:prstGeom prst="rect">
+            <a:avLst/>
+          </a:prstGeom>
+        </p:spPr>
+      </p:pic>
+      <p:pic>
+        <p:nvPicPr>
+          <p:cNvPr id="12" name="Picture 11">
+            <a:extLst>
+              <a:ext uri="{FF2B5EF4-FFF2-40B4-BE49-F238E27FC236}">
+                <a16:creationId xmlns:a16="http://schemas.microsoft.com/office/drawing/2014/main" id="{D17A6B68-97DC-4D77-A811-CA8F6D8ED9D2}"/>
+              </a:ext>
+            </a:extLst>
+          </p:cNvPr>
+          <p:cNvPicPr>
+            <a:picLocks noChangeAspect="1"/>
+          </p:cNvPicPr>
+          <p:nvPr/>
+        </p:nvPicPr>
+        <p:blipFill>
+          <a:blip r:embed="rId6"/>
+          <a:stretch>
+            <a:fillRect/>
+          </a:stretch>
+        </p:blipFill>
+        <p:spPr>
+          <a:xfrm>
+            <a:off x="188976" y="3153956"/>
+            <a:ext cx="3908239" cy="2253419"/>
+          </a:xfrm>
+          <a:prstGeom prst="rect">
+            <a:avLst/>
+          </a:prstGeom>
+        </p:spPr>
+      </p:pic>
+      <p:pic>
+        <p:nvPicPr>
+          <p:cNvPr id="14" name="Picture 13">
+            <a:extLst>
+              <a:ext uri="{FF2B5EF4-FFF2-40B4-BE49-F238E27FC236}">
+                <a16:creationId xmlns:a16="http://schemas.microsoft.com/office/drawing/2014/main" id="{99C37069-AE7F-41BF-AA1F-4BF811FC4FAC}"/>
+              </a:ext>
+            </a:extLst>
+          </p:cNvPr>
+          <p:cNvPicPr>
+            <a:picLocks noChangeAspect="1"/>
+          </p:cNvPicPr>
+          <p:nvPr/>
+        </p:nvPicPr>
+        <p:blipFill>
+          <a:blip r:embed="rId7"/>
+          <a:stretch>
+            <a:fillRect/>
+          </a:stretch>
+        </p:blipFill>
+        <p:spPr>
+          <a:xfrm>
+            <a:off x="4337871" y="3141052"/>
+            <a:ext cx="4383141" cy="2253419"/>
+          </a:xfrm>
+          <a:prstGeom prst="rect">
+            <a:avLst/>
+          </a:prstGeom>
+        </p:spPr>
+      </p:pic>
+      <p:pic>
+        <p:nvPicPr>
+          <p:cNvPr id="16" name="Picture 15">
+            <a:extLst>
+              <a:ext uri="{FF2B5EF4-FFF2-40B4-BE49-F238E27FC236}">
+                <a16:creationId xmlns:a16="http://schemas.microsoft.com/office/drawing/2014/main" id="{CD3239C5-75E0-471B-9A1E-85843CB60BBF}"/>
+              </a:ext>
+            </a:extLst>
+          </p:cNvPr>
+          <p:cNvPicPr>
+            <a:picLocks noChangeAspect="1"/>
+          </p:cNvPicPr>
+          <p:nvPr/>
+        </p:nvPicPr>
+        <p:blipFill>
+          <a:blip r:embed="rId8"/>
+          <a:stretch>
+            <a:fillRect/>
+          </a:stretch>
+        </p:blipFill>
+        <p:spPr>
+          <a:xfrm>
+            <a:off x="1357708" y="5519220"/>
+            <a:ext cx="5960323" cy="702373"/>
+          </a:xfrm>
+          <a:prstGeom prst="rect">
+            <a:avLst/>
+          </a:prstGeom>
+        </p:spPr>
+      </p:pic>
+    </p:spTree>
+    <p:extLst>
+      <p:ext uri="{BB962C8B-B14F-4D97-AF65-F5344CB8AC3E}">
+        <p14:creationId xmlns:p14="http://schemas.microsoft.com/office/powerpoint/2010/main" val="3909519556"/>
+      </p:ext>
+    </p:extLst>
+  </p:cSld>
+  <p:clrMapOvr>
+    <a:masterClrMapping/>
+  </p:clrMapOvr>
+</p:sld>
+</file>
+
+<file path=ppt/slides/slide9.xml><?xml version="1.0" encoding="utf-8"?>
+<p:sld xmlns:a="http://schemas.openxmlformats.org/drawingml/2006/main" xmlns:r="http://schemas.openxmlformats.org/officeDocument/2006/relationships" xmlns:p="http://schemas.openxmlformats.org/presentationml/2006/main">
+  <p:cSld>
+    <p:spTree>
+      <p:nvGrpSpPr>
+        <p:cNvPr id="1" name=""/>
+        <p:cNvGrpSpPr/>
+        <p:nvPr/>
+      </p:nvGrpSpPr>
+      <p:grpSpPr>
+        <a:xfrm>
+          <a:off x="0" y="0"/>
+          <a:ext cx="0" cy="0"/>
+          <a:chOff x="0" y="0"/>
+          <a:chExt cx="0" cy="0"/>
+        </a:xfrm>
+      </p:grpSpPr>
+      <p:pic>
+        <p:nvPicPr>
+          <p:cNvPr id="5" name="Picture 2" descr="See the source image">
+            <a:extLst>
+              <a:ext uri="{FF2B5EF4-FFF2-40B4-BE49-F238E27FC236}">
+                <a16:creationId xmlns:a16="http://schemas.microsoft.com/office/drawing/2014/main" id="{0ED5EA98-2928-4140-96E4-BCECB454AD2D}"/>
+              </a:ext>
+            </a:extLst>
+          </p:cNvPr>
+          <p:cNvPicPr>
+            <a:picLocks noChangeAspect="1" noChangeArrowheads="1"/>
+          </p:cNvPicPr>
+          <p:nvPr/>
+        </p:nvPicPr>
+        <p:blipFill>
+          <a:blip r:embed="rId3">
+            <a:extLst>
+              <a:ext uri="{28A0092B-C50C-407E-A947-70E740481C1C}">
+                <a14:useLocalDpi xmlns:a14="http://schemas.microsoft.com/office/drawing/2010/main" val="0"/>
+              </a:ext>
+            </a:extLst>
+          </a:blip>
+          <a:srcRect/>
+          <a:stretch>
+            <a:fillRect/>
+          </a:stretch>
+        </p:blipFill>
+        <p:spPr bwMode="auto">
+          <a:xfrm>
+            <a:off x="7338694" y="5450056"/>
+            <a:ext cx="1382318" cy="1248508"/>
+          </a:xfrm>
+          <a:prstGeom prst="rect">
+            <a:avLst/>
+          </a:prstGeom>
+          <a:noFill/>
+          <a:extLst>
+            <a:ext uri="{909E8E84-426E-40DD-AFC4-6F175D3DCCD1}">
+              <a14:hiddenFill xmlns:a14="http://schemas.microsoft.com/office/drawing/2010/main">
+                <a:solidFill>
+                  <a:srgbClr val="FFFFFF"/>
+                </a:solidFill>
+              </a14:hiddenFill>
+            </a:ext>
+          </a:extLst>
+        </p:spPr>
+      </p:pic>
+      <p:sp>
+        <p:nvSpPr>
+          <p:cNvPr id="3" name="Footer Placeholder 2">
+            <a:extLst>
+              <a:ext uri="{FF2B5EF4-FFF2-40B4-BE49-F238E27FC236}">
+                <a16:creationId xmlns:a16="http://schemas.microsoft.com/office/drawing/2014/main" id="{6942939B-7B0C-42A5-8BC5-642B25324167}"/>
+              </a:ext>
+            </a:extLst>
+          </p:cNvPr>
+          <p:cNvSpPr>
+            <a:spLocks noGrp="1"/>
+          </p:cNvSpPr>
+          <p:nvPr>
+            <p:ph type="ftr" sz="quarter" idx="3"/>
+          </p:nvPr>
+        </p:nvSpPr>
+        <p:spPr/>
+        <p:txBody>
+          <a:bodyPr/>
+          <a:lstStyle/>
+          <a:p>
+            <a:r>
+              <a:rPr lang="en-GB"/>
+              <a:t>PowerPoint Style Guide / Supporting Templates</a:t>
+            </a:r>
+            <a:endParaRPr lang="en-US" dirty="0"/>
+          </a:p>
+        </p:txBody>
+      </p:sp>
+      <p:sp>
+        <p:nvSpPr>
+          <p:cNvPr id="4" name="Title 3">
+            <a:extLst>
+              <a:ext uri="{FF2B5EF4-FFF2-40B4-BE49-F238E27FC236}">
+                <a16:creationId xmlns:a16="http://schemas.microsoft.com/office/drawing/2014/main" id="{42A5EA90-17C9-4BD5-BD0D-74A5419E18C7}"/>
+              </a:ext>
+            </a:extLst>
+          </p:cNvPr>
+          <p:cNvSpPr>
+            <a:spLocks noGrp="1"/>
+          </p:cNvSpPr>
+          <p:nvPr>
+            <p:ph type="title"/>
+          </p:nvPr>
+        </p:nvSpPr>
+        <p:spPr/>
+        <p:txBody>
+          <a:bodyPr/>
+          <a:lstStyle/>
+          <a:p>
+            <a:r>
+              <a:rPr lang="en-GB" dirty="0"/>
+              <a:t>Visual Run: Creating Branches</a:t>
+            </a:r>
+          </a:p>
+        </p:txBody>
+      </p:sp>
+      <p:pic>
+        <p:nvPicPr>
+          <p:cNvPr id="6" name="Picture 5">
+            <a:extLst>
+              <a:ext uri="{FF2B5EF4-FFF2-40B4-BE49-F238E27FC236}">
+                <a16:creationId xmlns:a16="http://schemas.microsoft.com/office/drawing/2014/main" id="{F7EA2DAB-6838-47F9-8C37-D66B5970B4A0}"/>
+              </a:ext>
+            </a:extLst>
+          </p:cNvPr>
+          <p:cNvPicPr>
+            <a:picLocks noChangeAspect="1"/>
+          </p:cNvPicPr>
+          <p:nvPr/>
+        </p:nvPicPr>
+        <p:blipFill>
+          <a:blip r:embed="rId4"/>
+          <a:stretch>
+            <a:fillRect/>
+          </a:stretch>
+        </p:blipFill>
+        <p:spPr>
+          <a:xfrm>
+            <a:off x="188976" y="1050282"/>
+            <a:ext cx="6449325" cy="466790"/>
+          </a:xfrm>
+          <a:prstGeom prst="rect">
+            <a:avLst/>
+          </a:prstGeom>
+        </p:spPr>
+      </p:pic>
+      <p:pic>
+        <p:nvPicPr>
+          <p:cNvPr id="8" name="Picture 7">
+            <a:extLst>
+              <a:ext uri="{FF2B5EF4-FFF2-40B4-BE49-F238E27FC236}">
+                <a16:creationId xmlns:a16="http://schemas.microsoft.com/office/drawing/2014/main" id="{2B786FDD-9868-44C0-A890-CA9AFF167533}"/>
+              </a:ext>
+            </a:extLst>
+          </p:cNvPr>
+          <p:cNvPicPr>
+            <a:picLocks noChangeAspect="1"/>
+          </p:cNvPicPr>
+          <p:nvPr/>
+        </p:nvPicPr>
+        <p:blipFill>
+          <a:blip r:embed="rId5"/>
+          <a:stretch>
+            <a:fillRect/>
+          </a:stretch>
+        </p:blipFill>
+        <p:spPr>
+          <a:xfrm>
+            <a:off x="188976" y="1626204"/>
+            <a:ext cx="2174485" cy="1983971"/>
+          </a:xfrm>
+          <a:prstGeom prst="rect">
+            <a:avLst/>
+          </a:prstGeom>
+        </p:spPr>
+      </p:pic>
+      <p:pic>
+        <p:nvPicPr>
+          <p:cNvPr id="10" name="Picture 9">
+            <a:extLst>
+              <a:ext uri="{FF2B5EF4-FFF2-40B4-BE49-F238E27FC236}">
+                <a16:creationId xmlns:a16="http://schemas.microsoft.com/office/drawing/2014/main" id="{EA2BE417-1870-4DEC-B25E-857EC7903C7D}"/>
+              </a:ext>
+            </a:extLst>
+          </p:cNvPr>
+          <p:cNvPicPr>
+            <a:picLocks noChangeAspect="1"/>
+          </p:cNvPicPr>
+          <p:nvPr/>
+        </p:nvPicPr>
+        <p:blipFill>
+          <a:blip r:embed="rId6"/>
+          <a:stretch>
+            <a:fillRect/>
+          </a:stretch>
+        </p:blipFill>
+        <p:spPr>
+          <a:xfrm>
+            <a:off x="188976" y="3719307"/>
+            <a:ext cx="6735115" cy="2400635"/>
+          </a:xfrm>
+          <a:prstGeom prst="rect">
+            <a:avLst/>
+          </a:prstGeom>
+        </p:spPr>
+      </p:pic>
+    </p:spTree>
+    <p:extLst>
+      <p:ext uri="{BB962C8B-B14F-4D97-AF65-F5344CB8AC3E}">
+        <p14:creationId xmlns:p14="http://schemas.microsoft.com/office/powerpoint/2010/main" val="98407624"/>
       </p:ext>
     </p:extLst>
   </p:cSld>
@@ -14974,6 +16936,15 @@
 </file>
 
 <file path=customXml/item1.xml><?xml version="1.0" encoding="utf-8"?>
+<?mso-contentType ?>
+<FormTemplates xmlns="http://schemas.microsoft.com/sharepoint/v3/contenttype/forms">
+  <Display>DocumentLibraryForm</Display>
+  <Edit>DocumentLibraryForm</Edit>
+  <New>DocumentLibraryForm</New>
+</FormTemplates>
+</file>
+
+<file path=customXml/item2.xml><?xml version="1.0" encoding="utf-8"?>
 <ct:contentTypeSchema xmlns:ct="http://schemas.microsoft.com/office/2006/metadata/contentType" xmlns:ma="http://schemas.microsoft.com/office/2006/metadata/properties/metaAttributes" ct:_="" ma:_="" ma:contentTypeName="Document" ma:contentTypeID="0x010100308E40E706C7A346904F58642B7D1969" ma:contentTypeVersion="0" ma:contentTypeDescription="Create a new document." ma:contentTypeScope="" ma:versionID="0ea485b46902d4f7e49967f1b2c25a65">
   <xsd:schema xmlns:xsd="http://www.w3.org/2001/XMLSchema" xmlns:xs="http://www.w3.org/2001/XMLSchema" xmlns:p="http://schemas.microsoft.com/office/2006/metadata/properties" targetNamespace="http://schemas.microsoft.com/office/2006/metadata/properties" ma:root="true" ma:fieldsID="90078a0fe6c183ae62661f67b7399e8a">
     <xsd:element name="properties">
@@ -15087,15 +17058,6 @@
 </ct:contentTypeSchema>
 </file>
 
-<file path=customXml/item2.xml><?xml version="1.0" encoding="utf-8"?>
-<?mso-contentType ?>
-<FormTemplates xmlns="http://schemas.microsoft.com/sharepoint/v3/contenttype/forms">
-  <Display>DocumentLibraryForm</Display>
-  <Edit>DocumentLibraryForm</Edit>
-  <New>DocumentLibraryForm</New>
-</FormTemplates>
-</file>
-
 <file path=customXml/item3.xml><?xml version="1.0" encoding="utf-8"?>
 <p:properties xmlns:p="http://schemas.microsoft.com/office/2006/metadata/properties" xmlns:xsi="http://www.w3.org/2001/XMLSchema-instance" xmlns:pc="http://schemas.microsoft.com/office/infopath/2007/PartnerControls">
   <documentManagement/>
@@ -15103,6 +17065,14 @@
 </file>
 
 <file path=customXml/itemProps1.xml><?xml version="1.0" encoding="utf-8"?>
+<ds:datastoreItem xmlns:ds="http://schemas.openxmlformats.org/officeDocument/2006/customXml" ds:itemID="{A6333066-D95F-4DC9-8F45-8431A5C3C76B}">
+  <ds:schemaRefs>
+    <ds:schemaRef ds:uri="http://schemas.microsoft.com/sharepoint/v3/contenttype/forms"/>
+  </ds:schemaRefs>
+</ds:datastoreItem>
+</file>
+
+<file path=customXml/itemProps2.xml><?xml version="1.0" encoding="utf-8"?>
 <ds:datastoreItem xmlns:ds="http://schemas.openxmlformats.org/officeDocument/2006/customXml" ds:itemID="{08DD32EF-F09C-4573-9C23-B48EA7D5886E}">
   <ds:schemaRefs>
     <ds:schemaRef ds:uri="http://schemas.microsoft.com/office/2006/metadata/contentType"/>
@@ -15114,14 +17084,6 @@
     <ds:schemaRef ds:uri="http://purl.org/dc/terms/"/>
     <ds:schemaRef ds:uri="http://schemas.microsoft.com/internal/obd"/>
     <ds:schemaRef ds:uri="http://schemas.microsoft.com/office/infopath/2007/PartnerControls"/>
-  </ds:schemaRefs>
-</ds:datastoreItem>
-</file>
-
-<file path=customXml/itemProps2.xml><?xml version="1.0" encoding="utf-8"?>
-<ds:datastoreItem xmlns:ds="http://schemas.openxmlformats.org/officeDocument/2006/customXml" ds:itemID="{A6333066-D95F-4DC9-8F45-8431A5C3C76B}">
-  <ds:schemaRefs>
-    <ds:schemaRef ds:uri="http://schemas.microsoft.com/sharepoint/v3/contenttype/forms"/>
   </ds:schemaRefs>
 </ds:datastoreItem>
 </file>

--- a/GitIntro.pptx
+++ b/GitIntro.pptx
@@ -158,7 +158,7 @@
   <pc:docChgLst>
     <pc:chgData name="Will Brooks" userId="d4c2b272-852e-451d-80ba-d2f905b38211" providerId="ADAL" clId="{37A0AFB6-F6CA-4F11-9C33-0D7619B1449C}"/>
     <pc:docChg chg="undo custSel addSld delSld modSld">
-      <pc:chgData name="Will Brooks" userId="d4c2b272-852e-451d-80ba-d2f905b38211" providerId="ADAL" clId="{37A0AFB6-F6CA-4F11-9C33-0D7619B1449C}" dt="2022-09-21T15:25:15.717" v="6745" actId="20577"/>
+      <pc:chgData name="Will Brooks" userId="d4c2b272-852e-451d-80ba-d2f905b38211" providerId="ADAL" clId="{37A0AFB6-F6CA-4F11-9C33-0D7619B1449C}" dt="2022-09-22T08:17:58.751" v="7699" actId="20577"/>
       <pc:docMkLst>
         <pc:docMk/>
       </pc:docMkLst>
@@ -657,11 +657,19 @@
         </pc:picChg>
       </pc:sldChg>
       <pc:sldChg chg="addSp delSp modSp add mod">
-        <pc:chgData name="Will Brooks" userId="d4c2b272-852e-451d-80ba-d2f905b38211" providerId="ADAL" clId="{37A0AFB6-F6CA-4F11-9C33-0D7619B1449C}" dt="2022-09-21T15:24:14.435" v="6658" actId="20577"/>
+        <pc:chgData name="Will Brooks" userId="d4c2b272-852e-451d-80ba-d2f905b38211" providerId="ADAL" clId="{37A0AFB6-F6CA-4F11-9C33-0D7619B1449C}" dt="2022-09-22T08:10:13.867" v="6999" actId="20577"/>
         <pc:sldMkLst>
           <pc:docMk/>
           <pc:sldMk cId="1632702149" sldId="321"/>
         </pc:sldMkLst>
+        <pc:spChg chg="add mod">
+          <ac:chgData name="Will Brooks" userId="d4c2b272-852e-451d-80ba-d2f905b38211" providerId="ADAL" clId="{37A0AFB6-F6CA-4F11-9C33-0D7619B1449C}" dt="2022-09-22T08:10:10.456" v="6996" actId="20577"/>
+          <ac:spMkLst>
+            <pc:docMk/>
+            <pc:sldMk cId="1632702149" sldId="321"/>
+            <ac:spMk id="2" creationId="{112C730F-B8E3-48D8-96DD-B2D963FDE743}"/>
+          </ac:spMkLst>
+        </pc:spChg>
         <pc:spChg chg="del mod">
           <ac:chgData name="Will Brooks" userId="d4c2b272-852e-451d-80ba-d2f905b38211" providerId="ADAL" clId="{37A0AFB6-F6CA-4F11-9C33-0D7619B1449C}" dt="2022-09-21T15:02:28.338" v="6545" actId="478"/>
           <ac:spMkLst>
@@ -676,6 +684,14 @@
             <pc:docMk/>
             <pc:sldMk cId="1632702149" sldId="321"/>
             <ac:spMk id="4" creationId="{42A5EA90-17C9-4BD5-BD0D-74A5419E18C7}"/>
+          </ac:spMkLst>
+        </pc:spChg>
+        <pc:spChg chg="add mod">
+          <ac:chgData name="Will Brooks" userId="d4c2b272-852e-451d-80ba-d2f905b38211" providerId="ADAL" clId="{37A0AFB6-F6CA-4F11-9C33-0D7619B1449C}" dt="2022-09-22T08:10:13.867" v="6999" actId="20577"/>
+          <ac:spMkLst>
+            <pc:docMk/>
+            <pc:sldMk cId="1632702149" sldId="321"/>
+            <ac:spMk id="8" creationId="{41B2D551-8370-4ABD-90B0-59962D4915BC}"/>
           </ac:spMkLst>
         </pc:spChg>
         <pc:picChg chg="add mod">
@@ -696,7 +712,7 @@
         </pc:picChg>
       </pc:sldChg>
       <pc:sldChg chg="addSp delSp modSp add mod">
-        <pc:chgData name="Will Brooks" userId="d4c2b272-852e-451d-80ba-d2f905b38211" providerId="ADAL" clId="{37A0AFB6-F6CA-4F11-9C33-0D7619B1449C}" dt="2022-09-21T15:24:34.658" v="6684" actId="255"/>
+        <pc:chgData name="Will Brooks" userId="d4c2b272-852e-451d-80ba-d2f905b38211" providerId="ADAL" clId="{37A0AFB6-F6CA-4F11-9C33-0D7619B1449C}" dt="2022-09-22T08:12:18.301" v="7141" actId="14100"/>
         <pc:sldMkLst>
           <pc:docMk/>
           <pc:sldMk cId="3909519556" sldId="322"/>
@@ -709,8 +725,48 @@
             <ac:spMk id="4" creationId="{42A5EA90-17C9-4BD5-BD0D-74A5419E18C7}"/>
           </ac:spMkLst>
         </pc:spChg>
+        <pc:spChg chg="add mod">
+          <ac:chgData name="Will Brooks" userId="d4c2b272-852e-451d-80ba-d2f905b38211" providerId="ADAL" clId="{37A0AFB6-F6CA-4F11-9C33-0D7619B1449C}" dt="2022-09-22T08:10:18.934" v="7002" actId="20577"/>
+          <ac:spMkLst>
+            <pc:docMk/>
+            <pc:sldMk cId="3909519556" sldId="322"/>
+            <ac:spMk id="11" creationId="{F720F03E-342D-4381-8F4D-43B3561662A0}"/>
+          </ac:spMkLst>
+        </pc:spChg>
+        <pc:spChg chg="add mod">
+          <ac:chgData name="Will Brooks" userId="d4c2b272-852e-451d-80ba-d2f905b38211" providerId="ADAL" clId="{37A0AFB6-F6CA-4F11-9C33-0D7619B1449C}" dt="2022-09-22T08:10:21.587" v="7005" actId="20577"/>
+          <ac:spMkLst>
+            <pc:docMk/>
+            <pc:sldMk cId="3909519556" sldId="322"/>
+            <ac:spMk id="13" creationId="{9AC92111-7EBB-4255-B2A9-A9F0278CE46B}"/>
+          </ac:spMkLst>
+        </pc:spChg>
+        <pc:spChg chg="add mod">
+          <ac:chgData name="Will Brooks" userId="d4c2b272-852e-451d-80ba-d2f905b38211" providerId="ADAL" clId="{37A0AFB6-F6CA-4F11-9C33-0D7619B1449C}" dt="2022-09-22T08:10:49.997" v="7011" actId="14100"/>
+          <ac:spMkLst>
+            <pc:docMk/>
+            <pc:sldMk cId="3909519556" sldId="322"/>
+            <ac:spMk id="15" creationId="{35C79EAA-B192-46CA-A8B0-C2EA949CB849}"/>
+          </ac:spMkLst>
+        </pc:spChg>
+        <pc:spChg chg="add mod">
+          <ac:chgData name="Will Brooks" userId="d4c2b272-852e-451d-80ba-d2f905b38211" providerId="ADAL" clId="{37A0AFB6-F6CA-4F11-9C33-0D7619B1449C}" dt="2022-09-22T08:11:44.586" v="7086" actId="20577"/>
+          <ac:spMkLst>
+            <pc:docMk/>
+            <pc:sldMk cId="3909519556" sldId="322"/>
+            <ac:spMk id="17" creationId="{1931B312-AB1C-4F0B-9F6F-BAEDE0155D4C}"/>
+          </ac:spMkLst>
+        </pc:spChg>
+        <pc:spChg chg="add mod">
+          <ac:chgData name="Will Brooks" userId="d4c2b272-852e-451d-80ba-d2f905b38211" providerId="ADAL" clId="{37A0AFB6-F6CA-4F11-9C33-0D7619B1449C}" dt="2022-09-22T08:12:18.301" v="7141" actId="14100"/>
+          <ac:spMkLst>
+            <pc:docMk/>
+            <pc:sldMk cId="3909519556" sldId="322"/>
+            <ac:spMk id="18" creationId="{2CB3F09B-1A7D-4587-890E-7DFD87024F9D}"/>
+          </ac:spMkLst>
+        </pc:spChg>
         <pc:picChg chg="add mod">
-          <ac:chgData name="Will Brooks" userId="d4c2b272-852e-451d-80ba-d2f905b38211" providerId="ADAL" clId="{37A0AFB6-F6CA-4F11-9C33-0D7619B1449C}" dt="2022-09-21T15:13:19.743" v="6580" actId="14100"/>
+          <ac:chgData name="Will Brooks" userId="d4c2b272-852e-451d-80ba-d2f905b38211" providerId="ADAL" clId="{37A0AFB6-F6CA-4F11-9C33-0D7619B1449C}" dt="2022-09-22T08:08:18.788" v="6866" actId="14100"/>
           <ac:picMkLst>
             <pc:docMk/>
             <pc:sldMk cId="3909519556" sldId="322"/>
@@ -734,7 +790,7 @@
           </ac:picMkLst>
         </pc:picChg>
         <pc:picChg chg="add mod">
-          <ac:chgData name="Will Brooks" userId="d4c2b272-852e-451d-80ba-d2f905b38211" providerId="ADAL" clId="{37A0AFB6-F6CA-4F11-9C33-0D7619B1449C}" dt="2022-09-21T15:13:22.880" v="6581" actId="14100"/>
+          <ac:chgData name="Will Brooks" userId="d4c2b272-852e-451d-80ba-d2f905b38211" providerId="ADAL" clId="{37A0AFB6-F6CA-4F11-9C33-0D7619B1449C}" dt="2022-09-22T08:08:21.972" v="6867" actId="14100"/>
           <ac:picMkLst>
             <pc:docMk/>
             <pc:sldMk cId="3909519556" sldId="322"/>
@@ -742,7 +798,7 @@
           </ac:picMkLst>
         </pc:picChg>
         <pc:picChg chg="add mod">
-          <ac:chgData name="Will Brooks" userId="d4c2b272-852e-451d-80ba-d2f905b38211" providerId="ADAL" clId="{37A0AFB6-F6CA-4F11-9C33-0D7619B1449C}" dt="2022-09-21T15:13:26.990" v="6582" actId="1076"/>
+          <ac:chgData name="Will Brooks" userId="d4c2b272-852e-451d-80ba-d2f905b38211" providerId="ADAL" clId="{37A0AFB6-F6CA-4F11-9C33-0D7619B1449C}" dt="2022-09-22T08:09:51.349" v="6990" actId="14100"/>
           <ac:picMkLst>
             <pc:docMk/>
             <pc:sldMk cId="3909519556" sldId="322"/>
@@ -750,7 +806,7 @@
           </ac:picMkLst>
         </pc:picChg>
         <pc:picChg chg="add mod">
-          <ac:chgData name="Will Brooks" userId="d4c2b272-852e-451d-80ba-d2f905b38211" providerId="ADAL" clId="{37A0AFB6-F6CA-4F11-9C33-0D7619B1449C}" dt="2022-09-21T15:13:30.822" v="6583" actId="1076"/>
+          <ac:chgData name="Will Brooks" userId="d4c2b272-852e-451d-80ba-d2f905b38211" providerId="ADAL" clId="{37A0AFB6-F6CA-4F11-9C33-0D7619B1449C}" dt="2022-09-22T08:09:54.308" v="6991" actId="14100"/>
           <ac:picMkLst>
             <pc:docMk/>
             <pc:sldMk cId="3909519556" sldId="322"/>
@@ -758,7 +814,7 @@
           </ac:picMkLst>
         </pc:picChg>
         <pc:picChg chg="add mod">
-          <ac:chgData name="Will Brooks" userId="d4c2b272-852e-451d-80ba-d2f905b38211" providerId="ADAL" clId="{37A0AFB6-F6CA-4F11-9C33-0D7619B1449C}" dt="2022-09-21T15:13:34.303" v="6584" actId="1076"/>
+          <ac:chgData name="Will Brooks" userId="d4c2b272-852e-451d-80ba-d2f905b38211" providerId="ADAL" clId="{37A0AFB6-F6CA-4F11-9C33-0D7619B1449C}" dt="2022-09-22T08:11:50.548" v="7087" actId="14100"/>
           <ac:picMkLst>
             <pc:docMk/>
             <pc:sldMk cId="3909519556" sldId="322"/>
@@ -767,7 +823,7 @@
         </pc:picChg>
       </pc:sldChg>
       <pc:sldChg chg="addSp modSp add mod">
-        <pc:chgData name="Will Brooks" userId="d4c2b272-852e-451d-80ba-d2f905b38211" providerId="ADAL" clId="{37A0AFB6-F6CA-4F11-9C33-0D7619B1449C}" dt="2022-09-21T15:24:48.629" v="6709" actId="20577"/>
+        <pc:chgData name="Will Brooks" userId="d4c2b272-852e-451d-80ba-d2f905b38211" providerId="ADAL" clId="{37A0AFB6-F6CA-4F11-9C33-0D7619B1449C}" dt="2022-09-22T08:14:08.001" v="7313" actId="20577"/>
         <pc:sldMkLst>
           <pc:docMk/>
           <pc:sldMk cId="98407624" sldId="323"/>
@@ -778,6 +834,30 @@
             <pc:docMk/>
             <pc:sldMk cId="98407624" sldId="323"/>
             <ac:spMk id="4" creationId="{42A5EA90-17C9-4BD5-BD0D-74A5419E18C7}"/>
+          </ac:spMkLst>
+        </pc:spChg>
+        <pc:spChg chg="add mod">
+          <ac:chgData name="Will Brooks" userId="d4c2b272-852e-451d-80ba-d2f905b38211" providerId="ADAL" clId="{37A0AFB6-F6CA-4F11-9C33-0D7619B1449C}" dt="2022-09-22T08:12:58.118" v="7199" actId="20577"/>
+          <ac:spMkLst>
+            <pc:docMk/>
+            <pc:sldMk cId="98407624" sldId="323"/>
+            <ac:spMk id="9" creationId="{EB6E1195-F03C-4D26-B8CC-E97C1D419112}"/>
+          </ac:spMkLst>
+        </pc:spChg>
+        <pc:spChg chg="add mod">
+          <ac:chgData name="Will Brooks" userId="d4c2b272-852e-451d-80ba-d2f905b38211" providerId="ADAL" clId="{37A0AFB6-F6CA-4F11-9C33-0D7619B1449C}" dt="2022-09-22T08:13:36.532" v="7256" actId="14100"/>
+          <ac:spMkLst>
+            <pc:docMk/>
+            <pc:sldMk cId="98407624" sldId="323"/>
+            <ac:spMk id="11" creationId="{32F1990D-C26F-4050-957A-3FF8640573A8}"/>
+          </ac:spMkLst>
+        </pc:spChg>
+        <pc:spChg chg="add mod">
+          <ac:chgData name="Will Brooks" userId="d4c2b272-852e-451d-80ba-d2f905b38211" providerId="ADAL" clId="{37A0AFB6-F6CA-4F11-9C33-0D7619B1449C}" dt="2022-09-22T08:14:08.001" v="7313" actId="20577"/>
+          <ac:spMkLst>
+            <pc:docMk/>
+            <pc:sldMk cId="98407624" sldId="323"/>
+            <ac:spMk id="12" creationId="{10CE4C5C-EDFB-4AC2-909C-75EF358030A5}"/>
           </ac:spMkLst>
         </pc:spChg>
         <pc:picChg chg="add mod">
@@ -797,7 +877,7 @@
           </ac:picMkLst>
         </pc:picChg>
         <pc:picChg chg="add mod">
-          <ac:chgData name="Will Brooks" userId="d4c2b272-852e-451d-80ba-d2f905b38211" providerId="ADAL" clId="{37A0AFB6-F6CA-4F11-9C33-0D7619B1449C}" dt="2022-09-21T15:17:01.714" v="6591" actId="1076"/>
+          <ac:chgData name="Will Brooks" userId="d4c2b272-852e-451d-80ba-d2f905b38211" providerId="ADAL" clId="{37A0AFB6-F6CA-4F11-9C33-0D7619B1449C}" dt="2022-09-22T08:13:45.220" v="7259" actId="14100"/>
           <ac:picMkLst>
             <pc:docMk/>
             <pc:sldMk cId="98407624" sldId="323"/>
@@ -806,7 +886,7 @@
         </pc:picChg>
       </pc:sldChg>
       <pc:sldChg chg="addSp modSp add mod">
-        <pc:chgData name="Will Brooks" userId="d4c2b272-852e-451d-80ba-d2f905b38211" providerId="ADAL" clId="{37A0AFB6-F6CA-4F11-9C33-0D7619B1449C}" dt="2022-09-21T15:25:05.340" v="6718" actId="20577"/>
+        <pc:chgData name="Will Brooks" userId="d4c2b272-852e-451d-80ba-d2f905b38211" providerId="ADAL" clId="{37A0AFB6-F6CA-4F11-9C33-0D7619B1449C}" dt="2022-09-22T08:16:57.485" v="7584" actId="14100"/>
         <pc:sldMkLst>
           <pc:docMk/>
           <pc:sldMk cId="3536564236" sldId="324"/>
@@ -817,6 +897,30 @@
             <pc:docMk/>
             <pc:sldMk cId="3536564236" sldId="324"/>
             <ac:spMk id="4" creationId="{42A5EA90-17C9-4BD5-BD0D-74A5419E18C7}"/>
+          </ac:spMkLst>
+        </pc:spChg>
+        <pc:spChg chg="add mod">
+          <ac:chgData name="Will Brooks" userId="d4c2b272-852e-451d-80ba-d2f905b38211" providerId="ADAL" clId="{37A0AFB6-F6CA-4F11-9C33-0D7619B1449C}" dt="2022-09-22T08:14:39.538" v="7358" actId="14100"/>
+          <ac:spMkLst>
+            <pc:docMk/>
+            <pc:sldMk cId="3536564236" sldId="324"/>
+            <ac:spMk id="11" creationId="{36068B4A-281B-4488-A6D2-72F1B78F61D8}"/>
+          </ac:spMkLst>
+        </pc:spChg>
+        <pc:spChg chg="add mod">
+          <ac:chgData name="Will Brooks" userId="d4c2b272-852e-451d-80ba-d2f905b38211" providerId="ADAL" clId="{37A0AFB6-F6CA-4F11-9C33-0D7619B1449C}" dt="2022-09-22T08:15:30.421" v="7431" actId="14100"/>
+          <ac:spMkLst>
+            <pc:docMk/>
+            <pc:sldMk cId="3536564236" sldId="324"/>
+            <ac:spMk id="13" creationId="{13320283-3E53-451B-A752-D810B23061FC}"/>
+          </ac:spMkLst>
+        </pc:spChg>
+        <pc:spChg chg="add mod">
+          <ac:chgData name="Will Brooks" userId="d4c2b272-852e-451d-80ba-d2f905b38211" providerId="ADAL" clId="{37A0AFB6-F6CA-4F11-9C33-0D7619B1449C}" dt="2022-09-22T08:16:57.485" v="7584" actId="14100"/>
+          <ac:spMkLst>
+            <pc:docMk/>
+            <pc:sldMk cId="3536564236" sldId="324"/>
+            <ac:spMk id="15" creationId="{1EE50938-7D05-41BA-A1DE-BA048FF2DC34}"/>
           </ac:spMkLst>
         </pc:spChg>
         <pc:picChg chg="add mod">
@@ -836,7 +940,7 @@
           </ac:picMkLst>
         </pc:picChg>
         <pc:picChg chg="add mod modCrop">
-          <ac:chgData name="Will Brooks" userId="d4c2b272-852e-451d-80ba-d2f905b38211" providerId="ADAL" clId="{37A0AFB6-F6CA-4F11-9C33-0D7619B1449C}" dt="2022-09-21T15:20:03.693" v="6604" actId="1076"/>
+          <ac:chgData name="Will Brooks" userId="d4c2b272-852e-451d-80ba-d2f905b38211" providerId="ADAL" clId="{37A0AFB6-F6CA-4F11-9C33-0D7619B1449C}" dt="2022-09-22T08:14:46.811" v="7359" actId="1076"/>
           <ac:picMkLst>
             <pc:docMk/>
             <pc:sldMk cId="3536564236" sldId="324"/>
@@ -861,7 +965,7 @@
         </pc:picChg>
       </pc:sldChg>
       <pc:sldChg chg="addSp modSp add mod">
-        <pc:chgData name="Will Brooks" userId="d4c2b272-852e-451d-80ba-d2f905b38211" providerId="ADAL" clId="{37A0AFB6-F6CA-4F11-9C33-0D7619B1449C}" dt="2022-09-21T15:25:15.717" v="6745" actId="20577"/>
+        <pc:chgData name="Will Brooks" userId="d4c2b272-852e-451d-80ba-d2f905b38211" providerId="ADAL" clId="{37A0AFB6-F6CA-4F11-9C33-0D7619B1449C}" dt="2022-09-22T08:17:58.751" v="7699" actId="20577"/>
         <pc:sldMkLst>
           <pc:docMk/>
           <pc:sldMk cId="2406069309" sldId="325"/>
@@ -872,6 +976,22 @@
             <pc:docMk/>
             <pc:sldMk cId="2406069309" sldId="325"/>
             <ac:spMk id="4" creationId="{42A5EA90-17C9-4BD5-BD0D-74A5419E18C7}"/>
+          </ac:spMkLst>
+        </pc:spChg>
+        <pc:spChg chg="add mod">
+          <ac:chgData name="Will Brooks" userId="d4c2b272-852e-451d-80ba-d2f905b38211" providerId="ADAL" clId="{37A0AFB6-F6CA-4F11-9C33-0D7619B1449C}" dt="2022-09-22T08:17:32.013" v="7655" actId="14100"/>
+          <ac:spMkLst>
+            <pc:docMk/>
+            <pc:sldMk cId="2406069309" sldId="325"/>
+            <ac:spMk id="7" creationId="{2FD32B8D-BCB9-4C77-AE2B-314419D0041E}"/>
+          </ac:spMkLst>
+        </pc:spChg>
+        <pc:spChg chg="add mod">
+          <ac:chgData name="Will Brooks" userId="d4c2b272-852e-451d-80ba-d2f905b38211" providerId="ADAL" clId="{37A0AFB6-F6CA-4F11-9C33-0D7619B1449C}" dt="2022-09-22T08:17:58.751" v="7699" actId="20577"/>
+          <ac:spMkLst>
+            <pc:docMk/>
+            <pc:sldMk cId="2406069309" sldId="325"/>
+            <ac:spMk id="9" creationId="{C92C4104-CFB6-49CC-93A5-4B32E2983AC1}"/>
           </ac:spMkLst>
         </pc:spChg>
         <pc:picChg chg="add mod">
@@ -978,7 +1098,7 @@
           <a:p>
             <a:fld id="{1790A331-7ADD-4391-8CA5-606C9BFD26F5}" type="datetimeFigureOut">
               <a:rPr lang="en-GB" smtClean="0"/>
-              <a:t>21/09/2022</a:t>
+              <a:t>22/09/2022</a:t>
             </a:fld>
             <a:endParaRPr lang="en-GB" dirty="0"/>
           </a:p>
@@ -1147,7 +1267,7 @@
           <a:p>
             <a:fld id="{002AE991-F138-4FD8-982E-957F3CA6A0F6}" type="datetimeFigureOut">
               <a:rPr lang="en-GB" smtClean="0"/>
-              <a:t>21/09/2022</a:t>
+              <a:t>22/09/2022</a:t>
             </a:fld>
             <a:endParaRPr lang="en-GB" dirty="0"/>
           </a:p>
@@ -13648,7 +13768,7 @@
         </p:blipFill>
         <p:spPr>
           <a:xfrm>
-            <a:off x="7155720" y="2121167"/>
+            <a:off x="7155720" y="1769155"/>
             <a:ext cx="1748265" cy="1761448"/>
           </a:xfrm>
           <a:prstGeom prst="rect">
@@ -13716,6 +13836,119 @@
           </a:prstGeom>
         </p:spPr>
       </p:pic>
+      <p:sp>
+        <p:nvSpPr>
+          <p:cNvPr id="11" name="TextBox 10">
+            <a:extLst>
+              <a:ext uri="{FF2B5EF4-FFF2-40B4-BE49-F238E27FC236}">
+                <a16:creationId xmlns:a16="http://schemas.microsoft.com/office/drawing/2014/main" id="{36068B4A-281B-4488-A6D2-72F1B78F61D8}"/>
+              </a:ext>
+            </a:extLst>
+          </p:cNvPr>
+          <p:cNvSpPr txBox="1"/>
+          <p:nvPr/>
+        </p:nvSpPr>
+        <p:spPr>
+          <a:xfrm>
+            <a:off x="5703073" y="1377344"/>
+            <a:ext cx="2605658" cy="307777"/>
+          </a:xfrm>
+          <a:prstGeom prst="rect">
+            <a:avLst/>
+          </a:prstGeom>
+          <a:noFill/>
+        </p:spPr>
+        <p:txBody>
+          <a:bodyPr wrap="square" rtlCol="0">
+            <a:spAutoFit/>
+          </a:bodyPr>
+          <a:lstStyle/>
+          <a:p>
+            <a:r>
+              <a:rPr lang="en-GB" sz="1400" dirty="0"/>
+              <a:t>12. Check log to see commits</a:t>
+            </a:r>
+          </a:p>
+        </p:txBody>
+      </p:sp>
+      <p:sp>
+        <p:nvSpPr>
+          <p:cNvPr id="13" name="TextBox 12">
+            <a:extLst>
+              <a:ext uri="{FF2B5EF4-FFF2-40B4-BE49-F238E27FC236}">
+                <a16:creationId xmlns:a16="http://schemas.microsoft.com/office/drawing/2014/main" id="{13320283-3E53-451B-A752-D810B23061FC}"/>
+              </a:ext>
+            </a:extLst>
+          </p:cNvPr>
+          <p:cNvSpPr txBox="1"/>
+          <p:nvPr/>
+        </p:nvSpPr>
+        <p:spPr>
+          <a:xfrm>
+            <a:off x="188976" y="3585692"/>
+            <a:ext cx="5024862" cy="307777"/>
+          </a:xfrm>
+          <a:prstGeom prst="rect">
+            <a:avLst/>
+          </a:prstGeom>
+          <a:noFill/>
+        </p:spPr>
+        <p:txBody>
+          <a:bodyPr wrap="square" rtlCol="0">
+            <a:spAutoFit/>
+          </a:bodyPr>
+          <a:lstStyle/>
+          <a:p>
+            <a:r>
+              <a:rPr lang="en-GB" sz="1400" dirty="0"/>
+              <a:t>13. Move back to Master branch, see that the file is ‘as was’</a:t>
+            </a:r>
+          </a:p>
+        </p:txBody>
+      </p:sp>
+      <p:sp>
+        <p:nvSpPr>
+          <p:cNvPr id="15" name="TextBox 14">
+            <a:extLst>
+              <a:ext uri="{FF2B5EF4-FFF2-40B4-BE49-F238E27FC236}">
+                <a16:creationId xmlns:a16="http://schemas.microsoft.com/office/drawing/2014/main" id="{1EE50938-7D05-41BA-A1DE-BA048FF2DC34}"/>
+              </a:ext>
+            </a:extLst>
+          </p:cNvPr>
+          <p:cNvSpPr txBox="1"/>
+          <p:nvPr/>
+        </p:nvSpPr>
+        <p:spPr>
+          <a:xfrm>
+            <a:off x="188975" y="5566700"/>
+            <a:ext cx="6287377" cy="523220"/>
+          </a:xfrm>
+          <a:prstGeom prst="rect">
+            <a:avLst/>
+          </a:prstGeom>
+          <a:noFill/>
+        </p:spPr>
+        <p:txBody>
+          <a:bodyPr wrap="square" rtlCol="0">
+            <a:spAutoFit/>
+          </a:bodyPr>
+          <a:lstStyle/>
+          <a:p>
+            <a:r>
+              <a:rPr lang="en-GB" sz="1400" dirty="0"/>
+              <a:t>14. Merge Master with </a:t>
+            </a:r>
+            <a:r>
+              <a:rPr lang="en-GB" sz="1400" dirty="0" err="1"/>
+              <a:t>edit_branch</a:t>
+            </a:r>
+            <a:r>
+              <a:rPr lang="en-GB" sz="1400" dirty="0"/>
+              <a:t>, updating the initial file with the changes on-branch</a:t>
+            </a:r>
+          </a:p>
+        </p:txBody>
+      </p:sp>
     </p:spTree>
     <p:extLst>
       <p:ext uri="{BB962C8B-B14F-4D97-AF65-F5344CB8AC3E}">
@@ -13910,6 +14143,76 @@
           </a:prstGeom>
         </p:spPr>
       </p:pic>
+      <p:sp>
+        <p:nvSpPr>
+          <p:cNvPr id="7" name="TextBox 6">
+            <a:extLst>
+              <a:ext uri="{FF2B5EF4-FFF2-40B4-BE49-F238E27FC236}">
+                <a16:creationId xmlns:a16="http://schemas.microsoft.com/office/drawing/2014/main" id="{2FD32B8D-BCB9-4C77-AE2B-314419D0041E}"/>
+              </a:ext>
+            </a:extLst>
+          </p:cNvPr>
+          <p:cNvSpPr txBox="1"/>
+          <p:nvPr/>
+        </p:nvSpPr>
+        <p:spPr>
+          <a:xfrm>
+            <a:off x="6581142" y="2099093"/>
+            <a:ext cx="2373881" cy="738664"/>
+          </a:xfrm>
+          <a:prstGeom prst="rect">
+            <a:avLst/>
+          </a:prstGeom>
+          <a:noFill/>
+        </p:spPr>
+        <p:txBody>
+          <a:bodyPr wrap="square" rtlCol="0">
+            <a:spAutoFit/>
+          </a:bodyPr>
+          <a:lstStyle/>
+          <a:p>
+            <a:r>
+              <a:rPr lang="en-GB" sz="1400" dirty="0"/>
+              <a:t>15. Push these changes, from both branches, to the remote repo</a:t>
+            </a:r>
+          </a:p>
+        </p:txBody>
+      </p:sp>
+      <p:sp>
+        <p:nvSpPr>
+          <p:cNvPr id="9" name="TextBox 8">
+            <a:extLst>
+              <a:ext uri="{FF2B5EF4-FFF2-40B4-BE49-F238E27FC236}">
+                <a16:creationId xmlns:a16="http://schemas.microsoft.com/office/drawing/2014/main" id="{C92C4104-CFB6-49CC-93A5-4B32E2983AC1}"/>
+              </a:ext>
+            </a:extLst>
+          </p:cNvPr>
+          <p:cNvSpPr txBox="1"/>
+          <p:nvPr/>
+        </p:nvSpPr>
+        <p:spPr>
+          <a:xfrm>
+            <a:off x="7414413" y="4296143"/>
+            <a:ext cx="1382318" cy="738664"/>
+          </a:xfrm>
+          <a:prstGeom prst="rect">
+            <a:avLst/>
+          </a:prstGeom>
+          <a:noFill/>
+        </p:spPr>
+        <p:txBody>
+          <a:bodyPr wrap="square" rtlCol="0">
+            <a:spAutoFit/>
+          </a:bodyPr>
+          <a:lstStyle/>
+          <a:p>
+            <a:r>
+              <a:rPr lang="en-GB" sz="1400" dirty="0"/>
+              <a:t>16. Check the changes have been made</a:t>
+            </a:r>
+          </a:p>
+        </p:txBody>
+      </p:sp>
     </p:spTree>
     <p:extLst>
       <p:ext uri="{BB962C8B-B14F-4D97-AF65-F5344CB8AC3E}">
@@ -15583,6 +15886,76 @@
           </a:prstGeom>
         </p:spPr>
       </p:pic>
+      <p:sp>
+        <p:nvSpPr>
+          <p:cNvPr id="2" name="TextBox 1">
+            <a:extLst>
+              <a:ext uri="{FF2B5EF4-FFF2-40B4-BE49-F238E27FC236}">
+                <a16:creationId xmlns:a16="http://schemas.microsoft.com/office/drawing/2014/main" id="{112C730F-B8E3-48D8-96DD-B2D963FDE743}"/>
+              </a:ext>
+            </a:extLst>
+          </p:cNvPr>
+          <p:cNvSpPr txBox="1"/>
+          <p:nvPr/>
+        </p:nvSpPr>
+        <p:spPr>
+          <a:xfrm>
+            <a:off x="5372100" y="1288865"/>
+            <a:ext cx="2250830" cy="523220"/>
+          </a:xfrm>
+          <a:prstGeom prst="rect">
+            <a:avLst/>
+          </a:prstGeom>
+          <a:noFill/>
+        </p:spPr>
+        <p:txBody>
+          <a:bodyPr wrap="square" rtlCol="0">
+            <a:spAutoFit/>
+          </a:bodyPr>
+          <a:lstStyle/>
+          <a:p>
+            <a:r>
+              <a:rPr lang="en-GB" sz="1400" dirty="0"/>
+              <a:t>1. Creating Local Repository</a:t>
+            </a:r>
+          </a:p>
+        </p:txBody>
+      </p:sp>
+      <p:sp>
+        <p:nvSpPr>
+          <p:cNvPr id="8" name="TextBox 7">
+            <a:extLst>
+              <a:ext uri="{FF2B5EF4-FFF2-40B4-BE49-F238E27FC236}">
+                <a16:creationId xmlns:a16="http://schemas.microsoft.com/office/drawing/2014/main" id="{41B2D551-8370-4ABD-90B0-59962D4915BC}"/>
+              </a:ext>
+            </a:extLst>
+          </p:cNvPr>
+          <p:cNvSpPr txBox="1"/>
+          <p:nvPr/>
+        </p:nvSpPr>
+        <p:spPr>
+          <a:xfrm>
+            <a:off x="3212123" y="5230520"/>
+            <a:ext cx="2250830" cy="738664"/>
+          </a:xfrm>
+          <a:prstGeom prst="rect">
+            <a:avLst/>
+          </a:prstGeom>
+          <a:noFill/>
+        </p:spPr>
+        <p:txBody>
+          <a:bodyPr wrap="square" rtlCol="0">
+            <a:spAutoFit/>
+          </a:bodyPr>
+          <a:lstStyle/>
+          <a:p>
+            <a:r>
+              <a:rPr lang="en-GB" sz="1400" dirty="0"/>
+              <a:t>2. Initialising Repository and Creating global User name/email</a:t>
+            </a:r>
+          </a:p>
+        </p:txBody>
+      </p:sp>
     </p:spTree>
     <p:extLst>
       <p:ext uri="{BB962C8B-B14F-4D97-AF65-F5344CB8AC3E}">
@@ -15740,7 +16113,7 @@
         <p:spPr>
           <a:xfrm>
             <a:off x="188976" y="831106"/>
-            <a:ext cx="2545432" cy="2052772"/>
+            <a:ext cx="2545432" cy="1795599"/>
           </a:xfrm>
           <a:prstGeom prst="rect">
             <a:avLst/>
@@ -15769,8 +16142,8 @@
         </p:blipFill>
         <p:spPr>
           <a:xfrm>
-            <a:off x="4337870" y="1088279"/>
-            <a:ext cx="4383141" cy="1795599"/>
+            <a:off x="4337870" y="1088280"/>
+            <a:ext cx="4383141" cy="1538426"/>
           </a:xfrm>
           <a:prstGeom prst="rect">
             <a:avLst/>
@@ -15800,7 +16173,7 @@
         <p:spPr>
           <a:xfrm>
             <a:off x="188976" y="3153956"/>
-            <a:ext cx="3908239" cy="2253419"/>
+            <a:ext cx="3908239" cy="1795599"/>
           </a:xfrm>
           <a:prstGeom prst="rect">
             <a:avLst/>
@@ -15830,7 +16203,7 @@
         <p:spPr>
           <a:xfrm>
             <a:off x="4337871" y="3141052"/>
-            <a:ext cx="4383141" cy="2253419"/>
+            <a:ext cx="4383141" cy="1808503"/>
           </a:xfrm>
           <a:prstGeom prst="rect">
             <a:avLst/>
@@ -15859,14 +16232,189 @@
         </p:blipFill>
         <p:spPr>
           <a:xfrm>
-            <a:off x="1357708" y="5519220"/>
-            <a:ext cx="5960323" cy="702373"/>
+            <a:off x="2066193" y="5519221"/>
+            <a:ext cx="4383142" cy="523220"/>
           </a:xfrm>
           <a:prstGeom prst="rect">
             <a:avLst/>
           </a:prstGeom>
         </p:spPr>
       </p:pic>
+      <p:sp>
+        <p:nvSpPr>
+          <p:cNvPr id="11" name="TextBox 10">
+            <a:extLst>
+              <a:ext uri="{FF2B5EF4-FFF2-40B4-BE49-F238E27FC236}">
+                <a16:creationId xmlns:a16="http://schemas.microsoft.com/office/drawing/2014/main" id="{F720F03E-342D-4381-8F4D-43B3561662A0}"/>
+              </a:ext>
+            </a:extLst>
+          </p:cNvPr>
+          <p:cNvSpPr txBox="1"/>
+          <p:nvPr/>
+        </p:nvSpPr>
+        <p:spPr>
+          <a:xfrm>
+            <a:off x="232293" y="2659141"/>
+            <a:ext cx="2422984" cy="523220"/>
+          </a:xfrm>
+          <a:prstGeom prst="rect">
+            <a:avLst/>
+          </a:prstGeom>
+          <a:noFill/>
+        </p:spPr>
+        <p:txBody>
+          <a:bodyPr wrap="square" rtlCol="0">
+            <a:spAutoFit/>
+          </a:bodyPr>
+          <a:lstStyle/>
+          <a:p>
+            <a:r>
+              <a:rPr lang="en-GB" sz="1400" dirty="0"/>
+              <a:t>3. Create first file for repository</a:t>
+            </a:r>
+          </a:p>
+        </p:txBody>
+      </p:sp>
+      <p:sp>
+        <p:nvSpPr>
+          <p:cNvPr id="13" name="TextBox 12">
+            <a:extLst>
+              <a:ext uri="{FF2B5EF4-FFF2-40B4-BE49-F238E27FC236}">
+                <a16:creationId xmlns:a16="http://schemas.microsoft.com/office/drawing/2014/main" id="{9AC92111-7EBB-4255-B2A9-A9F0278CE46B}"/>
+              </a:ext>
+            </a:extLst>
+          </p:cNvPr>
+          <p:cNvSpPr txBox="1"/>
+          <p:nvPr/>
+        </p:nvSpPr>
+        <p:spPr>
+          <a:xfrm>
+            <a:off x="4337871" y="2659141"/>
+            <a:ext cx="4032406" cy="523220"/>
+          </a:xfrm>
+          <a:prstGeom prst="rect">
+            <a:avLst/>
+          </a:prstGeom>
+          <a:noFill/>
+        </p:spPr>
+        <p:txBody>
+          <a:bodyPr wrap="square" rtlCol="0">
+            <a:spAutoFit/>
+          </a:bodyPr>
+          <a:lstStyle/>
+          <a:p>
+            <a:r>
+              <a:rPr lang="en-GB" sz="1400" dirty="0"/>
+              <a:t>4. Check status, add and commit file with message</a:t>
+            </a:r>
+          </a:p>
+        </p:txBody>
+      </p:sp>
+      <p:sp>
+        <p:nvSpPr>
+          <p:cNvPr id="15" name="TextBox 14">
+            <a:extLst>
+              <a:ext uri="{FF2B5EF4-FFF2-40B4-BE49-F238E27FC236}">
+                <a16:creationId xmlns:a16="http://schemas.microsoft.com/office/drawing/2014/main" id="{35C79EAA-B192-46CA-A8B0-C2EA949CB849}"/>
+              </a:ext>
+            </a:extLst>
+          </p:cNvPr>
+          <p:cNvSpPr txBox="1"/>
+          <p:nvPr/>
+        </p:nvSpPr>
+        <p:spPr>
+          <a:xfrm>
+            <a:off x="188976" y="5059052"/>
+            <a:ext cx="2967462" cy="307777"/>
+          </a:xfrm>
+          <a:prstGeom prst="rect">
+            <a:avLst/>
+          </a:prstGeom>
+          <a:noFill/>
+        </p:spPr>
+        <p:txBody>
+          <a:bodyPr wrap="square" rtlCol="0">
+            <a:spAutoFit/>
+          </a:bodyPr>
+          <a:lstStyle/>
+          <a:p>
+            <a:r>
+              <a:rPr lang="en-GB" sz="1400" dirty="0"/>
+              <a:t>5. Create ‘remote’ repo on GitHub</a:t>
+            </a:r>
+          </a:p>
+        </p:txBody>
+      </p:sp>
+      <p:sp>
+        <p:nvSpPr>
+          <p:cNvPr id="17" name="TextBox 16">
+            <a:extLst>
+              <a:ext uri="{FF2B5EF4-FFF2-40B4-BE49-F238E27FC236}">
+                <a16:creationId xmlns:a16="http://schemas.microsoft.com/office/drawing/2014/main" id="{1931B312-AB1C-4F0B-9F6F-BAEDE0155D4C}"/>
+              </a:ext>
+            </a:extLst>
+          </p:cNvPr>
+          <p:cNvSpPr txBox="1"/>
+          <p:nvPr/>
+        </p:nvSpPr>
+        <p:spPr>
+          <a:xfrm>
+            <a:off x="4333046" y="5012885"/>
+            <a:ext cx="4621977" cy="307777"/>
+          </a:xfrm>
+          <a:prstGeom prst="rect">
+            <a:avLst/>
+          </a:prstGeom>
+          <a:noFill/>
+        </p:spPr>
+        <p:txBody>
+          <a:bodyPr wrap="square" rtlCol="0">
+            <a:spAutoFit/>
+          </a:bodyPr>
+          <a:lstStyle/>
+          <a:p>
+            <a:r>
+              <a:rPr lang="en-GB" sz="1400" dirty="0"/>
+              <a:t>6. Connect local and remote repos, push files</a:t>
+            </a:r>
+          </a:p>
+        </p:txBody>
+      </p:sp>
+      <p:sp>
+        <p:nvSpPr>
+          <p:cNvPr id="18" name="TextBox 17">
+            <a:extLst>
+              <a:ext uri="{FF2B5EF4-FFF2-40B4-BE49-F238E27FC236}">
+                <a16:creationId xmlns:a16="http://schemas.microsoft.com/office/drawing/2014/main" id="{2CB3F09B-1A7D-4587-890E-7DFD87024F9D}"/>
+              </a:ext>
+            </a:extLst>
+          </p:cNvPr>
+          <p:cNvSpPr txBox="1"/>
+          <p:nvPr/>
+        </p:nvSpPr>
+        <p:spPr>
+          <a:xfrm>
+            <a:off x="232293" y="6034052"/>
+            <a:ext cx="3618738" cy="307777"/>
+          </a:xfrm>
+          <a:prstGeom prst="rect">
+            <a:avLst/>
+          </a:prstGeom>
+          <a:noFill/>
+        </p:spPr>
+        <p:txBody>
+          <a:bodyPr wrap="square" rtlCol="0">
+            <a:spAutoFit/>
+          </a:bodyPr>
+          <a:lstStyle/>
+          <a:p>
+            <a:r>
+              <a:rPr lang="en-GB" sz="1400" dirty="0"/>
+              <a:t>7. Check GitHub to see files and branches</a:t>
+            </a:r>
+          </a:p>
+        </p:txBody>
+      </p:sp>
     </p:spTree>
     <p:extLst>
       <p:ext uri="{BB962C8B-B14F-4D97-AF65-F5344CB8AC3E}">
@@ -16084,13 +16632,118 @@
         <p:spPr>
           <a:xfrm>
             <a:off x="188976" y="3719307"/>
-            <a:ext cx="6735115" cy="2400635"/>
+            <a:ext cx="6449325" cy="2400635"/>
           </a:xfrm>
           <a:prstGeom prst="rect">
             <a:avLst/>
           </a:prstGeom>
         </p:spPr>
       </p:pic>
+      <p:sp>
+        <p:nvSpPr>
+          <p:cNvPr id="9" name="TextBox 8">
+            <a:extLst>
+              <a:ext uri="{FF2B5EF4-FFF2-40B4-BE49-F238E27FC236}">
+                <a16:creationId xmlns:a16="http://schemas.microsoft.com/office/drawing/2014/main" id="{EB6E1195-F03C-4D26-B8CC-E97C1D419112}"/>
+              </a:ext>
+            </a:extLst>
+          </p:cNvPr>
+          <p:cNvSpPr txBox="1"/>
+          <p:nvPr/>
+        </p:nvSpPr>
+        <p:spPr>
+          <a:xfrm>
+            <a:off x="6638301" y="1036561"/>
+            <a:ext cx="2422984" cy="523220"/>
+          </a:xfrm>
+          <a:prstGeom prst="rect">
+            <a:avLst/>
+          </a:prstGeom>
+          <a:noFill/>
+        </p:spPr>
+        <p:txBody>
+          <a:bodyPr wrap="square" rtlCol="0">
+            <a:spAutoFit/>
+          </a:bodyPr>
+          <a:lstStyle/>
+          <a:p>
+            <a:r>
+              <a:rPr lang="en-GB" sz="1400" dirty="0"/>
+              <a:t>8. Create and move to new branch</a:t>
+            </a:r>
+          </a:p>
+        </p:txBody>
+      </p:sp>
+      <p:sp>
+        <p:nvSpPr>
+          <p:cNvPr id="11" name="TextBox 10">
+            <a:extLst>
+              <a:ext uri="{FF2B5EF4-FFF2-40B4-BE49-F238E27FC236}">
+                <a16:creationId xmlns:a16="http://schemas.microsoft.com/office/drawing/2014/main" id="{32F1990D-C26F-4050-957A-3FF8640573A8}"/>
+              </a:ext>
+            </a:extLst>
+          </p:cNvPr>
+          <p:cNvSpPr txBox="1"/>
+          <p:nvPr/>
+        </p:nvSpPr>
+        <p:spPr>
+          <a:xfrm>
+            <a:off x="3168269" y="2356579"/>
+            <a:ext cx="3587761" cy="307777"/>
+          </a:xfrm>
+          <a:prstGeom prst="rect">
+            <a:avLst/>
+          </a:prstGeom>
+          <a:noFill/>
+        </p:spPr>
+        <p:txBody>
+          <a:bodyPr wrap="square" rtlCol="0">
+            <a:spAutoFit/>
+          </a:bodyPr>
+          <a:lstStyle/>
+          <a:p>
+            <a:r>
+              <a:rPr lang="en-GB" sz="1400" dirty="0"/>
+              <a:t>9. Edit file within the new branch and save</a:t>
+            </a:r>
+          </a:p>
+        </p:txBody>
+      </p:sp>
+      <p:sp>
+        <p:nvSpPr>
+          <p:cNvPr id="12" name="TextBox 11">
+            <a:extLst>
+              <a:ext uri="{FF2B5EF4-FFF2-40B4-BE49-F238E27FC236}">
+                <a16:creationId xmlns:a16="http://schemas.microsoft.com/office/drawing/2014/main" id="{10CE4C5C-EDFB-4AC2-909C-75EF358030A5}"/>
+              </a:ext>
+            </a:extLst>
+          </p:cNvPr>
+          <p:cNvSpPr txBox="1"/>
+          <p:nvPr/>
+        </p:nvSpPr>
+        <p:spPr>
+          <a:xfrm>
+            <a:off x="6638301" y="4660971"/>
+            <a:ext cx="2422984" cy="738664"/>
+          </a:xfrm>
+          <a:prstGeom prst="rect">
+            <a:avLst/>
+          </a:prstGeom>
+          <a:noFill/>
+        </p:spPr>
+        <p:txBody>
+          <a:bodyPr wrap="square" rtlCol="0">
+            <a:spAutoFit/>
+          </a:bodyPr>
+          <a:lstStyle/>
+          <a:p>
+            <a:r>
+              <a:rPr lang="en-GB" sz="1400" dirty="0"/>
+              <a:t>10. Check status, add changes and commit with message</a:t>
+            </a:r>
+          </a:p>
+        </p:txBody>
+      </p:sp>
     </p:spTree>
     <p:extLst>
       <p:ext uri="{BB962C8B-B14F-4D97-AF65-F5344CB8AC3E}">
@@ -16936,15 +17589,6 @@
 </file>
 
 <file path=customXml/item1.xml><?xml version="1.0" encoding="utf-8"?>
-<?mso-contentType ?>
-<FormTemplates xmlns="http://schemas.microsoft.com/sharepoint/v3/contenttype/forms">
-  <Display>DocumentLibraryForm</Display>
-  <Edit>DocumentLibraryForm</Edit>
-  <New>DocumentLibraryForm</New>
-</FormTemplates>
-</file>
-
-<file path=customXml/item2.xml><?xml version="1.0" encoding="utf-8"?>
 <ct:contentTypeSchema xmlns:ct="http://schemas.microsoft.com/office/2006/metadata/contentType" xmlns:ma="http://schemas.microsoft.com/office/2006/metadata/properties/metaAttributes" ct:_="" ma:_="" ma:contentTypeName="Document" ma:contentTypeID="0x010100308E40E706C7A346904F58642B7D1969" ma:contentTypeVersion="0" ma:contentTypeDescription="Create a new document." ma:contentTypeScope="" ma:versionID="0ea485b46902d4f7e49967f1b2c25a65">
   <xsd:schema xmlns:xsd="http://www.w3.org/2001/XMLSchema" xmlns:xs="http://www.w3.org/2001/XMLSchema" xmlns:p="http://schemas.microsoft.com/office/2006/metadata/properties" targetNamespace="http://schemas.microsoft.com/office/2006/metadata/properties" ma:root="true" ma:fieldsID="90078a0fe6c183ae62661f67b7399e8a">
     <xsd:element name="properties">
@@ -17058,6 +17702,15 @@
 </ct:contentTypeSchema>
 </file>
 
+<file path=customXml/item2.xml><?xml version="1.0" encoding="utf-8"?>
+<?mso-contentType ?>
+<FormTemplates xmlns="http://schemas.microsoft.com/sharepoint/v3/contenttype/forms">
+  <Display>DocumentLibraryForm</Display>
+  <Edit>DocumentLibraryForm</Edit>
+  <New>DocumentLibraryForm</New>
+</FormTemplates>
+</file>
+
 <file path=customXml/item3.xml><?xml version="1.0" encoding="utf-8"?>
 <p:properties xmlns:p="http://schemas.microsoft.com/office/2006/metadata/properties" xmlns:xsi="http://www.w3.org/2001/XMLSchema-instance" xmlns:pc="http://schemas.microsoft.com/office/infopath/2007/PartnerControls">
   <documentManagement/>
@@ -17065,14 +17718,6 @@
 </file>
 
 <file path=customXml/itemProps1.xml><?xml version="1.0" encoding="utf-8"?>
-<ds:datastoreItem xmlns:ds="http://schemas.openxmlformats.org/officeDocument/2006/customXml" ds:itemID="{A6333066-D95F-4DC9-8F45-8431A5C3C76B}">
-  <ds:schemaRefs>
-    <ds:schemaRef ds:uri="http://schemas.microsoft.com/sharepoint/v3/contenttype/forms"/>
-  </ds:schemaRefs>
-</ds:datastoreItem>
-</file>
-
-<file path=customXml/itemProps2.xml><?xml version="1.0" encoding="utf-8"?>
 <ds:datastoreItem xmlns:ds="http://schemas.openxmlformats.org/officeDocument/2006/customXml" ds:itemID="{08DD32EF-F09C-4573-9C23-B48EA7D5886E}">
   <ds:schemaRefs>
     <ds:schemaRef ds:uri="http://schemas.microsoft.com/office/2006/metadata/contentType"/>
@@ -17084,6 +17729,14 @@
     <ds:schemaRef ds:uri="http://purl.org/dc/terms/"/>
     <ds:schemaRef ds:uri="http://schemas.microsoft.com/internal/obd"/>
     <ds:schemaRef ds:uri="http://schemas.microsoft.com/office/infopath/2007/PartnerControls"/>
+  </ds:schemaRefs>
+</ds:datastoreItem>
+</file>
+
+<file path=customXml/itemProps2.xml><?xml version="1.0" encoding="utf-8"?>
+<ds:datastoreItem xmlns:ds="http://schemas.openxmlformats.org/officeDocument/2006/customXml" ds:itemID="{A6333066-D95F-4DC9-8F45-8431A5C3C76B}">
+  <ds:schemaRefs>
+    <ds:schemaRef ds:uri="http://schemas.microsoft.com/sharepoint/v3/contenttype/forms"/>
   </ds:schemaRefs>
 </ds:datastoreItem>
 </file>

--- a/GitIntro.pptx
+++ b/GitIntro.pptx
@@ -158,7 +158,7 @@
   <pc:docChgLst>
     <pc:chgData name="Will Brooks" userId="d4c2b272-852e-451d-80ba-d2f905b38211" providerId="ADAL" clId="{37A0AFB6-F6CA-4F11-9C33-0D7619B1449C}"/>
     <pc:docChg chg="undo custSel addSld delSld modSld">
-      <pc:chgData name="Will Brooks" userId="d4c2b272-852e-451d-80ba-d2f905b38211" providerId="ADAL" clId="{37A0AFB6-F6CA-4F11-9C33-0D7619B1449C}" dt="2022-09-22T08:17:58.751" v="7699" actId="20577"/>
+      <pc:chgData name="Will Brooks" userId="d4c2b272-852e-451d-80ba-d2f905b38211" providerId="ADAL" clId="{37A0AFB6-F6CA-4F11-9C33-0D7619B1449C}" dt="2022-09-22T10:35:20.565" v="7742" actId="20577"/>
       <pc:docMkLst>
         <pc:docMk/>
       </pc:docMkLst>
@@ -502,13 +502,13 @@
         </pc:sldMkLst>
       </pc:sldChg>
       <pc:sldChg chg="addSp modSp add del mod">
-        <pc:chgData name="Will Brooks" userId="d4c2b272-852e-451d-80ba-d2f905b38211" providerId="ADAL" clId="{37A0AFB6-F6CA-4F11-9C33-0D7619B1449C}" dt="2022-09-21T13:45:28.282" v="6426" actId="20577"/>
+        <pc:chgData name="Will Brooks" userId="d4c2b272-852e-451d-80ba-d2f905b38211" providerId="ADAL" clId="{37A0AFB6-F6CA-4F11-9C33-0D7619B1449C}" dt="2022-09-22T10:34:20.997" v="7729" actId="20577"/>
         <pc:sldMkLst>
           <pc:docMk/>
           <pc:sldMk cId="3770664684" sldId="316"/>
         </pc:sldMkLst>
         <pc:spChg chg="mod">
-          <ac:chgData name="Will Brooks" userId="d4c2b272-852e-451d-80ba-d2f905b38211" providerId="ADAL" clId="{37A0AFB6-F6CA-4F11-9C33-0D7619B1449C}" dt="2022-09-21T13:45:28.282" v="6426" actId="20577"/>
+          <ac:chgData name="Will Brooks" userId="d4c2b272-852e-451d-80ba-d2f905b38211" providerId="ADAL" clId="{37A0AFB6-F6CA-4F11-9C33-0D7619B1449C}" dt="2022-09-22T10:34:20.997" v="7729" actId="20577"/>
           <ac:spMkLst>
             <pc:docMk/>
             <pc:sldMk cId="3770664684" sldId="316"/>
@@ -657,13 +657,13 @@
         </pc:picChg>
       </pc:sldChg>
       <pc:sldChg chg="addSp delSp modSp add mod">
-        <pc:chgData name="Will Brooks" userId="d4c2b272-852e-451d-80ba-d2f905b38211" providerId="ADAL" clId="{37A0AFB6-F6CA-4F11-9C33-0D7619B1449C}" dt="2022-09-22T08:10:13.867" v="6999" actId="20577"/>
+        <pc:chgData name="Will Brooks" userId="d4c2b272-852e-451d-80ba-d2f905b38211" providerId="ADAL" clId="{37A0AFB6-F6CA-4F11-9C33-0D7619B1449C}" dt="2022-09-22T10:34:49.583" v="7732" actId="1076"/>
         <pc:sldMkLst>
           <pc:docMk/>
           <pc:sldMk cId="1632702149" sldId="321"/>
         </pc:sldMkLst>
         <pc:spChg chg="add mod">
-          <ac:chgData name="Will Brooks" userId="d4c2b272-852e-451d-80ba-d2f905b38211" providerId="ADAL" clId="{37A0AFB6-F6CA-4F11-9C33-0D7619B1449C}" dt="2022-09-22T08:10:10.456" v="6996" actId="20577"/>
+          <ac:chgData name="Will Brooks" userId="d4c2b272-852e-451d-80ba-d2f905b38211" providerId="ADAL" clId="{37A0AFB6-F6CA-4F11-9C33-0D7619B1449C}" dt="2022-09-22T10:34:49.583" v="7732" actId="1076"/>
           <ac:spMkLst>
             <pc:docMk/>
             <pc:sldMk cId="1632702149" sldId="321"/>
@@ -687,7 +687,7 @@
           </ac:spMkLst>
         </pc:spChg>
         <pc:spChg chg="add mod">
-          <ac:chgData name="Will Brooks" userId="d4c2b272-852e-451d-80ba-d2f905b38211" providerId="ADAL" clId="{37A0AFB6-F6CA-4F11-9C33-0D7619B1449C}" dt="2022-09-22T08:10:13.867" v="6999" actId="20577"/>
+          <ac:chgData name="Will Brooks" userId="d4c2b272-852e-451d-80ba-d2f905b38211" providerId="ADAL" clId="{37A0AFB6-F6CA-4F11-9C33-0D7619B1449C}" dt="2022-09-22T10:34:42.734" v="7731" actId="1076"/>
           <ac:spMkLst>
             <pc:docMk/>
             <pc:sldMk cId="1632702149" sldId="321"/>
@@ -703,7 +703,7 @@
           </ac:picMkLst>
         </pc:picChg>
         <pc:picChg chg="add mod">
-          <ac:chgData name="Will Brooks" userId="d4c2b272-852e-451d-80ba-d2f905b38211" providerId="ADAL" clId="{37A0AFB6-F6CA-4F11-9C33-0D7619B1449C}" dt="2022-09-21T15:05:07.183" v="6551" actId="1076"/>
+          <ac:chgData name="Will Brooks" userId="d4c2b272-852e-451d-80ba-d2f905b38211" providerId="ADAL" clId="{37A0AFB6-F6CA-4F11-9C33-0D7619B1449C}" dt="2022-09-22T10:34:37.143" v="7730" actId="1076"/>
           <ac:picMkLst>
             <pc:docMk/>
             <pc:sldMk cId="1632702149" sldId="321"/>
@@ -886,7 +886,7 @@
         </pc:picChg>
       </pc:sldChg>
       <pc:sldChg chg="addSp modSp add mod">
-        <pc:chgData name="Will Brooks" userId="d4c2b272-852e-451d-80ba-d2f905b38211" providerId="ADAL" clId="{37A0AFB6-F6CA-4F11-9C33-0D7619B1449C}" dt="2022-09-22T08:16:57.485" v="7584" actId="14100"/>
+        <pc:chgData name="Will Brooks" userId="d4c2b272-852e-451d-80ba-d2f905b38211" providerId="ADAL" clId="{37A0AFB6-F6CA-4F11-9C33-0D7619B1449C}" dt="2022-09-22T10:35:12.918" v="7738" actId="20577"/>
         <pc:sldMkLst>
           <pc:docMk/>
           <pc:sldMk cId="3536564236" sldId="324"/>
@@ -900,7 +900,7 @@
           </ac:spMkLst>
         </pc:spChg>
         <pc:spChg chg="add mod">
-          <ac:chgData name="Will Brooks" userId="d4c2b272-852e-451d-80ba-d2f905b38211" providerId="ADAL" clId="{37A0AFB6-F6CA-4F11-9C33-0D7619B1449C}" dt="2022-09-22T08:14:39.538" v="7358" actId="14100"/>
+          <ac:chgData name="Will Brooks" userId="d4c2b272-852e-451d-80ba-d2f905b38211" providerId="ADAL" clId="{37A0AFB6-F6CA-4F11-9C33-0D7619B1449C}" dt="2022-09-22T10:35:07.476" v="7734" actId="20577"/>
           <ac:spMkLst>
             <pc:docMk/>
             <pc:sldMk cId="3536564236" sldId="324"/>
@@ -908,7 +908,7 @@
           </ac:spMkLst>
         </pc:spChg>
         <pc:spChg chg="add mod">
-          <ac:chgData name="Will Brooks" userId="d4c2b272-852e-451d-80ba-d2f905b38211" providerId="ADAL" clId="{37A0AFB6-F6CA-4F11-9C33-0D7619B1449C}" dt="2022-09-22T08:15:30.421" v="7431" actId="14100"/>
+          <ac:chgData name="Will Brooks" userId="d4c2b272-852e-451d-80ba-d2f905b38211" providerId="ADAL" clId="{37A0AFB6-F6CA-4F11-9C33-0D7619B1449C}" dt="2022-09-22T10:35:09.906" v="7736" actId="20577"/>
           <ac:spMkLst>
             <pc:docMk/>
             <pc:sldMk cId="3536564236" sldId="324"/>
@@ -916,7 +916,7 @@
           </ac:spMkLst>
         </pc:spChg>
         <pc:spChg chg="add mod">
-          <ac:chgData name="Will Brooks" userId="d4c2b272-852e-451d-80ba-d2f905b38211" providerId="ADAL" clId="{37A0AFB6-F6CA-4F11-9C33-0D7619B1449C}" dt="2022-09-22T08:16:57.485" v="7584" actId="14100"/>
+          <ac:chgData name="Will Brooks" userId="d4c2b272-852e-451d-80ba-d2f905b38211" providerId="ADAL" clId="{37A0AFB6-F6CA-4F11-9C33-0D7619B1449C}" dt="2022-09-22T10:35:12.918" v="7738" actId="20577"/>
           <ac:spMkLst>
             <pc:docMk/>
             <pc:sldMk cId="3536564236" sldId="324"/>
@@ -965,7 +965,7 @@
         </pc:picChg>
       </pc:sldChg>
       <pc:sldChg chg="addSp modSp add mod">
-        <pc:chgData name="Will Brooks" userId="d4c2b272-852e-451d-80ba-d2f905b38211" providerId="ADAL" clId="{37A0AFB6-F6CA-4F11-9C33-0D7619B1449C}" dt="2022-09-22T08:17:58.751" v="7699" actId="20577"/>
+        <pc:chgData name="Will Brooks" userId="d4c2b272-852e-451d-80ba-d2f905b38211" providerId="ADAL" clId="{37A0AFB6-F6CA-4F11-9C33-0D7619B1449C}" dt="2022-09-22T10:35:20.565" v="7742" actId="20577"/>
         <pc:sldMkLst>
           <pc:docMk/>
           <pc:sldMk cId="2406069309" sldId="325"/>
@@ -979,7 +979,7 @@
           </ac:spMkLst>
         </pc:spChg>
         <pc:spChg chg="add mod">
-          <ac:chgData name="Will Brooks" userId="d4c2b272-852e-451d-80ba-d2f905b38211" providerId="ADAL" clId="{37A0AFB6-F6CA-4F11-9C33-0D7619B1449C}" dt="2022-09-22T08:17:32.013" v="7655" actId="14100"/>
+          <ac:chgData name="Will Brooks" userId="d4c2b272-852e-451d-80ba-d2f905b38211" providerId="ADAL" clId="{37A0AFB6-F6CA-4F11-9C33-0D7619B1449C}" dt="2022-09-22T10:35:17.604" v="7740" actId="20577"/>
           <ac:spMkLst>
             <pc:docMk/>
             <pc:sldMk cId="2406069309" sldId="325"/>
@@ -987,7 +987,7 @@
           </ac:spMkLst>
         </pc:spChg>
         <pc:spChg chg="add mod">
-          <ac:chgData name="Will Brooks" userId="d4c2b272-852e-451d-80ba-d2f905b38211" providerId="ADAL" clId="{37A0AFB6-F6CA-4F11-9C33-0D7619B1449C}" dt="2022-09-22T08:17:58.751" v="7699" actId="20577"/>
+          <ac:chgData name="Will Brooks" userId="d4c2b272-852e-451d-80ba-d2f905b38211" providerId="ADAL" clId="{37A0AFB6-F6CA-4F11-9C33-0D7619B1449C}" dt="2022-09-22T10:35:20.565" v="7742" actId="20577"/>
           <ac:spMkLst>
             <pc:docMk/>
             <pc:sldMk cId="2406069309" sldId="325"/>
@@ -13866,7 +13866,7 @@
           <a:p>
             <a:r>
               <a:rPr lang="en-GB" sz="1400" dirty="0"/>
-              <a:t>12. Check log to see commits</a:t>
+              <a:t>11. Check log to see commits</a:t>
             </a:r>
           </a:p>
         </p:txBody>
@@ -13901,7 +13901,7 @@
           <a:p>
             <a:r>
               <a:rPr lang="en-GB" sz="1400" dirty="0"/>
-              <a:t>13. Move back to Master branch, see that the file is ‘as was’</a:t>
+              <a:t>12. Move back to Master branch, see that the file is ‘as was’</a:t>
             </a:r>
           </a:p>
         </p:txBody>
@@ -13936,7 +13936,7 @@
           <a:p>
             <a:r>
               <a:rPr lang="en-GB" sz="1400" dirty="0"/>
-              <a:t>14. Merge Master with </a:t>
+              <a:t>13. Merge Master with </a:t>
             </a:r>
             <a:r>
               <a:rPr lang="en-GB" sz="1400" dirty="0" err="1"/>
@@ -14173,7 +14173,7 @@
           <a:p>
             <a:r>
               <a:rPr lang="en-GB" sz="1400" dirty="0"/>
-              <a:t>15. Push these changes, from both branches, to the remote repo</a:t>
+              <a:t>14. Push these changes, from both branches, to the remote repo</a:t>
             </a:r>
           </a:p>
         </p:txBody>
@@ -14208,7 +14208,7 @@
           <a:p>
             <a:r>
               <a:rPr lang="en-GB" sz="1400" dirty="0"/>
-              <a:t>16. Check the changes have been made</a:t>
+              <a:t>15. Check the changes have been made</a:t>
             </a:r>
           </a:p>
         </p:txBody>
@@ -14298,7 +14298,7 @@
             </a:pPr>
             <a:r>
               <a:rPr lang="en-GB" dirty="0"/>
-              <a:t>Use your system, another system and remotes (GitHub). Full history on repositories carried</a:t>
+              <a:t>Use your system (local repository), another system and remotes (GitHub). Full history on repositories carried in the log</a:t>
             </a:r>
           </a:p>
           <a:p>
@@ -15878,7 +15878,7 @@
         </p:blipFill>
         <p:spPr>
           <a:xfrm>
-            <a:off x="3282378" y="3294047"/>
+            <a:off x="3282378" y="3483130"/>
             <a:ext cx="5563376" cy="1914792"/>
           </a:xfrm>
           <a:prstGeom prst="rect">
@@ -15900,7 +15900,7 @@
         </p:nvSpPr>
         <p:spPr>
           <a:xfrm>
-            <a:off x="5372100" y="1288865"/>
+            <a:off x="533227" y="4621158"/>
             <a:ext cx="2250830" cy="523220"/>
           </a:xfrm>
           <a:prstGeom prst="rect">
@@ -15935,7 +15935,7 @@
         </p:nvSpPr>
         <p:spPr>
           <a:xfrm>
-            <a:off x="3212123" y="5230520"/>
+            <a:off x="3282378" y="5497324"/>
             <a:ext cx="2250830" cy="738664"/>
           </a:xfrm>
           <a:prstGeom prst="rect">
@@ -17589,6 +17589,15 @@
 </file>
 
 <file path=customXml/item1.xml><?xml version="1.0" encoding="utf-8"?>
+<?mso-contentType ?>
+<FormTemplates xmlns="http://schemas.microsoft.com/sharepoint/v3/contenttype/forms">
+  <Display>DocumentLibraryForm</Display>
+  <Edit>DocumentLibraryForm</Edit>
+  <New>DocumentLibraryForm</New>
+</FormTemplates>
+</file>
+
+<file path=customXml/item2.xml><?xml version="1.0" encoding="utf-8"?>
 <ct:contentTypeSchema xmlns:ct="http://schemas.microsoft.com/office/2006/metadata/contentType" xmlns:ma="http://schemas.microsoft.com/office/2006/metadata/properties/metaAttributes" ct:_="" ma:_="" ma:contentTypeName="Document" ma:contentTypeID="0x010100308E40E706C7A346904F58642B7D1969" ma:contentTypeVersion="0" ma:contentTypeDescription="Create a new document." ma:contentTypeScope="" ma:versionID="0ea485b46902d4f7e49967f1b2c25a65">
   <xsd:schema xmlns:xsd="http://www.w3.org/2001/XMLSchema" xmlns:xs="http://www.w3.org/2001/XMLSchema" xmlns:p="http://schemas.microsoft.com/office/2006/metadata/properties" targetNamespace="http://schemas.microsoft.com/office/2006/metadata/properties" ma:root="true" ma:fieldsID="90078a0fe6c183ae62661f67b7399e8a">
     <xsd:element name="properties">
@@ -17702,15 +17711,6 @@
 </ct:contentTypeSchema>
 </file>
 
-<file path=customXml/item2.xml><?xml version="1.0" encoding="utf-8"?>
-<?mso-contentType ?>
-<FormTemplates xmlns="http://schemas.microsoft.com/sharepoint/v3/contenttype/forms">
-  <Display>DocumentLibraryForm</Display>
-  <Edit>DocumentLibraryForm</Edit>
-  <New>DocumentLibraryForm</New>
-</FormTemplates>
-</file>
-
 <file path=customXml/item3.xml><?xml version="1.0" encoding="utf-8"?>
 <p:properties xmlns:p="http://schemas.microsoft.com/office/2006/metadata/properties" xmlns:xsi="http://www.w3.org/2001/XMLSchema-instance" xmlns:pc="http://schemas.microsoft.com/office/infopath/2007/PartnerControls">
   <documentManagement/>
@@ -17718,6 +17718,14 @@
 </file>
 
 <file path=customXml/itemProps1.xml><?xml version="1.0" encoding="utf-8"?>
+<ds:datastoreItem xmlns:ds="http://schemas.openxmlformats.org/officeDocument/2006/customXml" ds:itemID="{A6333066-D95F-4DC9-8F45-8431A5C3C76B}">
+  <ds:schemaRefs>
+    <ds:schemaRef ds:uri="http://schemas.microsoft.com/sharepoint/v3/contenttype/forms"/>
+  </ds:schemaRefs>
+</ds:datastoreItem>
+</file>
+
+<file path=customXml/itemProps2.xml><?xml version="1.0" encoding="utf-8"?>
 <ds:datastoreItem xmlns:ds="http://schemas.openxmlformats.org/officeDocument/2006/customXml" ds:itemID="{08DD32EF-F09C-4573-9C23-B48EA7D5886E}">
   <ds:schemaRefs>
     <ds:schemaRef ds:uri="http://schemas.microsoft.com/office/2006/metadata/contentType"/>
@@ -17729,14 +17737,6 @@
     <ds:schemaRef ds:uri="http://purl.org/dc/terms/"/>
     <ds:schemaRef ds:uri="http://schemas.microsoft.com/internal/obd"/>
     <ds:schemaRef ds:uri="http://schemas.microsoft.com/office/infopath/2007/PartnerControls"/>
-  </ds:schemaRefs>
-</ds:datastoreItem>
-</file>
-
-<file path=customXml/itemProps2.xml><?xml version="1.0" encoding="utf-8"?>
-<ds:datastoreItem xmlns:ds="http://schemas.openxmlformats.org/officeDocument/2006/customXml" ds:itemID="{A6333066-D95F-4DC9-8F45-8431A5C3C76B}">
-  <ds:schemaRefs>
-    <ds:schemaRef ds:uri="http://schemas.microsoft.com/sharepoint/v3/contenttype/forms"/>
   </ds:schemaRefs>
 </ds:datastoreItem>
 </file>

--- a/GitIntro.pptx
+++ b/GitIntro.pptx
@@ -158,7 +158,7 @@
   <pc:docChgLst>
     <pc:chgData name="Will Brooks" userId="d4c2b272-852e-451d-80ba-d2f905b38211" providerId="ADAL" clId="{37A0AFB6-F6CA-4F11-9C33-0D7619B1449C}"/>
     <pc:docChg chg="undo custSel addSld delSld modSld">
-      <pc:chgData name="Will Brooks" userId="d4c2b272-852e-451d-80ba-d2f905b38211" providerId="ADAL" clId="{37A0AFB6-F6CA-4F11-9C33-0D7619B1449C}" dt="2022-09-22T10:35:20.565" v="7742" actId="20577"/>
+      <pc:chgData name="Will Brooks" userId="d4c2b272-852e-451d-80ba-d2f905b38211" providerId="ADAL" clId="{37A0AFB6-F6CA-4F11-9C33-0D7619B1449C}" dt="2022-09-22T12:34:26.649" v="7942" actId="20577"/>
       <pc:docMkLst>
         <pc:docMk/>
       </pc:docMkLst>
@@ -502,7 +502,7 @@
         </pc:sldMkLst>
       </pc:sldChg>
       <pc:sldChg chg="addSp modSp add del mod">
-        <pc:chgData name="Will Brooks" userId="d4c2b272-852e-451d-80ba-d2f905b38211" providerId="ADAL" clId="{37A0AFB6-F6CA-4F11-9C33-0D7619B1449C}" dt="2022-09-22T10:34:20.997" v="7729" actId="20577"/>
+        <pc:chgData name="Will Brooks" userId="d4c2b272-852e-451d-80ba-d2f905b38211" providerId="ADAL" clId="{37A0AFB6-F6CA-4F11-9C33-0D7619B1449C}" dt="2022-09-22T12:32:02.898" v="7747" actId="1076"/>
         <pc:sldMkLst>
           <pc:docMk/>
           <pc:sldMk cId="3770664684" sldId="316"/>
@@ -523,6 +523,14 @@
             <ac:spMk id="4" creationId="{42A5EA90-17C9-4BD5-BD0D-74A5419E18C7}"/>
           </ac:spMkLst>
         </pc:spChg>
+        <pc:picChg chg="add mod">
+          <ac:chgData name="Will Brooks" userId="d4c2b272-852e-451d-80ba-d2f905b38211" providerId="ADAL" clId="{37A0AFB6-F6CA-4F11-9C33-0D7619B1449C}" dt="2022-09-22T12:32:02.898" v="7747" actId="1076"/>
+          <ac:picMkLst>
+            <pc:docMk/>
+            <pc:sldMk cId="3770664684" sldId="316"/>
+            <ac:picMk id="5" creationId="{B2EF43DD-F032-47E8-9709-7B17BDDE83DB}"/>
+          </ac:picMkLst>
+        </pc:picChg>
         <pc:picChg chg="add mod">
           <ac:chgData name="Will Brooks" userId="d4c2b272-852e-451d-80ba-d2f905b38211" providerId="ADAL" clId="{37A0AFB6-F6CA-4F11-9C33-0D7619B1449C}" dt="2022-09-21T13:44:23.412" v="6337" actId="1076"/>
           <ac:picMkLst>
@@ -626,13 +634,13 @@
         </pc:picChg>
       </pc:sldChg>
       <pc:sldChg chg="addSp modSp add mod">
-        <pc:chgData name="Will Brooks" userId="d4c2b272-852e-451d-80ba-d2f905b38211" providerId="ADAL" clId="{37A0AFB6-F6CA-4F11-9C33-0D7619B1449C}" dt="2022-09-21T13:44:46.383" v="6340"/>
+        <pc:chgData name="Will Brooks" userId="d4c2b272-852e-451d-80ba-d2f905b38211" providerId="ADAL" clId="{37A0AFB6-F6CA-4F11-9C33-0D7619B1449C}" dt="2022-09-22T12:34:26.649" v="7942" actId="20577"/>
         <pc:sldMkLst>
           <pc:docMk/>
           <pc:sldMk cId="3118825995" sldId="320"/>
         </pc:sldMkLst>
         <pc:spChg chg="mod">
-          <ac:chgData name="Will Brooks" userId="d4c2b272-852e-451d-80ba-d2f905b38211" providerId="ADAL" clId="{37A0AFB6-F6CA-4F11-9C33-0D7619B1449C}" dt="2022-09-21T13:36:43.888" v="4746" actId="20577"/>
+          <ac:chgData name="Will Brooks" userId="d4c2b272-852e-451d-80ba-d2f905b38211" providerId="ADAL" clId="{37A0AFB6-F6CA-4F11-9C33-0D7619B1449C}" dt="2022-09-22T12:34:26.649" v="7942" actId="20577"/>
           <ac:spMkLst>
             <pc:docMk/>
             <pc:sldMk cId="3118825995" sldId="320"/>
@@ -14503,6 +14511,53 @@
           </a:extLst>
         </p:spPr>
       </p:pic>
+      <p:pic>
+        <p:nvPicPr>
+          <p:cNvPr id="5" name="Picture 2" descr="Lightbox">
+            <a:extLst>
+              <a:ext uri="{FF2B5EF4-FFF2-40B4-BE49-F238E27FC236}">
+                <a16:creationId xmlns:a16="http://schemas.microsoft.com/office/drawing/2014/main" id="{B2EF43DD-F032-47E8-9709-7B17BDDE83DB}"/>
+              </a:ext>
+            </a:extLst>
+          </p:cNvPr>
+          <p:cNvPicPr>
+            <a:picLocks noChangeAspect="1" noChangeArrowheads="1"/>
+          </p:cNvPicPr>
+          <p:nvPr/>
+        </p:nvPicPr>
+        <p:blipFill>
+          <a:blip r:embed="rId4">
+            <a:extLst>
+              <a:ext uri="{28A0092B-C50C-407E-A947-70E740481C1C}">
+                <a14:useLocalDpi xmlns:a14="http://schemas.microsoft.com/office/drawing/2010/main" val="0"/>
+              </a:ext>
+            </a:extLst>
+          </a:blip>
+          <a:srcRect/>
+          <a:stretch>
+            <a:fillRect/>
+          </a:stretch>
+        </p:blipFill>
+        <p:spPr bwMode="auto">
+          <a:xfrm>
+            <a:off x="6089592" y="2650327"/>
+            <a:ext cx="2498203" cy="1875210"/>
+          </a:xfrm>
+          <a:prstGeom prst="rect">
+            <a:avLst/>
+          </a:prstGeom>
+          <a:noFill/>
+          <a:extLst>
+            <a:ext uri="{909E8E84-426E-40DD-AFC4-6F175D3DCCD1}">
+              <a14:hiddenFill xmlns:a14="http://schemas.microsoft.com/office/drawing/2010/main">
+                <a:solidFill>
+                  <a:srgbClr val="FFFFFF"/>
+                </a:solidFill>
+              </a14:hiddenFill>
+            </a:ext>
+          </a:extLst>
+        </p:spPr>
+      </p:pic>
     </p:spTree>
     <p:extLst>
       <p:ext uri="{BB962C8B-B14F-4D97-AF65-F5344CB8AC3E}">
@@ -15213,7 +15268,17 @@
             </a:pPr>
             <a:r>
               <a:rPr lang="en-GB" dirty="0"/>
-              <a:t>You could name branches v1, v1.1 etc. as change are made, which keeps a log of all changes made</a:t>
+              <a:t>The latest edited branch can be merged with the master branch, meaning that the master always contains production quality code</a:t>
+            </a:r>
+          </a:p>
+          <a:p>
+            <a:pPr lvl="1">
+              <a:buFont typeface="Courier New" panose="02070309020205020404" pitchFamily="49" charset="0"/>
+              <a:buChar char="o"/>
+            </a:pPr>
+            <a:r>
+              <a:rPr lang="en-GB" dirty="0"/>
+              <a:t>Name branches v1, v1.1 etc. as change are made, which keeps a log of all changes made</a:t>
             </a:r>
           </a:p>
           <a:p>
@@ -17589,15 +17654,6 @@
 </file>
 
 <file path=customXml/item1.xml><?xml version="1.0" encoding="utf-8"?>
-<?mso-contentType ?>
-<FormTemplates xmlns="http://schemas.microsoft.com/sharepoint/v3/contenttype/forms">
-  <Display>DocumentLibraryForm</Display>
-  <Edit>DocumentLibraryForm</Edit>
-  <New>DocumentLibraryForm</New>
-</FormTemplates>
-</file>
-
-<file path=customXml/item2.xml><?xml version="1.0" encoding="utf-8"?>
 <ct:contentTypeSchema xmlns:ct="http://schemas.microsoft.com/office/2006/metadata/contentType" xmlns:ma="http://schemas.microsoft.com/office/2006/metadata/properties/metaAttributes" ct:_="" ma:_="" ma:contentTypeName="Document" ma:contentTypeID="0x010100308E40E706C7A346904F58642B7D1969" ma:contentTypeVersion="0" ma:contentTypeDescription="Create a new document." ma:contentTypeScope="" ma:versionID="0ea485b46902d4f7e49967f1b2c25a65">
   <xsd:schema xmlns:xsd="http://www.w3.org/2001/XMLSchema" xmlns:xs="http://www.w3.org/2001/XMLSchema" xmlns:p="http://schemas.microsoft.com/office/2006/metadata/properties" targetNamespace="http://schemas.microsoft.com/office/2006/metadata/properties" ma:root="true" ma:fieldsID="90078a0fe6c183ae62661f67b7399e8a">
     <xsd:element name="properties">
@@ -17711,6 +17767,15 @@
 </ct:contentTypeSchema>
 </file>
 
+<file path=customXml/item2.xml><?xml version="1.0" encoding="utf-8"?>
+<?mso-contentType ?>
+<FormTemplates xmlns="http://schemas.microsoft.com/sharepoint/v3/contenttype/forms">
+  <Display>DocumentLibraryForm</Display>
+  <Edit>DocumentLibraryForm</Edit>
+  <New>DocumentLibraryForm</New>
+</FormTemplates>
+</file>
+
 <file path=customXml/item3.xml><?xml version="1.0" encoding="utf-8"?>
 <p:properties xmlns:p="http://schemas.microsoft.com/office/2006/metadata/properties" xmlns:xsi="http://www.w3.org/2001/XMLSchema-instance" xmlns:pc="http://schemas.microsoft.com/office/infopath/2007/PartnerControls">
   <documentManagement/>
@@ -17718,14 +17783,6 @@
 </file>
 
 <file path=customXml/itemProps1.xml><?xml version="1.0" encoding="utf-8"?>
-<ds:datastoreItem xmlns:ds="http://schemas.openxmlformats.org/officeDocument/2006/customXml" ds:itemID="{A6333066-D95F-4DC9-8F45-8431A5C3C76B}">
-  <ds:schemaRefs>
-    <ds:schemaRef ds:uri="http://schemas.microsoft.com/sharepoint/v3/contenttype/forms"/>
-  </ds:schemaRefs>
-</ds:datastoreItem>
-</file>
-
-<file path=customXml/itemProps2.xml><?xml version="1.0" encoding="utf-8"?>
 <ds:datastoreItem xmlns:ds="http://schemas.openxmlformats.org/officeDocument/2006/customXml" ds:itemID="{08DD32EF-F09C-4573-9C23-B48EA7D5886E}">
   <ds:schemaRefs>
     <ds:schemaRef ds:uri="http://schemas.microsoft.com/office/2006/metadata/contentType"/>
@@ -17737,6 +17794,14 @@
     <ds:schemaRef ds:uri="http://purl.org/dc/terms/"/>
     <ds:schemaRef ds:uri="http://schemas.microsoft.com/internal/obd"/>
     <ds:schemaRef ds:uri="http://schemas.microsoft.com/office/infopath/2007/PartnerControls"/>
+  </ds:schemaRefs>
+</ds:datastoreItem>
+</file>
+
+<file path=customXml/itemProps2.xml><?xml version="1.0" encoding="utf-8"?>
+<ds:datastoreItem xmlns:ds="http://schemas.openxmlformats.org/officeDocument/2006/customXml" ds:itemID="{A6333066-D95F-4DC9-8F45-8431A5C3C76B}">
+  <ds:schemaRefs>
+    <ds:schemaRef ds:uri="http://schemas.microsoft.com/sharepoint/v3/contenttype/forms"/>
   </ds:schemaRefs>
 </ds:datastoreItem>
 </file>

--- a/GitIntro.pptx
+++ b/GitIntro.pptx
@@ -158,18 +158,18 @@
   <pc:docChgLst>
     <pc:chgData name="Will Brooks" userId="d4c2b272-852e-451d-80ba-d2f905b38211" providerId="ADAL" clId="{37A0AFB6-F6CA-4F11-9C33-0D7619B1449C}"/>
     <pc:docChg chg="undo custSel addSld delSld modSld">
-      <pc:chgData name="Will Brooks" userId="d4c2b272-852e-451d-80ba-d2f905b38211" providerId="ADAL" clId="{37A0AFB6-F6CA-4F11-9C33-0D7619B1449C}" dt="2022-09-22T12:34:26.649" v="7942" actId="20577"/>
+      <pc:chgData name="Will Brooks" userId="d4c2b272-852e-451d-80ba-d2f905b38211" providerId="ADAL" clId="{37A0AFB6-F6CA-4F11-9C33-0D7619B1449C}" dt="2022-09-26T09:43:49.099" v="8769" actId="208"/>
       <pc:docMkLst>
         <pc:docMk/>
       </pc:docMkLst>
       <pc:sldChg chg="addSp modSp mod">
-        <pc:chgData name="Will Brooks" userId="d4c2b272-852e-451d-80ba-d2f905b38211" providerId="ADAL" clId="{37A0AFB6-F6CA-4F11-9C33-0D7619B1449C}" dt="2022-09-21T13:45:36.674" v="6427"/>
+        <pc:chgData name="Will Brooks" userId="d4c2b272-852e-451d-80ba-d2f905b38211" providerId="ADAL" clId="{37A0AFB6-F6CA-4F11-9C33-0D7619B1449C}" dt="2022-09-26T09:10:00.491" v="8582" actId="20577"/>
         <pc:sldMkLst>
           <pc:docMk/>
           <pc:sldMk cId="3144119947" sldId="263"/>
         </pc:sldMkLst>
         <pc:spChg chg="mod">
-          <ac:chgData name="Will Brooks" userId="d4c2b272-852e-451d-80ba-d2f905b38211" providerId="ADAL" clId="{37A0AFB6-F6CA-4F11-9C33-0D7619B1449C}" dt="2022-09-20T15:32:35.691" v="74" actId="20577"/>
+          <ac:chgData name="Will Brooks" userId="d4c2b272-852e-451d-80ba-d2f905b38211" providerId="ADAL" clId="{37A0AFB6-F6CA-4F11-9C33-0D7619B1449C}" dt="2022-09-26T09:10:00.491" v="8582" actId="20577"/>
           <ac:spMkLst>
             <pc:docMk/>
             <pc:sldMk cId="3144119947" sldId="263"/>
@@ -502,13 +502,13 @@
         </pc:sldMkLst>
       </pc:sldChg>
       <pc:sldChg chg="addSp modSp add del mod">
-        <pc:chgData name="Will Brooks" userId="d4c2b272-852e-451d-80ba-d2f905b38211" providerId="ADAL" clId="{37A0AFB6-F6CA-4F11-9C33-0D7619B1449C}" dt="2022-09-22T12:32:02.898" v="7747" actId="1076"/>
+        <pc:chgData name="Will Brooks" userId="d4c2b272-852e-451d-80ba-d2f905b38211" providerId="ADAL" clId="{37A0AFB6-F6CA-4F11-9C33-0D7619B1449C}" dt="2022-09-26T09:40:09.467" v="8761" actId="20577"/>
         <pc:sldMkLst>
           <pc:docMk/>
           <pc:sldMk cId="3770664684" sldId="316"/>
         </pc:sldMkLst>
         <pc:spChg chg="mod">
-          <ac:chgData name="Will Brooks" userId="d4c2b272-852e-451d-80ba-d2f905b38211" providerId="ADAL" clId="{37A0AFB6-F6CA-4F11-9C33-0D7619B1449C}" dt="2022-09-22T10:34:20.997" v="7729" actId="20577"/>
+          <ac:chgData name="Will Brooks" userId="d4c2b272-852e-451d-80ba-d2f905b38211" providerId="ADAL" clId="{37A0AFB6-F6CA-4F11-9C33-0D7619B1449C}" dt="2022-09-26T09:40:09.467" v="8761" actId="20577"/>
           <ac:spMkLst>
             <pc:docMk/>
             <pc:sldMk cId="3770664684" sldId="316"/>
@@ -524,7 +524,7 @@
           </ac:spMkLst>
         </pc:spChg>
         <pc:picChg chg="add mod">
-          <ac:chgData name="Will Brooks" userId="d4c2b272-852e-451d-80ba-d2f905b38211" providerId="ADAL" clId="{37A0AFB6-F6CA-4F11-9C33-0D7619B1449C}" dt="2022-09-22T12:32:02.898" v="7747" actId="1076"/>
+          <ac:chgData name="Will Brooks" userId="d4c2b272-852e-451d-80ba-d2f905b38211" providerId="ADAL" clId="{37A0AFB6-F6CA-4F11-9C33-0D7619B1449C}" dt="2022-09-26T08:59:36.534" v="8062" actId="14100"/>
           <ac:picMkLst>
             <pc:docMk/>
             <pc:sldMk cId="3770664684" sldId="316"/>
@@ -541,13 +541,13 @@
         </pc:picChg>
       </pc:sldChg>
       <pc:sldChg chg="addSp modSp add mod">
-        <pc:chgData name="Will Brooks" userId="d4c2b272-852e-451d-80ba-d2f905b38211" providerId="ADAL" clId="{37A0AFB6-F6CA-4F11-9C33-0D7619B1449C}" dt="2022-09-21T13:44:42.825" v="6338"/>
+        <pc:chgData name="Will Brooks" userId="d4c2b272-852e-451d-80ba-d2f905b38211" providerId="ADAL" clId="{37A0AFB6-F6CA-4F11-9C33-0D7619B1449C}" dt="2022-09-26T09:43:49.099" v="8769" actId="208"/>
         <pc:sldMkLst>
           <pc:docMk/>
           <pc:sldMk cId="1180572286" sldId="317"/>
         </pc:sldMkLst>
         <pc:spChg chg="mod">
-          <ac:chgData name="Will Brooks" userId="d4c2b272-852e-451d-80ba-d2f905b38211" providerId="ADAL" clId="{37A0AFB6-F6CA-4F11-9C33-0D7619B1449C}" dt="2022-09-21T08:35:45.266" v="2503" actId="5793"/>
+          <ac:chgData name="Will Brooks" userId="d4c2b272-852e-451d-80ba-d2f905b38211" providerId="ADAL" clId="{37A0AFB6-F6CA-4F11-9C33-0D7619B1449C}" dt="2022-09-26T09:43:22.010" v="8765" actId="20577"/>
           <ac:spMkLst>
             <pc:docMk/>
             <pc:sldMk cId="1180572286" sldId="317"/>
@@ -570,6 +570,22 @@
             <ac:picMk id="5" creationId="{829CB498-2C9B-40A0-8968-E56765A79068}"/>
           </ac:picMkLst>
         </pc:picChg>
+        <pc:picChg chg="add mod">
+          <ac:chgData name="Will Brooks" userId="d4c2b272-852e-451d-80ba-d2f905b38211" providerId="ADAL" clId="{37A0AFB6-F6CA-4F11-9C33-0D7619B1449C}" dt="2022-09-26T09:43:28.175" v="8766" actId="1076"/>
+          <ac:picMkLst>
+            <pc:docMk/>
+            <pc:sldMk cId="1180572286" sldId="317"/>
+            <ac:picMk id="7" creationId="{50E69D16-A100-4D48-B741-6A67D65860D7}"/>
+          </ac:picMkLst>
+        </pc:picChg>
+        <pc:cxnChg chg="add mod">
+          <ac:chgData name="Will Brooks" userId="d4c2b272-852e-451d-80ba-d2f905b38211" providerId="ADAL" clId="{37A0AFB6-F6CA-4F11-9C33-0D7619B1449C}" dt="2022-09-26T09:43:49.099" v="8769" actId="208"/>
+          <ac:cxnSpMkLst>
+            <pc:docMk/>
+            <pc:sldMk cId="1180572286" sldId="317"/>
+            <ac:cxnSpMk id="9" creationId="{10304ADC-1890-4C4C-81E4-0A128772DE0F}"/>
+          </ac:cxnSpMkLst>
+        </pc:cxnChg>
       </pc:sldChg>
       <pc:sldChg chg="addSp modSp add mod">
         <pc:chgData name="Will Brooks" userId="d4c2b272-852e-451d-80ba-d2f905b38211" providerId="ADAL" clId="{37A0AFB6-F6CA-4F11-9C33-0D7619B1449C}" dt="2022-09-21T14:55:45.288" v="6518" actId="114"/>
@@ -1106,7 +1122,7 @@
           <a:p>
             <a:fld id="{1790A331-7ADD-4391-8CA5-606C9BFD26F5}" type="datetimeFigureOut">
               <a:rPr lang="en-GB" smtClean="0"/>
-              <a:t>22/09/2022</a:t>
+              <a:t>26/09/2022</a:t>
             </a:fld>
             <a:endParaRPr lang="en-GB" dirty="0"/>
           </a:p>
@@ -1275,7 +1291,7 @@
           <a:p>
             <a:fld id="{002AE991-F138-4FD8-982E-957F3CA6A0F6}" type="datetimeFigureOut">
               <a:rPr lang="en-GB" smtClean="0"/>
-              <a:t>22/09/2022</a:t>
+              <a:t>26/09/2022</a:t>
             </a:fld>
             <a:endParaRPr lang="en-GB" dirty="0"/>
           </a:p>
@@ -13482,8 +13498,13 @@
           <a:p>
             <a:r>
               <a:rPr lang="en-GB" dirty="0"/>
-              <a:t>Introduction to GitHub</a:t>
-            </a:r>
+              <a:t>Introduction to GitHub and </a:t>
+            </a:r>
+            <a:r>
+              <a:rPr lang="en-GB" dirty="0" err="1"/>
+              <a:t>GitBash</a:t>
+            </a:r>
+            <a:endParaRPr lang="en-GB" dirty="0"/>
           </a:p>
         </p:txBody>
       </p:sp>
@@ -14274,6 +14295,12 @@
           <a:p>
             <a:r>
               <a:rPr lang="en-GB" dirty="0"/>
+              <a:t>Git was designed and developed in 2005 on the Linux kernel, which is know for being free, open source, multitasking and distributed. It shares these qualities with Git</a:t>
+            </a:r>
+          </a:p>
+          <a:p>
+            <a:r>
+              <a:rPr lang="en-GB" dirty="0"/>
               <a:t>Git is an open-source, distributed, Version Control System</a:t>
             </a:r>
           </a:p>
@@ -14284,19 +14311,7 @@
             </a:pPr>
             <a:r>
               <a:rPr lang="en-GB" dirty="0"/>
-              <a:t>Version Control -&gt; Tracking changes, contributions from multiple users</a:t>
-            </a:r>
-          </a:p>
-          <a:p>
-            <a:pPr marL="457200" lvl="1" indent="0">
-              <a:buNone/>
-            </a:pPr>
-            <a:endParaRPr lang="en-GB" dirty="0"/>
-          </a:p>
-          <a:p>
-            <a:r>
-              <a:rPr lang="en-GB" dirty="0"/>
-              <a:t>Distributed </a:t>
+              <a:t>Seamlessly tracking changes and versions, branches allow versions to be stored without clutter</a:t>
             </a:r>
           </a:p>
           <a:p>
@@ -14306,7 +14321,7 @@
             </a:pPr>
             <a:r>
               <a:rPr lang="en-GB" dirty="0"/>
-              <a:t>Use your system (local repository), another system and remotes (GitHub). Full history on repositories carried in the log</a:t>
+              <a:t>Contributions from multiple users, pulling content from and pushing content to the shared remote repository</a:t>
             </a:r>
           </a:p>
           <a:p>
@@ -14318,7 +14333,7 @@
           <a:p>
             <a:r>
               <a:rPr lang="en-GB" dirty="0"/>
-              <a:t>Open Source </a:t>
+              <a:t>Distributed </a:t>
             </a:r>
           </a:p>
           <a:p>
@@ -14328,17 +14343,7 @@
             </a:pPr>
             <a:r>
               <a:rPr lang="en-GB" dirty="0"/>
-              <a:t>Source code can be inspected by anyone</a:t>
-            </a:r>
-          </a:p>
-          <a:p>
-            <a:pPr lvl="1">
-              <a:buFont typeface="Courier New" panose="02070309020205020404" pitchFamily="49" charset="0"/>
-              <a:buChar char="o"/>
-            </a:pPr>
-            <a:r>
-              <a:rPr lang="en-GB" dirty="0"/>
-              <a:t>Used for scripts, not data</a:t>
+              <a:t>Use your system (local repository) and remotes (GitHub). </a:t>
             </a:r>
           </a:p>
           <a:p>
@@ -14351,13 +14356,8 @@
           <a:p>
             <a:r>
               <a:rPr lang="en-GB" dirty="0"/>
-              <a:t>GitHub and </a:t>
-            </a:r>
-            <a:r>
-              <a:rPr lang="en-GB" dirty="0" err="1"/>
-              <a:t>GitBash</a:t>
-            </a:r>
-            <a:endParaRPr lang="en-GB" dirty="0"/>
+              <a:t>Open Source </a:t>
+            </a:r>
           </a:p>
           <a:p>
             <a:pPr lvl="1">
@@ -14366,7 +14366,7 @@
             </a:pPr>
             <a:r>
               <a:rPr lang="en-GB" dirty="0"/>
-              <a:t>GitHub is an online repository which acts as your remote. This is accessible across teams, and can be duplicated into a ‘local’ folder, which acts as a personal repository</a:t>
+              <a:t>Source code can be inspected by anyone on the remote (GitHub)</a:t>
             </a:r>
           </a:p>
           <a:p>
@@ -14376,24 +14376,19 @@
             </a:pPr>
             <a:r>
               <a:rPr lang="en-GB" dirty="0"/>
-              <a:t>Git Bash on UDAL – Local repository, linked to GitHub via </a:t>
-            </a:r>
-            <a:r>
-              <a:rPr lang="en-GB" i="1" dirty="0"/>
-              <a:t>push</a:t>
-            </a:r>
+              <a:t>Would have implications for what Git can be used for (Non-sensitive)</a:t>
+            </a:r>
+          </a:p>
+          <a:p>
             <a:r>
               <a:rPr lang="en-GB" dirty="0"/>
-              <a:t> commands, can </a:t>
-            </a:r>
-            <a:r>
-              <a:rPr lang="en-GB" i="1" dirty="0"/>
-              <a:t>pull</a:t>
-            </a:r>
-            <a:r>
-              <a:rPr lang="en-GB" dirty="0"/>
-              <a:t> from ‘remote’. Makes changes accessible to all working in a repository</a:t>
-            </a:r>
+              <a:t>GitHub and </a:t>
+            </a:r>
+            <a:r>
+              <a:rPr lang="en-GB" dirty="0" err="1"/>
+              <a:t>GitBash</a:t>
+            </a:r>
+            <a:endParaRPr lang="en-GB" dirty="0"/>
           </a:p>
           <a:p>
             <a:pPr lvl="1">
@@ -14402,8 +14397,50 @@
             </a:pPr>
             <a:r>
               <a:rPr lang="en-GB" dirty="0"/>
-              <a:t>Strong admin and team management</a:t>
-            </a:r>
+              <a:t>GitHub is an online repository which acts as your remote. This is accessible across teams, and can be duplicated into a ‘local’ folder, which acts as a personal repository</a:t>
+            </a:r>
+          </a:p>
+          <a:p>
+            <a:pPr lvl="1">
+              <a:buFont typeface="Courier New" panose="02070309020205020404" pitchFamily="49" charset="0"/>
+              <a:buChar char="o"/>
+            </a:pPr>
+            <a:r>
+              <a:rPr lang="en-GB" dirty="0"/>
+              <a:t>Git Bash on UDAL – Local repository, linked to GitHub via </a:t>
+            </a:r>
+            <a:r>
+              <a:rPr lang="en-GB" i="1" dirty="0"/>
+              <a:t>push</a:t>
+            </a:r>
+            <a:r>
+              <a:rPr lang="en-GB" dirty="0"/>
+              <a:t> commands, can </a:t>
+            </a:r>
+            <a:r>
+              <a:rPr lang="en-GB" i="1" dirty="0"/>
+              <a:t>pull</a:t>
+            </a:r>
+            <a:r>
+              <a:rPr lang="en-GB" dirty="0"/>
+              <a:t> from ‘remote’. Makes changes accessible to all working in a remote repository</a:t>
+            </a:r>
+          </a:p>
+          <a:p>
+            <a:pPr lvl="1">
+              <a:buFont typeface="Courier New" panose="02070309020205020404" pitchFamily="49" charset="0"/>
+              <a:buChar char="o"/>
+            </a:pPr>
+            <a:r>
+              <a:rPr lang="en-GB" dirty="0"/>
+              <a:t>Strong admin and team management, members can leave comments on issues</a:t>
+            </a:r>
+          </a:p>
+          <a:p>
+            <a:pPr marL="914400" lvl="2" indent="0">
+              <a:buNone/>
+            </a:pPr>
+            <a:endParaRPr lang="en-GB" dirty="0"/>
           </a:p>
         </p:txBody>
       </p:sp>
@@ -14540,8 +14577,8 @@
         </p:blipFill>
         <p:spPr bwMode="auto">
           <a:xfrm>
-            <a:off x="6089592" y="2650327"/>
-            <a:ext cx="2498203" cy="1875210"/>
+            <a:off x="6582839" y="2639007"/>
+            <a:ext cx="2329204" cy="1748355"/>
           </a:xfrm>
           <a:prstGeom prst="rect">
             <a:avLst/>
@@ -14609,6 +14646,9 @@
           <a:bodyPr/>
           <a:lstStyle/>
           <a:p>
+            <a:endParaRPr lang="en-GB" dirty="0"/>
+          </a:p>
+          <a:p>
             <a:r>
               <a:rPr lang="en-GB" dirty="0"/>
               <a:t>Choose a repository -&gt; A local folder in which you are going to work</a:t>
@@ -14900,6 +14940,80 @@
           </a:extLst>
         </p:spPr>
       </p:pic>
+      <p:pic>
+        <p:nvPicPr>
+          <p:cNvPr id="7" name="Picture 6">
+            <a:extLst>
+              <a:ext uri="{FF2B5EF4-FFF2-40B4-BE49-F238E27FC236}">
+                <a16:creationId xmlns:a16="http://schemas.microsoft.com/office/drawing/2014/main" id="{50E69D16-A100-4D48-B741-6A67D65860D7}"/>
+              </a:ext>
+            </a:extLst>
+          </p:cNvPr>
+          <p:cNvPicPr>
+            <a:picLocks noChangeAspect="1"/>
+          </p:cNvPicPr>
+          <p:nvPr/>
+        </p:nvPicPr>
+        <p:blipFill>
+          <a:blip r:embed="rId4"/>
+          <a:stretch>
+            <a:fillRect/>
+          </a:stretch>
+        </p:blipFill>
+        <p:spPr>
+          <a:xfrm>
+            <a:off x="6152078" y="760845"/>
+            <a:ext cx="1634462" cy="1625305"/>
+          </a:xfrm>
+          <a:prstGeom prst="rect">
+            <a:avLst/>
+          </a:prstGeom>
+        </p:spPr>
+      </p:pic>
+      <p:cxnSp>
+        <p:nvCxnSpPr>
+          <p:cNvPr id="9" name="Straight Arrow Connector 8">
+            <a:extLst>
+              <a:ext uri="{FF2B5EF4-FFF2-40B4-BE49-F238E27FC236}">
+                <a16:creationId xmlns:a16="http://schemas.microsoft.com/office/drawing/2014/main" id="{10304ADC-1890-4C4C-81E4-0A128772DE0F}"/>
+              </a:ext>
+            </a:extLst>
+          </p:cNvPr>
+          <p:cNvCxnSpPr>
+            <a:cxnSpLocks/>
+          </p:cNvCxnSpPr>
+          <p:nvPr/>
+        </p:nvCxnSpPr>
+        <p:spPr>
+          <a:xfrm flipV="1">
+            <a:off x="3214540" y="1894788"/>
+            <a:ext cx="3318235" cy="160255"/>
+          </a:xfrm>
+          <a:prstGeom prst="straightConnector1">
+            <a:avLst/>
+          </a:prstGeom>
+          <a:ln>
+            <a:solidFill>
+              <a:schemeClr val="tx1"/>
+            </a:solidFill>
+            <a:tailEnd type="triangle"/>
+          </a:ln>
+        </p:spPr>
+        <p:style>
+          <a:lnRef idx="1">
+            <a:schemeClr val="accent1"/>
+          </a:lnRef>
+          <a:fillRef idx="0">
+            <a:schemeClr val="accent1"/>
+          </a:fillRef>
+          <a:effectRef idx="0">
+            <a:schemeClr val="accent1"/>
+          </a:effectRef>
+          <a:fontRef idx="minor">
+            <a:schemeClr val="tx1"/>
+          </a:fontRef>
+        </p:style>
+      </p:cxnSp>
     </p:spTree>
     <p:extLst>
       <p:ext uri="{BB962C8B-B14F-4D97-AF65-F5344CB8AC3E}">
@@ -17654,6 +17768,15 @@
 </file>
 
 <file path=customXml/item1.xml><?xml version="1.0" encoding="utf-8"?>
+<?mso-contentType ?>
+<FormTemplates xmlns="http://schemas.microsoft.com/sharepoint/v3/contenttype/forms">
+  <Display>DocumentLibraryForm</Display>
+  <Edit>DocumentLibraryForm</Edit>
+  <New>DocumentLibraryForm</New>
+</FormTemplates>
+</file>
+
+<file path=customXml/item2.xml><?xml version="1.0" encoding="utf-8"?>
 <ct:contentTypeSchema xmlns:ct="http://schemas.microsoft.com/office/2006/metadata/contentType" xmlns:ma="http://schemas.microsoft.com/office/2006/metadata/properties/metaAttributes" ct:_="" ma:_="" ma:contentTypeName="Document" ma:contentTypeID="0x010100308E40E706C7A346904F58642B7D1969" ma:contentTypeVersion="0" ma:contentTypeDescription="Create a new document." ma:contentTypeScope="" ma:versionID="0ea485b46902d4f7e49967f1b2c25a65">
   <xsd:schema xmlns:xsd="http://www.w3.org/2001/XMLSchema" xmlns:xs="http://www.w3.org/2001/XMLSchema" xmlns:p="http://schemas.microsoft.com/office/2006/metadata/properties" targetNamespace="http://schemas.microsoft.com/office/2006/metadata/properties" ma:root="true" ma:fieldsID="90078a0fe6c183ae62661f67b7399e8a">
     <xsd:element name="properties">
@@ -17767,15 +17890,6 @@
 </ct:contentTypeSchema>
 </file>
 
-<file path=customXml/item2.xml><?xml version="1.0" encoding="utf-8"?>
-<?mso-contentType ?>
-<FormTemplates xmlns="http://schemas.microsoft.com/sharepoint/v3/contenttype/forms">
-  <Display>DocumentLibraryForm</Display>
-  <Edit>DocumentLibraryForm</Edit>
-  <New>DocumentLibraryForm</New>
-</FormTemplates>
-</file>
-
 <file path=customXml/item3.xml><?xml version="1.0" encoding="utf-8"?>
 <p:properties xmlns:p="http://schemas.microsoft.com/office/2006/metadata/properties" xmlns:xsi="http://www.w3.org/2001/XMLSchema-instance" xmlns:pc="http://schemas.microsoft.com/office/infopath/2007/PartnerControls">
   <documentManagement/>
@@ -17783,6 +17897,14 @@
 </file>
 
 <file path=customXml/itemProps1.xml><?xml version="1.0" encoding="utf-8"?>
+<ds:datastoreItem xmlns:ds="http://schemas.openxmlformats.org/officeDocument/2006/customXml" ds:itemID="{A6333066-D95F-4DC9-8F45-8431A5C3C76B}">
+  <ds:schemaRefs>
+    <ds:schemaRef ds:uri="http://schemas.microsoft.com/sharepoint/v3/contenttype/forms"/>
+  </ds:schemaRefs>
+</ds:datastoreItem>
+</file>
+
+<file path=customXml/itemProps2.xml><?xml version="1.0" encoding="utf-8"?>
 <ds:datastoreItem xmlns:ds="http://schemas.openxmlformats.org/officeDocument/2006/customXml" ds:itemID="{08DD32EF-F09C-4573-9C23-B48EA7D5886E}">
   <ds:schemaRefs>
     <ds:schemaRef ds:uri="http://schemas.microsoft.com/office/2006/metadata/contentType"/>
@@ -17794,14 +17916,6 @@
     <ds:schemaRef ds:uri="http://purl.org/dc/terms/"/>
     <ds:schemaRef ds:uri="http://schemas.microsoft.com/internal/obd"/>
     <ds:schemaRef ds:uri="http://schemas.microsoft.com/office/infopath/2007/PartnerControls"/>
-  </ds:schemaRefs>
-</ds:datastoreItem>
-</file>
-
-<file path=customXml/itemProps2.xml><?xml version="1.0" encoding="utf-8"?>
-<ds:datastoreItem xmlns:ds="http://schemas.openxmlformats.org/officeDocument/2006/customXml" ds:itemID="{A6333066-D95F-4DC9-8F45-8431A5C3C76B}">
-  <ds:schemaRefs>
-    <ds:schemaRef ds:uri="http://schemas.microsoft.com/sharepoint/v3/contenttype/forms"/>
   </ds:schemaRefs>
 </ds:datastoreItem>
 </file>

--- a/GitIntro.pptx
+++ b/GitIntro.pptx
@@ -5,23 +5,24 @@
     <p:sldMasterId id="2147483660" r:id="rId4"/>
   </p:sldMasterIdLst>
   <p:notesMasterIdLst>
-    <p:notesMasterId r:id="rId16"/>
+    <p:notesMasterId r:id="rId17"/>
   </p:notesMasterIdLst>
   <p:handoutMasterIdLst>
-    <p:handoutMasterId r:id="rId17"/>
+    <p:handoutMasterId r:id="rId18"/>
   </p:handoutMasterIdLst>
   <p:sldIdLst>
     <p:sldId id="263" r:id="rId5"/>
     <p:sldId id="316" r:id="rId6"/>
     <p:sldId id="317" r:id="rId7"/>
-    <p:sldId id="319" r:id="rId8"/>
-    <p:sldId id="320" r:id="rId9"/>
-    <p:sldId id="318" r:id="rId10"/>
-    <p:sldId id="321" r:id="rId11"/>
-    <p:sldId id="322" r:id="rId12"/>
-    <p:sldId id="323" r:id="rId13"/>
-    <p:sldId id="324" r:id="rId14"/>
-    <p:sldId id="325" r:id="rId15"/>
+    <p:sldId id="326" r:id="rId8"/>
+    <p:sldId id="319" r:id="rId9"/>
+    <p:sldId id="320" r:id="rId10"/>
+    <p:sldId id="318" r:id="rId11"/>
+    <p:sldId id="321" r:id="rId12"/>
+    <p:sldId id="322" r:id="rId13"/>
+    <p:sldId id="323" r:id="rId14"/>
+    <p:sldId id="324" r:id="rId15"/>
+    <p:sldId id="325" r:id="rId16"/>
   </p:sldIdLst>
   <p:sldSz cx="9144000" cy="6858000" type="screen4x3"/>
   <p:notesSz cx="6858000" cy="9144000"/>
@@ -158,7 +159,7 @@
   <pc:docChgLst>
     <pc:chgData name="Will Brooks" userId="d4c2b272-852e-451d-80ba-d2f905b38211" providerId="ADAL" clId="{37A0AFB6-F6CA-4F11-9C33-0D7619B1449C}"/>
     <pc:docChg chg="undo custSel addSld delSld modSld">
-      <pc:chgData name="Will Brooks" userId="d4c2b272-852e-451d-80ba-d2f905b38211" providerId="ADAL" clId="{37A0AFB6-F6CA-4F11-9C33-0D7619B1449C}" dt="2022-09-26T09:43:49.099" v="8769" actId="208"/>
+      <pc:chgData name="Will Brooks" userId="d4c2b272-852e-451d-80ba-d2f905b38211" providerId="ADAL" clId="{37A0AFB6-F6CA-4F11-9C33-0D7619B1449C}" dt="2022-09-27T08:15:49.708" v="9506" actId="20577"/>
       <pc:docMkLst>
         <pc:docMk/>
       </pc:docMkLst>
@@ -1035,6 +1036,29 @@
           </ac:picMkLst>
         </pc:picChg>
       </pc:sldChg>
+      <pc:sldChg chg="modSp new mod">
+        <pc:chgData name="Will Brooks" userId="d4c2b272-852e-451d-80ba-d2f905b38211" providerId="ADAL" clId="{37A0AFB6-F6CA-4F11-9C33-0D7619B1449C}" dt="2022-09-27T08:15:49.708" v="9506" actId="20577"/>
+        <pc:sldMkLst>
+          <pc:docMk/>
+          <pc:sldMk cId="4151486386" sldId="326"/>
+        </pc:sldMkLst>
+        <pc:spChg chg="mod">
+          <ac:chgData name="Will Brooks" userId="d4c2b272-852e-451d-80ba-d2f905b38211" providerId="ADAL" clId="{37A0AFB6-F6CA-4F11-9C33-0D7619B1449C}" dt="2022-09-27T08:15:49.708" v="9506" actId="20577"/>
+          <ac:spMkLst>
+            <pc:docMk/>
+            <pc:sldMk cId="4151486386" sldId="326"/>
+            <ac:spMk id="2" creationId="{262F1CBE-38D5-4BDE-9901-1B6C36F76960}"/>
+          </ac:spMkLst>
+        </pc:spChg>
+        <pc:spChg chg="mod">
+          <ac:chgData name="Will Brooks" userId="d4c2b272-852e-451d-80ba-d2f905b38211" providerId="ADAL" clId="{37A0AFB6-F6CA-4F11-9C33-0D7619B1449C}" dt="2022-09-27T08:03:34.171" v="8832" actId="20577"/>
+          <ac:spMkLst>
+            <pc:docMk/>
+            <pc:sldMk cId="4151486386" sldId="326"/>
+            <ac:spMk id="4" creationId="{12FFB6D8-3053-4E55-BAE8-AFCC0592C8E7}"/>
+          </ac:spMkLst>
+        </pc:spChg>
+      </pc:sldChg>
     </pc:docChg>
   </pc:docChgLst>
 </pc:chgInfo>
@@ -1122,7 +1146,7 @@
           <a:p>
             <a:fld id="{1790A331-7ADD-4391-8CA5-606C9BFD26F5}" type="datetimeFigureOut">
               <a:rPr lang="en-GB" smtClean="0"/>
-              <a:t>26/09/2022</a:t>
+              <a:t>27/09/2022</a:t>
             </a:fld>
             <a:endParaRPr lang="en-GB" dirty="0"/>
           </a:p>
@@ -1291,7 +1315,7 @@
           <a:p>
             <a:fld id="{002AE991-F138-4FD8-982E-957F3CA6A0F6}" type="datetimeFigureOut">
               <a:rPr lang="en-GB" smtClean="0"/>
-              <a:t>26/09/2022</a:t>
+              <a:t>27/09/2022</a:t>
             </a:fld>
             <a:endParaRPr lang="en-GB" dirty="0"/>
           </a:p>
@@ -1758,7 +1782,7 @@
           <a:p>
             <a:fld id="{7890AB7D-FC04-41BF-88F7-E47891A06283}" type="slidenum">
               <a:rPr lang="en-GB" smtClean="0"/>
-              <a:t>11</a:t>
+              <a:t>12</a:t>
             </a:fld>
             <a:endParaRPr lang="en-GB" dirty="0"/>
           </a:p>
@@ -1972,7 +1996,7 @@
           <a:p>
             <a:fld id="{7890AB7D-FC04-41BF-88F7-E47891A06283}" type="slidenum">
               <a:rPr lang="en-GB" smtClean="0"/>
-              <a:t>4</a:t>
+              <a:t>5</a:t>
             </a:fld>
             <a:endParaRPr lang="en-GB" dirty="0"/>
           </a:p>
@@ -2079,7 +2103,7 @@
           <a:p>
             <a:fld id="{7890AB7D-FC04-41BF-88F7-E47891A06283}" type="slidenum">
               <a:rPr lang="en-GB" smtClean="0"/>
-              <a:t>5</a:t>
+              <a:t>6</a:t>
             </a:fld>
             <a:endParaRPr lang="en-GB" dirty="0"/>
           </a:p>
@@ -2186,7 +2210,7 @@
           <a:p>
             <a:fld id="{7890AB7D-FC04-41BF-88F7-E47891A06283}" type="slidenum">
               <a:rPr lang="en-GB" smtClean="0"/>
-              <a:t>6</a:t>
+              <a:t>7</a:t>
             </a:fld>
             <a:endParaRPr lang="en-GB" dirty="0"/>
           </a:p>
@@ -2293,7 +2317,7 @@
           <a:p>
             <a:fld id="{7890AB7D-FC04-41BF-88F7-E47891A06283}" type="slidenum">
               <a:rPr lang="en-GB" smtClean="0"/>
-              <a:t>7</a:t>
+              <a:t>8</a:t>
             </a:fld>
             <a:endParaRPr lang="en-GB" dirty="0"/>
           </a:p>
@@ -2400,7 +2424,7 @@
           <a:p>
             <a:fld id="{7890AB7D-FC04-41BF-88F7-E47891A06283}" type="slidenum">
               <a:rPr lang="en-GB" smtClean="0"/>
-              <a:t>8</a:t>
+              <a:t>9</a:t>
             </a:fld>
             <a:endParaRPr lang="en-GB" dirty="0"/>
           </a:p>
@@ -2507,7 +2531,7 @@
           <a:p>
             <a:fld id="{7890AB7D-FC04-41BF-88F7-E47891A06283}" type="slidenum">
               <a:rPr lang="en-GB" smtClean="0"/>
-              <a:t>9</a:t>
+              <a:t>10</a:t>
             </a:fld>
             <a:endParaRPr lang="en-GB" dirty="0"/>
           </a:p>
@@ -2614,7 +2638,7 @@
           <a:p>
             <a:fld id="{7890AB7D-FC04-41BF-88F7-E47891A06283}" type="slidenum">
               <a:rPr lang="en-GB" smtClean="0"/>
-              <a:t>10</a:t>
+              <a:t>11</a:t>
             </a:fld>
             <a:endParaRPr lang="en-GB" dirty="0"/>
           </a:p>
@@ -13711,6 +13735,335 @@
           <a:p>
             <a:r>
               <a:rPr lang="en-GB" dirty="0"/>
+              <a:t>Visual Run: Creating Branches</a:t>
+            </a:r>
+          </a:p>
+        </p:txBody>
+      </p:sp>
+      <p:pic>
+        <p:nvPicPr>
+          <p:cNvPr id="6" name="Picture 5">
+            <a:extLst>
+              <a:ext uri="{FF2B5EF4-FFF2-40B4-BE49-F238E27FC236}">
+                <a16:creationId xmlns:a16="http://schemas.microsoft.com/office/drawing/2014/main" id="{F7EA2DAB-6838-47F9-8C37-D66B5970B4A0}"/>
+              </a:ext>
+            </a:extLst>
+          </p:cNvPr>
+          <p:cNvPicPr>
+            <a:picLocks noChangeAspect="1"/>
+          </p:cNvPicPr>
+          <p:nvPr/>
+        </p:nvPicPr>
+        <p:blipFill>
+          <a:blip r:embed="rId4"/>
+          <a:stretch>
+            <a:fillRect/>
+          </a:stretch>
+        </p:blipFill>
+        <p:spPr>
+          <a:xfrm>
+            <a:off x="188976" y="1050282"/>
+            <a:ext cx="6449325" cy="466790"/>
+          </a:xfrm>
+          <a:prstGeom prst="rect">
+            <a:avLst/>
+          </a:prstGeom>
+        </p:spPr>
+      </p:pic>
+      <p:pic>
+        <p:nvPicPr>
+          <p:cNvPr id="8" name="Picture 7">
+            <a:extLst>
+              <a:ext uri="{FF2B5EF4-FFF2-40B4-BE49-F238E27FC236}">
+                <a16:creationId xmlns:a16="http://schemas.microsoft.com/office/drawing/2014/main" id="{2B786FDD-9868-44C0-A890-CA9AFF167533}"/>
+              </a:ext>
+            </a:extLst>
+          </p:cNvPr>
+          <p:cNvPicPr>
+            <a:picLocks noChangeAspect="1"/>
+          </p:cNvPicPr>
+          <p:nvPr/>
+        </p:nvPicPr>
+        <p:blipFill>
+          <a:blip r:embed="rId5"/>
+          <a:stretch>
+            <a:fillRect/>
+          </a:stretch>
+        </p:blipFill>
+        <p:spPr>
+          <a:xfrm>
+            <a:off x="188976" y="1626204"/>
+            <a:ext cx="2174485" cy="1983971"/>
+          </a:xfrm>
+          <a:prstGeom prst="rect">
+            <a:avLst/>
+          </a:prstGeom>
+        </p:spPr>
+      </p:pic>
+      <p:pic>
+        <p:nvPicPr>
+          <p:cNvPr id="10" name="Picture 9">
+            <a:extLst>
+              <a:ext uri="{FF2B5EF4-FFF2-40B4-BE49-F238E27FC236}">
+                <a16:creationId xmlns:a16="http://schemas.microsoft.com/office/drawing/2014/main" id="{EA2BE417-1870-4DEC-B25E-857EC7903C7D}"/>
+              </a:ext>
+            </a:extLst>
+          </p:cNvPr>
+          <p:cNvPicPr>
+            <a:picLocks noChangeAspect="1"/>
+          </p:cNvPicPr>
+          <p:nvPr/>
+        </p:nvPicPr>
+        <p:blipFill>
+          <a:blip r:embed="rId6"/>
+          <a:stretch>
+            <a:fillRect/>
+          </a:stretch>
+        </p:blipFill>
+        <p:spPr>
+          <a:xfrm>
+            <a:off x="188976" y="3719307"/>
+            <a:ext cx="6449325" cy="2400635"/>
+          </a:xfrm>
+          <a:prstGeom prst="rect">
+            <a:avLst/>
+          </a:prstGeom>
+        </p:spPr>
+      </p:pic>
+      <p:sp>
+        <p:nvSpPr>
+          <p:cNvPr id="9" name="TextBox 8">
+            <a:extLst>
+              <a:ext uri="{FF2B5EF4-FFF2-40B4-BE49-F238E27FC236}">
+                <a16:creationId xmlns:a16="http://schemas.microsoft.com/office/drawing/2014/main" id="{EB6E1195-F03C-4D26-B8CC-E97C1D419112}"/>
+              </a:ext>
+            </a:extLst>
+          </p:cNvPr>
+          <p:cNvSpPr txBox="1"/>
+          <p:nvPr/>
+        </p:nvSpPr>
+        <p:spPr>
+          <a:xfrm>
+            <a:off x="6638301" y="1036561"/>
+            <a:ext cx="2422984" cy="523220"/>
+          </a:xfrm>
+          <a:prstGeom prst="rect">
+            <a:avLst/>
+          </a:prstGeom>
+          <a:noFill/>
+        </p:spPr>
+        <p:txBody>
+          <a:bodyPr wrap="square" rtlCol="0">
+            <a:spAutoFit/>
+          </a:bodyPr>
+          <a:lstStyle/>
+          <a:p>
+            <a:r>
+              <a:rPr lang="en-GB" sz="1400" dirty="0"/>
+              <a:t>8. Create and move to new branch</a:t>
+            </a:r>
+          </a:p>
+        </p:txBody>
+      </p:sp>
+      <p:sp>
+        <p:nvSpPr>
+          <p:cNvPr id="11" name="TextBox 10">
+            <a:extLst>
+              <a:ext uri="{FF2B5EF4-FFF2-40B4-BE49-F238E27FC236}">
+                <a16:creationId xmlns:a16="http://schemas.microsoft.com/office/drawing/2014/main" id="{32F1990D-C26F-4050-957A-3FF8640573A8}"/>
+              </a:ext>
+            </a:extLst>
+          </p:cNvPr>
+          <p:cNvSpPr txBox="1"/>
+          <p:nvPr/>
+        </p:nvSpPr>
+        <p:spPr>
+          <a:xfrm>
+            <a:off x="3168269" y="2356579"/>
+            <a:ext cx="3587761" cy="307777"/>
+          </a:xfrm>
+          <a:prstGeom prst="rect">
+            <a:avLst/>
+          </a:prstGeom>
+          <a:noFill/>
+        </p:spPr>
+        <p:txBody>
+          <a:bodyPr wrap="square" rtlCol="0">
+            <a:spAutoFit/>
+          </a:bodyPr>
+          <a:lstStyle/>
+          <a:p>
+            <a:r>
+              <a:rPr lang="en-GB" sz="1400" dirty="0"/>
+              <a:t>9. Edit file within the new branch and save</a:t>
+            </a:r>
+          </a:p>
+        </p:txBody>
+      </p:sp>
+      <p:sp>
+        <p:nvSpPr>
+          <p:cNvPr id="12" name="TextBox 11">
+            <a:extLst>
+              <a:ext uri="{FF2B5EF4-FFF2-40B4-BE49-F238E27FC236}">
+                <a16:creationId xmlns:a16="http://schemas.microsoft.com/office/drawing/2014/main" id="{10CE4C5C-EDFB-4AC2-909C-75EF358030A5}"/>
+              </a:ext>
+            </a:extLst>
+          </p:cNvPr>
+          <p:cNvSpPr txBox="1"/>
+          <p:nvPr/>
+        </p:nvSpPr>
+        <p:spPr>
+          <a:xfrm>
+            <a:off x="6638301" y="4660971"/>
+            <a:ext cx="2422984" cy="738664"/>
+          </a:xfrm>
+          <a:prstGeom prst="rect">
+            <a:avLst/>
+          </a:prstGeom>
+          <a:noFill/>
+        </p:spPr>
+        <p:txBody>
+          <a:bodyPr wrap="square" rtlCol="0">
+            <a:spAutoFit/>
+          </a:bodyPr>
+          <a:lstStyle/>
+          <a:p>
+            <a:r>
+              <a:rPr lang="en-GB" sz="1400" dirty="0"/>
+              <a:t>10. Check status, add changes and commit with message</a:t>
+            </a:r>
+          </a:p>
+        </p:txBody>
+      </p:sp>
+    </p:spTree>
+    <p:extLst>
+      <p:ext uri="{BB962C8B-B14F-4D97-AF65-F5344CB8AC3E}">
+        <p14:creationId xmlns:p14="http://schemas.microsoft.com/office/powerpoint/2010/main" val="98407624"/>
+      </p:ext>
+    </p:extLst>
+  </p:cSld>
+  <p:clrMapOvr>
+    <a:masterClrMapping/>
+  </p:clrMapOvr>
+</p:sld>
+</file>
+
+<file path=ppt/slides/slide11.xml><?xml version="1.0" encoding="utf-8"?>
+<p:sld xmlns:a="http://schemas.openxmlformats.org/drawingml/2006/main" xmlns:r="http://schemas.openxmlformats.org/officeDocument/2006/relationships" xmlns:p="http://schemas.openxmlformats.org/presentationml/2006/main">
+  <p:cSld>
+    <p:spTree>
+      <p:nvGrpSpPr>
+        <p:cNvPr id="1" name=""/>
+        <p:cNvGrpSpPr/>
+        <p:nvPr/>
+      </p:nvGrpSpPr>
+      <p:grpSpPr>
+        <a:xfrm>
+          <a:off x="0" y="0"/>
+          <a:ext cx="0" cy="0"/>
+          <a:chOff x="0" y="0"/>
+          <a:chExt cx="0" cy="0"/>
+        </a:xfrm>
+      </p:grpSpPr>
+      <p:pic>
+        <p:nvPicPr>
+          <p:cNvPr id="5" name="Picture 2" descr="See the source image">
+            <a:extLst>
+              <a:ext uri="{FF2B5EF4-FFF2-40B4-BE49-F238E27FC236}">
+                <a16:creationId xmlns:a16="http://schemas.microsoft.com/office/drawing/2014/main" id="{0ED5EA98-2928-4140-96E4-BCECB454AD2D}"/>
+              </a:ext>
+            </a:extLst>
+          </p:cNvPr>
+          <p:cNvPicPr>
+            <a:picLocks noChangeAspect="1" noChangeArrowheads="1"/>
+          </p:cNvPicPr>
+          <p:nvPr/>
+        </p:nvPicPr>
+        <p:blipFill>
+          <a:blip r:embed="rId3">
+            <a:extLst>
+              <a:ext uri="{28A0092B-C50C-407E-A947-70E740481C1C}">
+                <a14:useLocalDpi xmlns:a14="http://schemas.microsoft.com/office/drawing/2010/main" val="0"/>
+              </a:ext>
+            </a:extLst>
+          </a:blip>
+          <a:srcRect/>
+          <a:stretch>
+            <a:fillRect/>
+          </a:stretch>
+        </p:blipFill>
+        <p:spPr bwMode="auto">
+          <a:xfrm>
+            <a:off x="7338694" y="5450056"/>
+            <a:ext cx="1382318" cy="1248508"/>
+          </a:xfrm>
+          <a:prstGeom prst="rect">
+            <a:avLst/>
+          </a:prstGeom>
+          <a:noFill/>
+          <a:extLst>
+            <a:ext uri="{909E8E84-426E-40DD-AFC4-6F175D3DCCD1}">
+              <a14:hiddenFill xmlns:a14="http://schemas.microsoft.com/office/drawing/2010/main">
+                <a:solidFill>
+                  <a:srgbClr val="FFFFFF"/>
+                </a:solidFill>
+              </a14:hiddenFill>
+            </a:ext>
+          </a:extLst>
+        </p:spPr>
+      </p:pic>
+      <p:sp>
+        <p:nvSpPr>
+          <p:cNvPr id="3" name="Footer Placeholder 2">
+            <a:extLst>
+              <a:ext uri="{FF2B5EF4-FFF2-40B4-BE49-F238E27FC236}">
+                <a16:creationId xmlns:a16="http://schemas.microsoft.com/office/drawing/2014/main" id="{6942939B-7B0C-42A5-8BC5-642B25324167}"/>
+              </a:ext>
+            </a:extLst>
+          </p:cNvPr>
+          <p:cNvSpPr>
+            <a:spLocks noGrp="1"/>
+          </p:cNvSpPr>
+          <p:nvPr>
+            <p:ph type="ftr" sz="quarter" idx="3"/>
+          </p:nvPr>
+        </p:nvSpPr>
+        <p:spPr/>
+        <p:txBody>
+          <a:bodyPr/>
+          <a:lstStyle/>
+          <a:p>
+            <a:r>
+              <a:rPr lang="en-GB"/>
+              <a:t>PowerPoint Style Guide / Supporting Templates</a:t>
+            </a:r>
+            <a:endParaRPr lang="en-US" dirty="0"/>
+          </a:p>
+        </p:txBody>
+      </p:sp>
+      <p:sp>
+        <p:nvSpPr>
+          <p:cNvPr id="4" name="Title 3">
+            <a:extLst>
+              <a:ext uri="{FF2B5EF4-FFF2-40B4-BE49-F238E27FC236}">
+                <a16:creationId xmlns:a16="http://schemas.microsoft.com/office/drawing/2014/main" id="{42A5EA90-17C9-4BD5-BD0D-74A5419E18C7}"/>
+              </a:ext>
+            </a:extLst>
+          </p:cNvPr>
+          <p:cNvSpPr>
+            <a:spLocks noGrp="1"/>
+          </p:cNvSpPr>
+          <p:nvPr>
+            <p:ph type="title"/>
+          </p:nvPr>
+        </p:nvSpPr>
+        <p:spPr/>
+        <p:txBody>
+          <a:bodyPr/>
+          <a:lstStyle/>
+          <a:p>
+            <a:r>
+              <a:rPr lang="en-GB" dirty="0"/>
               <a:t>Visual Run: Merging</a:t>
             </a:r>
           </a:p>
@@ -13991,7 +14344,7 @@
 </p:sld>
 </file>
 
-<file path=ppt/slides/slide11.xml><?xml version="1.0" encoding="utf-8"?>
+<file path=ppt/slides/slide12.xml><?xml version="1.0" encoding="utf-8"?>
 <p:sld xmlns:a="http://schemas.openxmlformats.org/drawingml/2006/main" xmlns:r="http://schemas.openxmlformats.org/officeDocument/2006/relationships" xmlns:p="http://schemas.openxmlformats.org/presentationml/2006/main">
   <p:cSld>
     <p:spTree>
@@ -15049,7 +15402,7 @@
           <p:cNvPr id="2" name="Content Placeholder 1">
             <a:extLst>
               <a:ext uri="{FF2B5EF4-FFF2-40B4-BE49-F238E27FC236}">
-                <a16:creationId xmlns:a16="http://schemas.microsoft.com/office/drawing/2014/main" id="{48869F42-6D93-4C35-8FA5-AE406994C1E3}"/>
+                <a16:creationId xmlns:a16="http://schemas.microsoft.com/office/drawing/2014/main" id="{262F1CBE-38D5-4BDE-9901-1B6C36F76960}"/>
               </a:ext>
             </a:extLst>
           </p:cNvPr>
@@ -15067,7 +15420,16 @@
           <a:p>
             <a:r>
               <a:rPr lang="en-GB" dirty="0"/>
-              <a:t>Create a ‘remote’ repository</a:t>
+              <a:t>GitHub is already used widely within the NHS for code/file based storage and collaboration</a:t>
+            </a:r>
+          </a:p>
+          <a:p>
+            <a:endParaRPr lang="en-GB" dirty="0"/>
+          </a:p>
+          <a:p>
+            <a:r>
+              <a:rPr lang="en-GB" dirty="0"/>
+              <a:t>Mental Health &amp; Dementia Analytical Team </a:t>
             </a:r>
           </a:p>
           <a:p>
@@ -15076,16 +15438,9 @@
               <a:buChar char="o"/>
             </a:pPr>
             <a:r>
-              <a:rPr lang="en-GB" i="1" dirty="0"/>
-              <a:t>Create a GitHub account on </a:t>
-            </a:r>
-            <a:r>
-              <a:rPr lang="en-GB" dirty="0">
-                <a:hlinkClick r:id="rId3"/>
-              </a:rPr>
-              <a:t>GitHub</a:t>
-            </a:r>
-            <a:endParaRPr lang="en-GB" dirty="0"/>
+              <a:rPr lang="en-GB" dirty="0"/>
+              <a:t>Online, open-access repository to upload SQL files rather than losing them in emails/SharePoint, working collaboratively within the team or across teams</a:t>
+            </a:r>
           </a:p>
           <a:p>
             <a:pPr lvl="1">
@@ -15094,7 +15449,16 @@
             </a:pPr>
             <a:r>
               <a:rPr lang="en-GB" dirty="0"/>
-              <a:t>Click ‘create a new repository’</a:t>
+              <a:t>Benefits: Easily track changes to code, simple to share due to open-access, and transparent, so improves confidence in own published analysis</a:t>
+            </a:r>
+          </a:p>
+          <a:p>
+            <a:endParaRPr lang="en-GB" dirty="0"/>
+          </a:p>
+          <a:p>
+            <a:r>
+              <a:rPr lang="en-GB" dirty="0"/>
+              <a:t>A&amp;E Admissions Forecasting Tool</a:t>
             </a:r>
           </a:p>
           <a:p>
@@ -15104,7 +15468,7 @@
             </a:pPr>
             <a:r>
               <a:rPr lang="en-GB" dirty="0"/>
-              <a:t>Name it consistently with your local file</a:t>
+              <a:t>Describes the Master branch as the ‘single source of truth’</a:t>
             </a:r>
           </a:p>
           <a:p>
@@ -15114,80 +15478,11 @@
             </a:pPr>
             <a:r>
               <a:rPr lang="en-GB" dirty="0"/>
-              <a:t>You can add a README.md which explains to outside users what the project is (usually HTML). Licences can also be added which control what users can/can’t do with code. Would be helpful to establish what others use within NHSE</a:t>
-            </a:r>
-          </a:p>
-          <a:p>
-            <a:pPr marL="457200" lvl="1" indent="0">
-              <a:buNone/>
-            </a:pPr>
-            <a:endParaRPr lang="en-GB" dirty="0"/>
-          </a:p>
-          <a:p>
-            <a:r>
-              <a:rPr lang="en-GB" dirty="0"/>
-              <a:t>Connect ‘remote’ to ‘local’ repository</a:t>
-            </a:r>
-          </a:p>
-          <a:p>
-            <a:pPr lvl="1">
-              <a:buFont typeface="Courier New" panose="02070309020205020404" pitchFamily="49" charset="0"/>
-              <a:buChar char="o"/>
-            </a:pPr>
-            <a:r>
-              <a:rPr lang="en-GB" dirty="0"/>
-              <a:t>Using </a:t>
-            </a:r>
-            <a:r>
-              <a:rPr lang="en-GB" dirty="0" err="1"/>
-              <a:t>GitBash</a:t>
-            </a:r>
-            <a:r>
-              <a:rPr lang="en-GB" dirty="0"/>
-              <a:t> -&gt; </a:t>
-            </a:r>
-            <a:r>
-              <a:rPr lang="en-GB" i="1" dirty="0"/>
-              <a:t>git remote add origin &lt;link to GitHub repo&gt;</a:t>
-            </a:r>
-          </a:p>
-          <a:p>
-            <a:pPr lvl="1">
-              <a:buFont typeface="Courier New" panose="02070309020205020404" pitchFamily="49" charset="0"/>
-              <a:buChar char="o"/>
-            </a:pPr>
-            <a:endParaRPr lang="en-GB" i="1" dirty="0"/>
-          </a:p>
-          <a:p>
-            <a:r>
-              <a:rPr lang="en-GB" dirty="0"/>
-              <a:t>Push your files to the remote repo</a:t>
-            </a:r>
-          </a:p>
-          <a:p>
-            <a:pPr lvl="1">
-              <a:buFont typeface="Courier New" panose="02070309020205020404" pitchFamily="49" charset="0"/>
-              <a:buChar char="o"/>
-            </a:pPr>
-            <a:r>
-              <a:rPr lang="en-GB" i="1" dirty="0"/>
-              <a:t>git push –u origin master </a:t>
-            </a:r>
-            <a:r>
-              <a:rPr lang="en-GB" dirty="0"/>
-              <a:t>-&gt; here, Master is the name of the main branch, and origin is the remote repo. If you were operating on a different branch, you would use that name, e.g. –u origin branch_1</a:t>
-            </a:r>
-          </a:p>
-          <a:p>
-            <a:pPr marL="457200" lvl="1" indent="0">
-              <a:buNone/>
-            </a:pPr>
-            <a:endParaRPr lang="en-GB" i="1" dirty="0"/>
-          </a:p>
-          <a:p>
-            <a:r>
-              <a:rPr lang="en-GB" i="1" dirty="0"/>
-              <a:t>Check GitHub to see if the changes have been made, and are up to date</a:t>
+              <a:t>Using a few different repositories for </a:t>
+            </a:r>
+            <a:r>
+              <a:rPr lang="en-GB"/>
+              <a:t>different areas of a project</a:t>
             </a:r>
           </a:p>
           <a:p>
@@ -15197,12 +15492,6 @@
             </a:pPr>
             <a:endParaRPr lang="en-GB" dirty="0"/>
           </a:p>
-          <a:p>
-            <a:pPr marL="457200" lvl="1" indent="0">
-              <a:buNone/>
-            </a:pPr>
-            <a:endParaRPr lang="en-GB" dirty="0"/>
-          </a:p>
         </p:txBody>
       </p:sp>
       <p:sp>
@@ -15210,7 +15499,7 @@
           <p:cNvPr id="3" name="Footer Placeholder 2">
             <a:extLst>
               <a:ext uri="{FF2B5EF4-FFF2-40B4-BE49-F238E27FC236}">
-                <a16:creationId xmlns:a16="http://schemas.microsoft.com/office/drawing/2014/main" id="{6942939B-7B0C-42A5-8BC5-642B25324167}"/>
+                <a16:creationId xmlns:a16="http://schemas.microsoft.com/office/drawing/2014/main" id="{A7AC4494-DC7F-426D-B5BF-14F0BA385522}"/>
               </a:ext>
             </a:extLst>
           </p:cNvPr>
@@ -15227,7 +15516,7 @@
           <a:lstStyle/>
           <a:p>
             <a:r>
-              <a:rPr lang="en-GB" dirty="0"/>
+              <a:rPr lang="en-GB"/>
               <a:t>PowerPoint Style Guide / Supporting Templates</a:t>
             </a:r>
             <a:endParaRPr lang="en-US" dirty="0"/>
@@ -15239,7 +15528,7 @@
           <p:cNvPr id="4" name="Title 3">
             <a:extLst>
               <a:ext uri="{FF2B5EF4-FFF2-40B4-BE49-F238E27FC236}">
-                <a16:creationId xmlns:a16="http://schemas.microsoft.com/office/drawing/2014/main" id="{42A5EA90-17C9-4BD5-BD0D-74A5419E18C7}"/>
+                <a16:creationId xmlns:a16="http://schemas.microsoft.com/office/drawing/2014/main" id="{12FFB6D8-3053-4E55-BAE8-AFCC0592C8E7}"/>
               </a:ext>
             </a:extLst>
           </p:cNvPr>
@@ -15257,62 +15546,15 @@
           <a:p>
             <a:r>
               <a:rPr lang="en-GB" dirty="0"/>
-              <a:t>Connecting to GitHub</a:t>
-            </a:r>
-          </a:p>
-        </p:txBody>
-      </p:sp>
-      <p:pic>
-        <p:nvPicPr>
-          <p:cNvPr id="5" name="Picture 2" descr="See the source image">
-            <a:extLst>
-              <a:ext uri="{FF2B5EF4-FFF2-40B4-BE49-F238E27FC236}">
-                <a16:creationId xmlns:a16="http://schemas.microsoft.com/office/drawing/2014/main" id="{62E3031D-4D8D-4299-BC07-A474B9B7732C}"/>
-              </a:ext>
-            </a:extLst>
-          </p:cNvPr>
-          <p:cNvPicPr>
-            <a:picLocks noChangeAspect="1" noChangeArrowheads="1"/>
-          </p:cNvPicPr>
-          <p:nvPr/>
-        </p:nvPicPr>
-        <p:blipFill>
-          <a:blip r:embed="rId4">
-            <a:extLst>
-              <a:ext uri="{28A0092B-C50C-407E-A947-70E740481C1C}">
-                <a14:useLocalDpi xmlns:a14="http://schemas.microsoft.com/office/drawing/2010/main" val="0"/>
-              </a:ext>
-            </a:extLst>
-          </a:blip>
-          <a:srcRect/>
-          <a:stretch>
-            <a:fillRect/>
-          </a:stretch>
-        </p:blipFill>
-        <p:spPr bwMode="auto">
-          <a:xfrm>
-            <a:off x="7338694" y="5450056"/>
-            <a:ext cx="1382318" cy="1248508"/>
-          </a:xfrm>
-          <a:prstGeom prst="rect">
-            <a:avLst/>
-          </a:prstGeom>
-          <a:noFill/>
-          <a:extLst>
-            <a:ext uri="{909E8E84-426E-40DD-AFC4-6F175D3DCCD1}">
-              <a14:hiddenFill xmlns:a14="http://schemas.microsoft.com/office/drawing/2010/main">
-                <a:solidFill>
-                  <a:srgbClr val="FFFFFF"/>
-                </a:solidFill>
-              </a14:hiddenFill>
-            </a:ext>
-          </a:extLst>
-        </p:spPr>
-      </p:pic>
+              <a:t>Learning From Others</a:t>
+            </a:r>
+          </a:p>
+        </p:txBody>
+      </p:sp>
     </p:spTree>
     <p:extLst>
       <p:ext uri="{BB962C8B-B14F-4D97-AF65-F5344CB8AC3E}">
-        <p14:creationId xmlns:p14="http://schemas.microsoft.com/office/powerpoint/2010/main" val="4006080756"/>
+        <p14:creationId xmlns:p14="http://schemas.microsoft.com/office/powerpoint/2010/main" val="4151486386"/>
       </p:ext>
     </p:extLst>
   </p:cSld>
@@ -15362,7 +15604,7 @@
           <a:p>
             <a:r>
               <a:rPr lang="en-GB" dirty="0"/>
-              <a:t>Branches are an independent line of development, away from the main branch</a:t>
+              <a:t>Create a ‘remote’ repository</a:t>
             </a:r>
           </a:p>
           <a:p>
@@ -15371,9 +15613,16 @@
               <a:buChar char="o"/>
             </a:pPr>
             <a:r>
-              <a:rPr lang="en-GB" dirty="0"/>
-              <a:t>Files are identical to the main branch, but adding and committing new files, or changes, do not automatically affect the main branch</a:t>
-            </a:r>
+              <a:rPr lang="en-GB" i="1" dirty="0"/>
+              <a:t>Create a GitHub account on </a:t>
+            </a:r>
+            <a:r>
+              <a:rPr lang="en-GB" dirty="0">
+                <a:hlinkClick r:id="rId3"/>
+              </a:rPr>
+              <a:t>GitHub</a:t>
+            </a:r>
+            <a:endParaRPr lang="en-GB" dirty="0"/>
           </a:p>
           <a:p>
             <a:pPr lvl="1">
@@ -15382,7 +15631,7 @@
             </a:pPr>
             <a:r>
               <a:rPr lang="en-GB" dirty="0"/>
-              <a:t>The latest edited branch can be merged with the master branch, meaning that the master always contains production quality code</a:t>
+              <a:t>Click ‘create a new repository’</a:t>
             </a:r>
           </a:p>
           <a:p>
@@ -15392,7 +15641,90 @@
             </a:pPr>
             <a:r>
               <a:rPr lang="en-GB" dirty="0"/>
-              <a:t>Name branches v1, v1.1 etc. as change are made, which keeps a log of all changes made</a:t>
+              <a:t>Name it consistently with your local file</a:t>
+            </a:r>
+          </a:p>
+          <a:p>
+            <a:pPr lvl="1">
+              <a:buFont typeface="Courier New" panose="02070309020205020404" pitchFamily="49" charset="0"/>
+              <a:buChar char="o"/>
+            </a:pPr>
+            <a:r>
+              <a:rPr lang="en-GB" dirty="0"/>
+              <a:t>You can add a README.md which explains to outside users what the project is (usually HTML). Licences can also be added which control what users can/can’t do with code. Would be helpful to establish what others use within NHSE</a:t>
+            </a:r>
+          </a:p>
+          <a:p>
+            <a:pPr marL="457200" lvl="1" indent="0">
+              <a:buNone/>
+            </a:pPr>
+            <a:endParaRPr lang="en-GB" dirty="0"/>
+          </a:p>
+          <a:p>
+            <a:r>
+              <a:rPr lang="en-GB" dirty="0"/>
+              <a:t>Connect ‘remote’ to ‘local’ repository</a:t>
+            </a:r>
+          </a:p>
+          <a:p>
+            <a:pPr lvl="1">
+              <a:buFont typeface="Courier New" panose="02070309020205020404" pitchFamily="49" charset="0"/>
+              <a:buChar char="o"/>
+            </a:pPr>
+            <a:r>
+              <a:rPr lang="en-GB" dirty="0"/>
+              <a:t>Using </a:t>
+            </a:r>
+            <a:r>
+              <a:rPr lang="en-GB" dirty="0" err="1"/>
+              <a:t>GitBash</a:t>
+            </a:r>
+            <a:r>
+              <a:rPr lang="en-GB" dirty="0"/>
+              <a:t> -&gt; </a:t>
+            </a:r>
+            <a:r>
+              <a:rPr lang="en-GB" i="1" dirty="0"/>
+              <a:t>git remote add origin &lt;link to GitHub repo&gt;</a:t>
+            </a:r>
+          </a:p>
+          <a:p>
+            <a:pPr lvl="1">
+              <a:buFont typeface="Courier New" panose="02070309020205020404" pitchFamily="49" charset="0"/>
+              <a:buChar char="o"/>
+            </a:pPr>
+            <a:endParaRPr lang="en-GB" i="1" dirty="0"/>
+          </a:p>
+          <a:p>
+            <a:r>
+              <a:rPr lang="en-GB" dirty="0"/>
+              <a:t>Push your files to the remote repo</a:t>
+            </a:r>
+          </a:p>
+          <a:p>
+            <a:pPr lvl="1">
+              <a:buFont typeface="Courier New" panose="02070309020205020404" pitchFamily="49" charset="0"/>
+              <a:buChar char="o"/>
+            </a:pPr>
+            <a:r>
+              <a:rPr lang="en-GB" i="1" dirty="0"/>
+              <a:t>git push –u origin master </a:t>
+            </a:r>
+            <a:r>
+              <a:rPr lang="en-GB" dirty="0"/>
+              <a:t>-&gt; here, Master is the name of the main branch, and origin is the remote repo. If you were operating on a different branch, you would use that name, e.g. –u origin branch_1</a:t>
+            </a:r>
+          </a:p>
+          <a:p>
+            <a:pPr marL="457200" lvl="1" indent="0">
+              <a:buNone/>
+            </a:pPr>
+            <a:endParaRPr lang="en-GB" i="1" dirty="0"/>
+          </a:p>
+          <a:p>
+            <a:r>
+              <a:rPr lang="en-GB" i="1" dirty="0"/>
+              <a:t>Check GitHub to see if the changes have been made, and are up to date</a:t>
             </a:r>
           </a:p>
           <a:p>
@@ -15403,77 +15735,10 @@
             <a:endParaRPr lang="en-GB" dirty="0"/>
           </a:p>
           <a:p>
-            <a:r>
-              <a:rPr lang="en-GB" i="1" dirty="0"/>
-              <a:t>git checkout –b </a:t>
-            </a:r>
-            <a:r>
-              <a:rPr lang="en-GB" i="1" dirty="0" err="1"/>
-              <a:t>edit_branch</a:t>
-            </a:r>
-            <a:r>
-              <a:rPr lang="en-GB" i="1" dirty="0"/>
-              <a:t> </a:t>
-            </a:r>
-            <a:r>
-              <a:rPr lang="en-GB" dirty="0"/>
-              <a:t>-&gt; Creating a new branch ‘</a:t>
-            </a:r>
-            <a:r>
-              <a:rPr lang="en-GB" dirty="0" err="1"/>
-              <a:t>edit_branch</a:t>
-            </a:r>
-            <a:r>
-              <a:rPr lang="en-GB" dirty="0"/>
-              <a:t>’ and moving to that branch</a:t>
-            </a:r>
-          </a:p>
-          <a:p>
-            <a:pPr lvl="1">
-              <a:buFont typeface="Courier New" panose="02070309020205020404" pitchFamily="49" charset="0"/>
-              <a:buChar char="o"/>
-            </a:pPr>
-            <a:r>
-              <a:rPr lang="en-GB" dirty="0"/>
-              <a:t>Here we can make the required changes that can be proposed, but not necessarily merged to the main branch</a:t>
-            </a:r>
-          </a:p>
-          <a:p>
-            <a:pPr lvl="1">
-              <a:buFont typeface="Courier New" panose="02070309020205020404" pitchFamily="49" charset="0"/>
-              <a:buChar char="o"/>
-            </a:pPr>
-            <a:r>
-              <a:rPr lang="en-GB" i="1" dirty="0"/>
-              <a:t>git checkout master </a:t>
-            </a:r>
-            <a:r>
-              <a:rPr lang="en-GB" dirty="0"/>
-              <a:t>would move you back to the main branch</a:t>
-            </a:r>
-          </a:p>
-          <a:p>
-            <a:pPr lvl="1">
-              <a:buFont typeface="Courier New" panose="02070309020205020404" pitchFamily="49" charset="0"/>
-              <a:buChar char="o"/>
+            <a:pPr marL="457200" lvl="1" indent="0">
+              <a:buNone/>
             </a:pPr>
             <a:endParaRPr lang="en-GB" dirty="0"/>
-          </a:p>
-          <a:p>
-            <a:r>
-              <a:rPr lang="en-GB" dirty="0"/>
-              <a:t>Switching between branches allows you to compare the versions and assess the changes made. This means that further alterations can be made before the branches are merged, and the master then contains the latest version</a:t>
-            </a:r>
-          </a:p>
-          <a:p>
-            <a:pPr lvl="1">
-              <a:buFont typeface="Courier New" panose="02070309020205020404" pitchFamily="49" charset="0"/>
-              <a:buChar char="o"/>
-            </a:pPr>
-            <a:endParaRPr lang="en-GB" i="1" dirty="0"/>
-          </a:p>
-          <a:p>
-            <a:endParaRPr lang="en-GB" i="1" dirty="0"/>
           </a:p>
         </p:txBody>
       </p:sp>
@@ -15529,7 +15794,7 @@
           <a:p>
             <a:r>
               <a:rPr lang="en-GB" dirty="0"/>
-              <a:t>Using Branches</a:t>
+              <a:t>Connecting to GitHub</a:t>
             </a:r>
           </a:p>
         </p:txBody>
@@ -15539,7 +15804,7 @@
           <p:cNvPr id="5" name="Picture 2" descr="See the source image">
             <a:extLst>
               <a:ext uri="{FF2B5EF4-FFF2-40B4-BE49-F238E27FC236}">
-                <a16:creationId xmlns:a16="http://schemas.microsoft.com/office/drawing/2014/main" id="{DA37BB83-A404-466E-AF5B-9DECFAADE798}"/>
+                <a16:creationId xmlns:a16="http://schemas.microsoft.com/office/drawing/2014/main" id="{62E3031D-4D8D-4299-BC07-A474B9B7732C}"/>
               </a:ext>
             </a:extLst>
           </p:cNvPr>
@@ -15549,7 +15814,7 @@
           <p:nvPr/>
         </p:nvPicPr>
         <p:blipFill>
-          <a:blip r:embed="rId3">
+          <a:blip r:embed="rId4">
             <a:extLst>
               <a:ext uri="{28A0092B-C50C-407E-A947-70E740481C1C}">
                 <a14:useLocalDpi xmlns:a14="http://schemas.microsoft.com/office/drawing/2010/main" val="0"/>
@@ -15584,7 +15849,7 @@
     </p:spTree>
     <p:extLst>
       <p:ext uri="{BB962C8B-B14F-4D97-AF65-F5344CB8AC3E}">
-        <p14:creationId xmlns:p14="http://schemas.microsoft.com/office/powerpoint/2010/main" val="3118825995"/>
+        <p14:creationId xmlns:p14="http://schemas.microsoft.com/office/powerpoint/2010/main" val="4006080756"/>
       </p:ext>
     </p:extLst>
   </p:cSld>
@@ -15611,12 +15876,207 @@
           <a:chExt cx="0" cy="0"/>
         </a:xfrm>
       </p:grpSpPr>
+      <p:sp>
+        <p:nvSpPr>
+          <p:cNvPr id="2" name="Content Placeholder 1">
+            <a:extLst>
+              <a:ext uri="{FF2B5EF4-FFF2-40B4-BE49-F238E27FC236}">
+                <a16:creationId xmlns:a16="http://schemas.microsoft.com/office/drawing/2014/main" id="{48869F42-6D93-4C35-8FA5-AE406994C1E3}"/>
+              </a:ext>
+            </a:extLst>
+          </p:cNvPr>
+          <p:cNvSpPr>
+            <a:spLocks noGrp="1"/>
+          </p:cNvSpPr>
+          <p:nvPr>
+            <p:ph sz="quarter" idx="10"/>
+          </p:nvPr>
+        </p:nvSpPr>
+        <p:spPr/>
+        <p:txBody>
+          <a:bodyPr/>
+          <a:lstStyle/>
+          <a:p>
+            <a:r>
+              <a:rPr lang="en-GB" dirty="0"/>
+              <a:t>Branches are an independent line of development, away from the main branch</a:t>
+            </a:r>
+          </a:p>
+          <a:p>
+            <a:pPr lvl="1">
+              <a:buFont typeface="Courier New" panose="02070309020205020404" pitchFamily="49" charset="0"/>
+              <a:buChar char="o"/>
+            </a:pPr>
+            <a:r>
+              <a:rPr lang="en-GB" dirty="0"/>
+              <a:t>Files are identical to the main branch, but adding and committing new files, or changes, do not automatically affect the main branch</a:t>
+            </a:r>
+          </a:p>
+          <a:p>
+            <a:pPr lvl="1">
+              <a:buFont typeface="Courier New" panose="02070309020205020404" pitchFamily="49" charset="0"/>
+              <a:buChar char="o"/>
+            </a:pPr>
+            <a:r>
+              <a:rPr lang="en-GB" dirty="0"/>
+              <a:t>The latest edited branch can be merged with the master branch, meaning that the master always contains production quality code</a:t>
+            </a:r>
+          </a:p>
+          <a:p>
+            <a:pPr lvl="1">
+              <a:buFont typeface="Courier New" panose="02070309020205020404" pitchFamily="49" charset="0"/>
+              <a:buChar char="o"/>
+            </a:pPr>
+            <a:r>
+              <a:rPr lang="en-GB" dirty="0"/>
+              <a:t>Name branches v1, v1.1 etc. as change are made, which keeps a log of all changes made</a:t>
+            </a:r>
+          </a:p>
+          <a:p>
+            <a:pPr lvl="1">
+              <a:buFont typeface="Courier New" panose="02070309020205020404" pitchFamily="49" charset="0"/>
+              <a:buChar char="o"/>
+            </a:pPr>
+            <a:endParaRPr lang="en-GB" dirty="0"/>
+          </a:p>
+          <a:p>
+            <a:r>
+              <a:rPr lang="en-GB" i="1" dirty="0"/>
+              <a:t>git checkout –b </a:t>
+            </a:r>
+            <a:r>
+              <a:rPr lang="en-GB" i="1" dirty="0" err="1"/>
+              <a:t>edit_branch</a:t>
+            </a:r>
+            <a:r>
+              <a:rPr lang="en-GB" i="1" dirty="0"/>
+              <a:t> </a:t>
+            </a:r>
+            <a:r>
+              <a:rPr lang="en-GB" dirty="0"/>
+              <a:t>-&gt; Creating a new branch ‘</a:t>
+            </a:r>
+            <a:r>
+              <a:rPr lang="en-GB" dirty="0" err="1"/>
+              <a:t>edit_branch</a:t>
+            </a:r>
+            <a:r>
+              <a:rPr lang="en-GB" dirty="0"/>
+              <a:t>’ and moving to that branch</a:t>
+            </a:r>
+          </a:p>
+          <a:p>
+            <a:pPr lvl="1">
+              <a:buFont typeface="Courier New" panose="02070309020205020404" pitchFamily="49" charset="0"/>
+              <a:buChar char="o"/>
+            </a:pPr>
+            <a:r>
+              <a:rPr lang="en-GB" dirty="0"/>
+              <a:t>Here we can make the required changes that can be proposed, but not necessarily merged to the main branch</a:t>
+            </a:r>
+          </a:p>
+          <a:p>
+            <a:pPr lvl="1">
+              <a:buFont typeface="Courier New" panose="02070309020205020404" pitchFamily="49" charset="0"/>
+              <a:buChar char="o"/>
+            </a:pPr>
+            <a:r>
+              <a:rPr lang="en-GB" i="1" dirty="0"/>
+              <a:t>git checkout master </a:t>
+            </a:r>
+            <a:r>
+              <a:rPr lang="en-GB" dirty="0"/>
+              <a:t>would move you back to the main branch</a:t>
+            </a:r>
+          </a:p>
+          <a:p>
+            <a:pPr lvl="1">
+              <a:buFont typeface="Courier New" panose="02070309020205020404" pitchFamily="49" charset="0"/>
+              <a:buChar char="o"/>
+            </a:pPr>
+            <a:endParaRPr lang="en-GB" dirty="0"/>
+          </a:p>
+          <a:p>
+            <a:r>
+              <a:rPr lang="en-GB" dirty="0"/>
+              <a:t>Switching between branches allows you to compare the versions and assess the changes made. This means that further alterations can be made before the branches are merged, and the master then contains the latest version</a:t>
+            </a:r>
+          </a:p>
+          <a:p>
+            <a:pPr lvl="1">
+              <a:buFont typeface="Courier New" panose="02070309020205020404" pitchFamily="49" charset="0"/>
+              <a:buChar char="o"/>
+            </a:pPr>
+            <a:endParaRPr lang="en-GB" i="1" dirty="0"/>
+          </a:p>
+          <a:p>
+            <a:endParaRPr lang="en-GB" i="1" dirty="0"/>
+          </a:p>
+        </p:txBody>
+      </p:sp>
+      <p:sp>
+        <p:nvSpPr>
+          <p:cNvPr id="3" name="Footer Placeholder 2">
+            <a:extLst>
+              <a:ext uri="{FF2B5EF4-FFF2-40B4-BE49-F238E27FC236}">
+                <a16:creationId xmlns:a16="http://schemas.microsoft.com/office/drawing/2014/main" id="{6942939B-7B0C-42A5-8BC5-642B25324167}"/>
+              </a:ext>
+            </a:extLst>
+          </p:cNvPr>
+          <p:cNvSpPr>
+            <a:spLocks noGrp="1"/>
+          </p:cNvSpPr>
+          <p:nvPr>
+            <p:ph type="ftr" sz="quarter" idx="3"/>
+          </p:nvPr>
+        </p:nvSpPr>
+        <p:spPr/>
+        <p:txBody>
+          <a:bodyPr/>
+          <a:lstStyle/>
+          <a:p>
+            <a:r>
+              <a:rPr lang="en-GB" dirty="0"/>
+              <a:t>PowerPoint Style Guide / Supporting Templates</a:t>
+            </a:r>
+            <a:endParaRPr lang="en-US" dirty="0"/>
+          </a:p>
+        </p:txBody>
+      </p:sp>
+      <p:sp>
+        <p:nvSpPr>
+          <p:cNvPr id="4" name="Title 3">
+            <a:extLst>
+              <a:ext uri="{FF2B5EF4-FFF2-40B4-BE49-F238E27FC236}">
+                <a16:creationId xmlns:a16="http://schemas.microsoft.com/office/drawing/2014/main" id="{42A5EA90-17C9-4BD5-BD0D-74A5419E18C7}"/>
+              </a:ext>
+            </a:extLst>
+          </p:cNvPr>
+          <p:cNvSpPr>
+            <a:spLocks noGrp="1"/>
+          </p:cNvSpPr>
+          <p:nvPr>
+            <p:ph type="title"/>
+          </p:nvPr>
+        </p:nvSpPr>
+        <p:spPr/>
+        <p:txBody>
+          <a:bodyPr/>
+          <a:lstStyle/>
+          <a:p>
+            <a:r>
+              <a:rPr lang="en-GB" dirty="0"/>
+              <a:t>Using Branches</a:t>
+            </a:r>
+          </a:p>
+        </p:txBody>
+      </p:sp>
       <p:pic>
         <p:nvPicPr>
           <p:cNvPr id="5" name="Picture 2" descr="See the source image">
             <a:extLst>
               <a:ext uri="{FF2B5EF4-FFF2-40B4-BE49-F238E27FC236}">
-                <a16:creationId xmlns:a16="http://schemas.microsoft.com/office/drawing/2014/main" id="{0ED5EA98-2928-4140-96E4-BCECB454AD2D}"/>
+                <a16:creationId xmlns:a16="http://schemas.microsoft.com/office/drawing/2014/main" id="{DA37BB83-A404-466E-AF5B-9DECFAADE798}"/>
               </a:ext>
             </a:extLst>
           </p:cNvPr>
@@ -15658,223 +16118,10 @@
           </a:extLst>
         </p:spPr>
       </p:pic>
-      <p:sp>
-        <p:nvSpPr>
-          <p:cNvPr id="2" name="Content Placeholder 1">
-            <a:extLst>
-              <a:ext uri="{FF2B5EF4-FFF2-40B4-BE49-F238E27FC236}">
-                <a16:creationId xmlns:a16="http://schemas.microsoft.com/office/drawing/2014/main" id="{48869F42-6D93-4C35-8FA5-AE406994C1E3}"/>
-              </a:ext>
-            </a:extLst>
-          </p:cNvPr>
-          <p:cNvSpPr>
-            <a:spLocks noGrp="1"/>
-          </p:cNvSpPr>
-          <p:nvPr>
-            <p:ph sz="quarter" idx="10"/>
-          </p:nvPr>
-        </p:nvSpPr>
-        <p:spPr/>
-        <p:txBody>
-          <a:bodyPr/>
-          <a:lstStyle/>
-          <a:p>
-            <a:r>
-              <a:rPr lang="en-GB" dirty="0"/>
-              <a:t>Version Control -&gt; Version Control can be something that is difficult/time consuming to complete</a:t>
-            </a:r>
-          </a:p>
-          <a:p>
-            <a:pPr lvl="1">
-              <a:buFont typeface="Courier New" panose="02070309020205020404" pitchFamily="49" charset="0"/>
-              <a:buChar char="o"/>
-            </a:pPr>
-            <a:r>
-              <a:rPr lang="en-GB" dirty="0"/>
-              <a:t>There are often small changes that may seem meaningless to record</a:t>
-            </a:r>
-          </a:p>
-          <a:p>
-            <a:pPr lvl="1">
-              <a:buFont typeface="Courier New" panose="02070309020205020404" pitchFamily="49" charset="0"/>
-              <a:buChar char="o"/>
-            </a:pPr>
-            <a:r>
-              <a:rPr lang="en-GB" dirty="0"/>
-              <a:t>There can be large changes that change the landscape of a file</a:t>
-            </a:r>
-          </a:p>
-          <a:p>
-            <a:pPr lvl="1">
-              <a:buFont typeface="Courier New" panose="02070309020205020404" pitchFamily="49" charset="0"/>
-              <a:buChar char="o"/>
-            </a:pPr>
-            <a:r>
-              <a:rPr lang="en-GB" dirty="0"/>
-              <a:t>Branching allows small and large changes to be tracked, and files to be archived without clutter</a:t>
-            </a:r>
-          </a:p>
-          <a:p>
-            <a:pPr lvl="1">
-              <a:buFont typeface="Courier New" panose="02070309020205020404" pitchFamily="49" charset="0"/>
-              <a:buChar char="o"/>
-            </a:pPr>
-            <a:endParaRPr lang="en-GB" dirty="0"/>
-          </a:p>
-          <a:p>
-            <a:r>
-              <a:rPr lang="en-GB" dirty="0"/>
-              <a:t>Collaborative Working -&gt; The team often works on large R scripts / SQL queries etc. that may constantly change over the process of producing a product</a:t>
-            </a:r>
-          </a:p>
-          <a:p>
-            <a:pPr lvl="1">
-              <a:buFont typeface="Courier New" panose="02070309020205020404" pitchFamily="49" charset="0"/>
-              <a:buChar char="o"/>
-            </a:pPr>
-            <a:r>
-              <a:rPr lang="en-GB" dirty="0"/>
-              <a:t>Multiple colleagues can access scripts, make changes, </a:t>
-            </a:r>
-            <a:r>
-              <a:rPr lang="en-GB" i="1" dirty="0"/>
-              <a:t>push</a:t>
-            </a:r>
-            <a:r>
-              <a:rPr lang="en-GB" dirty="0"/>
-              <a:t> them to the remote, and </a:t>
-            </a:r>
-            <a:r>
-              <a:rPr lang="en-GB" i="1" dirty="0"/>
-              <a:t>pull</a:t>
-            </a:r>
-            <a:r>
-              <a:rPr lang="en-GB" dirty="0"/>
-              <a:t> the changes that others have made</a:t>
-            </a:r>
-          </a:p>
-          <a:p>
-            <a:pPr lvl="1">
-              <a:buFont typeface="Courier New" panose="02070309020205020404" pitchFamily="49" charset="0"/>
-              <a:buChar char="o"/>
-            </a:pPr>
-            <a:r>
-              <a:rPr lang="en-GB" dirty="0"/>
-              <a:t>These changes can be reviewed centrally, and commits and merges can be made where we are confident that change is necessary</a:t>
-            </a:r>
-          </a:p>
-          <a:p>
-            <a:pPr lvl="1">
-              <a:buFont typeface="Courier New" panose="02070309020205020404" pitchFamily="49" charset="0"/>
-              <a:buChar char="o"/>
-            </a:pPr>
-            <a:r>
-              <a:rPr lang="en-GB" dirty="0"/>
-              <a:t>This would be useful for future iterations of PLICS where the R code will likely become much larger, and more people will work on it</a:t>
-            </a:r>
-          </a:p>
-          <a:p>
-            <a:pPr lvl="1">
-              <a:buFont typeface="Courier New" panose="02070309020205020404" pitchFamily="49" charset="0"/>
-              <a:buChar char="o"/>
-            </a:pPr>
-            <a:endParaRPr lang="en-GB" dirty="0"/>
-          </a:p>
-          <a:p>
-            <a:r>
-              <a:rPr lang="en-GB" dirty="0"/>
-              <a:t>Transparency and Schematics -&gt; Schematics can sometimes be difficult to produce as lots of processes have taken place</a:t>
-            </a:r>
-          </a:p>
-          <a:p>
-            <a:pPr lvl="1">
-              <a:buFont typeface="Courier New" panose="02070309020205020404" pitchFamily="49" charset="0"/>
-              <a:buChar char="o"/>
-            </a:pPr>
-            <a:r>
-              <a:rPr lang="en-GB" dirty="0"/>
-              <a:t>This nature of version control allows the steps of change for production documents to be followed easily, if an appropriate naming system is adopted</a:t>
-            </a:r>
-          </a:p>
-          <a:p>
-            <a:pPr lvl="1">
-              <a:buFont typeface="Courier New" panose="02070309020205020404" pitchFamily="49" charset="0"/>
-              <a:buChar char="o"/>
-            </a:pPr>
-            <a:r>
-              <a:rPr lang="en-GB" dirty="0"/>
-              <a:t>The –m messaging feature allows colleagues to label their changes, e.g. ‘lines added for MFF values’</a:t>
-            </a:r>
-          </a:p>
-          <a:p>
-            <a:pPr marL="457200" lvl="1" indent="0">
-              <a:buNone/>
-            </a:pPr>
-            <a:endParaRPr lang="en-GB" dirty="0"/>
-          </a:p>
-        </p:txBody>
-      </p:sp>
-      <p:sp>
-        <p:nvSpPr>
-          <p:cNvPr id="3" name="Footer Placeholder 2">
-            <a:extLst>
-              <a:ext uri="{FF2B5EF4-FFF2-40B4-BE49-F238E27FC236}">
-                <a16:creationId xmlns:a16="http://schemas.microsoft.com/office/drawing/2014/main" id="{6942939B-7B0C-42A5-8BC5-642B25324167}"/>
-              </a:ext>
-            </a:extLst>
-          </p:cNvPr>
-          <p:cNvSpPr>
-            <a:spLocks noGrp="1"/>
-          </p:cNvSpPr>
-          <p:nvPr>
-            <p:ph type="ftr" sz="quarter" idx="3"/>
-          </p:nvPr>
-        </p:nvSpPr>
-        <p:spPr/>
-        <p:txBody>
-          <a:bodyPr/>
-          <a:lstStyle/>
-          <a:p>
-            <a:r>
-              <a:rPr lang="en-GB"/>
-              <a:t>PowerPoint Style Guide / Supporting Templates</a:t>
-            </a:r>
-            <a:endParaRPr lang="en-US" dirty="0"/>
-          </a:p>
-        </p:txBody>
-      </p:sp>
-      <p:sp>
-        <p:nvSpPr>
-          <p:cNvPr id="4" name="Title 3">
-            <a:extLst>
-              <a:ext uri="{FF2B5EF4-FFF2-40B4-BE49-F238E27FC236}">
-                <a16:creationId xmlns:a16="http://schemas.microsoft.com/office/drawing/2014/main" id="{42A5EA90-17C9-4BD5-BD0D-74A5419E18C7}"/>
-              </a:ext>
-            </a:extLst>
-          </p:cNvPr>
-          <p:cNvSpPr>
-            <a:spLocks noGrp="1"/>
-          </p:cNvSpPr>
-          <p:nvPr>
-            <p:ph type="title"/>
-          </p:nvPr>
-        </p:nvSpPr>
-        <p:spPr/>
-        <p:txBody>
-          <a:bodyPr/>
-          <a:lstStyle/>
-          <a:p>
-            <a:r>
-              <a:rPr lang="en-GB" dirty="0"/>
-              <a:t>Why is this applicable to AIF Payments?</a:t>
-            </a:r>
-          </a:p>
-        </p:txBody>
-      </p:sp>
     </p:spTree>
     <p:extLst>
       <p:ext uri="{BB962C8B-B14F-4D97-AF65-F5344CB8AC3E}">
-        <p14:creationId xmlns:p14="http://schemas.microsoft.com/office/powerpoint/2010/main" val="2310298358"/>
+        <p14:creationId xmlns:p14="http://schemas.microsoft.com/office/powerpoint/2010/main" val="3118825995"/>
       </p:ext>
     </p:extLst>
   </p:cSld>
@@ -15950,6 +16197,162 @@
       </p:pic>
       <p:sp>
         <p:nvSpPr>
+          <p:cNvPr id="2" name="Content Placeholder 1">
+            <a:extLst>
+              <a:ext uri="{FF2B5EF4-FFF2-40B4-BE49-F238E27FC236}">
+                <a16:creationId xmlns:a16="http://schemas.microsoft.com/office/drawing/2014/main" id="{48869F42-6D93-4C35-8FA5-AE406994C1E3}"/>
+              </a:ext>
+            </a:extLst>
+          </p:cNvPr>
+          <p:cNvSpPr>
+            <a:spLocks noGrp="1"/>
+          </p:cNvSpPr>
+          <p:nvPr>
+            <p:ph sz="quarter" idx="10"/>
+          </p:nvPr>
+        </p:nvSpPr>
+        <p:spPr/>
+        <p:txBody>
+          <a:bodyPr/>
+          <a:lstStyle/>
+          <a:p>
+            <a:r>
+              <a:rPr lang="en-GB" dirty="0"/>
+              <a:t>Version Control -&gt; Version Control can be something that is difficult/time consuming to complete</a:t>
+            </a:r>
+          </a:p>
+          <a:p>
+            <a:pPr lvl="1">
+              <a:buFont typeface="Courier New" panose="02070309020205020404" pitchFamily="49" charset="0"/>
+              <a:buChar char="o"/>
+            </a:pPr>
+            <a:r>
+              <a:rPr lang="en-GB" dirty="0"/>
+              <a:t>There are often small changes that may seem meaningless to record</a:t>
+            </a:r>
+          </a:p>
+          <a:p>
+            <a:pPr lvl="1">
+              <a:buFont typeface="Courier New" panose="02070309020205020404" pitchFamily="49" charset="0"/>
+              <a:buChar char="o"/>
+            </a:pPr>
+            <a:r>
+              <a:rPr lang="en-GB" dirty="0"/>
+              <a:t>There can be large changes that change the landscape of a file</a:t>
+            </a:r>
+          </a:p>
+          <a:p>
+            <a:pPr lvl="1">
+              <a:buFont typeface="Courier New" panose="02070309020205020404" pitchFamily="49" charset="0"/>
+              <a:buChar char="o"/>
+            </a:pPr>
+            <a:r>
+              <a:rPr lang="en-GB" dirty="0"/>
+              <a:t>Branching allows small and large changes to be tracked, and files to be archived without clutter</a:t>
+            </a:r>
+          </a:p>
+          <a:p>
+            <a:pPr lvl="1">
+              <a:buFont typeface="Courier New" panose="02070309020205020404" pitchFamily="49" charset="0"/>
+              <a:buChar char="o"/>
+            </a:pPr>
+            <a:endParaRPr lang="en-GB" dirty="0"/>
+          </a:p>
+          <a:p>
+            <a:r>
+              <a:rPr lang="en-GB" dirty="0"/>
+              <a:t>Collaborative Working -&gt; The team often works on large R scripts / SQL queries etc. that may constantly change over the process of producing a product</a:t>
+            </a:r>
+          </a:p>
+          <a:p>
+            <a:pPr lvl="1">
+              <a:buFont typeface="Courier New" panose="02070309020205020404" pitchFamily="49" charset="0"/>
+              <a:buChar char="o"/>
+            </a:pPr>
+            <a:r>
+              <a:rPr lang="en-GB" dirty="0"/>
+              <a:t>Multiple colleagues can access scripts, make changes, </a:t>
+            </a:r>
+            <a:r>
+              <a:rPr lang="en-GB" i="1" dirty="0"/>
+              <a:t>push</a:t>
+            </a:r>
+            <a:r>
+              <a:rPr lang="en-GB" dirty="0"/>
+              <a:t> them to the remote, and </a:t>
+            </a:r>
+            <a:r>
+              <a:rPr lang="en-GB" i="1" dirty="0"/>
+              <a:t>pull</a:t>
+            </a:r>
+            <a:r>
+              <a:rPr lang="en-GB" dirty="0"/>
+              <a:t> the changes that others have made</a:t>
+            </a:r>
+          </a:p>
+          <a:p>
+            <a:pPr lvl="1">
+              <a:buFont typeface="Courier New" panose="02070309020205020404" pitchFamily="49" charset="0"/>
+              <a:buChar char="o"/>
+            </a:pPr>
+            <a:r>
+              <a:rPr lang="en-GB" dirty="0"/>
+              <a:t>These changes can be reviewed centrally, and commits and merges can be made where we are confident that change is necessary</a:t>
+            </a:r>
+          </a:p>
+          <a:p>
+            <a:pPr lvl="1">
+              <a:buFont typeface="Courier New" panose="02070309020205020404" pitchFamily="49" charset="0"/>
+              <a:buChar char="o"/>
+            </a:pPr>
+            <a:r>
+              <a:rPr lang="en-GB" dirty="0"/>
+              <a:t>This would be useful for future iterations of PLICS where the R code will likely become much larger, and more people will work on it</a:t>
+            </a:r>
+          </a:p>
+          <a:p>
+            <a:pPr lvl="1">
+              <a:buFont typeface="Courier New" panose="02070309020205020404" pitchFamily="49" charset="0"/>
+              <a:buChar char="o"/>
+            </a:pPr>
+            <a:endParaRPr lang="en-GB" dirty="0"/>
+          </a:p>
+          <a:p>
+            <a:r>
+              <a:rPr lang="en-GB" dirty="0"/>
+              <a:t>Transparency and Schematics -&gt; Schematics can sometimes be difficult to produce as lots of processes have taken place</a:t>
+            </a:r>
+          </a:p>
+          <a:p>
+            <a:pPr lvl="1">
+              <a:buFont typeface="Courier New" panose="02070309020205020404" pitchFamily="49" charset="0"/>
+              <a:buChar char="o"/>
+            </a:pPr>
+            <a:r>
+              <a:rPr lang="en-GB" dirty="0"/>
+              <a:t>This nature of version control allows the steps of change for production documents to be followed easily, if an appropriate naming system is adopted</a:t>
+            </a:r>
+          </a:p>
+          <a:p>
+            <a:pPr lvl="1">
+              <a:buFont typeface="Courier New" panose="02070309020205020404" pitchFamily="49" charset="0"/>
+              <a:buChar char="o"/>
+            </a:pPr>
+            <a:r>
+              <a:rPr lang="en-GB" dirty="0"/>
+              <a:t>The –m messaging feature allows colleagues to label their changes, e.g. ‘lines added for MFF values’</a:t>
+            </a:r>
+          </a:p>
+          <a:p>
+            <a:pPr marL="457200" lvl="1" indent="0">
+              <a:buNone/>
+            </a:pPr>
+            <a:endParaRPr lang="en-GB" dirty="0"/>
+          </a:p>
+        </p:txBody>
+      </p:sp>
+      <p:sp>
+        <p:nvSpPr>
           <p:cNvPr id="3" name="Footer Placeholder 2">
             <a:extLst>
               <a:ext uri="{FF2B5EF4-FFF2-40B4-BE49-F238E27FC236}">
@@ -16000,137 +16403,7 @@
           <a:p>
             <a:r>
               <a:rPr lang="en-GB" dirty="0"/>
-              <a:t>Visual Run: Initialisation</a:t>
-            </a:r>
-          </a:p>
-        </p:txBody>
-      </p:sp>
-      <p:pic>
-        <p:nvPicPr>
-          <p:cNvPr id="7" name="Picture 6">
-            <a:extLst>
-              <a:ext uri="{FF2B5EF4-FFF2-40B4-BE49-F238E27FC236}">
-                <a16:creationId xmlns:a16="http://schemas.microsoft.com/office/drawing/2014/main" id="{E1D8423B-2659-4FCA-865B-E9DFA4510990}"/>
-              </a:ext>
-            </a:extLst>
-          </p:cNvPr>
-          <p:cNvPicPr>
-            <a:picLocks noChangeAspect="1"/>
-          </p:cNvPicPr>
-          <p:nvPr/>
-        </p:nvPicPr>
-        <p:blipFill>
-          <a:blip r:embed="rId4"/>
-          <a:stretch>
-            <a:fillRect/>
-          </a:stretch>
-        </p:blipFill>
-        <p:spPr>
-          <a:xfrm>
-            <a:off x="533227" y="831105"/>
-            <a:ext cx="4838873" cy="3705228"/>
-          </a:xfrm>
-          <a:prstGeom prst="rect">
-            <a:avLst/>
-          </a:prstGeom>
-        </p:spPr>
-      </p:pic>
-      <p:pic>
-        <p:nvPicPr>
-          <p:cNvPr id="9" name="Picture 8">
-            <a:extLst>
-              <a:ext uri="{FF2B5EF4-FFF2-40B4-BE49-F238E27FC236}">
-                <a16:creationId xmlns:a16="http://schemas.microsoft.com/office/drawing/2014/main" id="{35B18837-73B4-49C2-9D15-47B5A2BCA344}"/>
-              </a:ext>
-            </a:extLst>
-          </p:cNvPr>
-          <p:cNvPicPr>
-            <a:picLocks noChangeAspect="1"/>
-          </p:cNvPicPr>
-          <p:nvPr/>
-        </p:nvPicPr>
-        <p:blipFill>
-          <a:blip r:embed="rId5"/>
-          <a:stretch>
-            <a:fillRect/>
-          </a:stretch>
-        </p:blipFill>
-        <p:spPr>
-          <a:xfrm>
-            <a:off x="3282378" y="3483130"/>
-            <a:ext cx="5563376" cy="1914792"/>
-          </a:xfrm>
-          <a:prstGeom prst="rect">
-            <a:avLst/>
-          </a:prstGeom>
-        </p:spPr>
-      </p:pic>
-      <p:sp>
-        <p:nvSpPr>
-          <p:cNvPr id="2" name="TextBox 1">
-            <a:extLst>
-              <a:ext uri="{FF2B5EF4-FFF2-40B4-BE49-F238E27FC236}">
-                <a16:creationId xmlns:a16="http://schemas.microsoft.com/office/drawing/2014/main" id="{112C730F-B8E3-48D8-96DD-B2D963FDE743}"/>
-              </a:ext>
-            </a:extLst>
-          </p:cNvPr>
-          <p:cNvSpPr txBox="1"/>
-          <p:nvPr/>
-        </p:nvSpPr>
-        <p:spPr>
-          <a:xfrm>
-            <a:off x="533227" y="4621158"/>
-            <a:ext cx="2250830" cy="523220"/>
-          </a:xfrm>
-          <a:prstGeom prst="rect">
-            <a:avLst/>
-          </a:prstGeom>
-          <a:noFill/>
-        </p:spPr>
-        <p:txBody>
-          <a:bodyPr wrap="square" rtlCol="0">
-            <a:spAutoFit/>
-          </a:bodyPr>
-          <a:lstStyle/>
-          <a:p>
-            <a:r>
-              <a:rPr lang="en-GB" sz="1400" dirty="0"/>
-              <a:t>1. Creating Local Repository</a:t>
-            </a:r>
-          </a:p>
-        </p:txBody>
-      </p:sp>
-      <p:sp>
-        <p:nvSpPr>
-          <p:cNvPr id="8" name="TextBox 7">
-            <a:extLst>
-              <a:ext uri="{FF2B5EF4-FFF2-40B4-BE49-F238E27FC236}">
-                <a16:creationId xmlns:a16="http://schemas.microsoft.com/office/drawing/2014/main" id="{41B2D551-8370-4ABD-90B0-59962D4915BC}"/>
-              </a:ext>
-            </a:extLst>
-          </p:cNvPr>
-          <p:cNvSpPr txBox="1"/>
-          <p:nvPr/>
-        </p:nvSpPr>
-        <p:spPr>
-          <a:xfrm>
-            <a:off x="3282378" y="5497324"/>
-            <a:ext cx="2250830" cy="738664"/>
-          </a:xfrm>
-          <a:prstGeom prst="rect">
-            <a:avLst/>
-          </a:prstGeom>
-          <a:noFill/>
-        </p:spPr>
-        <p:txBody>
-          <a:bodyPr wrap="square" rtlCol="0">
-            <a:spAutoFit/>
-          </a:bodyPr>
-          <a:lstStyle/>
-          <a:p>
-            <a:r>
-              <a:rPr lang="en-GB" sz="1400" dirty="0"/>
-              <a:t>2. Initialising Repository and Creating global User name/email</a:t>
+              <a:t>Why is this applicable to AIF Payments?</a:t>
             </a:r>
           </a:p>
         </p:txBody>
@@ -16138,7 +16411,7 @@
     </p:spTree>
     <p:extLst>
       <p:ext uri="{BB962C8B-B14F-4D97-AF65-F5344CB8AC3E}">
-        <p14:creationId xmlns:p14="http://schemas.microsoft.com/office/powerpoint/2010/main" val="1632702149"/>
+        <p14:creationId xmlns:p14="http://schemas.microsoft.com/office/powerpoint/2010/main" val="2310298358"/>
       </p:ext>
     </p:extLst>
   </p:cSld>
@@ -16263,18 +16536,18 @@
           <a:lstStyle/>
           <a:p>
             <a:r>
-              <a:rPr lang="en-GB" sz="2800" dirty="0"/>
-              <a:t>Visual Run: Adding Files and Remote</a:t>
+              <a:rPr lang="en-GB" dirty="0"/>
+              <a:t>Visual Run: Initialisation</a:t>
             </a:r>
           </a:p>
         </p:txBody>
       </p:sp>
       <p:pic>
         <p:nvPicPr>
-          <p:cNvPr id="6" name="Picture 5">
-            <a:extLst>
-              <a:ext uri="{FF2B5EF4-FFF2-40B4-BE49-F238E27FC236}">
-                <a16:creationId xmlns:a16="http://schemas.microsoft.com/office/drawing/2014/main" id="{A7280718-E562-4AC0-92E3-E37F575841D1}"/>
+          <p:cNvPr id="7" name="Picture 6">
+            <a:extLst>
+              <a:ext uri="{FF2B5EF4-FFF2-40B4-BE49-F238E27FC236}">
+                <a16:creationId xmlns:a16="http://schemas.microsoft.com/office/drawing/2014/main" id="{E1D8423B-2659-4FCA-865B-E9DFA4510990}"/>
               </a:ext>
             </a:extLst>
           </p:cNvPr>
@@ -16291,8 +16564,8 @@
         </p:blipFill>
         <p:spPr>
           <a:xfrm>
-            <a:off x="188976" y="831106"/>
-            <a:ext cx="2545432" cy="1795599"/>
+            <a:off x="533227" y="831105"/>
+            <a:ext cx="4838873" cy="3705228"/>
           </a:xfrm>
           <a:prstGeom prst="rect">
             <a:avLst/>
@@ -16301,10 +16574,10 @@
       </p:pic>
       <p:pic>
         <p:nvPicPr>
-          <p:cNvPr id="10" name="Picture 9">
-            <a:extLst>
-              <a:ext uri="{FF2B5EF4-FFF2-40B4-BE49-F238E27FC236}">
-                <a16:creationId xmlns:a16="http://schemas.microsoft.com/office/drawing/2014/main" id="{A209B4DA-B8E5-49DC-BF63-2858946E45DB}"/>
+          <p:cNvPr id="9" name="Picture 8">
+            <a:extLst>
+              <a:ext uri="{FF2B5EF4-FFF2-40B4-BE49-F238E27FC236}">
+                <a16:creationId xmlns:a16="http://schemas.microsoft.com/office/drawing/2014/main" id="{35B18837-73B4-49C2-9D15-47B5A2BCA344}"/>
               </a:ext>
             </a:extLst>
           </p:cNvPr>
@@ -16321,120 +16594,30 @@
         </p:blipFill>
         <p:spPr>
           <a:xfrm>
-            <a:off x="4337870" y="1088280"/>
-            <a:ext cx="4383141" cy="1538426"/>
+            <a:off x="3282378" y="3483130"/>
+            <a:ext cx="5563376" cy="1914792"/>
           </a:xfrm>
           <a:prstGeom prst="rect">
             <a:avLst/>
           </a:prstGeom>
         </p:spPr>
       </p:pic>
-      <p:pic>
-        <p:nvPicPr>
-          <p:cNvPr id="12" name="Picture 11">
-            <a:extLst>
-              <a:ext uri="{FF2B5EF4-FFF2-40B4-BE49-F238E27FC236}">
-                <a16:creationId xmlns:a16="http://schemas.microsoft.com/office/drawing/2014/main" id="{D17A6B68-97DC-4D77-A811-CA8F6D8ED9D2}"/>
-              </a:ext>
-            </a:extLst>
-          </p:cNvPr>
-          <p:cNvPicPr>
-            <a:picLocks noChangeAspect="1"/>
-          </p:cNvPicPr>
+      <p:sp>
+        <p:nvSpPr>
+          <p:cNvPr id="2" name="TextBox 1">
+            <a:extLst>
+              <a:ext uri="{FF2B5EF4-FFF2-40B4-BE49-F238E27FC236}">
+                <a16:creationId xmlns:a16="http://schemas.microsoft.com/office/drawing/2014/main" id="{112C730F-B8E3-48D8-96DD-B2D963FDE743}"/>
+              </a:ext>
+            </a:extLst>
+          </p:cNvPr>
+          <p:cNvSpPr txBox="1"/>
           <p:nvPr/>
-        </p:nvPicPr>
-        <p:blipFill>
-          <a:blip r:embed="rId6"/>
-          <a:stretch>
-            <a:fillRect/>
-          </a:stretch>
-        </p:blipFill>
+        </p:nvSpPr>
         <p:spPr>
           <a:xfrm>
-            <a:off x="188976" y="3153956"/>
-            <a:ext cx="3908239" cy="1795599"/>
-          </a:xfrm>
-          <a:prstGeom prst="rect">
-            <a:avLst/>
-          </a:prstGeom>
-        </p:spPr>
-      </p:pic>
-      <p:pic>
-        <p:nvPicPr>
-          <p:cNvPr id="14" name="Picture 13">
-            <a:extLst>
-              <a:ext uri="{FF2B5EF4-FFF2-40B4-BE49-F238E27FC236}">
-                <a16:creationId xmlns:a16="http://schemas.microsoft.com/office/drawing/2014/main" id="{99C37069-AE7F-41BF-AA1F-4BF811FC4FAC}"/>
-              </a:ext>
-            </a:extLst>
-          </p:cNvPr>
-          <p:cNvPicPr>
-            <a:picLocks noChangeAspect="1"/>
-          </p:cNvPicPr>
-          <p:nvPr/>
-        </p:nvPicPr>
-        <p:blipFill>
-          <a:blip r:embed="rId7"/>
-          <a:stretch>
-            <a:fillRect/>
-          </a:stretch>
-        </p:blipFill>
-        <p:spPr>
-          <a:xfrm>
-            <a:off x="4337871" y="3141052"/>
-            <a:ext cx="4383141" cy="1808503"/>
-          </a:xfrm>
-          <a:prstGeom prst="rect">
-            <a:avLst/>
-          </a:prstGeom>
-        </p:spPr>
-      </p:pic>
-      <p:pic>
-        <p:nvPicPr>
-          <p:cNvPr id="16" name="Picture 15">
-            <a:extLst>
-              <a:ext uri="{FF2B5EF4-FFF2-40B4-BE49-F238E27FC236}">
-                <a16:creationId xmlns:a16="http://schemas.microsoft.com/office/drawing/2014/main" id="{CD3239C5-75E0-471B-9A1E-85843CB60BBF}"/>
-              </a:ext>
-            </a:extLst>
-          </p:cNvPr>
-          <p:cNvPicPr>
-            <a:picLocks noChangeAspect="1"/>
-          </p:cNvPicPr>
-          <p:nvPr/>
-        </p:nvPicPr>
-        <p:blipFill>
-          <a:blip r:embed="rId8"/>
-          <a:stretch>
-            <a:fillRect/>
-          </a:stretch>
-        </p:blipFill>
-        <p:spPr>
-          <a:xfrm>
-            <a:off x="2066193" y="5519221"/>
-            <a:ext cx="4383142" cy="523220"/>
-          </a:xfrm>
-          <a:prstGeom prst="rect">
-            <a:avLst/>
-          </a:prstGeom>
-        </p:spPr>
-      </p:pic>
-      <p:sp>
-        <p:nvSpPr>
-          <p:cNvPr id="11" name="TextBox 10">
-            <a:extLst>
-              <a:ext uri="{FF2B5EF4-FFF2-40B4-BE49-F238E27FC236}">
-                <a16:creationId xmlns:a16="http://schemas.microsoft.com/office/drawing/2014/main" id="{F720F03E-342D-4381-8F4D-43B3561662A0}"/>
-              </a:ext>
-            </a:extLst>
-          </p:cNvPr>
-          <p:cNvSpPr txBox="1"/>
-          <p:nvPr/>
-        </p:nvSpPr>
-        <p:spPr>
-          <a:xfrm>
-            <a:off x="232293" y="2659141"/>
-            <a:ext cx="2422984" cy="523220"/>
+            <a:off x="533227" y="4621158"/>
+            <a:ext cx="2250830" cy="523220"/>
           </a:xfrm>
           <a:prstGeom prst="rect">
             <a:avLst/>
@@ -16449,17 +16632,17 @@
           <a:p>
             <a:r>
               <a:rPr lang="en-GB" sz="1400" dirty="0"/>
-              <a:t>3. Create first file for repository</a:t>
-            </a:r>
-          </a:p>
-        </p:txBody>
-      </p:sp>
-      <p:sp>
-        <p:nvSpPr>
-          <p:cNvPr id="13" name="TextBox 12">
-            <a:extLst>
-              <a:ext uri="{FF2B5EF4-FFF2-40B4-BE49-F238E27FC236}">
-                <a16:creationId xmlns:a16="http://schemas.microsoft.com/office/drawing/2014/main" id="{9AC92111-7EBB-4255-B2A9-A9F0278CE46B}"/>
+              <a:t>1. Creating Local Repository</a:t>
+            </a:r>
+          </a:p>
+        </p:txBody>
+      </p:sp>
+      <p:sp>
+        <p:nvSpPr>
+          <p:cNvPr id="8" name="TextBox 7">
+            <a:extLst>
+              <a:ext uri="{FF2B5EF4-FFF2-40B4-BE49-F238E27FC236}">
+                <a16:creationId xmlns:a16="http://schemas.microsoft.com/office/drawing/2014/main" id="{41B2D551-8370-4ABD-90B0-59962D4915BC}"/>
               </a:ext>
             </a:extLst>
           </p:cNvPr>
@@ -16468,8 +16651,8 @@
         </p:nvSpPr>
         <p:spPr>
           <a:xfrm>
-            <a:off x="4337871" y="2659141"/>
-            <a:ext cx="4032406" cy="523220"/>
+            <a:off x="3282378" y="5497324"/>
+            <a:ext cx="2250830" cy="738664"/>
           </a:xfrm>
           <a:prstGeom prst="rect">
             <a:avLst/>
@@ -16484,112 +16667,7 @@
           <a:p>
             <a:r>
               <a:rPr lang="en-GB" sz="1400" dirty="0"/>
-              <a:t>4. Check status, add and commit file with message</a:t>
-            </a:r>
-          </a:p>
-        </p:txBody>
-      </p:sp>
-      <p:sp>
-        <p:nvSpPr>
-          <p:cNvPr id="15" name="TextBox 14">
-            <a:extLst>
-              <a:ext uri="{FF2B5EF4-FFF2-40B4-BE49-F238E27FC236}">
-                <a16:creationId xmlns:a16="http://schemas.microsoft.com/office/drawing/2014/main" id="{35C79EAA-B192-46CA-A8B0-C2EA949CB849}"/>
-              </a:ext>
-            </a:extLst>
-          </p:cNvPr>
-          <p:cNvSpPr txBox="1"/>
-          <p:nvPr/>
-        </p:nvSpPr>
-        <p:spPr>
-          <a:xfrm>
-            <a:off x="188976" y="5059052"/>
-            <a:ext cx="2967462" cy="307777"/>
-          </a:xfrm>
-          <a:prstGeom prst="rect">
-            <a:avLst/>
-          </a:prstGeom>
-          <a:noFill/>
-        </p:spPr>
-        <p:txBody>
-          <a:bodyPr wrap="square" rtlCol="0">
-            <a:spAutoFit/>
-          </a:bodyPr>
-          <a:lstStyle/>
-          <a:p>
-            <a:r>
-              <a:rPr lang="en-GB" sz="1400" dirty="0"/>
-              <a:t>5. Create ‘remote’ repo on GitHub</a:t>
-            </a:r>
-          </a:p>
-        </p:txBody>
-      </p:sp>
-      <p:sp>
-        <p:nvSpPr>
-          <p:cNvPr id="17" name="TextBox 16">
-            <a:extLst>
-              <a:ext uri="{FF2B5EF4-FFF2-40B4-BE49-F238E27FC236}">
-                <a16:creationId xmlns:a16="http://schemas.microsoft.com/office/drawing/2014/main" id="{1931B312-AB1C-4F0B-9F6F-BAEDE0155D4C}"/>
-              </a:ext>
-            </a:extLst>
-          </p:cNvPr>
-          <p:cNvSpPr txBox="1"/>
-          <p:nvPr/>
-        </p:nvSpPr>
-        <p:spPr>
-          <a:xfrm>
-            <a:off x="4333046" y="5012885"/>
-            <a:ext cx="4621977" cy="307777"/>
-          </a:xfrm>
-          <a:prstGeom prst="rect">
-            <a:avLst/>
-          </a:prstGeom>
-          <a:noFill/>
-        </p:spPr>
-        <p:txBody>
-          <a:bodyPr wrap="square" rtlCol="0">
-            <a:spAutoFit/>
-          </a:bodyPr>
-          <a:lstStyle/>
-          <a:p>
-            <a:r>
-              <a:rPr lang="en-GB" sz="1400" dirty="0"/>
-              <a:t>6. Connect local and remote repos, push files</a:t>
-            </a:r>
-          </a:p>
-        </p:txBody>
-      </p:sp>
-      <p:sp>
-        <p:nvSpPr>
-          <p:cNvPr id="18" name="TextBox 17">
-            <a:extLst>
-              <a:ext uri="{FF2B5EF4-FFF2-40B4-BE49-F238E27FC236}">
-                <a16:creationId xmlns:a16="http://schemas.microsoft.com/office/drawing/2014/main" id="{2CB3F09B-1A7D-4587-890E-7DFD87024F9D}"/>
-              </a:ext>
-            </a:extLst>
-          </p:cNvPr>
-          <p:cNvSpPr txBox="1"/>
-          <p:nvPr/>
-        </p:nvSpPr>
-        <p:spPr>
-          <a:xfrm>
-            <a:off x="232293" y="6034052"/>
-            <a:ext cx="3618738" cy="307777"/>
-          </a:xfrm>
-          <a:prstGeom prst="rect">
-            <a:avLst/>
-          </a:prstGeom>
-          <a:noFill/>
-        </p:spPr>
-        <p:txBody>
-          <a:bodyPr wrap="square" rtlCol="0">
-            <a:spAutoFit/>
-          </a:bodyPr>
-          <a:lstStyle/>
-          <a:p>
-            <a:r>
-              <a:rPr lang="en-GB" sz="1400" dirty="0"/>
-              <a:t>7. Check GitHub to see files and branches</a:t>
+              <a:t>2. Initialising Repository and Creating global User name/email</a:t>
             </a:r>
           </a:p>
         </p:txBody>
@@ -16597,7 +16675,7 @@
     </p:spTree>
     <p:extLst>
       <p:ext uri="{BB962C8B-B14F-4D97-AF65-F5344CB8AC3E}">
-        <p14:creationId xmlns:p14="http://schemas.microsoft.com/office/powerpoint/2010/main" val="3909519556"/>
+        <p14:creationId xmlns:p14="http://schemas.microsoft.com/office/powerpoint/2010/main" val="1632702149"/>
       </p:ext>
     </p:extLst>
   </p:cSld>
@@ -16722,8 +16800,8 @@
           <a:lstStyle/>
           <a:p>
             <a:r>
-              <a:rPr lang="en-GB" dirty="0"/>
-              <a:t>Visual Run: Creating Branches</a:t>
+              <a:rPr lang="en-GB" sz="2800" dirty="0"/>
+              <a:t>Visual Run: Adding Files and Remote</a:t>
             </a:r>
           </a:p>
         </p:txBody>
@@ -16733,7 +16811,7 @@
           <p:cNvPr id="6" name="Picture 5">
             <a:extLst>
               <a:ext uri="{FF2B5EF4-FFF2-40B4-BE49-F238E27FC236}">
-                <a16:creationId xmlns:a16="http://schemas.microsoft.com/office/drawing/2014/main" id="{F7EA2DAB-6838-47F9-8C37-D66B5970B4A0}"/>
+                <a16:creationId xmlns:a16="http://schemas.microsoft.com/office/drawing/2014/main" id="{A7280718-E562-4AC0-92E3-E37F575841D1}"/>
               </a:ext>
             </a:extLst>
           </p:cNvPr>
@@ -16750,8 +16828,8 @@
         </p:blipFill>
         <p:spPr>
           <a:xfrm>
-            <a:off x="188976" y="1050282"/>
-            <a:ext cx="6449325" cy="466790"/>
+            <a:off x="188976" y="831106"/>
+            <a:ext cx="2545432" cy="1795599"/>
           </a:xfrm>
           <a:prstGeom prst="rect">
             <a:avLst/>
@@ -16760,10 +16838,10 @@
       </p:pic>
       <p:pic>
         <p:nvPicPr>
-          <p:cNvPr id="8" name="Picture 7">
-            <a:extLst>
-              <a:ext uri="{FF2B5EF4-FFF2-40B4-BE49-F238E27FC236}">
-                <a16:creationId xmlns:a16="http://schemas.microsoft.com/office/drawing/2014/main" id="{2B786FDD-9868-44C0-A890-CA9AFF167533}"/>
+          <p:cNvPr id="10" name="Picture 9">
+            <a:extLst>
+              <a:ext uri="{FF2B5EF4-FFF2-40B4-BE49-F238E27FC236}">
+                <a16:creationId xmlns:a16="http://schemas.microsoft.com/office/drawing/2014/main" id="{A209B4DA-B8E5-49DC-BF63-2858946E45DB}"/>
               </a:ext>
             </a:extLst>
           </p:cNvPr>
@@ -16780,8 +16858,8 @@
         </p:blipFill>
         <p:spPr>
           <a:xfrm>
-            <a:off x="188976" y="1626204"/>
-            <a:ext cx="2174485" cy="1983971"/>
+            <a:off x="4337870" y="1088280"/>
+            <a:ext cx="4383141" cy="1538426"/>
           </a:xfrm>
           <a:prstGeom prst="rect">
             <a:avLst/>
@@ -16790,10 +16868,10 @@
       </p:pic>
       <p:pic>
         <p:nvPicPr>
-          <p:cNvPr id="10" name="Picture 9">
-            <a:extLst>
-              <a:ext uri="{FF2B5EF4-FFF2-40B4-BE49-F238E27FC236}">
-                <a16:creationId xmlns:a16="http://schemas.microsoft.com/office/drawing/2014/main" id="{EA2BE417-1870-4DEC-B25E-857EC7903C7D}"/>
+          <p:cNvPr id="12" name="Picture 11">
+            <a:extLst>
+              <a:ext uri="{FF2B5EF4-FFF2-40B4-BE49-F238E27FC236}">
+                <a16:creationId xmlns:a16="http://schemas.microsoft.com/office/drawing/2014/main" id="{D17A6B68-97DC-4D77-A811-CA8F6D8ED9D2}"/>
               </a:ext>
             </a:extLst>
           </p:cNvPr>
@@ -16810,20 +16888,80 @@
         </p:blipFill>
         <p:spPr>
           <a:xfrm>
-            <a:off x="188976" y="3719307"/>
-            <a:ext cx="6449325" cy="2400635"/>
+            <a:off x="188976" y="3153956"/>
+            <a:ext cx="3908239" cy="1795599"/>
           </a:xfrm>
           <a:prstGeom prst="rect">
             <a:avLst/>
           </a:prstGeom>
         </p:spPr>
       </p:pic>
-      <p:sp>
-        <p:nvSpPr>
-          <p:cNvPr id="9" name="TextBox 8">
-            <a:extLst>
-              <a:ext uri="{FF2B5EF4-FFF2-40B4-BE49-F238E27FC236}">
-                <a16:creationId xmlns:a16="http://schemas.microsoft.com/office/drawing/2014/main" id="{EB6E1195-F03C-4D26-B8CC-E97C1D419112}"/>
+      <p:pic>
+        <p:nvPicPr>
+          <p:cNvPr id="14" name="Picture 13">
+            <a:extLst>
+              <a:ext uri="{FF2B5EF4-FFF2-40B4-BE49-F238E27FC236}">
+                <a16:creationId xmlns:a16="http://schemas.microsoft.com/office/drawing/2014/main" id="{99C37069-AE7F-41BF-AA1F-4BF811FC4FAC}"/>
+              </a:ext>
+            </a:extLst>
+          </p:cNvPr>
+          <p:cNvPicPr>
+            <a:picLocks noChangeAspect="1"/>
+          </p:cNvPicPr>
+          <p:nvPr/>
+        </p:nvPicPr>
+        <p:blipFill>
+          <a:blip r:embed="rId7"/>
+          <a:stretch>
+            <a:fillRect/>
+          </a:stretch>
+        </p:blipFill>
+        <p:spPr>
+          <a:xfrm>
+            <a:off x="4337871" y="3141052"/>
+            <a:ext cx="4383141" cy="1808503"/>
+          </a:xfrm>
+          <a:prstGeom prst="rect">
+            <a:avLst/>
+          </a:prstGeom>
+        </p:spPr>
+      </p:pic>
+      <p:pic>
+        <p:nvPicPr>
+          <p:cNvPr id="16" name="Picture 15">
+            <a:extLst>
+              <a:ext uri="{FF2B5EF4-FFF2-40B4-BE49-F238E27FC236}">
+                <a16:creationId xmlns:a16="http://schemas.microsoft.com/office/drawing/2014/main" id="{CD3239C5-75E0-471B-9A1E-85843CB60BBF}"/>
+              </a:ext>
+            </a:extLst>
+          </p:cNvPr>
+          <p:cNvPicPr>
+            <a:picLocks noChangeAspect="1"/>
+          </p:cNvPicPr>
+          <p:nvPr/>
+        </p:nvPicPr>
+        <p:blipFill>
+          <a:blip r:embed="rId8"/>
+          <a:stretch>
+            <a:fillRect/>
+          </a:stretch>
+        </p:blipFill>
+        <p:spPr>
+          <a:xfrm>
+            <a:off x="2066193" y="5519221"/>
+            <a:ext cx="4383142" cy="523220"/>
+          </a:xfrm>
+          <a:prstGeom prst="rect">
+            <a:avLst/>
+          </a:prstGeom>
+        </p:spPr>
+      </p:pic>
+      <p:sp>
+        <p:nvSpPr>
+          <p:cNvPr id="11" name="TextBox 10">
+            <a:extLst>
+              <a:ext uri="{FF2B5EF4-FFF2-40B4-BE49-F238E27FC236}">
+                <a16:creationId xmlns:a16="http://schemas.microsoft.com/office/drawing/2014/main" id="{F720F03E-342D-4381-8F4D-43B3561662A0}"/>
               </a:ext>
             </a:extLst>
           </p:cNvPr>
@@ -16832,7 +16970,7 @@
         </p:nvSpPr>
         <p:spPr>
           <a:xfrm>
-            <a:off x="6638301" y="1036561"/>
+            <a:off x="232293" y="2659141"/>
             <a:ext cx="2422984" cy="523220"/>
           </a:xfrm>
           <a:prstGeom prst="rect">
@@ -16848,17 +16986,17 @@
           <a:p>
             <a:r>
               <a:rPr lang="en-GB" sz="1400" dirty="0"/>
-              <a:t>8. Create and move to new branch</a:t>
-            </a:r>
-          </a:p>
-        </p:txBody>
-      </p:sp>
-      <p:sp>
-        <p:nvSpPr>
-          <p:cNvPr id="11" name="TextBox 10">
-            <a:extLst>
-              <a:ext uri="{FF2B5EF4-FFF2-40B4-BE49-F238E27FC236}">
-                <a16:creationId xmlns:a16="http://schemas.microsoft.com/office/drawing/2014/main" id="{32F1990D-C26F-4050-957A-3FF8640573A8}"/>
+              <a:t>3. Create first file for repository</a:t>
+            </a:r>
+          </a:p>
+        </p:txBody>
+      </p:sp>
+      <p:sp>
+        <p:nvSpPr>
+          <p:cNvPr id="13" name="TextBox 12">
+            <a:extLst>
+              <a:ext uri="{FF2B5EF4-FFF2-40B4-BE49-F238E27FC236}">
+                <a16:creationId xmlns:a16="http://schemas.microsoft.com/office/drawing/2014/main" id="{9AC92111-7EBB-4255-B2A9-A9F0278CE46B}"/>
               </a:ext>
             </a:extLst>
           </p:cNvPr>
@@ -16867,8 +17005,8 @@
         </p:nvSpPr>
         <p:spPr>
           <a:xfrm>
-            <a:off x="3168269" y="2356579"/>
-            <a:ext cx="3587761" cy="307777"/>
+            <a:off x="4337871" y="2659141"/>
+            <a:ext cx="4032406" cy="523220"/>
           </a:xfrm>
           <a:prstGeom prst="rect">
             <a:avLst/>
@@ -16883,17 +17021,17 @@
           <a:p>
             <a:r>
               <a:rPr lang="en-GB" sz="1400" dirty="0"/>
-              <a:t>9. Edit file within the new branch and save</a:t>
-            </a:r>
-          </a:p>
-        </p:txBody>
-      </p:sp>
-      <p:sp>
-        <p:nvSpPr>
-          <p:cNvPr id="12" name="TextBox 11">
-            <a:extLst>
-              <a:ext uri="{FF2B5EF4-FFF2-40B4-BE49-F238E27FC236}">
-                <a16:creationId xmlns:a16="http://schemas.microsoft.com/office/drawing/2014/main" id="{10CE4C5C-EDFB-4AC2-909C-75EF358030A5}"/>
+              <a:t>4. Check status, add and commit file with message</a:t>
+            </a:r>
+          </a:p>
+        </p:txBody>
+      </p:sp>
+      <p:sp>
+        <p:nvSpPr>
+          <p:cNvPr id="15" name="TextBox 14">
+            <a:extLst>
+              <a:ext uri="{FF2B5EF4-FFF2-40B4-BE49-F238E27FC236}">
+                <a16:creationId xmlns:a16="http://schemas.microsoft.com/office/drawing/2014/main" id="{35C79EAA-B192-46CA-A8B0-C2EA949CB849}"/>
               </a:ext>
             </a:extLst>
           </p:cNvPr>
@@ -16902,8 +17040,8 @@
         </p:nvSpPr>
         <p:spPr>
           <a:xfrm>
-            <a:off x="6638301" y="4660971"/>
-            <a:ext cx="2422984" cy="738664"/>
+            <a:off x="188976" y="5059052"/>
+            <a:ext cx="2967462" cy="307777"/>
           </a:xfrm>
           <a:prstGeom prst="rect">
             <a:avLst/>
@@ -16918,7 +17056,77 @@
           <a:p>
             <a:r>
               <a:rPr lang="en-GB" sz="1400" dirty="0"/>
-              <a:t>10. Check status, add changes and commit with message</a:t>
+              <a:t>5. Create ‘remote’ repo on GitHub</a:t>
+            </a:r>
+          </a:p>
+        </p:txBody>
+      </p:sp>
+      <p:sp>
+        <p:nvSpPr>
+          <p:cNvPr id="17" name="TextBox 16">
+            <a:extLst>
+              <a:ext uri="{FF2B5EF4-FFF2-40B4-BE49-F238E27FC236}">
+                <a16:creationId xmlns:a16="http://schemas.microsoft.com/office/drawing/2014/main" id="{1931B312-AB1C-4F0B-9F6F-BAEDE0155D4C}"/>
+              </a:ext>
+            </a:extLst>
+          </p:cNvPr>
+          <p:cNvSpPr txBox="1"/>
+          <p:nvPr/>
+        </p:nvSpPr>
+        <p:spPr>
+          <a:xfrm>
+            <a:off x="4333046" y="5012885"/>
+            <a:ext cx="4621977" cy="307777"/>
+          </a:xfrm>
+          <a:prstGeom prst="rect">
+            <a:avLst/>
+          </a:prstGeom>
+          <a:noFill/>
+        </p:spPr>
+        <p:txBody>
+          <a:bodyPr wrap="square" rtlCol="0">
+            <a:spAutoFit/>
+          </a:bodyPr>
+          <a:lstStyle/>
+          <a:p>
+            <a:r>
+              <a:rPr lang="en-GB" sz="1400" dirty="0"/>
+              <a:t>6. Connect local and remote repos, push files</a:t>
+            </a:r>
+          </a:p>
+        </p:txBody>
+      </p:sp>
+      <p:sp>
+        <p:nvSpPr>
+          <p:cNvPr id="18" name="TextBox 17">
+            <a:extLst>
+              <a:ext uri="{FF2B5EF4-FFF2-40B4-BE49-F238E27FC236}">
+                <a16:creationId xmlns:a16="http://schemas.microsoft.com/office/drawing/2014/main" id="{2CB3F09B-1A7D-4587-890E-7DFD87024F9D}"/>
+              </a:ext>
+            </a:extLst>
+          </p:cNvPr>
+          <p:cNvSpPr txBox="1"/>
+          <p:nvPr/>
+        </p:nvSpPr>
+        <p:spPr>
+          <a:xfrm>
+            <a:off x="232293" y="6034052"/>
+            <a:ext cx="3618738" cy="307777"/>
+          </a:xfrm>
+          <a:prstGeom prst="rect">
+            <a:avLst/>
+          </a:prstGeom>
+          <a:noFill/>
+        </p:spPr>
+        <p:txBody>
+          <a:bodyPr wrap="square" rtlCol="0">
+            <a:spAutoFit/>
+          </a:bodyPr>
+          <a:lstStyle/>
+          <a:p>
+            <a:r>
+              <a:rPr lang="en-GB" sz="1400" dirty="0"/>
+              <a:t>7. Check GitHub to see files and branches</a:t>
             </a:r>
           </a:p>
         </p:txBody>
@@ -16926,7 +17134,7 @@
     </p:spTree>
     <p:extLst>
       <p:ext uri="{BB962C8B-B14F-4D97-AF65-F5344CB8AC3E}">
-        <p14:creationId xmlns:p14="http://schemas.microsoft.com/office/powerpoint/2010/main" val="98407624"/>
+        <p14:creationId xmlns:p14="http://schemas.microsoft.com/office/powerpoint/2010/main" val="3909519556"/>
       </p:ext>
     </p:extLst>
   </p:cSld>
@@ -17768,15 +17976,6 @@
 </file>
 
 <file path=customXml/item1.xml><?xml version="1.0" encoding="utf-8"?>
-<?mso-contentType ?>
-<FormTemplates xmlns="http://schemas.microsoft.com/sharepoint/v3/contenttype/forms">
-  <Display>DocumentLibraryForm</Display>
-  <Edit>DocumentLibraryForm</Edit>
-  <New>DocumentLibraryForm</New>
-</FormTemplates>
-</file>
-
-<file path=customXml/item2.xml><?xml version="1.0" encoding="utf-8"?>
 <ct:contentTypeSchema xmlns:ct="http://schemas.microsoft.com/office/2006/metadata/contentType" xmlns:ma="http://schemas.microsoft.com/office/2006/metadata/properties/metaAttributes" ct:_="" ma:_="" ma:contentTypeName="Document" ma:contentTypeID="0x010100308E40E706C7A346904F58642B7D1969" ma:contentTypeVersion="0" ma:contentTypeDescription="Create a new document." ma:contentTypeScope="" ma:versionID="0ea485b46902d4f7e49967f1b2c25a65">
   <xsd:schema xmlns:xsd="http://www.w3.org/2001/XMLSchema" xmlns:xs="http://www.w3.org/2001/XMLSchema" xmlns:p="http://schemas.microsoft.com/office/2006/metadata/properties" targetNamespace="http://schemas.microsoft.com/office/2006/metadata/properties" ma:root="true" ma:fieldsID="90078a0fe6c183ae62661f67b7399e8a">
     <xsd:element name="properties">
@@ -17890,6 +18089,15 @@
 </ct:contentTypeSchema>
 </file>
 
+<file path=customXml/item2.xml><?xml version="1.0" encoding="utf-8"?>
+<?mso-contentType ?>
+<FormTemplates xmlns="http://schemas.microsoft.com/sharepoint/v3/contenttype/forms">
+  <Display>DocumentLibraryForm</Display>
+  <Edit>DocumentLibraryForm</Edit>
+  <New>DocumentLibraryForm</New>
+</FormTemplates>
+</file>
+
 <file path=customXml/item3.xml><?xml version="1.0" encoding="utf-8"?>
 <p:properties xmlns:p="http://schemas.microsoft.com/office/2006/metadata/properties" xmlns:xsi="http://www.w3.org/2001/XMLSchema-instance" xmlns:pc="http://schemas.microsoft.com/office/infopath/2007/PartnerControls">
   <documentManagement/>
@@ -17897,14 +18105,6 @@
 </file>
 
 <file path=customXml/itemProps1.xml><?xml version="1.0" encoding="utf-8"?>
-<ds:datastoreItem xmlns:ds="http://schemas.openxmlformats.org/officeDocument/2006/customXml" ds:itemID="{A6333066-D95F-4DC9-8F45-8431A5C3C76B}">
-  <ds:schemaRefs>
-    <ds:schemaRef ds:uri="http://schemas.microsoft.com/sharepoint/v3/contenttype/forms"/>
-  </ds:schemaRefs>
-</ds:datastoreItem>
-</file>
-
-<file path=customXml/itemProps2.xml><?xml version="1.0" encoding="utf-8"?>
 <ds:datastoreItem xmlns:ds="http://schemas.openxmlformats.org/officeDocument/2006/customXml" ds:itemID="{08DD32EF-F09C-4573-9C23-B48EA7D5886E}">
   <ds:schemaRefs>
     <ds:schemaRef ds:uri="http://schemas.microsoft.com/office/2006/metadata/contentType"/>
@@ -17916,6 +18116,14 @@
     <ds:schemaRef ds:uri="http://purl.org/dc/terms/"/>
     <ds:schemaRef ds:uri="http://schemas.microsoft.com/internal/obd"/>
     <ds:schemaRef ds:uri="http://schemas.microsoft.com/office/infopath/2007/PartnerControls"/>
+  </ds:schemaRefs>
+</ds:datastoreItem>
+</file>
+
+<file path=customXml/itemProps2.xml><?xml version="1.0" encoding="utf-8"?>
+<ds:datastoreItem xmlns:ds="http://schemas.openxmlformats.org/officeDocument/2006/customXml" ds:itemID="{A6333066-D95F-4DC9-8F45-8431A5C3C76B}">
+  <ds:schemaRefs>
+    <ds:schemaRef ds:uri="http://schemas.microsoft.com/sharepoint/v3/contenttype/forms"/>
   </ds:schemaRefs>
 </ds:datastoreItem>
 </file>

--- a/GitIntro.pptx
+++ b/GitIntro.pptx
@@ -158,7 +158,7 @@
   <pc:docChgLst>
     <pc:chgData name="Will Brooks" userId="d4c2b272-852e-451d-80ba-d2f905b38211" providerId="ADAL" clId="{37A0AFB6-F6CA-4F11-9C33-0D7619B1449C}"/>
     <pc:docChg chg="undo custSel addSld delSld modSld">
-      <pc:chgData name="Will Brooks" userId="d4c2b272-852e-451d-80ba-d2f905b38211" providerId="ADAL" clId="{37A0AFB6-F6CA-4F11-9C33-0D7619B1449C}" dt="2022-09-26T09:43:49.099" v="8769" actId="208"/>
+      <pc:chgData name="Will Brooks" userId="d4c2b272-852e-451d-80ba-d2f905b38211" providerId="ADAL" clId="{37A0AFB6-F6CA-4F11-9C33-0D7619B1449C}" dt="2022-09-28T07:56:23.982" v="9730"/>
       <pc:docMkLst>
         <pc:docMk/>
       </pc:docMkLst>
@@ -502,17 +502,25 @@
         </pc:sldMkLst>
       </pc:sldChg>
       <pc:sldChg chg="addSp modSp add del mod">
-        <pc:chgData name="Will Brooks" userId="d4c2b272-852e-451d-80ba-d2f905b38211" providerId="ADAL" clId="{37A0AFB6-F6CA-4F11-9C33-0D7619B1449C}" dt="2022-09-26T09:40:09.467" v="8761" actId="20577"/>
+        <pc:chgData name="Will Brooks" userId="d4c2b272-852e-451d-80ba-d2f905b38211" providerId="ADAL" clId="{37A0AFB6-F6CA-4F11-9C33-0D7619B1449C}" dt="2022-09-28T07:55:24.115" v="9710" actId="20577"/>
         <pc:sldMkLst>
           <pc:docMk/>
           <pc:sldMk cId="3770664684" sldId="316"/>
         </pc:sldMkLst>
         <pc:spChg chg="mod">
-          <ac:chgData name="Will Brooks" userId="d4c2b272-852e-451d-80ba-d2f905b38211" providerId="ADAL" clId="{37A0AFB6-F6CA-4F11-9C33-0D7619B1449C}" dt="2022-09-26T09:40:09.467" v="8761" actId="20577"/>
+          <ac:chgData name="Will Brooks" userId="d4c2b272-852e-451d-80ba-d2f905b38211" providerId="ADAL" clId="{37A0AFB6-F6CA-4F11-9C33-0D7619B1449C}" dt="2022-09-28T07:51:37.450" v="9659" actId="6549"/>
           <ac:spMkLst>
             <pc:docMk/>
             <pc:sldMk cId="3770664684" sldId="316"/>
             <ac:spMk id="2" creationId="{48869F42-6D93-4C35-8FA5-AE406994C1E3}"/>
+          </ac:spMkLst>
+        </pc:spChg>
+        <pc:spChg chg="mod">
+          <ac:chgData name="Will Brooks" userId="d4c2b272-852e-451d-80ba-d2f905b38211" providerId="ADAL" clId="{37A0AFB6-F6CA-4F11-9C33-0D7619B1449C}" dt="2022-09-28T07:55:24.115" v="9710" actId="20577"/>
+          <ac:spMkLst>
+            <pc:docMk/>
+            <pc:sldMk cId="3770664684" sldId="316"/>
+            <ac:spMk id="3" creationId="{6942939B-7B0C-42A5-8BC5-642B25324167}"/>
           </ac:spMkLst>
         </pc:spChg>
         <pc:spChg chg="mod">
@@ -524,7 +532,7 @@
           </ac:spMkLst>
         </pc:spChg>
         <pc:picChg chg="add mod">
-          <ac:chgData name="Will Brooks" userId="d4c2b272-852e-451d-80ba-d2f905b38211" providerId="ADAL" clId="{37A0AFB6-F6CA-4F11-9C33-0D7619B1449C}" dt="2022-09-26T08:59:36.534" v="8062" actId="14100"/>
+          <ac:chgData name="Will Brooks" userId="d4c2b272-852e-451d-80ba-d2f905b38211" providerId="ADAL" clId="{37A0AFB6-F6CA-4F11-9C33-0D7619B1449C}" dt="2022-09-28T07:51:45.342" v="9660" actId="1076"/>
           <ac:picMkLst>
             <pc:docMk/>
             <pc:sldMk cId="3770664684" sldId="316"/>
@@ -540,8 +548,8 @@
           </ac:picMkLst>
         </pc:picChg>
       </pc:sldChg>
-      <pc:sldChg chg="addSp modSp add mod">
-        <pc:chgData name="Will Brooks" userId="d4c2b272-852e-451d-80ba-d2f905b38211" providerId="ADAL" clId="{37A0AFB6-F6CA-4F11-9C33-0D7619B1449C}" dt="2022-09-26T09:43:49.099" v="8769" actId="208"/>
+      <pc:sldChg chg="addSp delSp modSp add mod">
+        <pc:chgData name="Will Brooks" userId="d4c2b272-852e-451d-80ba-d2f905b38211" providerId="ADAL" clId="{37A0AFB6-F6CA-4F11-9C33-0D7619B1449C}" dt="2022-09-28T07:55:47.958" v="9713"/>
         <pc:sldMkLst>
           <pc:docMk/>
           <pc:sldMk cId="1180572286" sldId="317"/>
@@ -555,11 +563,27 @@
           </ac:spMkLst>
         </pc:spChg>
         <pc:spChg chg="mod">
+          <ac:chgData name="Will Brooks" userId="d4c2b272-852e-451d-80ba-d2f905b38211" providerId="ADAL" clId="{37A0AFB6-F6CA-4F11-9C33-0D7619B1449C}" dt="2022-09-28T07:55:47.958" v="9713"/>
+          <ac:spMkLst>
+            <pc:docMk/>
+            <pc:sldMk cId="1180572286" sldId="317"/>
+            <ac:spMk id="3" creationId="{6942939B-7B0C-42A5-8BC5-642B25324167}"/>
+          </ac:spMkLst>
+        </pc:spChg>
+        <pc:spChg chg="mod">
           <ac:chgData name="Will Brooks" userId="d4c2b272-852e-451d-80ba-d2f905b38211" providerId="ADAL" clId="{37A0AFB6-F6CA-4F11-9C33-0D7619B1449C}" dt="2022-09-21T08:48:10.067" v="3634" actId="20577"/>
           <ac:spMkLst>
             <pc:docMk/>
             <pc:sldMk cId="1180572286" sldId="317"/>
             <ac:spMk id="4" creationId="{42A5EA90-17C9-4BD5-BD0D-74A5419E18C7}"/>
+          </ac:spMkLst>
+        </pc:spChg>
+        <pc:spChg chg="add del mod">
+          <ac:chgData name="Will Brooks" userId="d4c2b272-852e-451d-80ba-d2f905b38211" providerId="ADAL" clId="{37A0AFB6-F6CA-4F11-9C33-0D7619B1449C}" dt="2022-09-28T07:55:40.464" v="9712"/>
+          <ac:spMkLst>
+            <pc:docMk/>
+            <pc:sldMk cId="1180572286" sldId="317"/>
+            <ac:spMk id="8" creationId="{C4F6665C-EED2-4EFC-A9BA-53DE5F289030}"/>
           </ac:spMkLst>
         </pc:spChg>
         <pc:picChg chg="add mod">
@@ -588,7 +612,7 @@
         </pc:cxnChg>
       </pc:sldChg>
       <pc:sldChg chg="addSp modSp add mod">
-        <pc:chgData name="Will Brooks" userId="d4c2b272-852e-451d-80ba-d2f905b38211" providerId="ADAL" clId="{37A0AFB6-F6CA-4F11-9C33-0D7619B1449C}" dt="2022-09-21T14:55:45.288" v="6518" actId="114"/>
+        <pc:chgData name="Will Brooks" userId="d4c2b272-852e-451d-80ba-d2f905b38211" providerId="ADAL" clId="{37A0AFB6-F6CA-4F11-9C33-0D7619B1449C}" dt="2022-09-28T07:55:59.616" v="9717"/>
         <pc:sldMkLst>
           <pc:docMk/>
           <pc:sldMk cId="2310298358" sldId="318"/>
@@ -599,6 +623,14 @@
             <pc:docMk/>
             <pc:sldMk cId="2310298358" sldId="318"/>
             <ac:spMk id="2" creationId="{48869F42-6D93-4C35-8FA5-AE406994C1E3}"/>
+          </ac:spMkLst>
+        </pc:spChg>
+        <pc:spChg chg="mod">
+          <ac:chgData name="Will Brooks" userId="d4c2b272-852e-451d-80ba-d2f905b38211" providerId="ADAL" clId="{37A0AFB6-F6CA-4F11-9C33-0D7619B1449C}" dt="2022-09-28T07:55:59.616" v="9717"/>
+          <ac:spMkLst>
+            <pc:docMk/>
+            <pc:sldMk cId="2310298358" sldId="318"/>
+            <ac:spMk id="3" creationId="{6942939B-7B0C-42A5-8BC5-642B25324167}"/>
           </ac:spMkLst>
         </pc:spChg>
         <pc:spChg chg="mod">
@@ -619,7 +651,7 @@
         </pc:picChg>
       </pc:sldChg>
       <pc:sldChg chg="addSp modSp add mod">
-        <pc:chgData name="Will Brooks" userId="d4c2b272-852e-451d-80ba-d2f905b38211" providerId="ADAL" clId="{37A0AFB6-F6CA-4F11-9C33-0D7619B1449C}" dt="2022-09-21T14:54:20.320" v="6512" actId="20577"/>
+        <pc:chgData name="Will Brooks" userId="d4c2b272-852e-451d-80ba-d2f905b38211" providerId="ADAL" clId="{37A0AFB6-F6CA-4F11-9C33-0D7619B1449C}" dt="2022-09-28T07:55:53.945" v="9715"/>
         <pc:sldMkLst>
           <pc:docMk/>
           <pc:sldMk cId="4006080756" sldId="319"/>
@@ -630,6 +662,14 @@
             <pc:docMk/>
             <pc:sldMk cId="4006080756" sldId="319"/>
             <ac:spMk id="2" creationId="{48869F42-6D93-4C35-8FA5-AE406994C1E3}"/>
+          </ac:spMkLst>
+        </pc:spChg>
+        <pc:spChg chg="mod">
+          <ac:chgData name="Will Brooks" userId="d4c2b272-852e-451d-80ba-d2f905b38211" providerId="ADAL" clId="{37A0AFB6-F6CA-4F11-9C33-0D7619B1449C}" dt="2022-09-28T07:55:53.945" v="9715"/>
+          <ac:spMkLst>
+            <pc:docMk/>
+            <pc:sldMk cId="4006080756" sldId="319"/>
+            <ac:spMk id="3" creationId="{6942939B-7B0C-42A5-8BC5-642B25324167}"/>
           </ac:spMkLst>
         </pc:spChg>
         <pc:spChg chg="mod">
@@ -650,7 +690,7 @@
         </pc:picChg>
       </pc:sldChg>
       <pc:sldChg chg="addSp modSp add mod">
-        <pc:chgData name="Will Brooks" userId="d4c2b272-852e-451d-80ba-d2f905b38211" providerId="ADAL" clId="{37A0AFB6-F6CA-4F11-9C33-0D7619B1449C}" dt="2022-09-22T12:34:26.649" v="7942" actId="20577"/>
+        <pc:chgData name="Will Brooks" userId="d4c2b272-852e-451d-80ba-d2f905b38211" providerId="ADAL" clId="{37A0AFB6-F6CA-4F11-9C33-0D7619B1449C}" dt="2022-09-28T07:55:56.512" v="9716"/>
         <pc:sldMkLst>
           <pc:docMk/>
           <pc:sldMk cId="3118825995" sldId="320"/>
@@ -661,6 +701,14 @@
             <pc:docMk/>
             <pc:sldMk cId="3118825995" sldId="320"/>
             <ac:spMk id="2" creationId="{48869F42-6D93-4C35-8FA5-AE406994C1E3}"/>
+          </ac:spMkLst>
+        </pc:spChg>
+        <pc:spChg chg="mod">
+          <ac:chgData name="Will Brooks" userId="d4c2b272-852e-451d-80ba-d2f905b38211" providerId="ADAL" clId="{37A0AFB6-F6CA-4F11-9C33-0D7619B1449C}" dt="2022-09-28T07:55:56.512" v="9716"/>
+          <ac:spMkLst>
+            <pc:docMk/>
+            <pc:sldMk cId="3118825995" sldId="320"/>
+            <ac:spMk id="3" creationId="{6942939B-7B0C-42A5-8BC5-642B25324167}"/>
           </ac:spMkLst>
         </pc:spChg>
         <pc:spChg chg="mod">
@@ -681,7 +729,7 @@
         </pc:picChg>
       </pc:sldChg>
       <pc:sldChg chg="addSp delSp modSp add mod">
-        <pc:chgData name="Will Brooks" userId="d4c2b272-852e-451d-80ba-d2f905b38211" providerId="ADAL" clId="{37A0AFB6-F6CA-4F11-9C33-0D7619B1449C}" dt="2022-09-22T10:34:49.583" v="7732" actId="1076"/>
+        <pc:chgData name="Will Brooks" userId="d4c2b272-852e-451d-80ba-d2f905b38211" providerId="ADAL" clId="{37A0AFB6-F6CA-4F11-9C33-0D7619B1449C}" dt="2022-09-28T07:56:02.022" v="9718"/>
         <pc:sldMkLst>
           <pc:docMk/>
           <pc:sldMk cId="1632702149" sldId="321"/>
@@ -700,6 +748,14 @@
             <pc:docMk/>
             <pc:sldMk cId="1632702149" sldId="321"/>
             <ac:spMk id="2" creationId="{48869F42-6D93-4C35-8FA5-AE406994C1E3}"/>
+          </ac:spMkLst>
+        </pc:spChg>
+        <pc:spChg chg="mod">
+          <ac:chgData name="Will Brooks" userId="d4c2b272-852e-451d-80ba-d2f905b38211" providerId="ADAL" clId="{37A0AFB6-F6CA-4F11-9C33-0D7619B1449C}" dt="2022-09-28T07:56:02.022" v="9718"/>
+          <ac:spMkLst>
+            <pc:docMk/>
+            <pc:sldMk cId="1632702149" sldId="321"/>
+            <ac:spMk id="3" creationId="{6942939B-7B0C-42A5-8BC5-642B25324167}"/>
           </ac:spMkLst>
         </pc:spChg>
         <pc:spChg chg="mod">
@@ -736,11 +792,19 @@
         </pc:picChg>
       </pc:sldChg>
       <pc:sldChg chg="addSp delSp modSp add mod">
-        <pc:chgData name="Will Brooks" userId="d4c2b272-852e-451d-80ba-d2f905b38211" providerId="ADAL" clId="{37A0AFB6-F6CA-4F11-9C33-0D7619B1449C}" dt="2022-09-22T08:12:18.301" v="7141" actId="14100"/>
+        <pc:chgData name="Will Brooks" userId="d4c2b272-852e-451d-80ba-d2f905b38211" providerId="ADAL" clId="{37A0AFB6-F6CA-4F11-9C33-0D7619B1449C}" dt="2022-09-28T07:56:04.893" v="9719"/>
         <pc:sldMkLst>
           <pc:docMk/>
           <pc:sldMk cId="3909519556" sldId="322"/>
         </pc:sldMkLst>
+        <pc:spChg chg="mod">
+          <ac:chgData name="Will Brooks" userId="d4c2b272-852e-451d-80ba-d2f905b38211" providerId="ADAL" clId="{37A0AFB6-F6CA-4F11-9C33-0D7619B1449C}" dt="2022-09-28T07:56:04.893" v="9719"/>
+          <ac:spMkLst>
+            <pc:docMk/>
+            <pc:sldMk cId="3909519556" sldId="322"/>
+            <ac:spMk id="3" creationId="{6942939B-7B0C-42A5-8BC5-642B25324167}"/>
+          </ac:spMkLst>
+        </pc:spChg>
         <pc:spChg chg="mod">
           <ac:chgData name="Will Brooks" userId="d4c2b272-852e-451d-80ba-d2f905b38211" providerId="ADAL" clId="{37A0AFB6-F6CA-4F11-9C33-0D7619B1449C}" dt="2022-09-21T15:24:34.658" v="6684" actId="255"/>
           <ac:spMkLst>
@@ -847,11 +911,19 @@
         </pc:picChg>
       </pc:sldChg>
       <pc:sldChg chg="addSp modSp add mod">
-        <pc:chgData name="Will Brooks" userId="d4c2b272-852e-451d-80ba-d2f905b38211" providerId="ADAL" clId="{37A0AFB6-F6CA-4F11-9C33-0D7619B1449C}" dt="2022-09-22T08:14:08.001" v="7313" actId="20577"/>
+        <pc:chgData name="Will Brooks" userId="d4c2b272-852e-451d-80ba-d2f905b38211" providerId="ADAL" clId="{37A0AFB6-F6CA-4F11-9C33-0D7619B1449C}" dt="2022-09-28T07:56:17.611" v="9728" actId="20577"/>
         <pc:sldMkLst>
           <pc:docMk/>
           <pc:sldMk cId="98407624" sldId="323"/>
         </pc:sldMkLst>
+        <pc:spChg chg="mod">
+          <ac:chgData name="Will Brooks" userId="d4c2b272-852e-451d-80ba-d2f905b38211" providerId="ADAL" clId="{37A0AFB6-F6CA-4F11-9C33-0D7619B1449C}" dt="2022-09-28T07:56:17.611" v="9728" actId="20577"/>
+          <ac:spMkLst>
+            <pc:docMk/>
+            <pc:sldMk cId="98407624" sldId="323"/>
+            <ac:spMk id="3" creationId="{6942939B-7B0C-42A5-8BC5-642B25324167}"/>
+          </ac:spMkLst>
+        </pc:spChg>
         <pc:spChg chg="mod">
           <ac:chgData name="Will Brooks" userId="d4c2b272-852e-451d-80ba-d2f905b38211" providerId="ADAL" clId="{37A0AFB6-F6CA-4F11-9C33-0D7619B1449C}" dt="2022-09-21T15:24:48.629" v="6709" actId="20577"/>
           <ac:spMkLst>
@@ -910,11 +982,19 @@
         </pc:picChg>
       </pc:sldChg>
       <pc:sldChg chg="addSp modSp add mod">
-        <pc:chgData name="Will Brooks" userId="d4c2b272-852e-451d-80ba-d2f905b38211" providerId="ADAL" clId="{37A0AFB6-F6CA-4F11-9C33-0D7619B1449C}" dt="2022-09-22T10:35:12.918" v="7738" actId="20577"/>
+        <pc:chgData name="Will Brooks" userId="d4c2b272-852e-451d-80ba-d2f905b38211" providerId="ADAL" clId="{37A0AFB6-F6CA-4F11-9C33-0D7619B1449C}" dt="2022-09-28T07:56:21.041" v="9729"/>
         <pc:sldMkLst>
           <pc:docMk/>
           <pc:sldMk cId="3536564236" sldId="324"/>
         </pc:sldMkLst>
+        <pc:spChg chg="mod">
+          <ac:chgData name="Will Brooks" userId="d4c2b272-852e-451d-80ba-d2f905b38211" providerId="ADAL" clId="{37A0AFB6-F6CA-4F11-9C33-0D7619B1449C}" dt="2022-09-28T07:56:21.041" v="9729"/>
+          <ac:spMkLst>
+            <pc:docMk/>
+            <pc:sldMk cId="3536564236" sldId="324"/>
+            <ac:spMk id="3" creationId="{6942939B-7B0C-42A5-8BC5-642B25324167}"/>
+          </ac:spMkLst>
+        </pc:spChg>
         <pc:spChg chg="mod">
           <ac:chgData name="Will Brooks" userId="d4c2b272-852e-451d-80ba-d2f905b38211" providerId="ADAL" clId="{37A0AFB6-F6CA-4F11-9C33-0D7619B1449C}" dt="2022-09-21T15:25:05.340" v="6718" actId="20577"/>
           <ac:spMkLst>
@@ -989,11 +1069,19 @@
         </pc:picChg>
       </pc:sldChg>
       <pc:sldChg chg="addSp modSp add mod">
-        <pc:chgData name="Will Brooks" userId="d4c2b272-852e-451d-80ba-d2f905b38211" providerId="ADAL" clId="{37A0AFB6-F6CA-4F11-9C33-0D7619B1449C}" dt="2022-09-22T10:35:20.565" v="7742" actId="20577"/>
+        <pc:chgData name="Will Brooks" userId="d4c2b272-852e-451d-80ba-d2f905b38211" providerId="ADAL" clId="{37A0AFB6-F6CA-4F11-9C33-0D7619B1449C}" dt="2022-09-28T07:56:23.982" v="9730"/>
         <pc:sldMkLst>
           <pc:docMk/>
           <pc:sldMk cId="2406069309" sldId="325"/>
         </pc:sldMkLst>
+        <pc:spChg chg="mod">
+          <ac:chgData name="Will Brooks" userId="d4c2b272-852e-451d-80ba-d2f905b38211" providerId="ADAL" clId="{37A0AFB6-F6CA-4F11-9C33-0D7619B1449C}" dt="2022-09-28T07:56:23.982" v="9730"/>
+          <ac:spMkLst>
+            <pc:docMk/>
+            <pc:sldMk cId="2406069309" sldId="325"/>
+            <ac:spMk id="3" creationId="{6942939B-7B0C-42A5-8BC5-642B25324167}"/>
+          </ac:spMkLst>
+        </pc:spChg>
         <pc:spChg chg="mod">
           <ac:chgData name="Will Brooks" userId="d4c2b272-852e-451d-80ba-d2f905b38211" providerId="ADAL" clId="{37A0AFB6-F6CA-4F11-9C33-0D7619B1449C}" dt="2022-09-21T15:25:15.717" v="6745" actId="20577"/>
           <ac:spMkLst>
@@ -1035,6 +1123,45 @@
           </ac:picMkLst>
         </pc:picChg>
       </pc:sldChg>
+      <pc:sldChg chg="addSp modSp new mod">
+        <pc:chgData name="Will Brooks" userId="d4c2b272-852e-451d-80ba-d2f905b38211" providerId="ADAL" clId="{37A0AFB6-F6CA-4F11-9C33-0D7619B1449C}" dt="2022-09-28T07:55:50.871" v="9714"/>
+        <pc:sldMkLst>
+          <pc:docMk/>
+          <pc:sldMk cId="4151486386" sldId="326"/>
+        </pc:sldMkLst>
+        <pc:spChg chg="mod">
+          <ac:chgData name="Will Brooks" userId="d4c2b272-852e-451d-80ba-d2f905b38211" providerId="ADAL" clId="{37A0AFB6-F6CA-4F11-9C33-0D7619B1449C}" dt="2022-09-28T07:54:54.879" v="9671" actId="20577"/>
+          <ac:spMkLst>
+            <pc:docMk/>
+            <pc:sldMk cId="4151486386" sldId="326"/>
+            <ac:spMk id="2" creationId="{262F1CBE-38D5-4BDE-9901-1B6C36F76960}"/>
+          </ac:spMkLst>
+        </pc:spChg>
+        <pc:spChg chg="mod">
+          <ac:chgData name="Will Brooks" userId="d4c2b272-852e-451d-80ba-d2f905b38211" providerId="ADAL" clId="{37A0AFB6-F6CA-4F11-9C33-0D7619B1449C}" dt="2022-09-28T07:55:50.871" v="9714"/>
+          <ac:spMkLst>
+            <pc:docMk/>
+            <pc:sldMk cId="4151486386" sldId="326"/>
+            <ac:spMk id="3" creationId="{A7AC4494-DC7F-426D-B5BF-14F0BA385522}"/>
+          </ac:spMkLst>
+        </pc:spChg>
+        <pc:spChg chg="mod">
+          <ac:chgData name="Will Brooks" userId="d4c2b272-852e-451d-80ba-d2f905b38211" providerId="ADAL" clId="{37A0AFB6-F6CA-4F11-9C33-0D7619B1449C}" dt="2022-09-27T08:03:34.171" v="8832" actId="20577"/>
+          <ac:spMkLst>
+            <pc:docMk/>
+            <pc:sldMk cId="4151486386" sldId="326"/>
+            <ac:spMk id="4" creationId="{12FFB6D8-3053-4E55-BAE8-AFCC0592C8E7}"/>
+          </ac:spMkLst>
+        </pc:spChg>
+        <pc:picChg chg="add mod">
+          <ac:chgData name="Will Brooks" userId="d4c2b272-852e-451d-80ba-d2f905b38211" providerId="ADAL" clId="{37A0AFB6-F6CA-4F11-9C33-0D7619B1449C}" dt="2022-09-28T07:54:58.868" v="9672" actId="1076"/>
+          <ac:picMkLst>
+            <pc:docMk/>
+            <pc:sldMk cId="4151486386" sldId="326"/>
+            <ac:picMk id="6" creationId="{780A685C-5219-4545-BC78-43396E4F7202}"/>
+          </ac:picMkLst>
+        </pc:picChg>
+      </pc:sldChg>
     </pc:docChg>
   </pc:docChgLst>
 </pc:chgInfo>
@@ -1122,7 +1249,7 @@
           <a:p>
             <a:fld id="{1790A331-7ADD-4391-8CA5-606C9BFD26F5}" type="datetimeFigureOut">
               <a:rPr lang="en-GB" smtClean="0"/>
-              <a:t>26/09/2022</a:t>
+              <a:t>28/09/2022</a:t>
             </a:fld>
             <a:endParaRPr lang="en-GB" dirty="0"/>
           </a:p>
@@ -1291,7 +1418,7 @@
           <a:p>
             <a:fld id="{002AE991-F138-4FD8-982E-957F3CA6A0F6}" type="datetimeFigureOut">
               <a:rPr lang="en-GB" smtClean="0"/>
-              <a:t>26/09/2022</a:t>
+              <a:t>28/09/2022</a:t>
             </a:fld>
             <a:endParaRPr lang="en-GB" dirty="0"/>
           </a:p>
@@ -13681,8 +13808,12 @@
           <a:lstStyle/>
           <a:p>
             <a:r>
-              <a:rPr lang="en-GB"/>
-              <a:t>PowerPoint Style Guide / Supporting Templates</a:t>
+              <a:rPr lang="en-GB" dirty="0"/>
+              <a:t>Introduction to GitHub and </a:t>
+            </a:r>
+            <a:r>
+              <a:rPr lang="en-GB" dirty="0" err="1"/>
+              <a:t>GitBash</a:t>
             </a:r>
             <a:endParaRPr lang="en-US" dirty="0"/>
           </a:p>
@@ -14077,8 +14208,12 @@
           <a:lstStyle/>
           <a:p>
             <a:r>
-              <a:rPr lang="en-GB"/>
-              <a:t>PowerPoint Style Guide / Supporting Templates</a:t>
+              <a:rPr lang="en-GB" dirty="0"/>
+              <a:t>Introduction to GitHub and </a:t>
+            </a:r>
+            <a:r>
+              <a:rPr lang="en-GB" dirty="0" err="1"/>
+              <a:t>GitBash</a:t>
             </a:r>
             <a:endParaRPr lang="en-US" dirty="0"/>
           </a:p>
@@ -14295,12 +14430,12 @@
           <a:p>
             <a:r>
               <a:rPr lang="en-GB" dirty="0"/>
-              <a:t>Git was designed and developed in 2005 on the Linux kernel, which is know for being free, open source, multitasking and distributed. It shares these qualities with Git</a:t>
-            </a:r>
-          </a:p>
-          <a:p>
-            <a:r>
-              <a:rPr lang="en-GB" dirty="0"/>
+              <a:t>Git was designed and developed in 2005 on the Linux kernel, which is know for being free, open source, multi-tasking and distributed. </a:t>
+            </a:r>
+          </a:p>
+          <a:p>
+            <a:r>
+              <a:rPr lang="en-GB" b="1" dirty="0"/>
               <a:t>Git is an open-source, distributed, Version Control System</a:t>
             </a:r>
           </a:p>
@@ -14325,14 +14460,8 @@
             </a:r>
           </a:p>
           <a:p>
-            <a:pPr marL="457200" lvl="1" indent="0">
-              <a:buNone/>
-            </a:pPr>
-            <a:endParaRPr lang="en-GB" dirty="0"/>
-          </a:p>
-          <a:p>
-            <a:r>
-              <a:rPr lang="en-GB" dirty="0"/>
+            <a:r>
+              <a:rPr lang="en-GB" b="1" dirty="0"/>
               <a:t>Distributed </a:t>
             </a:r>
           </a:p>
@@ -14347,16 +14476,19 @@
             </a:r>
           </a:p>
           <a:p>
+            <a:r>
+              <a:rPr lang="en-GB" b="1" dirty="0"/>
+              <a:t>Open Source </a:t>
+            </a:r>
+          </a:p>
+          <a:p>
             <a:pPr lvl="1">
               <a:buFont typeface="Courier New" panose="02070309020205020404" pitchFamily="49" charset="0"/>
               <a:buChar char="o"/>
             </a:pPr>
-            <a:endParaRPr lang="en-GB" dirty="0"/>
-          </a:p>
-          <a:p>
             <a:r>
               <a:rPr lang="en-GB" dirty="0"/>
-              <a:t>Open Source </a:t>
+              <a:t>Source code can be inspected by anyone on the remote (GitHub)</a:t>
             </a:r>
           </a:p>
           <a:p>
@@ -14366,29 +14498,19 @@
             </a:pPr>
             <a:r>
               <a:rPr lang="en-GB" dirty="0"/>
-              <a:t>Source code can be inspected by anyone on the remote (GitHub)</a:t>
-            </a:r>
-          </a:p>
-          <a:p>
-            <a:pPr lvl="1">
-              <a:buFont typeface="Courier New" panose="02070309020205020404" pitchFamily="49" charset="0"/>
-              <a:buChar char="o"/>
-            </a:pPr>
-            <a:r>
-              <a:rPr lang="en-GB" dirty="0"/>
               <a:t>Would have implications for what Git can be used for (Non-sensitive)</a:t>
             </a:r>
           </a:p>
           <a:p>
             <a:r>
-              <a:rPr lang="en-GB" dirty="0"/>
+              <a:rPr lang="en-GB" b="1" dirty="0"/>
               <a:t>GitHub and </a:t>
             </a:r>
             <a:r>
-              <a:rPr lang="en-GB" dirty="0" err="1"/>
+              <a:rPr lang="en-GB" b="1" dirty="0" err="1"/>
               <a:t>GitBash</a:t>
             </a:r>
-            <a:endParaRPr lang="en-GB" dirty="0"/>
+            <a:endParaRPr lang="en-GB" b="1" dirty="0"/>
           </a:p>
           <a:p>
             <a:pPr lvl="1">
@@ -14466,8 +14588,12 @@
           <a:lstStyle/>
           <a:p>
             <a:r>
-              <a:rPr lang="en-GB"/>
-              <a:t>PowerPoint Style Guide / Supporting Templates</a:t>
+              <a:rPr lang="en-GB" dirty="0"/>
+              <a:t>Introduction to GitHub and </a:t>
+            </a:r>
+            <a:r>
+              <a:rPr lang="en-GB" dirty="0" err="1"/>
+              <a:t>GitBash</a:t>
             </a:r>
             <a:endParaRPr lang="en-US" dirty="0"/>
           </a:p>
@@ -14577,7 +14703,7 @@
         </p:blipFill>
         <p:spPr bwMode="auto">
           <a:xfrm>
-            <a:off x="6582839" y="2639007"/>
+            <a:off x="6582839" y="2713754"/>
             <a:ext cx="2329204" cy="1748355"/>
           </a:xfrm>
           <a:prstGeom prst="rect">
@@ -14859,7 +14985,11 @@
           <a:p>
             <a:r>
               <a:rPr lang="en-GB" dirty="0"/>
-              <a:t>PowerPoint Style Guide / Supporting Templates</a:t>
+              <a:t>Introduction to GitHub and </a:t>
+            </a:r>
+            <a:r>
+              <a:rPr lang="en-GB" dirty="0" err="1"/>
+              <a:t>GitBash</a:t>
             </a:r>
             <a:endParaRPr lang="en-US" dirty="0"/>
           </a:p>
@@ -15228,7 +15358,11 @@
           <a:p>
             <a:r>
               <a:rPr lang="en-GB" dirty="0"/>
-              <a:t>PowerPoint Style Guide / Supporting Templates</a:t>
+              <a:t>Introduction to GitHub and </a:t>
+            </a:r>
+            <a:r>
+              <a:rPr lang="en-GB" dirty="0" err="1"/>
+              <a:t>GitBash</a:t>
             </a:r>
             <a:endParaRPr lang="en-US" dirty="0"/>
           </a:p>
@@ -15500,7 +15634,11 @@
           <a:p>
             <a:r>
               <a:rPr lang="en-GB" dirty="0"/>
-              <a:t>PowerPoint Style Guide / Supporting Templates</a:t>
+              <a:t>Introduction to GitHub and </a:t>
+            </a:r>
+            <a:r>
+              <a:rPr lang="en-GB" dirty="0" err="1"/>
+              <a:t>GitBash</a:t>
             </a:r>
             <a:endParaRPr lang="en-US" dirty="0"/>
           </a:p>
@@ -15836,8 +15974,12 @@
           <a:lstStyle/>
           <a:p>
             <a:r>
-              <a:rPr lang="en-GB"/>
-              <a:t>PowerPoint Style Guide / Supporting Templates</a:t>
+              <a:rPr lang="en-GB" dirty="0"/>
+              <a:t>Introduction to GitHub and </a:t>
+            </a:r>
+            <a:r>
+              <a:rPr lang="en-GB" dirty="0" err="1"/>
+              <a:t>GitBash</a:t>
             </a:r>
             <a:endParaRPr lang="en-US" dirty="0"/>
           </a:p>
@@ -15970,8 +16112,12 @@
           <a:lstStyle/>
           <a:p>
             <a:r>
-              <a:rPr lang="en-GB"/>
-              <a:t>PowerPoint Style Guide / Supporting Templates</a:t>
+              <a:rPr lang="en-GB" dirty="0"/>
+              <a:t>Introduction to GitHub and </a:t>
+            </a:r>
+            <a:r>
+              <a:rPr lang="en-GB" dirty="0" err="1"/>
+              <a:t>GitBash</a:t>
             </a:r>
             <a:endParaRPr lang="en-US" dirty="0"/>
           </a:p>
@@ -16234,8 +16380,12 @@
           <a:lstStyle/>
           <a:p>
             <a:r>
-              <a:rPr lang="en-GB"/>
-              <a:t>PowerPoint Style Guide / Supporting Templates</a:t>
+              <a:rPr lang="en-GB" dirty="0"/>
+              <a:t>Introduction to GitHub and </a:t>
+            </a:r>
+            <a:r>
+              <a:rPr lang="en-GB" dirty="0" err="1"/>
+              <a:t>GitBash</a:t>
             </a:r>
             <a:endParaRPr lang="en-US" dirty="0"/>
           </a:p>
@@ -16693,8 +16843,12 @@
           <a:lstStyle/>
           <a:p>
             <a:r>
-              <a:rPr lang="en-GB"/>
-              <a:t>PowerPoint Style Guide / Supporting Templates</a:t>
+              <a:rPr lang="en-GB" dirty="0"/>
+              <a:t>Introduction to GitHub and </a:t>
+            </a:r>
+            <a:r>
+              <a:rPr lang="en-GB" dirty="0" err="1"/>
+              <a:t>GitBash</a:t>
             </a:r>
             <a:endParaRPr lang="en-US" dirty="0"/>
           </a:p>
@@ -17768,15 +17922,6 @@
 </file>
 
 <file path=customXml/item1.xml><?xml version="1.0" encoding="utf-8"?>
-<?mso-contentType ?>
-<FormTemplates xmlns="http://schemas.microsoft.com/sharepoint/v3/contenttype/forms">
-  <Display>DocumentLibraryForm</Display>
-  <Edit>DocumentLibraryForm</Edit>
-  <New>DocumentLibraryForm</New>
-</FormTemplates>
-</file>
-
-<file path=customXml/item2.xml><?xml version="1.0" encoding="utf-8"?>
 <ct:contentTypeSchema xmlns:ct="http://schemas.microsoft.com/office/2006/metadata/contentType" xmlns:ma="http://schemas.microsoft.com/office/2006/metadata/properties/metaAttributes" ct:_="" ma:_="" ma:contentTypeName="Document" ma:contentTypeID="0x010100308E40E706C7A346904F58642B7D1969" ma:contentTypeVersion="0" ma:contentTypeDescription="Create a new document." ma:contentTypeScope="" ma:versionID="0ea485b46902d4f7e49967f1b2c25a65">
   <xsd:schema xmlns:xsd="http://www.w3.org/2001/XMLSchema" xmlns:xs="http://www.w3.org/2001/XMLSchema" xmlns:p="http://schemas.microsoft.com/office/2006/metadata/properties" targetNamespace="http://schemas.microsoft.com/office/2006/metadata/properties" ma:root="true" ma:fieldsID="90078a0fe6c183ae62661f67b7399e8a">
     <xsd:element name="properties">
@@ -17890,6 +18035,15 @@
 </ct:contentTypeSchema>
 </file>
 
+<file path=customXml/item2.xml><?xml version="1.0" encoding="utf-8"?>
+<?mso-contentType ?>
+<FormTemplates xmlns="http://schemas.microsoft.com/sharepoint/v3/contenttype/forms">
+  <Display>DocumentLibraryForm</Display>
+  <Edit>DocumentLibraryForm</Edit>
+  <New>DocumentLibraryForm</New>
+</FormTemplates>
+</file>
+
 <file path=customXml/item3.xml><?xml version="1.0" encoding="utf-8"?>
 <p:properties xmlns:p="http://schemas.microsoft.com/office/2006/metadata/properties" xmlns:xsi="http://www.w3.org/2001/XMLSchema-instance" xmlns:pc="http://schemas.microsoft.com/office/infopath/2007/PartnerControls">
   <documentManagement/>
@@ -17897,14 +18051,6 @@
 </file>
 
 <file path=customXml/itemProps1.xml><?xml version="1.0" encoding="utf-8"?>
-<ds:datastoreItem xmlns:ds="http://schemas.openxmlformats.org/officeDocument/2006/customXml" ds:itemID="{A6333066-D95F-4DC9-8F45-8431A5C3C76B}">
-  <ds:schemaRefs>
-    <ds:schemaRef ds:uri="http://schemas.microsoft.com/sharepoint/v3/contenttype/forms"/>
-  </ds:schemaRefs>
-</ds:datastoreItem>
-</file>
-
-<file path=customXml/itemProps2.xml><?xml version="1.0" encoding="utf-8"?>
 <ds:datastoreItem xmlns:ds="http://schemas.openxmlformats.org/officeDocument/2006/customXml" ds:itemID="{08DD32EF-F09C-4573-9C23-B48EA7D5886E}">
   <ds:schemaRefs>
     <ds:schemaRef ds:uri="http://schemas.microsoft.com/office/2006/metadata/contentType"/>
@@ -17916,6 +18062,14 @@
     <ds:schemaRef ds:uri="http://purl.org/dc/terms/"/>
     <ds:schemaRef ds:uri="http://schemas.microsoft.com/internal/obd"/>
     <ds:schemaRef ds:uri="http://schemas.microsoft.com/office/infopath/2007/PartnerControls"/>
+  </ds:schemaRefs>
+</ds:datastoreItem>
+</file>
+
+<file path=customXml/itemProps2.xml><?xml version="1.0" encoding="utf-8"?>
+<ds:datastoreItem xmlns:ds="http://schemas.openxmlformats.org/officeDocument/2006/customXml" ds:itemID="{A6333066-D95F-4DC9-8F45-8431A5C3C76B}">
+  <ds:schemaRefs>
+    <ds:schemaRef ds:uri="http://schemas.microsoft.com/sharepoint/v3/contenttype/forms"/>
   </ds:schemaRefs>
 </ds:datastoreItem>
 </file>

--- a/GitIntro.pptx
+++ b/GitIntro.pptx
@@ -159,18 +159,18 @@
   <pc:docChgLst>
     <pc:chgData name="Will Brooks" userId="d4c2b272-852e-451d-80ba-d2f905b38211" providerId="ADAL" clId="{37A0AFB6-F6CA-4F11-9C33-0D7619B1449C}"/>
     <pc:docChg chg="undo custSel addSld delSld modSld">
-      <pc:chgData name="Will Brooks" userId="d4c2b272-852e-451d-80ba-d2f905b38211" providerId="ADAL" clId="{37A0AFB6-F6CA-4F11-9C33-0D7619B1449C}" dt="2022-09-27T08:15:49.708" v="9506" actId="20577"/>
+      <pc:chgData name="Will Brooks" userId="d4c2b272-852e-451d-80ba-d2f905b38211" providerId="ADAL" clId="{37A0AFB6-F6CA-4F11-9C33-0D7619B1449C}" dt="2022-09-29T12:05:20.234" v="9622"/>
       <pc:docMkLst>
         <pc:docMk/>
       </pc:docMkLst>
       <pc:sldChg chg="addSp modSp mod">
-        <pc:chgData name="Will Brooks" userId="d4c2b272-852e-451d-80ba-d2f905b38211" providerId="ADAL" clId="{37A0AFB6-F6CA-4F11-9C33-0D7619B1449C}" dt="2022-09-26T09:10:00.491" v="8582" actId="20577"/>
+        <pc:chgData name="Will Brooks" userId="d4c2b272-852e-451d-80ba-d2f905b38211" providerId="ADAL" clId="{37A0AFB6-F6CA-4F11-9C33-0D7619B1449C}" dt="2022-09-29T12:04:45.170" v="9612" actId="20577"/>
         <pc:sldMkLst>
           <pc:docMk/>
           <pc:sldMk cId="3144119947" sldId="263"/>
         </pc:sldMkLst>
         <pc:spChg chg="mod">
-          <ac:chgData name="Will Brooks" userId="d4c2b272-852e-451d-80ba-d2f905b38211" providerId="ADAL" clId="{37A0AFB6-F6CA-4F11-9C33-0D7619B1449C}" dt="2022-09-26T09:10:00.491" v="8582" actId="20577"/>
+          <ac:chgData name="Will Brooks" userId="d4c2b272-852e-451d-80ba-d2f905b38211" providerId="ADAL" clId="{37A0AFB6-F6CA-4F11-9C33-0D7619B1449C}" dt="2022-09-29T12:04:45.170" v="9612" actId="20577"/>
           <ac:spMkLst>
             <pc:docMk/>
             <pc:sldMk cId="3144119947" sldId="263"/>
@@ -503,7 +503,7 @@
         </pc:sldMkLst>
       </pc:sldChg>
       <pc:sldChg chg="addSp modSp add del mod">
-        <pc:chgData name="Will Brooks" userId="d4c2b272-852e-451d-80ba-d2f905b38211" providerId="ADAL" clId="{37A0AFB6-F6CA-4F11-9C33-0D7619B1449C}" dt="2022-09-26T09:40:09.467" v="8761" actId="20577"/>
+        <pc:chgData name="Will Brooks" userId="d4c2b272-852e-451d-80ba-d2f905b38211" providerId="ADAL" clId="{37A0AFB6-F6CA-4F11-9C33-0D7619B1449C}" dt="2022-09-29T12:04:35.682" v="9609" actId="20577"/>
         <pc:sldMkLst>
           <pc:docMk/>
           <pc:sldMk cId="3770664684" sldId="316"/>
@@ -514,6 +514,14 @@
             <pc:docMk/>
             <pc:sldMk cId="3770664684" sldId="316"/>
             <ac:spMk id="2" creationId="{48869F42-6D93-4C35-8FA5-AE406994C1E3}"/>
+          </ac:spMkLst>
+        </pc:spChg>
+        <pc:spChg chg="mod">
+          <ac:chgData name="Will Brooks" userId="d4c2b272-852e-451d-80ba-d2f905b38211" providerId="ADAL" clId="{37A0AFB6-F6CA-4F11-9C33-0D7619B1449C}" dt="2022-09-29T12:04:35.682" v="9609" actId="20577"/>
+          <ac:spMkLst>
+            <pc:docMk/>
+            <pc:sldMk cId="3770664684" sldId="316"/>
+            <ac:spMk id="3" creationId="{6942939B-7B0C-42A5-8BC5-642B25324167}"/>
           </ac:spMkLst>
         </pc:spChg>
         <pc:spChg chg="mod">
@@ -542,7 +550,7 @@
         </pc:picChg>
       </pc:sldChg>
       <pc:sldChg chg="addSp modSp add mod">
-        <pc:chgData name="Will Brooks" userId="d4c2b272-852e-451d-80ba-d2f905b38211" providerId="ADAL" clId="{37A0AFB6-F6CA-4F11-9C33-0D7619B1449C}" dt="2022-09-26T09:43:49.099" v="8769" actId="208"/>
+        <pc:chgData name="Will Brooks" userId="d4c2b272-852e-451d-80ba-d2f905b38211" providerId="ADAL" clId="{37A0AFB6-F6CA-4F11-9C33-0D7619B1449C}" dt="2022-09-29T12:04:55.123" v="9613"/>
         <pc:sldMkLst>
           <pc:docMk/>
           <pc:sldMk cId="1180572286" sldId="317"/>
@@ -553,6 +561,14 @@
             <pc:docMk/>
             <pc:sldMk cId="1180572286" sldId="317"/>
             <ac:spMk id="2" creationId="{48869F42-6D93-4C35-8FA5-AE406994C1E3}"/>
+          </ac:spMkLst>
+        </pc:spChg>
+        <pc:spChg chg="mod">
+          <ac:chgData name="Will Brooks" userId="d4c2b272-852e-451d-80ba-d2f905b38211" providerId="ADAL" clId="{37A0AFB6-F6CA-4F11-9C33-0D7619B1449C}" dt="2022-09-29T12:04:55.123" v="9613"/>
+          <ac:spMkLst>
+            <pc:docMk/>
+            <pc:sldMk cId="1180572286" sldId="317"/>
+            <ac:spMk id="3" creationId="{6942939B-7B0C-42A5-8BC5-642B25324167}"/>
           </ac:spMkLst>
         </pc:spChg>
         <pc:spChg chg="mod">
@@ -589,7 +605,7 @@
         </pc:cxnChg>
       </pc:sldChg>
       <pc:sldChg chg="addSp modSp add mod">
-        <pc:chgData name="Will Brooks" userId="d4c2b272-852e-451d-80ba-d2f905b38211" providerId="ADAL" clId="{37A0AFB6-F6CA-4F11-9C33-0D7619B1449C}" dt="2022-09-21T14:55:45.288" v="6518" actId="114"/>
+        <pc:chgData name="Will Brooks" userId="d4c2b272-852e-451d-80ba-d2f905b38211" providerId="ADAL" clId="{37A0AFB6-F6CA-4F11-9C33-0D7619B1449C}" dt="2022-09-29T12:05:06.577" v="9617"/>
         <pc:sldMkLst>
           <pc:docMk/>
           <pc:sldMk cId="2310298358" sldId="318"/>
@@ -600,6 +616,14 @@
             <pc:docMk/>
             <pc:sldMk cId="2310298358" sldId="318"/>
             <ac:spMk id="2" creationId="{48869F42-6D93-4C35-8FA5-AE406994C1E3}"/>
+          </ac:spMkLst>
+        </pc:spChg>
+        <pc:spChg chg="mod">
+          <ac:chgData name="Will Brooks" userId="d4c2b272-852e-451d-80ba-d2f905b38211" providerId="ADAL" clId="{37A0AFB6-F6CA-4F11-9C33-0D7619B1449C}" dt="2022-09-29T12:05:06.577" v="9617"/>
+          <ac:spMkLst>
+            <pc:docMk/>
+            <pc:sldMk cId="2310298358" sldId="318"/>
+            <ac:spMk id="3" creationId="{6942939B-7B0C-42A5-8BC5-642B25324167}"/>
           </ac:spMkLst>
         </pc:spChg>
         <pc:spChg chg="mod">
@@ -620,7 +644,7 @@
         </pc:picChg>
       </pc:sldChg>
       <pc:sldChg chg="addSp modSp add mod">
-        <pc:chgData name="Will Brooks" userId="d4c2b272-852e-451d-80ba-d2f905b38211" providerId="ADAL" clId="{37A0AFB6-F6CA-4F11-9C33-0D7619B1449C}" dt="2022-09-21T14:54:20.320" v="6512" actId="20577"/>
+        <pc:chgData name="Will Brooks" userId="d4c2b272-852e-451d-80ba-d2f905b38211" providerId="ADAL" clId="{37A0AFB6-F6CA-4F11-9C33-0D7619B1449C}" dt="2022-09-29T12:05:01.001" v="9615"/>
         <pc:sldMkLst>
           <pc:docMk/>
           <pc:sldMk cId="4006080756" sldId="319"/>
@@ -631,6 +655,14 @@
             <pc:docMk/>
             <pc:sldMk cId="4006080756" sldId="319"/>
             <ac:spMk id="2" creationId="{48869F42-6D93-4C35-8FA5-AE406994C1E3}"/>
+          </ac:spMkLst>
+        </pc:spChg>
+        <pc:spChg chg="mod">
+          <ac:chgData name="Will Brooks" userId="d4c2b272-852e-451d-80ba-d2f905b38211" providerId="ADAL" clId="{37A0AFB6-F6CA-4F11-9C33-0D7619B1449C}" dt="2022-09-29T12:05:01.001" v="9615"/>
+          <ac:spMkLst>
+            <pc:docMk/>
+            <pc:sldMk cId="4006080756" sldId="319"/>
+            <ac:spMk id="3" creationId="{6942939B-7B0C-42A5-8BC5-642B25324167}"/>
           </ac:spMkLst>
         </pc:spChg>
         <pc:spChg chg="mod">
@@ -651,7 +683,7 @@
         </pc:picChg>
       </pc:sldChg>
       <pc:sldChg chg="addSp modSp add mod">
-        <pc:chgData name="Will Brooks" userId="d4c2b272-852e-451d-80ba-d2f905b38211" providerId="ADAL" clId="{37A0AFB6-F6CA-4F11-9C33-0D7619B1449C}" dt="2022-09-22T12:34:26.649" v="7942" actId="20577"/>
+        <pc:chgData name="Will Brooks" userId="d4c2b272-852e-451d-80ba-d2f905b38211" providerId="ADAL" clId="{37A0AFB6-F6CA-4F11-9C33-0D7619B1449C}" dt="2022-09-29T12:05:03.870" v="9616"/>
         <pc:sldMkLst>
           <pc:docMk/>
           <pc:sldMk cId="3118825995" sldId="320"/>
@@ -662,6 +694,14 @@
             <pc:docMk/>
             <pc:sldMk cId="3118825995" sldId="320"/>
             <ac:spMk id="2" creationId="{48869F42-6D93-4C35-8FA5-AE406994C1E3}"/>
+          </ac:spMkLst>
+        </pc:spChg>
+        <pc:spChg chg="mod">
+          <ac:chgData name="Will Brooks" userId="d4c2b272-852e-451d-80ba-d2f905b38211" providerId="ADAL" clId="{37A0AFB6-F6CA-4F11-9C33-0D7619B1449C}" dt="2022-09-29T12:05:03.870" v="9616"/>
+          <ac:spMkLst>
+            <pc:docMk/>
+            <pc:sldMk cId="3118825995" sldId="320"/>
+            <ac:spMk id="3" creationId="{6942939B-7B0C-42A5-8BC5-642B25324167}"/>
           </ac:spMkLst>
         </pc:spChg>
         <pc:spChg chg="mod">
@@ -682,7 +722,7 @@
         </pc:picChg>
       </pc:sldChg>
       <pc:sldChg chg="addSp delSp modSp add mod">
-        <pc:chgData name="Will Brooks" userId="d4c2b272-852e-451d-80ba-d2f905b38211" providerId="ADAL" clId="{37A0AFB6-F6CA-4F11-9C33-0D7619B1449C}" dt="2022-09-22T10:34:49.583" v="7732" actId="1076"/>
+        <pc:chgData name="Will Brooks" userId="d4c2b272-852e-451d-80ba-d2f905b38211" providerId="ADAL" clId="{37A0AFB6-F6CA-4F11-9C33-0D7619B1449C}" dt="2022-09-29T12:05:09.103" v="9618"/>
         <pc:sldMkLst>
           <pc:docMk/>
           <pc:sldMk cId="1632702149" sldId="321"/>
@@ -701,6 +741,14 @@
             <pc:docMk/>
             <pc:sldMk cId="1632702149" sldId="321"/>
             <ac:spMk id="2" creationId="{48869F42-6D93-4C35-8FA5-AE406994C1E3}"/>
+          </ac:spMkLst>
+        </pc:spChg>
+        <pc:spChg chg="mod">
+          <ac:chgData name="Will Brooks" userId="d4c2b272-852e-451d-80ba-d2f905b38211" providerId="ADAL" clId="{37A0AFB6-F6CA-4F11-9C33-0D7619B1449C}" dt="2022-09-29T12:05:09.103" v="9618"/>
+          <ac:spMkLst>
+            <pc:docMk/>
+            <pc:sldMk cId="1632702149" sldId="321"/>
+            <ac:spMk id="3" creationId="{6942939B-7B0C-42A5-8BC5-642B25324167}"/>
           </ac:spMkLst>
         </pc:spChg>
         <pc:spChg chg="mod">
@@ -737,11 +785,19 @@
         </pc:picChg>
       </pc:sldChg>
       <pc:sldChg chg="addSp delSp modSp add mod">
-        <pc:chgData name="Will Brooks" userId="d4c2b272-852e-451d-80ba-d2f905b38211" providerId="ADAL" clId="{37A0AFB6-F6CA-4F11-9C33-0D7619B1449C}" dt="2022-09-22T08:12:18.301" v="7141" actId="14100"/>
+        <pc:chgData name="Will Brooks" userId="d4c2b272-852e-451d-80ba-d2f905b38211" providerId="ADAL" clId="{37A0AFB6-F6CA-4F11-9C33-0D7619B1449C}" dt="2022-09-29T12:05:12.035" v="9619"/>
         <pc:sldMkLst>
           <pc:docMk/>
           <pc:sldMk cId="3909519556" sldId="322"/>
         </pc:sldMkLst>
+        <pc:spChg chg="mod">
+          <ac:chgData name="Will Brooks" userId="d4c2b272-852e-451d-80ba-d2f905b38211" providerId="ADAL" clId="{37A0AFB6-F6CA-4F11-9C33-0D7619B1449C}" dt="2022-09-29T12:05:12.035" v="9619"/>
+          <ac:spMkLst>
+            <pc:docMk/>
+            <pc:sldMk cId="3909519556" sldId="322"/>
+            <ac:spMk id="3" creationId="{6942939B-7B0C-42A5-8BC5-642B25324167}"/>
+          </ac:spMkLst>
+        </pc:spChg>
         <pc:spChg chg="mod">
           <ac:chgData name="Will Brooks" userId="d4c2b272-852e-451d-80ba-d2f905b38211" providerId="ADAL" clId="{37A0AFB6-F6CA-4F11-9C33-0D7619B1449C}" dt="2022-09-21T15:24:34.658" v="6684" actId="255"/>
           <ac:spMkLst>
@@ -848,11 +904,19 @@
         </pc:picChg>
       </pc:sldChg>
       <pc:sldChg chg="addSp modSp add mod">
-        <pc:chgData name="Will Brooks" userId="d4c2b272-852e-451d-80ba-d2f905b38211" providerId="ADAL" clId="{37A0AFB6-F6CA-4F11-9C33-0D7619B1449C}" dt="2022-09-22T08:14:08.001" v="7313" actId="20577"/>
+        <pc:chgData name="Will Brooks" userId="d4c2b272-852e-451d-80ba-d2f905b38211" providerId="ADAL" clId="{37A0AFB6-F6CA-4F11-9C33-0D7619B1449C}" dt="2022-09-29T12:05:14.921" v="9620"/>
         <pc:sldMkLst>
           <pc:docMk/>
           <pc:sldMk cId="98407624" sldId="323"/>
         </pc:sldMkLst>
+        <pc:spChg chg="mod">
+          <ac:chgData name="Will Brooks" userId="d4c2b272-852e-451d-80ba-d2f905b38211" providerId="ADAL" clId="{37A0AFB6-F6CA-4F11-9C33-0D7619B1449C}" dt="2022-09-29T12:05:14.921" v="9620"/>
+          <ac:spMkLst>
+            <pc:docMk/>
+            <pc:sldMk cId="98407624" sldId="323"/>
+            <ac:spMk id="3" creationId="{6942939B-7B0C-42A5-8BC5-642B25324167}"/>
+          </ac:spMkLst>
+        </pc:spChg>
         <pc:spChg chg="mod">
           <ac:chgData name="Will Brooks" userId="d4c2b272-852e-451d-80ba-d2f905b38211" providerId="ADAL" clId="{37A0AFB6-F6CA-4F11-9C33-0D7619B1449C}" dt="2022-09-21T15:24:48.629" v="6709" actId="20577"/>
           <ac:spMkLst>
@@ -911,11 +975,19 @@
         </pc:picChg>
       </pc:sldChg>
       <pc:sldChg chg="addSp modSp add mod">
-        <pc:chgData name="Will Brooks" userId="d4c2b272-852e-451d-80ba-d2f905b38211" providerId="ADAL" clId="{37A0AFB6-F6CA-4F11-9C33-0D7619B1449C}" dt="2022-09-22T10:35:12.918" v="7738" actId="20577"/>
+        <pc:chgData name="Will Brooks" userId="d4c2b272-852e-451d-80ba-d2f905b38211" providerId="ADAL" clId="{37A0AFB6-F6CA-4F11-9C33-0D7619B1449C}" dt="2022-09-29T12:05:18.052" v="9621"/>
         <pc:sldMkLst>
           <pc:docMk/>
           <pc:sldMk cId="3536564236" sldId="324"/>
         </pc:sldMkLst>
+        <pc:spChg chg="mod">
+          <ac:chgData name="Will Brooks" userId="d4c2b272-852e-451d-80ba-d2f905b38211" providerId="ADAL" clId="{37A0AFB6-F6CA-4F11-9C33-0D7619B1449C}" dt="2022-09-29T12:05:18.052" v="9621"/>
+          <ac:spMkLst>
+            <pc:docMk/>
+            <pc:sldMk cId="3536564236" sldId="324"/>
+            <ac:spMk id="3" creationId="{6942939B-7B0C-42A5-8BC5-642B25324167}"/>
+          </ac:spMkLst>
+        </pc:spChg>
         <pc:spChg chg="mod">
           <ac:chgData name="Will Brooks" userId="d4c2b272-852e-451d-80ba-d2f905b38211" providerId="ADAL" clId="{37A0AFB6-F6CA-4F11-9C33-0D7619B1449C}" dt="2022-09-21T15:25:05.340" v="6718" actId="20577"/>
           <ac:spMkLst>
@@ -990,11 +1062,19 @@
         </pc:picChg>
       </pc:sldChg>
       <pc:sldChg chg="addSp modSp add mod">
-        <pc:chgData name="Will Brooks" userId="d4c2b272-852e-451d-80ba-d2f905b38211" providerId="ADAL" clId="{37A0AFB6-F6CA-4F11-9C33-0D7619B1449C}" dt="2022-09-22T10:35:20.565" v="7742" actId="20577"/>
+        <pc:chgData name="Will Brooks" userId="d4c2b272-852e-451d-80ba-d2f905b38211" providerId="ADAL" clId="{37A0AFB6-F6CA-4F11-9C33-0D7619B1449C}" dt="2022-09-29T12:05:20.234" v="9622"/>
         <pc:sldMkLst>
           <pc:docMk/>
           <pc:sldMk cId="2406069309" sldId="325"/>
         </pc:sldMkLst>
+        <pc:spChg chg="mod">
+          <ac:chgData name="Will Brooks" userId="d4c2b272-852e-451d-80ba-d2f905b38211" providerId="ADAL" clId="{37A0AFB6-F6CA-4F11-9C33-0D7619B1449C}" dt="2022-09-29T12:05:20.234" v="9622"/>
+          <ac:spMkLst>
+            <pc:docMk/>
+            <pc:sldMk cId="2406069309" sldId="325"/>
+            <ac:spMk id="3" creationId="{6942939B-7B0C-42A5-8BC5-642B25324167}"/>
+          </ac:spMkLst>
+        </pc:spChg>
         <pc:spChg chg="mod">
           <ac:chgData name="Will Brooks" userId="d4c2b272-852e-451d-80ba-d2f905b38211" providerId="ADAL" clId="{37A0AFB6-F6CA-4F11-9C33-0D7619B1449C}" dt="2022-09-21T15:25:15.717" v="6745" actId="20577"/>
           <ac:spMkLst>
@@ -1036,18 +1116,26 @@
           </ac:picMkLst>
         </pc:picChg>
       </pc:sldChg>
-      <pc:sldChg chg="modSp new mod">
-        <pc:chgData name="Will Brooks" userId="d4c2b272-852e-451d-80ba-d2f905b38211" providerId="ADAL" clId="{37A0AFB6-F6CA-4F11-9C33-0D7619B1449C}" dt="2022-09-27T08:15:49.708" v="9506" actId="20577"/>
+      <pc:sldChg chg="addSp modSp new mod">
+        <pc:chgData name="Will Brooks" userId="d4c2b272-852e-451d-80ba-d2f905b38211" providerId="ADAL" clId="{37A0AFB6-F6CA-4F11-9C33-0D7619B1449C}" dt="2022-09-29T12:04:58.380" v="9614"/>
         <pc:sldMkLst>
           <pc:docMk/>
           <pc:sldMk cId="4151486386" sldId="326"/>
         </pc:sldMkLst>
         <pc:spChg chg="mod">
-          <ac:chgData name="Will Brooks" userId="d4c2b272-852e-451d-80ba-d2f905b38211" providerId="ADAL" clId="{37A0AFB6-F6CA-4F11-9C33-0D7619B1449C}" dt="2022-09-27T08:15:49.708" v="9506" actId="20577"/>
+          <ac:chgData name="Will Brooks" userId="d4c2b272-852e-451d-80ba-d2f905b38211" providerId="ADAL" clId="{37A0AFB6-F6CA-4F11-9C33-0D7619B1449C}" dt="2022-09-29T12:04:14.446" v="9575" actId="20577"/>
           <ac:spMkLst>
             <pc:docMk/>
             <pc:sldMk cId="4151486386" sldId="326"/>
             <ac:spMk id="2" creationId="{262F1CBE-38D5-4BDE-9901-1B6C36F76960}"/>
+          </ac:spMkLst>
+        </pc:spChg>
+        <pc:spChg chg="mod">
+          <ac:chgData name="Will Brooks" userId="d4c2b272-852e-451d-80ba-d2f905b38211" providerId="ADAL" clId="{37A0AFB6-F6CA-4F11-9C33-0D7619B1449C}" dt="2022-09-29T12:04:58.380" v="9614"/>
+          <ac:spMkLst>
+            <pc:docMk/>
+            <pc:sldMk cId="4151486386" sldId="326"/>
+            <ac:spMk id="3" creationId="{A7AC4494-DC7F-426D-B5BF-14F0BA385522}"/>
           </ac:spMkLst>
         </pc:spChg>
         <pc:spChg chg="mod">
@@ -1058,6 +1146,14 @@
             <ac:spMk id="4" creationId="{12FFB6D8-3053-4E55-BAE8-AFCC0592C8E7}"/>
           </ac:spMkLst>
         </pc:spChg>
+        <pc:picChg chg="add mod">
+          <ac:chgData name="Will Brooks" userId="d4c2b272-852e-451d-80ba-d2f905b38211" providerId="ADAL" clId="{37A0AFB6-F6CA-4F11-9C33-0D7619B1449C}" dt="2022-09-29T12:03:48.278" v="9518" actId="1076"/>
+          <ac:picMkLst>
+            <pc:docMk/>
+            <pc:sldMk cId="4151486386" sldId="326"/>
+            <ac:picMk id="6" creationId="{AA68C419-FEF1-4DE2-981B-2B5B06FFE819}"/>
+          </ac:picMkLst>
+        </pc:picChg>
       </pc:sldChg>
     </pc:docChg>
   </pc:docChgLst>
@@ -1146,7 +1242,7 @@
           <a:p>
             <a:fld id="{1790A331-7ADD-4391-8CA5-606C9BFD26F5}" type="datetimeFigureOut">
               <a:rPr lang="en-GB" smtClean="0"/>
-              <a:t>27/09/2022</a:t>
+              <a:t>29/09/2022</a:t>
             </a:fld>
             <a:endParaRPr lang="en-GB" dirty="0"/>
           </a:p>
@@ -1315,7 +1411,7 @@
           <a:p>
             <a:fld id="{002AE991-F138-4FD8-982E-957F3CA6A0F6}" type="datetimeFigureOut">
               <a:rPr lang="en-GB" smtClean="0"/>
-              <a:t>27/09/2022</a:t>
+              <a:t>29/09/2022</a:t>
             </a:fld>
             <a:endParaRPr lang="en-GB" dirty="0"/>
           </a:p>
@@ -13522,13 +13618,8 @@
           <a:p>
             <a:r>
               <a:rPr lang="en-GB" dirty="0"/>
-              <a:t>Introduction to GitHub and </a:t>
-            </a:r>
-            <a:r>
-              <a:rPr lang="en-GB" dirty="0" err="1"/>
-              <a:t>GitBash</a:t>
-            </a:r>
-            <a:endParaRPr lang="en-GB" dirty="0"/>
+              <a:t>Introduction to GitHub</a:t>
+            </a:r>
           </a:p>
         </p:txBody>
       </p:sp>
@@ -13705,8 +13796,8 @@
           <a:lstStyle/>
           <a:p>
             <a:r>
-              <a:rPr lang="en-GB"/>
-              <a:t>PowerPoint Style Guide / Supporting Templates</a:t>
+              <a:rPr lang="en-GB" dirty="0"/>
+              <a:t>Introduction to GitHub</a:t>
             </a:r>
             <a:endParaRPr lang="en-US" dirty="0"/>
           </a:p>
@@ -14034,8 +14125,8 @@
           <a:lstStyle/>
           <a:p>
             <a:r>
-              <a:rPr lang="en-GB"/>
-              <a:t>PowerPoint Style Guide / Supporting Templates</a:t>
+              <a:rPr lang="en-GB" dirty="0"/>
+              <a:t>Introduction to GitHub</a:t>
             </a:r>
             <a:endParaRPr lang="en-US" dirty="0"/>
           </a:p>
@@ -14430,8 +14521,8 @@
           <a:lstStyle/>
           <a:p>
             <a:r>
-              <a:rPr lang="en-GB"/>
-              <a:t>PowerPoint Style Guide / Supporting Templates</a:t>
+              <a:rPr lang="en-GB" dirty="0"/>
+              <a:t>Introduction to GitHub</a:t>
             </a:r>
             <a:endParaRPr lang="en-US" dirty="0"/>
           </a:p>
@@ -14819,8 +14910,8 @@
           <a:lstStyle/>
           <a:p>
             <a:r>
-              <a:rPr lang="en-GB"/>
-              <a:t>PowerPoint Style Guide / Supporting Templates</a:t>
+              <a:rPr lang="en-GB" dirty="0"/>
+              <a:t>Introduction to GitHub</a:t>
             </a:r>
             <a:endParaRPr lang="en-US" dirty="0"/>
           </a:p>
@@ -15212,7 +15303,7 @@
           <a:p>
             <a:r>
               <a:rPr lang="en-GB" dirty="0"/>
-              <a:t>PowerPoint Style Guide / Supporting Templates</a:t>
+              <a:t>Introduction to GitHub</a:t>
             </a:r>
             <a:endParaRPr lang="en-US" dirty="0"/>
           </a:p>
@@ -15418,18 +15509,24 @@
           <a:bodyPr/>
           <a:lstStyle/>
           <a:p>
+            <a:endParaRPr lang="en-GB" dirty="0"/>
+          </a:p>
+          <a:p>
+            <a:endParaRPr lang="en-GB" dirty="0"/>
+          </a:p>
+          <a:p>
+            <a:endParaRPr lang="en-GB" dirty="0"/>
+          </a:p>
+          <a:p>
+            <a:endParaRPr lang="en-GB" dirty="0"/>
+          </a:p>
+          <a:p>
+            <a:endParaRPr lang="en-GB" dirty="0"/>
+          </a:p>
+          <a:p>
             <a:r>
               <a:rPr lang="en-GB" dirty="0"/>
               <a:t>GitHub is already used widely within the NHS for code/file based storage and collaboration</a:t>
-            </a:r>
-          </a:p>
-          <a:p>
-            <a:endParaRPr lang="en-GB" dirty="0"/>
-          </a:p>
-          <a:p>
-            <a:r>
-              <a:rPr lang="en-GB" dirty="0"/>
-              <a:t>Mental Health &amp; Dementia Analytical Team </a:t>
             </a:r>
           </a:p>
           <a:p>
@@ -15439,7 +15536,16 @@
             </a:pPr>
             <a:r>
               <a:rPr lang="en-GB" dirty="0"/>
-              <a:t>Online, open-access repository to upload SQL files rather than losing them in emails/SharePoint, working collaboratively within the team or across teams</a:t>
+              <a:t>Above is the adoption of open-source in healthcare</a:t>
+            </a:r>
+          </a:p>
+          <a:p>
+            <a:endParaRPr lang="en-GB" dirty="0"/>
+          </a:p>
+          <a:p>
+            <a:r>
+              <a:rPr lang="en-GB" dirty="0"/>
+              <a:t>Mental Health &amp; Dementia Analytical Team </a:t>
             </a:r>
           </a:p>
           <a:p>
@@ -15449,16 +15555,7 @@
             </a:pPr>
             <a:r>
               <a:rPr lang="en-GB" dirty="0"/>
-              <a:t>Benefits: Easily track changes to code, simple to share due to open-access, and transparent, so improves confidence in own published analysis</a:t>
-            </a:r>
-          </a:p>
-          <a:p>
-            <a:endParaRPr lang="en-GB" dirty="0"/>
-          </a:p>
-          <a:p>
-            <a:r>
-              <a:rPr lang="en-GB" dirty="0"/>
-              <a:t>A&amp;E Admissions Forecasting Tool</a:t>
+              <a:t>Online, open-access repository to upload SQL files rather than losing them in emails/SharePoint, working collaboratively within the team or across teams</a:t>
             </a:r>
           </a:p>
           <a:p>
@@ -15468,7 +15565,16 @@
             </a:pPr>
             <a:r>
               <a:rPr lang="en-GB" dirty="0"/>
-              <a:t>Describes the Master branch as the ‘single source of truth’</a:t>
+              <a:t>Benefits: Easily track changes to code, simple to share due to open-access, and transparent, so improves confidence in own published analysis</a:t>
+            </a:r>
+          </a:p>
+          <a:p>
+            <a:endParaRPr lang="en-GB" dirty="0"/>
+          </a:p>
+          <a:p>
+            <a:r>
+              <a:rPr lang="en-GB" dirty="0"/>
+              <a:t>A&amp;E Admissions Forecasting Tool</a:t>
             </a:r>
           </a:p>
           <a:p>
@@ -15478,11 +15584,17 @@
             </a:pPr>
             <a:r>
               <a:rPr lang="en-GB" dirty="0"/>
-              <a:t>Using a few different repositories for </a:t>
-            </a:r>
-            <a:r>
-              <a:rPr lang="en-GB"/>
-              <a:t>different areas of a project</a:t>
+              <a:t>Describes the Master branch as the ‘single source of truth’</a:t>
+            </a:r>
+          </a:p>
+          <a:p>
+            <a:pPr lvl="1">
+              <a:buFont typeface="Courier New" panose="02070309020205020404" pitchFamily="49" charset="0"/>
+              <a:buChar char="o"/>
+            </a:pPr>
+            <a:r>
+              <a:rPr lang="en-GB" dirty="0"/>
+              <a:t>Using a few different repositories for different areas of a project</a:t>
             </a:r>
           </a:p>
           <a:p>
@@ -15516,8 +15628,8 @@
           <a:lstStyle/>
           <a:p>
             <a:r>
-              <a:rPr lang="en-GB"/>
-              <a:t>PowerPoint Style Guide / Supporting Templates</a:t>
+              <a:rPr lang="en-GB" dirty="0"/>
+              <a:t>Introduction to GitHub</a:t>
             </a:r>
             <a:endParaRPr lang="en-US" dirty="0"/>
           </a:p>
@@ -15551,6 +15663,36 @@
           </a:p>
         </p:txBody>
       </p:sp>
+      <p:pic>
+        <p:nvPicPr>
+          <p:cNvPr id="6" name="Picture 5">
+            <a:extLst>
+              <a:ext uri="{FF2B5EF4-FFF2-40B4-BE49-F238E27FC236}">
+                <a16:creationId xmlns:a16="http://schemas.microsoft.com/office/drawing/2014/main" id="{AA68C419-FEF1-4DE2-981B-2B5B06FFE819}"/>
+              </a:ext>
+            </a:extLst>
+          </p:cNvPr>
+          <p:cNvPicPr>
+            <a:picLocks noChangeAspect="1"/>
+          </p:cNvPicPr>
+          <p:nvPr/>
+        </p:nvPicPr>
+        <p:blipFill>
+          <a:blip r:embed="rId2"/>
+          <a:stretch>
+            <a:fillRect/>
+          </a:stretch>
+        </p:blipFill>
+        <p:spPr>
+          <a:xfrm>
+            <a:off x="2642412" y="831105"/>
+            <a:ext cx="3859176" cy="1978083"/>
+          </a:xfrm>
+          <a:prstGeom prst="rect">
+            <a:avLst/>
+          </a:prstGeom>
+        </p:spPr>
+      </p:pic>
     </p:spTree>
     <p:extLst>
       <p:ext uri="{BB962C8B-B14F-4D97-AF65-F5344CB8AC3E}">
@@ -15765,7 +15907,7 @@
           <a:p>
             <a:r>
               <a:rPr lang="en-GB" dirty="0"/>
-              <a:t>PowerPoint Style Guide / Supporting Templates</a:t>
+              <a:t>Introduction to GitHub</a:t>
             </a:r>
             <a:endParaRPr lang="en-US" dirty="0"/>
           </a:p>
@@ -16037,7 +16179,7 @@
           <a:p>
             <a:r>
               <a:rPr lang="en-GB" dirty="0"/>
-              <a:t>PowerPoint Style Guide / Supporting Templates</a:t>
+              <a:t>Introduction to GitHub</a:t>
             </a:r>
             <a:endParaRPr lang="en-US" dirty="0"/>
           </a:p>
@@ -16373,8 +16515,8 @@
           <a:lstStyle/>
           <a:p>
             <a:r>
-              <a:rPr lang="en-GB"/>
-              <a:t>PowerPoint Style Guide / Supporting Templates</a:t>
+              <a:rPr lang="en-GB" dirty="0"/>
+              <a:t>Introduction to GitHub</a:t>
             </a:r>
             <a:endParaRPr lang="en-US" dirty="0"/>
           </a:p>
@@ -16507,8 +16649,8 @@
           <a:lstStyle/>
           <a:p>
             <a:r>
-              <a:rPr lang="en-GB"/>
-              <a:t>PowerPoint Style Guide / Supporting Templates</a:t>
+              <a:rPr lang="en-GB" dirty="0"/>
+              <a:t>Introduction to GitHub</a:t>
             </a:r>
             <a:endParaRPr lang="en-US" dirty="0"/>
           </a:p>
@@ -16771,8 +16913,8 @@
           <a:lstStyle/>
           <a:p>
             <a:r>
-              <a:rPr lang="en-GB"/>
-              <a:t>PowerPoint Style Guide / Supporting Templates</a:t>
+              <a:rPr lang="en-GB" dirty="0"/>
+              <a:t>Introduction to GitHub</a:t>
             </a:r>
             <a:endParaRPr lang="en-US" dirty="0"/>
           </a:p>
@@ -17976,6 +18118,15 @@
 </file>
 
 <file path=customXml/item1.xml><?xml version="1.0" encoding="utf-8"?>
+<?mso-contentType ?>
+<FormTemplates xmlns="http://schemas.microsoft.com/sharepoint/v3/contenttype/forms">
+  <Display>DocumentLibraryForm</Display>
+  <Edit>DocumentLibraryForm</Edit>
+  <New>DocumentLibraryForm</New>
+</FormTemplates>
+</file>
+
+<file path=customXml/item2.xml><?xml version="1.0" encoding="utf-8"?>
 <ct:contentTypeSchema xmlns:ct="http://schemas.microsoft.com/office/2006/metadata/contentType" xmlns:ma="http://schemas.microsoft.com/office/2006/metadata/properties/metaAttributes" ct:_="" ma:_="" ma:contentTypeName="Document" ma:contentTypeID="0x010100308E40E706C7A346904F58642B7D1969" ma:contentTypeVersion="0" ma:contentTypeDescription="Create a new document." ma:contentTypeScope="" ma:versionID="0ea485b46902d4f7e49967f1b2c25a65">
   <xsd:schema xmlns:xsd="http://www.w3.org/2001/XMLSchema" xmlns:xs="http://www.w3.org/2001/XMLSchema" xmlns:p="http://schemas.microsoft.com/office/2006/metadata/properties" targetNamespace="http://schemas.microsoft.com/office/2006/metadata/properties" ma:root="true" ma:fieldsID="90078a0fe6c183ae62661f67b7399e8a">
     <xsd:element name="properties">
@@ -18089,15 +18240,6 @@
 </ct:contentTypeSchema>
 </file>
 
-<file path=customXml/item2.xml><?xml version="1.0" encoding="utf-8"?>
-<?mso-contentType ?>
-<FormTemplates xmlns="http://schemas.microsoft.com/sharepoint/v3/contenttype/forms">
-  <Display>DocumentLibraryForm</Display>
-  <Edit>DocumentLibraryForm</Edit>
-  <New>DocumentLibraryForm</New>
-</FormTemplates>
-</file>
-
 <file path=customXml/item3.xml><?xml version="1.0" encoding="utf-8"?>
 <p:properties xmlns:p="http://schemas.microsoft.com/office/2006/metadata/properties" xmlns:xsi="http://www.w3.org/2001/XMLSchema-instance" xmlns:pc="http://schemas.microsoft.com/office/infopath/2007/PartnerControls">
   <documentManagement/>
@@ -18105,6 +18247,14 @@
 </file>
 
 <file path=customXml/itemProps1.xml><?xml version="1.0" encoding="utf-8"?>
+<ds:datastoreItem xmlns:ds="http://schemas.openxmlformats.org/officeDocument/2006/customXml" ds:itemID="{A6333066-D95F-4DC9-8F45-8431A5C3C76B}">
+  <ds:schemaRefs>
+    <ds:schemaRef ds:uri="http://schemas.microsoft.com/sharepoint/v3/contenttype/forms"/>
+  </ds:schemaRefs>
+</ds:datastoreItem>
+</file>
+
+<file path=customXml/itemProps2.xml><?xml version="1.0" encoding="utf-8"?>
 <ds:datastoreItem xmlns:ds="http://schemas.openxmlformats.org/officeDocument/2006/customXml" ds:itemID="{08DD32EF-F09C-4573-9C23-B48EA7D5886E}">
   <ds:schemaRefs>
     <ds:schemaRef ds:uri="http://schemas.microsoft.com/office/2006/metadata/contentType"/>
@@ -18116,14 +18266,6 @@
     <ds:schemaRef ds:uri="http://purl.org/dc/terms/"/>
     <ds:schemaRef ds:uri="http://schemas.microsoft.com/internal/obd"/>
     <ds:schemaRef ds:uri="http://schemas.microsoft.com/office/infopath/2007/PartnerControls"/>
-  </ds:schemaRefs>
-</ds:datastoreItem>
-</file>
-
-<file path=customXml/itemProps2.xml><?xml version="1.0" encoding="utf-8"?>
-<ds:datastoreItem xmlns:ds="http://schemas.openxmlformats.org/officeDocument/2006/customXml" ds:itemID="{A6333066-D95F-4DC9-8F45-8431A5C3C76B}">
-  <ds:schemaRefs>
-    <ds:schemaRef ds:uri="http://schemas.microsoft.com/sharepoint/v3/contenttype/forms"/>
   </ds:schemaRefs>
 </ds:datastoreItem>
 </file>

--- a/GitIntro.pptx
+++ b/GitIntro.pptx
@@ -14,9 +14,9 @@
     <p:sldId id="263" r:id="rId5"/>
     <p:sldId id="316" r:id="rId6"/>
     <p:sldId id="317" r:id="rId7"/>
-    <p:sldId id="326" r:id="rId8"/>
-    <p:sldId id="319" r:id="rId9"/>
-    <p:sldId id="320" r:id="rId10"/>
+    <p:sldId id="319" r:id="rId8"/>
+    <p:sldId id="320" r:id="rId9"/>
+    <p:sldId id="326" r:id="rId10"/>
     <p:sldId id="318" r:id="rId11"/>
     <p:sldId id="321" r:id="rId12"/>
     <p:sldId id="322" r:id="rId13"/>
@@ -158,13 +158,13 @@
 <pc:chgInfo xmlns:a="http://schemas.openxmlformats.org/drawingml/2006/main" xmlns:r="http://schemas.openxmlformats.org/officeDocument/2006/relationships" xmlns:ac="http://schemas.microsoft.com/office/drawing/2013/main/command" xmlns:pc="http://schemas.microsoft.com/office/powerpoint/2013/main/command">
   <pc:docChgLst>
     <pc:chgData name="Will Brooks" userId="d4c2b272-852e-451d-80ba-d2f905b38211" providerId="ADAL" clId="{37A0AFB6-F6CA-4F11-9C33-0D7619B1449C}"/>
-    <pc:docChg chg="undo custSel addSld delSld modSld">
-      <pc:chgData name="Will Brooks" userId="d4c2b272-852e-451d-80ba-d2f905b38211" providerId="ADAL" clId="{37A0AFB6-F6CA-4F11-9C33-0D7619B1449C}" dt="2022-09-29T12:05:20.234" v="9622"/>
+    <pc:docChg chg="undo custSel addSld delSld modSld sldOrd">
+      <pc:chgData name="Will Brooks" userId="d4c2b272-852e-451d-80ba-d2f905b38211" providerId="ADAL" clId="{37A0AFB6-F6CA-4F11-9C33-0D7619B1449C}" dt="2022-10-11T10:12:05.047" v="9801" actId="113"/>
       <pc:docMkLst>
         <pc:docMk/>
       </pc:docMkLst>
-      <pc:sldChg chg="addSp modSp mod">
-        <pc:chgData name="Will Brooks" userId="d4c2b272-852e-451d-80ba-d2f905b38211" providerId="ADAL" clId="{37A0AFB6-F6CA-4F11-9C33-0D7619B1449C}" dt="2022-09-29T12:04:45.170" v="9612" actId="20577"/>
+      <pc:sldChg chg="addSp delSp modSp mod">
+        <pc:chgData name="Will Brooks" userId="d4c2b272-852e-451d-80ba-d2f905b38211" providerId="ADAL" clId="{37A0AFB6-F6CA-4F11-9C33-0D7619B1449C}" dt="2022-10-11T08:21:14.148" v="9700" actId="478"/>
         <pc:sldMkLst>
           <pc:docMk/>
           <pc:sldMk cId="3144119947" sldId="263"/>
@@ -178,15 +178,15 @@
           </ac:spMkLst>
         </pc:spChg>
         <pc:spChg chg="mod">
-          <ac:chgData name="Will Brooks" userId="d4c2b272-852e-451d-80ba-d2f905b38211" providerId="ADAL" clId="{37A0AFB6-F6CA-4F11-9C33-0D7619B1449C}" dt="2022-09-20T15:32:41.302" v="87" actId="20577"/>
+          <ac:chgData name="Will Brooks" userId="d4c2b272-852e-451d-80ba-d2f905b38211" providerId="ADAL" clId="{37A0AFB6-F6CA-4F11-9C33-0D7619B1449C}" dt="2022-10-10T15:01:26.846" v="9641" actId="20577"/>
           <ac:spMkLst>
             <pc:docMk/>
             <pc:sldMk cId="3144119947" sldId="263"/>
             <ac:spMk id="3" creationId="{00000000-0000-0000-0000-000000000000}"/>
           </ac:spMkLst>
         </pc:spChg>
-        <pc:picChg chg="add mod">
-          <ac:chgData name="Will Brooks" userId="d4c2b272-852e-451d-80ba-d2f905b38211" providerId="ADAL" clId="{37A0AFB6-F6CA-4F11-9C33-0D7619B1449C}" dt="2022-09-21T13:45:36.674" v="6427"/>
+        <pc:picChg chg="add del mod">
+          <ac:chgData name="Will Brooks" userId="d4c2b272-852e-451d-80ba-d2f905b38211" providerId="ADAL" clId="{37A0AFB6-F6CA-4F11-9C33-0D7619B1449C}" dt="2022-10-11T08:21:14.148" v="9700" actId="478"/>
           <ac:picMkLst>
             <pc:docMk/>
             <pc:sldMk cId="3144119947" sldId="263"/>
@@ -502,14 +502,14 @@
           <pc:sldMk cId="1020804935" sldId="315"/>
         </pc:sldMkLst>
       </pc:sldChg>
-      <pc:sldChg chg="addSp modSp add del mod">
-        <pc:chgData name="Will Brooks" userId="d4c2b272-852e-451d-80ba-d2f905b38211" providerId="ADAL" clId="{37A0AFB6-F6CA-4F11-9C33-0D7619B1449C}" dt="2022-09-29T12:04:35.682" v="9609" actId="20577"/>
+      <pc:sldChg chg="addSp delSp modSp add del mod">
+        <pc:chgData name="Will Brooks" userId="d4c2b272-852e-451d-80ba-d2f905b38211" providerId="ADAL" clId="{37A0AFB6-F6CA-4F11-9C33-0D7619B1449C}" dt="2022-10-11T08:29:47.416" v="9720" actId="20577"/>
         <pc:sldMkLst>
           <pc:docMk/>
           <pc:sldMk cId="3770664684" sldId="316"/>
         </pc:sldMkLst>
         <pc:spChg chg="mod">
-          <ac:chgData name="Will Brooks" userId="d4c2b272-852e-451d-80ba-d2f905b38211" providerId="ADAL" clId="{37A0AFB6-F6CA-4F11-9C33-0D7619B1449C}" dt="2022-09-26T09:40:09.467" v="8761" actId="20577"/>
+          <ac:chgData name="Will Brooks" userId="d4c2b272-852e-451d-80ba-d2f905b38211" providerId="ADAL" clId="{37A0AFB6-F6CA-4F11-9C33-0D7619B1449C}" dt="2022-10-11T08:29:47.416" v="9720" actId="20577"/>
           <ac:spMkLst>
             <pc:docMk/>
             <pc:sldMk cId="3770664684" sldId="316"/>
@@ -533,15 +533,15 @@
           </ac:spMkLst>
         </pc:spChg>
         <pc:picChg chg="add mod">
-          <ac:chgData name="Will Brooks" userId="d4c2b272-852e-451d-80ba-d2f905b38211" providerId="ADAL" clId="{37A0AFB6-F6CA-4F11-9C33-0D7619B1449C}" dt="2022-09-26T08:59:36.534" v="8062" actId="14100"/>
+          <ac:chgData name="Will Brooks" userId="d4c2b272-852e-451d-80ba-d2f905b38211" providerId="ADAL" clId="{37A0AFB6-F6CA-4F11-9C33-0D7619B1449C}" dt="2022-10-11T08:17:21.259" v="9698" actId="14100"/>
           <ac:picMkLst>
             <pc:docMk/>
             <pc:sldMk cId="3770664684" sldId="316"/>
             <ac:picMk id="5" creationId="{B2EF43DD-F032-47E8-9709-7B17BDDE83DB}"/>
           </ac:picMkLst>
         </pc:picChg>
-        <pc:picChg chg="add mod">
-          <ac:chgData name="Will Brooks" userId="d4c2b272-852e-451d-80ba-d2f905b38211" providerId="ADAL" clId="{37A0AFB6-F6CA-4F11-9C33-0D7619B1449C}" dt="2022-09-21T13:44:23.412" v="6337" actId="1076"/>
+        <pc:picChg chg="add del mod">
+          <ac:chgData name="Will Brooks" userId="d4c2b272-852e-451d-80ba-d2f905b38211" providerId="ADAL" clId="{37A0AFB6-F6CA-4F11-9C33-0D7619B1449C}" dt="2022-10-10T14:55:03.807" v="9623" actId="478"/>
           <ac:picMkLst>
             <pc:docMk/>
             <pc:sldMk cId="3770664684" sldId="316"/>
@@ -549,8 +549,8 @@
           </ac:picMkLst>
         </pc:picChg>
       </pc:sldChg>
-      <pc:sldChg chg="addSp modSp add mod">
-        <pc:chgData name="Will Brooks" userId="d4c2b272-852e-451d-80ba-d2f905b38211" providerId="ADAL" clId="{37A0AFB6-F6CA-4F11-9C33-0D7619B1449C}" dt="2022-09-29T12:04:55.123" v="9613"/>
+      <pc:sldChg chg="addSp delSp modSp add mod">
+        <pc:chgData name="Will Brooks" userId="d4c2b272-852e-451d-80ba-d2f905b38211" providerId="ADAL" clId="{37A0AFB6-F6CA-4F11-9C33-0D7619B1449C}" dt="2022-10-11T08:21:16.169" v="9701" actId="478"/>
         <pc:sldMkLst>
           <pc:docMk/>
           <pc:sldMk cId="1180572286" sldId="317"/>
@@ -579,8 +579,8 @@
             <ac:spMk id="4" creationId="{42A5EA90-17C9-4BD5-BD0D-74A5419E18C7}"/>
           </ac:spMkLst>
         </pc:spChg>
-        <pc:picChg chg="add mod">
-          <ac:chgData name="Will Brooks" userId="d4c2b272-852e-451d-80ba-d2f905b38211" providerId="ADAL" clId="{37A0AFB6-F6CA-4F11-9C33-0D7619B1449C}" dt="2022-09-21T13:44:42.825" v="6338"/>
+        <pc:picChg chg="add del mod">
+          <ac:chgData name="Will Brooks" userId="d4c2b272-852e-451d-80ba-d2f905b38211" providerId="ADAL" clId="{37A0AFB6-F6CA-4F11-9C33-0D7619B1449C}" dt="2022-10-11T08:21:16.169" v="9701" actId="478"/>
           <ac:picMkLst>
             <pc:docMk/>
             <pc:sldMk cId="1180572286" sldId="317"/>
@@ -596,7 +596,7 @@
           </ac:picMkLst>
         </pc:picChg>
         <pc:cxnChg chg="add mod">
-          <ac:chgData name="Will Brooks" userId="d4c2b272-852e-451d-80ba-d2f905b38211" providerId="ADAL" clId="{37A0AFB6-F6CA-4F11-9C33-0D7619B1449C}" dt="2022-09-26T09:43:49.099" v="8769" actId="208"/>
+          <ac:chgData name="Will Brooks" userId="d4c2b272-852e-451d-80ba-d2f905b38211" providerId="ADAL" clId="{37A0AFB6-F6CA-4F11-9C33-0D7619B1449C}" dt="2022-10-10T15:01:42.325" v="9642" actId="14100"/>
           <ac:cxnSpMkLst>
             <pc:docMk/>
             <pc:sldMk cId="1180572286" sldId="317"/>
@@ -604,14 +604,14 @@
           </ac:cxnSpMkLst>
         </pc:cxnChg>
       </pc:sldChg>
-      <pc:sldChg chg="addSp modSp add mod">
-        <pc:chgData name="Will Brooks" userId="d4c2b272-852e-451d-80ba-d2f905b38211" providerId="ADAL" clId="{37A0AFB6-F6CA-4F11-9C33-0D7619B1449C}" dt="2022-09-29T12:05:06.577" v="9617"/>
+      <pc:sldChg chg="addSp delSp modSp add mod">
+        <pc:chgData name="Will Brooks" userId="d4c2b272-852e-451d-80ba-d2f905b38211" providerId="ADAL" clId="{37A0AFB6-F6CA-4F11-9C33-0D7619B1449C}" dt="2022-10-11T10:12:05.047" v="9801" actId="113"/>
         <pc:sldMkLst>
           <pc:docMk/>
           <pc:sldMk cId="2310298358" sldId="318"/>
         </pc:sldMkLst>
         <pc:spChg chg="mod">
-          <ac:chgData name="Will Brooks" userId="d4c2b272-852e-451d-80ba-d2f905b38211" providerId="ADAL" clId="{37A0AFB6-F6CA-4F11-9C33-0D7619B1449C}" dt="2022-09-21T14:55:45.288" v="6518" actId="114"/>
+          <ac:chgData name="Will Brooks" userId="d4c2b272-852e-451d-80ba-d2f905b38211" providerId="ADAL" clId="{37A0AFB6-F6CA-4F11-9C33-0D7619B1449C}" dt="2022-10-11T10:12:05.047" v="9801" actId="113"/>
           <ac:spMkLst>
             <pc:docMk/>
             <pc:sldMk cId="2310298358" sldId="318"/>
@@ -627,15 +627,15 @@
           </ac:spMkLst>
         </pc:spChg>
         <pc:spChg chg="mod">
-          <ac:chgData name="Will Brooks" userId="d4c2b272-852e-451d-80ba-d2f905b38211" providerId="ADAL" clId="{37A0AFB6-F6CA-4F11-9C33-0D7619B1449C}" dt="2022-09-20T15:42:30.421" v="897" actId="20577"/>
+          <ac:chgData name="Will Brooks" userId="d4c2b272-852e-451d-80ba-d2f905b38211" providerId="ADAL" clId="{37A0AFB6-F6CA-4F11-9C33-0D7619B1449C}" dt="2022-10-10T15:16:39.246" v="9643" actId="20577"/>
           <ac:spMkLst>
             <pc:docMk/>
             <pc:sldMk cId="2310298358" sldId="318"/>
             <ac:spMk id="4" creationId="{42A5EA90-17C9-4BD5-BD0D-74A5419E18C7}"/>
           </ac:spMkLst>
         </pc:spChg>
-        <pc:picChg chg="add mod">
-          <ac:chgData name="Will Brooks" userId="d4c2b272-852e-451d-80ba-d2f905b38211" providerId="ADAL" clId="{37A0AFB6-F6CA-4F11-9C33-0D7619B1449C}" dt="2022-09-21T13:44:53.334" v="6342" actId="167"/>
+        <pc:picChg chg="add del mod">
+          <ac:chgData name="Will Brooks" userId="d4c2b272-852e-451d-80ba-d2f905b38211" providerId="ADAL" clId="{37A0AFB6-F6CA-4F11-9C33-0D7619B1449C}" dt="2022-10-10T15:17:28.378" v="9682" actId="478"/>
           <ac:picMkLst>
             <pc:docMk/>
             <pc:sldMk cId="2310298358" sldId="318"/>
@@ -643,8 +643,8 @@
           </ac:picMkLst>
         </pc:picChg>
       </pc:sldChg>
-      <pc:sldChg chg="addSp modSp add mod">
-        <pc:chgData name="Will Brooks" userId="d4c2b272-852e-451d-80ba-d2f905b38211" providerId="ADAL" clId="{37A0AFB6-F6CA-4F11-9C33-0D7619B1449C}" dt="2022-09-29T12:05:01.001" v="9615"/>
+      <pc:sldChg chg="addSp delSp modSp add mod ord">
+        <pc:chgData name="Will Brooks" userId="d4c2b272-852e-451d-80ba-d2f905b38211" providerId="ADAL" clId="{37A0AFB6-F6CA-4F11-9C33-0D7619B1449C}" dt="2022-10-11T08:26:16.988" v="9705"/>
         <pc:sldMkLst>
           <pc:docMk/>
           <pc:sldMk cId="4006080756" sldId="319"/>
@@ -673,8 +673,8 @@
             <ac:spMk id="4" creationId="{42A5EA90-17C9-4BD5-BD0D-74A5419E18C7}"/>
           </ac:spMkLst>
         </pc:spChg>
-        <pc:picChg chg="add mod">
-          <ac:chgData name="Will Brooks" userId="d4c2b272-852e-451d-80ba-d2f905b38211" providerId="ADAL" clId="{37A0AFB6-F6CA-4F11-9C33-0D7619B1449C}" dt="2022-09-21T13:44:44.540" v="6339"/>
+        <pc:picChg chg="add del mod">
+          <ac:chgData name="Will Brooks" userId="d4c2b272-852e-451d-80ba-d2f905b38211" providerId="ADAL" clId="{37A0AFB6-F6CA-4F11-9C33-0D7619B1449C}" dt="2022-10-11T08:21:18.905" v="9702" actId="478"/>
           <ac:picMkLst>
             <pc:docMk/>
             <pc:sldMk cId="4006080756" sldId="319"/>
@@ -682,8 +682,8 @@
           </ac:picMkLst>
         </pc:picChg>
       </pc:sldChg>
-      <pc:sldChg chg="addSp modSp add mod">
-        <pc:chgData name="Will Brooks" userId="d4c2b272-852e-451d-80ba-d2f905b38211" providerId="ADAL" clId="{37A0AFB6-F6CA-4F11-9C33-0D7619B1449C}" dt="2022-09-29T12:05:03.870" v="9616"/>
+      <pc:sldChg chg="addSp delSp modSp add mod ord">
+        <pc:chgData name="Will Brooks" userId="d4c2b272-852e-451d-80ba-d2f905b38211" providerId="ADAL" clId="{37A0AFB6-F6CA-4F11-9C33-0D7619B1449C}" dt="2022-10-11T08:38:34.625" v="9757"/>
         <pc:sldMkLst>
           <pc:docMk/>
           <pc:sldMk cId="3118825995" sldId="320"/>
@@ -712,8 +712,8 @@
             <ac:spMk id="4" creationId="{42A5EA90-17C9-4BD5-BD0D-74A5419E18C7}"/>
           </ac:spMkLst>
         </pc:spChg>
-        <pc:picChg chg="add mod">
-          <ac:chgData name="Will Brooks" userId="d4c2b272-852e-451d-80ba-d2f905b38211" providerId="ADAL" clId="{37A0AFB6-F6CA-4F11-9C33-0D7619B1449C}" dt="2022-09-21T13:44:46.383" v="6340"/>
+        <pc:picChg chg="add del mod">
+          <ac:chgData name="Will Brooks" userId="d4c2b272-852e-451d-80ba-d2f905b38211" providerId="ADAL" clId="{37A0AFB6-F6CA-4F11-9C33-0D7619B1449C}" dt="2022-10-11T08:21:20.784" v="9703" actId="478"/>
           <ac:picMkLst>
             <pc:docMk/>
             <pc:sldMk cId="3118825995" sldId="320"/>
@@ -1117,13 +1117,13 @@
         </pc:picChg>
       </pc:sldChg>
       <pc:sldChg chg="addSp modSp new mod">
-        <pc:chgData name="Will Brooks" userId="d4c2b272-852e-451d-80ba-d2f905b38211" providerId="ADAL" clId="{37A0AFB6-F6CA-4F11-9C33-0D7619B1449C}" dt="2022-09-29T12:04:58.380" v="9614"/>
+        <pc:chgData name="Will Brooks" userId="d4c2b272-852e-451d-80ba-d2f905b38211" providerId="ADAL" clId="{37A0AFB6-F6CA-4F11-9C33-0D7619B1449C}" dt="2022-10-11T08:30:30.454" v="9755"/>
         <pc:sldMkLst>
           <pc:docMk/>
           <pc:sldMk cId="4151486386" sldId="326"/>
         </pc:sldMkLst>
         <pc:spChg chg="mod">
-          <ac:chgData name="Will Brooks" userId="d4c2b272-852e-451d-80ba-d2f905b38211" providerId="ADAL" clId="{37A0AFB6-F6CA-4F11-9C33-0D7619B1449C}" dt="2022-09-29T12:04:14.446" v="9575" actId="20577"/>
+          <ac:chgData name="Will Brooks" userId="d4c2b272-852e-451d-80ba-d2f905b38211" providerId="ADAL" clId="{37A0AFB6-F6CA-4F11-9C33-0D7619B1449C}" dt="2022-10-11T08:30:30.454" v="9755"/>
           <ac:spMkLst>
             <pc:docMk/>
             <pc:sldMk cId="4151486386" sldId="326"/>
@@ -1147,13 +1147,28 @@
           </ac:spMkLst>
         </pc:spChg>
         <pc:picChg chg="add mod">
-          <ac:chgData name="Will Brooks" userId="d4c2b272-852e-451d-80ba-d2f905b38211" providerId="ADAL" clId="{37A0AFB6-F6CA-4F11-9C33-0D7619B1449C}" dt="2022-09-29T12:03:48.278" v="9518" actId="1076"/>
+          <ac:chgData name="Will Brooks" userId="d4c2b272-852e-451d-80ba-d2f905b38211" providerId="ADAL" clId="{37A0AFB6-F6CA-4F11-9C33-0D7619B1449C}" dt="2022-10-11T08:28:27.879" v="9708" actId="1076"/>
           <ac:picMkLst>
             <pc:docMk/>
             <pc:sldMk cId="4151486386" sldId="326"/>
             <ac:picMk id="6" creationId="{AA68C419-FEF1-4DE2-981B-2B5B06FFE819}"/>
           </ac:picMkLst>
         </pc:picChg>
+        <pc:picChg chg="add mod">
+          <ac:chgData name="Will Brooks" userId="d4c2b272-852e-451d-80ba-d2f905b38211" providerId="ADAL" clId="{37A0AFB6-F6CA-4F11-9C33-0D7619B1449C}" dt="2022-10-11T08:29:05.717" v="9712" actId="14100"/>
+          <ac:picMkLst>
+            <pc:docMk/>
+            <pc:sldMk cId="4151486386" sldId="326"/>
+            <ac:picMk id="7" creationId="{B95B8FFE-3E4D-47AF-A714-F78AECF00C4D}"/>
+          </ac:picMkLst>
+        </pc:picChg>
+      </pc:sldChg>
+      <pc:sldChg chg="new del">
+        <pc:chgData name="Will Brooks" userId="d4c2b272-852e-451d-80ba-d2f905b38211" providerId="ADAL" clId="{37A0AFB6-F6CA-4F11-9C33-0D7619B1449C}" dt="2022-10-11T08:28:06.810" v="9707" actId="680"/>
+        <pc:sldMkLst>
+          <pc:docMk/>
+          <pc:sldMk cId="3388736167" sldId="327"/>
+        </pc:sldMkLst>
       </pc:sldChg>
     </pc:docChg>
   </pc:docChgLst>
@@ -1242,7 +1257,7 @@
           <a:p>
             <a:fld id="{1790A331-7ADD-4391-8CA5-606C9BFD26F5}" type="datetimeFigureOut">
               <a:rPr lang="en-GB" smtClean="0"/>
-              <a:t>29/09/2022</a:t>
+              <a:t>11/10/2022</a:t>
             </a:fld>
             <a:endParaRPr lang="en-GB" dirty="0"/>
           </a:p>
@@ -1411,7 +1426,7 @@
           <a:p>
             <a:fld id="{002AE991-F138-4FD8-982E-957F3CA6A0F6}" type="datetimeFigureOut">
               <a:rPr lang="en-GB" smtClean="0"/>
-              <a:t>29/09/2022</a:t>
+              <a:t>11/10/2022</a:t>
             </a:fld>
             <a:endParaRPr lang="en-GB" dirty="0"/>
           </a:p>
@@ -2092,7 +2107,7 @@
           <a:p>
             <a:fld id="{7890AB7D-FC04-41BF-88F7-E47891A06283}" type="slidenum">
               <a:rPr lang="en-GB" smtClean="0"/>
-              <a:t>5</a:t>
+              <a:t>4</a:t>
             </a:fld>
             <a:endParaRPr lang="en-GB" dirty="0"/>
           </a:p>
@@ -2199,7 +2214,7 @@
           <a:p>
             <a:fld id="{7890AB7D-FC04-41BF-88F7-E47891A06283}" type="slidenum">
               <a:rPr lang="en-GB" smtClean="0"/>
-              <a:t>6</a:t>
+              <a:t>5</a:t>
             </a:fld>
             <a:endParaRPr lang="en-GB" dirty="0"/>
           </a:p>
@@ -13645,58 +13660,11 @@
           <a:p>
             <a:r>
               <a:rPr lang="en-GB" dirty="0"/>
-              <a:t>September 2022</a:t>
-            </a:r>
-          </a:p>
-        </p:txBody>
-      </p:sp>
-      <p:pic>
-        <p:nvPicPr>
-          <p:cNvPr id="4" name="Picture 2" descr="See the source image">
-            <a:extLst>
-              <a:ext uri="{FF2B5EF4-FFF2-40B4-BE49-F238E27FC236}">
-                <a16:creationId xmlns:a16="http://schemas.microsoft.com/office/drawing/2014/main" id="{D231037C-42C1-4B27-9A81-C457211D9005}"/>
-              </a:ext>
-            </a:extLst>
-          </p:cNvPr>
-          <p:cNvPicPr>
-            <a:picLocks noChangeAspect="1" noChangeArrowheads="1"/>
-          </p:cNvPicPr>
-          <p:nvPr/>
-        </p:nvPicPr>
-        <p:blipFill>
-          <a:blip r:embed="rId2">
-            <a:extLst>
-              <a:ext uri="{28A0092B-C50C-407E-A947-70E740481C1C}">
-                <a14:useLocalDpi xmlns:a14="http://schemas.microsoft.com/office/drawing/2010/main" val="0"/>
-              </a:ext>
-            </a:extLst>
-          </a:blip>
-          <a:srcRect/>
-          <a:stretch>
-            <a:fillRect/>
-          </a:stretch>
-        </p:blipFill>
-        <p:spPr bwMode="auto">
-          <a:xfrm>
-            <a:off x="7338694" y="5450056"/>
-            <a:ext cx="1382318" cy="1248508"/>
-          </a:xfrm>
-          <a:prstGeom prst="rect">
-            <a:avLst/>
-          </a:prstGeom>
-          <a:noFill/>
-          <a:extLst>
-            <a:ext uri="{909E8E84-426E-40DD-AFC4-6F175D3DCCD1}">
-              <a14:hiddenFill xmlns:a14="http://schemas.microsoft.com/office/drawing/2010/main">
-                <a:solidFill>
-                  <a:srgbClr val="FFFFFF"/>
-                </a:solidFill>
-              </a14:hiddenFill>
-            </a:ext>
-          </a:extLst>
-        </p:spPr>
-      </p:pic>
+              <a:t>October 2022</a:t>
+            </a:r>
+          </a:p>
+        </p:txBody>
+      </p:sp>
     </p:spTree>
     <p:extLst>
       <p:ext uri="{BB962C8B-B14F-4D97-AF65-F5344CB8AC3E}">
@@ -14732,7 +14700,12 @@
             <p:ph sz="quarter" idx="10"/>
           </p:nvPr>
         </p:nvSpPr>
-        <p:spPr/>
+        <p:spPr>
+          <a:xfrm>
+            <a:off x="379445" y="1184872"/>
+            <a:ext cx="8341567" cy="2244128"/>
+          </a:xfrm>
+        </p:spPr>
         <p:txBody>
           <a:bodyPr/>
           <a:lstStyle/>
@@ -14744,7 +14717,7 @@
           </a:p>
           <a:p>
             <a:r>
-              <a:rPr lang="en-GB" dirty="0"/>
+              <a:rPr lang="en-GB" b="1" dirty="0"/>
               <a:t>Git is an open-source, distributed, Version Control System</a:t>
             </a:r>
           </a:p>
@@ -14765,7 +14738,7 @@
             </a:pPr>
             <a:r>
               <a:rPr lang="en-GB" dirty="0"/>
-              <a:t>Contributions from multiple users, pulling content from and pushing content to the shared remote repository</a:t>
+              <a:t>Contributions from multiple users, pulling content from and pushing content to the remote repository</a:t>
             </a:r>
           </a:p>
           <a:p>
@@ -14776,7 +14749,7 @@
           </a:p>
           <a:p>
             <a:r>
-              <a:rPr lang="en-GB" dirty="0"/>
+              <a:rPr lang="en-GB" b="1" dirty="0"/>
               <a:t>Distributed </a:t>
             </a:r>
           </a:p>
@@ -14799,8 +14772,8 @@
           </a:p>
           <a:p>
             <a:r>
-              <a:rPr lang="en-GB" dirty="0"/>
-              <a:t>Open Source </a:t>
+              <a:rPr lang="en-GB" b="1" dirty="0"/>
+              <a:t>Open-Source </a:t>
             </a:r>
           </a:p>
           <a:p>
@@ -14824,25 +14797,22 @@
             </a:r>
           </a:p>
           <a:p>
-            <a:r>
-              <a:rPr lang="en-GB" dirty="0"/>
-              <a:t>GitHub and </a:t>
-            </a:r>
-            <a:r>
-              <a:rPr lang="en-GB" dirty="0" err="1"/>
-              <a:t>GitBash</a:t>
-            </a:r>
-            <a:endParaRPr lang="en-GB" dirty="0"/>
-          </a:p>
-          <a:p>
             <a:pPr lvl="1">
               <a:buFont typeface="Courier New" panose="02070309020205020404" pitchFamily="49" charset="0"/>
               <a:buChar char="o"/>
             </a:pPr>
-            <a:r>
-              <a:rPr lang="en-GB" dirty="0"/>
-              <a:t>GitHub is an online repository which acts as your remote. This is accessible across teams, and can be duplicated into a ‘local’ folder, which acts as a personal repository</a:t>
-            </a:r>
+            <a:endParaRPr lang="en-GB" dirty="0"/>
+          </a:p>
+          <a:p>
+            <a:r>
+              <a:rPr lang="en-GB" b="1" dirty="0"/>
+              <a:t>GitHub and </a:t>
+            </a:r>
+            <a:r>
+              <a:rPr lang="en-GB" b="1" dirty="0" err="1"/>
+              <a:t>GitBash</a:t>
+            </a:r>
+            <a:endParaRPr lang="en-GB" b="1" dirty="0"/>
           </a:p>
           <a:p>
             <a:pPr lvl="1">
@@ -14851,23 +14821,7 @@
             </a:pPr>
             <a:r>
               <a:rPr lang="en-GB" dirty="0"/>
-              <a:t>Git Bash on UDAL – Local repository, linked to GitHub via </a:t>
-            </a:r>
-            <a:r>
-              <a:rPr lang="en-GB" i="1" dirty="0"/>
-              <a:t>push</a:t>
-            </a:r>
-            <a:r>
-              <a:rPr lang="en-GB" dirty="0"/>
-              <a:t> commands, can </a:t>
-            </a:r>
-            <a:r>
-              <a:rPr lang="en-GB" i="1" dirty="0"/>
-              <a:t>pull</a:t>
-            </a:r>
-            <a:r>
-              <a:rPr lang="en-GB" dirty="0"/>
-              <a:t> from ‘remote’. Makes changes accessible to all working in a remote repository</a:t>
+              <a:t>GitHub is an online repository which acts as your remote. This is accessible across teams, and can be duplicated into a ‘local’ folder, which acts as a personal repository</a:t>
             </a:r>
           </a:p>
           <a:p>
@@ -14877,14 +14831,34 @@
             </a:pPr>
             <a:r>
               <a:rPr lang="en-GB" dirty="0"/>
-              <a:t>Strong admin and team management, members can leave comments on issues</a:t>
-            </a:r>
-          </a:p>
-          <a:p>
-            <a:pPr marL="914400" lvl="2" indent="0">
-              <a:buNone/>
+              <a:t>Git Bash on UDAL – Local repository, linked to GitHub via </a:t>
+            </a:r>
+            <a:r>
+              <a:rPr lang="en-GB" i="1" dirty="0"/>
+              <a:t>push</a:t>
+            </a:r>
+            <a:r>
+              <a:rPr lang="en-GB" dirty="0"/>
+              <a:t> commands, can </a:t>
+            </a:r>
+            <a:r>
+              <a:rPr lang="en-GB" i="1" dirty="0"/>
+              <a:t>pull</a:t>
+            </a:r>
+            <a:r>
+              <a:rPr lang="en-GB" dirty="0"/>
+              <a:t> from ‘remote’. Makes changes accessible to all working in a remote repository</a:t>
+            </a:r>
+          </a:p>
+          <a:p>
+            <a:pPr lvl="1">
+              <a:buFont typeface="Courier New" panose="02070309020205020404" pitchFamily="49" charset="0"/>
+              <a:buChar char="o"/>
             </a:pPr>
-            <a:endParaRPr lang="en-GB" dirty="0"/>
+            <a:r>
+              <a:rPr lang="en-GB" dirty="0"/>
+              <a:t>Strong admin and team management</a:t>
+            </a:r>
           </a:p>
         </p:txBody>
       </p:sp>
@@ -14947,10 +14921,10 @@
       </p:sp>
       <p:pic>
         <p:nvPicPr>
-          <p:cNvPr id="1026" name="Picture 2" descr="See the source image">
-            <a:extLst>
-              <a:ext uri="{FF2B5EF4-FFF2-40B4-BE49-F238E27FC236}">
-                <a16:creationId xmlns:a16="http://schemas.microsoft.com/office/drawing/2014/main" id="{EC21998A-F167-4B76-A1C5-254F27156F67}"/>
+          <p:cNvPr id="5" name="Picture 2" descr="Lightbox">
+            <a:extLst>
+              <a:ext uri="{FF2B5EF4-FFF2-40B4-BE49-F238E27FC236}">
+                <a16:creationId xmlns:a16="http://schemas.microsoft.com/office/drawing/2014/main" id="{B2EF43DD-F032-47E8-9709-7B17BDDE83DB}"/>
               </a:ext>
             </a:extLst>
           </p:cNvPr>
@@ -14959,7 +14933,7 @@
           </p:cNvPicPr>
           <p:nvPr/>
         </p:nvPicPr>
-        <p:blipFill>
+        <p:blipFill rotWithShape="1">
           <a:blip r:embed="rId3">
             <a:extLst>
               <a:ext uri="{28A0092B-C50C-407E-A947-70E740481C1C}">
@@ -14967,62 +14941,13 @@
               </a:ext>
             </a:extLst>
           </a:blip>
-          <a:srcRect/>
-          <a:stretch>
-            <a:fillRect/>
-          </a:stretch>
+          <a:srcRect l="2258" t="3755" r="2723" b="3466"/>
+          <a:stretch/>
         </p:blipFill>
         <p:spPr bwMode="auto">
           <a:xfrm>
-            <a:off x="7338694" y="5450056"/>
-            <a:ext cx="1382318" cy="1248508"/>
-          </a:xfrm>
-          <a:prstGeom prst="rect">
-            <a:avLst/>
-          </a:prstGeom>
-          <a:noFill/>
-          <a:extLst>
-            <a:ext uri="{909E8E84-426E-40DD-AFC4-6F175D3DCCD1}">
-              <a14:hiddenFill xmlns:a14="http://schemas.microsoft.com/office/drawing/2010/main">
-                <a:solidFill>
-                  <a:srgbClr val="FFFFFF"/>
-                </a:solidFill>
-              </a14:hiddenFill>
-            </a:ext>
-          </a:extLst>
-        </p:spPr>
-      </p:pic>
-      <p:pic>
-        <p:nvPicPr>
-          <p:cNvPr id="5" name="Picture 2" descr="Lightbox">
-            <a:extLst>
-              <a:ext uri="{FF2B5EF4-FFF2-40B4-BE49-F238E27FC236}">
-                <a16:creationId xmlns:a16="http://schemas.microsoft.com/office/drawing/2014/main" id="{B2EF43DD-F032-47E8-9709-7B17BDDE83DB}"/>
-              </a:ext>
-            </a:extLst>
-          </p:cNvPr>
-          <p:cNvPicPr>
-            <a:picLocks noChangeAspect="1" noChangeArrowheads="1"/>
-          </p:cNvPicPr>
-          <p:nvPr/>
-        </p:nvPicPr>
-        <p:blipFill>
-          <a:blip r:embed="rId4">
-            <a:extLst>
-              <a:ext uri="{28A0092B-C50C-407E-A947-70E740481C1C}">
-                <a14:useLocalDpi xmlns:a14="http://schemas.microsoft.com/office/drawing/2010/main" val="0"/>
-              </a:ext>
-            </a:extLst>
-          </a:blip>
-          <a:srcRect/>
-          <a:stretch>
-            <a:fillRect/>
-          </a:stretch>
-        </p:blipFill>
-        <p:spPr bwMode="auto">
-          <a:xfrm>
-            <a:off x="6582839" y="2639007"/>
-            <a:ext cx="2329204" cy="1748355"/>
+            <a:off x="5987562" y="2453053"/>
+            <a:ext cx="2862895" cy="1591409"/>
           </a:xfrm>
           <a:prstGeom prst="rect">
             <a:avLst/>
@@ -15339,53 +15264,6 @@
       </p:sp>
       <p:pic>
         <p:nvPicPr>
-          <p:cNvPr id="5" name="Picture 2" descr="See the source image">
-            <a:extLst>
-              <a:ext uri="{FF2B5EF4-FFF2-40B4-BE49-F238E27FC236}">
-                <a16:creationId xmlns:a16="http://schemas.microsoft.com/office/drawing/2014/main" id="{829CB498-2C9B-40A0-8968-E56765A79068}"/>
-              </a:ext>
-            </a:extLst>
-          </p:cNvPr>
-          <p:cNvPicPr>
-            <a:picLocks noChangeAspect="1" noChangeArrowheads="1"/>
-          </p:cNvPicPr>
-          <p:nvPr/>
-        </p:nvPicPr>
-        <p:blipFill>
-          <a:blip r:embed="rId3">
-            <a:extLst>
-              <a:ext uri="{28A0092B-C50C-407E-A947-70E740481C1C}">
-                <a14:useLocalDpi xmlns:a14="http://schemas.microsoft.com/office/drawing/2010/main" val="0"/>
-              </a:ext>
-            </a:extLst>
-          </a:blip>
-          <a:srcRect/>
-          <a:stretch>
-            <a:fillRect/>
-          </a:stretch>
-        </p:blipFill>
-        <p:spPr bwMode="auto">
-          <a:xfrm>
-            <a:off x="7338694" y="5450056"/>
-            <a:ext cx="1382318" cy="1248508"/>
-          </a:xfrm>
-          <a:prstGeom prst="rect">
-            <a:avLst/>
-          </a:prstGeom>
-          <a:noFill/>
-          <a:extLst>
-            <a:ext uri="{909E8E84-426E-40DD-AFC4-6F175D3DCCD1}">
-              <a14:hiddenFill xmlns:a14="http://schemas.microsoft.com/office/drawing/2010/main">
-                <a:solidFill>
-                  <a:srgbClr val="FFFFFF"/>
-                </a:solidFill>
-              </a14:hiddenFill>
-            </a:ext>
-          </a:extLst>
-        </p:spPr>
-      </p:pic>
-      <p:pic>
-        <p:nvPicPr>
           <p:cNvPr id="7" name="Picture 6">
             <a:extLst>
               <a:ext uri="{FF2B5EF4-FFF2-40B4-BE49-F238E27FC236}">
@@ -15399,7 +15277,7 @@
           <p:nvPr/>
         </p:nvPicPr>
         <p:blipFill>
-          <a:blip r:embed="rId4"/>
+          <a:blip r:embed="rId3"/>
           <a:stretch>
             <a:fillRect/>
           </a:stretch>
@@ -15431,7 +15309,7 @@
         <p:spPr>
           <a:xfrm flipV="1">
             <a:off x="3214540" y="1894788"/>
-            <a:ext cx="3318235" cy="160255"/>
+            <a:ext cx="3199300" cy="160255"/>
           </a:xfrm>
           <a:prstGeom prst="straightConnector1">
             <a:avLst/>
@@ -15493,7 +15371,7 @@
           <p:cNvPr id="2" name="Content Placeholder 1">
             <a:extLst>
               <a:ext uri="{FF2B5EF4-FFF2-40B4-BE49-F238E27FC236}">
-                <a16:creationId xmlns:a16="http://schemas.microsoft.com/office/drawing/2014/main" id="{262F1CBE-38D5-4BDE-9901-1B6C36F76960}"/>
+                <a16:creationId xmlns:a16="http://schemas.microsoft.com/office/drawing/2014/main" id="{48869F42-6D93-4C35-8FA5-AE406994C1E3}"/>
               </a:ext>
             </a:extLst>
           </p:cNvPr>
@@ -15509,24 +15387,9 @@
           <a:bodyPr/>
           <a:lstStyle/>
           <a:p>
-            <a:endParaRPr lang="en-GB" dirty="0"/>
-          </a:p>
-          <a:p>
-            <a:endParaRPr lang="en-GB" dirty="0"/>
-          </a:p>
-          <a:p>
-            <a:endParaRPr lang="en-GB" dirty="0"/>
-          </a:p>
-          <a:p>
-            <a:endParaRPr lang="en-GB" dirty="0"/>
-          </a:p>
-          <a:p>
-            <a:endParaRPr lang="en-GB" dirty="0"/>
-          </a:p>
-          <a:p>
             <a:r>
               <a:rPr lang="en-GB" dirty="0"/>
-              <a:t>GitHub is already used widely within the NHS for code/file based storage and collaboration</a:t>
+              <a:t>Create a ‘remote’ repository</a:t>
             </a:r>
           </a:p>
           <a:p>
@@ -15535,18 +15398,16 @@
               <a:buChar char="o"/>
             </a:pPr>
             <a:r>
-              <a:rPr lang="en-GB" dirty="0"/>
-              <a:t>Above is the adoption of open-source in healthcare</a:t>
-            </a:r>
-          </a:p>
-          <a:p>
+              <a:rPr lang="en-GB" i="1" dirty="0"/>
+              <a:t>Create a GitHub account on </a:t>
+            </a:r>
+            <a:r>
+              <a:rPr lang="en-GB" dirty="0">
+                <a:hlinkClick r:id="rId3"/>
+              </a:rPr>
+              <a:t>GitHub</a:t>
+            </a:r>
             <a:endParaRPr lang="en-GB" dirty="0"/>
-          </a:p>
-          <a:p>
-            <a:r>
-              <a:rPr lang="en-GB" dirty="0"/>
-              <a:t>Mental Health &amp; Dementia Analytical Team </a:t>
-            </a:r>
           </a:p>
           <a:p>
             <a:pPr lvl="1">
@@ -15555,7 +15416,7 @@
             </a:pPr>
             <a:r>
               <a:rPr lang="en-GB" dirty="0"/>
-              <a:t>Online, open-access repository to upload SQL files rather than losing them in emails/SharePoint, working collaboratively within the team or across teams</a:t>
+              <a:t>Click ‘create a new repository’</a:t>
             </a:r>
           </a:p>
           <a:p>
@@ -15565,16 +15426,7 @@
             </a:pPr>
             <a:r>
               <a:rPr lang="en-GB" dirty="0"/>
-              <a:t>Benefits: Easily track changes to code, simple to share due to open-access, and transparent, so improves confidence in own published analysis</a:t>
-            </a:r>
-          </a:p>
-          <a:p>
-            <a:endParaRPr lang="en-GB" dirty="0"/>
-          </a:p>
-          <a:p>
-            <a:r>
-              <a:rPr lang="en-GB" dirty="0"/>
-              <a:t>A&amp;E Admissions Forecasting Tool</a:t>
+              <a:t>Name it consistently with your local file</a:t>
             </a:r>
           </a:p>
           <a:p>
@@ -15584,7 +15436,19 @@
             </a:pPr>
             <a:r>
               <a:rPr lang="en-GB" dirty="0"/>
-              <a:t>Describes the Master branch as the ‘single source of truth’</a:t>
+              <a:t>You can add a README.md which explains to outside users what the project is (usually HTML). Licences can also be added which control what users can/can’t do with code. Would be helpful to establish what others use within NHSE</a:t>
+            </a:r>
+          </a:p>
+          <a:p>
+            <a:pPr marL="457200" lvl="1" indent="0">
+              <a:buNone/>
+            </a:pPr>
+            <a:endParaRPr lang="en-GB" dirty="0"/>
+          </a:p>
+          <a:p>
+            <a:r>
+              <a:rPr lang="en-GB" dirty="0"/>
+              <a:t>Connect ‘remote’ to ‘local’ repository</a:t>
             </a:r>
           </a:p>
           <a:p>
@@ -15594,7 +15458,58 @@
             </a:pPr>
             <a:r>
               <a:rPr lang="en-GB" dirty="0"/>
-              <a:t>Using a few different repositories for different areas of a project</a:t>
+              <a:t>Using </a:t>
+            </a:r>
+            <a:r>
+              <a:rPr lang="en-GB" dirty="0" err="1"/>
+              <a:t>GitBash</a:t>
+            </a:r>
+            <a:r>
+              <a:rPr lang="en-GB" dirty="0"/>
+              <a:t> -&gt; </a:t>
+            </a:r>
+            <a:r>
+              <a:rPr lang="en-GB" i="1" dirty="0"/>
+              <a:t>git remote add origin &lt;link to GitHub repo&gt;</a:t>
+            </a:r>
+          </a:p>
+          <a:p>
+            <a:pPr lvl="1">
+              <a:buFont typeface="Courier New" panose="02070309020205020404" pitchFamily="49" charset="0"/>
+              <a:buChar char="o"/>
+            </a:pPr>
+            <a:endParaRPr lang="en-GB" i="1" dirty="0"/>
+          </a:p>
+          <a:p>
+            <a:r>
+              <a:rPr lang="en-GB" dirty="0"/>
+              <a:t>Push your files to the remote repo</a:t>
+            </a:r>
+          </a:p>
+          <a:p>
+            <a:pPr lvl="1">
+              <a:buFont typeface="Courier New" panose="02070309020205020404" pitchFamily="49" charset="0"/>
+              <a:buChar char="o"/>
+            </a:pPr>
+            <a:r>
+              <a:rPr lang="en-GB" i="1" dirty="0"/>
+              <a:t>git push –u origin master </a:t>
+            </a:r>
+            <a:r>
+              <a:rPr lang="en-GB" dirty="0"/>
+              <a:t>-&gt; here, Master is the name of the main branch, and origin is the remote repo. If you were operating on a different branch, you would use that name, e.g. –u origin branch_1</a:t>
+            </a:r>
+          </a:p>
+          <a:p>
+            <a:pPr marL="457200" lvl="1" indent="0">
+              <a:buNone/>
+            </a:pPr>
+            <a:endParaRPr lang="en-GB" i="1" dirty="0"/>
+          </a:p>
+          <a:p>
+            <a:r>
+              <a:rPr lang="en-GB" i="1" dirty="0"/>
+              <a:t>Check GitHub to see if the changes have been made, and are up to date</a:t>
             </a:r>
           </a:p>
           <a:p>
@@ -15604,6 +15519,12 @@
             </a:pPr>
             <a:endParaRPr lang="en-GB" dirty="0"/>
           </a:p>
+          <a:p>
+            <a:pPr marL="457200" lvl="1" indent="0">
+              <a:buNone/>
+            </a:pPr>
+            <a:endParaRPr lang="en-GB" dirty="0"/>
+          </a:p>
         </p:txBody>
       </p:sp>
       <p:sp>
@@ -15611,7 +15532,7 @@
           <p:cNvPr id="3" name="Footer Placeholder 2">
             <a:extLst>
               <a:ext uri="{FF2B5EF4-FFF2-40B4-BE49-F238E27FC236}">
-                <a16:creationId xmlns:a16="http://schemas.microsoft.com/office/drawing/2014/main" id="{A7AC4494-DC7F-426D-B5BF-14F0BA385522}"/>
+                <a16:creationId xmlns:a16="http://schemas.microsoft.com/office/drawing/2014/main" id="{6942939B-7B0C-42A5-8BC5-642B25324167}"/>
               </a:ext>
             </a:extLst>
           </p:cNvPr>
@@ -15640,7 +15561,7 @@
           <p:cNvPr id="4" name="Title 3">
             <a:extLst>
               <a:ext uri="{FF2B5EF4-FFF2-40B4-BE49-F238E27FC236}">
-                <a16:creationId xmlns:a16="http://schemas.microsoft.com/office/drawing/2014/main" id="{12FFB6D8-3053-4E55-BAE8-AFCC0592C8E7}"/>
+                <a16:creationId xmlns:a16="http://schemas.microsoft.com/office/drawing/2014/main" id="{42A5EA90-17C9-4BD5-BD0D-74A5419E18C7}"/>
               </a:ext>
             </a:extLst>
           </p:cNvPr>
@@ -15658,45 +15579,15 @@
           <a:p>
             <a:r>
               <a:rPr lang="en-GB" dirty="0"/>
-              <a:t>Learning From Others</a:t>
-            </a:r>
-          </a:p>
-        </p:txBody>
-      </p:sp>
-      <p:pic>
-        <p:nvPicPr>
-          <p:cNvPr id="6" name="Picture 5">
-            <a:extLst>
-              <a:ext uri="{FF2B5EF4-FFF2-40B4-BE49-F238E27FC236}">
-                <a16:creationId xmlns:a16="http://schemas.microsoft.com/office/drawing/2014/main" id="{AA68C419-FEF1-4DE2-981B-2B5B06FFE819}"/>
-              </a:ext>
-            </a:extLst>
-          </p:cNvPr>
-          <p:cNvPicPr>
-            <a:picLocks noChangeAspect="1"/>
-          </p:cNvPicPr>
-          <p:nvPr/>
-        </p:nvPicPr>
-        <p:blipFill>
-          <a:blip r:embed="rId2"/>
-          <a:stretch>
-            <a:fillRect/>
-          </a:stretch>
-        </p:blipFill>
-        <p:spPr>
-          <a:xfrm>
-            <a:off x="2642412" y="831105"/>
-            <a:ext cx="3859176" cy="1978083"/>
-          </a:xfrm>
-          <a:prstGeom prst="rect">
-            <a:avLst/>
-          </a:prstGeom>
-        </p:spPr>
-      </p:pic>
+              <a:t>Connecting to GitHub</a:t>
+            </a:r>
+          </a:p>
+        </p:txBody>
+      </p:sp>
     </p:spTree>
     <p:extLst>
       <p:ext uri="{BB962C8B-B14F-4D97-AF65-F5344CB8AC3E}">
-        <p14:creationId xmlns:p14="http://schemas.microsoft.com/office/powerpoint/2010/main" val="4151486386"/>
+        <p14:creationId xmlns:p14="http://schemas.microsoft.com/office/powerpoint/2010/main" val="4006080756"/>
       </p:ext>
     </p:extLst>
   </p:cSld>
@@ -15746,7 +15637,7 @@
           <a:p>
             <a:r>
               <a:rPr lang="en-GB" dirty="0"/>
-              <a:t>Create a ‘remote’ repository</a:t>
+              <a:t>Branches are an independent line of development, away from the main branch</a:t>
             </a:r>
           </a:p>
           <a:p>
@@ -15755,16 +15646,9 @@
               <a:buChar char="o"/>
             </a:pPr>
             <a:r>
-              <a:rPr lang="en-GB" i="1" dirty="0"/>
-              <a:t>Create a GitHub account on </a:t>
-            </a:r>
-            <a:r>
-              <a:rPr lang="en-GB" dirty="0">
-                <a:hlinkClick r:id="rId3"/>
-              </a:rPr>
-              <a:t>GitHub</a:t>
-            </a:r>
-            <a:endParaRPr lang="en-GB" dirty="0"/>
+              <a:rPr lang="en-GB" dirty="0"/>
+              <a:t>Files are identical to the main branch, but adding and committing new files, or changes, do not automatically affect the main branch</a:t>
+            </a:r>
           </a:p>
           <a:p>
             <a:pPr lvl="1">
@@ -15773,7 +15657,7 @@
             </a:pPr>
             <a:r>
               <a:rPr lang="en-GB" dirty="0"/>
-              <a:t>Click ‘create a new repository’</a:t>
+              <a:t>The latest edited branch can be merged with the master branch, meaning that the master always contains production quality code</a:t>
             </a:r>
           </a:p>
           <a:p>
@@ -15783,7 +15667,7 @@
             </a:pPr>
             <a:r>
               <a:rPr lang="en-GB" dirty="0"/>
-              <a:t>Name it consistently with your local file</a:t>
+              <a:t>Name branches v1, v1.1 etc. as change are made, which keeps a log of all changes made</a:t>
             </a:r>
           </a:p>
           <a:p>
@@ -15791,21 +15675,32 @@
               <a:buFont typeface="Courier New" panose="02070309020205020404" pitchFamily="49" charset="0"/>
               <a:buChar char="o"/>
             </a:pPr>
+            <a:endParaRPr lang="en-GB" dirty="0"/>
+          </a:p>
+          <a:p>
+            <a:r>
+              <a:rPr lang="en-GB" i="1" dirty="0"/>
+              <a:t>git checkout –b </a:t>
+            </a:r>
+            <a:r>
+              <a:rPr lang="en-GB" i="1" dirty="0" err="1"/>
+              <a:t>edit_branch</a:t>
+            </a:r>
+            <a:r>
+              <a:rPr lang="en-GB" i="1" dirty="0"/>
+              <a:t> </a:t>
+            </a:r>
             <a:r>
               <a:rPr lang="en-GB" dirty="0"/>
-              <a:t>You can add a README.md which explains to outside users what the project is (usually HTML). Licences can also be added which control what users can/can’t do with code. Would be helpful to establish what others use within NHSE</a:t>
-            </a:r>
-          </a:p>
-          <a:p>
-            <a:pPr marL="457200" lvl="1" indent="0">
-              <a:buNone/>
-            </a:pPr>
-            <a:endParaRPr lang="en-GB" dirty="0"/>
-          </a:p>
-          <a:p>
+              <a:t>-&gt; Creating a new branch ‘</a:t>
+            </a:r>
+            <a:r>
+              <a:rPr lang="en-GB" dirty="0" err="1"/>
+              <a:t>edit_branch</a:t>
+            </a:r>
             <a:r>
               <a:rPr lang="en-GB" dirty="0"/>
-              <a:t>Connect ‘remote’ to ‘local’ repository</a:t>
+              <a:t>’ and moving to that branch</a:t>
             </a:r>
           </a:p>
           <a:p>
@@ -15815,19 +15710,34 @@
             </a:pPr>
             <a:r>
               <a:rPr lang="en-GB" dirty="0"/>
-              <a:t>Using </a:t>
-            </a:r>
-            <a:r>
-              <a:rPr lang="en-GB" dirty="0" err="1"/>
-              <a:t>GitBash</a:t>
+              <a:t>Here we can make the required changes that can be proposed, but not necessarily merged to the main branch</a:t>
+            </a:r>
+          </a:p>
+          <a:p>
+            <a:pPr lvl="1">
+              <a:buFont typeface="Courier New" panose="02070309020205020404" pitchFamily="49" charset="0"/>
+              <a:buChar char="o"/>
+            </a:pPr>
+            <a:r>
+              <a:rPr lang="en-GB" i="1" dirty="0"/>
+              <a:t>git checkout master </a:t>
             </a:r>
             <a:r>
               <a:rPr lang="en-GB" dirty="0"/>
-              <a:t> -&gt; </a:t>
-            </a:r>
-            <a:r>
-              <a:rPr lang="en-GB" i="1" dirty="0"/>
-              <a:t>git remote add origin &lt;link to GitHub repo&gt;</a:t>
+              <a:t>would move you back to the main branch</a:t>
+            </a:r>
+          </a:p>
+          <a:p>
+            <a:pPr lvl="1">
+              <a:buFont typeface="Courier New" panose="02070309020205020404" pitchFamily="49" charset="0"/>
+              <a:buChar char="o"/>
+            </a:pPr>
+            <a:endParaRPr lang="en-GB" dirty="0"/>
+          </a:p>
+          <a:p>
+            <a:r>
+              <a:rPr lang="en-GB" dirty="0"/>
+              <a:t>Switching between branches allows you to compare the versions and assess the changes made. This means that further alterations can be made before the branches are merged, and the master then contains the latest version</a:t>
             </a:r>
           </a:p>
           <a:p>
@@ -15838,49 +15748,7 @@
             <a:endParaRPr lang="en-GB" i="1" dirty="0"/>
           </a:p>
           <a:p>
-            <a:r>
-              <a:rPr lang="en-GB" dirty="0"/>
-              <a:t>Push your files to the remote repo</a:t>
-            </a:r>
-          </a:p>
-          <a:p>
-            <a:pPr lvl="1">
-              <a:buFont typeface="Courier New" panose="02070309020205020404" pitchFamily="49" charset="0"/>
-              <a:buChar char="o"/>
-            </a:pPr>
-            <a:r>
-              <a:rPr lang="en-GB" i="1" dirty="0"/>
-              <a:t>git push –u origin master </a:t>
-            </a:r>
-            <a:r>
-              <a:rPr lang="en-GB" dirty="0"/>
-              <a:t>-&gt; here, Master is the name of the main branch, and origin is the remote repo. If you were operating on a different branch, you would use that name, e.g. –u origin branch_1</a:t>
-            </a:r>
-          </a:p>
-          <a:p>
-            <a:pPr marL="457200" lvl="1" indent="0">
-              <a:buNone/>
-            </a:pPr>
             <a:endParaRPr lang="en-GB" i="1" dirty="0"/>
-          </a:p>
-          <a:p>
-            <a:r>
-              <a:rPr lang="en-GB" i="1" dirty="0"/>
-              <a:t>Check GitHub to see if the changes have been made, and are up to date</a:t>
-            </a:r>
-          </a:p>
-          <a:p>
-            <a:pPr lvl="1">
-              <a:buFont typeface="Courier New" panose="02070309020205020404" pitchFamily="49" charset="0"/>
-              <a:buChar char="o"/>
-            </a:pPr>
-            <a:endParaRPr lang="en-GB" dirty="0"/>
-          </a:p>
-          <a:p>
-            <a:pPr marL="457200" lvl="1" indent="0">
-              <a:buNone/>
-            </a:pPr>
-            <a:endParaRPr lang="en-GB" dirty="0"/>
           </a:p>
         </p:txBody>
       </p:sp>
@@ -15936,62 +15804,15 @@
           <a:p>
             <a:r>
               <a:rPr lang="en-GB" dirty="0"/>
-              <a:t>Connecting to GitHub</a:t>
-            </a:r>
-          </a:p>
-        </p:txBody>
-      </p:sp>
-      <p:pic>
-        <p:nvPicPr>
-          <p:cNvPr id="5" name="Picture 2" descr="See the source image">
-            <a:extLst>
-              <a:ext uri="{FF2B5EF4-FFF2-40B4-BE49-F238E27FC236}">
-                <a16:creationId xmlns:a16="http://schemas.microsoft.com/office/drawing/2014/main" id="{62E3031D-4D8D-4299-BC07-A474B9B7732C}"/>
-              </a:ext>
-            </a:extLst>
-          </p:cNvPr>
-          <p:cNvPicPr>
-            <a:picLocks noChangeAspect="1" noChangeArrowheads="1"/>
-          </p:cNvPicPr>
-          <p:nvPr/>
-        </p:nvPicPr>
-        <p:blipFill>
-          <a:blip r:embed="rId4">
-            <a:extLst>
-              <a:ext uri="{28A0092B-C50C-407E-A947-70E740481C1C}">
-                <a14:useLocalDpi xmlns:a14="http://schemas.microsoft.com/office/drawing/2010/main" val="0"/>
-              </a:ext>
-            </a:extLst>
-          </a:blip>
-          <a:srcRect/>
-          <a:stretch>
-            <a:fillRect/>
-          </a:stretch>
-        </p:blipFill>
-        <p:spPr bwMode="auto">
-          <a:xfrm>
-            <a:off x="7338694" y="5450056"/>
-            <a:ext cx="1382318" cy="1248508"/>
-          </a:xfrm>
-          <a:prstGeom prst="rect">
-            <a:avLst/>
-          </a:prstGeom>
-          <a:noFill/>
-          <a:extLst>
-            <a:ext uri="{909E8E84-426E-40DD-AFC4-6F175D3DCCD1}">
-              <a14:hiddenFill xmlns:a14="http://schemas.microsoft.com/office/drawing/2010/main">
-                <a:solidFill>
-                  <a:srgbClr val="FFFFFF"/>
-                </a:solidFill>
-              </a14:hiddenFill>
-            </a:ext>
-          </a:extLst>
-        </p:spPr>
-      </p:pic>
+              <a:t>Using Branches</a:t>
+            </a:r>
+          </a:p>
+        </p:txBody>
+      </p:sp>
     </p:spTree>
     <p:extLst>
       <p:ext uri="{BB962C8B-B14F-4D97-AF65-F5344CB8AC3E}">
-        <p14:creationId xmlns:p14="http://schemas.microsoft.com/office/powerpoint/2010/main" val="4006080756"/>
+        <p14:creationId xmlns:p14="http://schemas.microsoft.com/office/powerpoint/2010/main" val="3118825995"/>
       </p:ext>
     </p:extLst>
   </p:cSld>
@@ -16023,7 +15844,7 @@
           <p:cNvPr id="2" name="Content Placeholder 1">
             <a:extLst>
               <a:ext uri="{FF2B5EF4-FFF2-40B4-BE49-F238E27FC236}">
-                <a16:creationId xmlns:a16="http://schemas.microsoft.com/office/drawing/2014/main" id="{48869F42-6D93-4C35-8FA5-AE406994C1E3}"/>
+                <a16:creationId xmlns:a16="http://schemas.microsoft.com/office/drawing/2014/main" id="{262F1CBE-38D5-4BDE-9901-1B6C36F76960}"/>
               </a:ext>
             </a:extLst>
           </p:cNvPr>
@@ -16039,9 +15860,24 @@
           <a:bodyPr/>
           <a:lstStyle/>
           <a:p>
+            <a:endParaRPr lang="en-GB" dirty="0"/>
+          </a:p>
+          <a:p>
+            <a:endParaRPr lang="en-GB" dirty="0"/>
+          </a:p>
+          <a:p>
+            <a:endParaRPr lang="en-GB" dirty="0"/>
+          </a:p>
+          <a:p>
+            <a:endParaRPr lang="en-GB" dirty="0"/>
+          </a:p>
+          <a:p>
+            <a:endParaRPr lang="en-GB" dirty="0"/>
+          </a:p>
+          <a:p>
             <a:r>
               <a:rPr lang="en-GB" dirty="0"/>
-              <a:t>Branches are an independent line of development, away from the main branch</a:t>
+              <a:t>GitHub is already used widely within the NHS for code/file based storage and collaboration</a:t>
             </a:r>
           </a:p>
           <a:p>
@@ -16051,7 +15887,7 @@
             </a:pPr>
             <a:r>
               <a:rPr lang="en-GB" dirty="0"/>
-              <a:t>Files are identical to the main branch, but adding and committing new files, or changes, do not automatically affect the main branch</a:t>
+              <a:t>Above is the adoption of open-source in healthcare, and the NHS GitHub organisation</a:t>
             </a:r>
           </a:p>
           <a:p>
@@ -16060,8 +15896,20 @@
               <a:buChar char="o"/>
             </a:pPr>
             <a:r>
-              <a:rPr lang="en-GB" dirty="0"/>
-              <a:t>The latest edited branch can be merged with the master branch, meaning that the master always contains production quality code</a:t>
+              <a:rPr lang="en-GB" dirty="0">
+                <a:hlinkClick r:id="rId2"/>
+              </a:rPr>
+              <a:t>NHS England (github.com)</a:t>
+            </a:r>
+            <a:endParaRPr lang="en-GB" dirty="0"/>
+          </a:p>
+          <a:p>
+            <a:endParaRPr lang="en-GB" dirty="0"/>
+          </a:p>
+          <a:p>
+            <a:r>
+              <a:rPr lang="en-GB" b="1" dirty="0"/>
+              <a:t>Mental Health &amp; Dementia Analytical Team </a:t>
             </a:r>
           </a:p>
           <a:p>
@@ -16071,7 +15919,46 @@
             </a:pPr>
             <a:r>
               <a:rPr lang="en-GB" dirty="0"/>
-              <a:t>Name branches v1, v1.1 etc. as change are made, which keeps a log of all changes made</a:t>
+              <a:t>Online, open-access repository to upload SQL files rather than losing them in emails/SharePoint, working collaboratively within the team or across teams</a:t>
+            </a:r>
+          </a:p>
+          <a:p>
+            <a:pPr lvl="1">
+              <a:buFont typeface="Courier New" panose="02070309020205020404" pitchFamily="49" charset="0"/>
+              <a:buChar char="o"/>
+            </a:pPr>
+            <a:r>
+              <a:rPr lang="en-GB" dirty="0"/>
+              <a:t>Benefits: Easily track changes to code, simple to share due to open-access, and transparent, so improves confidence in own published analysis</a:t>
+            </a:r>
+          </a:p>
+          <a:p>
+            <a:endParaRPr lang="en-GB" dirty="0"/>
+          </a:p>
+          <a:p>
+            <a:r>
+              <a:rPr lang="en-GB" b="1" dirty="0"/>
+              <a:t>A&amp;E Admissions Forecasting Tool</a:t>
+            </a:r>
+          </a:p>
+          <a:p>
+            <a:pPr lvl="1">
+              <a:buFont typeface="Courier New" panose="02070309020205020404" pitchFamily="49" charset="0"/>
+              <a:buChar char="o"/>
+            </a:pPr>
+            <a:r>
+              <a:rPr lang="en-GB" dirty="0"/>
+              <a:t>Describes the Master branch as the ‘single source of truth’</a:t>
+            </a:r>
+          </a:p>
+          <a:p>
+            <a:pPr lvl="1">
+              <a:buFont typeface="Courier New" panose="02070309020205020404" pitchFamily="49" charset="0"/>
+              <a:buChar char="o"/>
+            </a:pPr>
+            <a:r>
+              <a:rPr lang="en-GB" dirty="0"/>
+              <a:t>Using a few different repositories for different areas of a project</a:t>
             </a:r>
           </a:p>
           <a:p>
@@ -16081,79 +15968,6 @@
             </a:pPr>
             <a:endParaRPr lang="en-GB" dirty="0"/>
           </a:p>
-          <a:p>
-            <a:r>
-              <a:rPr lang="en-GB" i="1" dirty="0"/>
-              <a:t>git checkout –b </a:t>
-            </a:r>
-            <a:r>
-              <a:rPr lang="en-GB" i="1" dirty="0" err="1"/>
-              <a:t>edit_branch</a:t>
-            </a:r>
-            <a:r>
-              <a:rPr lang="en-GB" i="1" dirty="0"/>
-              <a:t> </a:t>
-            </a:r>
-            <a:r>
-              <a:rPr lang="en-GB" dirty="0"/>
-              <a:t>-&gt; Creating a new branch ‘</a:t>
-            </a:r>
-            <a:r>
-              <a:rPr lang="en-GB" dirty="0" err="1"/>
-              <a:t>edit_branch</a:t>
-            </a:r>
-            <a:r>
-              <a:rPr lang="en-GB" dirty="0"/>
-              <a:t>’ and moving to that branch</a:t>
-            </a:r>
-          </a:p>
-          <a:p>
-            <a:pPr lvl="1">
-              <a:buFont typeface="Courier New" panose="02070309020205020404" pitchFamily="49" charset="0"/>
-              <a:buChar char="o"/>
-            </a:pPr>
-            <a:r>
-              <a:rPr lang="en-GB" dirty="0"/>
-              <a:t>Here we can make the required changes that can be proposed, but not necessarily merged to the main branch</a:t>
-            </a:r>
-          </a:p>
-          <a:p>
-            <a:pPr lvl="1">
-              <a:buFont typeface="Courier New" panose="02070309020205020404" pitchFamily="49" charset="0"/>
-              <a:buChar char="o"/>
-            </a:pPr>
-            <a:r>
-              <a:rPr lang="en-GB" i="1" dirty="0"/>
-              <a:t>git checkout master </a:t>
-            </a:r>
-            <a:r>
-              <a:rPr lang="en-GB" dirty="0"/>
-              <a:t>would move you back to the main branch</a:t>
-            </a:r>
-          </a:p>
-          <a:p>
-            <a:pPr lvl="1">
-              <a:buFont typeface="Courier New" panose="02070309020205020404" pitchFamily="49" charset="0"/>
-              <a:buChar char="o"/>
-            </a:pPr>
-            <a:endParaRPr lang="en-GB" dirty="0"/>
-          </a:p>
-          <a:p>
-            <a:r>
-              <a:rPr lang="en-GB" dirty="0"/>
-              <a:t>Switching between branches allows you to compare the versions and assess the changes made. This means that further alterations can be made before the branches are merged, and the master then contains the latest version</a:t>
-            </a:r>
-          </a:p>
-          <a:p>
-            <a:pPr lvl="1">
-              <a:buFont typeface="Courier New" panose="02070309020205020404" pitchFamily="49" charset="0"/>
-              <a:buChar char="o"/>
-            </a:pPr>
-            <a:endParaRPr lang="en-GB" i="1" dirty="0"/>
-          </a:p>
-          <a:p>
-            <a:endParaRPr lang="en-GB" i="1" dirty="0"/>
-          </a:p>
         </p:txBody>
       </p:sp>
       <p:sp>
@@ -16161,7 +15975,7 @@
           <p:cNvPr id="3" name="Footer Placeholder 2">
             <a:extLst>
               <a:ext uri="{FF2B5EF4-FFF2-40B4-BE49-F238E27FC236}">
-                <a16:creationId xmlns:a16="http://schemas.microsoft.com/office/drawing/2014/main" id="{6942939B-7B0C-42A5-8BC5-642B25324167}"/>
+                <a16:creationId xmlns:a16="http://schemas.microsoft.com/office/drawing/2014/main" id="{A7AC4494-DC7F-426D-B5BF-14F0BA385522}"/>
               </a:ext>
             </a:extLst>
           </p:cNvPr>
@@ -16190,7 +16004,7 @@
           <p:cNvPr id="4" name="Title 3">
             <a:extLst>
               <a:ext uri="{FF2B5EF4-FFF2-40B4-BE49-F238E27FC236}">
-                <a16:creationId xmlns:a16="http://schemas.microsoft.com/office/drawing/2014/main" id="{42A5EA90-17C9-4BD5-BD0D-74A5419E18C7}"/>
+                <a16:creationId xmlns:a16="http://schemas.microsoft.com/office/drawing/2014/main" id="{12FFB6D8-3053-4E55-BAE8-AFCC0592C8E7}"/>
               </a:ext>
             </a:extLst>
           </p:cNvPr>
@@ -16208,62 +16022,75 @@
           <a:p>
             <a:r>
               <a:rPr lang="en-GB" dirty="0"/>
-              <a:t>Using Branches</a:t>
+              <a:t>Learning From Others</a:t>
             </a:r>
           </a:p>
         </p:txBody>
       </p:sp>
       <p:pic>
         <p:nvPicPr>
-          <p:cNvPr id="5" name="Picture 2" descr="See the source image">
-            <a:extLst>
-              <a:ext uri="{FF2B5EF4-FFF2-40B4-BE49-F238E27FC236}">
-                <a16:creationId xmlns:a16="http://schemas.microsoft.com/office/drawing/2014/main" id="{DA37BB83-A404-466E-AF5B-9DECFAADE798}"/>
+          <p:cNvPr id="6" name="Picture 5">
+            <a:extLst>
+              <a:ext uri="{FF2B5EF4-FFF2-40B4-BE49-F238E27FC236}">
+                <a16:creationId xmlns:a16="http://schemas.microsoft.com/office/drawing/2014/main" id="{AA68C419-FEF1-4DE2-981B-2B5B06FFE819}"/>
               </a:ext>
             </a:extLst>
           </p:cNvPr>
           <p:cNvPicPr>
-            <a:picLocks noChangeAspect="1" noChangeArrowheads="1"/>
+            <a:picLocks noChangeAspect="1"/>
           </p:cNvPicPr>
           <p:nvPr/>
         </p:nvPicPr>
         <p:blipFill>
-          <a:blip r:embed="rId3">
-            <a:extLst>
-              <a:ext uri="{28A0092B-C50C-407E-A947-70E740481C1C}">
-                <a14:useLocalDpi xmlns:a14="http://schemas.microsoft.com/office/drawing/2010/main" val="0"/>
-              </a:ext>
-            </a:extLst>
-          </a:blip>
-          <a:srcRect/>
+          <a:blip r:embed="rId3"/>
           <a:stretch>
             <a:fillRect/>
           </a:stretch>
         </p:blipFill>
-        <p:spPr bwMode="auto">
+        <p:spPr>
           <a:xfrm>
-            <a:off x="7338694" y="5450056"/>
-            <a:ext cx="1382318" cy="1248508"/>
+            <a:off x="422988" y="831105"/>
+            <a:ext cx="3859176" cy="1978083"/>
           </a:xfrm>
           <a:prstGeom prst="rect">
             <a:avLst/>
           </a:prstGeom>
-          <a:noFill/>
-          <a:extLst>
-            <a:ext uri="{909E8E84-426E-40DD-AFC4-6F175D3DCCD1}">
-              <a14:hiddenFill xmlns:a14="http://schemas.microsoft.com/office/drawing/2010/main">
-                <a:solidFill>
-                  <a:srgbClr val="FFFFFF"/>
-                </a:solidFill>
-              </a14:hiddenFill>
-            </a:ext>
-          </a:extLst>
+        </p:spPr>
+      </p:pic>
+      <p:pic>
+        <p:nvPicPr>
+          <p:cNvPr id="7" name="Picture 6">
+            <a:extLst>
+              <a:ext uri="{FF2B5EF4-FFF2-40B4-BE49-F238E27FC236}">
+                <a16:creationId xmlns:a16="http://schemas.microsoft.com/office/drawing/2014/main" id="{B95B8FFE-3E4D-47AF-A714-F78AECF00C4D}"/>
+              </a:ext>
+            </a:extLst>
+          </p:cNvPr>
+          <p:cNvPicPr>
+            <a:picLocks noChangeAspect="1"/>
+          </p:cNvPicPr>
+          <p:nvPr/>
+        </p:nvPicPr>
+        <p:blipFill>
+          <a:blip r:embed="rId4"/>
+          <a:stretch>
+            <a:fillRect/>
+          </a:stretch>
+        </p:blipFill>
+        <p:spPr>
+          <a:xfrm>
+            <a:off x="4572000" y="831105"/>
+            <a:ext cx="3147646" cy="1978083"/>
+          </a:xfrm>
+          <a:prstGeom prst="rect">
+            <a:avLst/>
+          </a:prstGeom>
         </p:spPr>
       </p:pic>
     </p:spTree>
     <p:extLst>
       <p:ext uri="{BB962C8B-B14F-4D97-AF65-F5344CB8AC3E}">
-        <p14:creationId xmlns:p14="http://schemas.microsoft.com/office/powerpoint/2010/main" val="3118825995"/>
+        <p14:creationId xmlns:p14="http://schemas.microsoft.com/office/powerpoint/2010/main" val="4151486386"/>
       </p:ext>
     </p:extLst>
   </p:cSld>
@@ -16290,53 +16117,6 @@
           <a:chExt cx="0" cy="0"/>
         </a:xfrm>
       </p:grpSpPr>
-      <p:pic>
-        <p:nvPicPr>
-          <p:cNvPr id="5" name="Picture 2" descr="See the source image">
-            <a:extLst>
-              <a:ext uri="{FF2B5EF4-FFF2-40B4-BE49-F238E27FC236}">
-                <a16:creationId xmlns:a16="http://schemas.microsoft.com/office/drawing/2014/main" id="{0ED5EA98-2928-4140-96E4-BCECB454AD2D}"/>
-              </a:ext>
-            </a:extLst>
-          </p:cNvPr>
-          <p:cNvPicPr>
-            <a:picLocks noChangeAspect="1" noChangeArrowheads="1"/>
-          </p:cNvPicPr>
-          <p:nvPr/>
-        </p:nvPicPr>
-        <p:blipFill>
-          <a:blip r:embed="rId3">
-            <a:extLst>
-              <a:ext uri="{28A0092B-C50C-407E-A947-70E740481C1C}">
-                <a14:useLocalDpi xmlns:a14="http://schemas.microsoft.com/office/drawing/2010/main" val="0"/>
-              </a:ext>
-            </a:extLst>
-          </a:blip>
-          <a:srcRect/>
-          <a:stretch>
-            <a:fillRect/>
-          </a:stretch>
-        </p:blipFill>
-        <p:spPr bwMode="auto">
-          <a:xfrm>
-            <a:off x="7338694" y="5450056"/>
-            <a:ext cx="1382318" cy="1248508"/>
-          </a:xfrm>
-          <a:prstGeom prst="rect">
-            <a:avLst/>
-          </a:prstGeom>
-          <a:noFill/>
-          <a:extLst>
-            <a:ext uri="{909E8E84-426E-40DD-AFC4-6F175D3DCCD1}">
-              <a14:hiddenFill xmlns:a14="http://schemas.microsoft.com/office/drawing/2010/main">
-                <a:solidFill>
-                  <a:srgbClr val="FFFFFF"/>
-                </a:solidFill>
-              </a14:hiddenFill>
-            </a:ext>
-          </a:extLst>
-        </p:spPr>
-      </p:pic>
       <p:sp>
         <p:nvSpPr>
           <p:cNvPr id="2" name="Content Placeholder 1">
@@ -16359,8 +16139,12 @@
           <a:lstStyle/>
           <a:p>
             <a:r>
+              <a:rPr lang="en-GB" b="1" dirty="0"/>
+              <a:t>Version Control </a:t>
+            </a:r>
+            <a:r>
               <a:rPr lang="en-GB" dirty="0"/>
-              <a:t>Version Control -&gt; Version Control can be something that is difficult/time consuming to complete</a:t>
+              <a:t>-&gt; Version Control can be something that is difficult/time consuming to complete</a:t>
             </a:r>
           </a:p>
           <a:p>
@@ -16402,8 +16186,12 @@
           </a:p>
           <a:p>
             <a:r>
+              <a:rPr lang="en-GB" b="1" dirty="0"/>
+              <a:t>Collaborative Working </a:t>
+            </a:r>
+            <a:r>
               <a:rPr lang="en-GB" dirty="0"/>
-              <a:t>Collaborative Working -&gt; The team often works on large R scripts / SQL queries etc. that may constantly change over the process of producing a product</a:t>
+              <a:t>-&gt; The team often works on large R scripts / SQL queries etc. that may constantly change over the process of producing a product</a:t>
             </a:r>
           </a:p>
           <a:p>
@@ -16449,7 +16237,7 @@
             </a:pPr>
             <a:r>
               <a:rPr lang="en-GB" dirty="0"/>
-              <a:t>This would be useful for future iterations of PLICS where the R code will likely become much larger, and more people will work on it</a:t>
+              <a:t>This would be useful for projects (such as PLICS) where the R code will likely become much larger and more complex, and more people will work on it</a:t>
             </a:r>
           </a:p>
           <a:p>
@@ -16461,8 +16249,12 @@
           </a:p>
           <a:p>
             <a:r>
+              <a:rPr lang="en-GB" b="1" dirty="0"/>
+              <a:t>Transparency</a:t>
+            </a:r>
+            <a:r>
               <a:rPr lang="en-GB" dirty="0"/>
-              <a:t>Transparency and Schematics -&gt; Schematics can sometimes be difficult to produce as lots of processes have taken place</a:t>
+              <a:t> -&gt; This nature of version control allows the steps of change for production documents to be followed easily, if an appropriate naming system is adopted</a:t>
             </a:r>
           </a:p>
           <a:p>
@@ -16472,17 +16264,7 @@
             </a:pPr>
             <a:r>
               <a:rPr lang="en-GB" dirty="0"/>
-              <a:t>This nature of version control allows the steps of change for production documents to be followed easily, if an appropriate naming system is adopted</a:t>
-            </a:r>
-          </a:p>
-          <a:p>
-            <a:pPr lvl="1">
-              <a:buFont typeface="Courier New" panose="02070309020205020404" pitchFamily="49" charset="0"/>
-              <a:buChar char="o"/>
-            </a:pPr>
-            <a:r>
-              <a:rPr lang="en-GB" dirty="0"/>
-              <a:t>The –m messaging feature allows colleagues to label their changes, e.g. ‘lines added for MFF values’</a:t>
+              <a:t>The –m messaging feature allows colleagues to label their changes, e.g. ‘column added for MFF values’ e.g.</a:t>
             </a:r>
           </a:p>
           <a:p>
@@ -16545,7 +16327,7 @@
           <a:p>
             <a:r>
               <a:rPr lang="en-GB" dirty="0"/>
-              <a:t>Why is this applicable to AIF Payments?</a:t>
+              <a:t>Why is this applicable to AIF?</a:t>
             </a:r>
           </a:p>
         </p:txBody>
@@ -18118,15 +17900,6 @@
 </file>
 
 <file path=customXml/item1.xml><?xml version="1.0" encoding="utf-8"?>
-<?mso-contentType ?>
-<FormTemplates xmlns="http://schemas.microsoft.com/sharepoint/v3/contenttype/forms">
-  <Display>DocumentLibraryForm</Display>
-  <Edit>DocumentLibraryForm</Edit>
-  <New>DocumentLibraryForm</New>
-</FormTemplates>
-</file>
-
-<file path=customXml/item2.xml><?xml version="1.0" encoding="utf-8"?>
 <ct:contentTypeSchema xmlns:ct="http://schemas.microsoft.com/office/2006/metadata/contentType" xmlns:ma="http://schemas.microsoft.com/office/2006/metadata/properties/metaAttributes" ct:_="" ma:_="" ma:contentTypeName="Document" ma:contentTypeID="0x010100308E40E706C7A346904F58642B7D1969" ma:contentTypeVersion="0" ma:contentTypeDescription="Create a new document." ma:contentTypeScope="" ma:versionID="0ea485b46902d4f7e49967f1b2c25a65">
   <xsd:schema xmlns:xsd="http://www.w3.org/2001/XMLSchema" xmlns:xs="http://www.w3.org/2001/XMLSchema" xmlns:p="http://schemas.microsoft.com/office/2006/metadata/properties" targetNamespace="http://schemas.microsoft.com/office/2006/metadata/properties" ma:root="true" ma:fieldsID="90078a0fe6c183ae62661f67b7399e8a">
     <xsd:element name="properties">
@@ -18240,21 +18013,22 @@
 </ct:contentTypeSchema>
 </file>
 
-<file path=customXml/item3.xml><?xml version="1.0" encoding="utf-8"?>
+<file path=customXml/item2.xml><?xml version="1.0" encoding="utf-8"?>
 <p:properties xmlns:p="http://schemas.microsoft.com/office/2006/metadata/properties" xmlns:xsi="http://www.w3.org/2001/XMLSchema-instance" xmlns:pc="http://schemas.microsoft.com/office/infopath/2007/PartnerControls">
   <documentManagement/>
 </p:properties>
 </file>
 
-<file path=customXml/itemProps1.xml><?xml version="1.0" encoding="utf-8"?>
-<ds:datastoreItem xmlns:ds="http://schemas.openxmlformats.org/officeDocument/2006/customXml" ds:itemID="{A6333066-D95F-4DC9-8F45-8431A5C3C76B}">
-  <ds:schemaRefs>
-    <ds:schemaRef ds:uri="http://schemas.microsoft.com/sharepoint/v3/contenttype/forms"/>
-  </ds:schemaRefs>
-</ds:datastoreItem>
+<file path=customXml/item3.xml><?xml version="1.0" encoding="utf-8"?>
+<?mso-contentType ?>
+<FormTemplates xmlns="http://schemas.microsoft.com/sharepoint/v3/contenttype/forms">
+  <Display>DocumentLibraryForm</Display>
+  <Edit>DocumentLibraryForm</Edit>
+  <New>DocumentLibraryForm</New>
+</FormTemplates>
 </file>
 
-<file path=customXml/itemProps2.xml><?xml version="1.0" encoding="utf-8"?>
+<file path=customXml/itemProps1.xml><?xml version="1.0" encoding="utf-8"?>
 <ds:datastoreItem xmlns:ds="http://schemas.openxmlformats.org/officeDocument/2006/customXml" ds:itemID="{08DD32EF-F09C-4573-9C23-B48EA7D5886E}">
   <ds:schemaRefs>
     <ds:schemaRef ds:uri="http://schemas.microsoft.com/office/2006/metadata/contentType"/>
@@ -18270,7 +18044,7 @@
 </ds:datastoreItem>
 </file>
 
-<file path=customXml/itemProps3.xml><?xml version="1.0" encoding="utf-8"?>
+<file path=customXml/itemProps2.xml><?xml version="1.0" encoding="utf-8"?>
 <ds:datastoreItem xmlns:ds="http://schemas.openxmlformats.org/officeDocument/2006/customXml" ds:itemID="{A4D9FD49-C1C5-400A-B04D-90A236984D1F}">
   <ds:schemaRefs>
     <ds:schemaRef ds:uri="http://schemas.openxmlformats.org/package/2006/metadata/core-properties"/>
@@ -18283,4 +18057,12 @@
     <ds:schemaRef ds:uri="http://purl.org/dc/terms/"/>
   </ds:schemaRefs>
 </ds:datastoreItem>
+</file>
+
+<file path=customXml/itemProps3.xml><?xml version="1.0" encoding="utf-8"?>
+<ds:datastoreItem xmlns:ds="http://schemas.openxmlformats.org/officeDocument/2006/customXml" ds:itemID="{A6333066-D95F-4DC9-8F45-8431A5C3C76B}">
+  <ds:schemaRefs>
+    <ds:schemaRef ds:uri="http://schemas.microsoft.com/sharepoint/v3/contenttype/forms"/>
+  </ds:schemaRefs>
+</ds:datastoreItem>
 </file>
--- a/GitIntro.pptx
+++ b/GitIntro.pptx
@@ -5,10 +5,10 @@
     <p:sldMasterId id="2147483660" r:id="rId4"/>
   </p:sldMasterIdLst>
   <p:notesMasterIdLst>
-    <p:notesMasterId r:id="rId16"/>
+    <p:notesMasterId r:id="rId17"/>
   </p:notesMasterIdLst>
   <p:handoutMasterIdLst>
-    <p:handoutMasterId r:id="rId17"/>
+    <p:handoutMasterId r:id="rId18"/>
   </p:handoutMasterIdLst>
   <p:sldIdLst>
     <p:sldId id="263" r:id="rId5"/>
@@ -16,12 +16,13 @@
     <p:sldId id="317" r:id="rId7"/>
     <p:sldId id="319" r:id="rId8"/>
     <p:sldId id="320" r:id="rId9"/>
-    <p:sldId id="318" r:id="rId10"/>
-    <p:sldId id="321" r:id="rId11"/>
-    <p:sldId id="322" r:id="rId12"/>
-    <p:sldId id="323" r:id="rId13"/>
-    <p:sldId id="324" r:id="rId14"/>
-    <p:sldId id="325" r:id="rId15"/>
+    <p:sldId id="326" r:id="rId10"/>
+    <p:sldId id="318" r:id="rId11"/>
+    <p:sldId id="321" r:id="rId12"/>
+    <p:sldId id="322" r:id="rId13"/>
+    <p:sldId id="323" r:id="rId14"/>
+    <p:sldId id="324" r:id="rId15"/>
+    <p:sldId id="325" r:id="rId16"/>
   </p:sldIdLst>
   <p:sldSz cx="9144000" cy="6858000" type="screen4x3"/>
   <p:notesSz cx="6858000" cy="9144000"/>
@@ -158,18 +159,18 @@
   <pc:docChgLst>
     <pc:chgData name="Will Brooks" userId="d4c2b272-852e-451d-80ba-d2f905b38211" providerId="ADAL" clId="{37A0AFB6-F6CA-4F11-9C33-0D7619B1449C}"/>
     <pc:docChg chg="undo custSel addSld delSld modSld">
-      <pc:chgData name="Will Brooks" userId="d4c2b272-852e-451d-80ba-d2f905b38211" providerId="ADAL" clId="{37A0AFB6-F6CA-4F11-9C33-0D7619B1449C}" dt="2022-09-28T07:56:23.982" v="9730"/>
+      <pc:chgData name="Will Brooks" userId="d4c2b272-852e-451d-80ba-d2f905b38211" providerId="ADAL" clId="{37A0AFB6-F6CA-4F11-9C33-0D7619B1449C}" dt="2022-10-12T08:21:12.103" v="10719" actId="20577"/>
       <pc:docMkLst>
         <pc:docMk/>
       </pc:docMkLst>
-      <pc:sldChg chg="addSp modSp mod">
-        <pc:chgData name="Will Brooks" userId="d4c2b272-852e-451d-80ba-d2f905b38211" providerId="ADAL" clId="{37A0AFB6-F6CA-4F11-9C33-0D7619B1449C}" dt="2022-09-26T09:10:00.491" v="8582" actId="20577"/>
+      <pc:sldChg chg="addSp delSp modSp mod">
+        <pc:chgData name="Will Brooks" userId="d4c2b272-852e-451d-80ba-d2f905b38211" providerId="ADAL" clId="{37A0AFB6-F6CA-4F11-9C33-0D7619B1449C}" dt="2022-10-12T08:20:51.192" v="10711" actId="20577"/>
         <pc:sldMkLst>
           <pc:docMk/>
           <pc:sldMk cId="3144119947" sldId="263"/>
         </pc:sldMkLst>
         <pc:spChg chg="mod">
-          <ac:chgData name="Will Brooks" userId="d4c2b272-852e-451d-80ba-d2f905b38211" providerId="ADAL" clId="{37A0AFB6-F6CA-4F11-9C33-0D7619B1449C}" dt="2022-09-26T09:10:00.491" v="8582" actId="20577"/>
+          <ac:chgData name="Will Brooks" userId="d4c2b272-852e-451d-80ba-d2f905b38211" providerId="ADAL" clId="{37A0AFB6-F6CA-4F11-9C33-0D7619B1449C}" dt="2022-10-12T08:20:44.829" v="10695" actId="20577"/>
           <ac:spMkLst>
             <pc:docMk/>
             <pc:sldMk cId="3144119947" sldId="263"/>
@@ -177,15 +178,15 @@
           </ac:spMkLst>
         </pc:spChg>
         <pc:spChg chg="mod">
-          <ac:chgData name="Will Brooks" userId="d4c2b272-852e-451d-80ba-d2f905b38211" providerId="ADAL" clId="{37A0AFB6-F6CA-4F11-9C33-0D7619B1449C}" dt="2022-09-20T15:32:41.302" v="87" actId="20577"/>
+          <ac:chgData name="Will Brooks" userId="d4c2b272-852e-451d-80ba-d2f905b38211" providerId="ADAL" clId="{37A0AFB6-F6CA-4F11-9C33-0D7619B1449C}" dt="2022-10-12T08:20:51.192" v="10711" actId="20577"/>
           <ac:spMkLst>
             <pc:docMk/>
             <pc:sldMk cId="3144119947" sldId="263"/>
             <ac:spMk id="3" creationId="{00000000-0000-0000-0000-000000000000}"/>
           </ac:spMkLst>
         </pc:spChg>
-        <pc:picChg chg="add mod">
-          <ac:chgData name="Will Brooks" userId="d4c2b272-852e-451d-80ba-d2f905b38211" providerId="ADAL" clId="{37A0AFB6-F6CA-4F11-9C33-0D7619B1449C}" dt="2022-09-21T13:45:36.674" v="6427"/>
+        <pc:picChg chg="add del mod">
+          <ac:chgData name="Will Brooks" userId="d4c2b272-852e-451d-80ba-d2f905b38211" providerId="ADAL" clId="{37A0AFB6-F6CA-4F11-9C33-0D7619B1449C}" dt="2022-10-12T08:05:30.514" v="9731" actId="478"/>
           <ac:picMkLst>
             <pc:docMk/>
             <pc:sldMk cId="3144119947" sldId="263"/>
@@ -501,14 +502,14 @@
           <pc:sldMk cId="1020804935" sldId="315"/>
         </pc:sldMkLst>
       </pc:sldChg>
-      <pc:sldChg chg="addSp modSp add del mod">
-        <pc:chgData name="Will Brooks" userId="d4c2b272-852e-451d-80ba-d2f905b38211" providerId="ADAL" clId="{37A0AFB6-F6CA-4F11-9C33-0D7619B1449C}" dt="2022-09-28T07:55:24.115" v="9710" actId="20577"/>
+      <pc:sldChg chg="addSp delSp modSp add del mod">
+        <pc:chgData name="Will Brooks" userId="d4c2b272-852e-451d-80ba-d2f905b38211" providerId="ADAL" clId="{37A0AFB6-F6CA-4F11-9C33-0D7619B1449C}" dt="2022-10-12T08:21:12.103" v="10719" actId="20577"/>
         <pc:sldMkLst>
           <pc:docMk/>
           <pc:sldMk cId="3770664684" sldId="316"/>
         </pc:sldMkLst>
         <pc:spChg chg="mod">
-          <ac:chgData name="Will Brooks" userId="d4c2b272-852e-451d-80ba-d2f905b38211" providerId="ADAL" clId="{37A0AFB6-F6CA-4F11-9C33-0D7619B1449C}" dt="2022-09-28T07:51:37.450" v="9659" actId="6549"/>
+          <ac:chgData name="Will Brooks" userId="d4c2b272-852e-451d-80ba-d2f905b38211" providerId="ADAL" clId="{37A0AFB6-F6CA-4F11-9C33-0D7619B1449C}" dt="2022-10-12T08:21:12.103" v="10719" actId="20577"/>
           <ac:spMkLst>
             <pc:docMk/>
             <pc:sldMk cId="3770664684" sldId="316"/>
@@ -539,8 +540,8 @@
             <ac:picMk id="5" creationId="{B2EF43DD-F032-47E8-9709-7B17BDDE83DB}"/>
           </ac:picMkLst>
         </pc:picChg>
-        <pc:picChg chg="add mod">
-          <ac:chgData name="Will Brooks" userId="d4c2b272-852e-451d-80ba-d2f905b38211" providerId="ADAL" clId="{37A0AFB6-F6CA-4F11-9C33-0D7619B1449C}" dt="2022-09-21T13:44:23.412" v="6337" actId="1076"/>
+        <pc:picChg chg="add del mod">
+          <ac:chgData name="Will Brooks" userId="d4c2b272-852e-451d-80ba-d2f905b38211" providerId="ADAL" clId="{37A0AFB6-F6CA-4F11-9C33-0D7619B1449C}" dt="2022-10-12T08:05:32.413" v="9732" actId="478"/>
           <ac:picMkLst>
             <pc:docMk/>
             <pc:sldMk cId="3770664684" sldId="316"/>
@@ -549,7 +550,7 @@
         </pc:picChg>
       </pc:sldChg>
       <pc:sldChg chg="addSp delSp modSp add mod">
-        <pc:chgData name="Will Brooks" userId="d4c2b272-852e-451d-80ba-d2f905b38211" providerId="ADAL" clId="{37A0AFB6-F6CA-4F11-9C33-0D7619B1449C}" dt="2022-09-28T07:55:47.958" v="9713"/>
+        <pc:chgData name="Will Brooks" userId="d4c2b272-852e-451d-80ba-d2f905b38211" providerId="ADAL" clId="{37A0AFB6-F6CA-4F11-9C33-0D7619B1449C}" dt="2022-10-12T08:05:34.093" v="9733" actId="478"/>
         <pc:sldMkLst>
           <pc:docMk/>
           <pc:sldMk cId="1180572286" sldId="317"/>
@@ -586,8 +587,8 @@
             <ac:spMk id="8" creationId="{C4F6665C-EED2-4EFC-A9BA-53DE5F289030}"/>
           </ac:spMkLst>
         </pc:spChg>
-        <pc:picChg chg="add mod">
-          <ac:chgData name="Will Brooks" userId="d4c2b272-852e-451d-80ba-d2f905b38211" providerId="ADAL" clId="{37A0AFB6-F6CA-4F11-9C33-0D7619B1449C}" dt="2022-09-21T13:44:42.825" v="6338"/>
+        <pc:picChg chg="add del mod">
+          <ac:chgData name="Will Brooks" userId="d4c2b272-852e-451d-80ba-d2f905b38211" providerId="ADAL" clId="{37A0AFB6-F6CA-4F11-9C33-0D7619B1449C}" dt="2022-10-12T08:05:34.093" v="9733" actId="478"/>
           <ac:picMkLst>
             <pc:docMk/>
             <pc:sldMk cId="1180572286" sldId="317"/>
@@ -611,8 +612,8 @@
           </ac:cxnSpMkLst>
         </pc:cxnChg>
       </pc:sldChg>
-      <pc:sldChg chg="addSp modSp add mod">
-        <pc:chgData name="Will Brooks" userId="d4c2b272-852e-451d-80ba-d2f905b38211" providerId="ADAL" clId="{37A0AFB6-F6CA-4F11-9C33-0D7619B1449C}" dt="2022-09-28T07:55:59.616" v="9717"/>
+      <pc:sldChg chg="addSp delSp modSp add mod">
+        <pc:chgData name="Will Brooks" userId="d4c2b272-852e-451d-80ba-d2f905b38211" providerId="ADAL" clId="{37A0AFB6-F6CA-4F11-9C33-0D7619B1449C}" dt="2022-10-12T08:05:43.825" v="9736" actId="478"/>
         <pc:sldMkLst>
           <pc:docMk/>
           <pc:sldMk cId="2310298358" sldId="318"/>
@@ -641,8 +642,8 @@
             <ac:spMk id="4" creationId="{42A5EA90-17C9-4BD5-BD0D-74A5419E18C7}"/>
           </ac:spMkLst>
         </pc:spChg>
-        <pc:picChg chg="add mod">
-          <ac:chgData name="Will Brooks" userId="d4c2b272-852e-451d-80ba-d2f905b38211" providerId="ADAL" clId="{37A0AFB6-F6CA-4F11-9C33-0D7619B1449C}" dt="2022-09-21T13:44:53.334" v="6342" actId="167"/>
+        <pc:picChg chg="add del mod">
+          <ac:chgData name="Will Brooks" userId="d4c2b272-852e-451d-80ba-d2f905b38211" providerId="ADAL" clId="{37A0AFB6-F6CA-4F11-9C33-0D7619B1449C}" dt="2022-10-12T08:05:43.825" v="9736" actId="478"/>
           <ac:picMkLst>
             <pc:docMk/>
             <pc:sldMk cId="2310298358" sldId="318"/>
@@ -650,8 +651,8 @@
           </ac:picMkLst>
         </pc:picChg>
       </pc:sldChg>
-      <pc:sldChg chg="addSp modSp add mod">
-        <pc:chgData name="Will Brooks" userId="d4c2b272-852e-451d-80ba-d2f905b38211" providerId="ADAL" clId="{37A0AFB6-F6CA-4F11-9C33-0D7619B1449C}" dt="2022-09-28T07:55:53.945" v="9715"/>
+      <pc:sldChg chg="addSp delSp modSp add mod">
+        <pc:chgData name="Will Brooks" userId="d4c2b272-852e-451d-80ba-d2f905b38211" providerId="ADAL" clId="{37A0AFB6-F6CA-4F11-9C33-0D7619B1449C}" dt="2022-10-12T08:05:37.718" v="9734" actId="478"/>
         <pc:sldMkLst>
           <pc:docMk/>
           <pc:sldMk cId="4006080756" sldId="319"/>
@@ -680,8 +681,8 @@
             <ac:spMk id="4" creationId="{42A5EA90-17C9-4BD5-BD0D-74A5419E18C7}"/>
           </ac:spMkLst>
         </pc:spChg>
-        <pc:picChg chg="add mod">
-          <ac:chgData name="Will Brooks" userId="d4c2b272-852e-451d-80ba-d2f905b38211" providerId="ADAL" clId="{37A0AFB6-F6CA-4F11-9C33-0D7619B1449C}" dt="2022-09-21T13:44:44.540" v="6339"/>
+        <pc:picChg chg="add del mod">
+          <ac:chgData name="Will Brooks" userId="d4c2b272-852e-451d-80ba-d2f905b38211" providerId="ADAL" clId="{37A0AFB6-F6CA-4F11-9C33-0D7619B1449C}" dt="2022-10-12T08:05:37.718" v="9734" actId="478"/>
           <ac:picMkLst>
             <pc:docMk/>
             <pc:sldMk cId="4006080756" sldId="319"/>
@@ -689,8 +690,8 @@
           </ac:picMkLst>
         </pc:picChg>
       </pc:sldChg>
-      <pc:sldChg chg="addSp modSp add mod">
-        <pc:chgData name="Will Brooks" userId="d4c2b272-852e-451d-80ba-d2f905b38211" providerId="ADAL" clId="{37A0AFB6-F6CA-4F11-9C33-0D7619B1449C}" dt="2022-09-28T07:55:56.512" v="9716"/>
+      <pc:sldChg chg="addSp delSp modSp add mod">
+        <pc:chgData name="Will Brooks" userId="d4c2b272-852e-451d-80ba-d2f905b38211" providerId="ADAL" clId="{37A0AFB6-F6CA-4F11-9C33-0D7619B1449C}" dt="2022-10-12T08:05:40.319" v="9735" actId="478"/>
         <pc:sldMkLst>
           <pc:docMk/>
           <pc:sldMk cId="3118825995" sldId="320"/>
@@ -719,8 +720,8 @@
             <ac:spMk id="4" creationId="{42A5EA90-17C9-4BD5-BD0D-74A5419E18C7}"/>
           </ac:spMkLst>
         </pc:spChg>
-        <pc:picChg chg="add mod">
-          <ac:chgData name="Will Brooks" userId="d4c2b272-852e-451d-80ba-d2f905b38211" providerId="ADAL" clId="{37A0AFB6-F6CA-4F11-9C33-0D7619B1449C}" dt="2022-09-21T13:44:46.383" v="6340"/>
+        <pc:picChg chg="add del mod">
+          <ac:chgData name="Will Brooks" userId="d4c2b272-852e-451d-80ba-d2f905b38211" providerId="ADAL" clId="{37A0AFB6-F6CA-4F11-9C33-0D7619B1449C}" dt="2022-10-12T08:05:40.319" v="9735" actId="478"/>
           <ac:picMkLst>
             <pc:docMk/>
             <pc:sldMk cId="3118825995" sldId="320"/>
@@ -1123,6 +1124,37 @@
           </ac:picMkLst>
         </pc:picChg>
       </pc:sldChg>
+      <pc:sldChg chg="addSp modSp add mod">
+        <pc:chgData name="Will Brooks" userId="d4c2b272-852e-451d-80ba-d2f905b38211" providerId="ADAL" clId="{37A0AFB6-F6CA-4F11-9C33-0D7619B1449C}" dt="2022-10-12T08:19:09.055" v="10689" actId="1076"/>
+        <pc:sldMkLst>
+          <pc:docMk/>
+          <pc:sldMk cId="284761932" sldId="326"/>
+        </pc:sldMkLst>
+        <pc:spChg chg="mod">
+          <ac:chgData name="Will Brooks" userId="d4c2b272-852e-451d-80ba-d2f905b38211" providerId="ADAL" clId="{37A0AFB6-F6CA-4F11-9C33-0D7619B1449C}" dt="2022-10-12T08:18:29.474" v="10686" actId="20577"/>
+          <ac:spMkLst>
+            <pc:docMk/>
+            <pc:sldMk cId="284761932" sldId="326"/>
+            <ac:spMk id="2" creationId="{48869F42-6D93-4C35-8FA5-AE406994C1E3}"/>
+          </ac:spMkLst>
+        </pc:spChg>
+        <pc:spChg chg="mod">
+          <ac:chgData name="Will Brooks" userId="d4c2b272-852e-451d-80ba-d2f905b38211" providerId="ADAL" clId="{37A0AFB6-F6CA-4F11-9C33-0D7619B1449C}" dt="2022-10-12T08:06:19.263" v="9765" actId="20577"/>
+          <ac:spMkLst>
+            <pc:docMk/>
+            <pc:sldMk cId="284761932" sldId="326"/>
+            <ac:spMk id="4" creationId="{42A5EA90-17C9-4BD5-BD0D-74A5419E18C7}"/>
+          </ac:spMkLst>
+        </pc:spChg>
+        <pc:picChg chg="add mod">
+          <ac:chgData name="Will Brooks" userId="d4c2b272-852e-451d-80ba-d2f905b38211" providerId="ADAL" clId="{37A0AFB6-F6CA-4F11-9C33-0D7619B1449C}" dt="2022-10-12T08:19:09.055" v="10689" actId="1076"/>
+          <ac:picMkLst>
+            <pc:docMk/>
+            <pc:sldMk cId="284761932" sldId="326"/>
+            <ac:picMk id="6" creationId="{6EC7EFA0-D721-48A7-9D6F-C7EC882B6CA6}"/>
+          </ac:picMkLst>
+        </pc:picChg>
+      </pc:sldChg>
       <pc:sldChg chg="addSp modSp new mod">
         <pc:chgData name="Will Brooks" userId="d4c2b272-852e-451d-80ba-d2f905b38211" providerId="ADAL" clId="{37A0AFB6-F6CA-4F11-9C33-0D7619B1449C}" dt="2022-09-28T07:55:50.871" v="9714"/>
         <pc:sldMkLst>
@@ -1216,7 +1248,7 @@
             </a:lvl1pPr>
           </a:lstStyle>
           <a:p>
-            <a:endParaRPr lang="en-GB" dirty="0"/>
+            <a:endParaRPr lang="en-GB"/>
           </a:p>
         </p:txBody>
       </p:sp>
@@ -1249,9 +1281,9 @@
           <a:p>
             <a:fld id="{1790A331-7ADD-4391-8CA5-606C9BFD26F5}" type="datetimeFigureOut">
               <a:rPr lang="en-GB" smtClean="0"/>
-              <a:t>28/09/2022</a:t>
+              <a:t>12/10/2022</a:t>
             </a:fld>
-            <a:endParaRPr lang="en-GB" dirty="0"/>
+            <a:endParaRPr lang="en-GB"/>
           </a:p>
         </p:txBody>
       </p:sp>
@@ -1283,7 +1315,7 @@
           </a:lstStyle>
           <a:p>
             <a:r>
-              <a:rPr lang="en-GB" dirty="0"/>
+              <a:rPr lang="en-GB"/>
               <a:t>NHS Improvement</a:t>
             </a:r>
           </a:p>
@@ -1320,7 +1352,7 @@
               <a:rPr lang="en-GB" smtClean="0"/>
               <a:t>‹#›</a:t>
             </a:fld>
-            <a:endParaRPr lang="en-GB" dirty="0"/>
+            <a:endParaRPr lang="en-GB"/>
           </a:p>
         </p:txBody>
       </p:sp>
@@ -1385,7 +1417,7 @@
             </a:lvl1pPr>
           </a:lstStyle>
           <a:p>
-            <a:endParaRPr lang="en-GB" dirty="0"/>
+            <a:endParaRPr lang="en-GB"/>
           </a:p>
         </p:txBody>
       </p:sp>
@@ -1418,9 +1450,9 @@
           <a:p>
             <a:fld id="{002AE991-F138-4FD8-982E-957F3CA6A0F6}" type="datetimeFigureOut">
               <a:rPr lang="en-GB" smtClean="0"/>
-              <a:t>28/09/2022</a:t>
+              <a:t>12/10/2022</a:t>
             </a:fld>
-            <a:endParaRPr lang="en-GB" dirty="0"/>
+            <a:endParaRPr lang="en-GB"/>
           </a:p>
         </p:txBody>
       </p:sp>
@@ -1453,7 +1485,7 @@
           <a:bodyPr vert="horz" lIns="91440" tIns="45720" rIns="91440" bIns="45720" rtlCol="0" anchor="ctr"/>
           <a:lstStyle/>
           <a:p>
-            <a:endParaRPr lang="en-GB" dirty="0"/>
+            <a:endParaRPr lang="en-GB"/>
           </a:p>
         </p:txBody>
       </p:sp>
@@ -1545,7 +1577,7 @@
           </a:lstStyle>
           <a:p>
             <a:r>
-              <a:rPr lang="en-GB" dirty="0"/>
+              <a:rPr lang="en-GB"/>
               <a:t>NHS Improvement</a:t>
             </a:r>
           </a:p>
@@ -1582,7 +1614,7 @@
               <a:rPr lang="en-GB" smtClean="0"/>
               <a:t>‹#›</a:t>
             </a:fld>
-            <a:endParaRPr lang="en-GB" dirty="0"/>
+            <a:endParaRPr lang="en-GB"/>
           </a:p>
         </p:txBody>
       </p:sp>
@@ -1734,7 +1766,7 @@
           <a:bodyPr/>
           <a:lstStyle/>
           <a:p>
-            <a:endParaRPr lang="en-GB" dirty="0"/>
+            <a:endParaRPr lang="en-GB"/>
           </a:p>
         </p:txBody>
       </p:sp>
@@ -1757,7 +1789,6 @@
               <a:rPr lang="en-GB"/>
               <a:t>NHS Improvement</a:t>
             </a:r>
-            <a:endParaRPr lang="en-GB" dirty="0"/>
           </a:p>
         </p:txBody>
       </p:sp>
@@ -1780,7 +1811,7 @@
               <a:rPr lang="en-GB" smtClean="0"/>
               <a:t>2</a:t>
             </a:fld>
-            <a:endParaRPr lang="en-GB" dirty="0"/>
+            <a:endParaRPr lang="en-GB"/>
           </a:p>
         </p:txBody>
       </p:sp>
@@ -1841,7 +1872,7 @@
           <a:bodyPr/>
           <a:lstStyle/>
           <a:p>
-            <a:endParaRPr lang="en-GB" dirty="0"/>
+            <a:endParaRPr lang="en-GB"/>
           </a:p>
         </p:txBody>
       </p:sp>
@@ -1864,7 +1895,6 @@
               <a:rPr lang="en-GB"/>
               <a:t>NHS Improvement</a:t>
             </a:r>
-            <a:endParaRPr lang="en-GB" dirty="0"/>
           </a:p>
         </p:txBody>
       </p:sp>
@@ -1887,7 +1917,113 @@
               <a:rPr lang="en-GB" smtClean="0"/>
               <a:t>11</a:t>
             </a:fld>
-            <a:endParaRPr lang="en-GB" dirty="0"/>
+            <a:endParaRPr lang="en-GB"/>
+          </a:p>
+        </p:txBody>
+      </p:sp>
+    </p:spTree>
+    <p:extLst>
+      <p:ext uri="{BB962C8B-B14F-4D97-AF65-F5344CB8AC3E}">
+        <p14:creationId xmlns:p14="http://schemas.microsoft.com/office/powerpoint/2010/main" val="2135217643"/>
+      </p:ext>
+    </p:extLst>
+  </p:cSld>
+  <p:clrMapOvr>
+    <a:masterClrMapping/>
+  </p:clrMapOvr>
+</p:notes>
+</file>
+
+<file path=ppt/notesSlides/notesSlide11.xml><?xml version="1.0" encoding="utf-8"?>
+<p:notes xmlns:a="http://schemas.openxmlformats.org/drawingml/2006/main" xmlns:r="http://schemas.openxmlformats.org/officeDocument/2006/relationships" xmlns:p="http://schemas.openxmlformats.org/presentationml/2006/main">
+  <p:cSld>
+    <p:spTree>
+      <p:nvGrpSpPr>
+        <p:cNvPr id="1" name=""/>
+        <p:cNvGrpSpPr/>
+        <p:nvPr/>
+      </p:nvGrpSpPr>
+      <p:grpSpPr>
+        <a:xfrm>
+          <a:off x="0" y="0"/>
+          <a:ext cx="0" cy="0"/>
+          <a:chOff x="0" y="0"/>
+          <a:chExt cx="0" cy="0"/>
+        </a:xfrm>
+      </p:grpSpPr>
+      <p:sp>
+        <p:nvSpPr>
+          <p:cNvPr id="2" name="Slide Image Placeholder 1"/>
+          <p:cNvSpPr>
+            <a:spLocks noGrp="1" noRot="1" noChangeAspect="1"/>
+          </p:cNvSpPr>
+          <p:nvPr>
+            <p:ph type="sldImg"/>
+          </p:nvPr>
+        </p:nvSpPr>
+        <p:spPr/>
+      </p:sp>
+      <p:sp>
+        <p:nvSpPr>
+          <p:cNvPr id="3" name="Notes Placeholder 2"/>
+          <p:cNvSpPr>
+            <a:spLocks noGrp="1"/>
+          </p:cNvSpPr>
+          <p:nvPr>
+            <p:ph type="body" idx="1"/>
+          </p:nvPr>
+        </p:nvSpPr>
+        <p:spPr/>
+        <p:txBody>
+          <a:bodyPr/>
+          <a:lstStyle/>
+          <a:p>
+            <a:endParaRPr lang="en-GB"/>
+          </a:p>
+        </p:txBody>
+      </p:sp>
+      <p:sp>
+        <p:nvSpPr>
+          <p:cNvPr id="4" name="Footer Placeholder 3"/>
+          <p:cNvSpPr>
+            <a:spLocks noGrp="1"/>
+          </p:cNvSpPr>
+          <p:nvPr>
+            <p:ph type="ftr" sz="quarter" idx="4"/>
+          </p:nvPr>
+        </p:nvSpPr>
+        <p:spPr/>
+        <p:txBody>
+          <a:bodyPr/>
+          <a:lstStyle/>
+          <a:p>
+            <a:r>
+              <a:rPr lang="en-GB"/>
+              <a:t>NHS Improvement</a:t>
+            </a:r>
+          </a:p>
+        </p:txBody>
+      </p:sp>
+      <p:sp>
+        <p:nvSpPr>
+          <p:cNvPr id="5" name="Slide Number Placeholder 4"/>
+          <p:cNvSpPr>
+            <a:spLocks noGrp="1"/>
+          </p:cNvSpPr>
+          <p:nvPr>
+            <p:ph type="sldNum" sz="quarter" idx="5"/>
+          </p:nvPr>
+        </p:nvSpPr>
+        <p:spPr/>
+        <p:txBody>
+          <a:bodyPr/>
+          <a:lstStyle/>
+          <a:p>
+            <a:fld id="{7890AB7D-FC04-41BF-88F7-E47891A06283}" type="slidenum">
+              <a:rPr lang="en-GB" smtClean="0"/>
+              <a:t>12</a:t>
+            </a:fld>
+            <a:endParaRPr lang="en-GB"/>
           </a:p>
         </p:txBody>
       </p:sp>
@@ -1948,7 +2084,7 @@
           <a:bodyPr/>
           <a:lstStyle/>
           <a:p>
-            <a:endParaRPr lang="en-GB" dirty="0"/>
+            <a:endParaRPr lang="en-GB"/>
           </a:p>
         </p:txBody>
       </p:sp>
@@ -1971,7 +2107,6 @@
               <a:rPr lang="en-GB"/>
               <a:t>NHS Improvement</a:t>
             </a:r>
-            <a:endParaRPr lang="en-GB" dirty="0"/>
           </a:p>
         </p:txBody>
       </p:sp>
@@ -1994,7 +2129,7 @@
               <a:rPr lang="en-GB" smtClean="0"/>
               <a:t>3</a:t>
             </a:fld>
-            <a:endParaRPr lang="en-GB" dirty="0"/>
+            <a:endParaRPr lang="en-GB"/>
           </a:p>
         </p:txBody>
       </p:sp>
@@ -2055,7 +2190,7 @@
           <a:bodyPr/>
           <a:lstStyle/>
           <a:p>
-            <a:endParaRPr lang="en-GB" dirty="0"/>
+            <a:endParaRPr lang="en-GB"/>
           </a:p>
         </p:txBody>
       </p:sp>
@@ -2078,7 +2213,6 @@
               <a:rPr lang="en-GB"/>
               <a:t>NHS Improvement</a:t>
             </a:r>
-            <a:endParaRPr lang="en-GB" dirty="0"/>
           </a:p>
         </p:txBody>
       </p:sp>
@@ -2101,7 +2235,7 @@
               <a:rPr lang="en-GB" smtClean="0"/>
               <a:t>4</a:t>
             </a:fld>
-            <a:endParaRPr lang="en-GB" dirty="0"/>
+            <a:endParaRPr lang="en-GB"/>
           </a:p>
         </p:txBody>
       </p:sp>
@@ -2162,7 +2296,7 @@
           <a:bodyPr/>
           <a:lstStyle/>
           <a:p>
-            <a:endParaRPr lang="en-GB" dirty="0"/>
+            <a:endParaRPr lang="en-GB"/>
           </a:p>
         </p:txBody>
       </p:sp>
@@ -2185,7 +2319,6 @@
               <a:rPr lang="en-GB"/>
               <a:t>NHS Improvement</a:t>
             </a:r>
-            <a:endParaRPr lang="en-GB" dirty="0"/>
           </a:p>
         </p:txBody>
       </p:sp>
@@ -2208,7 +2341,7 @@
               <a:rPr lang="en-GB" smtClean="0"/>
               <a:t>5</a:t>
             </a:fld>
-            <a:endParaRPr lang="en-GB" dirty="0"/>
+            <a:endParaRPr lang="en-GB"/>
           </a:p>
         </p:txBody>
       </p:sp>
@@ -2269,7 +2402,7 @@
           <a:bodyPr/>
           <a:lstStyle/>
           <a:p>
-            <a:endParaRPr lang="en-GB" dirty="0"/>
+            <a:endParaRPr lang="en-GB"/>
           </a:p>
         </p:txBody>
       </p:sp>
@@ -2292,7 +2425,6 @@
               <a:rPr lang="en-GB"/>
               <a:t>NHS Improvement</a:t>
             </a:r>
-            <a:endParaRPr lang="en-GB" dirty="0"/>
           </a:p>
         </p:txBody>
       </p:sp>
@@ -2315,14 +2447,14 @@
               <a:rPr lang="en-GB" smtClean="0"/>
               <a:t>6</a:t>
             </a:fld>
-            <a:endParaRPr lang="en-GB" dirty="0"/>
+            <a:endParaRPr lang="en-GB"/>
           </a:p>
         </p:txBody>
       </p:sp>
     </p:spTree>
     <p:extLst>
       <p:ext uri="{BB962C8B-B14F-4D97-AF65-F5344CB8AC3E}">
-        <p14:creationId xmlns:p14="http://schemas.microsoft.com/office/powerpoint/2010/main" val="1555052481"/>
+        <p14:creationId xmlns:p14="http://schemas.microsoft.com/office/powerpoint/2010/main" val="1284369154"/>
       </p:ext>
     </p:extLst>
   </p:cSld>
@@ -2376,7 +2508,7 @@
           <a:bodyPr/>
           <a:lstStyle/>
           <a:p>
-            <a:endParaRPr lang="en-GB" dirty="0"/>
+            <a:endParaRPr lang="en-GB"/>
           </a:p>
         </p:txBody>
       </p:sp>
@@ -2399,7 +2531,6 @@
               <a:rPr lang="en-GB"/>
               <a:t>NHS Improvement</a:t>
             </a:r>
-            <a:endParaRPr lang="en-GB" dirty="0"/>
           </a:p>
         </p:txBody>
       </p:sp>
@@ -2422,14 +2553,14 @@
               <a:rPr lang="en-GB" smtClean="0"/>
               <a:t>7</a:t>
             </a:fld>
-            <a:endParaRPr lang="en-GB" dirty="0"/>
+            <a:endParaRPr lang="en-GB"/>
           </a:p>
         </p:txBody>
       </p:sp>
     </p:spTree>
     <p:extLst>
       <p:ext uri="{BB962C8B-B14F-4D97-AF65-F5344CB8AC3E}">
-        <p14:creationId xmlns:p14="http://schemas.microsoft.com/office/powerpoint/2010/main" val="2332490546"/>
+        <p14:creationId xmlns:p14="http://schemas.microsoft.com/office/powerpoint/2010/main" val="1555052481"/>
       </p:ext>
     </p:extLst>
   </p:cSld>
@@ -2483,7 +2614,7 @@
           <a:bodyPr/>
           <a:lstStyle/>
           <a:p>
-            <a:endParaRPr lang="en-GB" dirty="0"/>
+            <a:endParaRPr lang="en-GB"/>
           </a:p>
         </p:txBody>
       </p:sp>
@@ -2506,7 +2637,6 @@
               <a:rPr lang="en-GB"/>
               <a:t>NHS Improvement</a:t>
             </a:r>
-            <a:endParaRPr lang="en-GB" dirty="0"/>
           </a:p>
         </p:txBody>
       </p:sp>
@@ -2529,14 +2659,14 @@
               <a:rPr lang="en-GB" smtClean="0"/>
               <a:t>8</a:t>
             </a:fld>
-            <a:endParaRPr lang="en-GB" dirty="0"/>
+            <a:endParaRPr lang="en-GB"/>
           </a:p>
         </p:txBody>
       </p:sp>
     </p:spTree>
     <p:extLst>
       <p:ext uri="{BB962C8B-B14F-4D97-AF65-F5344CB8AC3E}">
-        <p14:creationId xmlns:p14="http://schemas.microsoft.com/office/powerpoint/2010/main" val="3755131342"/>
+        <p14:creationId xmlns:p14="http://schemas.microsoft.com/office/powerpoint/2010/main" val="2332490546"/>
       </p:ext>
     </p:extLst>
   </p:cSld>
@@ -2590,7 +2720,7 @@
           <a:bodyPr/>
           <a:lstStyle/>
           <a:p>
-            <a:endParaRPr lang="en-GB" dirty="0"/>
+            <a:endParaRPr lang="en-GB"/>
           </a:p>
         </p:txBody>
       </p:sp>
@@ -2613,7 +2743,6 @@
               <a:rPr lang="en-GB"/>
               <a:t>NHS Improvement</a:t>
             </a:r>
-            <a:endParaRPr lang="en-GB" dirty="0"/>
           </a:p>
         </p:txBody>
       </p:sp>
@@ -2636,14 +2765,14 @@
               <a:rPr lang="en-GB" smtClean="0"/>
               <a:t>9</a:t>
             </a:fld>
-            <a:endParaRPr lang="en-GB" dirty="0"/>
+            <a:endParaRPr lang="en-GB"/>
           </a:p>
         </p:txBody>
       </p:sp>
     </p:spTree>
     <p:extLst>
       <p:ext uri="{BB962C8B-B14F-4D97-AF65-F5344CB8AC3E}">
-        <p14:creationId xmlns:p14="http://schemas.microsoft.com/office/powerpoint/2010/main" val="3181790075"/>
+        <p14:creationId xmlns:p14="http://schemas.microsoft.com/office/powerpoint/2010/main" val="3755131342"/>
       </p:ext>
     </p:extLst>
   </p:cSld>
@@ -2697,7 +2826,7 @@
           <a:bodyPr/>
           <a:lstStyle/>
           <a:p>
-            <a:endParaRPr lang="en-GB" dirty="0"/>
+            <a:endParaRPr lang="en-GB"/>
           </a:p>
         </p:txBody>
       </p:sp>
@@ -2720,7 +2849,6 @@
               <a:rPr lang="en-GB"/>
               <a:t>NHS Improvement</a:t>
             </a:r>
-            <a:endParaRPr lang="en-GB" dirty="0"/>
           </a:p>
         </p:txBody>
       </p:sp>
@@ -2743,14 +2871,14 @@
               <a:rPr lang="en-GB" smtClean="0"/>
               <a:t>10</a:t>
             </a:fld>
-            <a:endParaRPr lang="en-GB" dirty="0"/>
+            <a:endParaRPr lang="en-GB"/>
           </a:p>
         </p:txBody>
       </p:sp>
     </p:spTree>
     <p:extLst>
       <p:ext uri="{BB962C8B-B14F-4D97-AF65-F5344CB8AC3E}">
-        <p14:creationId xmlns:p14="http://schemas.microsoft.com/office/powerpoint/2010/main" val="2135217643"/>
+        <p14:creationId xmlns:p14="http://schemas.microsoft.com/office/powerpoint/2010/main" val="3181790075"/>
       </p:ext>
     </p:extLst>
   </p:cSld>
@@ -2811,7 +2939,7 @@
           </a:lstStyle>
           <a:p>
             <a:r>
-              <a:rPr lang="en-US" dirty="0"/>
+              <a:rPr lang="en-US"/>
               <a:t>Presentation title</a:t>
             </a:r>
           </a:p>
@@ -2885,7 +3013,7 @@
           </a:lstStyle>
           <a:p>
             <a:r>
-              <a:rPr lang="en-US" dirty="0"/>
+              <a:rPr lang="en-US"/>
               <a:t>Date</a:t>
             </a:r>
           </a:p>
@@ -2963,7 +3091,7 @@
               </a:spcAft>
             </a:pPr>
             <a:r>
-              <a:rPr lang="en-GB" sz="1800" dirty="0">
+              <a:rPr lang="en-GB" sz="1800">
                 <a:effectLst/>
                 <a:latin typeface="Arial" panose="020B0604020202020204" pitchFamily="34" charset="0"/>
                 <a:ea typeface="Calibri" panose="020F0502020204030204" pitchFamily="34" charset="0"/>
@@ -2971,7 +3099,7 @@
               </a:rPr>
               <a:t>NHS England</a:t>
             </a:r>
-            <a:endParaRPr lang="en-GB" sz="1200" dirty="0">
+            <a:endParaRPr lang="en-GB" sz="1200">
               <a:effectLst/>
               <a:latin typeface="Arial" panose="020B0604020202020204" pitchFamily="34" charset="0"/>
               <a:ea typeface="Calibri" panose="020F0502020204030204" pitchFamily="34" charset="0"/>
@@ -3071,7 +3199,7 @@
               <a:rPr lang="en-GB"/>
               <a:t>PowerPoint Style Guide / Supporting Templates</a:t>
             </a:r>
-            <a:endParaRPr lang="en-US" dirty="0"/>
+            <a:endParaRPr lang="en-US"/>
           </a:p>
         </p:txBody>
       </p:sp>
@@ -3122,21 +3250,21 @@
           <a:p>
             <a:pPr lvl="0"/>
             <a:r>
-              <a:rPr lang="en-US" dirty="0"/>
+              <a:rPr lang="en-US"/>
               <a:t>Text box (click to edit content)</a:t>
             </a:r>
           </a:p>
           <a:p>
             <a:pPr lvl="1"/>
             <a:r>
-              <a:rPr lang="en-US" dirty="0"/>
+              <a:rPr lang="en-US"/>
               <a:t>First level bullet</a:t>
             </a:r>
           </a:p>
           <a:p>
             <a:pPr lvl="2"/>
             <a:r>
-              <a:rPr lang="en-US" dirty="0"/>
+              <a:rPr lang="en-US"/>
               <a:t>Second level bullet</a:t>
             </a:r>
           </a:p>
@@ -3271,7 +3399,7 @@
           <a:p>
             <a:pPr lvl="0"/>
             <a:r>
-              <a:rPr lang="en-US" dirty="0"/>
+              <a:rPr lang="en-US"/>
               <a:t>Click to edit Box 1</a:t>
             </a:r>
           </a:p>
@@ -3324,21 +3452,21 @@
           <a:p>
             <a:pPr lvl="0"/>
             <a:r>
-              <a:rPr lang="en-US" dirty="0"/>
+              <a:rPr lang="en-US"/>
               <a:t>Text box (click to edit content)</a:t>
             </a:r>
           </a:p>
           <a:p>
             <a:pPr lvl="1"/>
             <a:r>
-              <a:rPr lang="en-US" dirty="0"/>
+              <a:rPr lang="en-US"/>
               <a:t>First level bullet</a:t>
             </a:r>
           </a:p>
           <a:p>
             <a:pPr lvl="2"/>
             <a:r>
-              <a:rPr lang="en-US" dirty="0"/>
+              <a:rPr lang="en-US"/>
               <a:t>Second level bullet</a:t>
             </a:r>
           </a:p>
@@ -3470,7 +3598,7 @@
           <a:p>
             <a:pPr lvl="0"/>
             <a:r>
-              <a:rPr lang="en-US" dirty="0"/>
+              <a:rPr lang="en-US"/>
               <a:t>Click to edit Box 2</a:t>
             </a:r>
           </a:p>
@@ -3523,21 +3651,21 @@
           <a:p>
             <a:pPr lvl="0"/>
             <a:r>
-              <a:rPr lang="en-US" dirty="0"/>
+              <a:rPr lang="en-US"/>
               <a:t>Text box (click to edit content)</a:t>
             </a:r>
           </a:p>
           <a:p>
             <a:pPr lvl="1"/>
             <a:r>
-              <a:rPr lang="en-US" dirty="0"/>
+              <a:rPr lang="en-US"/>
               <a:t>First level bullet</a:t>
             </a:r>
           </a:p>
           <a:p>
             <a:pPr lvl="2"/>
             <a:r>
-              <a:rPr lang="en-US" dirty="0"/>
+              <a:rPr lang="en-US"/>
               <a:t>Second level bullet</a:t>
             </a:r>
           </a:p>
@@ -3669,7 +3797,7 @@
           <a:p>
             <a:pPr lvl="0"/>
             <a:r>
-              <a:rPr lang="en-US" dirty="0"/>
+              <a:rPr lang="en-US"/>
               <a:t>Click to edit Box 3</a:t>
             </a:r>
           </a:p>
@@ -3722,21 +3850,21 @@
           <a:p>
             <a:pPr lvl="0"/>
             <a:r>
-              <a:rPr lang="en-US" dirty="0"/>
+              <a:rPr lang="en-US"/>
               <a:t>Text box (click to edit content)</a:t>
             </a:r>
           </a:p>
           <a:p>
             <a:pPr lvl="1"/>
             <a:r>
-              <a:rPr lang="en-US" dirty="0"/>
+              <a:rPr lang="en-US"/>
               <a:t>First level bullet</a:t>
             </a:r>
           </a:p>
           <a:p>
             <a:pPr lvl="2"/>
             <a:r>
-              <a:rPr lang="en-US" dirty="0"/>
+              <a:rPr lang="en-US"/>
               <a:t>Second level bullet</a:t>
             </a:r>
           </a:p>
@@ -3868,7 +3996,7 @@
           <a:p>
             <a:pPr lvl="0"/>
             <a:r>
-              <a:rPr lang="en-US" dirty="0"/>
+              <a:rPr lang="en-US"/>
               <a:t>Click to edit Box 4</a:t>
             </a:r>
           </a:p>
@@ -3914,17 +4042,17 @@
           </a:lstStyle>
           <a:p>
             <a:r>
-              <a:rPr lang="en-US" dirty="0"/>
+              <a:rPr lang="en-US"/>
               <a:t>Click to edit - Narrative title style </a:t>
             </a:r>
             <a:br>
-              <a:rPr lang="en-US" dirty="0"/>
+              <a:rPr lang="en-US"/>
             </a:br>
             <a:r>
-              <a:rPr lang="en-US" dirty="0"/>
+              <a:rPr lang="en-US"/>
               <a:t>(no more than two lines long)</a:t>
             </a:r>
-            <a:endParaRPr lang="en-US" sz="2800" dirty="0">
+            <a:endParaRPr lang="en-US" sz="2800">
               <a:solidFill>
                 <a:srgbClr val="005EB8"/>
               </a:solidFill>
@@ -4031,7 +4159,7 @@
               <a:rPr lang="en-GB"/>
               <a:t>PowerPoint Style Guide / Supporting Templates</a:t>
             </a:r>
-            <a:endParaRPr lang="en-US" dirty="0"/>
+            <a:endParaRPr lang="en-US"/>
           </a:p>
         </p:txBody>
       </p:sp>
@@ -4082,21 +4210,21 @@
           <a:p>
             <a:pPr lvl="0"/>
             <a:r>
-              <a:rPr lang="en-US" dirty="0"/>
+              <a:rPr lang="en-US"/>
               <a:t>Text box (click to edit text) </a:t>
             </a:r>
           </a:p>
           <a:p>
             <a:pPr lvl="1"/>
             <a:r>
-              <a:rPr lang="en-US" dirty="0"/>
+              <a:rPr lang="en-US"/>
               <a:t>First level bullet</a:t>
             </a:r>
           </a:p>
           <a:p>
             <a:pPr lvl="2"/>
             <a:r>
-              <a:rPr lang="en-US" dirty="0"/>
+              <a:rPr lang="en-US"/>
               <a:t>Second level bullet</a:t>
             </a:r>
           </a:p>
@@ -4225,14 +4353,14 @@
           <a:p>
             <a:pPr lvl="0"/>
             <a:r>
-              <a:rPr lang="en-US" dirty="0"/>
+              <a:rPr lang="en-US"/>
               <a:t>Click to edit subtitle</a:t>
             </a:r>
           </a:p>
           <a:p>
             <a:pPr lvl="0"/>
             <a:r>
-              <a:rPr lang="en-US" dirty="0"/>
+              <a:rPr lang="en-US"/>
               <a:t> (max two lines)</a:t>
             </a:r>
           </a:p>
@@ -4361,14 +4489,14 @@
           <a:p>
             <a:pPr lvl="0"/>
             <a:r>
-              <a:rPr lang="en-US" dirty="0"/>
+              <a:rPr lang="en-US"/>
               <a:t>Click to edit title for chart/graphic below</a:t>
             </a:r>
           </a:p>
           <a:p>
             <a:pPr lvl="0"/>
             <a:r>
-              <a:rPr lang="en-US" dirty="0"/>
+              <a:rPr lang="en-US"/>
               <a:t> (max two lines)</a:t>
             </a:r>
           </a:p>
@@ -4409,10 +4537,10 @@
           <a:p>
             <a:pPr lvl="0"/>
             <a:r>
-              <a:rPr lang="en-US" dirty="0"/>
+              <a:rPr lang="en-US"/>
               <a:t>Click on the icons below to add a table, chart, smart art, picture or other media</a:t>
             </a:r>
-            <a:endParaRPr lang="en-GB" dirty="0"/>
+            <a:endParaRPr lang="en-GB"/>
           </a:p>
         </p:txBody>
       </p:sp>
@@ -4456,17 +4584,17 @@
           </a:lstStyle>
           <a:p>
             <a:r>
-              <a:rPr lang="en-US" dirty="0"/>
+              <a:rPr lang="en-US"/>
               <a:t>Click to edit - Narrative title style </a:t>
             </a:r>
             <a:br>
-              <a:rPr lang="en-US" dirty="0"/>
+              <a:rPr lang="en-US"/>
             </a:br>
             <a:r>
-              <a:rPr lang="en-US" dirty="0"/>
+              <a:rPr lang="en-US"/>
               <a:t>(no more than two lines long)</a:t>
             </a:r>
-            <a:endParaRPr lang="en-US" sz="2800" dirty="0">
+            <a:endParaRPr lang="en-US" sz="2800">
               <a:solidFill>
                 <a:srgbClr val="005EB8"/>
               </a:solidFill>
@@ -4665,7 +4793,7 @@
               <a:rPr lang="en-GB"/>
               <a:t>PowerPoint Style Guide / Supporting Templates</a:t>
             </a:r>
-            <a:endParaRPr lang="en-US" dirty="0"/>
+            <a:endParaRPr lang="en-US"/>
           </a:p>
         </p:txBody>
       </p:sp>
@@ -4716,21 +4844,21 @@
           <a:p>
             <a:pPr lvl="0"/>
             <a:r>
-              <a:rPr lang="en-US" dirty="0"/>
+              <a:rPr lang="en-US"/>
               <a:t>Text box (click to edit text) </a:t>
             </a:r>
           </a:p>
           <a:p>
             <a:pPr lvl="1"/>
             <a:r>
-              <a:rPr lang="en-US" dirty="0"/>
+              <a:rPr lang="en-US"/>
               <a:t>First level bullet</a:t>
             </a:r>
           </a:p>
           <a:p>
             <a:pPr lvl="2"/>
             <a:r>
-              <a:rPr lang="en-US" dirty="0"/>
+              <a:rPr lang="en-US"/>
               <a:t>Second level bullet</a:t>
             </a:r>
           </a:p>
@@ -4859,14 +4987,14 @@
           <a:p>
             <a:pPr lvl="0"/>
             <a:r>
-              <a:rPr lang="en-US" dirty="0"/>
+              <a:rPr lang="en-US"/>
               <a:t>Click to edit subtitle</a:t>
             </a:r>
           </a:p>
           <a:p>
             <a:pPr lvl="0"/>
             <a:r>
-              <a:rPr lang="en-US" dirty="0"/>
+              <a:rPr lang="en-US"/>
               <a:t> (max two lines)</a:t>
             </a:r>
           </a:p>
@@ -4995,14 +5123,14 @@
           <a:p>
             <a:pPr lvl="0"/>
             <a:r>
-              <a:rPr lang="en-US" dirty="0"/>
+              <a:rPr lang="en-US"/>
               <a:t>Click to edit title for chart/graphic below</a:t>
             </a:r>
           </a:p>
           <a:p>
             <a:pPr lvl="0"/>
             <a:r>
-              <a:rPr lang="en-US" dirty="0"/>
+              <a:rPr lang="en-US"/>
               <a:t> (max two lines)</a:t>
             </a:r>
           </a:p>
@@ -5043,10 +5171,10 @@
           <a:p>
             <a:pPr lvl="0"/>
             <a:r>
-              <a:rPr lang="en-US" dirty="0"/>
+              <a:rPr lang="en-US"/>
               <a:t>Click on the icons below to add a table, chart, smart art, picture or other media</a:t>
             </a:r>
-            <a:endParaRPr lang="en-GB" dirty="0"/>
+            <a:endParaRPr lang="en-GB"/>
           </a:p>
         </p:txBody>
       </p:sp>
@@ -5173,14 +5301,14 @@
           <a:p>
             <a:pPr lvl="0"/>
             <a:r>
-              <a:rPr lang="en-US" dirty="0"/>
+              <a:rPr lang="en-US"/>
               <a:t>Click to edit title for chart/graphic below</a:t>
             </a:r>
           </a:p>
           <a:p>
             <a:pPr lvl="0"/>
             <a:r>
-              <a:rPr lang="en-US" dirty="0"/>
+              <a:rPr lang="en-US"/>
               <a:t> (max two lines)</a:t>
             </a:r>
           </a:p>
@@ -5221,10 +5349,10 @@
           <a:p>
             <a:pPr lvl="0"/>
             <a:r>
-              <a:rPr lang="en-US" dirty="0"/>
+              <a:rPr lang="en-US"/>
               <a:t>Click on the icons below to add a table, chart, smart art, picture or other media</a:t>
             </a:r>
-            <a:endParaRPr lang="en-GB" dirty="0"/>
+            <a:endParaRPr lang="en-GB"/>
           </a:p>
         </p:txBody>
       </p:sp>
@@ -5268,17 +5396,17 @@
           </a:lstStyle>
           <a:p>
             <a:r>
-              <a:rPr lang="en-US" dirty="0"/>
+              <a:rPr lang="en-US"/>
               <a:t>Click to edit - Narrative title style </a:t>
             </a:r>
             <a:br>
-              <a:rPr lang="en-US" dirty="0"/>
+              <a:rPr lang="en-US"/>
             </a:br>
             <a:r>
-              <a:rPr lang="en-US" dirty="0"/>
+              <a:rPr lang="en-US"/>
               <a:t>(no more than two lines long)</a:t>
             </a:r>
-            <a:endParaRPr lang="en-US" sz="2800" dirty="0">
+            <a:endParaRPr lang="en-US" sz="2800">
               <a:solidFill>
                 <a:srgbClr val="005EB8"/>
               </a:solidFill>
@@ -5523,7 +5651,7 @@
               <a:rPr lang="en-GB"/>
               <a:t>PowerPoint Style Guide / Supporting Templates</a:t>
             </a:r>
-            <a:endParaRPr lang="en-US" dirty="0"/>
+            <a:endParaRPr lang="en-US"/>
           </a:p>
         </p:txBody>
       </p:sp>
@@ -5567,10 +5695,10 @@
           </a:lstStyle>
           <a:p>
             <a:r>
-              <a:rPr lang="en-US" dirty="0"/>
+              <a:rPr lang="en-US"/>
               <a:t>Annex (click title to amend)</a:t>
             </a:r>
-            <a:endParaRPr lang="en-US" sz="2800" dirty="0">
+            <a:endParaRPr lang="en-US" sz="2800">
               <a:solidFill>
                 <a:srgbClr val="005EB8"/>
               </a:solidFill>
@@ -5636,7 +5764,7 @@
               <a:buNone/>
             </a:pPr>
             <a:r>
-              <a:rPr lang="en-US" dirty="0"/>
+              <a:rPr lang="en-US"/>
               <a:t>1. First item (click to edit)</a:t>
             </a:r>
           </a:p>
@@ -5766,7 +5894,7 @@
           <a:p>
             <a:pPr lvl="0"/>
             <a:r>
-              <a:rPr lang="en-US" dirty="0"/>
+              <a:rPr lang="en-US"/>
               <a:t>2. Second item (click to edit)</a:t>
             </a:r>
           </a:p>
@@ -5896,7 +6024,7 @@
           <a:p>
             <a:pPr lvl="0"/>
             <a:r>
-              <a:rPr lang="en-US" dirty="0"/>
+              <a:rPr lang="en-US"/>
               <a:t>3. Third item (click to edit)</a:t>
             </a:r>
           </a:p>
@@ -6026,7 +6154,7 @@
           <a:p>
             <a:pPr lvl="0"/>
             <a:r>
-              <a:rPr lang="en-US" dirty="0"/>
+              <a:rPr lang="en-US"/>
               <a:t>4. Fourth item (click to edit)</a:t>
             </a:r>
           </a:p>
@@ -6156,7 +6284,7 @@
           <a:p>
             <a:pPr lvl="0"/>
             <a:r>
-              <a:rPr lang="en-US" dirty="0"/>
+              <a:rPr lang="en-US"/>
               <a:t>5. Fifth item (click to edit)</a:t>
             </a:r>
           </a:p>
@@ -6286,7 +6414,7 @@
           <a:p>
             <a:pPr lvl="0"/>
             <a:r>
-              <a:rPr lang="en-US" dirty="0"/>
+              <a:rPr lang="en-US"/>
               <a:t>6. Sixth item (click to edit)</a:t>
             </a:r>
           </a:p>
@@ -6347,7 +6475,7 @@
               <a:buNone/>
             </a:pPr>
             <a:r>
-              <a:rPr lang="en-US" dirty="0"/>
+              <a:rPr lang="en-US"/>
               <a:t>Xx - xx</a:t>
             </a:r>
           </a:p>
@@ -6477,7 +6605,7 @@
           <a:p>
             <a:pPr lvl="0"/>
             <a:r>
-              <a:rPr lang="en-US" dirty="0"/>
+              <a:rPr lang="en-US"/>
               <a:t>Xx - xx</a:t>
             </a:r>
           </a:p>
@@ -6607,7 +6735,7 @@
           <a:p>
             <a:pPr lvl="0"/>
             <a:r>
-              <a:rPr lang="en-US" dirty="0"/>
+              <a:rPr lang="en-US"/>
               <a:t>Xx - xx</a:t>
             </a:r>
           </a:p>
@@ -6737,7 +6865,7 @@
           <a:p>
             <a:pPr lvl="0"/>
             <a:r>
-              <a:rPr lang="en-US" dirty="0"/>
+              <a:rPr lang="en-US"/>
               <a:t>Xx - xx</a:t>
             </a:r>
           </a:p>
@@ -6867,7 +6995,7 @@
           <a:p>
             <a:pPr lvl="0"/>
             <a:r>
-              <a:rPr lang="en-US" dirty="0"/>
+              <a:rPr lang="en-US"/>
               <a:t>Xx - xx</a:t>
             </a:r>
           </a:p>
@@ -6997,7 +7125,7 @@
           <a:p>
             <a:pPr lvl="0"/>
             <a:r>
-              <a:rPr lang="en-US" dirty="0"/>
+              <a:rPr lang="en-US"/>
               <a:t>Xx - xx</a:t>
             </a:r>
           </a:p>
@@ -7127,7 +7255,7 @@
           <a:p>
             <a:pPr lvl="0"/>
             <a:r>
-              <a:rPr lang="en-US" dirty="0"/>
+              <a:rPr lang="en-US"/>
               <a:t>Page No.</a:t>
             </a:r>
           </a:p>
@@ -7291,7 +7419,7 @@
               <a:rPr lang="en-US"/>
               <a:t>Fifth level</a:t>
             </a:r>
-            <a:endParaRPr lang="en-GB" dirty="0"/>
+            <a:endParaRPr lang="en-GB"/>
           </a:p>
         </p:txBody>
       </p:sp>
@@ -7333,7 +7461,7 @@
               <a:t>‹#›</a:t>
             </a:fld>
             <a:r>
-              <a:rPr lang="en-US" sz="1200" dirty="0">
+              <a:rPr lang="en-US" sz="1200">
                 <a:solidFill>
                   <a:schemeClr val="accent3">
                     <a:lumMod val="60000"/>
@@ -7346,7 +7474,7 @@
               <a:t> </a:t>
             </a:r>
             <a:r>
-              <a:rPr lang="en-US" sz="1200" dirty="0">
+              <a:rPr lang="en-US" sz="1200">
                 <a:solidFill>
                   <a:schemeClr val="accent3"/>
                 </a:solidFill>
@@ -7356,7 +7484,7 @@
               <a:t>  </a:t>
             </a:r>
             <a:r>
-              <a:rPr lang="en-US" sz="1200" dirty="0">
+              <a:rPr lang="en-US" sz="1200">
                 <a:solidFill>
                   <a:srgbClr val="005EB8"/>
                 </a:solidFill>
@@ -7365,7 +7493,7 @@
               </a:rPr>
               <a:t>|</a:t>
             </a:r>
-            <a:endParaRPr lang="en-US" sz="1200" dirty="0">
+            <a:endParaRPr lang="en-US" sz="1200">
               <a:solidFill>
                 <a:schemeClr val="accent3"/>
               </a:solidFill>
@@ -7416,7 +7544,7 @@
               <a:rPr lang="en-GB"/>
               <a:t>PowerPoint Style Guide / Supporting Templates</a:t>
             </a:r>
-            <a:endParaRPr lang="en-US" dirty="0"/>
+            <a:endParaRPr lang="en-US"/>
           </a:p>
         </p:txBody>
       </p:sp>
@@ -7460,10 +7588,10 @@
           </a:lstStyle>
           <a:p>
             <a:r>
-              <a:rPr lang="en-US" dirty="0"/>
+              <a:rPr lang="en-US"/>
               <a:t>Click to edit Master title style</a:t>
             </a:r>
-            <a:endParaRPr lang="en-US" sz="2800" dirty="0">
+            <a:endParaRPr lang="en-US" sz="2800">
               <a:solidFill>
                 <a:srgbClr val="005EB8"/>
               </a:solidFill>
@@ -7578,7 +7706,7 @@
               <a:t>‹#›</a:t>
             </a:fld>
             <a:r>
-              <a:rPr lang="en-US" sz="1200" dirty="0">
+              <a:rPr lang="en-US" sz="1200">
                 <a:solidFill>
                   <a:schemeClr val="accent3">
                     <a:lumMod val="60000"/>
@@ -7591,7 +7719,7 @@
               <a:t> </a:t>
             </a:r>
             <a:r>
-              <a:rPr lang="en-US" sz="1200" dirty="0">
+              <a:rPr lang="en-US" sz="1200">
                 <a:solidFill>
                   <a:schemeClr val="accent3"/>
                 </a:solidFill>
@@ -7601,7 +7729,7 @@
               <a:t>  </a:t>
             </a:r>
             <a:r>
-              <a:rPr lang="en-US" sz="1200" dirty="0">
+              <a:rPr lang="en-US" sz="1200">
                 <a:solidFill>
                   <a:srgbClr val="005EB8"/>
                 </a:solidFill>
@@ -7610,7 +7738,7 @@
               </a:rPr>
               <a:t>|</a:t>
             </a:r>
-            <a:endParaRPr lang="en-US" sz="1200" dirty="0">
+            <a:endParaRPr lang="en-US" sz="1200">
               <a:solidFill>
                 <a:schemeClr val="accent3"/>
               </a:solidFill>
@@ -7661,7 +7789,7 @@
               <a:rPr lang="en-GB"/>
               <a:t>PowerPoint Style Guide / Supporting Templates</a:t>
             </a:r>
-            <a:endParaRPr lang="en-US" dirty="0"/>
+            <a:endParaRPr lang="en-US"/>
           </a:p>
         </p:txBody>
       </p:sp>
@@ -7705,17 +7833,17 @@
           </a:lstStyle>
           <a:p>
             <a:r>
-              <a:rPr lang="en-US" dirty="0"/>
+              <a:rPr lang="en-US"/>
               <a:t>Click to edit - Narrative title style </a:t>
             </a:r>
             <a:br>
-              <a:rPr lang="en-US" dirty="0"/>
+              <a:rPr lang="en-US"/>
             </a:br>
             <a:r>
-              <a:rPr lang="en-US" dirty="0"/>
+              <a:rPr lang="en-US"/>
               <a:t>(no more than two lines long)</a:t>
             </a:r>
-            <a:endParaRPr lang="en-US" sz="2800" dirty="0">
+            <a:endParaRPr lang="en-US" sz="2800">
               <a:solidFill>
                 <a:srgbClr val="005EB8"/>
               </a:solidFill>
@@ -7773,29 +7901,29 @@
           <a:p>
             <a:pPr lvl="0"/>
             <a:r>
-              <a:rPr lang="en-US" dirty="0"/>
+              <a:rPr lang="en-US"/>
               <a:t>Text box (used for Exec summary slides </a:t>
             </a:r>
             <a:r>
-              <a:rPr lang="en-US" dirty="0" err="1"/>
+              <a:rPr lang="en-US" err="1"/>
               <a:t>etc</a:t>
             </a:r>
             <a:r>
-              <a:rPr lang="en-US" dirty="0"/>
+              <a:rPr lang="en-US"/>
               <a:t>)</a:t>
             </a:r>
           </a:p>
           <a:p>
             <a:pPr lvl="1"/>
             <a:r>
-              <a:rPr lang="en-US" dirty="0"/>
+              <a:rPr lang="en-US"/>
               <a:t>First level bullet</a:t>
             </a:r>
           </a:p>
           <a:p>
             <a:pPr lvl="2"/>
             <a:r>
-              <a:rPr lang="en-US" dirty="0"/>
+              <a:rPr lang="en-US"/>
               <a:t>Second level bullet</a:t>
             </a:r>
           </a:p>
@@ -7897,7 +8025,7 @@
               <a:rPr lang="en-GB"/>
               <a:t>PowerPoint Style Guide / Supporting Templates</a:t>
             </a:r>
-            <a:endParaRPr lang="en-US" dirty="0"/>
+            <a:endParaRPr lang="en-US"/>
           </a:p>
         </p:txBody>
       </p:sp>
@@ -7948,21 +8076,21 @@
           <a:p>
             <a:pPr lvl="0"/>
             <a:r>
-              <a:rPr lang="en-US" dirty="0"/>
+              <a:rPr lang="en-US"/>
               <a:t>Text box (click to edit text)</a:t>
             </a:r>
           </a:p>
           <a:p>
             <a:pPr lvl="1"/>
             <a:r>
-              <a:rPr lang="en-US" dirty="0"/>
+              <a:rPr lang="en-US"/>
               <a:t>First level bullet</a:t>
             </a:r>
           </a:p>
           <a:p>
             <a:pPr lvl="2"/>
             <a:r>
-              <a:rPr lang="en-US" dirty="0"/>
+              <a:rPr lang="en-US"/>
               <a:t>Second level bullet</a:t>
             </a:r>
           </a:p>
@@ -8015,21 +8143,21 @@
           <a:p>
             <a:pPr lvl="0"/>
             <a:r>
-              <a:rPr lang="en-US" dirty="0"/>
+              <a:rPr lang="en-US"/>
               <a:t>Text box (click to edit text)</a:t>
             </a:r>
           </a:p>
           <a:p>
             <a:pPr lvl="1"/>
             <a:r>
-              <a:rPr lang="en-US" dirty="0"/>
+              <a:rPr lang="en-US"/>
               <a:t>First level bullet</a:t>
             </a:r>
           </a:p>
           <a:p>
             <a:pPr lvl="2"/>
             <a:r>
-              <a:rPr lang="en-US" dirty="0"/>
+              <a:rPr lang="en-US"/>
               <a:t>Second level bullet</a:t>
             </a:r>
           </a:p>
@@ -8158,14 +8286,14 @@
           <a:p>
             <a:pPr lvl="0"/>
             <a:r>
-              <a:rPr lang="en-US" dirty="0"/>
+              <a:rPr lang="en-US"/>
               <a:t>Click to edit subtitle</a:t>
             </a:r>
           </a:p>
           <a:p>
             <a:pPr lvl="0"/>
             <a:r>
-              <a:rPr lang="en-US" dirty="0"/>
+              <a:rPr lang="en-US"/>
               <a:t> (max two lines)</a:t>
             </a:r>
           </a:p>
@@ -8294,14 +8422,14 @@
           <a:p>
             <a:pPr lvl="0"/>
             <a:r>
-              <a:rPr lang="en-US" dirty="0"/>
+              <a:rPr lang="en-US"/>
               <a:t>Click to edit subtitle</a:t>
             </a:r>
           </a:p>
           <a:p>
             <a:pPr lvl="0"/>
             <a:r>
-              <a:rPr lang="en-US" dirty="0"/>
+              <a:rPr lang="en-US"/>
               <a:t> (max two lines)</a:t>
             </a:r>
           </a:p>
@@ -8347,17 +8475,17 @@
           </a:lstStyle>
           <a:p>
             <a:r>
-              <a:rPr lang="en-US" dirty="0"/>
+              <a:rPr lang="en-US"/>
               <a:t>Click to edit - Narrative title style </a:t>
             </a:r>
             <a:br>
-              <a:rPr lang="en-US" dirty="0"/>
+              <a:rPr lang="en-US"/>
             </a:br>
             <a:r>
-              <a:rPr lang="en-US" dirty="0"/>
+              <a:rPr lang="en-US"/>
               <a:t>(no more than two lines long)</a:t>
             </a:r>
-            <a:endParaRPr lang="en-US" sz="2800" dirty="0">
+            <a:endParaRPr lang="en-US" sz="2800">
               <a:solidFill>
                 <a:srgbClr val="005EB8"/>
               </a:solidFill>
@@ -8556,7 +8684,7 @@
               <a:rPr lang="en-GB"/>
               <a:t>PowerPoint Style Guide / Supporting Templates</a:t>
             </a:r>
-            <a:endParaRPr lang="en-US" dirty="0"/>
+            <a:endParaRPr lang="en-US"/>
           </a:p>
         </p:txBody>
       </p:sp>
@@ -8607,21 +8735,21 @@
           <a:p>
             <a:pPr lvl="0"/>
             <a:r>
-              <a:rPr lang="en-US" dirty="0"/>
+              <a:rPr lang="en-US"/>
               <a:t>Text box (click to edit text)</a:t>
             </a:r>
           </a:p>
           <a:p>
             <a:pPr lvl="1"/>
             <a:r>
-              <a:rPr lang="en-US" dirty="0"/>
+              <a:rPr lang="en-US"/>
               <a:t>First level bullet</a:t>
             </a:r>
           </a:p>
           <a:p>
             <a:pPr lvl="2"/>
             <a:r>
-              <a:rPr lang="en-US" dirty="0"/>
+              <a:rPr lang="en-US"/>
               <a:t>Second level bullet</a:t>
             </a:r>
           </a:p>
@@ -8753,14 +8881,14 @@
           <a:p>
             <a:pPr lvl="0"/>
             <a:r>
-              <a:rPr lang="en-US" dirty="0"/>
+              <a:rPr lang="en-US"/>
               <a:t>Click to edit subtitle</a:t>
             </a:r>
           </a:p>
           <a:p>
             <a:pPr lvl="0"/>
             <a:r>
-              <a:rPr lang="en-US" dirty="0"/>
+              <a:rPr lang="en-US"/>
               <a:t> (max two lines)</a:t>
             </a:r>
           </a:p>
@@ -8813,21 +8941,21 @@
           <a:p>
             <a:pPr lvl="0"/>
             <a:r>
-              <a:rPr lang="en-US" dirty="0"/>
+              <a:rPr lang="en-US"/>
               <a:t>Text box (click to edit text)</a:t>
             </a:r>
           </a:p>
           <a:p>
             <a:pPr lvl="1"/>
             <a:r>
-              <a:rPr lang="en-US" dirty="0"/>
+              <a:rPr lang="en-US"/>
               <a:t>First level bullet</a:t>
             </a:r>
           </a:p>
           <a:p>
             <a:pPr lvl="2"/>
             <a:r>
-              <a:rPr lang="en-US" dirty="0"/>
+              <a:rPr lang="en-US"/>
               <a:t>Second level bullet</a:t>
             </a:r>
           </a:p>
@@ -8956,14 +9084,14 @@
           <a:p>
             <a:pPr lvl="0"/>
             <a:r>
-              <a:rPr lang="en-US" dirty="0"/>
+              <a:rPr lang="en-US"/>
               <a:t>Click to edit subtitle</a:t>
             </a:r>
           </a:p>
           <a:p>
             <a:pPr lvl="0"/>
             <a:r>
-              <a:rPr lang="en-US" dirty="0"/>
+              <a:rPr lang="en-US"/>
               <a:t> (max two lines)</a:t>
             </a:r>
           </a:p>
@@ -9016,21 +9144,21 @@
           <a:p>
             <a:pPr lvl="0"/>
             <a:r>
-              <a:rPr lang="en-US" dirty="0"/>
+              <a:rPr lang="en-US"/>
               <a:t>Text box (click to edit text)</a:t>
             </a:r>
           </a:p>
           <a:p>
             <a:pPr lvl="1"/>
             <a:r>
-              <a:rPr lang="en-US" dirty="0"/>
+              <a:rPr lang="en-US"/>
               <a:t>First level bullet</a:t>
             </a:r>
           </a:p>
           <a:p>
             <a:pPr lvl="2"/>
             <a:r>
-              <a:rPr lang="en-US" dirty="0"/>
+              <a:rPr lang="en-US"/>
               <a:t>Second level bullet</a:t>
             </a:r>
           </a:p>
@@ -9159,14 +9287,14 @@
           <a:p>
             <a:pPr lvl="0"/>
             <a:r>
-              <a:rPr lang="en-US" dirty="0"/>
+              <a:rPr lang="en-US"/>
               <a:t>Click to edit subtitle</a:t>
             </a:r>
           </a:p>
           <a:p>
             <a:pPr lvl="0"/>
             <a:r>
-              <a:rPr lang="en-US" dirty="0"/>
+              <a:rPr lang="en-US"/>
               <a:t> (max two lines)</a:t>
             </a:r>
           </a:p>
@@ -9212,17 +9340,17 @@
           </a:lstStyle>
           <a:p>
             <a:r>
-              <a:rPr lang="en-US" dirty="0"/>
+              <a:rPr lang="en-US"/>
               <a:t>Click to edit - Narrative title style </a:t>
             </a:r>
             <a:br>
-              <a:rPr lang="en-US" dirty="0"/>
+              <a:rPr lang="en-US"/>
             </a:br>
             <a:r>
-              <a:rPr lang="en-US" dirty="0"/>
+              <a:rPr lang="en-US"/>
               <a:t>(no more than two lines long)</a:t>
             </a:r>
-            <a:endParaRPr lang="en-US" sz="2800" dirty="0">
+            <a:endParaRPr lang="en-US" sz="2800">
               <a:solidFill>
                 <a:srgbClr val="005EB8"/>
               </a:solidFill>
@@ -9483,7 +9611,7 @@
               <a:rPr lang="en-GB"/>
               <a:t>PowerPoint Style Guide / Supporting Templates</a:t>
             </a:r>
-            <a:endParaRPr lang="en-US" dirty="0"/>
+            <a:endParaRPr lang="en-US"/>
           </a:p>
         </p:txBody>
       </p:sp>
@@ -9534,21 +9662,21 @@
           <a:p>
             <a:pPr lvl="0"/>
             <a:r>
-              <a:rPr lang="en-US" dirty="0"/>
+              <a:rPr lang="en-US"/>
               <a:t>Text box (click to edit text)</a:t>
             </a:r>
           </a:p>
           <a:p>
             <a:pPr lvl="1"/>
             <a:r>
-              <a:rPr lang="en-US" dirty="0"/>
+              <a:rPr lang="en-US"/>
               <a:t>First level bullet</a:t>
             </a:r>
           </a:p>
           <a:p>
             <a:pPr lvl="2"/>
             <a:r>
-              <a:rPr lang="en-US" dirty="0"/>
+              <a:rPr lang="en-US"/>
               <a:t>Second level bullet</a:t>
             </a:r>
           </a:p>
@@ -9706,14 +9834,14 @@
               <a:defRPr/>
             </a:pPr>
             <a:r>
-              <a:rPr lang="en-US" dirty="0"/>
+              <a:rPr lang="en-US"/>
               <a:t>Click to edit subtitle</a:t>
             </a:r>
           </a:p>
           <a:p>
             <a:pPr lvl="0"/>
             <a:r>
-              <a:rPr lang="en-US" dirty="0"/>
+              <a:rPr lang="en-US"/>
               <a:t> (max two lines)</a:t>
             </a:r>
           </a:p>
@@ -9766,21 +9894,21 @@
           <a:p>
             <a:pPr lvl="0"/>
             <a:r>
-              <a:rPr lang="en-US" dirty="0"/>
+              <a:rPr lang="en-US"/>
               <a:t>Text box (click to edit text)</a:t>
             </a:r>
           </a:p>
           <a:p>
             <a:pPr lvl="1"/>
             <a:r>
-              <a:rPr lang="en-US" dirty="0"/>
+              <a:rPr lang="en-US"/>
               <a:t>First level bullet</a:t>
             </a:r>
           </a:p>
           <a:p>
             <a:pPr lvl="2"/>
             <a:r>
-              <a:rPr lang="en-US" dirty="0"/>
+              <a:rPr lang="en-US"/>
               <a:t>Second level bullet</a:t>
             </a:r>
           </a:p>
@@ -9909,14 +10037,14 @@
           <a:p>
             <a:pPr lvl="0"/>
             <a:r>
-              <a:rPr lang="en-US" dirty="0"/>
+              <a:rPr lang="en-US"/>
               <a:t>Click to edit subtitle</a:t>
             </a:r>
           </a:p>
           <a:p>
             <a:pPr lvl="0"/>
             <a:r>
-              <a:rPr lang="en-US" dirty="0"/>
+              <a:rPr lang="en-US"/>
               <a:t> (max two lines)</a:t>
             </a:r>
           </a:p>
@@ -9969,21 +10097,21 @@
           <a:p>
             <a:pPr lvl="0"/>
             <a:r>
-              <a:rPr lang="en-US" dirty="0"/>
+              <a:rPr lang="en-US"/>
               <a:t>Text box (click to edit text)</a:t>
             </a:r>
           </a:p>
           <a:p>
             <a:pPr lvl="1"/>
             <a:r>
-              <a:rPr lang="en-US" dirty="0"/>
+              <a:rPr lang="en-US"/>
               <a:t>First level bullet</a:t>
             </a:r>
           </a:p>
           <a:p>
             <a:pPr lvl="2"/>
             <a:r>
-              <a:rPr lang="en-US" dirty="0"/>
+              <a:rPr lang="en-US"/>
               <a:t>Second level bullet</a:t>
             </a:r>
           </a:p>
@@ -10112,14 +10240,14 @@
           <a:p>
             <a:pPr lvl="0"/>
             <a:r>
-              <a:rPr lang="en-US" dirty="0"/>
+              <a:rPr lang="en-US"/>
               <a:t>Click to edit subtitle</a:t>
             </a:r>
           </a:p>
           <a:p>
             <a:pPr lvl="0"/>
             <a:r>
-              <a:rPr lang="en-US" dirty="0"/>
+              <a:rPr lang="en-US"/>
               <a:t> (max two lines)</a:t>
             </a:r>
           </a:p>
@@ -10172,21 +10300,21 @@
           <a:p>
             <a:pPr lvl="0"/>
             <a:r>
-              <a:rPr lang="en-US" dirty="0"/>
+              <a:rPr lang="en-US"/>
               <a:t>Text box (click to edit text)</a:t>
             </a:r>
           </a:p>
           <a:p>
             <a:pPr lvl="1"/>
             <a:r>
-              <a:rPr lang="en-US" dirty="0"/>
+              <a:rPr lang="en-US"/>
               <a:t>First level bullet</a:t>
             </a:r>
           </a:p>
           <a:p>
             <a:pPr lvl="2"/>
             <a:r>
-              <a:rPr lang="en-US" dirty="0"/>
+              <a:rPr lang="en-US"/>
               <a:t>Second level bullet</a:t>
             </a:r>
           </a:p>
@@ -10315,14 +10443,14 @@
           <a:p>
             <a:pPr lvl="0"/>
             <a:r>
-              <a:rPr lang="en-US" dirty="0"/>
+              <a:rPr lang="en-US"/>
               <a:t>Click to edit subtitle</a:t>
             </a:r>
           </a:p>
           <a:p>
             <a:pPr lvl="0"/>
             <a:r>
-              <a:rPr lang="en-US" dirty="0"/>
+              <a:rPr lang="en-US"/>
               <a:t> (max two lines)</a:t>
             </a:r>
           </a:p>
@@ -10368,17 +10496,17 @@
           </a:lstStyle>
           <a:p>
             <a:r>
-              <a:rPr lang="en-US" dirty="0"/>
+              <a:rPr lang="en-US"/>
               <a:t>Click to edit - Narrative title style </a:t>
             </a:r>
             <a:br>
-              <a:rPr lang="en-US" dirty="0"/>
+              <a:rPr lang="en-US"/>
             </a:br>
             <a:r>
-              <a:rPr lang="en-US" dirty="0"/>
+              <a:rPr lang="en-US"/>
               <a:t>(no more than two lines long)</a:t>
             </a:r>
-            <a:endParaRPr lang="en-US" sz="2800" dirty="0">
+            <a:endParaRPr lang="en-US" sz="2800">
               <a:solidFill>
                 <a:srgbClr val="005EB8"/>
               </a:solidFill>
@@ -10685,7 +10813,7 @@
               <a:rPr lang="en-GB"/>
               <a:t>PowerPoint Style Guide / Supporting Templates</a:t>
             </a:r>
-            <a:endParaRPr lang="en-US" dirty="0"/>
+            <a:endParaRPr lang="en-US"/>
           </a:p>
         </p:txBody>
       </p:sp>
@@ -10736,21 +10864,21 @@
           <a:p>
             <a:pPr lvl="0"/>
             <a:r>
-              <a:rPr lang="en-US" dirty="0"/>
+              <a:rPr lang="en-US"/>
               <a:t>Text box (click to edit text)</a:t>
             </a:r>
           </a:p>
           <a:p>
             <a:pPr lvl="1"/>
             <a:r>
-              <a:rPr lang="en-US" dirty="0"/>
+              <a:rPr lang="en-US"/>
               <a:t>First level bullet</a:t>
             </a:r>
           </a:p>
           <a:p>
             <a:pPr lvl="2"/>
             <a:r>
-              <a:rPr lang="en-US" dirty="0"/>
+              <a:rPr lang="en-US"/>
               <a:t>Second level bullet</a:t>
             </a:r>
           </a:p>
@@ -10803,21 +10931,21 @@
           <a:p>
             <a:pPr lvl="0"/>
             <a:r>
-              <a:rPr lang="en-US" dirty="0"/>
+              <a:rPr lang="en-US"/>
               <a:t>Text box (click to edit text)</a:t>
             </a:r>
           </a:p>
           <a:p>
             <a:pPr lvl="1"/>
             <a:r>
-              <a:rPr lang="en-US" dirty="0"/>
+              <a:rPr lang="en-US"/>
               <a:t>First level bullet</a:t>
             </a:r>
           </a:p>
           <a:p>
             <a:pPr lvl="2"/>
             <a:r>
-              <a:rPr lang="en-US" dirty="0"/>
+              <a:rPr lang="en-US"/>
               <a:t>Second level bullet</a:t>
             </a:r>
           </a:p>
@@ -10946,14 +11074,14 @@
           <a:p>
             <a:pPr lvl="0"/>
             <a:r>
-              <a:rPr lang="en-US" dirty="0"/>
+              <a:rPr lang="en-US"/>
               <a:t>Click to edit subtitle</a:t>
             </a:r>
           </a:p>
           <a:p>
             <a:pPr lvl="0"/>
             <a:r>
-              <a:rPr lang="en-US" dirty="0"/>
+              <a:rPr lang="en-US"/>
               <a:t> (max two lines)</a:t>
             </a:r>
           </a:p>
@@ -11082,14 +11210,14 @@
           <a:p>
             <a:pPr lvl="0"/>
             <a:r>
-              <a:rPr lang="en-US" dirty="0"/>
+              <a:rPr lang="en-US"/>
               <a:t>Click to edit subtitle</a:t>
             </a:r>
           </a:p>
           <a:p>
             <a:pPr lvl="0"/>
             <a:r>
-              <a:rPr lang="en-US" dirty="0"/>
+              <a:rPr lang="en-US"/>
               <a:t> (max two lines)</a:t>
             </a:r>
           </a:p>
@@ -11135,17 +11263,17 @@
           </a:lstStyle>
           <a:p>
             <a:r>
-              <a:rPr lang="en-US" dirty="0"/>
+              <a:rPr lang="en-US"/>
               <a:t>Click to edit - Narrative title style </a:t>
             </a:r>
             <a:br>
-              <a:rPr lang="en-US" dirty="0"/>
+              <a:rPr lang="en-US"/>
             </a:br>
             <a:r>
-              <a:rPr lang="en-US" dirty="0"/>
+              <a:rPr lang="en-US"/>
               <a:t>(no more than two lines long)</a:t>
             </a:r>
-            <a:endParaRPr lang="en-US" sz="2800" dirty="0">
+            <a:endParaRPr lang="en-US" sz="2800">
               <a:solidFill>
                 <a:srgbClr val="005EB8"/>
               </a:solidFill>
@@ -11295,21 +11423,21 @@
           <a:p>
             <a:pPr lvl="0"/>
             <a:r>
-              <a:rPr lang="en-US" dirty="0"/>
+              <a:rPr lang="en-US"/>
               <a:t>Text box (click to edit text)</a:t>
             </a:r>
           </a:p>
           <a:p>
             <a:pPr lvl="1"/>
             <a:r>
-              <a:rPr lang="en-US" dirty="0"/>
+              <a:rPr lang="en-US"/>
               <a:t>First level bullet</a:t>
             </a:r>
           </a:p>
           <a:p>
             <a:pPr lvl="2"/>
             <a:r>
-              <a:rPr lang="en-US" dirty="0"/>
+              <a:rPr lang="en-US"/>
               <a:t>Second level bullet</a:t>
             </a:r>
           </a:p>
@@ -11438,14 +11566,14 @@
           <a:p>
             <a:pPr lvl="0"/>
             <a:r>
-              <a:rPr lang="en-US" dirty="0"/>
+              <a:rPr lang="en-US"/>
               <a:t>Click to edit subtitle</a:t>
             </a:r>
           </a:p>
           <a:p>
             <a:pPr lvl="0"/>
             <a:r>
-              <a:rPr lang="en-US" dirty="0"/>
+              <a:rPr lang="en-US"/>
               <a:t> (max two lines)</a:t>
             </a:r>
           </a:p>
@@ -11544,21 +11672,21 @@
           <a:p>
             <a:pPr lvl="0"/>
             <a:r>
-              <a:rPr lang="en-US" dirty="0"/>
+              <a:rPr lang="en-US"/>
               <a:t>Text box (click to edit text)</a:t>
             </a:r>
           </a:p>
           <a:p>
             <a:pPr lvl="1"/>
             <a:r>
-              <a:rPr lang="en-US" dirty="0"/>
+              <a:rPr lang="en-US"/>
               <a:t>First level bullet</a:t>
             </a:r>
           </a:p>
           <a:p>
             <a:pPr lvl="2"/>
             <a:r>
-              <a:rPr lang="en-US" dirty="0"/>
+              <a:rPr lang="en-US"/>
               <a:t>Second level bullet</a:t>
             </a:r>
           </a:p>
@@ -11687,14 +11815,14 @@
           <a:p>
             <a:pPr lvl="0"/>
             <a:r>
-              <a:rPr lang="en-US" dirty="0"/>
+              <a:rPr lang="en-US"/>
               <a:t>Click to edit subtitle</a:t>
             </a:r>
           </a:p>
           <a:p>
             <a:pPr lvl="0"/>
             <a:r>
-              <a:rPr lang="en-US" dirty="0"/>
+              <a:rPr lang="en-US"/>
               <a:t> (max two lines)</a:t>
             </a:r>
           </a:p>
@@ -11858,7 +11986,7 @@
               <a:rPr lang="en-GB"/>
               <a:t>PowerPoint Style Guide / Supporting Templates</a:t>
             </a:r>
-            <a:endParaRPr lang="en-US" dirty="0"/>
+            <a:endParaRPr lang="en-US"/>
           </a:p>
         </p:txBody>
       </p:sp>
@@ -11909,21 +12037,21 @@
           <a:p>
             <a:pPr lvl="0"/>
             <a:r>
-              <a:rPr lang="en-US" dirty="0"/>
+              <a:rPr lang="en-US"/>
               <a:t>Text box (click to edit content)</a:t>
             </a:r>
           </a:p>
           <a:p>
             <a:pPr lvl="1"/>
             <a:r>
-              <a:rPr lang="en-US" dirty="0"/>
+              <a:rPr lang="en-US"/>
               <a:t>First level bullet</a:t>
             </a:r>
           </a:p>
           <a:p>
             <a:pPr lvl="2"/>
             <a:r>
-              <a:rPr lang="en-US" dirty="0"/>
+              <a:rPr lang="en-US"/>
               <a:t>Second level bullet</a:t>
             </a:r>
           </a:p>
@@ -12058,7 +12186,7 @@
           <a:p>
             <a:pPr lvl="0"/>
             <a:r>
-              <a:rPr lang="en-US" dirty="0"/>
+              <a:rPr lang="en-US"/>
               <a:t>Click to edit Box 1</a:t>
             </a:r>
           </a:p>
@@ -12111,21 +12239,21 @@
           <a:p>
             <a:pPr lvl="0"/>
             <a:r>
-              <a:rPr lang="en-US" dirty="0"/>
+              <a:rPr lang="en-US"/>
               <a:t>Text box (click to edit content)</a:t>
             </a:r>
           </a:p>
           <a:p>
             <a:pPr lvl="1"/>
             <a:r>
-              <a:rPr lang="en-US" dirty="0"/>
+              <a:rPr lang="en-US"/>
               <a:t>First level bullet</a:t>
             </a:r>
           </a:p>
           <a:p>
             <a:pPr lvl="2"/>
             <a:r>
-              <a:rPr lang="en-US" dirty="0"/>
+              <a:rPr lang="en-US"/>
               <a:t>Second level bullet</a:t>
             </a:r>
           </a:p>
@@ -12257,7 +12385,7 @@
           <a:p>
             <a:pPr lvl="0"/>
             <a:r>
-              <a:rPr lang="en-US" dirty="0"/>
+              <a:rPr lang="en-US"/>
               <a:t>Click to edit Box 2</a:t>
             </a:r>
           </a:p>
@@ -12303,17 +12431,17 @@
           </a:lstStyle>
           <a:p>
             <a:r>
-              <a:rPr lang="en-US" dirty="0"/>
+              <a:rPr lang="en-US"/>
               <a:t>Click to edit - Narrative title style </a:t>
             </a:r>
             <a:br>
-              <a:rPr lang="en-US" dirty="0"/>
+              <a:rPr lang="en-US"/>
             </a:br>
             <a:r>
-              <a:rPr lang="en-US" dirty="0"/>
+              <a:rPr lang="en-US"/>
               <a:t>(no more than two lines long)</a:t>
             </a:r>
-            <a:endParaRPr lang="en-US" sz="2800" dirty="0">
+            <a:endParaRPr lang="en-US" sz="2800">
               <a:solidFill>
                 <a:srgbClr val="005EB8"/>
               </a:solidFill>
@@ -12420,7 +12548,7 @@
               <a:rPr lang="en-GB"/>
               <a:t>PowerPoint Style Guide / Supporting Templates</a:t>
             </a:r>
-            <a:endParaRPr lang="en-US" dirty="0"/>
+            <a:endParaRPr lang="en-US"/>
           </a:p>
         </p:txBody>
       </p:sp>
@@ -12471,21 +12599,21 @@
           <a:p>
             <a:pPr lvl="0"/>
             <a:r>
-              <a:rPr lang="en-US" dirty="0"/>
+              <a:rPr lang="en-US"/>
               <a:t>Text box (click to edit content)</a:t>
             </a:r>
           </a:p>
           <a:p>
             <a:pPr lvl="1"/>
             <a:r>
-              <a:rPr lang="en-US" dirty="0"/>
+              <a:rPr lang="en-US"/>
               <a:t>First level bullet</a:t>
             </a:r>
           </a:p>
           <a:p>
             <a:pPr lvl="2"/>
             <a:r>
-              <a:rPr lang="en-US" dirty="0"/>
+              <a:rPr lang="en-US"/>
               <a:t>Second level bullet</a:t>
             </a:r>
           </a:p>
@@ -12620,7 +12748,7 @@
           <a:p>
             <a:pPr lvl="0"/>
             <a:r>
-              <a:rPr lang="en-US" dirty="0"/>
+              <a:rPr lang="en-US"/>
               <a:t>Click to edit Box 1</a:t>
             </a:r>
           </a:p>
@@ -12673,21 +12801,21 @@
           <a:p>
             <a:pPr lvl="0"/>
             <a:r>
-              <a:rPr lang="en-US" dirty="0"/>
+              <a:rPr lang="en-US"/>
               <a:t>Text box (click to edit content)</a:t>
             </a:r>
           </a:p>
           <a:p>
             <a:pPr lvl="1"/>
             <a:r>
-              <a:rPr lang="en-US" dirty="0"/>
+              <a:rPr lang="en-US"/>
               <a:t>First level bullet</a:t>
             </a:r>
           </a:p>
           <a:p>
             <a:pPr lvl="2"/>
             <a:r>
-              <a:rPr lang="en-US" dirty="0"/>
+              <a:rPr lang="en-US"/>
               <a:t>Second level bullet</a:t>
             </a:r>
           </a:p>
@@ -12819,7 +12947,7 @@
           <a:p>
             <a:pPr lvl="0"/>
             <a:r>
-              <a:rPr lang="en-US" dirty="0"/>
+              <a:rPr lang="en-US"/>
               <a:t>Click to edit Box 2</a:t>
             </a:r>
           </a:p>
@@ -12872,21 +13000,21 @@
           <a:p>
             <a:pPr lvl="0"/>
             <a:r>
-              <a:rPr lang="en-US" dirty="0"/>
+              <a:rPr lang="en-US"/>
               <a:t>Text box (click to edit content)</a:t>
             </a:r>
           </a:p>
           <a:p>
             <a:pPr lvl="1"/>
             <a:r>
-              <a:rPr lang="en-US" dirty="0"/>
+              <a:rPr lang="en-US"/>
               <a:t>First level bullet</a:t>
             </a:r>
           </a:p>
           <a:p>
             <a:pPr lvl="2"/>
             <a:r>
-              <a:rPr lang="en-US" dirty="0"/>
+              <a:rPr lang="en-US"/>
               <a:t>Second level bullet</a:t>
             </a:r>
           </a:p>
@@ -13018,7 +13146,7 @@
           <a:p>
             <a:pPr lvl="0"/>
             <a:r>
-              <a:rPr lang="en-US" dirty="0"/>
+              <a:rPr lang="en-US"/>
               <a:t>Click to edit Box 3</a:t>
             </a:r>
           </a:p>
@@ -13064,17 +13192,17 @@
           </a:lstStyle>
           <a:p>
             <a:r>
-              <a:rPr lang="en-US" dirty="0"/>
+              <a:rPr lang="en-US"/>
               <a:t>Click to edit - Narrative title style </a:t>
             </a:r>
             <a:br>
-              <a:rPr lang="en-US" dirty="0"/>
+              <a:rPr lang="en-US"/>
             </a:br>
             <a:r>
-              <a:rPr lang="en-US" dirty="0"/>
+              <a:rPr lang="en-US"/>
               <a:t>(no more than two lines long)</a:t>
             </a:r>
-            <a:endParaRPr lang="en-US" sz="2800" dirty="0">
+            <a:endParaRPr lang="en-US" sz="2800">
               <a:solidFill>
                 <a:srgbClr val="005EB8"/>
               </a:solidFill>
@@ -13199,7 +13327,7 @@
               <a:t>‹#›</a:t>
             </a:fld>
             <a:r>
-              <a:rPr lang="en-US" sz="1200" dirty="0">
+              <a:rPr lang="en-US" sz="1200">
                 <a:solidFill>
                   <a:schemeClr val="accent3">
                     <a:lumMod val="60000"/>
@@ -13212,7 +13340,7 @@
               <a:t> </a:t>
             </a:r>
             <a:r>
-              <a:rPr lang="en-US" sz="1200" dirty="0">
+              <a:rPr lang="en-US" sz="1200">
                 <a:solidFill>
                   <a:schemeClr val="accent3"/>
                 </a:solidFill>
@@ -13222,7 +13350,7 @@
               <a:t> </a:t>
             </a:r>
             <a:r>
-              <a:rPr lang="en-US" sz="1200" dirty="0">
+              <a:rPr lang="en-US" sz="1200">
                 <a:solidFill>
                   <a:srgbClr val="005EB8"/>
                 </a:solidFill>
@@ -13275,7 +13403,7 @@
               <a:rPr lang="en-GB"/>
               <a:t>PowerPoint Style Guide / Supporting Templates</a:t>
             </a:r>
-            <a:endParaRPr lang="en-US" dirty="0"/>
+            <a:endParaRPr lang="en-US"/>
           </a:p>
         </p:txBody>
       </p:sp>
@@ -13625,13 +13753,8 @@
           <a:p>
             <a:r>
               <a:rPr lang="en-GB" dirty="0"/>
-              <a:t>Introduction to GitHub and </a:t>
-            </a:r>
-            <a:r>
-              <a:rPr lang="en-GB" dirty="0" err="1"/>
-              <a:t>GitBash</a:t>
-            </a:r>
-            <a:endParaRPr lang="en-GB" dirty="0"/>
+              <a:t>An Introduction to GitHub</a:t>
+            </a:r>
           </a:p>
         </p:txBody>
       </p:sp>
@@ -13657,58 +13780,11 @@
           <a:p>
             <a:r>
               <a:rPr lang="en-GB" dirty="0"/>
-              <a:t>September 2022</a:t>
-            </a:r>
-          </a:p>
-        </p:txBody>
-      </p:sp>
-      <p:pic>
-        <p:nvPicPr>
-          <p:cNvPr id="4" name="Picture 2" descr="See the source image">
-            <a:extLst>
-              <a:ext uri="{FF2B5EF4-FFF2-40B4-BE49-F238E27FC236}">
-                <a16:creationId xmlns:a16="http://schemas.microsoft.com/office/drawing/2014/main" id="{D231037C-42C1-4B27-9A81-C457211D9005}"/>
-              </a:ext>
-            </a:extLst>
-          </p:cNvPr>
-          <p:cNvPicPr>
-            <a:picLocks noChangeAspect="1" noChangeArrowheads="1"/>
-          </p:cNvPicPr>
-          <p:nvPr/>
-        </p:nvPicPr>
-        <p:blipFill>
-          <a:blip r:embed="rId2">
-            <a:extLst>
-              <a:ext uri="{28A0092B-C50C-407E-A947-70E740481C1C}">
-                <a14:useLocalDpi xmlns:a14="http://schemas.microsoft.com/office/drawing/2010/main" val="0"/>
-              </a:ext>
-            </a:extLst>
-          </a:blip>
-          <a:srcRect/>
-          <a:stretch>
-            <a:fillRect/>
-          </a:stretch>
-        </p:blipFill>
-        <p:spPr bwMode="auto">
-          <a:xfrm>
-            <a:off x="7338694" y="5450056"/>
-            <a:ext cx="1382318" cy="1248508"/>
-          </a:xfrm>
-          <a:prstGeom prst="rect">
-            <a:avLst/>
-          </a:prstGeom>
-          <a:noFill/>
-          <a:extLst>
-            <a:ext uri="{909E8E84-426E-40DD-AFC4-6F175D3DCCD1}">
-              <a14:hiddenFill xmlns:a14="http://schemas.microsoft.com/office/drawing/2010/main">
-                <a:solidFill>
-                  <a:srgbClr val="FFFFFF"/>
-                </a:solidFill>
-              </a14:hiddenFill>
-            </a:ext>
-          </a:extLst>
-        </p:spPr>
-      </p:pic>
+              <a:t>October 2022</a:t>
+            </a:r>
+          </a:p>
+        </p:txBody>
+      </p:sp>
     </p:spTree>
     <p:extLst>
       <p:ext uri="{BB962C8B-B14F-4D97-AF65-F5344CB8AC3E}">
@@ -13808,14 +13884,14 @@
           <a:lstStyle/>
           <a:p>
             <a:r>
-              <a:rPr lang="en-GB" dirty="0"/>
+              <a:rPr lang="en-GB"/>
               <a:t>Introduction to GitHub and </a:t>
             </a:r>
             <a:r>
-              <a:rPr lang="en-GB" dirty="0" err="1"/>
+              <a:rPr lang="en-GB" err="1"/>
               <a:t>GitBash</a:t>
             </a:r>
-            <a:endParaRPr lang="en-US" dirty="0"/>
+            <a:endParaRPr lang="en-US"/>
           </a:p>
         </p:txBody>
       </p:sp>
@@ -13841,8 +13917,8 @@
           <a:lstStyle/>
           <a:p>
             <a:r>
-              <a:rPr lang="en-GB" dirty="0"/>
-              <a:t>Visual Run: Merging</a:t>
+              <a:rPr lang="en-GB"/>
+              <a:t>Visual Run: Creating Branches</a:t>
             </a:r>
           </a:p>
         </p:txBody>
@@ -13852,7 +13928,7 @@
           <p:cNvPr id="6" name="Picture 5">
             <a:extLst>
               <a:ext uri="{FF2B5EF4-FFF2-40B4-BE49-F238E27FC236}">
-                <a16:creationId xmlns:a16="http://schemas.microsoft.com/office/drawing/2014/main" id="{DBE53EF4-840C-4E23-8D94-BF61F379F76F}"/>
+                <a16:creationId xmlns:a16="http://schemas.microsoft.com/office/drawing/2014/main" id="{F7EA2DAB-6838-47F9-8C37-D66B5970B4A0}"/>
               </a:ext>
             </a:extLst>
           </p:cNvPr>
@@ -13869,8 +13945,8 @@
         </p:blipFill>
         <p:spPr>
           <a:xfrm>
-            <a:off x="188976" y="895847"/>
-            <a:ext cx="5367762" cy="1486214"/>
+            <a:off x="188976" y="1050282"/>
+            <a:ext cx="6449325" cy="466790"/>
           </a:xfrm>
           <a:prstGeom prst="rect">
             <a:avLst/>
@@ -13882,7 +13958,7 @@
           <p:cNvPr id="8" name="Picture 7">
             <a:extLst>
               <a:ext uri="{FF2B5EF4-FFF2-40B4-BE49-F238E27FC236}">
-                <a16:creationId xmlns:a16="http://schemas.microsoft.com/office/drawing/2014/main" id="{80FE9F44-3D43-40A0-9AE4-6CB37A5E9D04}"/>
+                <a16:creationId xmlns:a16="http://schemas.microsoft.com/office/drawing/2014/main" id="{2B786FDD-9868-44C0-A890-CA9AFF167533}"/>
               </a:ext>
             </a:extLst>
           </p:cNvPr>
@@ -13899,8 +13975,8 @@
         </p:blipFill>
         <p:spPr>
           <a:xfrm>
-            <a:off x="188976" y="2473180"/>
-            <a:ext cx="6725589" cy="1057423"/>
+            <a:off x="188976" y="1626204"/>
+            <a:ext cx="2174485" cy="1983971"/>
           </a:xfrm>
           <a:prstGeom prst="rect">
             <a:avLst/>
@@ -13912,7 +13988,7 @@
           <p:cNvPr id="10" name="Picture 9">
             <a:extLst>
               <a:ext uri="{FF2B5EF4-FFF2-40B4-BE49-F238E27FC236}">
-                <a16:creationId xmlns:a16="http://schemas.microsoft.com/office/drawing/2014/main" id="{8242E240-15FF-4F22-945B-A5AE1D2C8FCA}"/>
+                <a16:creationId xmlns:a16="http://schemas.microsoft.com/office/drawing/2014/main" id="{EA2BE417-1870-4DEC-B25E-857EC7903C7D}"/>
               </a:ext>
             </a:extLst>
           </p:cNvPr>
@@ -13921,97 +13997,38 @@
           </p:cNvPicPr>
           <p:nvPr/>
         </p:nvPicPr>
-        <p:blipFill rotWithShape="1">
+        <p:blipFill>
           <a:blip r:embed="rId6"/>
-          <a:srcRect l="10753"/>
-          <a:stretch/>
+          <a:stretch>
+            <a:fillRect/>
+          </a:stretch>
         </p:blipFill>
         <p:spPr>
           <a:xfrm>
-            <a:off x="7155720" y="1769155"/>
-            <a:ext cx="1748265" cy="1761448"/>
+            <a:off x="188976" y="3719307"/>
+            <a:ext cx="6449325" cy="2400635"/>
           </a:xfrm>
           <a:prstGeom prst="rect">
             <a:avLst/>
           </a:prstGeom>
         </p:spPr>
       </p:pic>
-      <p:pic>
-        <p:nvPicPr>
-          <p:cNvPr id="12" name="Picture 11">
-            <a:extLst>
-              <a:ext uri="{FF2B5EF4-FFF2-40B4-BE49-F238E27FC236}">
-                <a16:creationId xmlns:a16="http://schemas.microsoft.com/office/drawing/2014/main" id="{8CA1AB38-A54D-45E5-9AD0-89E475317D64}"/>
-              </a:ext>
-            </a:extLst>
-          </p:cNvPr>
-          <p:cNvPicPr>
-            <a:picLocks noChangeAspect="1"/>
-          </p:cNvPicPr>
+      <p:sp>
+        <p:nvSpPr>
+          <p:cNvPr id="9" name="TextBox 8">
+            <a:extLst>
+              <a:ext uri="{FF2B5EF4-FFF2-40B4-BE49-F238E27FC236}">
+                <a16:creationId xmlns:a16="http://schemas.microsoft.com/office/drawing/2014/main" id="{EB6E1195-F03C-4D26-B8CC-E97C1D419112}"/>
+              </a:ext>
+            </a:extLst>
+          </p:cNvPr>
+          <p:cNvSpPr txBox="1"/>
           <p:nvPr/>
-        </p:nvPicPr>
-        <p:blipFill>
-          <a:blip r:embed="rId7"/>
-          <a:stretch>
-            <a:fillRect/>
-          </a:stretch>
-        </p:blipFill>
+        </p:nvSpPr>
         <p:spPr>
           <a:xfrm>
-            <a:off x="188976" y="4164002"/>
-            <a:ext cx="6287377" cy="1286054"/>
-          </a:xfrm>
-          <a:prstGeom prst="rect">
-            <a:avLst/>
-          </a:prstGeom>
-        </p:spPr>
-      </p:pic>
-      <p:pic>
-        <p:nvPicPr>
-          <p:cNvPr id="14" name="Picture 13">
-            <a:extLst>
-              <a:ext uri="{FF2B5EF4-FFF2-40B4-BE49-F238E27FC236}">
-                <a16:creationId xmlns:a16="http://schemas.microsoft.com/office/drawing/2014/main" id="{A7BDB5D9-522C-4260-BD5D-777725357662}"/>
-              </a:ext>
-            </a:extLst>
-          </p:cNvPr>
-          <p:cNvPicPr>
-            <a:picLocks noChangeAspect="1"/>
-          </p:cNvPicPr>
-          <p:nvPr/>
-        </p:nvPicPr>
-        <p:blipFill>
-          <a:blip r:embed="rId8"/>
-          <a:stretch>
-            <a:fillRect/>
-          </a:stretch>
-        </p:blipFill>
-        <p:spPr>
-          <a:xfrm>
-            <a:off x="6756031" y="4164002"/>
-            <a:ext cx="1807992" cy="1286054"/>
-          </a:xfrm>
-          <a:prstGeom prst="rect">
-            <a:avLst/>
-          </a:prstGeom>
-        </p:spPr>
-      </p:pic>
-      <p:sp>
-        <p:nvSpPr>
-          <p:cNvPr id="11" name="TextBox 10">
-            <a:extLst>
-              <a:ext uri="{FF2B5EF4-FFF2-40B4-BE49-F238E27FC236}">
-                <a16:creationId xmlns:a16="http://schemas.microsoft.com/office/drawing/2014/main" id="{36068B4A-281B-4488-A6D2-72F1B78F61D8}"/>
-              </a:ext>
-            </a:extLst>
-          </p:cNvPr>
-          <p:cNvSpPr txBox="1"/>
-          <p:nvPr/>
-        </p:nvSpPr>
-        <p:spPr>
-          <a:xfrm>
-            <a:off x="5703073" y="1377344"/>
-            <a:ext cx="2605658" cy="307777"/>
+            <a:off x="6638301" y="1036561"/>
+            <a:ext cx="2422984" cy="523220"/>
           </a:xfrm>
           <a:prstGeom prst="rect">
             <a:avLst/>
@@ -14025,18 +14042,18 @@
           <a:lstStyle/>
           <a:p>
             <a:r>
-              <a:rPr lang="en-GB" sz="1400" dirty="0"/>
-              <a:t>11. Check log to see commits</a:t>
-            </a:r>
-          </a:p>
-        </p:txBody>
-      </p:sp>
-      <p:sp>
-        <p:nvSpPr>
-          <p:cNvPr id="13" name="TextBox 12">
-            <a:extLst>
-              <a:ext uri="{FF2B5EF4-FFF2-40B4-BE49-F238E27FC236}">
-                <a16:creationId xmlns:a16="http://schemas.microsoft.com/office/drawing/2014/main" id="{13320283-3E53-451B-A752-D810B23061FC}"/>
+              <a:rPr lang="en-GB" sz="1400"/>
+              <a:t>8. Create and move to new branch</a:t>
+            </a:r>
+          </a:p>
+        </p:txBody>
+      </p:sp>
+      <p:sp>
+        <p:nvSpPr>
+          <p:cNvPr id="11" name="TextBox 10">
+            <a:extLst>
+              <a:ext uri="{FF2B5EF4-FFF2-40B4-BE49-F238E27FC236}">
+                <a16:creationId xmlns:a16="http://schemas.microsoft.com/office/drawing/2014/main" id="{32F1990D-C26F-4050-957A-3FF8640573A8}"/>
               </a:ext>
             </a:extLst>
           </p:cNvPr>
@@ -14045,8 +14062,8 @@
         </p:nvSpPr>
         <p:spPr>
           <a:xfrm>
-            <a:off x="188976" y="3585692"/>
-            <a:ext cx="5024862" cy="307777"/>
+            <a:off x="3168269" y="2356579"/>
+            <a:ext cx="3587761" cy="307777"/>
           </a:xfrm>
           <a:prstGeom prst="rect">
             <a:avLst/>
@@ -14060,18 +14077,18 @@
           <a:lstStyle/>
           <a:p>
             <a:r>
-              <a:rPr lang="en-GB" sz="1400" dirty="0"/>
-              <a:t>12. Move back to Master branch, see that the file is ‘as was’</a:t>
-            </a:r>
-          </a:p>
-        </p:txBody>
-      </p:sp>
-      <p:sp>
-        <p:nvSpPr>
-          <p:cNvPr id="15" name="TextBox 14">
-            <a:extLst>
-              <a:ext uri="{FF2B5EF4-FFF2-40B4-BE49-F238E27FC236}">
-                <a16:creationId xmlns:a16="http://schemas.microsoft.com/office/drawing/2014/main" id="{1EE50938-7D05-41BA-A1DE-BA048FF2DC34}"/>
+              <a:rPr lang="en-GB" sz="1400"/>
+              <a:t>9. Edit file within the new branch and save</a:t>
+            </a:r>
+          </a:p>
+        </p:txBody>
+      </p:sp>
+      <p:sp>
+        <p:nvSpPr>
+          <p:cNvPr id="12" name="TextBox 11">
+            <a:extLst>
+              <a:ext uri="{FF2B5EF4-FFF2-40B4-BE49-F238E27FC236}">
+                <a16:creationId xmlns:a16="http://schemas.microsoft.com/office/drawing/2014/main" id="{10CE4C5C-EDFB-4AC2-909C-75EF358030A5}"/>
               </a:ext>
             </a:extLst>
           </p:cNvPr>
@@ -14080,8 +14097,8 @@
         </p:nvSpPr>
         <p:spPr>
           <a:xfrm>
-            <a:off x="188975" y="5566700"/>
-            <a:ext cx="6287377" cy="523220"/>
+            <a:off x="6638301" y="4660971"/>
+            <a:ext cx="2422984" cy="738664"/>
           </a:xfrm>
           <a:prstGeom prst="rect">
             <a:avLst/>
@@ -14095,16 +14112,8 @@
           <a:lstStyle/>
           <a:p>
             <a:r>
-              <a:rPr lang="en-GB" sz="1400" dirty="0"/>
-              <a:t>13. Merge Master with </a:t>
-            </a:r>
-            <a:r>
-              <a:rPr lang="en-GB" sz="1400" dirty="0" err="1"/>
-              <a:t>edit_branch</a:t>
-            </a:r>
-            <a:r>
-              <a:rPr lang="en-GB" sz="1400" dirty="0"/>
-              <a:t>, updating the initial file with the changes on-branch</a:t>
+              <a:rPr lang="en-GB" sz="1400"/>
+              <a:t>10. Check status, add changes and commit with message</a:t>
             </a:r>
           </a:p>
         </p:txBody>
@@ -14112,7 +14121,7 @@
     </p:spTree>
     <p:extLst>
       <p:ext uri="{BB962C8B-B14F-4D97-AF65-F5344CB8AC3E}">
-        <p14:creationId xmlns:p14="http://schemas.microsoft.com/office/powerpoint/2010/main" val="3536564236"/>
+        <p14:creationId xmlns:p14="http://schemas.microsoft.com/office/powerpoint/2010/main" val="98407624"/>
       </p:ext>
     </p:extLst>
   </p:cSld>
@@ -14208,14 +14217,14 @@
           <a:lstStyle/>
           <a:p>
             <a:r>
-              <a:rPr lang="en-GB" dirty="0"/>
+              <a:rPr lang="en-GB"/>
               <a:t>Introduction to GitHub and </a:t>
             </a:r>
             <a:r>
-              <a:rPr lang="en-GB" dirty="0" err="1"/>
+              <a:rPr lang="en-GB" err="1"/>
               <a:t>GitBash</a:t>
             </a:r>
-            <a:endParaRPr lang="en-US" dirty="0"/>
+            <a:endParaRPr lang="en-US"/>
           </a:p>
         </p:txBody>
       </p:sp>
@@ -14241,7 +14250,407 @@
           <a:lstStyle/>
           <a:p>
             <a:r>
-              <a:rPr lang="en-GB" dirty="0"/>
+              <a:rPr lang="en-GB"/>
+              <a:t>Visual Run: Merging</a:t>
+            </a:r>
+          </a:p>
+        </p:txBody>
+      </p:sp>
+      <p:pic>
+        <p:nvPicPr>
+          <p:cNvPr id="6" name="Picture 5">
+            <a:extLst>
+              <a:ext uri="{FF2B5EF4-FFF2-40B4-BE49-F238E27FC236}">
+                <a16:creationId xmlns:a16="http://schemas.microsoft.com/office/drawing/2014/main" id="{DBE53EF4-840C-4E23-8D94-BF61F379F76F}"/>
+              </a:ext>
+            </a:extLst>
+          </p:cNvPr>
+          <p:cNvPicPr>
+            <a:picLocks noChangeAspect="1"/>
+          </p:cNvPicPr>
+          <p:nvPr/>
+        </p:nvPicPr>
+        <p:blipFill>
+          <a:blip r:embed="rId4"/>
+          <a:stretch>
+            <a:fillRect/>
+          </a:stretch>
+        </p:blipFill>
+        <p:spPr>
+          <a:xfrm>
+            <a:off x="188976" y="895847"/>
+            <a:ext cx="5367762" cy="1486214"/>
+          </a:xfrm>
+          <a:prstGeom prst="rect">
+            <a:avLst/>
+          </a:prstGeom>
+        </p:spPr>
+      </p:pic>
+      <p:pic>
+        <p:nvPicPr>
+          <p:cNvPr id="8" name="Picture 7">
+            <a:extLst>
+              <a:ext uri="{FF2B5EF4-FFF2-40B4-BE49-F238E27FC236}">
+                <a16:creationId xmlns:a16="http://schemas.microsoft.com/office/drawing/2014/main" id="{80FE9F44-3D43-40A0-9AE4-6CB37A5E9D04}"/>
+              </a:ext>
+            </a:extLst>
+          </p:cNvPr>
+          <p:cNvPicPr>
+            <a:picLocks noChangeAspect="1"/>
+          </p:cNvPicPr>
+          <p:nvPr/>
+        </p:nvPicPr>
+        <p:blipFill>
+          <a:blip r:embed="rId5"/>
+          <a:stretch>
+            <a:fillRect/>
+          </a:stretch>
+        </p:blipFill>
+        <p:spPr>
+          <a:xfrm>
+            <a:off x="188976" y="2473180"/>
+            <a:ext cx="6725589" cy="1057423"/>
+          </a:xfrm>
+          <a:prstGeom prst="rect">
+            <a:avLst/>
+          </a:prstGeom>
+        </p:spPr>
+      </p:pic>
+      <p:pic>
+        <p:nvPicPr>
+          <p:cNvPr id="10" name="Picture 9">
+            <a:extLst>
+              <a:ext uri="{FF2B5EF4-FFF2-40B4-BE49-F238E27FC236}">
+                <a16:creationId xmlns:a16="http://schemas.microsoft.com/office/drawing/2014/main" id="{8242E240-15FF-4F22-945B-A5AE1D2C8FCA}"/>
+              </a:ext>
+            </a:extLst>
+          </p:cNvPr>
+          <p:cNvPicPr>
+            <a:picLocks noChangeAspect="1"/>
+          </p:cNvPicPr>
+          <p:nvPr/>
+        </p:nvPicPr>
+        <p:blipFill rotWithShape="1">
+          <a:blip r:embed="rId6"/>
+          <a:srcRect l="10753"/>
+          <a:stretch/>
+        </p:blipFill>
+        <p:spPr>
+          <a:xfrm>
+            <a:off x="7155720" y="1769155"/>
+            <a:ext cx="1748265" cy="1761448"/>
+          </a:xfrm>
+          <a:prstGeom prst="rect">
+            <a:avLst/>
+          </a:prstGeom>
+        </p:spPr>
+      </p:pic>
+      <p:pic>
+        <p:nvPicPr>
+          <p:cNvPr id="12" name="Picture 11">
+            <a:extLst>
+              <a:ext uri="{FF2B5EF4-FFF2-40B4-BE49-F238E27FC236}">
+                <a16:creationId xmlns:a16="http://schemas.microsoft.com/office/drawing/2014/main" id="{8CA1AB38-A54D-45E5-9AD0-89E475317D64}"/>
+              </a:ext>
+            </a:extLst>
+          </p:cNvPr>
+          <p:cNvPicPr>
+            <a:picLocks noChangeAspect="1"/>
+          </p:cNvPicPr>
+          <p:nvPr/>
+        </p:nvPicPr>
+        <p:blipFill>
+          <a:blip r:embed="rId7"/>
+          <a:stretch>
+            <a:fillRect/>
+          </a:stretch>
+        </p:blipFill>
+        <p:spPr>
+          <a:xfrm>
+            <a:off x="188976" y="4164002"/>
+            <a:ext cx="6287377" cy="1286054"/>
+          </a:xfrm>
+          <a:prstGeom prst="rect">
+            <a:avLst/>
+          </a:prstGeom>
+        </p:spPr>
+      </p:pic>
+      <p:pic>
+        <p:nvPicPr>
+          <p:cNvPr id="14" name="Picture 13">
+            <a:extLst>
+              <a:ext uri="{FF2B5EF4-FFF2-40B4-BE49-F238E27FC236}">
+                <a16:creationId xmlns:a16="http://schemas.microsoft.com/office/drawing/2014/main" id="{A7BDB5D9-522C-4260-BD5D-777725357662}"/>
+              </a:ext>
+            </a:extLst>
+          </p:cNvPr>
+          <p:cNvPicPr>
+            <a:picLocks noChangeAspect="1"/>
+          </p:cNvPicPr>
+          <p:nvPr/>
+        </p:nvPicPr>
+        <p:blipFill>
+          <a:blip r:embed="rId8"/>
+          <a:stretch>
+            <a:fillRect/>
+          </a:stretch>
+        </p:blipFill>
+        <p:spPr>
+          <a:xfrm>
+            <a:off x="6756031" y="4164002"/>
+            <a:ext cx="1807992" cy="1286054"/>
+          </a:xfrm>
+          <a:prstGeom prst="rect">
+            <a:avLst/>
+          </a:prstGeom>
+        </p:spPr>
+      </p:pic>
+      <p:sp>
+        <p:nvSpPr>
+          <p:cNvPr id="11" name="TextBox 10">
+            <a:extLst>
+              <a:ext uri="{FF2B5EF4-FFF2-40B4-BE49-F238E27FC236}">
+                <a16:creationId xmlns:a16="http://schemas.microsoft.com/office/drawing/2014/main" id="{36068B4A-281B-4488-A6D2-72F1B78F61D8}"/>
+              </a:ext>
+            </a:extLst>
+          </p:cNvPr>
+          <p:cNvSpPr txBox="1"/>
+          <p:nvPr/>
+        </p:nvSpPr>
+        <p:spPr>
+          <a:xfrm>
+            <a:off x="5703073" y="1377344"/>
+            <a:ext cx="2605658" cy="307777"/>
+          </a:xfrm>
+          <a:prstGeom prst="rect">
+            <a:avLst/>
+          </a:prstGeom>
+          <a:noFill/>
+        </p:spPr>
+        <p:txBody>
+          <a:bodyPr wrap="square" rtlCol="0">
+            <a:spAutoFit/>
+          </a:bodyPr>
+          <a:lstStyle/>
+          <a:p>
+            <a:r>
+              <a:rPr lang="en-GB" sz="1400"/>
+              <a:t>11. Check log to see commits</a:t>
+            </a:r>
+          </a:p>
+        </p:txBody>
+      </p:sp>
+      <p:sp>
+        <p:nvSpPr>
+          <p:cNvPr id="13" name="TextBox 12">
+            <a:extLst>
+              <a:ext uri="{FF2B5EF4-FFF2-40B4-BE49-F238E27FC236}">
+                <a16:creationId xmlns:a16="http://schemas.microsoft.com/office/drawing/2014/main" id="{13320283-3E53-451B-A752-D810B23061FC}"/>
+              </a:ext>
+            </a:extLst>
+          </p:cNvPr>
+          <p:cNvSpPr txBox="1"/>
+          <p:nvPr/>
+        </p:nvSpPr>
+        <p:spPr>
+          <a:xfrm>
+            <a:off x="188976" y="3585692"/>
+            <a:ext cx="5024862" cy="307777"/>
+          </a:xfrm>
+          <a:prstGeom prst="rect">
+            <a:avLst/>
+          </a:prstGeom>
+          <a:noFill/>
+        </p:spPr>
+        <p:txBody>
+          <a:bodyPr wrap="square" rtlCol="0">
+            <a:spAutoFit/>
+          </a:bodyPr>
+          <a:lstStyle/>
+          <a:p>
+            <a:r>
+              <a:rPr lang="en-GB" sz="1400"/>
+              <a:t>12. Move back to Master branch, see that the file is ‘as was’</a:t>
+            </a:r>
+          </a:p>
+        </p:txBody>
+      </p:sp>
+      <p:sp>
+        <p:nvSpPr>
+          <p:cNvPr id="15" name="TextBox 14">
+            <a:extLst>
+              <a:ext uri="{FF2B5EF4-FFF2-40B4-BE49-F238E27FC236}">
+                <a16:creationId xmlns:a16="http://schemas.microsoft.com/office/drawing/2014/main" id="{1EE50938-7D05-41BA-A1DE-BA048FF2DC34}"/>
+              </a:ext>
+            </a:extLst>
+          </p:cNvPr>
+          <p:cNvSpPr txBox="1"/>
+          <p:nvPr/>
+        </p:nvSpPr>
+        <p:spPr>
+          <a:xfrm>
+            <a:off x="188975" y="5566700"/>
+            <a:ext cx="6287377" cy="523220"/>
+          </a:xfrm>
+          <a:prstGeom prst="rect">
+            <a:avLst/>
+          </a:prstGeom>
+          <a:noFill/>
+        </p:spPr>
+        <p:txBody>
+          <a:bodyPr wrap="square" rtlCol="0">
+            <a:spAutoFit/>
+          </a:bodyPr>
+          <a:lstStyle/>
+          <a:p>
+            <a:r>
+              <a:rPr lang="en-GB" sz="1400"/>
+              <a:t>13. Merge Master with </a:t>
+            </a:r>
+            <a:r>
+              <a:rPr lang="en-GB" sz="1400" err="1"/>
+              <a:t>edit_branch</a:t>
+            </a:r>
+            <a:r>
+              <a:rPr lang="en-GB" sz="1400"/>
+              <a:t>, updating the initial file with the changes on-branch</a:t>
+            </a:r>
+          </a:p>
+        </p:txBody>
+      </p:sp>
+    </p:spTree>
+    <p:extLst>
+      <p:ext uri="{BB962C8B-B14F-4D97-AF65-F5344CB8AC3E}">
+        <p14:creationId xmlns:p14="http://schemas.microsoft.com/office/powerpoint/2010/main" val="3536564236"/>
+      </p:ext>
+    </p:extLst>
+  </p:cSld>
+  <p:clrMapOvr>
+    <a:masterClrMapping/>
+  </p:clrMapOvr>
+</p:sld>
+</file>
+
+<file path=ppt/slides/slide12.xml><?xml version="1.0" encoding="utf-8"?>
+<p:sld xmlns:a="http://schemas.openxmlformats.org/drawingml/2006/main" xmlns:r="http://schemas.openxmlformats.org/officeDocument/2006/relationships" xmlns:p="http://schemas.openxmlformats.org/presentationml/2006/main">
+  <p:cSld>
+    <p:spTree>
+      <p:nvGrpSpPr>
+        <p:cNvPr id="1" name=""/>
+        <p:cNvGrpSpPr/>
+        <p:nvPr/>
+      </p:nvGrpSpPr>
+      <p:grpSpPr>
+        <a:xfrm>
+          <a:off x="0" y="0"/>
+          <a:ext cx="0" cy="0"/>
+          <a:chOff x="0" y="0"/>
+          <a:chExt cx="0" cy="0"/>
+        </a:xfrm>
+      </p:grpSpPr>
+      <p:pic>
+        <p:nvPicPr>
+          <p:cNvPr id="5" name="Picture 2" descr="See the source image">
+            <a:extLst>
+              <a:ext uri="{FF2B5EF4-FFF2-40B4-BE49-F238E27FC236}">
+                <a16:creationId xmlns:a16="http://schemas.microsoft.com/office/drawing/2014/main" id="{0ED5EA98-2928-4140-96E4-BCECB454AD2D}"/>
+              </a:ext>
+            </a:extLst>
+          </p:cNvPr>
+          <p:cNvPicPr>
+            <a:picLocks noChangeAspect="1" noChangeArrowheads="1"/>
+          </p:cNvPicPr>
+          <p:nvPr/>
+        </p:nvPicPr>
+        <p:blipFill>
+          <a:blip r:embed="rId3">
+            <a:extLst>
+              <a:ext uri="{28A0092B-C50C-407E-A947-70E740481C1C}">
+                <a14:useLocalDpi xmlns:a14="http://schemas.microsoft.com/office/drawing/2010/main" val="0"/>
+              </a:ext>
+            </a:extLst>
+          </a:blip>
+          <a:srcRect/>
+          <a:stretch>
+            <a:fillRect/>
+          </a:stretch>
+        </p:blipFill>
+        <p:spPr bwMode="auto">
+          <a:xfrm>
+            <a:off x="7338694" y="5450056"/>
+            <a:ext cx="1382318" cy="1248508"/>
+          </a:xfrm>
+          <a:prstGeom prst="rect">
+            <a:avLst/>
+          </a:prstGeom>
+          <a:noFill/>
+          <a:extLst>
+            <a:ext uri="{909E8E84-426E-40DD-AFC4-6F175D3DCCD1}">
+              <a14:hiddenFill xmlns:a14="http://schemas.microsoft.com/office/drawing/2010/main">
+                <a:solidFill>
+                  <a:srgbClr val="FFFFFF"/>
+                </a:solidFill>
+              </a14:hiddenFill>
+            </a:ext>
+          </a:extLst>
+        </p:spPr>
+      </p:pic>
+      <p:sp>
+        <p:nvSpPr>
+          <p:cNvPr id="3" name="Footer Placeholder 2">
+            <a:extLst>
+              <a:ext uri="{FF2B5EF4-FFF2-40B4-BE49-F238E27FC236}">
+                <a16:creationId xmlns:a16="http://schemas.microsoft.com/office/drawing/2014/main" id="{6942939B-7B0C-42A5-8BC5-642B25324167}"/>
+              </a:ext>
+            </a:extLst>
+          </p:cNvPr>
+          <p:cNvSpPr>
+            <a:spLocks noGrp="1"/>
+          </p:cNvSpPr>
+          <p:nvPr>
+            <p:ph type="ftr" sz="quarter" idx="3"/>
+          </p:nvPr>
+        </p:nvSpPr>
+        <p:spPr/>
+        <p:txBody>
+          <a:bodyPr/>
+          <a:lstStyle/>
+          <a:p>
+            <a:r>
+              <a:rPr lang="en-GB"/>
+              <a:t>Introduction to GitHub and </a:t>
+            </a:r>
+            <a:r>
+              <a:rPr lang="en-GB" err="1"/>
+              <a:t>GitBash</a:t>
+            </a:r>
+            <a:endParaRPr lang="en-US"/>
+          </a:p>
+        </p:txBody>
+      </p:sp>
+      <p:sp>
+        <p:nvSpPr>
+          <p:cNvPr id="4" name="Title 3">
+            <a:extLst>
+              <a:ext uri="{FF2B5EF4-FFF2-40B4-BE49-F238E27FC236}">
+                <a16:creationId xmlns:a16="http://schemas.microsoft.com/office/drawing/2014/main" id="{42A5EA90-17C9-4BD5-BD0D-74A5419E18C7}"/>
+              </a:ext>
+            </a:extLst>
+          </p:cNvPr>
+          <p:cNvSpPr>
+            <a:spLocks noGrp="1"/>
+          </p:cNvSpPr>
+          <p:nvPr>
+            <p:ph type="title"/>
+          </p:nvPr>
+        </p:nvSpPr>
+        <p:spPr/>
+        <p:txBody>
+          <a:bodyPr/>
+          <a:lstStyle/>
+          <a:p>
+            <a:r>
+              <a:rPr lang="en-GB"/>
               <a:t>Visual Run: Pushing to Remote</a:t>
             </a:r>
           </a:p>
@@ -14336,7 +14745,7 @@
           <a:lstStyle/>
           <a:p>
             <a:r>
-              <a:rPr lang="en-GB" sz="1400" dirty="0"/>
+              <a:rPr lang="en-GB" sz="1400"/>
               <a:t>14. Push these changes, from both branches, to the remote repo</a:t>
             </a:r>
           </a:p>
@@ -14371,7 +14780,7 @@
           <a:lstStyle/>
           <a:p>
             <a:r>
-              <a:rPr lang="en-GB" sz="1400" dirty="0"/>
+              <a:rPr lang="en-GB" sz="1400"/>
               <a:t>15. Check the changes have been made</a:t>
             </a:r>
           </a:p>
@@ -14436,7 +14845,7 @@
           <a:p>
             <a:r>
               <a:rPr lang="en-GB" b="1" dirty="0"/>
-              <a:t>Git is an open-source, distributed, Version Control System</a:t>
+              <a:t>Git is an open-source, distributed, version-control system</a:t>
             </a:r>
           </a:p>
           <a:p>
@@ -14588,14 +14997,14 @@
           <a:lstStyle/>
           <a:p>
             <a:r>
-              <a:rPr lang="en-GB" dirty="0"/>
+              <a:rPr lang="en-GB"/>
               <a:t>Introduction to GitHub and </a:t>
             </a:r>
             <a:r>
-              <a:rPr lang="en-GB" dirty="0" err="1"/>
+              <a:rPr lang="en-GB" err="1"/>
               <a:t>GitBash</a:t>
             </a:r>
-            <a:endParaRPr lang="en-US" dirty="0"/>
+            <a:endParaRPr lang="en-US"/>
           </a:p>
         </p:txBody>
       </p:sp>
@@ -14621,7 +15030,7 @@
           <a:lstStyle/>
           <a:p>
             <a:r>
-              <a:rPr lang="en-GB" dirty="0"/>
+              <a:rPr lang="en-GB"/>
               <a:t>What is GitHub?</a:t>
             </a:r>
           </a:p>
@@ -14629,10 +15038,10 @@
       </p:sp>
       <p:pic>
         <p:nvPicPr>
-          <p:cNvPr id="1026" name="Picture 2" descr="See the source image">
-            <a:extLst>
-              <a:ext uri="{FF2B5EF4-FFF2-40B4-BE49-F238E27FC236}">
-                <a16:creationId xmlns:a16="http://schemas.microsoft.com/office/drawing/2014/main" id="{EC21998A-F167-4B76-A1C5-254F27156F67}"/>
+          <p:cNvPr id="5" name="Picture 2" descr="Lightbox">
+            <a:extLst>
+              <a:ext uri="{FF2B5EF4-FFF2-40B4-BE49-F238E27FC236}">
+                <a16:creationId xmlns:a16="http://schemas.microsoft.com/office/drawing/2014/main" id="{B2EF43DD-F032-47E8-9709-7B17BDDE83DB}"/>
               </a:ext>
             </a:extLst>
           </p:cNvPr>
@@ -14643,53 +15052,6 @@
         </p:nvPicPr>
         <p:blipFill>
           <a:blip r:embed="rId3">
-            <a:extLst>
-              <a:ext uri="{28A0092B-C50C-407E-A947-70E740481C1C}">
-                <a14:useLocalDpi xmlns:a14="http://schemas.microsoft.com/office/drawing/2010/main" val="0"/>
-              </a:ext>
-            </a:extLst>
-          </a:blip>
-          <a:srcRect/>
-          <a:stretch>
-            <a:fillRect/>
-          </a:stretch>
-        </p:blipFill>
-        <p:spPr bwMode="auto">
-          <a:xfrm>
-            <a:off x="7338694" y="5450056"/>
-            <a:ext cx="1382318" cy="1248508"/>
-          </a:xfrm>
-          <a:prstGeom prst="rect">
-            <a:avLst/>
-          </a:prstGeom>
-          <a:noFill/>
-          <a:extLst>
-            <a:ext uri="{909E8E84-426E-40DD-AFC4-6F175D3DCCD1}">
-              <a14:hiddenFill xmlns:a14="http://schemas.microsoft.com/office/drawing/2010/main">
-                <a:solidFill>
-                  <a:srgbClr val="FFFFFF"/>
-                </a:solidFill>
-              </a14:hiddenFill>
-            </a:ext>
-          </a:extLst>
-        </p:spPr>
-      </p:pic>
-      <p:pic>
-        <p:nvPicPr>
-          <p:cNvPr id="5" name="Picture 2" descr="Lightbox">
-            <a:extLst>
-              <a:ext uri="{FF2B5EF4-FFF2-40B4-BE49-F238E27FC236}">
-                <a16:creationId xmlns:a16="http://schemas.microsoft.com/office/drawing/2014/main" id="{B2EF43DD-F032-47E8-9709-7B17BDDE83DB}"/>
-              </a:ext>
-            </a:extLst>
-          </p:cNvPr>
-          <p:cNvPicPr>
-            <a:picLocks noChangeAspect="1" noChangeArrowheads="1"/>
-          </p:cNvPicPr>
-          <p:nvPr/>
-        </p:nvPicPr>
-        <p:blipFill>
-          <a:blip r:embed="rId4">
             <a:extLst>
               <a:ext uri="{28A0092B-C50C-407E-A947-70E740481C1C}">
                 <a14:useLocalDpi xmlns:a14="http://schemas.microsoft.com/office/drawing/2010/main" val="0"/>
@@ -14772,11 +15134,11 @@
           <a:bodyPr/>
           <a:lstStyle/>
           <a:p>
-            <a:endParaRPr lang="en-GB" dirty="0"/>
-          </a:p>
-          <a:p>
-            <a:r>
-              <a:rPr lang="en-GB" dirty="0"/>
+            <a:endParaRPr lang="en-GB"/>
+          </a:p>
+          <a:p>
+            <a:r>
+              <a:rPr lang="en-GB"/>
               <a:t>Choose a repository -&gt; A local folder in which you are going to work</a:t>
             </a:r>
           </a:p>
@@ -14786,14 +15148,14 @@
               <a:buChar char="o"/>
             </a:pPr>
             <a:r>
-              <a:rPr lang="en-GB" dirty="0"/>
+              <a:rPr lang="en-GB"/>
               <a:t>Right-click, </a:t>
             </a:r>
             <a:r>
-              <a:rPr lang="en-GB" i="1" dirty="0"/>
+              <a:rPr lang="en-GB" i="1"/>
               <a:t>Git Bash here</a:t>
             </a:r>
-            <a:endParaRPr lang="en-GB" dirty="0"/>
+            <a:endParaRPr lang="en-GB"/>
           </a:p>
           <a:p>
             <a:pPr lvl="1">
@@ -14801,19 +15163,19 @@
               <a:buChar char="o"/>
             </a:pPr>
             <a:r>
-              <a:rPr lang="en-GB" i="1" dirty="0"/>
+              <a:rPr lang="en-GB" i="1"/>
               <a:t>git </a:t>
             </a:r>
             <a:r>
-              <a:rPr lang="en-GB" i="1" dirty="0" err="1"/>
+              <a:rPr lang="en-GB" i="1" err="1"/>
               <a:t>init</a:t>
             </a:r>
             <a:r>
-              <a:rPr lang="en-GB" i="1" dirty="0"/>
+              <a:rPr lang="en-GB" i="1"/>
               <a:t> </a:t>
             </a:r>
             <a:r>
-              <a:rPr lang="en-GB" dirty="0"/>
+              <a:rPr lang="en-GB"/>
               <a:t>-&gt; Initialise this repository as a .Git area</a:t>
             </a:r>
           </a:p>
@@ -14823,22 +15185,22 @@
               <a:buChar char="o"/>
             </a:pPr>
             <a:r>
-              <a:rPr lang="en-GB" i="1" dirty="0"/>
+              <a:rPr lang="en-GB" i="1"/>
               <a:t>git config –global user.name “</a:t>
             </a:r>
             <a:r>
-              <a:rPr lang="en-GB" dirty="0"/>
+              <a:rPr lang="en-GB"/>
               <a:t>user name</a:t>
             </a:r>
             <a:r>
-              <a:rPr lang="en-GB" i="1" dirty="0"/>
+              <a:rPr lang="en-GB" i="1"/>
               <a:t>” </a:t>
             </a:r>
             <a:r>
-              <a:rPr lang="en-GB" dirty="0"/>
+              <a:rPr lang="en-GB"/>
               <a:t>-&gt; Set a username for your repository (try to match GitHub username)</a:t>
             </a:r>
-            <a:endParaRPr lang="en-GB" i="1" dirty="0"/>
+            <a:endParaRPr lang="en-GB" i="1"/>
           </a:p>
           <a:p>
             <a:pPr lvl="1">
@@ -14846,27 +15208,27 @@
               <a:buChar char="o"/>
             </a:pPr>
             <a:r>
-              <a:rPr lang="en-GB" i="1" dirty="0"/>
+              <a:rPr lang="en-GB" i="1"/>
               <a:t>git config –global </a:t>
             </a:r>
             <a:r>
-              <a:rPr lang="en-GB" i="1" dirty="0" err="1"/>
+              <a:rPr lang="en-GB" i="1" err="1"/>
               <a:t>user.email</a:t>
             </a:r>
             <a:r>
-              <a:rPr lang="en-GB" i="1" dirty="0"/>
+              <a:rPr lang="en-GB" i="1"/>
               <a:t> “</a:t>
             </a:r>
             <a:r>
-              <a:rPr lang="en-GB" dirty="0"/>
+              <a:rPr lang="en-GB"/>
               <a:t>username@nhs.net”</a:t>
             </a:r>
             <a:r>
-              <a:rPr lang="en-GB" i="1" dirty="0"/>
+              <a:rPr lang="en-GB" i="1"/>
               <a:t> </a:t>
             </a:r>
             <a:r>
-              <a:rPr lang="en-GB" dirty="0"/>
+              <a:rPr lang="en-GB"/>
               <a:t>-&gt; Set a user email</a:t>
             </a:r>
           </a:p>
@@ -14876,15 +15238,15 @@
               <a:buChar char="o"/>
             </a:pPr>
             <a:r>
-              <a:rPr lang="en-GB" dirty="0"/>
+              <a:rPr lang="en-GB"/>
               <a:t>Both the username and email mean that when checking the version control log (</a:t>
             </a:r>
             <a:r>
-              <a:rPr lang="en-GB" i="1" dirty="0"/>
+              <a:rPr lang="en-GB" i="1"/>
               <a:t>git log</a:t>
             </a:r>
             <a:r>
-              <a:rPr lang="en-GB" dirty="0"/>
+              <a:rPr lang="en-GB"/>
               <a:t>), users can see who has made the changes and have a means of contacting them</a:t>
             </a:r>
           </a:p>
@@ -14892,11 +15254,11 @@
             <a:pPr marL="457200" lvl="1" indent="0">
               <a:buNone/>
             </a:pPr>
-            <a:endParaRPr lang="en-GB" dirty="0"/>
-          </a:p>
-          <a:p>
-            <a:r>
-              <a:rPr lang="en-GB" dirty="0"/>
+            <a:endParaRPr lang="en-GB"/>
+          </a:p>
+          <a:p>
+            <a:r>
+              <a:rPr lang="en-GB"/>
               <a:t>Add files to your repository </a:t>
             </a:r>
           </a:p>
@@ -14906,11 +15268,11 @@
               <a:buChar char="o"/>
             </a:pPr>
             <a:r>
-              <a:rPr lang="en-GB" i="1" dirty="0"/>
+              <a:rPr lang="en-GB" i="1"/>
               <a:t>git status </a:t>
             </a:r>
             <a:r>
-              <a:rPr lang="en-GB" dirty="0"/>
+              <a:rPr lang="en-GB"/>
               <a:t>-&gt; This will tell you what files are untracked, and need to be added to the git repository</a:t>
             </a:r>
           </a:p>
@@ -14920,11 +15282,11 @@
               <a:buChar char="o"/>
             </a:pPr>
             <a:r>
-              <a:rPr lang="en-GB" i="1" dirty="0"/>
+              <a:rPr lang="en-GB" i="1"/>
               <a:t>git add . </a:t>
             </a:r>
             <a:r>
-              <a:rPr lang="en-GB" dirty="0"/>
+              <a:rPr lang="en-GB"/>
               <a:t>-&gt; Add these files to be tracked. These are not yet committed to the repository, so no real changes are made</a:t>
             </a:r>
           </a:p>
@@ -14934,31 +15296,31 @@
               <a:buChar char="o"/>
             </a:pPr>
             <a:r>
-              <a:rPr lang="en-GB" i="1" dirty="0"/>
+              <a:rPr lang="en-GB" i="1"/>
               <a:t>git commit –m “First changes made” </a:t>
             </a:r>
             <a:r>
-              <a:rPr lang="en-GB" dirty="0"/>
+              <a:rPr lang="en-GB"/>
               <a:t>-&gt; These changes are committed to the repository. It is best to add a message, so that collaborators can see what changes you have made, and for what reason. This is a very good feature. To see these changes, use </a:t>
             </a:r>
             <a:r>
-              <a:rPr lang="en-GB" i="1" dirty="0"/>
+              <a:rPr lang="en-GB" i="1"/>
               <a:t>git log</a:t>
             </a:r>
-            <a:endParaRPr lang="en-GB" dirty="0"/>
+            <a:endParaRPr lang="en-GB"/>
           </a:p>
           <a:p>
             <a:pPr>
               <a:buFont typeface="Courier New" panose="02070309020205020404" pitchFamily="49" charset="0"/>
               <a:buChar char="o"/>
             </a:pPr>
-            <a:endParaRPr lang="en-GB" i="1" dirty="0"/>
+            <a:endParaRPr lang="en-GB" i="1"/>
           </a:p>
           <a:p>
             <a:pPr marL="457200" lvl="1" indent="0">
               <a:buNone/>
             </a:pPr>
-            <a:endParaRPr lang="en-GB" dirty="0"/>
+            <a:endParaRPr lang="en-GB"/>
           </a:p>
         </p:txBody>
       </p:sp>
@@ -14984,14 +15346,14 @@
           <a:lstStyle/>
           <a:p>
             <a:r>
-              <a:rPr lang="en-GB" dirty="0"/>
+              <a:rPr lang="en-GB"/>
               <a:t>Introduction to GitHub and </a:t>
             </a:r>
             <a:r>
-              <a:rPr lang="en-GB" dirty="0" err="1"/>
+              <a:rPr lang="en-GB" err="1"/>
               <a:t>GitBash</a:t>
             </a:r>
-            <a:endParaRPr lang="en-US" dirty="0"/>
+            <a:endParaRPr lang="en-US"/>
           </a:p>
         </p:txBody>
       </p:sp>
@@ -15017,59 +15379,12 @@
           <a:lstStyle/>
           <a:p>
             <a:r>
-              <a:rPr lang="en-GB" dirty="0"/>
+              <a:rPr lang="en-GB"/>
               <a:t>An Introduction to Git </a:t>
             </a:r>
           </a:p>
         </p:txBody>
       </p:sp>
-      <p:pic>
-        <p:nvPicPr>
-          <p:cNvPr id="5" name="Picture 2" descr="See the source image">
-            <a:extLst>
-              <a:ext uri="{FF2B5EF4-FFF2-40B4-BE49-F238E27FC236}">
-                <a16:creationId xmlns:a16="http://schemas.microsoft.com/office/drawing/2014/main" id="{829CB498-2C9B-40A0-8968-E56765A79068}"/>
-              </a:ext>
-            </a:extLst>
-          </p:cNvPr>
-          <p:cNvPicPr>
-            <a:picLocks noChangeAspect="1" noChangeArrowheads="1"/>
-          </p:cNvPicPr>
-          <p:nvPr/>
-        </p:nvPicPr>
-        <p:blipFill>
-          <a:blip r:embed="rId3">
-            <a:extLst>
-              <a:ext uri="{28A0092B-C50C-407E-A947-70E740481C1C}">
-                <a14:useLocalDpi xmlns:a14="http://schemas.microsoft.com/office/drawing/2010/main" val="0"/>
-              </a:ext>
-            </a:extLst>
-          </a:blip>
-          <a:srcRect/>
-          <a:stretch>
-            <a:fillRect/>
-          </a:stretch>
-        </p:blipFill>
-        <p:spPr bwMode="auto">
-          <a:xfrm>
-            <a:off x="7338694" y="5450056"/>
-            <a:ext cx="1382318" cy="1248508"/>
-          </a:xfrm>
-          <a:prstGeom prst="rect">
-            <a:avLst/>
-          </a:prstGeom>
-          <a:noFill/>
-          <a:extLst>
-            <a:ext uri="{909E8E84-426E-40DD-AFC4-6F175D3DCCD1}">
-              <a14:hiddenFill xmlns:a14="http://schemas.microsoft.com/office/drawing/2010/main">
-                <a:solidFill>
-                  <a:srgbClr val="FFFFFF"/>
-                </a:solidFill>
-              </a14:hiddenFill>
-            </a:ext>
-          </a:extLst>
-        </p:spPr>
-      </p:pic>
       <p:pic>
         <p:nvPicPr>
           <p:cNvPr id="7" name="Picture 6">
@@ -15085,7 +15400,7 @@
           <p:nvPr/>
         </p:nvPicPr>
         <p:blipFill>
-          <a:blip r:embed="rId4"/>
+          <a:blip r:embed="rId3"/>
           <a:stretch>
             <a:fillRect/>
           </a:stretch>
@@ -15196,7 +15511,7 @@
           <a:lstStyle/>
           <a:p>
             <a:r>
-              <a:rPr lang="en-GB" dirty="0"/>
+              <a:rPr lang="en-GB"/>
               <a:t>Create a ‘remote’ repository</a:t>
             </a:r>
           </a:p>
@@ -15206,16 +15521,16 @@
               <a:buChar char="o"/>
             </a:pPr>
             <a:r>
-              <a:rPr lang="en-GB" i="1" dirty="0"/>
+              <a:rPr lang="en-GB" i="1"/>
               <a:t>Create a GitHub account on </a:t>
             </a:r>
             <a:r>
-              <a:rPr lang="en-GB" dirty="0">
+              <a:rPr lang="en-GB">
                 <a:hlinkClick r:id="rId3"/>
               </a:rPr>
               <a:t>GitHub</a:t>
             </a:r>
-            <a:endParaRPr lang="en-GB" dirty="0"/>
+            <a:endParaRPr lang="en-GB"/>
           </a:p>
           <a:p>
             <a:pPr lvl="1">
@@ -15223,7 +15538,7 @@
               <a:buChar char="o"/>
             </a:pPr>
             <a:r>
-              <a:rPr lang="en-GB" dirty="0"/>
+              <a:rPr lang="en-GB"/>
               <a:t>Click ‘create a new repository’</a:t>
             </a:r>
           </a:p>
@@ -15233,7 +15548,7 @@
               <a:buChar char="o"/>
             </a:pPr>
             <a:r>
-              <a:rPr lang="en-GB" dirty="0"/>
+              <a:rPr lang="en-GB"/>
               <a:t>Name it consistently with your local file</a:t>
             </a:r>
           </a:p>
@@ -15243,7 +15558,7 @@
               <a:buChar char="o"/>
             </a:pPr>
             <a:r>
-              <a:rPr lang="en-GB" dirty="0"/>
+              <a:rPr lang="en-GB"/>
               <a:t>You can add a README.md which explains to outside users what the project is (usually HTML). Licences can also be added which control what users can/can’t do with code. Would be helpful to establish what others use within NHSE</a:t>
             </a:r>
           </a:p>
@@ -15251,11 +15566,11 @@
             <a:pPr marL="457200" lvl="1" indent="0">
               <a:buNone/>
             </a:pPr>
-            <a:endParaRPr lang="en-GB" dirty="0"/>
-          </a:p>
-          <a:p>
-            <a:r>
-              <a:rPr lang="en-GB" dirty="0"/>
+            <a:endParaRPr lang="en-GB"/>
+          </a:p>
+          <a:p>
+            <a:r>
+              <a:rPr lang="en-GB"/>
               <a:t>Connect ‘remote’ to ‘local’ repository</a:t>
             </a:r>
           </a:p>
@@ -15265,19 +15580,19 @@
               <a:buChar char="o"/>
             </a:pPr>
             <a:r>
-              <a:rPr lang="en-GB" dirty="0"/>
+              <a:rPr lang="en-GB"/>
               <a:t>Using </a:t>
             </a:r>
             <a:r>
-              <a:rPr lang="en-GB" dirty="0" err="1"/>
+              <a:rPr lang="en-GB" err="1"/>
               <a:t>GitBash</a:t>
             </a:r>
             <a:r>
-              <a:rPr lang="en-GB" dirty="0"/>
+              <a:rPr lang="en-GB"/>
               <a:t> -&gt; </a:t>
             </a:r>
             <a:r>
-              <a:rPr lang="en-GB" i="1" dirty="0"/>
+              <a:rPr lang="en-GB" i="1"/>
               <a:t>git remote add origin &lt;link to GitHub repo&gt;</a:t>
             </a:r>
           </a:p>
@@ -15286,11 +15601,11 @@
               <a:buFont typeface="Courier New" panose="02070309020205020404" pitchFamily="49" charset="0"/>
               <a:buChar char="o"/>
             </a:pPr>
-            <a:endParaRPr lang="en-GB" i="1" dirty="0"/>
-          </a:p>
-          <a:p>
-            <a:r>
-              <a:rPr lang="en-GB" dirty="0"/>
+            <a:endParaRPr lang="en-GB" i="1"/>
+          </a:p>
+          <a:p>
+            <a:r>
+              <a:rPr lang="en-GB"/>
               <a:t>Push your files to the remote repo</a:t>
             </a:r>
           </a:p>
@@ -15300,11 +15615,11 @@
               <a:buChar char="o"/>
             </a:pPr>
             <a:r>
-              <a:rPr lang="en-GB" i="1" dirty="0"/>
+              <a:rPr lang="en-GB" i="1"/>
               <a:t>git push –u origin master </a:t>
             </a:r>
             <a:r>
-              <a:rPr lang="en-GB" dirty="0"/>
+              <a:rPr lang="en-GB"/>
               <a:t>-&gt; here, Master is the name of the main branch, and origin is the remote repo. If you were operating on a different branch, you would use that name, e.g. –u origin branch_1</a:t>
             </a:r>
           </a:p>
@@ -15312,11 +15627,11 @@
             <a:pPr marL="457200" lvl="1" indent="0">
               <a:buNone/>
             </a:pPr>
-            <a:endParaRPr lang="en-GB" i="1" dirty="0"/>
-          </a:p>
-          <a:p>
-            <a:r>
-              <a:rPr lang="en-GB" i="1" dirty="0"/>
+            <a:endParaRPr lang="en-GB" i="1"/>
+          </a:p>
+          <a:p>
+            <a:r>
+              <a:rPr lang="en-GB" i="1"/>
               <a:t>Check GitHub to see if the changes have been made, and are up to date</a:t>
             </a:r>
           </a:p>
@@ -15325,13 +15640,13 @@
               <a:buFont typeface="Courier New" panose="02070309020205020404" pitchFamily="49" charset="0"/>
               <a:buChar char="o"/>
             </a:pPr>
-            <a:endParaRPr lang="en-GB" dirty="0"/>
+            <a:endParaRPr lang="en-GB"/>
           </a:p>
           <a:p>
             <a:pPr marL="457200" lvl="1" indent="0">
               <a:buNone/>
             </a:pPr>
-            <a:endParaRPr lang="en-GB" dirty="0"/>
+            <a:endParaRPr lang="en-GB"/>
           </a:p>
         </p:txBody>
       </p:sp>
@@ -15357,14 +15672,14 @@
           <a:lstStyle/>
           <a:p>
             <a:r>
-              <a:rPr lang="en-GB" dirty="0"/>
+              <a:rPr lang="en-GB"/>
               <a:t>Introduction to GitHub and </a:t>
             </a:r>
             <a:r>
-              <a:rPr lang="en-GB" dirty="0" err="1"/>
+              <a:rPr lang="en-GB" err="1"/>
               <a:t>GitBash</a:t>
             </a:r>
-            <a:endParaRPr lang="en-US" dirty="0"/>
+            <a:endParaRPr lang="en-US"/>
           </a:p>
         </p:txBody>
       </p:sp>
@@ -15390,59 +15705,12 @@
           <a:lstStyle/>
           <a:p>
             <a:r>
-              <a:rPr lang="en-GB" dirty="0"/>
+              <a:rPr lang="en-GB"/>
               <a:t>Connecting to GitHub</a:t>
             </a:r>
           </a:p>
         </p:txBody>
       </p:sp>
-      <p:pic>
-        <p:nvPicPr>
-          <p:cNvPr id="5" name="Picture 2" descr="See the source image">
-            <a:extLst>
-              <a:ext uri="{FF2B5EF4-FFF2-40B4-BE49-F238E27FC236}">
-                <a16:creationId xmlns:a16="http://schemas.microsoft.com/office/drawing/2014/main" id="{62E3031D-4D8D-4299-BC07-A474B9B7732C}"/>
-              </a:ext>
-            </a:extLst>
-          </p:cNvPr>
-          <p:cNvPicPr>
-            <a:picLocks noChangeAspect="1" noChangeArrowheads="1"/>
-          </p:cNvPicPr>
-          <p:nvPr/>
-        </p:nvPicPr>
-        <p:blipFill>
-          <a:blip r:embed="rId4">
-            <a:extLst>
-              <a:ext uri="{28A0092B-C50C-407E-A947-70E740481C1C}">
-                <a14:useLocalDpi xmlns:a14="http://schemas.microsoft.com/office/drawing/2010/main" val="0"/>
-              </a:ext>
-            </a:extLst>
-          </a:blip>
-          <a:srcRect/>
-          <a:stretch>
-            <a:fillRect/>
-          </a:stretch>
-        </p:blipFill>
-        <p:spPr bwMode="auto">
-          <a:xfrm>
-            <a:off x="7338694" y="5450056"/>
-            <a:ext cx="1382318" cy="1248508"/>
-          </a:xfrm>
-          <a:prstGeom prst="rect">
-            <a:avLst/>
-          </a:prstGeom>
-          <a:noFill/>
-          <a:extLst>
-            <a:ext uri="{909E8E84-426E-40DD-AFC4-6F175D3DCCD1}">
-              <a14:hiddenFill xmlns:a14="http://schemas.microsoft.com/office/drawing/2010/main">
-                <a:solidFill>
-                  <a:srgbClr val="FFFFFF"/>
-                </a:solidFill>
-              </a14:hiddenFill>
-            </a:ext>
-          </a:extLst>
-        </p:spPr>
-      </p:pic>
     </p:spTree>
     <p:extLst>
       <p:ext uri="{BB962C8B-B14F-4D97-AF65-F5344CB8AC3E}">
@@ -15495,7 +15763,7 @@
           <a:lstStyle/>
           <a:p>
             <a:r>
-              <a:rPr lang="en-GB" dirty="0"/>
+              <a:rPr lang="en-GB"/>
               <a:t>Branches are an independent line of development, away from the main branch</a:t>
             </a:r>
           </a:p>
@@ -15505,7 +15773,7 @@
               <a:buChar char="o"/>
             </a:pPr>
             <a:r>
-              <a:rPr lang="en-GB" dirty="0"/>
+              <a:rPr lang="en-GB"/>
               <a:t>Files are identical to the main branch, but adding and committing new files, or changes, do not automatically affect the main branch</a:t>
             </a:r>
           </a:p>
@@ -15515,7 +15783,7 @@
               <a:buChar char="o"/>
             </a:pPr>
             <a:r>
-              <a:rPr lang="en-GB" dirty="0"/>
+              <a:rPr lang="en-GB"/>
               <a:t>The latest edited branch can be merged with the master branch, meaning that the master always contains production quality code</a:t>
             </a:r>
           </a:p>
@@ -15525,7 +15793,7 @@
               <a:buChar char="o"/>
             </a:pPr>
             <a:r>
-              <a:rPr lang="en-GB" dirty="0"/>
+              <a:rPr lang="en-GB"/>
               <a:t>Name branches v1, v1.1 etc. as change are made, which keeps a log of all changes made</a:t>
             </a:r>
           </a:p>
@@ -15534,31 +15802,31 @@
               <a:buFont typeface="Courier New" panose="02070309020205020404" pitchFamily="49" charset="0"/>
               <a:buChar char="o"/>
             </a:pPr>
-            <a:endParaRPr lang="en-GB" dirty="0"/>
-          </a:p>
-          <a:p>
-            <a:r>
-              <a:rPr lang="en-GB" i="1" dirty="0"/>
+            <a:endParaRPr lang="en-GB"/>
+          </a:p>
+          <a:p>
+            <a:r>
+              <a:rPr lang="en-GB" i="1"/>
               <a:t>git checkout –b </a:t>
             </a:r>
             <a:r>
-              <a:rPr lang="en-GB" i="1" dirty="0" err="1"/>
+              <a:rPr lang="en-GB" i="1" err="1"/>
               <a:t>edit_branch</a:t>
             </a:r>
             <a:r>
-              <a:rPr lang="en-GB" i="1" dirty="0"/>
+              <a:rPr lang="en-GB" i="1"/>
               <a:t> </a:t>
             </a:r>
             <a:r>
-              <a:rPr lang="en-GB" dirty="0"/>
+              <a:rPr lang="en-GB"/>
               <a:t>-&gt; Creating a new branch ‘</a:t>
             </a:r>
             <a:r>
-              <a:rPr lang="en-GB" dirty="0" err="1"/>
+              <a:rPr lang="en-GB" err="1"/>
               <a:t>edit_branch</a:t>
             </a:r>
             <a:r>
-              <a:rPr lang="en-GB" dirty="0"/>
+              <a:rPr lang="en-GB"/>
               <a:t>’ and moving to that branch</a:t>
             </a:r>
           </a:p>
@@ -15568,7 +15836,7 @@
               <a:buChar char="o"/>
             </a:pPr>
             <a:r>
-              <a:rPr lang="en-GB" dirty="0"/>
+              <a:rPr lang="en-GB"/>
               <a:t>Here we can make the required changes that can be proposed, but not necessarily merged to the main branch</a:t>
             </a:r>
           </a:p>
@@ -15578,11 +15846,11 @@
               <a:buChar char="o"/>
             </a:pPr>
             <a:r>
-              <a:rPr lang="en-GB" i="1" dirty="0"/>
+              <a:rPr lang="en-GB" i="1"/>
               <a:t>git checkout master </a:t>
             </a:r>
             <a:r>
-              <a:rPr lang="en-GB" dirty="0"/>
+              <a:rPr lang="en-GB"/>
               <a:t>would move you back to the main branch</a:t>
             </a:r>
           </a:p>
@@ -15591,11 +15859,11 @@
               <a:buFont typeface="Courier New" panose="02070309020205020404" pitchFamily="49" charset="0"/>
               <a:buChar char="o"/>
             </a:pPr>
-            <a:endParaRPr lang="en-GB" dirty="0"/>
-          </a:p>
-          <a:p>
-            <a:r>
-              <a:rPr lang="en-GB" dirty="0"/>
+            <a:endParaRPr lang="en-GB"/>
+          </a:p>
+          <a:p>
+            <a:r>
+              <a:rPr lang="en-GB"/>
               <a:t>Switching between branches allows you to compare the versions and assess the changes made. This means that further alterations can be made before the branches are merged, and the master then contains the latest version</a:t>
             </a:r>
           </a:p>
@@ -15604,10 +15872,10 @@
               <a:buFont typeface="Courier New" panose="02070309020205020404" pitchFamily="49" charset="0"/>
               <a:buChar char="o"/>
             </a:pPr>
-            <a:endParaRPr lang="en-GB" i="1" dirty="0"/>
-          </a:p>
-          <a:p>
-            <a:endParaRPr lang="en-GB" i="1" dirty="0"/>
+            <a:endParaRPr lang="en-GB" i="1"/>
+          </a:p>
+          <a:p>
+            <a:endParaRPr lang="en-GB" i="1"/>
           </a:p>
         </p:txBody>
       </p:sp>
@@ -15633,14 +15901,14 @@
           <a:lstStyle/>
           <a:p>
             <a:r>
-              <a:rPr lang="en-GB" dirty="0"/>
+              <a:rPr lang="en-GB"/>
               <a:t>Introduction to GitHub and </a:t>
             </a:r>
             <a:r>
-              <a:rPr lang="en-GB" dirty="0" err="1"/>
+              <a:rPr lang="en-GB" err="1"/>
               <a:t>GitBash</a:t>
             </a:r>
-            <a:endParaRPr lang="en-US" dirty="0"/>
+            <a:endParaRPr lang="en-US"/>
           </a:p>
         </p:txBody>
       </p:sp>
@@ -15666,59 +15934,12 @@
           <a:lstStyle/>
           <a:p>
             <a:r>
-              <a:rPr lang="en-GB" dirty="0"/>
+              <a:rPr lang="en-GB"/>
               <a:t>Using Branches</a:t>
             </a:r>
           </a:p>
         </p:txBody>
       </p:sp>
-      <p:pic>
-        <p:nvPicPr>
-          <p:cNvPr id="5" name="Picture 2" descr="See the source image">
-            <a:extLst>
-              <a:ext uri="{FF2B5EF4-FFF2-40B4-BE49-F238E27FC236}">
-                <a16:creationId xmlns:a16="http://schemas.microsoft.com/office/drawing/2014/main" id="{DA37BB83-A404-466E-AF5B-9DECFAADE798}"/>
-              </a:ext>
-            </a:extLst>
-          </p:cNvPr>
-          <p:cNvPicPr>
-            <a:picLocks noChangeAspect="1" noChangeArrowheads="1"/>
-          </p:cNvPicPr>
-          <p:nvPr/>
-        </p:nvPicPr>
-        <p:blipFill>
-          <a:blip r:embed="rId3">
-            <a:extLst>
-              <a:ext uri="{28A0092B-C50C-407E-A947-70E740481C1C}">
-                <a14:useLocalDpi xmlns:a14="http://schemas.microsoft.com/office/drawing/2010/main" val="0"/>
-              </a:ext>
-            </a:extLst>
-          </a:blip>
-          <a:srcRect/>
-          <a:stretch>
-            <a:fillRect/>
-          </a:stretch>
-        </p:blipFill>
-        <p:spPr bwMode="auto">
-          <a:xfrm>
-            <a:off x="7338694" y="5450056"/>
-            <a:ext cx="1382318" cy="1248508"/>
-          </a:xfrm>
-          <a:prstGeom prst="rect">
-            <a:avLst/>
-          </a:prstGeom>
-          <a:noFill/>
-          <a:extLst>
-            <a:ext uri="{909E8E84-426E-40DD-AFC4-6F175D3DCCD1}">
-              <a14:hiddenFill xmlns:a14="http://schemas.microsoft.com/office/drawing/2010/main">
-                <a:solidFill>
-                  <a:srgbClr val="FFFFFF"/>
-                </a:solidFill>
-              </a14:hiddenFill>
-            </a:ext>
-          </a:extLst>
-        </p:spPr>
-      </p:pic>
     </p:spTree>
     <p:extLst>
       <p:ext uri="{BB962C8B-B14F-4D97-AF65-F5344CB8AC3E}">
@@ -15749,53 +15970,6 @@
           <a:chExt cx="0" cy="0"/>
         </a:xfrm>
       </p:grpSpPr>
-      <p:pic>
-        <p:nvPicPr>
-          <p:cNvPr id="5" name="Picture 2" descr="See the source image">
-            <a:extLst>
-              <a:ext uri="{FF2B5EF4-FFF2-40B4-BE49-F238E27FC236}">
-                <a16:creationId xmlns:a16="http://schemas.microsoft.com/office/drawing/2014/main" id="{0ED5EA98-2928-4140-96E4-BCECB454AD2D}"/>
-              </a:ext>
-            </a:extLst>
-          </p:cNvPr>
-          <p:cNvPicPr>
-            <a:picLocks noChangeAspect="1" noChangeArrowheads="1"/>
-          </p:cNvPicPr>
-          <p:nvPr/>
-        </p:nvPicPr>
-        <p:blipFill>
-          <a:blip r:embed="rId3">
-            <a:extLst>
-              <a:ext uri="{28A0092B-C50C-407E-A947-70E740481C1C}">
-                <a14:useLocalDpi xmlns:a14="http://schemas.microsoft.com/office/drawing/2010/main" val="0"/>
-              </a:ext>
-            </a:extLst>
-          </a:blip>
-          <a:srcRect/>
-          <a:stretch>
-            <a:fillRect/>
-          </a:stretch>
-        </p:blipFill>
-        <p:spPr bwMode="auto">
-          <a:xfrm>
-            <a:off x="7338694" y="5450056"/>
-            <a:ext cx="1382318" cy="1248508"/>
-          </a:xfrm>
-          <a:prstGeom prst="rect">
-            <a:avLst/>
-          </a:prstGeom>
-          <a:noFill/>
-          <a:extLst>
-            <a:ext uri="{909E8E84-426E-40DD-AFC4-6F175D3DCCD1}">
-              <a14:hiddenFill xmlns:a14="http://schemas.microsoft.com/office/drawing/2010/main">
-                <a:solidFill>
-                  <a:srgbClr val="FFFFFF"/>
-                </a:solidFill>
-              </a14:hiddenFill>
-            </a:ext>
-          </a:extLst>
-        </p:spPr>
-      </p:pic>
       <p:sp>
         <p:nvSpPr>
           <p:cNvPr id="2" name="Content Placeholder 1">
@@ -15817,9 +15991,22 @@
           <a:bodyPr/>
           <a:lstStyle/>
           <a:p>
+            <a:pPr marL="0" indent="0">
+              <a:buNone/>
+            </a:pPr>
             <a:r>
               <a:rPr lang="en-GB" dirty="0"/>
-              <a:t>Version Control -&gt; Version Control can be something that is difficult/time consuming to complete</a:t>
+              <a:t>Analytical teams within NHSE already use Git as a means for collaboration on large analytical projects</a:t>
+            </a:r>
+          </a:p>
+          <a:p>
+            <a:r>
+              <a:rPr lang="en-GB" b="1" dirty="0"/>
+              <a:t>Mental Health and Dementia Analytical Team </a:t>
+            </a:r>
+            <a:r>
+              <a:rPr lang="en-GB" dirty="0"/>
+              <a:t>– Producing analysis and reporting from the MHSDS and IAPT dataset, use Git to share and develop SQL scripts, sharing on GitHub rather than files being lost in emails, working collaboratively within team or across the organisation</a:t>
             </a:r>
           </a:p>
           <a:p>
@@ -15828,28 +16015,12 @@
               <a:buChar char="o"/>
             </a:pPr>
             <a:r>
+              <a:rPr lang="en-GB" b="1" dirty="0"/>
+              <a:t>Transparency</a:t>
+            </a:r>
+            <a:r>
               <a:rPr lang="en-GB" dirty="0"/>
-              <a:t>There are often small changes that may seem meaningless to record</a:t>
-            </a:r>
-          </a:p>
-          <a:p>
-            <a:pPr lvl="1">
-              <a:buFont typeface="Courier New" panose="02070309020205020404" pitchFamily="49" charset="0"/>
-              <a:buChar char="o"/>
-            </a:pPr>
-            <a:r>
-              <a:rPr lang="en-GB" dirty="0"/>
-              <a:t>There can be large changes that change the landscape of a file</a:t>
-            </a:r>
-          </a:p>
-          <a:p>
-            <a:pPr lvl="1">
-              <a:buFont typeface="Courier New" panose="02070309020205020404" pitchFamily="49" charset="0"/>
-              <a:buChar char="o"/>
-            </a:pPr>
-            <a:r>
-              <a:rPr lang="en-GB" dirty="0"/>
-              <a:t>Branching allows small and large changes to be tracked, and files to be archived without clutter</a:t>
+              <a:t> improves confidence in published analysis – makes analysis easier to recreate, as the processes are visible across branches</a:t>
             </a:r>
           </a:p>
           <a:p>
@@ -15861,94 +16032,48 @@
           </a:p>
           <a:p>
             <a:r>
+              <a:rPr lang="en-GB" b="1" dirty="0"/>
+              <a:t>NHSE GitHub </a:t>
+            </a:r>
+            <a:r>
               <a:rPr lang="en-GB" dirty="0"/>
-              <a:t>Collaborative Working -&gt; The team often works on large R scripts / SQL queries etc. that may constantly change over the process of producing a product</a:t>
-            </a:r>
+              <a:t>– Main GitHub organisation for NHSE, split into teams for localised admin</a:t>
+            </a:r>
+          </a:p>
+          <a:p>
+            <a:endParaRPr lang="en-GB" dirty="0"/>
+          </a:p>
+          <a:p>
+            <a:r>
+              <a:rPr lang="en-GB" b="1" dirty="0"/>
+              <a:t>Open Source Statistics </a:t>
+            </a:r>
+            <a:r>
+              <a:rPr lang="en-GB" dirty="0"/>
+              <a:t>– Development of the NHS Python Community Website, Digital Health Insights</a:t>
+            </a:r>
+            <a:endParaRPr lang="en-GB" b="1" dirty="0"/>
+          </a:p>
+          <a:p>
+            <a:endParaRPr lang="en-GB" dirty="0"/>
           </a:p>
           <a:p>
             <a:pPr lvl="1">
               <a:buFont typeface="Courier New" panose="02070309020205020404" pitchFamily="49" charset="0"/>
               <a:buChar char="o"/>
             </a:pPr>
+            <a:endParaRPr lang="en-GB" b="1" dirty="0"/>
+          </a:p>
+          <a:p>
+            <a:r>
+              <a:rPr lang="en-GB" b="1" dirty="0"/>
+              <a:t>A&amp;E Forecasting Admissions Tool – </a:t>
+            </a:r>
             <a:r>
               <a:rPr lang="en-GB" dirty="0"/>
-              <a:t>Multiple colleagues can access scripts, make changes, </a:t>
-            </a:r>
-            <a:r>
-              <a:rPr lang="en-GB" i="1" dirty="0"/>
-              <a:t>push</a:t>
-            </a:r>
-            <a:r>
-              <a:rPr lang="en-GB" dirty="0"/>
-              <a:t> them to the remote, and </a:t>
-            </a:r>
-            <a:r>
-              <a:rPr lang="en-GB" i="1" dirty="0"/>
-              <a:t>pull</a:t>
-            </a:r>
-            <a:r>
-              <a:rPr lang="en-GB" dirty="0"/>
-              <a:t> the changes that others have made</a:t>
-            </a:r>
-          </a:p>
-          <a:p>
-            <a:pPr lvl="1">
-              <a:buFont typeface="Courier New" panose="02070309020205020404" pitchFamily="49" charset="0"/>
-              <a:buChar char="o"/>
-            </a:pPr>
-            <a:r>
-              <a:rPr lang="en-GB" dirty="0"/>
-              <a:t>These changes can be reviewed centrally, and commits and merges can be made where we are confident that change is necessary</a:t>
-            </a:r>
-          </a:p>
-          <a:p>
-            <a:pPr lvl="1">
-              <a:buFont typeface="Courier New" panose="02070309020205020404" pitchFamily="49" charset="0"/>
-              <a:buChar char="o"/>
-            </a:pPr>
-            <a:r>
-              <a:rPr lang="en-GB" dirty="0"/>
-              <a:t>This would be useful for future iterations of PLICS where the R code will likely become much larger, and more people will work on it</a:t>
-            </a:r>
-          </a:p>
-          <a:p>
-            <a:pPr lvl="1">
-              <a:buFont typeface="Courier New" panose="02070309020205020404" pitchFamily="49" charset="0"/>
-              <a:buChar char="o"/>
-            </a:pPr>
-            <a:endParaRPr lang="en-GB" dirty="0"/>
-          </a:p>
-          <a:p>
-            <a:r>
-              <a:rPr lang="en-GB" dirty="0"/>
-              <a:t>Transparency and Schematics -&gt; Schematics can sometimes be difficult to produce as lots of processes have taken place</a:t>
-            </a:r>
-          </a:p>
-          <a:p>
-            <a:pPr lvl="1">
-              <a:buFont typeface="Courier New" panose="02070309020205020404" pitchFamily="49" charset="0"/>
-              <a:buChar char="o"/>
-            </a:pPr>
-            <a:r>
-              <a:rPr lang="en-GB" dirty="0"/>
-              <a:t>This nature of version control allows the steps of change for production documents to be followed easily, if an appropriate naming system is adopted</a:t>
-            </a:r>
-          </a:p>
-          <a:p>
-            <a:pPr lvl="1">
-              <a:buFont typeface="Courier New" panose="02070309020205020404" pitchFamily="49" charset="0"/>
-              <a:buChar char="o"/>
-            </a:pPr>
-            <a:r>
-              <a:rPr lang="en-GB" dirty="0"/>
-              <a:t>The –m messaging feature allows colleagues to label their changes, e.g. ‘lines added for MFF values’</a:t>
-            </a:r>
-          </a:p>
-          <a:p>
-            <a:pPr marL="457200" lvl="1" indent="0">
-              <a:buNone/>
-            </a:pPr>
-            <a:endParaRPr lang="en-GB" dirty="0"/>
+              <a:t>Development of the tool was done through GitHub, involving co-development between NHS and Faculty</a:t>
+            </a:r>
+            <a:endParaRPr lang="en-GB" b="1" dirty="0"/>
           </a:p>
         </p:txBody>
       </p:sp>
@@ -15974,14 +16099,14 @@
           <a:lstStyle/>
           <a:p>
             <a:r>
-              <a:rPr lang="en-GB" dirty="0"/>
+              <a:rPr lang="en-GB"/>
               <a:t>Introduction to GitHub and </a:t>
             </a:r>
             <a:r>
-              <a:rPr lang="en-GB" dirty="0" err="1"/>
+              <a:rPr lang="en-GB" err="1"/>
               <a:t>GitBash</a:t>
             </a:r>
-            <a:endParaRPr lang="en-US" dirty="0"/>
+            <a:endParaRPr lang="en-US"/>
           </a:p>
         </p:txBody>
       </p:sp>
@@ -16008,15 +16133,45 @@
           <a:p>
             <a:r>
               <a:rPr lang="en-GB" dirty="0"/>
-              <a:t>Why is this applicable to AIF Payments?</a:t>
-            </a:r>
-          </a:p>
-        </p:txBody>
-      </p:sp>
+              <a:t>Learning From Others</a:t>
+            </a:r>
+          </a:p>
+        </p:txBody>
+      </p:sp>
+      <p:pic>
+        <p:nvPicPr>
+          <p:cNvPr id="6" name="Picture 5">
+            <a:extLst>
+              <a:ext uri="{FF2B5EF4-FFF2-40B4-BE49-F238E27FC236}">
+                <a16:creationId xmlns:a16="http://schemas.microsoft.com/office/drawing/2014/main" id="{6EC7EFA0-D721-48A7-9D6F-C7EC882B6CA6}"/>
+              </a:ext>
+            </a:extLst>
+          </p:cNvPr>
+          <p:cNvPicPr>
+            <a:picLocks noChangeAspect="1"/>
+          </p:cNvPicPr>
+          <p:nvPr/>
+        </p:nvPicPr>
+        <p:blipFill>
+          <a:blip r:embed="rId3"/>
+          <a:stretch>
+            <a:fillRect/>
+          </a:stretch>
+        </p:blipFill>
+        <p:spPr>
+          <a:xfrm>
+            <a:off x="6062584" y="5189251"/>
+            <a:ext cx="2390740" cy="1449293"/>
+          </a:xfrm>
+          <a:prstGeom prst="rect">
+            <a:avLst/>
+          </a:prstGeom>
+        </p:spPr>
+      </p:pic>
     </p:spTree>
     <p:extLst>
       <p:ext uri="{BB962C8B-B14F-4D97-AF65-F5344CB8AC3E}">
-        <p14:creationId xmlns:p14="http://schemas.microsoft.com/office/powerpoint/2010/main" val="2310298358"/>
+        <p14:creationId xmlns:p14="http://schemas.microsoft.com/office/powerpoint/2010/main" val="284761932"/>
       </p:ext>
     </p:extLst>
   </p:cSld>
@@ -16043,53 +16198,162 @@
           <a:chExt cx="0" cy="0"/>
         </a:xfrm>
       </p:grpSpPr>
-      <p:pic>
-        <p:nvPicPr>
-          <p:cNvPr id="5" name="Picture 2" descr="See the source image">
-            <a:extLst>
-              <a:ext uri="{FF2B5EF4-FFF2-40B4-BE49-F238E27FC236}">
-                <a16:creationId xmlns:a16="http://schemas.microsoft.com/office/drawing/2014/main" id="{0ED5EA98-2928-4140-96E4-BCECB454AD2D}"/>
-              </a:ext>
-            </a:extLst>
-          </p:cNvPr>
-          <p:cNvPicPr>
-            <a:picLocks noChangeAspect="1" noChangeArrowheads="1"/>
-          </p:cNvPicPr>
-          <p:nvPr/>
-        </p:nvPicPr>
-        <p:blipFill>
-          <a:blip r:embed="rId3">
-            <a:extLst>
-              <a:ext uri="{28A0092B-C50C-407E-A947-70E740481C1C}">
-                <a14:useLocalDpi xmlns:a14="http://schemas.microsoft.com/office/drawing/2010/main" val="0"/>
-              </a:ext>
-            </a:extLst>
-          </a:blip>
-          <a:srcRect/>
-          <a:stretch>
-            <a:fillRect/>
-          </a:stretch>
-        </p:blipFill>
-        <p:spPr bwMode="auto">
-          <a:xfrm>
-            <a:off x="7338694" y="5450056"/>
-            <a:ext cx="1382318" cy="1248508"/>
-          </a:xfrm>
-          <a:prstGeom prst="rect">
-            <a:avLst/>
-          </a:prstGeom>
-          <a:noFill/>
-          <a:extLst>
-            <a:ext uri="{909E8E84-426E-40DD-AFC4-6F175D3DCCD1}">
-              <a14:hiddenFill xmlns:a14="http://schemas.microsoft.com/office/drawing/2010/main">
-                <a:solidFill>
-                  <a:srgbClr val="FFFFFF"/>
-                </a:solidFill>
-              </a14:hiddenFill>
-            </a:ext>
-          </a:extLst>
-        </p:spPr>
-      </p:pic>
+      <p:sp>
+        <p:nvSpPr>
+          <p:cNvPr id="2" name="Content Placeholder 1">
+            <a:extLst>
+              <a:ext uri="{FF2B5EF4-FFF2-40B4-BE49-F238E27FC236}">
+                <a16:creationId xmlns:a16="http://schemas.microsoft.com/office/drawing/2014/main" id="{48869F42-6D93-4C35-8FA5-AE406994C1E3}"/>
+              </a:ext>
+            </a:extLst>
+          </p:cNvPr>
+          <p:cNvSpPr>
+            <a:spLocks noGrp="1"/>
+          </p:cNvSpPr>
+          <p:nvPr>
+            <p:ph sz="quarter" idx="10"/>
+          </p:nvPr>
+        </p:nvSpPr>
+        <p:spPr/>
+        <p:txBody>
+          <a:bodyPr/>
+          <a:lstStyle/>
+          <a:p>
+            <a:r>
+              <a:rPr lang="en-GB" dirty="0"/>
+              <a:t>Version Control -&gt; Version Control can be something that is difficult/time consuming to complete</a:t>
+            </a:r>
+          </a:p>
+          <a:p>
+            <a:pPr lvl="1">
+              <a:buFont typeface="Courier New" panose="02070309020205020404" pitchFamily="49" charset="0"/>
+              <a:buChar char="o"/>
+            </a:pPr>
+            <a:r>
+              <a:rPr lang="en-GB" dirty="0"/>
+              <a:t>There are often small changes that may seem meaningless to record</a:t>
+            </a:r>
+          </a:p>
+          <a:p>
+            <a:pPr lvl="1">
+              <a:buFont typeface="Courier New" panose="02070309020205020404" pitchFamily="49" charset="0"/>
+              <a:buChar char="o"/>
+            </a:pPr>
+            <a:r>
+              <a:rPr lang="en-GB" dirty="0"/>
+              <a:t>There can be large changes that change the landscape of a file</a:t>
+            </a:r>
+          </a:p>
+          <a:p>
+            <a:pPr lvl="1">
+              <a:buFont typeface="Courier New" panose="02070309020205020404" pitchFamily="49" charset="0"/>
+              <a:buChar char="o"/>
+            </a:pPr>
+            <a:r>
+              <a:rPr lang="en-GB" dirty="0"/>
+              <a:t>Branching allows small and large changes to be tracked, and files to be archived without clutter</a:t>
+            </a:r>
+          </a:p>
+          <a:p>
+            <a:pPr lvl="1">
+              <a:buFont typeface="Courier New" panose="02070309020205020404" pitchFamily="49" charset="0"/>
+              <a:buChar char="o"/>
+            </a:pPr>
+            <a:endParaRPr lang="en-GB" dirty="0"/>
+          </a:p>
+          <a:p>
+            <a:r>
+              <a:rPr lang="en-GB" dirty="0"/>
+              <a:t>Collaborative Working -&gt; The team often works on large R scripts / SQL queries etc. that may constantly change over the process of producing a product</a:t>
+            </a:r>
+          </a:p>
+          <a:p>
+            <a:pPr lvl="1">
+              <a:buFont typeface="Courier New" panose="02070309020205020404" pitchFamily="49" charset="0"/>
+              <a:buChar char="o"/>
+            </a:pPr>
+            <a:r>
+              <a:rPr lang="en-GB" dirty="0"/>
+              <a:t>Multiple colleagues can access scripts, make changes, </a:t>
+            </a:r>
+            <a:r>
+              <a:rPr lang="en-GB" i="1" dirty="0"/>
+              <a:t>push</a:t>
+            </a:r>
+            <a:r>
+              <a:rPr lang="en-GB" dirty="0"/>
+              <a:t> them to the remote, and </a:t>
+            </a:r>
+            <a:r>
+              <a:rPr lang="en-GB" i="1" dirty="0"/>
+              <a:t>pull</a:t>
+            </a:r>
+            <a:r>
+              <a:rPr lang="en-GB" dirty="0"/>
+              <a:t> the changes that others have made</a:t>
+            </a:r>
+          </a:p>
+          <a:p>
+            <a:pPr lvl="1">
+              <a:buFont typeface="Courier New" panose="02070309020205020404" pitchFamily="49" charset="0"/>
+              <a:buChar char="o"/>
+            </a:pPr>
+            <a:r>
+              <a:rPr lang="en-GB" dirty="0"/>
+              <a:t>These changes can be reviewed centrally, and commits and merges can be made where we are confident that change is necessary</a:t>
+            </a:r>
+          </a:p>
+          <a:p>
+            <a:pPr lvl="1">
+              <a:buFont typeface="Courier New" panose="02070309020205020404" pitchFamily="49" charset="0"/>
+              <a:buChar char="o"/>
+            </a:pPr>
+            <a:r>
+              <a:rPr lang="en-GB" dirty="0"/>
+              <a:t>This would be useful for future iterations of PLICS where the R code will likely become much larger, and more people will work on it</a:t>
+            </a:r>
+          </a:p>
+          <a:p>
+            <a:pPr lvl="1">
+              <a:buFont typeface="Courier New" panose="02070309020205020404" pitchFamily="49" charset="0"/>
+              <a:buChar char="o"/>
+            </a:pPr>
+            <a:endParaRPr lang="en-GB" dirty="0"/>
+          </a:p>
+          <a:p>
+            <a:r>
+              <a:rPr lang="en-GB" dirty="0"/>
+              <a:t>Transparency and Schematics -&gt; Schematics can sometimes be difficult to produce as lots of processes have taken place</a:t>
+            </a:r>
+          </a:p>
+          <a:p>
+            <a:pPr lvl="1">
+              <a:buFont typeface="Courier New" panose="02070309020205020404" pitchFamily="49" charset="0"/>
+              <a:buChar char="o"/>
+            </a:pPr>
+            <a:r>
+              <a:rPr lang="en-GB" dirty="0"/>
+              <a:t>This nature of version control allows the steps of change for production documents to be followed easily, if an appropriate naming system is adopted</a:t>
+            </a:r>
+          </a:p>
+          <a:p>
+            <a:pPr lvl="1">
+              <a:buFont typeface="Courier New" panose="02070309020205020404" pitchFamily="49" charset="0"/>
+              <a:buChar char="o"/>
+            </a:pPr>
+            <a:r>
+              <a:rPr lang="en-GB" dirty="0"/>
+              <a:t>The –m messaging feature allows colleagues to label their changes, e.g. ‘lines added for MFF values’</a:t>
+            </a:r>
+          </a:p>
+          <a:p>
+            <a:pPr marL="457200" lvl="1" indent="0">
+              <a:buNone/>
+            </a:pPr>
+            <a:endParaRPr lang="en-GB" dirty="0"/>
+          </a:p>
+        </p:txBody>
+      </p:sp>
       <p:sp>
         <p:nvSpPr>
           <p:cNvPr id="3" name="Footer Placeholder 2">
@@ -16112,14 +16376,14 @@
           <a:lstStyle/>
           <a:p>
             <a:r>
-              <a:rPr lang="en-GB" dirty="0"/>
+              <a:rPr lang="en-GB"/>
               <a:t>Introduction to GitHub and </a:t>
             </a:r>
             <a:r>
-              <a:rPr lang="en-GB" dirty="0" err="1"/>
+              <a:rPr lang="en-GB" err="1"/>
               <a:t>GitBash</a:t>
             </a:r>
-            <a:endParaRPr lang="en-US" dirty="0"/>
+            <a:endParaRPr lang="en-US"/>
           </a:p>
         </p:txBody>
       </p:sp>
@@ -16145,138 +16409,8 @@
           <a:lstStyle/>
           <a:p>
             <a:r>
-              <a:rPr lang="en-GB" dirty="0"/>
-              <a:t>Visual Run: Initialisation</a:t>
-            </a:r>
-          </a:p>
-        </p:txBody>
-      </p:sp>
-      <p:pic>
-        <p:nvPicPr>
-          <p:cNvPr id="7" name="Picture 6">
-            <a:extLst>
-              <a:ext uri="{FF2B5EF4-FFF2-40B4-BE49-F238E27FC236}">
-                <a16:creationId xmlns:a16="http://schemas.microsoft.com/office/drawing/2014/main" id="{E1D8423B-2659-4FCA-865B-E9DFA4510990}"/>
-              </a:ext>
-            </a:extLst>
-          </p:cNvPr>
-          <p:cNvPicPr>
-            <a:picLocks noChangeAspect="1"/>
-          </p:cNvPicPr>
-          <p:nvPr/>
-        </p:nvPicPr>
-        <p:blipFill>
-          <a:blip r:embed="rId4"/>
-          <a:stretch>
-            <a:fillRect/>
-          </a:stretch>
-        </p:blipFill>
-        <p:spPr>
-          <a:xfrm>
-            <a:off x="533227" y="831105"/>
-            <a:ext cx="4838873" cy="3705228"/>
-          </a:xfrm>
-          <a:prstGeom prst="rect">
-            <a:avLst/>
-          </a:prstGeom>
-        </p:spPr>
-      </p:pic>
-      <p:pic>
-        <p:nvPicPr>
-          <p:cNvPr id="9" name="Picture 8">
-            <a:extLst>
-              <a:ext uri="{FF2B5EF4-FFF2-40B4-BE49-F238E27FC236}">
-                <a16:creationId xmlns:a16="http://schemas.microsoft.com/office/drawing/2014/main" id="{35B18837-73B4-49C2-9D15-47B5A2BCA344}"/>
-              </a:ext>
-            </a:extLst>
-          </p:cNvPr>
-          <p:cNvPicPr>
-            <a:picLocks noChangeAspect="1"/>
-          </p:cNvPicPr>
-          <p:nvPr/>
-        </p:nvPicPr>
-        <p:blipFill>
-          <a:blip r:embed="rId5"/>
-          <a:stretch>
-            <a:fillRect/>
-          </a:stretch>
-        </p:blipFill>
-        <p:spPr>
-          <a:xfrm>
-            <a:off x="3282378" y="3483130"/>
-            <a:ext cx="5563376" cy="1914792"/>
-          </a:xfrm>
-          <a:prstGeom prst="rect">
-            <a:avLst/>
-          </a:prstGeom>
-        </p:spPr>
-      </p:pic>
-      <p:sp>
-        <p:nvSpPr>
-          <p:cNvPr id="2" name="TextBox 1">
-            <a:extLst>
-              <a:ext uri="{FF2B5EF4-FFF2-40B4-BE49-F238E27FC236}">
-                <a16:creationId xmlns:a16="http://schemas.microsoft.com/office/drawing/2014/main" id="{112C730F-B8E3-48D8-96DD-B2D963FDE743}"/>
-              </a:ext>
-            </a:extLst>
-          </p:cNvPr>
-          <p:cNvSpPr txBox="1"/>
-          <p:nvPr/>
-        </p:nvSpPr>
-        <p:spPr>
-          <a:xfrm>
-            <a:off x="533227" y="4621158"/>
-            <a:ext cx="2250830" cy="523220"/>
-          </a:xfrm>
-          <a:prstGeom prst="rect">
-            <a:avLst/>
-          </a:prstGeom>
-          <a:noFill/>
-        </p:spPr>
-        <p:txBody>
-          <a:bodyPr wrap="square" rtlCol="0">
-            <a:spAutoFit/>
-          </a:bodyPr>
-          <a:lstStyle/>
-          <a:p>
-            <a:r>
-              <a:rPr lang="en-GB" sz="1400" dirty="0"/>
-              <a:t>1. Creating Local Repository</a:t>
-            </a:r>
-          </a:p>
-        </p:txBody>
-      </p:sp>
-      <p:sp>
-        <p:nvSpPr>
-          <p:cNvPr id="8" name="TextBox 7">
-            <a:extLst>
-              <a:ext uri="{FF2B5EF4-FFF2-40B4-BE49-F238E27FC236}">
-                <a16:creationId xmlns:a16="http://schemas.microsoft.com/office/drawing/2014/main" id="{41B2D551-8370-4ABD-90B0-59962D4915BC}"/>
-              </a:ext>
-            </a:extLst>
-          </p:cNvPr>
-          <p:cNvSpPr txBox="1"/>
-          <p:nvPr/>
-        </p:nvSpPr>
-        <p:spPr>
-          <a:xfrm>
-            <a:off x="3282378" y="5497324"/>
-            <a:ext cx="2250830" cy="738664"/>
-          </a:xfrm>
-          <a:prstGeom prst="rect">
-            <a:avLst/>
-          </a:prstGeom>
-          <a:noFill/>
-        </p:spPr>
-        <p:txBody>
-          <a:bodyPr wrap="square" rtlCol="0">
-            <a:spAutoFit/>
-          </a:bodyPr>
-          <a:lstStyle/>
-          <a:p>
-            <a:r>
-              <a:rPr lang="en-GB" sz="1400" dirty="0"/>
-              <a:t>2. Initialising Repository and Creating global User name/email</a:t>
+              <a:rPr lang="en-GB"/>
+              <a:t>Why is this applicable to AIF Payments?</a:t>
             </a:r>
           </a:p>
         </p:txBody>
@@ -16284,7 +16418,7 @@
     </p:spTree>
     <p:extLst>
       <p:ext uri="{BB962C8B-B14F-4D97-AF65-F5344CB8AC3E}">
-        <p14:creationId xmlns:p14="http://schemas.microsoft.com/office/powerpoint/2010/main" val="1632702149"/>
+        <p14:creationId xmlns:p14="http://schemas.microsoft.com/office/powerpoint/2010/main" val="2310298358"/>
       </p:ext>
     </p:extLst>
   </p:cSld>
@@ -16380,14 +16514,14 @@
           <a:lstStyle/>
           <a:p>
             <a:r>
-              <a:rPr lang="en-GB" dirty="0"/>
+              <a:rPr lang="en-GB"/>
               <a:t>Introduction to GitHub and </a:t>
             </a:r>
             <a:r>
-              <a:rPr lang="en-GB" dirty="0" err="1"/>
+              <a:rPr lang="en-GB" err="1"/>
               <a:t>GitBash</a:t>
             </a:r>
-            <a:endParaRPr lang="en-US" dirty="0"/>
+            <a:endParaRPr lang="en-US"/>
           </a:p>
         </p:txBody>
       </p:sp>
@@ -16413,18 +16547,18 @@
           <a:lstStyle/>
           <a:p>
             <a:r>
-              <a:rPr lang="en-GB" sz="2800" dirty="0"/>
-              <a:t>Visual Run: Adding Files and Remote</a:t>
+              <a:rPr lang="en-GB"/>
+              <a:t>Visual Run: Initialisation</a:t>
             </a:r>
           </a:p>
         </p:txBody>
       </p:sp>
       <p:pic>
         <p:nvPicPr>
-          <p:cNvPr id="6" name="Picture 5">
-            <a:extLst>
-              <a:ext uri="{FF2B5EF4-FFF2-40B4-BE49-F238E27FC236}">
-                <a16:creationId xmlns:a16="http://schemas.microsoft.com/office/drawing/2014/main" id="{A7280718-E562-4AC0-92E3-E37F575841D1}"/>
+          <p:cNvPr id="7" name="Picture 6">
+            <a:extLst>
+              <a:ext uri="{FF2B5EF4-FFF2-40B4-BE49-F238E27FC236}">
+                <a16:creationId xmlns:a16="http://schemas.microsoft.com/office/drawing/2014/main" id="{E1D8423B-2659-4FCA-865B-E9DFA4510990}"/>
               </a:ext>
             </a:extLst>
           </p:cNvPr>
@@ -16441,8 +16575,8 @@
         </p:blipFill>
         <p:spPr>
           <a:xfrm>
-            <a:off x="188976" y="831106"/>
-            <a:ext cx="2545432" cy="1795599"/>
+            <a:off x="533227" y="831105"/>
+            <a:ext cx="4838873" cy="3705228"/>
           </a:xfrm>
           <a:prstGeom prst="rect">
             <a:avLst/>
@@ -16451,10 +16585,10 @@
       </p:pic>
       <p:pic>
         <p:nvPicPr>
-          <p:cNvPr id="10" name="Picture 9">
-            <a:extLst>
-              <a:ext uri="{FF2B5EF4-FFF2-40B4-BE49-F238E27FC236}">
-                <a16:creationId xmlns:a16="http://schemas.microsoft.com/office/drawing/2014/main" id="{A209B4DA-B8E5-49DC-BF63-2858946E45DB}"/>
+          <p:cNvPr id="9" name="Picture 8">
+            <a:extLst>
+              <a:ext uri="{FF2B5EF4-FFF2-40B4-BE49-F238E27FC236}">
+                <a16:creationId xmlns:a16="http://schemas.microsoft.com/office/drawing/2014/main" id="{35B18837-73B4-49C2-9D15-47B5A2BCA344}"/>
               </a:ext>
             </a:extLst>
           </p:cNvPr>
@@ -16471,120 +16605,30 @@
         </p:blipFill>
         <p:spPr>
           <a:xfrm>
-            <a:off x="4337870" y="1088280"/>
-            <a:ext cx="4383141" cy="1538426"/>
+            <a:off x="3282378" y="3483130"/>
+            <a:ext cx="5563376" cy="1914792"/>
           </a:xfrm>
           <a:prstGeom prst="rect">
             <a:avLst/>
           </a:prstGeom>
         </p:spPr>
       </p:pic>
-      <p:pic>
-        <p:nvPicPr>
-          <p:cNvPr id="12" name="Picture 11">
-            <a:extLst>
-              <a:ext uri="{FF2B5EF4-FFF2-40B4-BE49-F238E27FC236}">
-                <a16:creationId xmlns:a16="http://schemas.microsoft.com/office/drawing/2014/main" id="{D17A6B68-97DC-4D77-A811-CA8F6D8ED9D2}"/>
-              </a:ext>
-            </a:extLst>
-          </p:cNvPr>
-          <p:cNvPicPr>
-            <a:picLocks noChangeAspect="1"/>
-          </p:cNvPicPr>
+      <p:sp>
+        <p:nvSpPr>
+          <p:cNvPr id="2" name="TextBox 1">
+            <a:extLst>
+              <a:ext uri="{FF2B5EF4-FFF2-40B4-BE49-F238E27FC236}">
+                <a16:creationId xmlns:a16="http://schemas.microsoft.com/office/drawing/2014/main" id="{112C730F-B8E3-48D8-96DD-B2D963FDE743}"/>
+              </a:ext>
+            </a:extLst>
+          </p:cNvPr>
+          <p:cNvSpPr txBox="1"/>
           <p:nvPr/>
-        </p:nvPicPr>
-        <p:blipFill>
-          <a:blip r:embed="rId6"/>
-          <a:stretch>
-            <a:fillRect/>
-          </a:stretch>
-        </p:blipFill>
+        </p:nvSpPr>
         <p:spPr>
           <a:xfrm>
-            <a:off x="188976" y="3153956"/>
-            <a:ext cx="3908239" cy="1795599"/>
-          </a:xfrm>
-          <a:prstGeom prst="rect">
-            <a:avLst/>
-          </a:prstGeom>
-        </p:spPr>
-      </p:pic>
-      <p:pic>
-        <p:nvPicPr>
-          <p:cNvPr id="14" name="Picture 13">
-            <a:extLst>
-              <a:ext uri="{FF2B5EF4-FFF2-40B4-BE49-F238E27FC236}">
-                <a16:creationId xmlns:a16="http://schemas.microsoft.com/office/drawing/2014/main" id="{99C37069-AE7F-41BF-AA1F-4BF811FC4FAC}"/>
-              </a:ext>
-            </a:extLst>
-          </p:cNvPr>
-          <p:cNvPicPr>
-            <a:picLocks noChangeAspect="1"/>
-          </p:cNvPicPr>
-          <p:nvPr/>
-        </p:nvPicPr>
-        <p:blipFill>
-          <a:blip r:embed="rId7"/>
-          <a:stretch>
-            <a:fillRect/>
-          </a:stretch>
-        </p:blipFill>
-        <p:spPr>
-          <a:xfrm>
-            <a:off x="4337871" y="3141052"/>
-            <a:ext cx="4383141" cy="1808503"/>
-          </a:xfrm>
-          <a:prstGeom prst="rect">
-            <a:avLst/>
-          </a:prstGeom>
-        </p:spPr>
-      </p:pic>
-      <p:pic>
-        <p:nvPicPr>
-          <p:cNvPr id="16" name="Picture 15">
-            <a:extLst>
-              <a:ext uri="{FF2B5EF4-FFF2-40B4-BE49-F238E27FC236}">
-                <a16:creationId xmlns:a16="http://schemas.microsoft.com/office/drawing/2014/main" id="{CD3239C5-75E0-471B-9A1E-85843CB60BBF}"/>
-              </a:ext>
-            </a:extLst>
-          </p:cNvPr>
-          <p:cNvPicPr>
-            <a:picLocks noChangeAspect="1"/>
-          </p:cNvPicPr>
-          <p:nvPr/>
-        </p:nvPicPr>
-        <p:blipFill>
-          <a:blip r:embed="rId8"/>
-          <a:stretch>
-            <a:fillRect/>
-          </a:stretch>
-        </p:blipFill>
-        <p:spPr>
-          <a:xfrm>
-            <a:off x="2066193" y="5519221"/>
-            <a:ext cx="4383142" cy="523220"/>
-          </a:xfrm>
-          <a:prstGeom prst="rect">
-            <a:avLst/>
-          </a:prstGeom>
-        </p:spPr>
-      </p:pic>
-      <p:sp>
-        <p:nvSpPr>
-          <p:cNvPr id="11" name="TextBox 10">
-            <a:extLst>
-              <a:ext uri="{FF2B5EF4-FFF2-40B4-BE49-F238E27FC236}">
-                <a16:creationId xmlns:a16="http://schemas.microsoft.com/office/drawing/2014/main" id="{F720F03E-342D-4381-8F4D-43B3561662A0}"/>
-              </a:ext>
-            </a:extLst>
-          </p:cNvPr>
-          <p:cNvSpPr txBox="1"/>
-          <p:nvPr/>
-        </p:nvSpPr>
-        <p:spPr>
-          <a:xfrm>
-            <a:off x="232293" y="2659141"/>
-            <a:ext cx="2422984" cy="523220"/>
+            <a:off x="533227" y="4621158"/>
+            <a:ext cx="2250830" cy="523220"/>
           </a:xfrm>
           <a:prstGeom prst="rect">
             <a:avLst/>
@@ -16598,18 +16642,18 @@
           <a:lstStyle/>
           <a:p>
             <a:r>
-              <a:rPr lang="en-GB" sz="1400" dirty="0"/>
-              <a:t>3. Create first file for repository</a:t>
-            </a:r>
-          </a:p>
-        </p:txBody>
-      </p:sp>
-      <p:sp>
-        <p:nvSpPr>
-          <p:cNvPr id="13" name="TextBox 12">
-            <a:extLst>
-              <a:ext uri="{FF2B5EF4-FFF2-40B4-BE49-F238E27FC236}">
-                <a16:creationId xmlns:a16="http://schemas.microsoft.com/office/drawing/2014/main" id="{9AC92111-7EBB-4255-B2A9-A9F0278CE46B}"/>
+              <a:rPr lang="en-GB" sz="1400"/>
+              <a:t>1. Creating Local Repository</a:t>
+            </a:r>
+          </a:p>
+        </p:txBody>
+      </p:sp>
+      <p:sp>
+        <p:nvSpPr>
+          <p:cNvPr id="8" name="TextBox 7">
+            <a:extLst>
+              <a:ext uri="{FF2B5EF4-FFF2-40B4-BE49-F238E27FC236}">
+                <a16:creationId xmlns:a16="http://schemas.microsoft.com/office/drawing/2014/main" id="{41B2D551-8370-4ABD-90B0-59962D4915BC}"/>
               </a:ext>
             </a:extLst>
           </p:cNvPr>
@@ -16618,8 +16662,8 @@
         </p:nvSpPr>
         <p:spPr>
           <a:xfrm>
-            <a:off x="4337871" y="2659141"/>
-            <a:ext cx="4032406" cy="523220"/>
+            <a:off x="3282378" y="5497324"/>
+            <a:ext cx="2250830" cy="738664"/>
           </a:xfrm>
           <a:prstGeom prst="rect">
             <a:avLst/>
@@ -16633,113 +16677,8 @@
           <a:lstStyle/>
           <a:p>
             <a:r>
-              <a:rPr lang="en-GB" sz="1400" dirty="0"/>
-              <a:t>4. Check status, add and commit file with message</a:t>
-            </a:r>
-          </a:p>
-        </p:txBody>
-      </p:sp>
-      <p:sp>
-        <p:nvSpPr>
-          <p:cNvPr id="15" name="TextBox 14">
-            <a:extLst>
-              <a:ext uri="{FF2B5EF4-FFF2-40B4-BE49-F238E27FC236}">
-                <a16:creationId xmlns:a16="http://schemas.microsoft.com/office/drawing/2014/main" id="{35C79EAA-B192-46CA-A8B0-C2EA949CB849}"/>
-              </a:ext>
-            </a:extLst>
-          </p:cNvPr>
-          <p:cNvSpPr txBox="1"/>
-          <p:nvPr/>
-        </p:nvSpPr>
-        <p:spPr>
-          <a:xfrm>
-            <a:off x="188976" y="5059052"/>
-            <a:ext cx="2967462" cy="307777"/>
-          </a:xfrm>
-          <a:prstGeom prst="rect">
-            <a:avLst/>
-          </a:prstGeom>
-          <a:noFill/>
-        </p:spPr>
-        <p:txBody>
-          <a:bodyPr wrap="square" rtlCol="0">
-            <a:spAutoFit/>
-          </a:bodyPr>
-          <a:lstStyle/>
-          <a:p>
-            <a:r>
-              <a:rPr lang="en-GB" sz="1400" dirty="0"/>
-              <a:t>5. Create ‘remote’ repo on GitHub</a:t>
-            </a:r>
-          </a:p>
-        </p:txBody>
-      </p:sp>
-      <p:sp>
-        <p:nvSpPr>
-          <p:cNvPr id="17" name="TextBox 16">
-            <a:extLst>
-              <a:ext uri="{FF2B5EF4-FFF2-40B4-BE49-F238E27FC236}">
-                <a16:creationId xmlns:a16="http://schemas.microsoft.com/office/drawing/2014/main" id="{1931B312-AB1C-4F0B-9F6F-BAEDE0155D4C}"/>
-              </a:ext>
-            </a:extLst>
-          </p:cNvPr>
-          <p:cNvSpPr txBox="1"/>
-          <p:nvPr/>
-        </p:nvSpPr>
-        <p:spPr>
-          <a:xfrm>
-            <a:off x="4333046" y="5012885"/>
-            <a:ext cx="4621977" cy="307777"/>
-          </a:xfrm>
-          <a:prstGeom prst="rect">
-            <a:avLst/>
-          </a:prstGeom>
-          <a:noFill/>
-        </p:spPr>
-        <p:txBody>
-          <a:bodyPr wrap="square" rtlCol="0">
-            <a:spAutoFit/>
-          </a:bodyPr>
-          <a:lstStyle/>
-          <a:p>
-            <a:r>
-              <a:rPr lang="en-GB" sz="1400" dirty="0"/>
-              <a:t>6. Connect local and remote repos, push files</a:t>
-            </a:r>
-          </a:p>
-        </p:txBody>
-      </p:sp>
-      <p:sp>
-        <p:nvSpPr>
-          <p:cNvPr id="18" name="TextBox 17">
-            <a:extLst>
-              <a:ext uri="{FF2B5EF4-FFF2-40B4-BE49-F238E27FC236}">
-                <a16:creationId xmlns:a16="http://schemas.microsoft.com/office/drawing/2014/main" id="{2CB3F09B-1A7D-4587-890E-7DFD87024F9D}"/>
-              </a:ext>
-            </a:extLst>
-          </p:cNvPr>
-          <p:cNvSpPr txBox="1"/>
-          <p:nvPr/>
-        </p:nvSpPr>
-        <p:spPr>
-          <a:xfrm>
-            <a:off x="232293" y="6034052"/>
-            <a:ext cx="3618738" cy="307777"/>
-          </a:xfrm>
-          <a:prstGeom prst="rect">
-            <a:avLst/>
-          </a:prstGeom>
-          <a:noFill/>
-        </p:spPr>
-        <p:txBody>
-          <a:bodyPr wrap="square" rtlCol="0">
-            <a:spAutoFit/>
-          </a:bodyPr>
-          <a:lstStyle/>
-          <a:p>
-            <a:r>
-              <a:rPr lang="en-GB" sz="1400" dirty="0"/>
-              <a:t>7. Check GitHub to see files and branches</a:t>
+              <a:rPr lang="en-GB" sz="1400"/>
+              <a:t>2. Initialising Repository and Creating global User name/email</a:t>
             </a:r>
           </a:p>
         </p:txBody>
@@ -16747,7 +16686,7 @@
     </p:spTree>
     <p:extLst>
       <p:ext uri="{BB962C8B-B14F-4D97-AF65-F5344CB8AC3E}">
-        <p14:creationId xmlns:p14="http://schemas.microsoft.com/office/powerpoint/2010/main" val="3909519556"/>
+        <p14:creationId xmlns:p14="http://schemas.microsoft.com/office/powerpoint/2010/main" val="1632702149"/>
       </p:ext>
     </p:extLst>
   </p:cSld>
@@ -16843,14 +16782,14 @@
           <a:lstStyle/>
           <a:p>
             <a:r>
-              <a:rPr lang="en-GB" dirty="0"/>
+              <a:rPr lang="en-GB"/>
               <a:t>Introduction to GitHub and </a:t>
             </a:r>
             <a:r>
-              <a:rPr lang="en-GB" dirty="0" err="1"/>
+              <a:rPr lang="en-GB" err="1"/>
               <a:t>GitBash</a:t>
             </a:r>
-            <a:endParaRPr lang="en-US" dirty="0"/>
+            <a:endParaRPr lang="en-US"/>
           </a:p>
         </p:txBody>
       </p:sp>
@@ -16876,8 +16815,8 @@
           <a:lstStyle/>
           <a:p>
             <a:r>
-              <a:rPr lang="en-GB" dirty="0"/>
-              <a:t>Visual Run: Creating Branches</a:t>
+              <a:rPr lang="en-GB" sz="2800"/>
+              <a:t>Visual Run: Adding Files and Remote</a:t>
             </a:r>
           </a:p>
         </p:txBody>
@@ -16887,7 +16826,7 @@
           <p:cNvPr id="6" name="Picture 5">
             <a:extLst>
               <a:ext uri="{FF2B5EF4-FFF2-40B4-BE49-F238E27FC236}">
-                <a16:creationId xmlns:a16="http://schemas.microsoft.com/office/drawing/2014/main" id="{F7EA2DAB-6838-47F9-8C37-D66B5970B4A0}"/>
+                <a16:creationId xmlns:a16="http://schemas.microsoft.com/office/drawing/2014/main" id="{A7280718-E562-4AC0-92E3-E37F575841D1}"/>
               </a:ext>
             </a:extLst>
           </p:cNvPr>
@@ -16904,8 +16843,8 @@
         </p:blipFill>
         <p:spPr>
           <a:xfrm>
-            <a:off x="188976" y="1050282"/>
-            <a:ext cx="6449325" cy="466790"/>
+            <a:off x="188976" y="831106"/>
+            <a:ext cx="2545432" cy="1795599"/>
           </a:xfrm>
           <a:prstGeom prst="rect">
             <a:avLst/>
@@ -16914,10 +16853,10 @@
       </p:pic>
       <p:pic>
         <p:nvPicPr>
-          <p:cNvPr id="8" name="Picture 7">
-            <a:extLst>
-              <a:ext uri="{FF2B5EF4-FFF2-40B4-BE49-F238E27FC236}">
-                <a16:creationId xmlns:a16="http://schemas.microsoft.com/office/drawing/2014/main" id="{2B786FDD-9868-44C0-A890-CA9AFF167533}"/>
+          <p:cNvPr id="10" name="Picture 9">
+            <a:extLst>
+              <a:ext uri="{FF2B5EF4-FFF2-40B4-BE49-F238E27FC236}">
+                <a16:creationId xmlns:a16="http://schemas.microsoft.com/office/drawing/2014/main" id="{A209B4DA-B8E5-49DC-BF63-2858946E45DB}"/>
               </a:ext>
             </a:extLst>
           </p:cNvPr>
@@ -16934,8 +16873,8 @@
         </p:blipFill>
         <p:spPr>
           <a:xfrm>
-            <a:off x="188976" y="1626204"/>
-            <a:ext cx="2174485" cy="1983971"/>
+            <a:off x="4337870" y="1088280"/>
+            <a:ext cx="4383141" cy="1538426"/>
           </a:xfrm>
           <a:prstGeom prst="rect">
             <a:avLst/>
@@ -16944,10 +16883,10 @@
       </p:pic>
       <p:pic>
         <p:nvPicPr>
-          <p:cNvPr id="10" name="Picture 9">
-            <a:extLst>
-              <a:ext uri="{FF2B5EF4-FFF2-40B4-BE49-F238E27FC236}">
-                <a16:creationId xmlns:a16="http://schemas.microsoft.com/office/drawing/2014/main" id="{EA2BE417-1870-4DEC-B25E-857EC7903C7D}"/>
+          <p:cNvPr id="12" name="Picture 11">
+            <a:extLst>
+              <a:ext uri="{FF2B5EF4-FFF2-40B4-BE49-F238E27FC236}">
+                <a16:creationId xmlns:a16="http://schemas.microsoft.com/office/drawing/2014/main" id="{D17A6B68-97DC-4D77-A811-CA8F6D8ED9D2}"/>
               </a:ext>
             </a:extLst>
           </p:cNvPr>
@@ -16964,20 +16903,80 @@
         </p:blipFill>
         <p:spPr>
           <a:xfrm>
-            <a:off x="188976" y="3719307"/>
-            <a:ext cx="6449325" cy="2400635"/>
+            <a:off x="188976" y="3153956"/>
+            <a:ext cx="3908239" cy="1795599"/>
           </a:xfrm>
           <a:prstGeom prst="rect">
             <a:avLst/>
           </a:prstGeom>
         </p:spPr>
       </p:pic>
-      <p:sp>
-        <p:nvSpPr>
-          <p:cNvPr id="9" name="TextBox 8">
-            <a:extLst>
-              <a:ext uri="{FF2B5EF4-FFF2-40B4-BE49-F238E27FC236}">
-                <a16:creationId xmlns:a16="http://schemas.microsoft.com/office/drawing/2014/main" id="{EB6E1195-F03C-4D26-B8CC-E97C1D419112}"/>
+      <p:pic>
+        <p:nvPicPr>
+          <p:cNvPr id="14" name="Picture 13">
+            <a:extLst>
+              <a:ext uri="{FF2B5EF4-FFF2-40B4-BE49-F238E27FC236}">
+                <a16:creationId xmlns:a16="http://schemas.microsoft.com/office/drawing/2014/main" id="{99C37069-AE7F-41BF-AA1F-4BF811FC4FAC}"/>
+              </a:ext>
+            </a:extLst>
+          </p:cNvPr>
+          <p:cNvPicPr>
+            <a:picLocks noChangeAspect="1"/>
+          </p:cNvPicPr>
+          <p:nvPr/>
+        </p:nvPicPr>
+        <p:blipFill>
+          <a:blip r:embed="rId7"/>
+          <a:stretch>
+            <a:fillRect/>
+          </a:stretch>
+        </p:blipFill>
+        <p:spPr>
+          <a:xfrm>
+            <a:off x="4337871" y="3141052"/>
+            <a:ext cx="4383141" cy="1808503"/>
+          </a:xfrm>
+          <a:prstGeom prst="rect">
+            <a:avLst/>
+          </a:prstGeom>
+        </p:spPr>
+      </p:pic>
+      <p:pic>
+        <p:nvPicPr>
+          <p:cNvPr id="16" name="Picture 15">
+            <a:extLst>
+              <a:ext uri="{FF2B5EF4-FFF2-40B4-BE49-F238E27FC236}">
+                <a16:creationId xmlns:a16="http://schemas.microsoft.com/office/drawing/2014/main" id="{CD3239C5-75E0-471B-9A1E-85843CB60BBF}"/>
+              </a:ext>
+            </a:extLst>
+          </p:cNvPr>
+          <p:cNvPicPr>
+            <a:picLocks noChangeAspect="1"/>
+          </p:cNvPicPr>
+          <p:nvPr/>
+        </p:nvPicPr>
+        <p:blipFill>
+          <a:blip r:embed="rId8"/>
+          <a:stretch>
+            <a:fillRect/>
+          </a:stretch>
+        </p:blipFill>
+        <p:spPr>
+          <a:xfrm>
+            <a:off x="2066193" y="5519221"/>
+            <a:ext cx="4383142" cy="523220"/>
+          </a:xfrm>
+          <a:prstGeom prst="rect">
+            <a:avLst/>
+          </a:prstGeom>
+        </p:spPr>
+      </p:pic>
+      <p:sp>
+        <p:nvSpPr>
+          <p:cNvPr id="11" name="TextBox 10">
+            <a:extLst>
+              <a:ext uri="{FF2B5EF4-FFF2-40B4-BE49-F238E27FC236}">
+                <a16:creationId xmlns:a16="http://schemas.microsoft.com/office/drawing/2014/main" id="{F720F03E-342D-4381-8F4D-43B3561662A0}"/>
               </a:ext>
             </a:extLst>
           </p:cNvPr>
@@ -16986,7 +16985,7 @@
         </p:nvSpPr>
         <p:spPr>
           <a:xfrm>
-            <a:off x="6638301" y="1036561"/>
+            <a:off x="232293" y="2659141"/>
             <a:ext cx="2422984" cy="523220"/>
           </a:xfrm>
           <a:prstGeom prst="rect">
@@ -17001,18 +17000,18 @@
           <a:lstStyle/>
           <a:p>
             <a:r>
-              <a:rPr lang="en-GB" sz="1400" dirty="0"/>
-              <a:t>8. Create and move to new branch</a:t>
-            </a:r>
-          </a:p>
-        </p:txBody>
-      </p:sp>
-      <p:sp>
-        <p:nvSpPr>
-          <p:cNvPr id="11" name="TextBox 10">
-            <a:extLst>
-              <a:ext uri="{FF2B5EF4-FFF2-40B4-BE49-F238E27FC236}">
-                <a16:creationId xmlns:a16="http://schemas.microsoft.com/office/drawing/2014/main" id="{32F1990D-C26F-4050-957A-3FF8640573A8}"/>
+              <a:rPr lang="en-GB" sz="1400"/>
+              <a:t>3. Create first file for repository</a:t>
+            </a:r>
+          </a:p>
+        </p:txBody>
+      </p:sp>
+      <p:sp>
+        <p:nvSpPr>
+          <p:cNvPr id="13" name="TextBox 12">
+            <a:extLst>
+              <a:ext uri="{FF2B5EF4-FFF2-40B4-BE49-F238E27FC236}">
+                <a16:creationId xmlns:a16="http://schemas.microsoft.com/office/drawing/2014/main" id="{9AC92111-7EBB-4255-B2A9-A9F0278CE46B}"/>
               </a:ext>
             </a:extLst>
           </p:cNvPr>
@@ -17021,8 +17020,8 @@
         </p:nvSpPr>
         <p:spPr>
           <a:xfrm>
-            <a:off x="3168269" y="2356579"/>
-            <a:ext cx="3587761" cy="307777"/>
+            <a:off x="4337871" y="2659141"/>
+            <a:ext cx="4032406" cy="523220"/>
           </a:xfrm>
           <a:prstGeom prst="rect">
             <a:avLst/>
@@ -17036,18 +17035,18 @@
           <a:lstStyle/>
           <a:p>
             <a:r>
-              <a:rPr lang="en-GB" sz="1400" dirty="0"/>
-              <a:t>9. Edit file within the new branch and save</a:t>
-            </a:r>
-          </a:p>
-        </p:txBody>
-      </p:sp>
-      <p:sp>
-        <p:nvSpPr>
-          <p:cNvPr id="12" name="TextBox 11">
-            <a:extLst>
-              <a:ext uri="{FF2B5EF4-FFF2-40B4-BE49-F238E27FC236}">
-                <a16:creationId xmlns:a16="http://schemas.microsoft.com/office/drawing/2014/main" id="{10CE4C5C-EDFB-4AC2-909C-75EF358030A5}"/>
+              <a:rPr lang="en-GB" sz="1400"/>
+              <a:t>4. Check status, add and commit file with message</a:t>
+            </a:r>
+          </a:p>
+        </p:txBody>
+      </p:sp>
+      <p:sp>
+        <p:nvSpPr>
+          <p:cNvPr id="15" name="TextBox 14">
+            <a:extLst>
+              <a:ext uri="{FF2B5EF4-FFF2-40B4-BE49-F238E27FC236}">
+                <a16:creationId xmlns:a16="http://schemas.microsoft.com/office/drawing/2014/main" id="{35C79EAA-B192-46CA-A8B0-C2EA949CB849}"/>
               </a:ext>
             </a:extLst>
           </p:cNvPr>
@@ -17056,8 +17055,8 @@
         </p:nvSpPr>
         <p:spPr>
           <a:xfrm>
-            <a:off x="6638301" y="4660971"/>
-            <a:ext cx="2422984" cy="738664"/>
+            <a:off x="188976" y="5059052"/>
+            <a:ext cx="2967462" cy="307777"/>
           </a:xfrm>
           <a:prstGeom prst="rect">
             <a:avLst/>
@@ -17071,8 +17070,78 @@
           <a:lstStyle/>
           <a:p>
             <a:r>
-              <a:rPr lang="en-GB" sz="1400" dirty="0"/>
-              <a:t>10. Check status, add changes and commit with message</a:t>
+              <a:rPr lang="en-GB" sz="1400"/>
+              <a:t>5. Create ‘remote’ repo on GitHub</a:t>
+            </a:r>
+          </a:p>
+        </p:txBody>
+      </p:sp>
+      <p:sp>
+        <p:nvSpPr>
+          <p:cNvPr id="17" name="TextBox 16">
+            <a:extLst>
+              <a:ext uri="{FF2B5EF4-FFF2-40B4-BE49-F238E27FC236}">
+                <a16:creationId xmlns:a16="http://schemas.microsoft.com/office/drawing/2014/main" id="{1931B312-AB1C-4F0B-9F6F-BAEDE0155D4C}"/>
+              </a:ext>
+            </a:extLst>
+          </p:cNvPr>
+          <p:cNvSpPr txBox="1"/>
+          <p:nvPr/>
+        </p:nvSpPr>
+        <p:spPr>
+          <a:xfrm>
+            <a:off x="4333046" y="5012885"/>
+            <a:ext cx="4621977" cy="307777"/>
+          </a:xfrm>
+          <a:prstGeom prst="rect">
+            <a:avLst/>
+          </a:prstGeom>
+          <a:noFill/>
+        </p:spPr>
+        <p:txBody>
+          <a:bodyPr wrap="square" rtlCol="0">
+            <a:spAutoFit/>
+          </a:bodyPr>
+          <a:lstStyle/>
+          <a:p>
+            <a:r>
+              <a:rPr lang="en-GB" sz="1400"/>
+              <a:t>6. Connect local and remote repos, push files</a:t>
+            </a:r>
+          </a:p>
+        </p:txBody>
+      </p:sp>
+      <p:sp>
+        <p:nvSpPr>
+          <p:cNvPr id="18" name="TextBox 17">
+            <a:extLst>
+              <a:ext uri="{FF2B5EF4-FFF2-40B4-BE49-F238E27FC236}">
+                <a16:creationId xmlns:a16="http://schemas.microsoft.com/office/drawing/2014/main" id="{2CB3F09B-1A7D-4587-890E-7DFD87024F9D}"/>
+              </a:ext>
+            </a:extLst>
+          </p:cNvPr>
+          <p:cNvSpPr txBox="1"/>
+          <p:nvPr/>
+        </p:nvSpPr>
+        <p:spPr>
+          <a:xfrm>
+            <a:off x="232293" y="6034052"/>
+            <a:ext cx="3618738" cy="307777"/>
+          </a:xfrm>
+          <a:prstGeom prst="rect">
+            <a:avLst/>
+          </a:prstGeom>
+          <a:noFill/>
+        </p:spPr>
+        <p:txBody>
+          <a:bodyPr wrap="square" rtlCol="0">
+            <a:spAutoFit/>
+          </a:bodyPr>
+          <a:lstStyle/>
+          <a:p>
+            <a:r>
+              <a:rPr lang="en-GB" sz="1400"/>
+              <a:t>7. Check GitHub to see files and branches</a:t>
             </a:r>
           </a:p>
         </p:txBody>
@@ -17080,7 +17149,7 @@
     </p:spTree>
     <p:extLst>
       <p:ext uri="{BB962C8B-B14F-4D97-AF65-F5344CB8AC3E}">
-        <p14:creationId xmlns:p14="http://schemas.microsoft.com/office/powerpoint/2010/main" val="98407624"/>
+        <p14:creationId xmlns:p14="http://schemas.microsoft.com/office/powerpoint/2010/main" val="3909519556"/>
       </p:ext>
     </p:extLst>
   </p:cSld>
@@ -17922,6 +17991,15 @@
 </file>
 
 <file path=customXml/item1.xml><?xml version="1.0" encoding="utf-8"?>
+<?mso-contentType ?>
+<FormTemplates xmlns="http://schemas.microsoft.com/sharepoint/v3/contenttype/forms">
+  <Display>DocumentLibraryForm</Display>
+  <Edit>DocumentLibraryForm</Edit>
+  <New>DocumentLibraryForm</New>
+</FormTemplates>
+</file>
+
+<file path=customXml/item2.xml><?xml version="1.0" encoding="utf-8"?>
 <ct:contentTypeSchema xmlns:ct="http://schemas.microsoft.com/office/2006/metadata/contentType" xmlns:ma="http://schemas.microsoft.com/office/2006/metadata/properties/metaAttributes" ct:_="" ma:_="" ma:contentTypeName="Document" ma:contentTypeID="0x010100308E40E706C7A346904F58642B7D1969" ma:contentTypeVersion="0" ma:contentTypeDescription="Create a new document." ma:contentTypeScope="" ma:versionID="0ea485b46902d4f7e49967f1b2c25a65">
   <xsd:schema xmlns:xsd="http://www.w3.org/2001/XMLSchema" xmlns:xs="http://www.w3.org/2001/XMLSchema" xmlns:p="http://schemas.microsoft.com/office/2006/metadata/properties" targetNamespace="http://schemas.microsoft.com/office/2006/metadata/properties" ma:root="true" ma:fieldsID="90078a0fe6c183ae62661f67b7399e8a">
     <xsd:element name="properties">
@@ -18035,15 +18113,6 @@
 </ct:contentTypeSchema>
 </file>
 
-<file path=customXml/item2.xml><?xml version="1.0" encoding="utf-8"?>
-<?mso-contentType ?>
-<FormTemplates xmlns="http://schemas.microsoft.com/sharepoint/v3/contenttype/forms">
-  <Display>DocumentLibraryForm</Display>
-  <Edit>DocumentLibraryForm</Edit>
-  <New>DocumentLibraryForm</New>
-</FormTemplates>
-</file>
-
 <file path=customXml/item3.xml><?xml version="1.0" encoding="utf-8"?>
 <p:properties xmlns:p="http://schemas.microsoft.com/office/2006/metadata/properties" xmlns:xsi="http://www.w3.org/2001/XMLSchema-instance" xmlns:pc="http://schemas.microsoft.com/office/infopath/2007/PartnerControls">
   <documentManagement/>
@@ -18051,6 +18120,14 @@
 </file>
 
 <file path=customXml/itemProps1.xml><?xml version="1.0" encoding="utf-8"?>
+<ds:datastoreItem xmlns:ds="http://schemas.openxmlformats.org/officeDocument/2006/customXml" ds:itemID="{A6333066-D95F-4DC9-8F45-8431A5C3C76B}">
+  <ds:schemaRefs>
+    <ds:schemaRef ds:uri="http://schemas.microsoft.com/sharepoint/v3/contenttype/forms"/>
+  </ds:schemaRefs>
+</ds:datastoreItem>
+</file>
+
+<file path=customXml/itemProps2.xml><?xml version="1.0" encoding="utf-8"?>
 <ds:datastoreItem xmlns:ds="http://schemas.openxmlformats.org/officeDocument/2006/customXml" ds:itemID="{08DD32EF-F09C-4573-9C23-B48EA7D5886E}">
   <ds:schemaRefs>
     <ds:schemaRef ds:uri="http://schemas.microsoft.com/office/2006/metadata/contentType"/>
@@ -18062,14 +18139,6 @@
     <ds:schemaRef ds:uri="http://purl.org/dc/terms/"/>
     <ds:schemaRef ds:uri="http://schemas.microsoft.com/internal/obd"/>
     <ds:schemaRef ds:uri="http://schemas.microsoft.com/office/infopath/2007/PartnerControls"/>
-  </ds:schemaRefs>
-</ds:datastoreItem>
-</file>
-
-<file path=customXml/itemProps2.xml><?xml version="1.0" encoding="utf-8"?>
-<ds:datastoreItem xmlns:ds="http://schemas.openxmlformats.org/officeDocument/2006/customXml" ds:itemID="{A6333066-D95F-4DC9-8F45-8431A5C3C76B}">
-  <ds:schemaRefs>
-    <ds:schemaRef ds:uri="http://schemas.microsoft.com/sharepoint/v3/contenttype/forms"/>
   </ds:schemaRefs>
 </ds:datastoreItem>
 </file>

--- a/GitIntro.pptx
+++ b/GitIntro.pptx
@@ -154,12 +154,44 @@
 </p:presentation>
 </file>
 
+<file path=ppt/revisionInfo.xml><?xml version="1.0" encoding="utf-8"?>
+<p1510:revInfo xmlns:a="http://schemas.openxmlformats.org/drawingml/2006/main" xmlns:r="http://schemas.openxmlformats.org/officeDocument/2006/relationships" xmlns:p1510="http://schemas.microsoft.com/office/powerpoint/2015/10/main">
+  <p1510:revLst>
+    <p1510:client id="{2A3983BE-5699-446C-86EA-5D6EC2D87F69}" v="3" dt="2022-10-12T12:58:46.606"/>
+  </p1510:revLst>
+</p1510:revInfo>
+</file>
+
 <file path=ppt/changesInfos/changesInfo1.xml><?xml version="1.0" encoding="utf-8"?>
 <pc:chgInfo xmlns:a="http://schemas.openxmlformats.org/drawingml/2006/main" xmlns:r="http://schemas.openxmlformats.org/officeDocument/2006/relationships" xmlns:ac="http://schemas.microsoft.com/office/drawing/2013/main/command" xmlns:pc="http://schemas.microsoft.com/office/powerpoint/2013/main/command">
   <pc:docChgLst>
+    <pc:chgData name="Will Brooks" userId="S::will.brooks2@england.nhs.uk::d4c2b272-852e-451d-80ba-d2f905b38211" providerId="AD" clId="Web-{2A3983BE-5699-446C-86EA-5D6EC2D87F69}"/>
+    <pc:docChg chg="modSld">
+      <pc:chgData name="Will Brooks" userId="S::will.brooks2@england.nhs.uk::d4c2b272-852e-451d-80ba-d2f905b38211" providerId="AD" clId="Web-{2A3983BE-5699-446C-86EA-5D6EC2D87F69}" dt="2022-10-12T12:58:46.106" v="1" actId="20577"/>
+      <pc:docMkLst>
+        <pc:docMk/>
+      </pc:docMkLst>
+      <pc:sldChg chg="modSp">
+        <pc:chgData name="Will Brooks" userId="S::will.brooks2@england.nhs.uk::d4c2b272-852e-451d-80ba-d2f905b38211" providerId="AD" clId="Web-{2A3983BE-5699-446C-86EA-5D6EC2D87F69}" dt="2022-10-12T12:58:46.106" v="1" actId="20577"/>
+        <pc:sldMkLst>
+          <pc:docMk/>
+          <pc:sldMk cId="284761932" sldId="326"/>
+        </pc:sldMkLst>
+        <pc:spChg chg="mod">
+          <ac:chgData name="Will Brooks" userId="S::will.brooks2@england.nhs.uk::d4c2b272-852e-451d-80ba-d2f905b38211" providerId="AD" clId="Web-{2A3983BE-5699-446C-86EA-5D6EC2D87F69}" dt="2022-10-12T12:58:46.106" v="1" actId="20577"/>
+          <ac:spMkLst>
+            <pc:docMk/>
+            <pc:sldMk cId="284761932" sldId="326"/>
+            <ac:spMk id="2" creationId="{48869F42-6D93-4C35-8FA5-AE406994C1E3}"/>
+          </ac:spMkLst>
+        </pc:spChg>
+      </pc:sldChg>
+    </pc:docChg>
+  </pc:docChgLst>
+  <pc:docChgLst>
     <pc:chgData name="Will Brooks" userId="d4c2b272-852e-451d-80ba-d2f905b38211" providerId="ADAL" clId="{37A0AFB6-F6CA-4F11-9C33-0D7619B1449C}"/>
     <pc:docChg chg="undo custSel addSld delSld modSld">
-      <pc:chgData name="Will Brooks" userId="d4c2b272-852e-451d-80ba-d2f905b38211" providerId="ADAL" clId="{37A0AFB6-F6CA-4F11-9C33-0D7619B1449C}" dt="2022-10-12T08:21:12.103" v="10719" actId="20577"/>
+      <pc:chgData name="Will Brooks" userId="d4c2b272-852e-451d-80ba-d2f905b38211" providerId="ADAL" clId="{37A0AFB6-F6CA-4F11-9C33-0D7619B1449C}" dt="2022-10-12T12:19:38.381" v="11217" actId="122"/>
       <pc:docMkLst>
         <pc:docMk/>
       </pc:docMkLst>
@@ -503,13 +535,13 @@
         </pc:sldMkLst>
       </pc:sldChg>
       <pc:sldChg chg="addSp delSp modSp add del mod">
-        <pc:chgData name="Will Brooks" userId="d4c2b272-852e-451d-80ba-d2f905b38211" providerId="ADAL" clId="{37A0AFB6-F6CA-4F11-9C33-0D7619B1449C}" dt="2022-10-12T08:21:12.103" v="10719" actId="20577"/>
+        <pc:chgData name="Will Brooks" userId="d4c2b272-852e-451d-80ba-d2f905b38211" providerId="ADAL" clId="{37A0AFB6-F6CA-4F11-9C33-0D7619B1449C}" dt="2022-10-12T12:17:06.065" v="11138" actId="20577"/>
         <pc:sldMkLst>
           <pc:docMk/>
           <pc:sldMk cId="3770664684" sldId="316"/>
         </pc:sldMkLst>
         <pc:spChg chg="mod">
-          <ac:chgData name="Will Brooks" userId="d4c2b272-852e-451d-80ba-d2f905b38211" providerId="ADAL" clId="{37A0AFB6-F6CA-4F11-9C33-0D7619B1449C}" dt="2022-10-12T08:21:12.103" v="10719" actId="20577"/>
+          <ac:chgData name="Will Brooks" userId="d4c2b272-852e-451d-80ba-d2f905b38211" providerId="ADAL" clId="{37A0AFB6-F6CA-4F11-9C33-0D7619B1449C}" dt="2022-10-12T12:17:06.065" v="11138" actId="20577"/>
           <ac:spMkLst>
             <pc:docMk/>
             <pc:sldMk cId="3770664684" sldId="316"/>
@@ -533,7 +565,7 @@
           </ac:spMkLst>
         </pc:spChg>
         <pc:picChg chg="add mod">
-          <ac:chgData name="Will Brooks" userId="d4c2b272-852e-451d-80ba-d2f905b38211" providerId="ADAL" clId="{37A0AFB6-F6CA-4F11-9C33-0D7619B1449C}" dt="2022-09-28T07:51:45.342" v="9660" actId="1076"/>
+          <ac:chgData name="Will Brooks" userId="d4c2b272-852e-451d-80ba-d2f905b38211" providerId="ADAL" clId="{37A0AFB6-F6CA-4F11-9C33-0D7619B1449C}" dt="2022-10-12T10:54:23.242" v="10984" actId="1076"/>
           <ac:picMkLst>
             <pc:docMk/>
             <pc:sldMk cId="3770664684" sldId="316"/>
@@ -613,13 +645,13 @@
         </pc:cxnChg>
       </pc:sldChg>
       <pc:sldChg chg="addSp delSp modSp add mod">
-        <pc:chgData name="Will Brooks" userId="d4c2b272-852e-451d-80ba-d2f905b38211" providerId="ADAL" clId="{37A0AFB6-F6CA-4F11-9C33-0D7619B1449C}" dt="2022-10-12T08:05:43.825" v="9736" actId="478"/>
+        <pc:chgData name="Will Brooks" userId="d4c2b272-852e-451d-80ba-d2f905b38211" providerId="ADAL" clId="{37A0AFB6-F6CA-4F11-9C33-0D7619B1449C}" dt="2022-10-12T11:08:18.713" v="11134" actId="20577"/>
         <pc:sldMkLst>
           <pc:docMk/>
           <pc:sldMk cId="2310298358" sldId="318"/>
         </pc:sldMkLst>
         <pc:spChg chg="mod">
-          <ac:chgData name="Will Brooks" userId="d4c2b272-852e-451d-80ba-d2f905b38211" providerId="ADAL" clId="{37A0AFB6-F6CA-4F11-9C33-0D7619B1449C}" dt="2022-09-21T14:55:45.288" v="6518" actId="114"/>
+          <ac:chgData name="Will Brooks" userId="d4c2b272-852e-451d-80ba-d2f905b38211" providerId="ADAL" clId="{37A0AFB6-F6CA-4F11-9C33-0D7619B1449C}" dt="2022-10-12T11:08:18.713" v="11134" actId="20577"/>
           <ac:spMkLst>
             <pc:docMk/>
             <pc:sldMk cId="2310298358" sldId="318"/>
@@ -691,13 +723,13 @@
         </pc:picChg>
       </pc:sldChg>
       <pc:sldChg chg="addSp delSp modSp add mod">
-        <pc:chgData name="Will Brooks" userId="d4c2b272-852e-451d-80ba-d2f905b38211" providerId="ADAL" clId="{37A0AFB6-F6CA-4F11-9C33-0D7619B1449C}" dt="2022-10-12T08:05:40.319" v="9735" actId="478"/>
+        <pc:chgData name="Will Brooks" userId="d4c2b272-852e-451d-80ba-d2f905b38211" providerId="ADAL" clId="{37A0AFB6-F6CA-4F11-9C33-0D7619B1449C}" dt="2022-10-12T10:53:17.002" v="10895" actId="20577"/>
         <pc:sldMkLst>
           <pc:docMk/>
           <pc:sldMk cId="3118825995" sldId="320"/>
         </pc:sldMkLst>
         <pc:spChg chg="mod">
-          <ac:chgData name="Will Brooks" userId="d4c2b272-852e-451d-80ba-d2f905b38211" providerId="ADAL" clId="{37A0AFB6-F6CA-4F11-9C33-0D7619B1449C}" dt="2022-09-22T12:34:26.649" v="7942" actId="20577"/>
+          <ac:chgData name="Will Brooks" userId="d4c2b272-852e-451d-80ba-d2f905b38211" providerId="ADAL" clId="{37A0AFB6-F6CA-4F11-9C33-0D7619B1449C}" dt="2022-10-12T10:53:17.002" v="10895" actId="20577"/>
           <ac:spMkLst>
             <pc:docMk/>
             <pc:sldMk cId="3118825995" sldId="320"/>
@@ -1125,13 +1157,13 @@
         </pc:picChg>
       </pc:sldChg>
       <pc:sldChg chg="addSp modSp add mod">
-        <pc:chgData name="Will Brooks" userId="d4c2b272-852e-451d-80ba-d2f905b38211" providerId="ADAL" clId="{37A0AFB6-F6CA-4F11-9C33-0D7619B1449C}" dt="2022-10-12T08:19:09.055" v="10689" actId="1076"/>
+        <pc:chgData name="Will Brooks" userId="d4c2b272-852e-451d-80ba-d2f905b38211" providerId="ADAL" clId="{37A0AFB6-F6CA-4F11-9C33-0D7619B1449C}" dt="2022-10-12T12:19:38.381" v="11217" actId="122"/>
         <pc:sldMkLst>
           <pc:docMk/>
           <pc:sldMk cId="284761932" sldId="326"/>
         </pc:sldMkLst>
         <pc:spChg chg="mod">
-          <ac:chgData name="Will Brooks" userId="d4c2b272-852e-451d-80ba-d2f905b38211" providerId="ADAL" clId="{37A0AFB6-F6CA-4F11-9C33-0D7619B1449C}" dt="2022-10-12T08:18:29.474" v="10686" actId="20577"/>
+          <ac:chgData name="Will Brooks" userId="d4c2b272-852e-451d-80ba-d2f905b38211" providerId="ADAL" clId="{37A0AFB6-F6CA-4F11-9C33-0D7619B1449C}" dt="2022-10-12T12:18:40.012" v="11144" actId="20577"/>
           <ac:spMkLst>
             <pc:docMk/>
             <pc:sldMk cId="284761932" sldId="326"/>
@@ -1146,8 +1178,16 @@
             <ac:spMk id="4" creationId="{42A5EA90-17C9-4BD5-BD0D-74A5419E18C7}"/>
           </ac:spMkLst>
         </pc:spChg>
+        <pc:spChg chg="add mod">
+          <ac:chgData name="Will Brooks" userId="d4c2b272-852e-451d-80ba-d2f905b38211" providerId="ADAL" clId="{37A0AFB6-F6CA-4F11-9C33-0D7619B1449C}" dt="2022-10-12T12:19:38.381" v="11217" actId="122"/>
+          <ac:spMkLst>
+            <pc:docMk/>
+            <pc:sldMk cId="284761932" sldId="326"/>
+            <ac:spMk id="5" creationId="{810A230D-06E4-4725-A9FE-5153C091D9CA}"/>
+          </ac:spMkLst>
+        </pc:spChg>
         <pc:picChg chg="add mod">
-          <ac:chgData name="Will Brooks" userId="d4c2b272-852e-451d-80ba-d2f905b38211" providerId="ADAL" clId="{37A0AFB6-F6CA-4F11-9C33-0D7619B1449C}" dt="2022-10-12T08:19:09.055" v="10689" actId="1076"/>
+          <ac:chgData name="Will Brooks" userId="d4c2b272-852e-451d-80ba-d2f905b38211" providerId="ADAL" clId="{37A0AFB6-F6CA-4F11-9C33-0D7619B1449C}" dt="2022-10-12T12:18:49.017" v="11147" actId="14100"/>
           <ac:picMkLst>
             <pc:docMk/>
             <pc:sldMk cId="284761932" sldId="326"/>
@@ -13752,7 +13792,7 @@
           <a:lstStyle/>
           <a:p>
             <a:r>
-              <a:rPr lang="en-GB" dirty="0"/>
+              <a:rPr lang="en-GB"/>
               <a:t>An Introduction to GitHub</a:t>
             </a:r>
           </a:p>
@@ -13779,7 +13819,7 @@
           <a:lstStyle/>
           <a:p>
             <a:r>
-              <a:rPr lang="en-GB" dirty="0"/>
+              <a:rPr lang="en-GB"/>
               <a:t>October 2022</a:t>
             </a:r>
           </a:p>
@@ -14838,13 +14878,13 @@
           <a:lstStyle/>
           <a:p>
             <a:r>
-              <a:rPr lang="en-GB" dirty="0"/>
-              <a:t>Git was designed and developed in 2005 on the Linux kernel, which is know for being free, open source, multi-tasking and distributed. </a:t>
-            </a:r>
-          </a:p>
-          <a:p>
-            <a:r>
-              <a:rPr lang="en-GB" b="1" dirty="0"/>
+              <a:rPr lang="en-GB"/>
+              <a:t>Git was designed and developed in 2005 on the Linux kernel, which is known for being free, open source, multi-tasking and distributed. </a:t>
+            </a:r>
+          </a:p>
+          <a:p>
+            <a:r>
+              <a:rPr lang="en-GB" b="1"/>
               <a:t>Git is an open-source, distributed, version-control system</a:t>
             </a:r>
           </a:p>
@@ -14854,7 +14894,7 @@
               <a:buChar char="o"/>
             </a:pPr>
             <a:r>
-              <a:rPr lang="en-GB" dirty="0"/>
+              <a:rPr lang="en-GB"/>
               <a:t>Seamlessly tracking changes and versions, branches allow versions to be stored without clutter</a:t>
             </a:r>
           </a:p>
@@ -14864,13 +14904,13 @@
               <a:buChar char="o"/>
             </a:pPr>
             <a:r>
-              <a:rPr lang="en-GB" dirty="0"/>
+              <a:rPr lang="en-GB"/>
               <a:t>Contributions from multiple users, pulling content from and pushing content to the shared remote repository</a:t>
             </a:r>
           </a:p>
           <a:p>
             <a:r>
-              <a:rPr lang="en-GB" b="1" dirty="0"/>
+              <a:rPr lang="en-GB" b="1"/>
               <a:t>Distributed </a:t>
             </a:r>
           </a:p>
@@ -14880,13 +14920,13 @@
               <a:buChar char="o"/>
             </a:pPr>
             <a:r>
-              <a:rPr lang="en-GB" dirty="0"/>
+              <a:rPr lang="en-GB"/>
               <a:t>Use your system (local repository) and remotes (GitHub). </a:t>
             </a:r>
           </a:p>
           <a:p>
             <a:r>
-              <a:rPr lang="en-GB" b="1" dirty="0"/>
+              <a:rPr lang="en-GB" b="1"/>
               <a:t>Open Source </a:t>
             </a:r>
           </a:p>
@@ -14896,7 +14936,7 @@
               <a:buChar char="o"/>
             </a:pPr>
             <a:r>
-              <a:rPr lang="en-GB" dirty="0"/>
+              <a:rPr lang="en-GB"/>
               <a:t>Source code can be inspected by anyone on the remote (GitHub)</a:t>
             </a:r>
           </a:p>
@@ -14906,20 +14946,9 @@
               <a:buChar char="o"/>
             </a:pPr>
             <a:r>
-              <a:rPr lang="en-GB" dirty="0"/>
+              <a:rPr lang="en-GB"/>
               <a:t>Would have implications for what Git can be used for (Non-sensitive)</a:t>
             </a:r>
-          </a:p>
-          <a:p>
-            <a:r>
-              <a:rPr lang="en-GB" b="1" dirty="0"/>
-              <a:t>GitHub and </a:t>
-            </a:r>
-            <a:r>
-              <a:rPr lang="en-GB" b="1" dirty="0" err="1"/>
-              <a:t>GitBash</a:t>
-            </a:r>
-            <a:endParaRPr lang="en-GB" b="1" dirty="0"/>
           </a:p>
           <a:p>
             <a:pPr lvl="1">
@@ -14927,9 +14956,28 @@
               <a:buChar char="o"/>
             </a:pPr>
             <a:r>
-              <a:rPr lang="en-GB" dirty="0"/>
-              <a:t>GitHub is an online repository which acts as your remote. This is accessible across teams, and can be duplicated into a ‘local’ folder, which acts as a personal repository</a:t>
-            </a:r>
+              <a:rPr lang="en-GB"/>
+              <a:t>Git does </a:t>
+            </a:r>
+            <a:r>
+              <a:rPr lang="en-GB" b="1" u="sng"/>
+              <a:t>not</a:t>
+            </a:r>
+            <a:r>
+              <a:rPr lang="en-GB"/>
+              <a:t> allow you to add code to someone else’s repository without access rights</a:t>
+            </a:r>
+          </a:p>
+          <a:p>
+            <a:r>
+              <a:rPr lang="en-GB" b="1"/>
+              <a:t>GitHub and </a:t>
+            </a:r>
+            <a:r>
+              <a:rPr lang="en-GB" b="1" err="1"/>
+              <a:t>GitBash</a:t>
+            </a:r>
+            <a:endParaRPr lang="en-GB" b="1"/>
           </a:p>
           <a:p>
             <a:pPr lvl="1">
@@ -14937,24 +14985,8 @@
               <a:buChar char="o"/>
             </a:pPr>
             <a:r>
-              <a:rPr lang="en-GB" dirty="0"/>
-              <a:t>Git Bash on UDAL – Local repository, linked to GitHub via </a:t>
-            </a:r>
-            <a:r>
-              <a:rPr lang="en-GB" i="1" dirty="0"/>
-              <a:t>push</a:t>
-            </a:r>
-            <a:r>
-              <a:rPr lang="en-GB" dirty="0"/>
-              <a:t> commands, can </a:t>
-            </a:r>
-            <a:r>
-              <a:rPr lang="en-GB" i="1" dirty="0"/>
-              <a:t>pull</a:t>
-            </a:r>
-            <a:r>
-              <a:rPr lang="en-GB" dirty="0"/>
-              <a:t> from ‘remote’. Makes changes accessible to all working in a remote repository</a:t>
+              <a:rPr lang="en-GB"/>
+              <a:t>GitHub is an online repository which acts as your remote. This is accessible across teams, and can be duplicated into a ‘local’ folder, which acts as a personal repository</a:t>
             </a:r>
           </a:p>
           <a:p>
@@ -14963,15 +14995,35 @@
               <a:buChar char="o"/>
             </a:pPr>
             <a:r>
-              <a:rPr lang="en-GB" dirty="0"/>
-              <a:t>Strong admin and team management, members can leave comments on issues</a:t>
-            </a:r>
-          </a:p>
-          <a:p>
-            <a:pPr marL="914400" lvl="2" indent="0">
-              <a:buNone/>
+              <a:rPr lang="en-GB"/>
+              <a:t>Git Bash on UDAL – Local repository, linked to GitHub via </a:t>
+            </a:r>
+            <a:r>
+              <a:rPr lang="en-GB" i="1"/>
+              <a:t>push</a:t>
+            </a:r>
+            <a:r>
+              <a:rPr lang="en-GB"/>
+              <a:t> commands, can </a:t>
+            </a:r>
+            <a:r>
+              <a:rPr lang="en-GB" i="1"/>
+              <a:t>pull</a:t>
+            </a:r>
+            <a:r>
+              <a:rPr lang="en-GB"/>
+              <a:t> from ‘remote’. Makes changes accessible to all working in a remote repository</a:t>
+            </a:r>
+          </a:p>
+          <a:p>
+            <a:pPr lvl="1">
+              <a:buFont typeface="Courier New" panose="02070309020205020404" pitchFamily="49" charset="0"/>
+              <a:buChar char="o"/>
             </a:pPr>
-            <a:endParaRPr lang="en-GB" dirty="0"/>
+            <a:r>
+              <a:rPr lang="en-GB"/>
+              <a:t>Strong admin and team management</a:t>
+            </a:r>
           </a:p>
         </p:txBody>
       </p:sp>
@@ -15065,8 +15117,8 @@
         </p:blipFill>
         <p:spPr bwMode="auto">
           <a:xfrm>
-            <a:off x="6582839" y="2713754"/>
-            <a:ext cx="2329204" cy="1748355"/>
+            <a:off x="6717766" y="2677158"/>
+            <a:ext cx="2003246" cy="1503683"/>
           </a:xfrm>
           <a:prstGeom prst="rect">
             <a:avLst/>
@@ -15864,6 +15916,19 @@
           <a:p>
             <a:r>
               <a:rPr lang="en-GB"/>
+              <a:t>Pull Requests -&gt; Notifying collaborators that you have changes ready for them to review, and they can then pull your contributions and merge them into their branch</a:t>
+            </a:r>
+          </a:p>
+          <a:p>
+            <a:pPr lvl="1">
+              <a:buFont typeface="Courier New" panose="02070309020205020404" pitchFamily="49" charset="0"/>
+              <a:buChar char="o"/>
+            </a:pPr>
+            <a:endParaRPr lang="en-GB"/>
+          </a:p>
+          <a:p>
+            <a:r>
+              <a:rPr lang="en-GB"/>
               <a:t>Switching between branches allows you to compare the versions and assess the changes made. This means that further alterations can be made before the branches are merged, and the master then contains the latest version</a:t>
             </a:r>
           </a:p>
@@ -15988,24 +16053,39 @@
         </p:nvSpPr>
         <p:spPr/>
         <p:txBody>
-          <a:bodyPr/>
+          <a:bodyPr lIns="91440" tIns="45720" rIns="91440" bIns="45720" anchor="t"/>
           <a:lstStyle/>
           <a:p>
             <a:pPr marL="0" indent="0">
               <a:buNone/>
             </a:pPr>
             <a:r>
-              <a:rPr lang="en-GB" dirty="0"/>
+              <a:rPr lang="en-GB">
+                <a:latin typeface="Arial"/>
+                <a:cs typeface="Arial"/>
+              </a:rPr>
               <a:t>Analytical teams within NHSE already use Git as a means for collaboration on large analytical projects</a:t>
             </a:r>
           </a:p>
           <a:p>
-            <a:r>
-              <a:rPr lang="en-GB" b="1" dirty="0"/>
+            <a:pPr marL="0" indent="0">
+              <a:buNone/>
+            </a:pPr>
+            <a:endParaRPr lang="en-GB"/>
+          </a:p>
+          <a:p>
+            <a:r>
+              <a:rPr lang="en-GB" b="1">
+                <a:latin typeface="Arial"/>
+                <a:cs typeface="Arial"/>
+              </a:rPr>
               <a:t>Mental Health and Dementia Analytical Team </a:t>
             </a:r>
             <a:r>
-              <a:rPr lang="en-GB" dirty="0"/>
+              <a:rPr lang="en-GB">
+                <a:latin typeface="Arial"/>
+                <a:cs typeface="Arial"/>
+              </a:rPr>
               <a:t>– Producing analysis and reporting from the MHSDS and IAPT dataset, use Git to share and develop SQL scripts, sharing on GitHub rather than files being lost in emails, working collaboratively within team or across the organisation</a:t>
             </a:r>
           </a:p>
@@ -16015,11 +16095,17 @@
               <a:buChar char="o"/>
             </a:pPr>
             <a:r>
-              <a:rPr lang="en-GB" b="1" dirty="0"/>
+              <a:rPr lang="en-GB" b="1">
+                <a:latin typeface="Arial"/>
+                <a:cs typeface="Arial"/>
+              </a:rPr>
               <a:t>Transparency</a:t>
             </a:r>
             <a:r>
-              <a:rPr lang="en-GB" dirty="0"/>
+              <a:rPr lang="en-GB">
+                <a:latin typeface="Arial"/>
+                <a:cs typeface="Arial"/>
+              </a:rPr>
               <a:t> improves confidence in published analysis – makes analysis easier to recreate, as the processes are visible across branches</a:t>
             </a:r>
           </a:p>
@@ -16028,52 +16114,72 @@
               <a:buFont typeface="Courier New" panose="02070309020205020404" pitchFamily="49" charset="0"/>
               <a:buChar char="o"/>
             </a:pPr>
-            <a:endParaRPr lang="en-GB" dirty="0"/>
-          </a:p>
-          <a:p>
-            <a:r>
-              <a:rPr lang="en-GB" b="1" dirty="0"/>
+            <a:endParaRPr lang="en-GB"/>
+          </a:p>
+          <a:p>
+            <a:r>
+              <a:rPr lang="en-GB" b="1">
+                <a:latin typeface="Arial"/>
+                <a:cs typeface="Arial"/>
+              </a:rPr>
               <a:t>NHSE GitHub </a:t>
             </a:r>
             <a:r>
-              <a:rPr lang="en-GB" dirty="0"/>
+              <a:rPr lang="en-GB">
+                <a:latin typeface="Arial"/>
+                <a:cs typeface="Arial"/>
+              </a:rPr>
               <a:t>– Main GitHub organisation for NHSE, split into teams for localised admin</a:t>
             </a:r>
           </a:p>
           <a:p>
-            <a:endParaRPr lang="en-GB" dirty="0"/>
-          </a:p>
-          <a:p>
-            <a:r>
-              <a:rPr lang="en-GB" b="1" dirty="0"/>
-              <a:t>Open Source Statistics </a:t>
-            </a:r>
-            <a:r>
-              <a:rPr lang="en-GB" dirty="0"/>
+            <a:endParaRPr lang="en-GB"/>
+          </a:p>
+          <a:p>
+            <a:r>
+              <a:rPr lang="en-GB" b="1">
+                <a:latin typeface="Arial"/>
+                <a:cs typeface="Arial"/>
+              </a:rPr>
+              <a:t>Open-Source Statistics </a:t>
+            </a:r>
+            <a:r>
+              <a:rPr lang="en-GB">
+                <a:latin typeface="Arial"/>
+                <a:cs typeface="Arial"/>
+              </a:rPr>
               <a:t>– Development of the NHS Python Community Website, Digital Health Insights</a:t>
             </a:r>
-            <a:endParaRPr lang="en-GB" b="1" dirty="0"/>
-          </a:p>
-          <a:p>
-            <a:endParaRPr lang="en-GB" dirty="0"/>
-          </a:p>
-          <a:p>
-            <a:pPr lvl="1">
-              <a:buFont typeface="Courier New" panose="02070309020205020404" pitchFamily="49" charset="0"/>
-              <a:buChar char="o"/>
+            <a:endParaRPr lang="en-GB" b="1">
+              <a:latin typeface="Arial"/>
+              <a:cs typeface="Arial"/>
+            </a:endParaRPr>
+          </a:p>
+          <a:p>
+            <a:pPr marL="457200" lvl="1" indent="0">
+              <a:buNone/>
             </a:pPr>
-            <a:endParaRPr lang="en-GB" b="1" dirty="0"/>
-          </a:p>
-          <a:p>
-            <a:r>
-              <a:rPr lang="en-GB" b="1" dirty="0"/>
+            <a:endParaRPr lang="en-GB" b="1"/>
+          </a:p>
+          <a:p>
+            <a:r>
+              <a:rPr lang="en-GB" b="1">
+                <a:latin typeface="Arial"/>
+                <a:cs typeface="Arial"/>
+              </a:rPr>
               <a:t>A&amp;E Forecasting Admissions Tool – </a:t>
             </a:r>
             <a:r>
-              <a:rPr lang="en-GB" dirty="0"/>
+              <a:rPr lang="en-GB">
+                <a:latin typeface="Arial"/>
+                <a:cs typeface="Arial"/>
+              </a:rPr>
               <a:t>Development of the tool was done through GitHub, involving co-development between NHS and Faculty</a:t>
             </a:r>
-            <a:endParaRPr lang="en-GB" b="1" dirty="0"/>
+            <a:endParaRPr lang="en-GB" b="1">
+              <a:latin typeface="Arial"/>
+              <a:cs typeface="Arial"/>
+            </a:endParaRPr>
           </a:p>
         </p:txBody>
       </p:sp>
@@ -16132,7 +16238,7 @@
           <a:lstStyle/>
           <a:p>
             <a:r>
-              <a:rPr lang="en-GB" dirty="0"/>
+              <a:rPr lang="en-GB"/>
               <a:t>Learning From Others</a:t>
             </a:r>
           </a:p>
@@ -16160,14 +16266,50 @@
         </p:blipFill>
         <p:spPr>
           <a:xfrm>
-            <a:off x="6062584" y="5189251"/>
-            <a:ext cx="2390740" cy="1449293"/>
+            <a:off x="5677188" y="5207988"/>
+            <a:ext cx="2776136" cy="1430555"/>
           </a:xfrm>
           <a:prstGeom prst="rect">
             <a:avLst/>
           </a:prstGeom>
         </p:spPr>
       </p:pic>
+      <p:sp>
+        <p:nvSpPr>
+          <p:cNvPr id="5" name="TextBox 4">
+            <a:extLst>
+              <a:ext uri="{FF2B5EF4-FFF2-40B4-BE49-F238E27FC236}">
+                <a16:creationId xmlns:a16="http://schemas.microsoft.com/office/drawing/2014/main" id="{810A230D-06E4-4725-A9FE-5153C091D9CA}"/>
+              </a:ext>
+            </a:extLst>
+          </p:cNvPr>
+          <p:cNvSpPr txBox="1"/>
+          <p:nvPr/>
+        </p:nvSpPr>
+        <p:spPr>
+          <a:xfrm>
+            <a:off x="3368351" y="5692432"/>
+            <a:ext cx="2127380" cy="461665"/>
+          </a:xfrm>
+          <a:prstGeom prst="rect">
+            <a:avLst/>
+          </a:prstGeom>
+          <a:noFill/>
+        </p:spPr>
+        <p:txBody>
+          <a:bodyPr wrap="square" rtlCol="0">
+            <a:spAutoFit/>
+          </a:bodyPr>
+          <a:lstStyle/>
+          <a:p>
+            <a:pPr algn="ctr"/>
+            <a:r>
+              <a:rPr lang="en-GB" sz="1200"/>
+              <a:t>The adoption of open-source in healthcare, 2014-2022</a:t>
+            </a:r>
+          </a:p>
+        </p:txBody>
+      </p:sp>
     </p:spTree>
     <p:extLst>
       <p:ext uri="{BB962C8B-B14F-4D97-AF65-F5344CB8AC3E}">
@@ -16220,8 +16362,12 @@
           <a:lstStyle/>
           <a:p>
             <a:r>
-              <a:rPr lang="en-GB" dirty="0"/>
-              <a:t>Version Control -&gt; Version Control can be something that is difficult/time consuming to complete</a:t>
+              <a:rPr lang="en-GB" b="1"/>
+              <a:t>Version Control</a:t>
+            </a:r>
+            <a:r>
+              <a:rPr lang="en-GB"/>
+              <a:t> -&gt; Version Control can be something that is difficult/time consuming to complete</a:t>
             </a:r>
           </a:p>
           <a:p>
@@ -16230,7 +16376,7 @@
               <a:buChar char="o"/>
             </a:pPr>
             <a:r>
-              <a:rPr lang="en-GB" dirty="0"/>
+              <a:rPr lang="en-GB"/>
               <a:t>There are often small changes that may seem meaningless to record</a:t>
             </a:r>
           </a:p>
@@ -16240,7 +16386,7 @@
               <a:buChar char="o"/>
             </a:pPr>
             <a:r>
-              <a:rPr lang="en-GB" dirty="0"/>
+              <a:rPr lang="en-GB"/>
               <a:t>There can be large changes that change the landscape of a file</a:t>
             </a:r>
           </a:p>
@@ -16250,7 +16396,7 @@
               <a:buChar char="o"/>
             </a:pPr>
             <a:r>
-              <a:rPr lang="en-GB" dirty="0"/>
+              <a:rPr lang="en-GB"/>
               <a:t>Branching allows small and large changes to be tracked, and files to be archived without clutter</a:t>
             </a:r>
           </a:p>
@@ -16259,12 +16405,16 @@
               <a:buFont typeface="Courier New" panose="02070309020205020404" pitchFamily="49" charset="0"/>
               <a:buChar char="o"/>
             </a:pPr>
-            <a:endParaRPr lang="en-GB" dirty="0"/>
-          </a:p>
-          <a:p>
-            <a:r>
-              <a:rPr lang="en-GB" dirty="0"/>
-              <a:t>Collaborative Working -&gt; The team often works on large R scripts / SQL queries etc. that may constantly change over the process of producing a product</a:t>
+            <a:endParaRPr lang="en-GB"/>
+          </a:p>
+          <a:p>
+            <a:r>
+              <a:rPr lang="en-GB" b="1"/>
+              <a:t>Collaborative Working </a:t>
+            </a:r>
+            <a:r>
+              <a:rPr lang="en-GB"/>
+              <a:t>-&gt; The team often works on large R scripts / SQL queries etc. that may constantly change over the process of producing a product</a:t>
             </a:r>
           </a:p>
           <a:p>
@@ -16273,24 +16423,24 @@
               <a:buChar char="o"/>
             </a:pPr>
             <a:r>
-              <a:rPr lang="en-GB" dirty="0"/>
+              <a:rPr lang="en-GB"/>
               <a:t>Multiple colleagues can access scripts, make changes, </a:t>
             </a:r>
             <a:r>
-              <a:rPr lang="en-GB" i="1" dirty="0"/>
+              <a:rPr lang="en-GB" i="1"/>
               <a:t>push</a:t>
             </a:r>
             <a:r>
-              <a:rPr lang="en-GB" dirty="0"/>
+              <a:rPr lang="en-GB"/>
               <a:t> them to the remote, and </a:t>
             </a:r>
             <a:r>
-              <a:rPr lang="en-GB" i="1" dirty="0"/>
+              <a:rPr lang="en-GB" i="1"/>
               <a:t>pull</a:t>
             </a:r>
             <a:r>
-              <a:rPr lang="en-GB" dirty="0"/>
-              <a:t> the changes that others have made</a:t>
+              <a:rPr lang="en-GB"/>
+              <a:t> the changes that others have made, reviewing using pull requests</a:t>
             </a:r>
           </a:p>
           <a:p>
@@ -16299,8 +16449,8 @@
               <a:buChar char="o"/>
             </a:pPr>
             <a:r>
-              <a:rPr lang="en-GB" dirty="0"/>
-              <a:t>These changes can be reviewed centrally, and commits and merges can be made where we are confident that change is necessary</a:t>
+              <a:rPr lang="en-GB"/>
+              <a:t>These changes can be reviewed centrally, and commits and merges can be made where we are confident in the change as a team</a:t>
             </a:r>
           </a:p>
           <a:p>
@@ -16309,8 +16459,8 @@
               <a:buChar char="o"/>
             </a:pPr>
             <a:r>
-              <a:rPr lang="en-GB" dirty="0"/>
-              <a:t>This would be useful for future iterations of PLICS where the R code will likely become much larger, and more people will work on it</a:t>
+              <a:rPr lang="en-GB"/>
+              <a:t>This would be useful for large projects, like PLICS, where the R code will likely become large, and more people will work on it</a:t>
             </a:r>
           </a:p>
           <a:p>
@@ -16318,12 +16468,16 @@
               <a:buFont typeface="Courier New" panose="02070309020205020404" pitchFamily="49" charset="0"/>
               <a:buChar char="o"/>
             </a:pPr>
-            <a:endParaRPr lang="en-GB" dirty="0"/>
-          </a:p>
-          <a:p>
-            <a:r>
-              <a:rPr lang="en-GB" dirty="0"/>
-              <a:t>Transparency and Schematics -&gt; Schematics can sometimes be difficult to produce as lots of processes have taken place</a:t>
+            <a:endParaRPr lang="en-GB"/>
+          </a:p>
+          <a:p>
+            <a:r>
+              <a:rPr lang="en-GB" b="1"/>
+              <a:t>Transparency</a:t>
+            </a:r>
+            <a:r>
+              <a:rPr lang="en-GB"/>
+              <a:t> -&gt; This nature of version control allows the steps of change for production documents to be followed easily, if an appropriate naming system is adopted</a:t>
             </a:r>
           </a:p>
           <a:p>
@@ -16332,8 +16486,8 @@
               <a:buChar char="o"/>
             </a:pPr>
             <a:r>
-              <a:rPr lang="en-GB" dirty="0"/>
-              <a:t>This nature of version control allows the steps of change for production documents to be followed easily, if an appropriate naming system is adopted</a:t>
+              <a:rPr lang="en-GB"/>
+              <a:t>The –m messaging feature allows colleagues to label their changes, e.g. ‘lines added for MFF values’</a:t>
             </a:r>
           </a:p>
           <a:p>
@@ -16342,15 +16496,15 @@
               <a:buChar char="o"/>
             </a:pPr>
             <a:r>
-              <a:rPr lang="en-GB" dirty="0"/>
-              <a:t>The –m messaging feature allows colleagues to label their changes, e.g. ‘lines added for MFF values’</a:t>
+              <a:rPr lang="en-GB"/>
+              <a:t>‘Public money, public code!’</a:t>
             </a:r>
           </a:p>
           <a:p>
             <a:pPr marL="457200" lvl="1" indent="0">
               <a:buNone/>
             </a:pPr>
-            <a:endParaRPr lang="en-GB" dirty="0"/>
+            <a:endParaRPr lang="en-GB"/>
           </a:p>
         </p:txBody>
       </p:sp>
@@ -18000,6 +18154,12 @@
 </file>
 
 <file path=customXml/item2.xml><?xml version="1.0" encoding="utf-8"?>
+<p:properties xmlns:p="http://schemas.microsoft.com/office/2006/metadata/properties" xmlns:xsi="http://www.w3.org/2001/XMLSchema-instance" xmlns:pc="http://schemas.microsoft.com/office/infopath/2007/PartnerControls">
+  <documentManagement/>
+</p:properties>
+</file>
+
+<file path=customXml/item3.xml><?xml version="1.0" encoding="utf-8"?>
 <ct:contentTypeSchema xmlns:ct="http://schemas.microsoft.com/office/2006/metadata/contentType" xmlns:ma="http://schemas.microsoft.com/office/2006/metadata/properties/metaAttributes" ct:_="" ma:_="" ma:contentTypeName="Document" ma:contentTypeID="0x010100308E40E706C7A346904F58642B7D1969" ma:contentTypeVersion="0" ma:contentTypeDescription="Create a new document." ma:contentTypeScope="" ma:versionID="0ea485b46902d4f7e49967f1b2c25a65">
   <xsd:schema xmlns:xsd="http://www.w3.org/2001/XMLSchema" xmlns:xs="http://www.w3.org/2001/XMLSchema" xmlns:p="http://schemas.microsoft.com/office/2006/metadata/properties" targetNamespace="http://schemas.microsoft.com/office/2006/metadata/properties" ma:root="true" ma:fieldsID="90078a0fe6c183ae62661f67b7399e8a">
     <xsd:element name="properties">
@@ -18113,12 +18273,6 @@
 </ct:contentTypeSchema>
 </file>
 
-<file path=customXml/item3.xml><?xml version="1.0" encoding="utf-8"?>
-<p:properties xmlns:p="http://schemas.microsoft.com/office/2006/metadata/properties" xmlns:xsi="http://www.w3.org/2001/XMLSchema-instance" xmlns:pc="http://schemas.microsoft.com/office/infopath/2007/PartnerControls">
-  <documentManagement/>
-</p:properties>
-</file>
-
 <file path=customXml/itemProps1.xml><?xml version="1.0" encoding="utf-8"?>
 <ds:datastoreItem xmlns:ds="http://schemas.openxmlformats.org/officeDocument/2006/customXml" ds:itemID="{A6333066-D95F-4DC9-8F45-8431A5C3C76B}">
   <ds:schemaRefs>
@@ -18128,32 +18282,32 @@
 </file>
 
 <file path=customXml/itemProps2.xml><?xml version="1.0" encoding="utf-8"?>
-<ds:datastoreItem xmlns:ds="http://schemas.openxmlformats.org/officeDocument/2006/customXml" ds:itemID="{08DD32EF-F09C-4573-9C23-B48EA7D5886E}">
+<ds:datastoreItem xmlns:ds="http://schemas.openxmlformats.org/officeDocument/2006/customXml" ds:itemID="{A4D9FD49-C1C5-400A-B04D-90A236984D1F}">
   <ds:schemaRefs>
-    <ds:schemaRef ds:uri="http://schemas.microsoft.com/office/2006/metadata/contentType"/>
-    <ds:schemaRef ds:uri="http://schemas.microsoft.com/office/2006/metadata/properties/metaAttributes"/>
-    <ds:schemaRef ds:uri="http://www.w3.org/2001/XMLSchema"/>
-    <ds:schemaRef ds:uri="http://schemas.microsoft.com/office/2006/metadata/properties"/>
-    <ds:schemaRef ds:uri="http://schemas.openxmlformats.org/package/2006/metadata/core-properties"/>
+    <ds:schemaRef ds:uri="http://purl.org/dc/dcmitype/"/>
     <ds:schemaRef ds:uri="http://purl.org/dc/elements/1.1/"/>
     <ds:schemaRef ds:uri="http://purl.org/dc/terms/"/>
-    <ds:schemaRef ds:uri="http://schemas.microsoft.com/internal/obd"/>
+    <ds:schemaRef ds:uri="http://schemas.microsoft.com/office/2006/documentManagement/types"/>
+    <ds:schemaRef ds:uri="http://schemas.microsoft.com/office/2006/metadata/properties"/>
     <ds:schemaRef ds:uri="http://schemas.microsoft.com/office/infopath/2007/PartnerControls"/>
+    <ds:schemaRef ds:uri="http://schemas.openxmlformats.org/package/2006/metadata/core-properties"/>
+    <ds:schemaRef ds:uri="http://www.w3.org/XML/1998/namespace"/>
   </ds:schemaRefs>
 </ds:datastoreItem>
 </file>
 
 <file path=customXml/itemProps3.xml><?xml version="1.0" encoding="utf-8"?>
-<ds:datastoreItem xmlns:ds="http://schemas.openxmlformats.org/officeDocument/2006/customXml" ds:itemID="{A4D9FD49-C1C5-400A-B04D-90A236984D1F}">
+<ds:datastoreItem xmlns:ds="http://schemas.openxmlformats.org/officeDocument/2006/customXml" ds:itemID="{08DD32EF-F09C-4573-9C23-B48EA7D5886E}">
   <ds:schemaRefs>
+    <ds:schemaRef ds:uri="http://purl.org/dc/elements/1.1/"/>
+    <ds:schemaRef ds:uri="http://purl.org/dc/terms/"/>
+    <ds:schemaRef ds:uri="http://schemas.microsoft.com/internal/obd"/>
+    <ds:schemaRef ds:uri="http://schemas.microsoft.com/office/2006/metadata/contentType"/>
+    <ds:schemaRef ds:uri="http://schemas.microsoft.com/office/2006/metadata/properties"/>
+    <ds:schemaRef ds:uri="http://schemas.microsoft.com/office/2006/metadata/properties/metaAttributes"/>
+    <ds:schemaRef ds:uri="http://schemas.microsoft.com/office/infopath/2007/PartnerControls"/>
     <ds:schemaRef ds:uri="http://schemas.openxmlformats.org/package/2006/metadata/core-properties"/>
-    <ds:schemaRef ds:uri="http://purl.org/dc/dcmitype/"/>
-    <ds:schemaRef ds:uri="http://schemas.microsoft.com/office/infopath/2007/PartnerControls"/>
-    <ds:schemaRef ds:uri="http://purl.org/dc/elements/1.1/"/>
-    <ds:schemaRef ds:uri="http://schemas.microsoft.com/office/2006/metadata/properties"/>
-    <ds:schemaRef ds:uri="http://schemas.microsoft.com/office/2006/documentManagement/types"/>
-    <ds:schemaRef ds:uri="http://www.w3.org/XML/1998/namespace"/>
-    <ds:schemaRef ds:uri="http://purl.org/dc/terms/"/>
+    <ds:schemaRef ds:uri="http://www.w3.org/2001/XMLSchema"/>
   </ds:schemaRefs>
 </ds:datastoreItem>
 </file>